--- a/Grp Presentation.pptx
+++ b/Grp Presentation.pptx
@@ -25,19 +25,20 @@
     <p:sldId id="268" r:id="rId19"/>
     <p:sldId id="290" r:id="rId20"/>
     <p:sldId id="269" r:id="rId21"/>
-    <p:sldId id="282" r:id="rId22"/>
-    <p:sldId id="271" r:id="rId23"/>
-    <p:sldId id="274" r:id="rId24"/>
-    <p:sldId id="275" r:id="rId25"/>
-    <p:sldId id="277" r:id="rId26"/>
-    <p:sldId id="278" r:id="rId27"/>
-    <p:sldId id="284" r:id="rId28"/>
-    <p:sldId id="279" r:id="rId29"/>
-    <p:sldId id="289" r:id="rId30"/>
-    <p:sldId id="280" r:id="rId31"/>
-    <p:sldId id="285" r:id="rId32"/>
-    <p:sldId id="286" r:id="rId33"/>
-    <p:sldId id="281" r:id="rId34"/>
+    <p:sldId id="291" r:id="rId22"/>
+    <p:sldId id="282" r:id="rId23"/>
+    <p:sldId id="271" r:id="rId24"/>
+    <p:sldId id="274" r:id="rId25"/>
+    <p:sldId id="275" r:id="rId26"/>
+    <p:sldId id="277" r:id="rId27"/>
+    <p:sldId id="278" r:id="rId28"/>
+    <p:sldId id="284" r:id="rId29"/>
+    <p:sldId id="279" r:id="rId30"/>
+    <p:sldId id="289" r:id="rId31"/>
+    <p:sldId id="280" r:id="rId32"/>
+    <p:sldId id="285" r:id="rId33"/>
+    <p:sldId id="286" r:id="rId34"/>
+    <p:sldId id="281" r:id="rId35"/>
   </p:sldIdLst>
   <p:sldSz cx="12192000" cy="6858000"/>
   <p:notesSz cx="6858000" cy="9144000"/>
@@ -148,7 +149,7 @@
 <p1510:revInfo xmlns:a="http://schemas.openxmlformats.org/drawingml/2006/main" xmlns:r="http://schemas.openxmlformats.org/officeDocument/2006/relationships" xmlns:p1510="http://schemas.microsoft.com/office/powerpoint/2015/10/main">
   <p1510:revLst>
     <p1510:client id="{07FA4B2E-902A-4B46-B455-FA227D8539BA}" v="462" dt="2020-02-13T15:35:33.442"/>
-    <p1510:client id="{D4FFD855-904D-4A26-8473-2185EA92CFC7}" v="24" dt="2020-02-14T01:32:12.377"/>
+    <p1510:client id="{D4FFD855-904D-4A26-8473-2185EA92CFC7}" v="29" dt="2020-02-14T02:11:18.145"/>
   </p1510:revLst>
 </p1510:revInfo>
 </file>
@@ -3276,10 +3277,25 @@
   <pc:docChgLst>
     <pc:chgData name="Boon Jun" userId="b9b2384c46af58b4" providerId="LiveId" clId="{D4FFD855-904D-4A26-8473-2185EA92CFC7}"/>
     <pc:docChg chg="custSel addSld modSld sldOrd">
-      <pc:chgData name="Boon Jun" userId="b9b2384c46af58b4" providerId="LiveId" clId="{D4FFD855-904D-4A26-8473-2185EA92CFC7}" dt="2020-02-14T01:32:12.376" v="55" actId="1076"/>
+      <pc:chgData name="Boon Jun" userId="b9b2384c46af58b4" providerId="LiveId" clId="{D4FFD855-904D-4A26-8473-2185EA92CFC7}" dt="2020-02-14T02:11:56.613" v="144" actId="1076"/>
       <pc:docMkLst>
         <pc:docMk/>
       </pc:docMkLst>
+      <pc:sldChg chg="modSp">
+        <pc:chgData name="Boon Jun" userId="b9b2384c46af58b4" providerId="LiveId" clId="{D4FFD855-904D-4A26-8473-2185EA92CFC7}" dt="2020-02-14T02:06:42.493" v="113" actId="20577"/>
+        <pc:sldMkLst>
+          <pc:docMk/>
+          <pc:sldMk cId="1506440028" sldId="258"/>
+        </pc:sldMkLst>
+        <pc:spChg chg="mod">
+          <ac:chgData name="Boon Jun" userId="b9b2384c46af58b4" providerId="LiveId" clId="{D4FFD855-904D-4A26-8473-2185EA92CFC7}" dt="2020-02-14T02:06:42.493" v="113" actId="20577"/>
+          <ac:spMkLst>
+            <pc:docMk/>
+            <pc:sldMk cId="1506440028" sldId="258"/>
+            <ac:spMk id="6" creationId="{CA9F073F-09BD-4E0F-90F1-0AE8145C3969}"/>
+          </ac:spMkLst>
+        </pc:spChg>
+      </pc:sldChg>
       <pc:sldChg chg="ord">
         <pc:chgData name="Boon Jun" userId="b9b2384c46af58b4" providerId="LiveId" clId="{D4FFD855-904D-4A26-8473-2185EA92CFC7}" dt="2020-02-14T01:21:00.424" v="5"/>
         <pc:sldMkLst>
@@ -3432,6 +3448,85 @@
             <pc:docMk/>
             <pc:sldMk cId="3786095886" sldId="290"/>
             <ac:picMk id="1028" creationId="{B9848AF2-B000-4721-944C-799DD8D3409D}"/>
+          </ac:picMkLst>
+        </pc:picChg>
+      </pc:sldChg>
+      <pc:sldChg chg="addSp delSp modSp add">
+        <pc:chgData name="Boon Jun" userId="b9b2384c46af58b4" providerId="LiveId" clId="{D4FFD855-904D-4A26-8473-2185EA92CFC7}" dt="2020-02-14T02:11:56.613" v="144" actId="1076"/>
+        <pc:sldMkLst>
+          <pc:docMk/>
+          <pc:sldMk cId="2291047902" sldId="291"/>
+        </pc:sldMkLst>
+        <pc:spChg chg="del">
+          <ac:chgData name="Boon Jun" userId="b9b2384c46af58b4" providerId="LiveId" clId="{D4FFD855-904D-4A26-8473-2185EA92CFC7}" dt="2020-02-14T01:53:25.027" v="57" actId="478"/>
+          <ac:spMkLst>
+            <pc:docMk/>
+            <pc:sldMk cId="2291047902" sldId="291"/>
+            <ac:spMk id="4" creationId="{5E578772-EAAE-458D-B830-1F5DD458FA24}"/>
+          </ac:spMkLst>
+        </pc:spChg>
+        <pc:spChg chg="del">
+          <ac:chgData name="Boon Jun" userId="b9b2384c46af58b4" providerId="LiveId" clId="{D4FFD855-904D-4A26-8473-2185EA92CFC7}" dt="2020-02-14T01:53:25.027" v="57" actId="478"/>
+          <ac:spMkLst>
+            <pc:docMk/>
+            <pc:sldMk cId="2291047902" sldId="291"/>
+            <ac:spMk id="12" creationId="{97B40F1B-4516-4D95-A0FA-4B9FA0017862}"/>
+          </ac:spMkLst>
+        </pc:spChg>
+        <pc:spChg chg="del">
+          <ac:chgData name="Boon Jun" userId="b9b2384c46af58b4" providerId="LiveId" clId="{D4FFD855-904D-4A26-8473-2185EA92CFC7}" dt="2020-02-14T01:53:25.027" v="57" actId="478"/>
+          <ac:spMkLst>
+            <pc:docMk/>
+            <pc:sldMk cId="2291047902" sldId="291"/>
+            <ac:spMk id="14" creationId="{F748641D-FD57-4755-ABCE-CBB2DD3DA4C4}"/>
+          </ac:spMkLst>
+        </pc:spChg>
+        <pc:spChg chg="del">
+          <ac:chgData name="Boon Jun" userId="b9b2384c46af58b4" providerId="LiveId" clId="{D4FFD855-904D-4A26-8473-2185EA92CFC7}" dt="2020-02-14T01:53:25.027" v="57" actId="478"/>
+          <ac:spMkLst>
+            <pc:docMk/>
+            <pc:sldMk cId="2291047902" sldId="291"/>
+            <ac:spMk id="16" creationId="{ED19E5FB-A0EC-4411-9C07-2B0CA55826C8}"/>
+          </ac:spMkLst>
+        </pc:spChg>
+        <pc:graphicFrameChg chg="del">
+          <ac:chgData name="Boon Jun" userId="b9b2384c46af58b4" providerId="LiveId" clId="{D4FFD855-904D-4A26-8473-2185EA92CFC7}" dt="2020-02-14T01:53:25.027" v="57" actId="478"/>
+          <ac:graphicFrameMkLst>
+            <pc:docMk/>
+            <pc:sldMk cId="2291047902" sldId="291"/>
+            <ac:graphicFrameMk id="15" creationId="{F5D3B438-9BE1-48D5-AFE4-85AAF9E603B9}"/>
+          </ac:graphicFrameMkLst>
+        </pc:graphicFrameChg>
+        <pc:picChg chg="add mod">
+          <ac:chgData name="Boon Jun" userId="b9b2384c46af58b4" providerId="LiveId" clId="{D4FFD855-904D-4A26-8473-2185EA92CFC7}" dt="2020-02-14T02:11:56.613" v="144" actId="1076"/>
+          <ac:picMkLst>
+            <pc:docMk/>
+            <pc:sldMk cId="2291047902" sldId="291"/>
+            <ac:picMk id="5" creationId="{D927BABE-3B1D-46D3-9A32-AD6B9FC5E817}"/>
+          </ac:picMkLst>
+        </pc:picChg>
+        <pc:picChg chg="add del mod">
+          <ac:chgData name="Boon Jun" userId="b9b2384c46af58b4" providerId="LiveId" clId="{D4FFD855-904D-4A26-8473-2185EA92CFC7}" dt="2020-02-14T02:09:26.168" v="115" actId="478"/>
+          <ac:picMkLst>
+            <pc:docMk/>
+            <pc:sldMk cId="2291047902" sldId="291"/>
+            <ac:picMk id="8" creationId="{65D3839D-40E5-4EA4-99F9-E6BC534ABCE0}"/>
+          </ac:picMkLst>
+        </pc:picChg>
+        <pc:picChg chg="add del mod">
+          <ac:chgData name="Boon Jun" userId="b9b2384c46af58b4" providerId="LiveId" clId="{D4FFD855-904D-4A26-8473-2185EA92CFC7}" dt="2020-02-14T02:10:56.120" v="137" actId="478"/>
+          <ac:picMkLst>
+            <pc:docMk/>
+            <pc:sldMk cId="2291047902" sldId="291"/>
+            <ac:picMk id="19" creationId="{3894D5A9-2324-42CB-A826-0236F1FA1FCD}"/>
+          </ac:picMkLst>
+        </pc:picChg>
+        <pc:picChg chg="add mod">
+          <ac:chgData name="Boon Jun" userId="b9b2384c46af58b4" providerId="LiveId" clId="{D4FFD855-904D-4A26-8473-2185EA92CFC7}" dt="2020-02-14T02:11:28.180" v="143" actId="1076"/>
+          <ac:picMkLst>
+            <pc:docMk/>
+            <pc:sldMk cId="2291047902" sldId="291"/>
+            <ac:picMk id="21" creationId="{EF765D1A-FCFE-458C-A02A-19E505FCACCA}"/>
           </ac:picMkLst>
         </pc:picChg>
       </pc:sldChg>
@@ -16338,6 +16433,418 @@
           <a:chExt cx="0" cy="0"/>
         </a:xfrm>
       </p:grpSpPr>
+      <p:sp>
+        <p:nvSpPr>
+          <p:cNvPr id="2" name="Title 1">
+            <a:extLst>
+              <a:ext uri="{FF2B5EF4-FFF2-40B4-BE49-F238E27FC236}">
+                <a16:creationId xmlns:a16="http://schemas.microsoft.com/office/drawing/2014/main" id="{FF21E304-E4E0-438B-AB07-1B8DC03AFC6F}"/>
+              </a:ext>
+            </a:extLst>
+          </p:cNvPr>
+          <p:cNvSpPr>
+            <a:spLocks noGrp="1"/>
+          </p:cNvSpPr>
+          <p:nvPr>
+            <p:ph type="ctrTitle"/>
+          </p:nvPr>
+        </p:nvSpPr>
+        <p:spPr>
+          <a:xfrm>
+            <a:off x="436202" y="5632449"/>
+            <a:ext cx="6136048" cy="928045"/>
+          </a:xfrm>
+        </p:spPr>
+        <p:txBody>
+          <a:bodyPr>
+            <a:normAutofit fontScale="90000"/>
+          </a:bodyPr>
+          <a:lstStyle/>
+          <a:p>
+            <a:pPr algn="l">
+              <a:lnSpc>
+                <a:spcPct val="150000"/>
+              </a:lnSpc>
+            </a:pPr>
+            <a:r>
+              <a:rPr lang="en-SG" dirty="0">
+                <a:gradFill flip="none" rotWithShape="1">
+                  <a:gsLst>
+                    <a:gs pos="0">
+                      <a:srgbClr val="35609A"/>
+                    </a:gs>
+                    <a:gs pos="100000">
+                      <a:srgbClr val="EC343F"/>
+                    </a:gs>
+                  </a:gsLst>
+                  <a:lin ang="0" scaled="1"/>
+                  <a:tileRect/>
+                </a:gradFill>
+                <a:latin typeface="Gotham Black" panose="02000603040000020004" pitchFamily="2" charset="0"/>
+              </a:rPr>
+              <a:t>MODELLING</a:t>
+            </a:r>
+            <a:endParaRPr lang="en-SG" dirty="0">
+              <a:gradFill>
+                <a:gsLst>
+                  <a:gs pos="0">
+                    <a:srgbClr val="35609A"/>
+                  </a:gs>
+                  <a:gs pos="100000">
+                    <a:srgbClr val="EC343F"/>
+                  </a:gs>
+                </a:gsLst>
+                <a:lin ang="0" scaled="1"/>
+              </a:gradFill>
+              <a:latin typeface="Gotham Black" panose="02000603040000020004" pitchFamily="2" charset="0"/>
+            </a:endParaRPr>
+          </a:p>
+        </p:txBody>
+      </p:sp>
+      <p:pic>
+        <p:nvPicPr>
+          <p:cNvPr id="7" name="Graphic 6" descr="Mop and bucket">
+            <a:extLst>
+              <a:ext uri="{FF2B5EF4-FFF2-40B4-BE49-F238E27FC236}">
+                <a16:creationId xmlns:a16="http://schemas.microsoft.com/office/drawing/2014/main" id="{0F454814-B50C-4698-B6C0-6DE90A930257}"/>
+              </a:ext>
+            </a:extLst>
+          </p:cNvPr>
+          <p:cNvPicPr>
+            <a:picLocks noChangeAspect="1"/>
+          </p:cNvPicPr>
+          <p:nvPr/>
+        </p:nvPicPr>
+        <p:blipFill>
+          <a:blip r:embed="rId2">
+            <a:extLst>
+              <a:ext uri="{28A0092B-C50C-407E-A947-70E740481C1C}">
+                <a14:useLocalDpi xmlns:a14="http://schemas.microsoft.com/office/drawing/2010/main" val="0"/>
+              </a:ext>
+              <a:ext uri="{96DAC541-7B7A-43D3-8B79-37D633B846F1}">
+                <asvg:svgBlip xmlns:asvg="http://schemas.microsoft.com/office/drawing/2016/SVG/main" r:embed="rId3"/>
+              </a:ext>
+            </a:extLst>
+          </a:blip>
+          <a:stretch>
+            <a:fillRect/>
+          </a:stretch>
+        </p:blipFill>
+        <p:spPr>
+          <a:xfrm>
+            <a:off x="6762349" y="5966194"/>
+            <a:ext cx="360000" cy="360000"/>
+          </a:xfrm>
+          <a:prstGeom prst="rect">
+            <a:avLst/>
+          </a:prstGeom>
+        </p:spPr>
+      </p:pic>
+      <p:pic>
+        <p:nvPicPr>
+          <p:cNvPr id="9" name="Graphic 8" descr="Research">
+            <a:extLst>
+              <a:ext uri="{FF2B5EF4-FFF2-40B4-BE49-F238E27FC236}">
+                <a16:creationId xmlns:a16="http://schemas.microsoft.com/office/drawing/2014/main" id="{4484A587-4DE2-4E0E-BD31-1E5371FF1617}"/>
+              </a:ext>
+            </a:extLst>
+          </p:cNvPr>
+          <p:cNvPicPr>
+            <a:picLocks noChangeAspect="1"/>
+          </p:cNvPicPr>
+          <p:nvPr/>
+        </p:nvPicPr>
+        <p:blipFill>
+          <a:blip r:embed="rId4">
+            <a:extLst>
+              <a:ext uri="{28A0092B-C50C-407E-A947-70E740481C1C}">
+                <a14:useLocalDpi xmlns:a14="http://schemas.microsoft.com/office/drawing/2010/main" val="0"/>
+              </a:ext>
+              <a:ext uri="{96DAC541-7B7A-43D3-8B79-37D633B846F1}">
+                <asvg:svgBlip xmlns:asvg="http://schemas.microsoft.com/office/drawing/2016/SVG/main" r:embed="rId5"/>
+              </a:ext>
+            </a:extLst>
+          </a:blip>
+          <a:stretch>
+            <a:fillRect/>
+          </a:stretch>
+        </p:blipFill>
+        <p:spPr>
+          <a:xfrm>
+            <a:off x="7392104" y="5966194"/>
+            <a:ext cx="360000" cy="360000"/>
+          </a:xfrm>
+          <a:prstGeom prst="rect">
+            <a:avLst/>
+          </a:prstGeom>
+        </p:spPr>
+      </p:pic>
+      <p:pic>
+        <p:nvPicPr>
+          <p:cNvPr id="11" name="Graphic 10" descr="Minimize">
+            <a:extLst>
+              <a:ext uri="{FF2B5EF4-FFF2-40B4-BE49-F238E27FC236}">
+                <a16:creationId xmlns:a16="http://schemas.microsoft.com/office/drawing/2014/main" id="{787A3D66-E702-4786-9334-AA8574247486}"/>
+              </a:ext>
+            </a:extLst>
+          </p:cNvPr>
+          <p:cNvPicPr>
+            <a:picLocks noChangeAspect="1"/>
+          </p:cNvPicPr>
+          <p:nvPr/>
+        </p:nvPicPr>
+        <p:blipFill>
+          <a:blip r:embed="rId6">
+            <a:extLst>
+              <a:ext uri="{28A0092B-C50C-407E-A947-70E740481C1C}">
+                <a14:useLocalDpi xmlns:a14="http://schemas.microsoft.com/office/drawing/2010/main" val="0"/>
+              </a:ext>
+              <a:ext uri="{96DAC541-7B7A-43D3-8B79-37D633B846F1}">
+                <asvg:svgBlip xmlns:asvg="http://schemas.microsoft.com/office/drawing/2016/SVG/main" r:embed="rId7"/>
+              </a:ext>
+            </a:extLst>
+          </a:blip>
+          <a:stretch>
+            <a:fillRect/>
+          </a:stretch>
+        </p:blipFill>
+        <p:spPr>
+          <a:xfrm>
+            <a:off x="8021859" y="5966194"/>
+            <a:ext cx="360000" cy="360000"/>
+          </a:xfrm>
+          <a:prstGeom prst="rect">
+            <a:avLst/>
+          </a:prstGeom>
+        </p:spPr>
+      </p:pic>
+      <p:pic>
+        <p:nvPicPr>
+          <p:cNvPr id="13" name="Graphic 12" descr="Tools">
+            <a:extLst>
+              <a:ext uri="{FF2B5EF4-FFF2-40B4-BE49-F238E27FC236}">
+                <a16:creationId xmlns:a16="http://schemas.microsoft.com/office/drawing/2014/main" id="{10818EE9-430A-4CC4-BD02-5BDDEF750326}"/>
+              </a:ext>
+            </a:extLst>
+          </p:cNvPr>
+          <p:cNvPicPr>
+            <a:picLocks noChangeAspect="1"/>
+          </p:cNvPicPr>
+          <p:nvPr/>
+        </p:nvPicPr>
+        <p:blipFill>
+          <a:blip r:embed="rId8">
+            <a:extLst>
+              <a:ext uri="{28A0092B-C50C-407E-A947-70E740481C1C}">
+                <a14:useLocalDpi xmlns:a14="http://schemas.microsoft.com/office/drawing/2010/main" val="0"/>
+              </a:ext>
+              <a:ext uri="{96DAC541-7B7A-43D3-8B79-37D633B846F1}">
+                <asvg:svgBlip xmlns:asvg="http://schemas.microsoft.com/office/drawing/2016/SVG/main" r:embed="rId9"/>
+              </a:ext>
+            </a:extLst>
+          </a:blip>
+          <a:stretch>
+            <a:fillRect/>
+          </a:stretch>
+        </p:blipFill>
+        <p:spPr>
+          <a:xfrm>
+            <a:off x="8651614" y="5966194"/>
+            <a:ext cx="360000" cy="360000"/>
+          </a:xfrm>
+          <a:prstGeom prst="rect">
+            <a:avLst/>
+          </a:prstGeom>
+        </p:spPr>
+      </p:pic>
+      <p:pic>
+        <p:nvPicPr>
+          <p:cNvPr id="17" name="Graphic 16" descr="Hourglass">
+            <a:extLst>
+              <a:ext uri="{FF2B5EF4-FFF2-40B4-BE49-F238E27FC236}">
+                <a16:creationId xmlns:a16="http://schemas.microsoft.com/office/drawing/2014/main" id="{2AB76BBD-A7C0-47CD-8857-DAAB96FDAC61}"/>
+              </a:ext>
+            </a:extLst>
+          </p:cNvPr>
+          <p:cNvPicPr>
+            <a:picLocks noChangeAspect="1"/>
+          </p:cNvPicPr>
+          <p:nvPr/>
+        </p:nvPicPr>
+        <p:blipFill>
+          <a:blip r:embed="rId10">
+            <a:extLst>
+              <a:ext uri="{28A0092B-C50C-407E-A947-70E740481C1C}">
+                <a14:useLocalDpi xmlns:a14="http://schemas.microsoft.com/office/drawing/2010/main" val="0"/>
+              </a:ext>
+              <a:ext uri="{96DAC541-7B7A-43D3-8B79-37D633B846F1}">
+                <asvg:svgBlip xmlns:asvg="http://schemas.microsoft.com/office/drawing/2016/SVG/main" r:embed="rId11"/>
+              </a:ext>
+            </a:extLst>
+          </a:blip>
+          <a:stretch>
+            <a:fillRect/>
+          </a:stretch>
+        </p:blipFill>
+        <p:spPr>
+          <a:xfrm>
+            <a:off x="9281369" y="5966194"/>
+            <a:ext cx="360000" cy="360000"/>
+          </a:xfrm>
+          <a:prstGeom prst="rect">
+            <a:avLst/>
+          </a:prstGeom>
+        </p:spPr>
+      </p:pic>
+      <p:pic>
+        <p:nvPicPr>
+          <p:cNvPr id="18" name="Graphic 17" descr="Piggy Bank">
+            <a:extLst>
+              <a:ext uri="{FF2B5EF4-FFF2-40B4-BE49-F238E27FC236}">
+                <a16:creationId xmlns:a16="http://schemas.microsoft.com/office/drawing/2014/main" id="{7C7A62CD-CD8D-4FAC-929F-A22A075F4143}"/>
+              </a:ext>
+            </a:extLst>
+          </p:cNvPr>
+          <p:cNvPicPr>
+            <a:picLocks noChangeAspect="1"/>
+          </p:cNvPicPr>
+          <p:nvPr/>
+        </p:nvPicPr>
+        <p:blipFill>
+          <a:blip r:embed="rId12">
+            <a:extLst>
+              <a:ext uri="{28A0092B-C50C-407E-A947-70E740481C1C}">
+                <a14:useLocalDpi xmlns:a14="http://schemas.microsoft.com/office/drawing/2010/main" val="0"/>
+              </a:ext>
+              <a:ext uri="{96DAC541-7B7A-43D3-8B79-37D633B846F1}">
+                <asvg:svgBlip xmlns:asvg="http://schemas.microsoft.com/office/drawing/2016/SVG/main" r:embed="rId13"/>
+              </a:ext>
+            </a:extLst>
+          </a:blip>
+          <a:stretch>
+            <a:fillRect/>
+          </a:stretch>
+        </p:blipFill>
+        <p:spPr>
+          <a:xfrm>
+            <a:off x="9911124" y="5966194"/>
+            <a:ext cx="360000" cy="360000"/>
+          </a:xfrm>
+          <a:prstGeom prst="rect">
+            <a:avLst/>
+          </a:prstGeom>
+        </p:spPr>
+      </p:pic>
+      <p:pic>
+        <p:nvPicPr>
+          <p:cNvPr id="5" name="Picture 4" descr="A screenshot of a cell phone&#10;&#10;Description automatically generated">
+            <a:extLst>
+              <a:ext uri="{FF2B5EF4-FFF2-40B4-BE49-F238E27FC236}">
+                <a16:creationId xmlns:a16="http://schemas.microsoft.com/office/drawing/2014/main" id="{D927BABE-3B1D-46D3-9A32-AD6B9FC5E817}"/>
+              </a:ext>
+            </a:extLst>
+          </p:cNvPr>
+          <p:cNvPicPr>
+            <a:picLocks noChangeAspect="1"/>
+          </p:cNvPicPr>
+          <p:nvPr/>
+        </p:nvPicPr>
+        <p:blipFill>
+          <a:blip r:embed="rId14">
+            <a:extLst>
+              <a:ext uri="{28A0092B-C50C-407E-A947-70E740481C1C}">
+                <a14:useLocalDpi xmlns:a14="http://schemas.microsoft.com/office/drawing/2010/main" val="0"/>
+              </a:ext>
+            </a:extLst>
+          </a:blip>
+          <a:stretch>
+            <a:fillRect/>
+          </a:stretch>
+        </p:blipFill>
+        <p:spPr>
+          <a:xfrm>
+            <a:off x="9011614" y="354630"/>
+            <a:ext cx="2861594" cy="5208298"/>
+          </a:xfrm>
+          <a:prstGeom prst="rect">
+            <a:avLst/>
+          </a:prstGeom>
+        </p:spPr>
+      </p:pic>
+      <p:pic>
+        <p:nvPicPr>
+          <p:cNvPr id="21" name="Picture 20" descr="A screenshot of a cell phone&#10;&#10;Description automatically generated">
+            <a:extLst>
+              <a:ext uri="{FF2B5EF4-FFF2-40B4-BE49-F238E27FC236}">
+                <a16:creationId xmlns:a16="http://schemas.microsoft.com/office/drawing/2014/main" id="{EF765D1A-FCFE-458C-A02A-19E505FCACCA}"/>
+              </a:ext>
+            </a:extLst>
+          </p:cNvPr>
+          <p:cNvPicPr>
+            <a:picLocks noChangeAspect="1"/>
+          </p:cNvPicPr>
+          <p:nvPr/>
+        </p:nvPicPr>
+        <p:blipFill>
+          <a:blip r:embed="rId15">
+            <a:extLst>
+              <a:ext uri="{28A0092B-C50C-407E-A947-70E740481C1C}">
+                <a14:useLocalDpi xmlns:a14="http://schemas.microsoft.com/office/drawing/2010/main" val="0"/>
+              </a:ext>
+            </a:extLst>
+          </a:blip>
+          <a:stretch>
+            <a:fillRect/>
+          </a:stretch>
+        </p:blipFill>
+        <p:spPr>
+          <a:xfrm>
+            <a:off x="436202" y="359727"/>
+            <a:ext cx="8444398" cy="5203201"/>
+          </a:xfrm>
+          <a:prstGeom prst="rect">
+            <a:avLst/>
+          </a:prstGeom>
+        </p:spPr>
+      </p:pic>
+    </p:spTree>
+    <p:extLst>
+      <p:ext uri="{BB962C8B-B14F-4D97-AF65-F5344CB8AC3E}">
+        <p14:creationId xmlns:p14="http://schemas.microsoft.com/office/powerpoint/2010/main" val="2291047902"/>
+      </p:ext>
+    </p:extLst>
+  </p:cSld>
+  <p:clrMapOvr>
+    <a:masterClrMapping/>
+  </p:clrMapOvr>
+</p:sld>
+</file>
+
+<file path=ppt/slides/slide22.xml><?xml version="1.0" encoding="utf-8"?>
+<p:sld xmlns:a="http://schemas.openxmlformats.org/drawingml/2006/main" xmlns:r="http://schemas.openxmlformats.org/officeDocument/2006/relationships" xmlns:p="http://schemas.openxmlformats.org/presentationml/2006/main">
+  <p:cSld>
+    <p:bg>
+      <p:bgPr>
+        <a:solidFill>
+          <a:srgbClr val="2F3742"/>
+        </a:solidFill>
+        <a:effectLst/>
+      </p:bgPr>
+    </p:bg>
+    <p:spTree>
+      <p:nvGrpSpPr>
+        <p:cNvPr id="1" name=""/>
+        <p:cNvGrpSpPr/>
+        <p:nvPr/>
+      </p:nvGrpSpPr>
+      <p:grpSpPr>
+        <a:xfrm>
+          <a:off x="0" y="0"/>
+          <a:ext cx="0" cy="0"/>
+          <a:chOff x="0" y="0"/>
+          <a:chExt cx="0" cy="0"/>
+        </a:xfrm>
+      </p:grpSpPr>
       <p:grpSp>
         <p:nvGrpSpPr>
           <p:cNvPr id="15" name="Group 14">
@@ -16899,7 +17406,7 @@
 </p:sld>
 </file>
 
-<file path=ppt/slides/slide22.xml><?xml version="1.0" encoding="utf-8"?>
+<file path=ppt/slides/slide23.xml><?xml version="1.0" encoding="utf-8"?>
 <p:sld xmlns:a="http://schemas.openxmlformats.org/drawingml/2006/main" xmlns:r="http://schemas.openxmlformats.org/officeDocument/2006/relationships" xmlns:p="http://schemas.openxmlformats.org/presentationml/2006/main">
   <p:cSld>
     <p:bg>
@@ -17559,7 +18066,7 @@
 </p:sld>
 </file>
 
-<file path=ppt/slides/slide23.xml><?xml version="1.0" encoding="utf-8"?>
+<file path=ppt/slides/slide24.xml><?xml version="1.0" encoding="utf-8"?>
 <p:sld xmlns:a="http://schemas.openxmlformats.org/drawingml/2006/main" xmlns:r="http://schemas.openxmlformats.org/officeDocument/2006/relationships" xmlns:p="http://schemas.openxmlformats.org/presentationml/2006/main">
   <p:cSld>
     <p:bg>
@@ -18258,7 +18765,7 @@
 </p:sld>
 </file>
 
-<file path=ppt/slides/slide24.xml><?xml version="1.0" encoding="utf-8"?>
+<file path=ppt/slides/slide25.xml><?xml version="1.0" encoding="utf-8"?>
 <p:sld xmlns:a="http://schemas.openxmlformats.org/drawingml/2006/main" xmlns:r="http://schemas.openxmlformats.org/officeDocument/2006/relationships" xmlns:p="http://schemas.openxmlformats.org/presentationml/2006/main">
   <p:cSld>
     <p:bg>
@@ -19006,7 +19513,7 @@
 </p:sld>
 </file>
 
-<file path=ppt/slides/slide25.xml><?xml version="1.0" encoding="utf-8"?>
+<file path=ppt/slides/slide26.xml><?xml version="1.0" encoding="utf-8"?>
 <p:sld xmlns:a="http://schemas.openxmlformats.org/drawingml/2006/main" xmlns:r="http://schemas.openxmlformats.org/officeDocument/2006/relationships" xmlns:p="http://schemas.openxmlformats.org/presentationml/2006/main">
   <p:cSld>
     <p:bg>
@@ -19562,7 +20069,7 @@
 </p:sld>
 </file>
 
-<file path=ppt/slides/slide26.xml><?xml version="1.0" encoding="utf-8"?>
+<file path=ppt/slides/slide27.xml><?xml version="1.0" encoding="utf-8"?>
 <p:sld xmlns:a="http://schemas.openxmlformats.org/drawingml/2006/main" xmlns:r="http://schemas.openxmlformats.org/officeDocument/2006/relationships" xmlns:p="http://schemas.openxmlformats.org/presentationml/2006/main">
   <p:cSld>
     <p:bg>
@@ -20750,7 +21257,7 @@
 </p:sld>
 </file>
 
-<file path=ppt/slides/slide27.xml><?xml version="1.0" encoding="utf-8"?>
+<file path=ppt/slides/slide28.xml><?xml version="1.0" encoding="utf-8"?>
 <p:sld xmlns:a="http://schemas.openxmlformats.org/drawingml/2006/main" xmlns:r="http://schemas.openxmlformats.org/officeDocument/2006/relationships" xmlns:p="http://schemas.openxmlformats.org/presentationml/2006/main">
   <p:cSld>
     <p:bg>
@@ -21407,7 +21914,7 @@
 </p:sld>
 </file>
 
-<file path=ppt/slides/slide28.xml><?xml version="1.0" encoding="utf-8"?>
+<file path=ppt/slides/slide29.xml><?xml version="1.0" encoding="utf-8"?>
 <p:sld xmlns:a="http://schemas.openxmlformats.org/drawingml/2006/main" xmlns:r="http://schemas.openxmlformats.org/officeDocument/2006/relationships" xmlns:p="http://schemas.openxmlformats.org/presentationml/2006/main">
   <p:cSld>
     <p:bg>
@@ -21938,1002 +22445,6 @@
     <p:extLst>
       <p:ext uri="{BB962C8B-B14F-4D97-AF65-F5344CB8AC3E}">
         <p14:creationId xmlns:p14="http://schemas.microsoft.com/office/powerpoint/2010/main" val="1611237328"/>
-      </p:ext>
-    </p:extLst>
-  </p:cSld>
-  <p:clrMapOvr>
-    <a:masterClrMapping/>
-  </p:clrMapOvr>
-</p:sld>
-</file>
-
-<file path=ppt/slides/slide29.xml><?xml version="1.0" encoding="utf-8"?>
-<p:sld xmlns:a="http://schemas.openxmlformats.org/drawingml/2006/main" xmlns:r="http://schemas.openxmlformats.org/officeDocument/2006/relationships" xmlns:p="http://schemas.openxmlformats.org/presentationml/2006/main">
-  <p:cSld>
-    <p:bg>
-      <p:bgPr>
-        <a:solidFill>
-          <a:srgbClr val="2F3742"/>
-        </a:solidFill>
-        <a:effectLst/>
-      </p:bgPr>
-    </p:bg>
-    <p:spTree>
-      <p:nvGrpSpPr>
-        <p:cNvPr id="1" name=""/>
-        <p:cNvGrpSpPr/>
-        <p:nvPr/>
-      </p:nvGrpSpPr>
-      <p:grpSpPr>
-        <a:xfrm>
-          <a:off x="0" y="0"/>
-          <a:ext cx="0" cy="0"/>
-          <a:chOff x="0" y="0"/>
-          <a:chExt cx="0" cy="0"/>
-        </a:xfrm>
-      </p:grpSpPr>
-      <p:sp>
-        <p:nvSpPr>
-          <p:cNvPr id="2" name="Title 1">
-            <a:extLst>
-              <a:ext uri="{FF2B5EF4-FFF2-40B4-BE49-F238E27FC236}">
-                <a16:creationId xmlns:a16="http://schemas.microsoft.com/office/drawing/2014/main" id="{FF21E304-E4E0-438B-AB07-1B8DC03AFC6F}"/>
-              </a:ext>
-            </a:extLst>
-          </p:cNvPr>
-          <p:cNvSpPr>
-            <a:spLocks noGrp="1"/>
-          </p:cNvSpPr>
-          <p:nvPr>
-            <p:ph type="ctrTitle"/>
-          </p:nvPr>
-        </p:nvSpPr>
-        <p:spPr>
-          <a:xfrm>
-            <a:off x="436202" y="5632449"/>
-            <a:ext cx="6136048" cy="928045"/>
-          </a:xfrm>
-        </p:spPr>
-        <p:txBody>
-          <a:bodyPr>
-            <a:normAutofit fontScale="90000"/>
-          </a:bodyPr>
-          <a:lstStyle/>
-          <a:p>
-            <a:pPr algn="l">
-              <a:lnSpc>
-                <a:spcPct val="150000"/>
-              </a:lnSpc>
-            </a:pPr>
-            <a:r>
-              <a:rPr lang="en-SG" dirty="0">
-                <a:gradFill flip="none" rotWithShape="1">
-                  <a:gsLst>
-                    <a:gs pos="0">
-                      <a:srgbClr val="35609A"/>
-                    </a:gs>
-                    <a:gs pos="100000">
-                      <a:srgbClr val="EC343F"/>
-                    </a:gs>
-                  </a:gsLst>
-                  <a:lin ang="0" scaled="1"/>
-                  <a:tileRect/>
-                </a:gradFill>
-                <a:latin typeface="Gotham Black" panose="02000603040000020004" pitchFamily="2" charset="0"/>
-              </a:rPr>
-              <a:t>COST ANALYSIS</a:t>
-            </a:r>
-            <a:endParaRPr lang="en-SG" dirty="0">
-              <a:gradFill>
-                <a:gsLst>
-                  <a:gs pos="0">
-                    <a:srgbClr val="35609A"/>
-                  </a:gs>
-                  <a:gs pos="100000">
-                    <a:srgbClr val="EC343F"/>
-                  </a:gs>
-                </a:gsLst>
-                <a:lin ang="0" scaled="1"/>
-              </a:gradFill>
-              <a:latin typeface="Gotham Black" panose="02000603040000020004" pitchFamily="2" charset="0"/>
-            </a:endParaRPr>
-          </a:p>
-        </p:txBody>
-      </p:sp>
-      <p:pic>
-        <p:nvPicPr>
-          <p:cNvPr id="7" name="Graphic 6" descr="Mop and bucket">
-            <a:extLst>
-              <a:ext uri="{FF2B5EF4-FFF2-40B4-BE49-F238E27FC236}">
-                <a16:creationId xmlns:a16="http://schemas.microsoft.com/office/drawing/2014/main" id="{0F454814-B50C-4698-B6C0-6DE90A930257}"/>
-              </a:ext>
-            </a:extLst>
-          </p:cNvPr>
-          <p:cNvPicPr>
-            <a:picLocks noChangeAspect="1"/>
-          </p:cNvPicPr>
-          <p:nvPr/>
-        </p:nvPicPr>
-        <p:blipFill>
-          <a:blip r:embed="rId2">
-            <a:extLst>
-              <a:ext uri="{28A0092B-C50C-407E-A947-70E740481C1C}">
-                <a14:useLocalDpi xmlns:a14="http://schemas.microsoft.com/office/drawing/2010/main" val="0"/>
-              </a:ext>
-              <a:ext uri="{96DAC541-7B7A-43D3-8B79-37D633B846F1}">
-                <asvg:svgBlip xmlns:asvg="http://schemas.microsoft.com/office/drawing/2016/SVG/main" r:embed="rId3"/>
-              </a:ext>
-            </a:extLst>
-          </a:blip>
-          <a:stretch>
-            <a:fillRect/>
-          </a:stretch>
-        </p:blipFill>
-        <p:spPr>
-          <a:xfrm>
-            <a:off x="6762349" y="5966194"/>
-            <a:ext cx="360000" cy="360000"/>
-          </a:xfrm>
-          <a:prstGeom prst="rect">
-            <a:avLst/>
-          </a:prstGeom>
-        </p:spPr>
-      </p:pic>
-      <p:pic>
-        <p:nvPicPr>
-          <p:cNvPr id="9" name="Graphic 8" descr="Research">
-            <a:extLst>
-              <a:ext uri="{FF2B5EF4-FFF2-40B4-BE49-F238E27FC236}">
-                <a16:creationId xmlns:a16="http://schemas.microsoft.com/office/drawing/2014/main" id="{4484A587-4DE2-4E0E-BD31-1E5371FF1617}"/>
-              </a:ext>
-            </a:extLst>
-          </p:cNvPr>
-          <p:cNvPicPr>
-            <a:picLocks noChangeAspect="1"/>
-          </p:cNvPicPr>
-          <p:nvPr/>
-        </p:nvPicPr>
-        <p:blipFill>
-          <a:blip r:embed="rId4">
-            <a:extLst>
-              <a:ext uri="{28A0092B-C50C-407E-A947-70E740481C1C}">
-                <a14:useLocalDpi xmlns:a14="http://schemas.microsoft.com/office/drawing/2010/main" val="0"/>
-              </a:ext>
-              <a:ext uri="{96DAC541-7B7A-43D3-8B79-37D633B846F1}">
-                <asvg:svgBlip xmlns:asvg="http://schemas.microsoft.com/office/drawing/2016/SVG/main" r:embed="rId5"/>
-              </a:ext>
-            </a:extLst>
-          </a:blip>
-          <a:stretch>
-            <a:fillRect/>
-          </a:stretch>
-        </p:blipFill>
-        <p:spPr>
-          <a:xfrm>
-            <a:off x="7392104" y="5966194"/>
-            <a:ext cx="360000" cy="360000"/>
-          </a:xfrm>
-          <a:prstGeom prst="rect">
-            <a:avLst/>
-          </a:prstGeom>
-        </p:spPr>
-      </p:pic>
-      <p:pic>
-        <p:nvPicPr>
-          <p:cNvPr id="11" name="Graphic 10" descr="Minimize">
-            <a:extLst>
-              <a:ext uri="{FF2B5EF4-FFF2-40B4-BE49-F238E27FC236}">
-                <a16:creationId xmlns:a16="http://schemas.microsoft.com/office/drawing/2014/main" id="{787A3D66-E702-4786-9334-AA8574247486}"/>
-              </a:ext>
-            </a:extLst>
-          </p:cNvPr>
-          <p:cNvPicPr>
-            <a:picLocks noChangeAspect="1"/>
-          </p:cNvPicPr>
-          <p:nvPr/>
-        </p:nvPicPr>
-        <p:blipFill>
-          <a:blip r:embed="rId6">
-            <a:extLst>
-              <a:ext uri="{28A0092B-C50C-407E-A947-70E740481C1C}">
-                <a14:useLocalDpi xmlns:a14="http://schemas.microsoft.com/office/drawing/2010/main" val="0"/>
-              </a:ext>
-              <a:ext uri="{96DAC541-7B7A-43D3-8B79-37D633B846F1}">
-                <asvg:svgBlip xmlns:asvg="http://schemas.microsoft.com/office/drawing/2016/SVG/main" r:embed="rId7"/>
-              </a:ext>
-            </a:extLst>
-          </a:blip>
-          <a:stretch>
-            <a:fillRect/>
-          </a:stretch>
-        </p:blipFill>
-        <p:spPr>
-          <a:xfrm>
-            <a:off x="8021859" y="5966194"/>
-            <a:ext cx="360000" cy="360000"/>
-          </a:xfrm>
-          <a:prstGeom prst="rect">
-            <a:avLst/>
-          </a:prstGeom>
-        </p:spPr>
-      </p:pic>
-      <p:pic>
-        <p:nvPicPr>
-          <p:cNvPr id="13" name="Graphic 12" descr="Tools">
-            <a:extLst>
-              <a:ext uri="{FF2B5EF4-FFF2-40B4-BE49-F238E27FC236}">
-                <a16:creationId xmlns:a16="http://schemas.microsoft.com/office/drawing/2014/main" id="{10818EE9-430A-4CC4-BD02-5BDDEF750326}"/>
-              </a:ext>
-            </a:extLst>
-          </p:cNvPr>
-          <p:cNvPicPr>
-            <a:picLocks noChangeAspect="1"/>
-          </p:cNvPicPr>
-          <p:nvPr/>
-        </p:nvPicPr>
-        <p:blipFill>
-          <a:blip r:embed="rId8">
-            <a:extLst>
-              <a:ext uri="{28A0092B-C50C-407E-A947-70E740481C1C}">
-                <a14:useLocalDpi xmlns:a14="http://schemas.microsoft.com/office/drawing/2010/main" val="0"/>
-              </a:ext>
-              <a:ext uri="{96DAC541-7B7A-43D3-8B79-37D633B846F1}">
-                <asvg:svgBlip xmlns:asvg="http://schemas.microsoft.com/office/drawing/2016/SVG/main" r:embed="rId9"/>
-              </a:ext>
-            </a:extLst>
-          </a:blip>
-          <a:stretch>
-            <a:fillRect/>
-          </a:stretch>
-        </p:blipFill>
-        <p:spPr>
-          <a:xfrm>
-            <a:off x="8651614" y="5966194"/>
-            <a:ext cx="360000" cy="360000"/>
-          </a:xfrm>
-          <a:prstGeom prst="rect">
-            <a:avLst/>
-          </a:prstGeom>
-        </p:spPr>
-      </p:pic>
-      <p:pic>
-        <p:nvPicPr>
-          <p:cNvPr id="17" name="Graphic 16" descr="Hourglass">
-            <a:extLst>
-              <a:ext uri="{FF2B5EF4-FFF2-40B4-BE49-F238E27FC236}">
-                <a16:creationId xmlns:a16="http://schemas.microsoft.com/office/drawing/2014/main" id="{2AB76BBD-A7C0-47CD-8857-DAAB96FDAC61}"/>
-              </a:ext>
-            </a:extLst>
-          </p:cNvPr>
-          <p:cNvPicPr>
-            <a:picLocks noChangeAspect="1"/>
-          </p:cNvPicPr>
-          <p:nvPr/>
-        </p:nvPicPr>
-        <p:blipFill>
-          <a:blip r:embed="rId10">
-            <a:extLst>
-              <a:ext uri="{28A0092B-C50C-407E-A947-70E740481C1C}">
-                <a14:useLocalDpi xmlns:a14="http://schemas.microsoft.com/office/drawing/2010/main" val="0"/>
-              </a:ext>
-              <a:ext uri="{96DAC541-7B7A-43D3-8B79-37D633B846F1}">
-                <asvg:svgBlip xmlns:asvg="http://schemas.microsoft.com/office/drawing/2016/SVG/main" r:embed="rId11"/>
-              </a:ext>
-            </a:extLst>
-          </a:blip>
-          <a:stretch>
-            <a:fillRect/>
-          </a:stretch>
-        </p:blipFill>
-        <p:spPr>
-          <a:xfrm>
-            <a:off x="9281369" y="5966194"/>
-            <a:ext cx="360000" cy="360000"/>
-          </a:xfrm>
-          <a:prstGeom prst="rect">
-            <a:avLst/>
-          </a:prstGeom>
-        </p:spPr>
-      </p:pic>
-      <p:sp>
-        <p:nvSpPr>
-          <p:cNvPr id="10" name="TextBox 9">
-            <a:extLst>
-              <a:ext uri="{FF2B5EF4-FFF2-40B4-BE49-F238E27FC236}">
-                <a16:creationId xmlns:a16="http://schemas.microsoft.com/office/drawing/2014/main" id="{45E2ABB5-AA4B-4A0D-9553-8D9F0D57F433}"/>
-              </a:ext>
-            </a:extLst>
-          </p:cNvPr>
-          <p:cNvSpPr txBox="1"/>
-          <p:nvPr/>
-        </p:nvSpPr>
-        <p:spPr>
-          <a:xfrm>
-            <a:off x="436202" y="509366"/>
-            <a:ext cx="7479248" cy="584775"/>
-          </a:xfrm>
-          <a:prstGeom prst="rect">
-            <a:avLst/>
-          </a:prstGeom>
-          <a:noFill/>
-        </p:spPr>
-        <p:txBody>
-          <a:bodyPr wrap="square" rtlCol="0">
-            <a:spAutoFit/>
-          </a:bodyPr>
-          <a:lstStyle/>
-          <a:p>
-            <a:r>
-              <a:rPr lang="en-SG" sz="3200" dirty="0">
-                <a:solidFill>
-                  <a:schemeClr val="bg1"/>
-                </a:solidFill>
-                <a:latin typeface="Gotham Black" panose="02000603040000020004" pitchFamily="2" charset="0"/>
-              </a:rPr>
-              <a:t>RECOMMENDATIONS</a:t>
-            </a:r>
-          </a:p>
-        </p:txBody>
-      </p:sp>
-      <p:sp>
-        <p:nvSpPr>
-          <p:cNvPr id="18" name="TextBox 17">
-            <a:extLst>
-              <a:ext uri="{FF2B5EF4-FFF2-40B4-BE49-F238E27FC236}">
-                <a16:creationId xmlns:a16="http://schemas.microsoft.com/office/drawing/2014/main" id="{246CA023-9845-437A-B011-CE82C4B1DF36}"/>
-              </a:ext>
-            </a:extLst>
-          </p:cNvPr>
-          <p:cNvSpPr txBox="1"/>
-          <p:nvPr/>
-        </p:nvSpPr>
-        <p:spPr>
-          <a:xfrm>
-            <a:off x="2124676" y="1434853"/>
-            <a:ext cx="1840019" cy="486736"/>
-          </a:xfrm>
-          <a:prstGeom prst="rect">
-            <a:avLst/>
-          </a:prstGeom>
-          <a:noFill/>
-        </p:spPr>
-        <p:txBody>
-          <a:bodyPr wrap="square" rtlCol="0">
-            <a:spAutoFit/>
-          </a:bodyPr>
-          <a:lstStyle/>
-          <a:p>
-            <a:pPr>
-              <a:lnSpc>
-                <a:spcPct val="150000"/>
-              </a:lnSpc>
-            </a:pPr>
-            <a:r>
-              <a:rPr lang="en-SG" sz="2000" dirty="0">
-                <a:solidFill>
-                  <a:schemeClr val="bg1"/>
-                </a:solidFill>
-                <a:latin typeface="Gotham Bold" panose="02000803030000020004" pitchFamily="2" charset="0"/>
-                <a:cs typeface="Gotham Book" pitchFamily="50" charset="0"/>
-              </a:rPr>
-              <a:t>OPTION 2</a:t>
-            </a:r>
-          </a:p>
-        </p:txBody>
-      </p:sp>
-      <p:pic>
-        <p:nvPicPr>
-          <p:cNvPr id="8" name="Picture 7" descr="A close up of a map&#10;&#10;Description automatically generated">
-            <a:extLst>
-              <a:ext uri="{FF2B5EF4-FFF2-40B4-BE49-F238E27FC236}">
-                <a16:creationId xmlns:a16="http://schemas.microsoft.com/office/drawing/2014/main" id="{5B1BB044-1F2F-469E-A88D-0E798FBC3153}"/>
-              </a:ext>
-            </a:extLst>
-          </p:cNvPr>
-          <p:cNvPicPr>
-            <a:picLocks noChangeAspect="1"/>
-          </p:cNvPicPr>
-          <p:nvPr/>
-        </p:nvPicPr>
-        <p:blipFill>
-          <a:blip r:embed="rId12">
-            <a:extLst>
-              <a:ext uri="{28A0092B-C50C-407E-A947-70E740481C1C}">
-                <a14:useLocalDpi xmlns:a14="http://schemas.microsoft.com/office/drawing/2010/main" val="0"/>
-              </a:ext>
-            </a:extLst>
-          </a:blip>
-          <a:stretch>
-            <a:fillRect/>
-          </a:stretch>
-        </p:blipFill>
-        <p:spPr>
-          <a:xfrm>
-            <a:off x="6147957" y="329971"/>
-            <a:ext cx="5569578" cy="5093176"/>
-          </a:xfrm>
-          <a:prstGeom prst="rect">
-            <a:avLst/>
-          </a:prstGeom>
-        </p:spPr>
-      </p:pic>
-      <p:sp>
-        <p:nvSpPr>
-          <p:cNvPr id="23" name="TextBox 22">
-            <a:extLst>
-              <a:ext uri="{FF2B5EF4-FFF2-40B4-BE49-F238E27FC236}">
-                <a16:creationId xmlns:a16="http://schemas.microsoft.com/office/drawing/2014/main" id="{ABB9EB41-82D2-4691-8E65-B07C7B73DE00}"/>
-              </a:ext>
-            </a:extLst>
-          </p:cNvPr>
-          <p:cNvSpPr txBox="1"/>
-          <p:nvPr/>
-        </p:nvSpPr>
-        <p:spPr>
-          <a:xfrm>
-            <a:off x="8517274" y="2101087"/>
-            <a:ext cx="395197" cy="447367"/>
-          </a:xfrm>
-          <a:prstGeom prst="rect">
-            <a:avLst/>
-          </a:prstGeom>
-          <a:noFill/>
-        </p:spPr>
-        <p:txBody>
-          <a:bodyPr wrap="square" rtlCol="0">
-            <a:spAutoFit/>
-          </a:bodyPr>
-          <a:lstStyle/>
-          <a:p>
-            <a:pPr algn="ctr">
-              <a:lnSpc>
-                <a:spcPct val="150000"/>
-              </a:lnSpc>
-            </a:pPr>
-            <a:r>
-              <a:rPr lang="en-SG" dirty="0">
-                <a:latin typeface="Gotham Bold" panose="02000803030000020004" pitchFamily="2" charset="0"/>
-                <a:cs typeface="Gotham Book" pitchFamily="50" charset="0"/>
-              </a:rPr>
-              <a:t>1</a:t>
-            </a:r>
-          </a:p>
-        </p:txBody>
-      </p:sp>
-      <p:sp>
-        <p:nvSpPr>
-          <p:cNvPr id="24" name="TextBox 23">
-            <a:extLst>
-              <a:ext uri="{FF2B5EF4-FFF2-40B4-BE49-F238E27FC236}">
-                <a16:creationId xmlns:a16="http://schemas.microsoft.com/office/drawing/2014/main" id="{8D51A177-3E78-40CA-B744-7DCACF4BE529}"/>
-              </a:ext>
-            </a:extLst>
-          </p:cNvPr>
-          <p:cNvSpPr txBox="1"/>
-          <p:nvPr/>
-        </p:nvSpPr>
-        <p:spPr>
-          <a:xfrm>
-            <a:off x="8381859" y="1512991"/>
-            <a:ext cx="395197" cy="447367"/>
-          </a:xfrm>
-          <a:prstGeom prst="rect">
-            <a:avLst/>
-          </a:prstGeom>
-          <a:noFill/>
-        </p:spPr>
-        <p:txBody>
-          <a:bodyPr wrap="square" rtlCol="0">
-            <a:spAutoFit/>
-          </a:bodyPr>
-          <a:lstStyle/>
-          <a:p>
-            <a:pPr algn="ctr">
-              <a:lnSpc>
-                <a:spcPct val="150000"/>
-              </a:lnSpc>
-            </a:pPr>
-            <a:r>
-              <a:rPr lang="en-SG" dirty="0">
-                <a:latin typeface="Gotham Bold" panose="02000803030000020004" pitchFamily="2" charset="0"/>
-                <a:cs typeface="Gotham Book" pitchFamily="50" charset="0"/>
-              </a:rPr>
-              <a:t>2</a:t>
-            </a:r>
-          </a:p>
-        </p:txBody>
-      </p:sp>
-      <p:sp>
-        <p:nvSpPr>
-          <p:cNvPr id="25" name="TextBox 24">
-            <a:extLst>
-              <a:ext uri="{FF2B5EF4-FFF2-40B4-BE49-F238E27FC236}">
-                <a16:creationId xmlns:a16="http://schemas.microsoft.com/office/drawing/2014/main" id="{15D3737E-4601-4FC4-94E0-477644ED185E}"/>
-              </a:ext>
-            </a:extLst>
-          </p:cNvPr>
-          <p:cNvSpPr txBox="1"/>
-          <p:nvPr/>
-        </p:nvSpPr>
-        <p:spPr>
-          <a:xfrm>
-            <a:off x="7986662" y="1810311"/>
-            <a:ext cx="395197" cy="447367"/>
-          </a:xfrm>
-          <a:prstGeom prst="rect">
-            <a:avLst/>
-          </a:prstGeom>
-          <a:noFill/>
-        </p:spPr>
-        <p:txBody>
-          <a:bodyPr wrap="square" rtlCol="0">
-            <a:spAutoFit/>
-          </a:bodyPr>
-          <a:lstStyle/>
-          <a:p>
-            <a:pPr algn="ctr">
-              <a:lnSpc>
-                <a:spcPct val="150000"/>
-              </a:lnSpc>
-            </a:pPr>
-            <a:r>
-              <a:rPr lang="en-SG" dirty="0">
-                <a:latin typeface="Gotham Bold" panose="02000803030000020004" pitchFamily="2" charset="0"/>
-                <a:cs typeface="Gotham Book" pitchFamily="50" charset="0"/>
-              </a:rPr>
-              <a:t>3</a:t>
-            </a:r>
-          </a:p>
-        </p:txBody>
-      </p:sp>
-      <p:sp>
-        <p:nvSpPr>
-          <p:cNvPr id="26" name="TextBox 25">
-            <a:extLst>
-              <a:ext uri="{FF2B5EF4-FFF2-40B4-BE49-F238E27FC236}">
-                <a16:creationId xmlns:a16="http://schemas.microsoft.com/office/drawing/2014/main" id="{6E202F8B-07E7-4C74-8933-1CC1498B87B3}"/>
-              </a:ext>
-            </a:extLst>
-          </p:cNvPr>
-          <p:cNvSpPr txBox="1"/>
-          <p:nvPr/>
-        </p:nvSpPr>
-        <p:spPr>
-          <a:xfrm>
-            <a:off x="8219067" y="1267264"/>
-            <a:ext cx="395197" cy="447367"/>
-          </a:xfrm>
-          <a:prstGeom prst="rect">
-            <a:avLst/>
-          </a:prstGeom>
-          <a:noFill/>
-        </p:spPr>
-        <p:txBody>
-          <a:bodyPr wrap="square" rtlCol="0">
-            <a:spAutoFit/>
-          </a:bodyPr>
-          <a:lstStyle/>
-          <a:p>
-            <a:pPr algn="ctr">
-              <a:lnSpc>
-                <a:spcPct val="150000"/>
-              </a:lnSpc>
-            </a:pPr>
-            <a:r>
-              <a:rPr lang="en-SG" dirty="0">
-                <a:latin typeface="Gotham Bold" panose="02000803030000020004" pitchFamily="2" charset="0"/>
-                <a:cs typeface="Gotham Book" pitchFamily="50" charset="0"/>
-              </a:rPr>
-              <a:t>4</a:t>
-            </a:r>
-          </a:p>
-        </p:txBody>
-      </p:sp>
-      <p:sp>
-        <p:nvSpPr>
-          <p:cNvPr id="27" name="TextBox 26">
-            <a:extLst>
-              <a:ext uri="{FF2B5EF4-FFF2-40B4-BE49-F238E27FC236}">
-                <a16:creationId xmlns:a16="http://schemas.microsoft.com/office/drawing/2014/main" id="{7142C695-DF4C-41FA-93E7-A3B958740D89}"/>
-              </a:ext>
-            </a:extLst>
-          </p:cNvPr>
-          <p:cNvSpPr txBox="1"/>
-          <p:nvPr/>
-        </p:nvSpPr>
-        <p:spPr>
-          <a:xfrm>
-            <a:off x="7629338" y="1434853"/>
-            <a:ext cx="395197" cy="447367"/>
-          </a:xfrm>
-          <a:prstGeom prst="rect">
-            <a:avLst/>
-          </a:prstGeom>
-          <a:noFill/>
-        </p:spPr>
-        <p:txBody>
-          <a:bodyPr wrap="square" rtlCol="0">
-            <a:spAutoFit/>
-          </a:bodyPr>
-          <a:lstStyle/>
-          <a:p>
-            <a:pPr algn="ctr">
-              <a:lnSpc>
-                <a:spcPct val="150000"/>
-              </a:lnSpc>
-            </a:pPr>
-            <a:r>
-              <a:rPr lang="en-SG" dirty="0">
-                <a:latin typeface="Gotham Bold" panose="02000803030000020004" pitchFamily="2" charset="0"/>
-                <a:cs typeface="Gotham Book" pitchFamily="50" charset="0"/>
-              </a:rPr>
-              <a:t>5</a:t>
-            </a:r>
-          </a:p>
-        </p:txBody>
-      </p:sp>
-      <p:sp>
-        <p:nvSpPr>
-          <p:cNvPr id="28" name="TextBox 27">
-            <a:extLst>
-              <a:ext uri="{FF2B5EF4-FFF2-40B4-BE49-F238E27FC236}">
-                <a16:creationId xmlns:a16="http://schemas.microsoft.com/office/drawing/2014/main" id="{D8584885-C1DD-40E0-84DB-6D5EDAF5394C}"/>
-              </a:ext>
-            </a:extLst>
-          </p:cNvPr>
-          <p:cNvSpPr txBox="1"/>
-          <p:nvPr/>
-        </p:nvSpPr>
-        <p:spPr>
-          <a:xfrm>
-            <a:off x="8304765" y="3429000"/>
-            <a:ext cx="395197" cy="447367"/>
-          </a:xfrm>
-          <a:prstGeom prst="rect">
-            <a:avLst/>
-          </a:prstGeom>
-          <a:noFill/>
-        </p:spPr>
-        <p:txBody>
-          <a:bodyPr wrap="square" rtlCol="0">
-            <a:spAutoFit/>
-          </a:bodyPr>
-          <a:lstStyle/>
-          <a:p>
-            <a:pPr algn="ctr">
-              <a:lnSpc>
-                <a:spcPct val="150000"/>
-              </a:lnSpc>
-            </a:pPr>
-            <a:r>
-              <a:rPr lang="en-SG" dirty="0">
-                <a:latin typeface="Gotham Bold" panose="02000803030000020004" pitchFamily="2" charset="0"/>
-                <a:cs typeface="Gotham Book" pitchFamily="50" charset="0"/>
-              </a:rPr>
-              <a:t>6</a:t>
-            </a:r>
-          </a:p>
-        </p:txBody>
-      </p:sp>
-      <p:sp>
-        <p:nvSpPr>
-          <p:cNvPr id="29" name="TextBox 28">
-            <a:extLst>
-              <a:ext uri="{FF2B5EF4-FFF2-40B4-BE49-F238E27FC236}">
-                <a16:creationId xmlns:a16="http://schemas.microsoft.com/office/drawing/2014/main" id="{3619E6DF-3AF1-433F-A87C-C01FD2AA4FD9}"/>
-              </a:ext>
-            </a:extLst>
-          </p:cNvPr>
-          <p:cNvSpPr txBox="1"/>
-          <p:nvPr/>
-        </p:nvSpPr>
-        <p:spPr>
-          <a:xfrm>
-            <a:off x="8886172" y="3219068"/>
-            <a:ext cx="395197" cy="447367"/>
-          </a:xfrm>
-          <a:prstGeom prst="rect">
-            <a:avLst/>
-          </a:prstGeom>
-          <a:noFill/>
-        </p:spPr>
-        <p:txBody>
-          <a:bodyPr wrap="square" rtlCol="0">
-            <a:spAutoFit/>
-          </a:bodyPr>
-          <a:lstStyle/>
-          <a:p>
-            <a:pPr algn="ctr">
-              <a:lnSpc>
-                <a:spcPct val="150000"/>
-              </a:lnSpc>
-            </a:pPr>
-            <a:r>
-              <a:rPr lang="en-SG" dirty="0">
-                <a:latin typeface="Gotham Bold" panose="02000803030000020004" pitchFamily="2" charset="0"/>
-                <a:cs typeface="Gotham Book" pitchFamily="50" charset="0"/>
-              </a:rPr>
-              <a:t>7</a:t>
-            </a:r>
-          </a:p>
-        </p:txBody>
-      </p:sp>
-      <p:sp>
-        <p:nvSpPr>
-          <p:cNvPr id="30" name="TextBox 29">
-            <a:extLst>
-              <a:ext uri="{FF2B5EF4-FFF2-40B4-BE49-F238E27FC236}">
-                <a16:creationId xmlns:a16="http://schemas.microsoft.com/office/drawing/2014/main" id="{AECA707A-405A-4752-A497-2183FB319984}"/>
-              </a:ext>
-            </a:extLst>
-          </p:cNvPr>
-          <p:cNvSpPr txBox="1"/>
-          <p:nvPr/>
-        </p:nvSpPr>
-        <p:spPr>
-          <a:xfrm>
-            <a:off x="9911124" y="3219068"/>
-            <a:ext cx="395197" cy="447367"/>
-          </a:xfrm>
-          <a:prstGeom prst="rect">
-            <a:avLst/>
-          </a:prstGeom>
-          <a:noFill/>
-        </p:spPr>
-        <p:txBody>
-          <a:bodyPr wrap="square" rtlCol="0">
-            <a:spAutoFit/>
-          </a:bodyPr>
-          <a:lstStyle/>
-          <a:p>
-            <a:pPr algn="ctr">
-              <a:lnSpc>
-                <a:spcPct val="150000"/>
-              </a:lnSpc>
-            </a:pPr>
-            <a:r>
-              <a:rPr lang="en-SG" dirty="0">
-                <a:latin typeface="Gotham Bold" panose="02000803030000020004" pitchFamily="2" charset="0"/>
-                <a:cs typeface="Gotham Book" pitchFamily="50" charset="0"/>
-              </a:rPr>
-              <a:t>8</a:t>
-            </a:r>
-          </a:p>
-        </p:txBody>
-      </p:sp>
-      <p:sp>
-        <p:nvSpPr>
-          <p:cNvPr id="31" name="TextBox 30">
-            <a:extLst>
-              <a:ext uri="{FF2B5EF4-FFF2-40B4-BE49-F238E27FC236}">
-                <a16:creationId xmlns:a16="http://schemas.microsoft.com/office/drawing/2014/main" id="{B33C77C4-4AB6-4DCF-A28F-7BAFE60E750B}"/>
-              </a:ext>
-            </a:extLst>
-          </p:cNvPr>
-          <p:cNvSpPr txBox="1"/>
-          <p:nvPr/>
-        </p:nvSpPr>
-        <p:spPr>
-          <a:xfrm>
-            <a:off x="9421417" y="2836908"/>
-            <a:ext cx="395197" cy="447367"/>
-          </a:xfrm>
-          <a:prstGeom prst="rect">
-            <a:avLst/>
-          </a:prstGeom>
-          <a:noFill/>
-        </p:spPr>
-        <p:txBody>
-          <a:bodyPr wrap="square" rtlCol="0">
-            <a:spAutoFit/>
-          </a:bodyPr>
-          <a:lstStyle/>
-          <a:p>
-            <a:pPr algn="ctr">
-              <a:lnSpc>
-                <a:spcPct val="150000"/>
-              </a:lnSpc>
-            </a:pPr>
-            <a:r>
-              <a:rPr lang="en-SG" dirty="0">
-                <a:latin typeface="Gotham Bold" panose="02000803030000020004" pitchFamily="2" charset="0"/>
-                <a:cs typeface="Gotham Book" pitchFamily="50" charset="0"/>
-              </a:rPr>
-              <a:t>9</a:t>
-            </a:r>
-          </a:p>
-        </p:txBody>
-      </p:sp>
-      <p:sp>
-        <p:nvSpPr>
-          <p:cNvPr id="32" name="TextBox 31">
-            <a:extLst>
-              <a:ext uri="{FF2B5EF4-FFF2-40B4-BE49-F238E27FC236}">
-                <a16:creationId xmlns:a16="http://schemas.microsoft.com/office/drawing/2014/main" id="{7A91BD48-A2BC-4922-9211-B5977732032A}"/>
-              </a:ext>
-            </a:extLst>
-          </p:cNvPr>
-          <p:cNvSpPr txBox="1"/>
-          <p:nvPr/>
-        </p:nvSpPr>
-        <p:spPr>
-          <a:xfrm>
-            <a:off x="9985114" y="2786082"/>
-            <a:ext cx="510852" cy="447367"/>
-          </a:xfrm>
-          <a:prstGeom prst="rect">
-            <a:avLst/>
-          </a:prstGeom>
-          <a:noFill/>
-        </p:spPr>
-        <p:txBody>
-          <a:bodyPr wrap="square" rtlCol="0">
-            <a:spAutoFit/>
-          </a:bodyPr>
-          <a:lstStyle/>
-          <a:p>
-            <a:pPr algn="ctr">
-              <a:lnSpc>
-                <a:spcPct val="150000"/>
-              </a:lnSpc>
-            </a:pPr>
-            <a:r>
-              <a:rPr lang="en-SG" dirty="0">
-                <a:latin typeface="Gotham Bold" panose="02000803030000020004" pitchFamily="2" charset="0"/>
-                <a:cs typeface="Gotham Book" pitchFamily="50" charset="0"/>
-              </a:rPr>
-              <a:t>10</a:t>
-            </a:r>
-          </a:p>
-        </p:txBody>
-      </p:sp>
-      <p:pic>
-        <p:nvPicPr>
-          <p:cNvPr id="34" name="Graphic 33" descr="Piggy Bank">
-            <a:extLst>
-              <a:ext uri="{FF2B5EF4-FFF2-40B4-BE49-F238E27FC236}">
-                <a16:creationId xmlns:a16="http://schemas.microsoft.com/office/drawing/2014/main" id="{52E776D2-6B2B-408B-9EE7-D4DA6B86EB6A}"/>
-              </a:ext>
-            </a:extLst>
-          </p:cNvPr>
-          <p:cNvPicPr>
-            <a:picLocks noChangeAspect="1"/>
-          </p:cNvPicPr>
-          <p:nvPr/>
-        </p:nvPicPr>
-        <p:blipFill>
-          <a:blip r:embed="rId13">
-            <a:extLst>
-              <a:ext uri="{28A0092B-C50C-407E-A947-70E740481C1C}">
-                <a14:useLocalDpi xmlns:a14="http://schemas.microsoft.com/office/drawing/2010/main" val="0"/>
-              </a:ext>
-              <a:ext uri="{96DAC541-7B7A-43D3-8B79-37D633B846F1}">
-                <asvg:svgBlip xmlns:asvg="http://schemas.microsoft.com/office/drawing/2016/SVG/main" r:embed="rId14"/>
-              </a:ext>
-            </a:extLst>
-          </a:blip>
-          <a:stretch>
-            <a:fillRect/>
-          </a:stretch>
-        </p:blipFill>
-        <p:spPr>
-          <a:xfrm>
-            <a:off x="9911124" y="5966194"/>
-            <a:ext cx="360000" cy="360000"/>
-          </a:xfrm>
-          <a:prstGeom prst="rect">
-            <a:avLst/>
-          </a:prstGeom>
-        </p:spPr>
-      </p:pic>
-      <p:sp>
-        <p:nvSpPr>
-          <p:cNvPr id="22" name="TextBox 21">
-            <a:extLst>
-              <a:ext uri="{FF2B5EF4-FFF2-40B4-BE49-F238E27FC236}">
-                <a16:creationId xmlns:a16="http://schemas.microsoft.com/office/drawing/2014/main" id="{0F2A1647-8C07-4CE6-9EB4-07FCBC9C257B}"/>
-              </a:ext>
-            </a:extLst>
-          </p:cNvPr>
-          <p:cNvSpPr txBox="1"/>
-          <p:nvPr/>
-        </p:nvSpPr>
-        <p:spPr>
-          <a:xfrm>
-            <a:off x="1154774" y="2589825"/>
-            <a:ext cx="3951219" cy="1705852"/>
-          </a:xfrm>
-          <a:prstGeom prst="rect">
-            <a:avLst/>
-          </a:prstGeom>
-          <a:noFill/>
-        </p:spPr>
-        <p:txBody>
-          <a:bodyPr wrap="square" rtlCol="0">
-            <a:spAutoFit/>
-          </a:bodyPr>
-          <a:lstStyle/>
-          <a:p>
-            <a:pPr>
-              <a:lnSpc>
-                <a:spcPct val="150000"/>
-              </a:lnSpc>
-            </a:pPr>
-            <a:r>
-              <a:rPr lang="en-SG" dirty="0">
-                <a:solidFill>
-                  <a:schemeClr val="bg1"/>
-                </a:solidFill>
-                <a:latin typeface="Gotham Book" pitchFamily="50" charset="0"/>
-                <a:cs typeface="Gotham Book" pitchFamily="50" charset="0"/>
-              </a:rPr>
-              <a:t>Total: 41 Traps</a:t>
-            </a:r>
-          </a:p>
-          <a:p>
-            <a:pPr>
-              <a:lnSpc>
-                <a:spcPct val="150000"/>
-              </a:lnSpc>
-            </a:pPr>
-            <a:endParaRPr lang="en-SG" dirty="0">
-              <a:solidFill>
-                <a:schemeClr val="bg1"/>
-              </a:solidFill>
-              <a:latin typeface="Gotham Book" pitchFamily="50" charset="0"/>
-              <a:cs typeface="Gotham Book" pitchFamily="50" charset="0"/>
-            </a:endParaRPr>
-          </a:p>
-          <a:p>
-            <a:pPr>
-              <a:lnSpc>
-                <a:spcPct val="150000"/>
-              </a:lnSpc>
-            </a:pPr>
-            <a:r>
-              <a:rPr lang="en-SG" dirty="0">
-                <a:solidFill>
-                  <a:schemeClr val="bg1"/>
-                </a:solidFill>
-                <a:latin typeface="Gotham Book" pitchFamily="50" charset="0"/>
-                <a:cs typeface="Gotham Book" pitchFamily="50" charset="0"/>
-              </a:rPr>
-              <a:t>Total cost: </a:t>
-            </a:r>
-          </a:p>
-          <a:p>
-            <a:pPr>
-              <a:lnSpc>
-                <a:spcPct val="150000"/>
-              </a:lnSpc>
-            </a:pPr>
-            <a:r>
-              <a:rPr lang="en-SG" dirty="0">
-                <a:solidFill>
-                  <a:schemeClr val="bg1"/>
-                </a:solidFill>
-                <a:latin typeface="Gotham Book" pitchFamily="50" charset="0"/>
-                <a:cs typeface="Gotham Book" pitchFamily="50" charset="0"/>
-              </a:rPr>
-              <a:t>41 * 902 * 100 = </a:t>
-            </a:r>
-            <a:r>
-              <a:rPr lang="en-US" dirty="0">
-                <a:solidFill>
-                  <a:schemeClr val="bg1"/>
-                </a:solidFill>
-                <a:latin typeface="Gotham Book" pitchFamily="50" charset="0"/>
-                <a:cs typeface="Gotham Book" pitchFamily="50" charset="0"/>
-              </a:rPr>
-              <a:t>$3,697,614</a:t>
-            </a:r>
-          </a:p>
-        </p:txBody>
-      </p:sp>
-    </p:spTree>
-    <p:extLst>
-      <p:ext uri="{BB962C8B-B14F-4D97-AF65-F5344CB8AC3E}">
-        <p14:creationId xmlns:p14="http://schemas.microsoft.com/office/powerpoint/2010/main" val="710032340"/>
       </p:ext>
     </p:extLst>
   </p:cSld>
@@ -23670,6 +23181,1002 @@
           </a:p>
         </p:txBody>
       </p:sp>
+      <p:sp>
+        <p:nvSpPr>
+          <p:cNvPr id="18" name="TextBox 17">
+            <a:extLst>
+              <a:ext uri="{FF2B5EF4-FFF2-40B4-BE49-F238E27FC236}">
+                <a16:creationId xmlns:a16="http://schemas.microsoft.com/office/drawing/2014/main" id="{246CA023-9845-437A-B011-CE82C4B1DF36}"/>
+              </a:ext>
+            </a:extLst>
+          </p:cNvPr>
+          <p:cNvSpPr txBox="1"/>
+          <p:nvPr/>
+        </p:nvSpPr>
+        <p:spPr>
+          <a:xfrm>
+            <a:off x="2124676" y="1434853"/>
+            <a:ext cx="1840019" cy="486736"/>
+          </a:xfrm>
+          <a:prstGeom prst="rect">
+            <a:avLst/>
+          </a:prstGeom>
+          <a:noFill/>
+        </p:spPr>
+        <p:txBody>
+          <a:bodyPr wrap="square" rtlCol="0">
+            <a:spAutoFit/>
+          </a:bodyPr>
+          <a:lstStyle/>
+          <a:p>
+            <a:pPr>
+              <a:lnSpc>
+                <a:spcPct val="150000"/>
+              </a:lnSpc>
+            </a:pPr>
+            <a:r>
+              <a:rPr lang="en-SG" sz="2000" dirty="0">
+                <a:solidFill>
+                  <a:schemeClr val="bg1"/>
+                </a:solidFill>
+                <a:latin typeface="Gotham Bold" panose="02000803030000020004" pitchFamily="2" charset="0"/>
+                <a:cs typeface="Gotham Book" pitchFamily="50" charset="0"/>
+              </a:rPr>
+              <a:t>OPTION 2</a:t>
+            </a:r>
+          </a:p>
+        </p:txBody>
+      </p:sp>
+      <p:pic>
+        <p:nvPicPr>
+          <p:cNvPr id="8" name="Picture 7" descr="A close up of a map&#10;&#10;Description automatically generated">
+            <a:extLst>
+              <a:ext uri="{FF2B5EF4-FFF2-40B4-BE49-F238E27FC236}">
+                <a16:creationId xmlns:a16="http://schemas.microsoft.com/office/drawing/2014/main" id="{5B1BB044-1F2F-469E-A88D-0E798FBC3153}"/>
+              </a:ext>
+            </a:extLst>
+          </p:cNvPr>
+          <p:cNvPicPr>
+            <a:picLocks noChangeAspect="1"/>
+          </p:cNvPicPr>
+          <p:nvPr/>
+        </p:nvPicPr>
+        <p:blipFill>
+          <a:blip r:embed="rId12">
+            <a:extLst>
+              <a:ext uri="{28A0092B-C50C-407E-A947-70E740481C1C}">
+                <a14:useLocalDpi xmlns:a14="http://schemas.microsoft.com/office/drawing/2010/main" val="0"/>
+              </a:ext>
+            </a:extLst>
+          </a:blip>
+          <a:stretch>
+            <a:fillRect/>
+          </a:stretch>
+        </p:blipFill>
+        <p:spPr>
+          <a:xfrm>
+            <a:off x="6147957" y="329971"/>
+            <a:ext cx="5569578" cy="5093176"/>
+          </a:xfrm>
+          <a:prstGeom prst="rect">
+            <a:avLst/>
+          </a:prstGeom>
+        </p:spPr>
+      </p:pic>
+      <p:sp>
+        <p:nvSpPr>
+          <p:cNvPr id="23" name="TextBox 22">
+            <a:extLst>
+              <a:ext uri="{FF2B5EF4-FFF2-40B4-BE49-F238E27FC236}">
+                <a16:creationId xmlns:a16="http://schemas.microsoft.com/office/drawing/2014/main" id="{ABB9EB41-82D2-4691-8E65-B07C7B73DE00}"/>
+              </a:ext>
+            </a:extLst>
+          </p:cNvPr>
+          <p:cNvSpPr txBox="1"/>
+          <p:nvPr/>
+        </p:nvSpPr>
+        <p:spPr>
+          <a:xfrm>
+            <a:off x="8517274" y="2101087"/>
+            <a:ext cx="395197" cy="447367"/>
+          </a:xfrm>
+          <a:prstGeom prst="rect">
+            <a:avLst/>
+          </a:prstGeom>
+          <a:noFill/>
+        </p:spPr>
+        <p:txBody>
+          <a:bodyPr wrap="square" rtlCol="0">
+            <a:spAutoFit/>
+          </a:bodyPr>
+          <a:lstStyle/>
+          <a:p>
+            <a:pPr algn="ctr">
+              <a:lnSpc>
+                <a:spcPct val="150000"/>
+              </a:lnSpc>
+            </a:pPr>
+            <a:r>
+              <a:rPr lang="en-SG" dirty="0">
+                <a:latin typeface="Gotham Bold" panose="02000803030000020004" pitchFamily="2" charset="0"/>
+                <a:cs typeface="Gotham Book" pitchFamily="50" charset="0"/>
+              </a:rPr>
+              <a:t>1</a:t>
+            </a:r>
+          </a:p>
+        </p:txBody>
+      </p:sp>
+      <p:sp>
+        <p:nvSpPr>
+          <p:cNvPr id="24" name="TextBox 23">
+            <a:extLst>
+              <a:ext uri="{FF2B5EF4-FFF2-40B4-BE49-F238E27FC236}">
+                <a16:creationId xmlns:a16="http://schemas.microsoft.com/office/drawing/2014/main" id="{8D51A177-3E78-40CA-B744-7DCACF4BE529}"/>
+              </a:ext>
+            </a:extLst>
+          </p:cNvPr>
+          <p:cNvSpPr txBox="1"/>
+          <p:nvPr/>
+        </p:nvSpPr>
+        <p:spPr>
+          <a:xfrm>
+            <a:off x="8381859" y="1512991"/>
+            <a:ext cx="395197" cy="447367"/>
+          </a:xfrm>
+          <a:prstGeom prst="rect">
+            <a:avLst/>
+          </a:prstGeom>
+          <a:noFill/>
+        </p:spPr>
+        <p:txBody>
+          <a:bodyPr wrap="square" rtlCol="0">
+            <a:spAutoFit/>
+          </a:bodyPr>
+          <a:lstStyle/>
+          <a:p>
+            <a:pPr algn="ctr">
+              <a:lnSpc>
+                <a:spcPct val="150000"/>
+              </a:lnSpc>
+            </a:pPr>
+            <a:r>
+              <a:rPr lang="en-SG" dirty="0">
+                <a:latin typeface="Gotham Bold" panose="02000803030000020004" pitchFamily="2" charset="0"/>
+                <a:cs typeface="Gotham Book" pitchFamily="50" charset="0"/>
+              </a:rPr>
+              <a:t>2</a:t>
+            </a:r>
+          </a:p>
+        </p:txBody>
+      </p:sp>
+      <p:sp>
+        <p:nvSpPr>
+          <p:cNvPr id="25" name="TextBox 24">
+            <a:extLst>
+              <a:ext uri="{FF2B5EF4-FFF2-40B4-BE49-F238E27FC236}">
+                <a16:creationId xmlns:a16="http://schemas.microsoft.com/office/drawing/2014/main" id="{15D3737E-4601-4FC4-94E0-477644ED185E}"/>
+              </a:ext>
+            </a:extLst>
+          </p:cNvPr>
+          <p:cNvSpPr txBox="1"/>
+          <p:nvPr/>
+        </p:nvSpPr>
+        <p:spPr>
+          <a:xfrm>
+            <a:off x="7986662" y="1810311"/>
+            <a:ext cx="395197" cy="447367"/>
+          </a:xfrm>
+          <a:prstGeom prst="rect">
+            <a:avLst/>
+          </a:prstGeom>
+          <a:noFill/>
+        </p:spPr>
+        <p:txBody>
+          <a:bodyPr wrap="square" rtlCol="0">
+            <a:spAutoFit/>
+          </a:bodyPr>
+          <a:lstStyle/>
+          <a:p>
+            <a:pPr algn="ctr">
+              <a:lnSpc>
+                <a:spcPct val="150000"/>
+              </a:lnSpc>
+            </a:pPr>
+            <a:r>
+              <a:rPr lang="en-SG" dirty="0">
+                <a:latin typeface="Gotham Bold" panose="02000803030000020004" pitchFamily="2" charset="0"/>
+                <a:cs typeface="Gotham Book" pitchFamily="50" charset="0"/>
+              </a:rPr>
+              <a:t>3</a:t>
+            </a:r>
+          </a:p>
+        </p:txBody>
+      </p:sp>
+      <p:sp>
+        <p:nvSpPr>
+          <p:cNvPr id="26" name="TextBox 25">
+            <a:extLst>
+              <a:ext uri="{FF2B5EF4-FFF2-40B4-BE49-F238E27FC236}">
+                <a16:creationId xmlns:a16="http://schemas.microsoft.com/office/drawing/2014/main" id="{6E202F8B-07E7-4C74-8933-1CC1498B87B3}"/>
+              </a:ext>
+            </a:extLst>
+          </p:cNvPr>
+          <p:cNvSpPr txBox="1"/>
+          <p:nvPr/>
+        </p:nvSpPr>
+        <p:spPr>
+          <a:xfrm>
+            <a:off x="8219067" y="1267264"/>
+            <a:ext cx="395197" cy="447367"/>
+          </a:xfrm>
+          <a:prstGeom prst="rect">
+            <a:avLst/>
+          </a:prstGeom>
+          <a:noFill/>
+        </p:spPr>
+        <p:txBody>
+          <a:bodyPr wrap="square" rtlCol="0">
+            <a:spAutoFit/>
+          </a:bodyPr>
+          <a:lstStyle/>
+          <a:p>
+            <a:pPr algn="ctr">
+              <a:lnSpc>
+                <a:spcPct val="150000"/>
+              </a:lnSpc>
+            </a:pPr>
+            <a:r>
+              <a:rPr lang="en-SG" dirty="0">
+                <a:latin typeface="Gotham Bold" panose="02000803030000020004" pitchFamily="2" charset="0"/>
+                <a:cs typeface="Gotham Book" pitchFamily="50" charset="0"/>
+              </a:rPr>
+              <a:t>4</a:t>
+            </a:r>
+          </a:p>
+        </p:txBody>
+      </p:sp>
+      <p:sp>
+        <p:nvSpPr>
+          <p:cNvPr id="27" name="TextBox 26">
+            <a:extLst>
+              <a:ext uri="{FF2B5EF4-FFF2-40B4-BE49-F238E27FC236}">
+                <a16:creationId xmlns:a16="http://schemas.microsoft.com/office/drawing/2014/main" id="{7142C695-DF4C-41FA-93E7-A3B958740D89}"/>
+              </a:ext>
+            </a:extLst>
+          </p:cNvPr>
+          <p:cNvSpPr txBox="1"/>
+          <p:nvPr/>
+        </p:nvSpPr>
+        <p:spPr>
+          <a:xfrm>
+            <a:off x="7629338" y="1434853"/>
+            <a:ext cx="395197" cy="447367"/>
+          </a:xfrm>
+          <a:prstGeom prst="rect">
+            <a:avLst/>
+          </a:prstGeom>
+          <a:noFill/>
+        </p:spPr>
+        <p:txBody>
+          <a:bodyPr wrap="square" rtlCol="0">
+            <a:spAutoFit/>
+          </a:bodyPr>
+          <a:lstStyle/>
+          <a:p>
+            <a:pPr algn="ctr">
+              <a:lnSpc>
+                <a:spcPct val="150000"/>
+              </a:lnSpc>
+            </a:pPr>
+            <a:r>
+              <a:rPr lang="en-SG" dirty="0">
+                <a:latin typeface="Gotham Bold" panose="02000803030000020004" pitchFamily="2" charset="0"/>
+                <a:cs typeface="Gotham Book" pitchFamily="50" charset="0"/>
+              </a:rPr>
+              <a:t>5</a:t>
+            </a:r>
+          </a:p>
+        </p:txBody>
+      </p:sp>
+      <p:sp>
+        <p:nvSpPr>
+          <p:cNvPr id="28" name="TextBox 27">
+            <a:extLst>
+              <a:ext uri="{FF2B5EF4-FFF2-40B4-BE49-F238E27FC236}">
+                <a16:creationId xmlns:a16="http://schemas.microsoft.com/office/drawing/2014/main" id="{D8584885-C1DD-40E0-84DB-6D5EDAF5394C}"/>
+              </a:ext>
+            </a:extLst>
+          </p:cNvPr>
+          <p:cNvSpPr txBox="1"/>
+          <p:nvPr/>
+        </p:nvSpPr>
+        <p:spPr>
+          <a:xfrm>
+            <a:off x="8304765" y="3429000"/>
+            <a:ext cx="395197" cy="447367"/>
+          </a:xfrm>
+          <a:prstGeom prst="rect">
+            <a:avLst/>
+          </a:prstGeom>
+          <a:noFill/>
+        </p:spPr>
+        <p:txBody>
+          <a:bodyPr wrap="square" rtlCol="0">
+            <a:spAutoFit/>
+          </a:bodyPr>
+          <a:lstStyle/>
+          <a:p>
+            <a:pPr algn="ctr">
+              <a:lnSpc>
+                <a:spcPct val="150000"/>
+              </a:lnSpc>
+            </a:pPr>
+            <a:r>
+              <a:rPr lang="en-SG" dirty="0">
+                <a:latin typeface="Gotham Bold" panose="02000803030000020004" pitchFamily="2" charset="0"/>
+                <a:cs typeface="Gotham Book" pitchFamily="50" charset="0"/>
+              </a:rPr>
+              <a:t>6</a:t>
+            </a:r>
+          </a:p>
+        </p:txBody>
+      </p:sp>
+      <p:sp>
+        <p:nvSpPr>
+          <p:cNvPr id="29" name="TextBox 28">
+            <a:extLst>
+              <a:ext uri="{FF2B5EF4-FFF2-40B4-BE49-F238E27FC236}">
+                <a16:creationId xmlns:a16="http://schemas.microsoft.com/office/drawing/2014/main" id="{3619E6DF-3AF1-433F-A87C-C01FD2AA4FD9}"/>
+              </a:ext>
+            </a:extLst>
+          </p:cNvPr>
+          <p:cNvSpPr txBox="1"/>
+          <p:nvPr/>
+        </p:nvSpPr>
+        <p:spPr>
+          <a:xfrm>
+            <a:off x="8886172" y="3219068"/>
+            <a:ext cx="395197" cy="447367"/>
+          </a:xfrm>
+          <a:prstGeom prst="rect">
+            <a:avLst/>
+          </a:prstGeom>
+          <a:noFill/>
+        </p:spPr>
+        <p:txBody>
+          <a:bodyPr wrap="square" rtlCol="0">
+            <a:spAutoFit/>
+          </a:bodyPr>
+          <a:lstStyle/>
+          <a:p>
+            <a:pPr algn="ctr">
+              <a:lnSpc>
+                <a:spcPct val="150000"/>
+              </a:lnSpc>
+            </a:pPr>
+            <a:r>
+              <a:rPr lang="en-SG" dirty="0">
+                <a:latin typeface="Gotham Bold" panose="02000803030000020004" pitchFamily="2" charset="0"/>
+                <a:cs typeface="Gotham Book" pitchFamily="50" charset="0"/>
+              </a:rPr>
+              <a:t>7</a:t>
+            </a:r>
+          </a:p>
+        </p:txBody>
+      </p:sp>
+      <p:sp>
+        <p:nvSpPr>
+          <p:cNvPr id="30" name="TextBox 29">
+            <a:extLst>
+              <a:ext uri="{FF2B5EF4-FFF2-40B4-BE49-F238E27FC236}">
+                <a16:creationId xmlns:a16="http://schemas.microsoft.com/office/drawing/2014/main" id="{AECA707A-405A-4752-A497-2183FB319984}"/>
+              </a:ext>
+            </a:extLst>
+          </p:cNvPr>
+          <p:cNvSpPr txBox="1"/>
+          <p:nvPr/>
+        </p:nvSpPr>
+        <p:spPr>
+          <a:xfrm>
+            <a:off x="9911124" y="3219068"/>
+            <a:ext cx="395197" cy="447367"/>
+          </a:xfrm>
+          <a:prstGeom prst="rect">
+            <a:avLst/>
+          </a:prstGeom>
+          <a:noFill/>
+        </p:spPr>
+        <p:txBody>
+          <a:bodyPr wrap="square" rtlCol="0">
+            <a:spAutoFit/>
+          </a:bodyPr>
+          <a:lstStyle/>
+          <a:p>
+            <a:pPr algn="ctr">
+              <a:lnSpc>
+                <a:spcPct val="150000"/>
+              </a:lnSpc>
+            </a:pPr>
+            <a:r>
+              <a:rPr lang="en-SG" dirty="0">
+                <a:latin typeface="Gotham Bold" panose="02000803030000020004" pitchFamily="2" charset="0"/>
+                <a:cs typeface="Gotham Book" pitchFamily="50" charset="0"/>
+              </a:rPr>
+              <a:t>8</a:t>
+            </a:r>
+          </a:p>
+        </p:txBody>
+      </p:sp>
+      <p:sp>
+        <p:nvSpPr>
+          <p:cNvPr id="31" name="TextBox 30">
+            <a:extLst>
+              <a:ext uri="{FF2B5EF4-FFF2-40B4-BE49-F238E27FC236}">
+                <a16:creationId xmlns:a16="http://schemas.microsoft.com/office/drawing/2014/main" id="{B33C77C4-4AB6-4DCF-A28F-7BAFE60E750B}"/>
+              </a:ext>
+            </a:extLst>
+          </p:cNvPr>
+          <p:cNvSpPr txBox="1"/>
+          <p:nvPr/>
+        </p:nvSpPr>
+        <p:spPr>
+          <a:xfrm>
+            <a:off x="9421417" y="2836908"/>
+            <a:ext cx="395197" cy="447367"/>
+          </a:xfrm>
+          <a:prstGeom prst="rect">
+            <a:avLst/>
+          </a:prstGeom>
+          <a:noFill/>
+        </p:spPr>
+        <p:txBody>
+          <a:bodyPr wrap="square" rtlCol="0">
+            <a:spAutoFit/>
+          </a:bodyPr>
+          <a:lstStyle/>
+          <a:p>
+            <a:pPr algn="ctr">
+              <a:lnSpc>
+                <a:spcPct val="150000"/>
+              </a:lnSpc>
+            </a:pPr>
+            <a:r>
+              <a:rPr lang="en-SG" dirty="0">
+                <a:latin typeface="Gotham Bold" panose="02000803030000020004" pitchFamily="2" charset="0"/>
+                <a:cs typeface="Gotham Book" pitchFamily="50" charset="0"/>
+              </a:rPr>
+              <a:t>9</a:t>
+            </a:r>
+          </a:p>
+        </p:txBody>
+      </p:sp>
+      <p:sp>
+        <p:nvSpPr>
+          <p:cNvPr id="32" name="TextBox 31">
+            <a:extLst>
+              <a:ext uri="{FF2B5EF4-FFF2-40B4-BE49-F238E27FC236}">
+                <a16:creationId xmlns:a16="http://schemas.microsoft.com/office/drawing/2014/main" id="{7A91BD48-A2BC-4922-9211-B5977732032A}"/>
+              </a:ext>
+            </a:extLst>
+          </p:cNvPr>
+          <p:cNvSpPr txBox="1"/>
+          <p:nvPr/>
+        </p:nvSpPr>
+        <p:spPr>
+          <a:xfrm>
+            <a:off x="9985114" y="2786082"/>
+            <a:ext cx="510852" cy="447367"/>
+          </a:xfrm>
+          <a:prstGeom prst="rect">
+            <a:avLst/>
+          </a:prstGeom>
+          <a:noFill/>
+        </p:spPr>
+        <p:txBody>
+          <a:bodyPr wrap="square" rtlCol="0">
+            <a:spAutoFit/>
+          </a:bodyPr>
+          <a:lstStyle/>
+          <a:p>
+            <a:pPr algn="ctr">
+              <a:lnSpc>
+                <a:spcPct val="150000"/>
+              </a:lnSpc>
+            </a:pPr>
+            <a:r>
+              <a:rPr lang="en-SG" dirty="0">
+                <a:latin typeface="Gotham Bold" panose="02000803030000020004" pitchFamily="2" charset="0"/>
+                <a:cs typeface="Gotham Book" pitchFamily="50" charset="0"/>
+              </a:rPr>
+              <a:t>10</a:t>
+            </a:r>
+          </a:p>
+        </p:txBody>
+      </p:sp>
+      <p:pic>
+        <p:nvPicPr>
+          <p:cNvPr id="34" name="Graphic 33" descr="Piggy Bank">
+            <a:extLst>
+              <a:ext uri="{FF2B5EF4-FFF2-40B4-BE49-F238E27FC236}">
+                <a16:creationId xmlns:a16="http://schemas.microsoft.com/office/drawing/2014/main" id="{52E776D2-6B2B-408B-9EE7-D4DA6B86EB6A}"/>
+              </a:ext>
+            </a:extLst>
+          </p:cNvPr>
+          <p:cNvPicPr>
+            <a:picLocks noChangeAspect="1"/>
+          </p:cNvPicPr>
+          <p:nvPr/>
+        </p:nvPicPr>
+        <p:blipFill>
+          <a:blip r:embed="rId13">
+            <a:extLst>
+              <a:ext uri="{28A0092B-C50C-407E-A947-70E740481C1C}">
+                <a14:useLocalDpi xmlns:a14="http://schemas.microsoft.com/office/drawing/2010/main" val="0"/>
+              </a:ext>
+              <a:ext uri="{96DAC541-7B7A-43D3-8B79-37D633B846F1}">
+                <asvg:svgBlip xmlns:asvg="http://schemas.microsoft.com/office/drawing/2016/SVG/main" r:embed="rId14"/>
+              </a:ext>
+            </a:extLst>
+          </a:blip>
+          <a:stretch>
+            <a:fillRect/>
+          </a:stretch>
+        </p:blipFill>
+        <p:spPr>
+          <a:xfrm>
+            <a:off x="9911124" y="5966194"/>
+            <a:ext cx="360000" cy="360000"/>
+          </a:xfrm>
+          <a:prstGeom prst="rect">
+            <a:avLst/>
+          </a:prstGeom>
+        </p:spPr>
+      </p:pic>
+      <p:sp>
+        <p:nvSpPr>
+          <p:cNvPr id="22" name="TextBox 21">
+            <a:extLst>
+              <a:ext uri="{FF2B5EF4-FFF2-40B4-BE49-F238E27FC236}">
+                <a16:creationId xmlns:a16="http://schemas.microsoft.com/office/drawing/2014/main" id="{0F2A1647-8C07-4CE6-9EB4-07FCBC9C257B}"/>
+              </a:ext>
+            </a:extLst>
+          </p:cNvPr>
+          <p:cNvSpPr txBox="1"/>
+          <p:nvPr/>
+        </p:nvSpPr>
+        <p:spPr>
+          <a:xfrm>
+            <a:off x="1154774" y="2589825"/>
+            <a:ext cx="3951219" cy="1705852"/>
+          </a:xfrm>
+          <a:prstGeom prst="rect">
+            <a:avLst/>
+          </a:prstGeom>
+          <a:noFill/>
+        </p:spPr>
+        <p:txBody>
+          <a:bodyPr wrap="square" rtlCol="0">
+            <a:spAutoFit/>
+          </a:bodyPr>
+          <a:lstStyle/>
+          <a:p>
+            <a:pPr>
+              <a:lnSpc>
+                <a:spcPct val="150000"/>
+              </a:lnSpc>
+            </a:pPr>
+            <a:r>
+              <a:rPr lang="en-SG" dirty="0">
+                <a:solidFill>
+                  <a:schemeClr val="bg1"/>
+                </a:solidFill>
+                <a:latin typeface="Gotham Book" pitchFamily="50" charset="0"/>
+                <a:cs typeface="Gotham Book" pitchFamily="50" charset="0"/>
+              </a:rPr>
+              <a:t>Total: 41 Traps</a:t>
+            </a:r>
+          </a:p>
+          <a:p>
+            <a:pPr>
+              <a:lnSpc>
+                <a:spcPct val="150000"/>
+              </a:lnSpc>
+            </a:pPr>
+            <a:endParaRPr lang="en-SG" dirty="0">
+              <a:solidFill>
+                <a:schemeClr val="bg1"/>
+              </a:solidFill>
+              <a:latin typeface="Gotham Book" pitchFamily="50" charset="0"/>
+              <a:cs typeface="Gotham Book" pitchFamily="50" charset="0"/>
+            </a:endParaRPr>
+          </a:p>
+          <a:p>
+            <a:pPr>
+              <a:lnSpc>
+                <a:spcPct val="150000"/>
+              </a:lnSpc>
+            </a:pPr>
+            <a:r>
+              <a:rPr lang="en-SG" dirty="0">
+                <a:solidFill>
+                  <a:schemeClr val="bg1"/>
+                </a:solidFill>
+                <a:latin typeface="Gotham Book" pitchFamily="50" charset="0"/>
+                <a:cs typeface="Gotham Book" pitchFamily="50" charset="0"/>
+              </a:rPr>
+              <a:t>Total cost: </a:t>
+            </a:r>
+          </a:p>
+          <a:p>
+            <a:pPr>
+              <a:lnSpc>
+                <a:spcPct val="150000"/>
+              </a:lnSpc>
+            </a:pPr>
+            <a:r>
+              <a:rPr lang="en-SG" dirty="0">
+                <a:solidFill>
+                  <a:schemeClr val="bg1"/>
+                </a:solidFill>
+                <a:latin typeface="Gotham Book" pitchFamily="50" charset="0"/>
+                <a:cs typeface="Gotham Book" pitchFamily="50" charset="0"/>
+              </a:rPr>
+              <a:t>41 * 902 * 100 = </a:t>
+            </a:r>
+            <a:r>
+              <a:rPr lang="en-US" dirty="0">
+                <a:solidFill>
+                  <a:schemeClr val="bg1"/>
+                </a:solidFill>
+                <a:latin typeface="Gotham Book" pitchFamily="50" charset="0"/>
+                <a:cs typeface="Gotham Book" pitchFamily="50" charset="0"/>
+              </a:rPr>
+              <a:t>$3,697,614</a:t>
+            </a:r>
+          </a:p>
+        </p:txBody>
+      </p:sp>
+    </p:spTree>
+    <p:extLst>
+      <p:ext uri="{BB962C8B-B14F-4D97-AF65-F5344CB8AC3E}">
+        <p14:creationId xmlns:p14="http://schemas.microsoft.com/office/powerpoint/2010/main" val="710032340"/>
+      </p:ext>
+    </p:extLst>
+  </p:cSld>
+  <p:clrMapOvr>
+    <a:masterClrMapping/>
+  </p:clrMapOvr>
+</p:sld>
+</file>
+
+<file path=ppt/slides/slide31.xml><?xml version="1.0" encoding="utf-8"?>
+<p:sld xmlns:a="http://schemas.openxmlformats.org/drawingml/2006/main" xmlns:r="http://schemas.openxmlformats.org/officeDocument/2006/relationships" xmlns:p="http://schemas.openxmlformats.org/presentationml/2006/main">
+  <p:cSld>
+    <p:bg>
+      <p:bgPr>
+        <a:solidFill>
+          <a:srgbClr val="2F3742"/>
+        </a:solidFill>
+        <a:effectLst/>
+      </p:bgPr>
+    </p:bg>
+    <p:spTree>
+      <p:nvGrpSpPr>
+        <p:cNvPr id="1" name=""/>
+        <p:cNvGrpSpPr/>
+        <p:nvPr/>
+      </p:nvGrpSpPr>
+      <p:grpSpPr>
+        <a:xfrm>
+          <a:off x="0" y="0"/>
+          <a:ext cx="0" cy="0"/>
+          <a:chOff x="0" y="0"/>
+          <a:chExt cx="0" cy="0"/>
+        </a:xfrm>
+      </p:grpSpPr>
+      <p:sp>
+        <p:nvSpPr>
+          <p:cNvPr id="2" name="Title 1">
+            <a:extLst>
+              <a:ext uri="{FF2B5EF4-FFF2-40B4-BE49-F238E27FC236}">
+                <a16:creationId xmlns:a16="http://schemas.microsoft.com/office/drawing/2014/main" id="{FF21E304-E4E0-438B-AB07-1B8DC03AFC6F}"/>
+              </a:ext>
+            </a:extLst>
+          </p:cNvPr>
+          <p:cNvSpPr>
+            <a:spLocks noGrp="1"/>
+          </p:cNvSpPr>
+          <p:nvPr>
+            <p:ph type="ctrTitle"/>
+          </p:nvPr>
+        </p:nvSpPr>
+        <p:spPr>
+          <a:xfrm>
+            <a:off x="436202" y="5632449"/>
+            <a:ext cx="6136048" cy="928045"/>
+          </a:xfrm>
+        </p:spPr>
+        <p:txBody>
+          <a:bodyPr>
+            <a:normAutofit fontScale="90000"/>
+          </a:bodyPr>
+          <a:lstStyle/>
+          <a:p>
+            <a:pPr algn="l">
+              <a:lnSpc>
+                <a:spcPct val="150000"/>
+              </a:lnSpc>
+            </a:pPr>
+            <a:r>
+              <a:rPr lang="en-SG" dirty="0">
+                <a:gradFill flip="none" rotWithShape="1">
+                  <a:gsLst>
+                    <a:gs pos="0">
+                      <a:srgbClr val="35609A"/>
+                    </a:gs>
+                    <a:gs pos="100000">
+                      <a:srgbClr val="EC343F"/>
+                    </a:gs>
+                  </a:gsLst>
+                  <a:lin ang="0" scaled="1"/>
+                  <a:tileRect/>
+                </a:gradFill>
+                <a:latin typeface="Gotham Black" panose="02000603040000020004" pitchFamily="2" charset="0"/>
+              </a:rPr>
+              <a:t>COST ANALYSIS</a:t>
+            </a:r>
+            <a:endParaRPr lang="en-SG" dirty="0">
+              <a:gradFill>
+                <a:gsLst>
+                  <a:gs pos="0">
+                    <a:srgbClr val="35609A"/>
+                  </a:gs>
+                  <a:gs pos="100000">
+                    <a:srgbClr val="EC343F"/>
+                  </a:gs>
+                </a:gsLst>
+                <a:lin ang="0" scaled="1"/>
+              </a:gradFill>
+              <a:latin typeface="Gotham Black" panose="02000603040000020004" pitchFamily="2" charset="0"/>
+            </a:endParaRPr>
+          </a:p>
+        </p:txBody>
+      </p:sp>
+      <p:pic>
+        <p:nvPicPr>
+          <p:cNvPr id="7" name="Graphic 6" descr="Mop and bucket">
+            <a:extLst>
+              <a:ext uri="{FF2B5EF4-FFF2-40B4-BE49-F238E27FC236}">
+                <a16:creationId xmlns:a16="http://schemas.microsoft.com/office/drawing/2014/main" id="{0F454814-B50C-4698-B6C0-6DE90A930257}"/>
+              </a:ext>
+            </a:extLst>
+          </p:cNvPr>
+          <p:cNvPicPr>
+            <a:picLocks noChangeAspect="1"/>
+          </p:cNvPicPr>
+          <p:nvPr/>
+        </p:nvPicPr>
+        <p:blipFill>
+          <a:blip r:embed="rId2">
+            <a:extLst>
+              <a:ext uri="{28A0092B-C50C-407E-A947-70E740481C1C}">
+                <a14:useLocalDpi xmlns:a14="http://schemas.microsoft.com/office/drawing/2010/main" val="0"/>
+              </a:ext>
+              <a:ext uri="{96DAC541-7B7A-43D3-8B79-37D633B846F1}">
+                <asvg:svgBlip xmlns:asvg="http://schemas.microsoft.com/office/drawing/2016/SVG/main" r:embed="rId3"/>
+              </a:ext>
+            </a:extLst>
+          </a:blip>
+          <a:stretch>
+            <a:fillRect/>
+          </a:stretch>
+        </p:blipFill>
+        <p:spPr>
+          <a:xfrm>
+            <a:off x="6762349" y="5966194"/>
+            <a:ext cx="360000" cy="360000"/>
+          </a:xfrm>
+          <a:prstGeom prst="rect">
+            <a:avLst/>
+          </a:prstGeom>
+        </p:spPr>
+      </p:pic>
+      <p:pic>
+        <p:nvPicPr>
+          <p:cNvPr id="9" name="Graphic 8" descr="Research">
+            <a:extLst>
+              <a:ext uri="{FF2B5EF4-FFF2-40B4-BE49-F238E27FC236}">
+                <a16:creationId xmlns:a16="http://schemas.microsoft.com/office/drawing/2014/main" id="{4484A587-4DE2-4E0E-BD31-1E5371FF1617}"/>
+              </a:ext>
+            </a:extLst>
+          </p:cNvPr>
+          <p:cNvPicPr>
+            <a:picLocks noChangeAspect="1"/>
+          </p:cNvPicPr>
+          <p:nvPr/>
+        </p:nvPicPr>
+        <p:blipFill>
+          <a:blip r:embed="rId4">
+            <a:extLst>
+              <a:ext uri="{28A0092B-C50C-407E-A947-70E740481C1C}">
+                <a14:useLocalDpi xmlns:a14="http://schemas.microsoft.com/office/drawing/2010/main" val="0"/>
+              </a:ext>
+              <a:ext uri="{96DAC541-7B7A-43D3-8B79-37D633B846F1}">
+                <asvg:svgBlip xmlns:asvg="http://schemas.microsoft.com/office/drawing/2016/SVG/main" r:embed="rId5"/>
+              </a:ext>
+            </a:extLst>
+          </a:blip>
+          <a:stretch>
+            <a:fillRect/>
+          </a:stretch>
+        </p:blipFill>
+        <p:spPr>
+          <a:xfrm>
+            <a:off x="7392104" y="5966194"/>
+            <a:ext cx="360000" cy="360000"/>
+          </a:xfrm>
+          <a:prstGeom prst="rect">
+            <a:avLst/>
+          </a:prstGeom>
+        </p:spPr>
+      </p:pic>
+      <p:pic>
+        <p:nvPicPr>
+          <p:cNvPr id="11" name="Graphic 10" descr="Minimize">
+            <a:extLst>
+              <a:ext uri="{FF2B5EF4-FFF2-40B4-BE49-F238E27FC236}">
+                <a16:creationId xmlns:a16="http://schemas.microsoft.com/office/drawing/2014/main" id="{787A3D66-E702-4786-9334-AA8574247486}"/>
+              </a:ext>
+            </a:extLst>
+          </p:cNvPr>
+          <p:cNvPicPr>
+            <a:picLocks noChangeAspect="1"/>
+          </p:cNvPicPr>
+          <p:nvPr/>
+        </p:nvPicPr>
+        <p:blipFill>
+          <a:blip r:embed="rId6">
+            <a:extLst>
+              <a:ext uri="{28A0092B-C50C-407E-A947-70E740481C1C}">
+                <a14:useLocalDpi xmlns:a14="http://schemas.microsoft.com/office/drawing/2010/main" val="0"/>
+              </a:ext>
+              <a:ext uri="{96DAC541-7B7A-43D3-8B79-37D633B846F1}">
+                <asvg:svgBlip xmlns:asvg="http://schemas.microsoft.com/office/drawing/2016/SVG/main" r:embed="rId7"/>
+              </a:ext>
+            </a:extLst>
+          </a:blip>
+          <a:stretch>
+            <a:fillRect/>
+          </a:stretch>
+        </p:blipFill>
+        <p:spPr>
+          <a:xfrm>
+            <a:off x="8021859" y="5966194"/>
+            <a:ext cx="360000" cy="360000"/>
+          </a:xfrm>
+          <a:prstGeom prst="rect">
+            <a:avLst/>
+          </a:prstGeom>
+        </p:spPr>
+      </p:pic>
+      <p:pic>
+        <p:nvPicPr>
+          <p:cNvPr id="13" name="Graphic 12" descr="Tools">
+            <a:extLst>
+              <a:ext uri="{FF2B5EF4-FFF2-40B4-BE49-F238E27FC236}">
+                <a16:creationId xmlns:a16="http://schemas.microsoft.com/office/drawing/2014/main" id="{10818EE9-430A-4CC4-BD02-5BDDEF750326}"/>
+              </a:ext>
+            </a:extLst>
+          </p:cNvPr>
+          <p:cNvPicPr>
+            <a:picLocks noChangeAspect="1"/>
+          </p:cNvPicPr>
+          <p:nvPr/>
+        </p:nvPicPr>
+        <p:blipFill>
+          <a:blip r:embed="rId8">
+            <a:extLst>
+              <a:ext uri="{28A0092B-C50C-407E-A947-70E740481C1C}">
+                <a14:useLocalDpi xmlns:a14="http://schemas.microsoft.com/office/drawing/2010/main" val="0"/>
+              </a:ext>
+              <a:ext uri="{96DAC541-7B7A-43D3-8B79-37D633B846F1}">
+                <asvg:svgBlip xmlns:asvg="http://schemas.microsoft.com/office/drawing/2016/SVG/main" r:embed="rId9"/>
+              </a:ext>
+            </a:extLst>
+          </a:blip>
+          <a:stretch>
+            <a:fillRect/>
+          </a:stretch>
+        </p:blipFill>
+        <p:spPr>
+          <a:xfrm>
+            <a:off x="8651614" y="5966194"/>
+            <a:ext cx="360000" cy="360000"/>
+          </a:xfrm>
+          <a:prstGeom prst="rect">
+            <a:avLst/>
+          </a:prstGeom>
+        </p:spPr>
+      </p:pic>
+      <p:pic>
+        <p:nvPicPr>
+          <p:cNvPr id="17" name="Graphic 16" descr="Hourglass">
+            <a:extLst>
+              <a:ext uri="{FF2B5EF4-FFF2-40B4-BE49-F238E27FC236}">
+                <a16:creationId xmlns:a16="http://schemas.microsoft.com/office/drawing/2014/main" id="{2AB76BBD-A7C0-47CD-8857-DAAB96FDAC61}"/>
+              </a:ext>
+            </a:extLst>
+          </p:cNvPr>
+          <p:cNvPicPr>
+            <a:picLocks noChangeAspect="1"/>
+          </p:cNvPicPr>
+          <p:nvPr/>
+        </p:nvPicPr>
+        <p:blipFill>
+          <a:blip r:embed="rId10">
+            <a:extLst>
+              <a:ext uri="{28A0092B-C50C-407E-A947-70E740481C1C}">
+                <a14:useLocalDpi xmlns:a14="http://schemas.microsoft.com/office/drawing/2010/main" val="0"/>
+              </a:ext>
+              <a:ext uri="{96DAC541-7B7A-43D3-8B79-37D633B846F1}">
+                <asvg:svgBlip xmlns:asvg="http://schemas.microsoft.com/office/drawing/2016/SVG/main" r:embed="rId11"/>
+              </a:ext>
+            </a:extLst>
+          </a:blip>
+          <a:stretch>
+            <a:fillRect/>
+          </a:stretch>
+        </p:blipFill>
+        <p:spPr>
+          <a:xfrm>
+            <a:off x="9281369" y="5966194"/>
+            <a:ext cx="360000" cy="360000"/>
+          </a:xfrm>
+          <a:prstGeom prst="rect">
+            <a:avLst/>
+          </a:prstGeom>
+        </p:spPr>
+      </p:pic>
+      <p:sp>
+        <p:nvSpPr>
+          <p:cNvPr id="10" name="TextBox 9">
+            <a:extLst>
+              <a:ext uri="{FF2B5EF4-FFF2-40B4-BE49-F238E27FC236}">
+                <a16:creationId xmlns:a16="http://schemas.microsoft.com/office/drawing/2014/main" id="{45E2ABB5-AA4B-4A0D-9553-8D9F0D57F433}"/>
+              </a:ext>
+            </a:extLst>
+          </p:cNvPr>
+          <p:cNvSpPr txBox="1"/>
+          <p:nvPr/>
+        </p:nvSpPr>
+        <p:spPr>
+          <a:xfrm>
+            <a:off x="436202" y="509366"/>
+            <a:ext cx="7479248" cy="584775"/>
+          </a:xfrm>
+          <a:prstGeom prst="rect">
+            <a:avLst/>
+          </a:prstGeom>
+          <a:noFill/>
+        </p:spPr>
+        <p:txBody>
+          <a:bodyPr wrap="square" rtlCol="0">
+            <a:spAutoFit/>
+          </a:bodyPr>
+          <a:lstStyle/>
+          <a:p>
+            <a:r>
+              <a:rPr lang="en-SG" sz="3200" dirty="0">
+                <a:solidFill>
+                  <a:schemeClr val="bg1"/>
+                </a:solidFill>
+                <a:latin typeface="Gotham Black" panose="02000603040000020004" pitchFamily="2" charset="0"/>
+              </a:rPr>
+              <a:t>RECOMMENDATIONS</a:t>
+            </a:r>
+          </a:p>
+        </p:txBody>
+      </p:sp>
       <p:pic>
         <p:nvPicPr>
           <p:cNvPr id="4" name="Picture 3" descr="A close up of a map&#10;&#10;Description automatically generated">
@@ -23908,7 +24415,7 @@
 </p:sld>
 </file>
 
-<file path=ppt/slides/slide31.xml><?xml version="1.0" encoding="utf-8"?>
+<file path=ppt/slides/slide32.xml><?xml version="1.0" encoding="utf-8"?>
 <p:sld xmlns:a="http://schemas.openxmlformats.org/drawingml/2006/main" xmlns:r="http://schemas.openxmlformats.org/officeDocument/2006/relationships" xmlns:p="http://schemas.openxmlformats.org/presentationml/2006/main">
   <p:cSld>
     <p:bg>
@@ -25399,7 +25906,7 @@
 </p:sld>
 </file>
 
-<file path=ppt/slides/slide32.xml><?xml version="1.0" encoding="utf-8"?>
+<file path=ppt/slides/slide33.xml><?xml version="1.0" encoding="utf-8"?>
 <p:sld xmlns:a="http://schemas.openxmlformats.org/drawingml/2006/main" xmlns:r="http://schemas.openxmlformats.org/officeDocument/2006/relationships" xmlns:p="http://schemas.openxmlformats.org/presentationml/2006/main">
   <p:cSld>
     <p:bg>
@@ -25942,7 +26449,7 @@
 </p:sld>
 </file>
 
-<file path=ppt/slides/slide33.xml><?xml version="1.0" encoding="utf-8"?>
+<file path=ppt/slides/slide34.xml><?xml version="1.0" encoding="utf-8"?>
 <p:sld xmlns:a="http://schemas.openxmlformats.org/drawingml/2006/main" xmlns:r="http://schemas.openxmlformats.org/officeDocument/2006/relationships" xmlns:p="http://schemas.openxmlformats.org/presentationml/2006/main">
   <p:cSld>
     <p:bg>
@@ -26235,7 +26742,7 @@
                 </a:solidFill>
                 <a:latin typeface="Gotham Black" panose="02000603040000020004" pitchFamily="2" charset="0"/>
               </a:rPr>
-              <a:t> For Coming Mosquito Season</a:t>
+              <a:t> For Coming Mosquito Season On Weekly Basis</a:t>
             </a:r>
           </a:p>
           <a:p>

--- a/Grp Presentation.pptx
+++ b/Grp Presentation.pptx
@@ -157,3124 +157,6 @@
 <file path=ppt/changesInfos/changesInfo1.xml><?xml version="1.0" encoding="utf-8"?>
 <pc:chgInfo xmlns:a="http://schemas.openxmlformats.org/drawingml/2006/main" xmlns:r="http://schemas.openxmlformats.org/officeDocument/2006/relationships" xmlns:ac="http://schemas.microsoft.com/office/drawing/2013/main/command" xmlns:pc="http://schemas.microsoft.com/office/powerpoint/2013/main/command">
   <pc:docChgLst>
-    <pc:chgData name="Boon Jun" userId="b9b2384c46af58b4" providerId="LiveId" clId="{07FA4B2E-902A-4B46-B455-FA227D8539BA}"/>
-    <pc:docChg chg="undo custSel addSld delSld modSld sldOrd">
-      <pc:chgData name="Boon Jun" userId="b9b2384c46af58b4" providerId="LiveId" clId="{07FA4B2E-902A-4B46-B455-FA227D8539BA}" dt="2020-02-13T15:35:34.618" v="4562" actId="20577"/>
-      <pc:docMkLst>
-        <pc:docMk/>
-      </pc:docMkLst>
-      <pc:sldChg chg="addSp delSp modSp">
-        <pc:chgData name="Boon Jun" userId="b9b2384c46af58b4" providerId="LiveId" clId="{07FA4B2E-902A-4B46-B455-FA227D8539BA}" dt="2020-02-12T06:52:02.551" v="645" actId="478"/>
-        <pc:sldMkLst>
-          <pc:docMk/>
-          <pc:sldMk cId="2773114662" sldId="256"/>
-        </pc:sldMkLst>
-        <pc:spChg chg="add mod">
-          <ac:chgData name="Boon Jun" userId="b9b2384c46af58b4" providerId="LiveId" clId="{07FA4B2E-902A-4B46-B455-FA227D8539BA}" dt="2020-02-12T06:51:40.296" v="640" actId="207"/>
-          <ac:spMkLst>
-            <pc:docMk/>
-            <pc:sldMk cId="2773114662" sldId="256"/>
-            <ac:spMk id="4" creationId="{EAC61BCE-46A7-4383-BB8F-186DABC302F4}"/>
-          </ac:spMkLst>
-        </pc:spChg>
-        <pc:picChg chg="add del mod">
-          <ac:chgData name="Boon Jun" userId="b9b2384c46af58b4" providerId="LiveId" clId="{07FA4B2E-902A-4B46-B455-FA227D8539BA}" dt="2020-02-12T06:52:02.551" v="645" actId="478"/>
-          <ac:picMkLst>
-            <pc:docMk/>
-            <pc:sldMk cId="2773114662" sldId="256"/>
-            <ac:picMk id="3" creationId="{7D130C75-9BCA-4158-A216-043565B21FD7}"/>
-          </ac:picMkLst>
-        </pc:picChg>
-        <pc:picChg chg="mod">
-          <ac:chgData name="Boon Jun" userId="b9b2384c46af58b4" providerId="LiveId" clId="{07FA4B2E-902A-4B46-B455-FA227D8539BA}" dt="2020-02-12T06:32:19.519" v="485" actId="1076"/>
-          <ac:picMkLst>
-            <pc:docMk/>
-            <pc:sldMk cId="2773114662" sldId="256"/>
-            <ac:picMk id="8" creationId="{2A3B72F5-282A-479A-97A4-317E643BF8A7}"/>
-          </ac:picMkLst>
-        </pc:picChg>
-      </pc:sldChg>
-      <pc:sldChg chg="modSp">
-        <pc:chgData name="Boon Jun" userId="b9b2384c46af58b4" providerId="LiveId" clId="{07FA4B2E-902A-4B46-B455-FA227D8539BA}" dt="2020-02-12T08:05:55.731" v="678" actId="403"/>
-        <pc:sldMkLst>
-          <pc:docMk/>
-          <pc:sldMk cId="4197969554" sldId="257"/>
-        </pc:sldMkLst>
-        <pc:spChg chg="mod">
-          <ac:chgData name="Boon Jun" userId="b9b2384c46af58b4" providerId="LiveId" clId="{07FA4B2E-902A-4B46-B455-FA227D8539BA}" dt="2020-02-12T08:05:55.731" v="678" actId="403"/>
-          <ac:spMkLst>
-            <pc:docMk/>
-            <pc:sldMk cId="4197969554" sldId="257"/>
-            <ac:spMk id="3" creationId="{E90E465A-3033-4159-ACA1-F19A702DF04B}"/>
-          </ac:spMkLst>
-        </pc:spChg>
-      </pc:sldChg>
-      <pc:sldChg chg="addSp delSp modSp">
-        <pc:chgData name="Boon Jun" userId="b9b2384c46af58b4" providerId="LiveId" clId="{07FA4B2E-902A-4B46-B455-FA227D8539BA}" dt="2020-02-13T14:58:02.170" v="3834" actId="2711"/>
-        <pc:sldMkLst>
-          <pc:docMk/>
-          <pc:sldMk cId="1506440028" sldId="258"/>
-        </pc:sldMkLst>
-        <pc:spChg chg="del">
-          <ac:chgData name="Boon Jun" userId="b9b2384c46af58b4" providerId="LiveId" clId="{07FA4B2E-902A-4B46-B455-FA227D8539BA}" dt="2020-02-12T08:22:21.637" v="709" actId="478"/>
-          <ac:spMkLst>
-            <pc:docMk/>
-            <pc:sldMk cId="1506440028" sldId="258"/>
-            <ac:spMk id="2" creationId="{FF21E304-E4E0-438B-AB07-1B8DC03AFC6F}"/>
-          </ac:spMkLst>
-        </pc:spChg>
-        <pc:spChg chg="add del mod">
-          <ac:chgData name="Boon Jun" userId="b9b2384c46af58b4" providerId="LiveId" clId="{07FA4B2E-902A-4B46-B455-FA227D8539BA}" dt="2020-02-12T08:22:23.676" v="710" actId="478"/>
-          <ac:spMkLst>
-            <pc:docMk/>
-            <pc:sldMk cId="1506440028" sldId="258"/>
-            <ac:spMk id="4" creationId="{868DE376-B1A0-4941-BCE8-BF5976B92D74}"/>
-          </ac:spMkLst>
-        </pc:spChg>
-        <pc:spChg chg="add mod">
-          <ac:chgData name="Boon Jun" userId="b9b2384c46af58b4" providerId="LiveId" clId="{07FA4B2E-902A-4B46-B455-FA227D8539BA}" dt="2020-02-12T08:22:34.735" v="729" actId="14100"/>
-          <ac:spMkLst>
-            <pc:docMk/>
-            <pc:sldMk cId="1506440028" sldId="258"/>
-            <ac:spMk id="5" creationId="{35A6F9D8-9508-48EB-9DE4-5B2572F01F5B}"/>
-          </ac:spMkLst>
-        </pc:spChg>
-        <pc:spChg chg="add mod">
-          <ac:chgData name="Boon Jun" userId="b9b2384c46af58b4" providerId="LiveId" clId="{07FA4B2E-902A-4B46-B455-FA227D8539BA}" dt="2020-02-13T14:58:02.170" v="3834" actId="2711"/>
-          <ac:spMkLst>
-            <pc:docMk/>
-            <pc:sldMk cId="1506440028" sldId="258"/>
-            <ac:spMk id="6" creationId="{CA9F073F-09BD-4E0F-90F1-0AE8145C3969}"/>
-          </ac:spMkLst>
-        </pc:spChg>
-      </pc:sldChg>
-      <pc:sldChg chg="modSp">
-        <pc:chgData name="Boon Jun" userId="b9b2384c46af58b4" providerId="LiveId" clId="{07FA4B2E-902A-4B46-B455-FA227D8539BA}" dt="2020-02-12T06:54:33.685" v="651" actId="1076"/>
-        <pc:sldMkLst>
-          <pc:docMk/>
-          <pc:sldMk cId="3746096488" sldId="259"/>
-        </pc:sldMkLst>
-        <pc:spChg chg="mod">
-          <ac:chgData name="Boon Jun" userId="b9b2384c46af58b4" providerId="LiveId" clId="{07FA4B2E-902A-4B46-B455-FA227D8539BA}" dt="2020-02-12T06:54:27.018" v="649" actId="1076"/>
-          <ac:spMkLst>
-            <pc:docMk/>
-            <pc:sldMk cId="3746096488" sldId="259"/>
-            <ac:spMk id="31" creationId="{53A632A5-EF3B-439A-8015-8607DD845908}"/>
-          </ac:spMkLst>
-        </pc:spChg>
-        <pc:spChg chg="mod">
-          <ac:chgData name="Boon Jun" userId="b9b2384c46af58b4" providerId="LiveId" clId="{07FA4B2E-902A-4B46-B455-FA227D8539BA}" dt="2020-02-12T06:54:33.685" v="651" actId="1076"/>
-          <ac:spMkLst>
-            <pc:docMk/>
-            <pc:sldMk cId="3746096488" sldId="259"/>
-            <ac:spMk id="35" creationId="{03477E2C-AE59-40EF-BDA7-AD26F3978304}"/>
-          </ac:spMkLst>
-        </pc:spChg>
-      </pc:sldChg>
-      <pc:sldChg chg="addSp modSp">
-        <pc:chgData name="Boon Jun" userId="b9b2384c46af58b4" providerId="LiveId" clId="{07FA4B2E-902A-4B46-B455-FA227D8539BA}" dt="2020-02-13T07:19:14.922" v="2782" actId="1076"/>
-        <pc:sldMkLst>
-          <pc:docMk/>
-          <pc:sldMk cId="2862181266" sldId="260"/>
-        </pc:sldMkLst>
-        <pc:spChg chg="add mod">
-          <ac:chgData name="Boon Jun" userId="b9b2384c46af58b4" providerId="LiveId" clId="{07FA4B2E-902A-4B46-B455-FA227D8539BA}" dt="2020-02-13T07:19:09.624" v="2781" actId="164"/>
-          <ac:spMkLst>
-            <pc:docMk/>
-            <pc:sldMk cId="2862181266" sldId="260"/>
-            <ac:spMk id="14" creationId="{69CDD569-4973-475D-B1AA-31A9055E77C1}"/>
-          </ac:spMkLst>
-        </pc:spChg>
-        <pc:spChg chg="add mod">
-          <ac:chgData name="Boon Jun" userId="b9b2384c46af58b4" providerId="LiveId" clId="{07FA4B2E-902A-4B46-B455-FA227D8539BA}" dt="2020-02-13T07:19:09.624" v="2781" actId="164"/>
-          <ac:spMkLst>
-            <pc:docMk/>
-            <pc:sldMk cId="2862181266" sldId="260"/>
-            <ac:spMk id="15" creationId="{F8FE4C78-5A1A-4319-9942-AF343A5CEF7D}"/>
-          </ac:spMkLst>
-        </pc:spChg>
-        <pc:spChg chg="mod">
-          <ac:chgData name="Boon Jun" userId="b9b2384c46af58b4" providerId="LiveId" clId="{07FA4B2E-902A-4B46-B455-FA227D8539BA}" dt="2020-02-13T07:19:09.624" v="2781" actId="164"/>
-          <ac:spMkLst>
-            <pc:docMk/>
-            <pc:sldMk cId="2862181266" sldId="260"/>
-            <ac:spMk id="33" creationId="{612D2671-2D6E-41D1-A1AC-0A09CED8FE84}"/>
-          </ac:spMkLst>
-        </pc:spChg>
-        <pc:spChg chg="mod">
-          <ac:chgData name="Boon Jun" userId="b9b2384c46af58b4" providerId="LiveId" clId="{07FA4B2E-902A-4B46-B455-FA227D8539BA}" dt="2020-02-13T07:19:09.624" v="2781" actId="164"/>
-          <ac:spMkLst>
-            <pc:docMk/>
-            <pc:sldMk cId="2862181266" sldId="260"/>
-            <ac:spMk id="35" creationId="{03477E2C-AE59-40EF-BDA7-AD26F3978304}"/>
-          </ac:spMkLst>
-        </pc:spChg>
-        <pc:spChg chg="mod">
-          <ac:chgData name="Boon Jun" userId="b9b2384c46af58b4" providerId="LiveId" clId="{07FA4B2E-902A-4B46-B455-FA227D8539BA}" dt="2020-02-13T07:19:09.624" v="2781" actId="164"/>
-          <ac:spMkLst>
-            <pc:docMk/>
-            <pc:sldMk cId="2862181266" sldId="260"/>
-            <ac:spMk id="36" creationId="{1787EE2D-CD12-4F53-A8C3-97E2D24C7ABE}"/>
-          </ac:spMkLst>
-        </pc:spChg>
-        <pc:grpChg chg="mod">
-          <ac:chgData name="Boon Jun" userId="b9b2384c46af58b4" providerId="LiveId" clId="{07FA4B2E-902A-4B46-B455-FA227D8539BA}" dt="2020-02-13T07:19:06.486" v="2780" actId="1076"/>
-          <ac:grpSpMkLst>
-            <pc:docMk/>
-            <pc:sldMk cId="2862181266" sldId="260"/>
-            <ac:grpSpMk id="5" creationId="{97135F8E-F18A-4961-B46E-F7BB3A511C54}"/>
-          </ac:grpSpMkLst>
-        </pc:grpChg>
-        <pc:grpChg chg="add mod">
-          <ac:chgData name="Boon Jun" userId="b9b2384c46af58b4" providerId="LiveId" clId="{07FA4B2E-902A-4B46-B455-FA227D8539BA}" dt="2020-02-13T07:19:14.922" v="2782" actId="1076"/>
-          <ac:grpSpMkLst>
-            <pc:docMk/>
-            <pc:sldMk cId="2862181266" sldId="260"/>
-            <ac:grpSpMk id="6" creationId="{D5FF1D05-9F53-4B34-9021-5369809A9FA5}"/>
-          </ac:grpSpMkLst>
-        </pc:grpChg>
-      </pc:sldChg>
-      <pc:sldChg chg="addSp delSp modSp add">
-        <pc:chgData name="Boon Jun" userId="b9b2384c46af58b4" providerId="LiveId" clId="{07FA4B2E-902A-4B46-B455-FA227D8539BA}" dt="2020-02-13T14:51:57.166" v="3770" actId="1037"/>
-        <pc:sldMkLst>
-          <pc:docMk/>
-          <pc:sldMk cId="4288803398" sldId="261"/>
-        </pc:sldMkLst>
-        <pc:spChg chg="mod">
-          <ac:chgData name="Boon Jun" userId="b9b2384c46af58b4" providerId="LiveId" clId="{07FA4B2E-902A-4B46-B455-FA227D8539BA}" dt="2020-02-12T08:17:03.483" v="708" actId="207"/>
-          <ac:spMkLst>
-            <pc:docMk/>
-            <pc:sldMk cId="4288803398" sldId="261"/>
-            <ac:spMk id="2" creationId="{FF21E304-E4E0-438B-AB07-1B8DC03AFC6F}"/>
-          </ac:spMkLst>
-        </pc:spChg>
-        <pc:spChg chg="del">
-          <ac:chgData name="Boon Jun" userId="b9b2384c46af58b4" providerId="LiveId" clId="{07FA4B2E-902A-4B46-B455-FA227D8539BA}" dt="2020-02-12T05:22:23.787" v="101" actId="478"/>
-          <ac:spMkLst>
-            <pc:docMk/>
-            <pc:sldMk cId="4288803398" sldId="261"/>
-            <ac:spMk id="14" creationId="{69CDD569-4973-475D-B1AA-31A9055E77C1}"/>
-          </ac:spMkLst>
-        </pc:spChg>
-        <pc:spChg chg="del">
-          <ac:chgData name="Boon Jun" userId="b9b2384c46af58b4" providerId="LiveId" clId="{07FA4B2E-902A-4B46-B455-FA227D8539BA}" dt="2020-02-12T05:22:23.787" v="101" actId="478"/>
-          <ac:spMkLst>
-            <pc:docMk/>
-            <pc:sldMk cId="4288803398" sldId="261"/>
-            <ac:spMk id="15" creationId="{F8FE4C78-5A1A-4319-9942-AF343A5CEF7D}"/>
-          </ac:spMkLst>
-        </pc:spChg>
-        <pc:spChg chg="add mod">
-          <ac:chgData name="Boon Jun" userId="b9b2384c46af58b4" providerId="LiveId" clId="{07FA4B2E-902A-4B46-B455-FA227D8539BA}" dt="2020-02-12T06:13:21.329" v="145" actId="164"/>
-          <ac:spMkLst>
-            <pc:docMk/>
-            <pc:sldMk cId="4288803398" sldId="261"/>
-            <ac:spMk id="30" creationId="{43C0468B-C6F0-42E0-946C-402FBA46DBA0}"/>
-          </ac:spMkLst>
-        </pc:spChg>
-        <pc:spChg chg="del">
-          <ac:chgData name="Boon Jun" userId="b9b2384c46af58b4" providerId="LiveId" clId="{07FA4B2E-902A-4B46-B455-FA227D8539BA}" dt="2020-02-12T05:22:23.787" v="101" actId="478"/>
-          <ac:spMkLst>
-            <pc:docMk/>
-            <pc:sldMk cId="4288803398" sldId="261"/>
-            <ac:spMk id="33" creationId="{612D2671-2D6E-41D1-A1AC-0A09CED8FE84}"/>
-          </ac:spMkLst>
-        </pc:spChg>
-        <pc:spChg chg="add mod">
-          <ac:chgData name="Boon Jun" userId="b9b2384c46af58b4" providerId="LiveId" clId="{07FA4B2E-902A-4B46-B455-FA227D8539BA}" dt="2020-02-12T06:13:56.517" v="157" actId="164"/>
-          <ac:spMkLst>
-            <pc:docMk/>
-            <pc:sldMk cId="4288803398" sldId="261"/>
-            <ac:spMk id="34" creationId="{ADA85AC4-4E67-4EC9-8959-12B9FA7B0155}"/>
-          </ac:spMkLst>
-        </pc:spChg>
-        <pc:spChg chg="del">
-          <ac:chgData name="Boon Jun" userId="b9b2384c46af58b4" providerId="LiveId" clId="{07FA4B2E-902A-4B46-B455-FA227D8539BA}" dt="2020-02-12T05:22:23.787" v="101" actId="478"/>
-          <ac:spMkLst>
-            <pc:docMk/>
-            <pc:sldMk cId="4288803398" sldId="261"/>
-            <ac:spMk id="35" creationId="{03477E2C-AE59-40EF-BDA7-AD26F3978304}"/>
-          </ac:spMkLst>
-        </pc:spChg>
-        <pc:spChg chg="del">
-          <ac:chgData name="Boon Jun" userId="b9b2384c46af58b4" providerId="LiveId" clId="{07FA4B2E-902A-4B46-B455-FA227D8539BA}" dt="2020-02-12T05:22:23.787" v="101" actId="478"/>
-          <ac:spMkLst>
-            <pc:docMk/>
-            <pc:sldMk cId="4288803398" sldId="261"/>
-            <ac:spMk id="36" creationId="{1787EE2D-CD12-4F53-A8C3-97E2D24C7ABE}"/>
-          </ac:spMkLst>
-        </pc:spChg>
-        <pc:spChg chg="add mod">
-          <ac:chgData name="Boon Jun" userId="b9b2384c46af58b4" providerId="LiveId" clId="{07FA4B2E-902A-4B46-B455-FA227D8539BA}" dt="2020-02-12T06:14:24.674" v="175" actId="164"/>
-          <ac:spMkLst>
-            <pc:docMk/>
-            <pc:sldMk cId="4288803398" sldId="261"/>
-            <ac:spMk id="37" creationId="{EECDB084-43ED-4B0B-BAE1-CBD141EECD68}"/>
-          </ac:spMkLst>
-        </pc:spChg>
-        <pc:spChg chg="add mod">
-          <ac:chgData name="Boon Jun" userId="b9b2384c46af58b4" providerId="LiveId" clId="{07FA4B2E-902A-4B46-B455-FA227D8539BA}" dt="2020-02-12T06:15:51.316" v="274" actId="164"/>
-          <ac:spMkLst>
-            <pc:docMk/>
-            <pc:sldMk cId="4288803398" sldId="261"/>
-            <ac:spMk id="38" creationId="{E7A4873B-A19D-462B-8779-4F149F7C5407}"/>
-          </ac:spMkLst>
-        </pc:spChg>
-        <pc:spChg chg="add mod">
-          <ac:chgData name="Boon Jun" userId="b9b2384c46af58b4" providerId="LiveId" clId="{07FA4B2E-902A-4B46-B455-FA227D8539BA}" dt="2020-02-12T06:15:49.108" v="273" actId="164"/>
-          <ac:spMkLst>
-            <pc:docMk/>
-            <pc:sldMk cId="4288803398" sldId="261"/>
-            <ac:spMk id="39" creationId="{47238156-9AB9-42CF-9591-65B18505C1EC}"/>
-          </ac:spMkLst>
-        </pc:spChg>
-        <pc:spChg chg="add mod">
-          <ac:chgData name="Boon Jun" userId="b9b2384c46af58b4" providerId="LiveId" clId="{07FA4B2E-902A-4B46-B455-FA227D8539BA}" dt="2020-02-12T06:15:47.262" v="272" actId="164"/>
-          <ac:spMkLst>
-            <pc:docMk/>
-            <pc:sldMk cId="4288803398" sldId="261"/>
-            <ac:spMk id="40" creationId="{CF4A457C-9958-47F9-8111-D835E1A5D910}"/>
-          </ac:spMkLst>
-        </pc:spChg>
-        <pc:spChg chg="add mod">
-          <ac:chgData name="Boon Jun" userId="b9b2384c46af58b4" providerId="LiveId" clId="{07FA4B2E-902A-4B46-B455-FA227D8539BA}" dt="2020-02-12T06:15:44.581" v="269" actId="164"/>
-          <ac:spMkLst>
-            <pc:docMk/>
-            <pc:sldMk cId="4288803398" sldId="261"/>
-            <ac:spMk id="41" creationId="{1CC5D3A0-E26A-408F-A350-73FBA5EDAE35}"/>
-          </ac:spMkLst>
-        </pc:spChg>
-        <pc:grpChg chg="del">
-          <ac:chgData name="Boon Jun" userId="b9b2384c46af58b4" providerId="LiveId" clId="{07FA4B2E-902A-4B46-B455-FA227D8539BA}" dt="2020-02-12T05:22:23.787" v="101" actId="478"/>
-          <ac:grpSpMkLst>
-            <pc:docMk/>
-            <pc:sldMk cId="4288803398" sldId="261"/>
-            <ac:grpSpMk id="5" creationId="{97135F8E-F18A-4961-B46E-F7BB3A511C54}"/>
-          </ac:grpSpMkLst>
-        </pc:grpChg>
-        <pc:grpChg chg="add mod">
-          <ac:chgData name="Boon Jun" userId="b9b2384c46af58b4" providerId="LiveId" clId="{07FA4B2E-902A-4B46-B455-FA227D8539BA}" dt="2020-02-13T14:51:57.166" v="3770" actId="1037"/>
-          <ac:grpSpMkLst>
-            <pc:docMk/>
-            <pc:sldMk cId="4288803398" sldId="261"/>
-            <ac:grpSpMk id="22" creationId="{AFC4920A-713E-45DF-BF7A-92DC0AC7C8C2}"/>
-          </ac:grpSpMkLst>
-        </pc:grpChg>
-        <pc:grpChg chg="add mod">
-          <ac:chgData name="Boon Jun" userId="b9b2384c46af58b4" providerId="LiveId" clId="{07FA4B2E-902A-4B46-B455-FA227D8539BA}" dt="2020-02-13T14:51:57.166" v="3770" actId="1037"/>
-          <ac:grpSpMkLst>
-            <pc:docMk/>
-            <pc:sldMk cId="4288803398" sldId="261"/>
-            <ac:grpSpMk id="23" creationId="{2E532B55-37E7-4263-8AB0-FFF5EF10D2A7}"/>
-          </ac:grpSpMkLst>
-        </pc:grpChg>
-        <pc:grpChg chg="add mod">
-          <ac:chgData name="Boon Jun" userId="b9b2384c46af58b4" providerId="LiveId" clId="{07FA4B2E-902A-4B46-B455-FA227D8539BA}" dt="2020-02-13T14:51:57.166" v="3770" actId="1037"/>
-          <ac:grpSpMkLst>
-            <pc:docMk/>
-            <pc:sldMk cId="4288803398" sldId="261"/>
-            <ac:grpSpMk id="24" creationId="{0C8365A5-56A5-444A-8595-FABEE68A9C3A}"/>
-          </ac:grpSpMkLst>
-        </pc:grpChg>
-        <pc:grpChg chg="add mod">
-          <ac:chgData name="Boon Jun" userId="b9b2384c46af58b4" providerId="LiveId" clId="{07FA4B2E-902A-4B46-B455-FA227D8539BA}" dt="2020-02-13T14:51:57.166" v="3770" actId="1037"/>
-          <ac:grpSpMkLst>
-            <pc:docMk/>
-            <pc:sldMk cId="4288803398" sldId="261"/>
-            <ac:grpSpMk id="26" creationId="{2388A6FD-AD0D-4350-A86E-0B374796F9CF}"/>
-          </ac:grpSpMkLst>
-        </pc:grpChg>
-        <pc:grpChg chg="add del mod">
-          <ac:chgData name="Boon Jun" userId="b9b2384c46af58b4" providerId="LiveId" clId="{07FA4B2E-902A-4B46-B455-FA227D8539BA}" dt="2020-02-13T14:51:31.465" v="3659" actId="478"/>
-          <ac:grpSpMkLst>
-            <pc:docMk/>
-            <pc:sldMk cId="4288803398" sldId="261"/>
-            <ac:grpSpMk id="27" creationId="{924D0E9C-FEFE-4A42-A2EB-68A69CFE5992}"/>
-          </ac:grpSpMkLst>
-        </pc:grpChg>
-        <pc:grpChg chg="add mod">
-          <ac:chgData name="Boon Jun" userId="b9b2384c46af58b4" providerId="LiveId" clId="{07FA4B2E-902A-4B46-B455-FA227D8539BA}" dt="2020-02-13T14:51:57.166" v="3770" actId="1037"/>
-          <ac:grpSpMkLst>
-            <pc:docMk/>
-            <pc:sldMk cId="4288803398" sldId="261"/>
-            <ac:grpSpMk id="28" creationId="{A677EB62-42CC-4A72-8EA8-702339D0E93B}"/>
-          </ac:grpSpMkLst>
-        </pc:grpChg>
-        <pc:grpChg chg="add mod">
-          <ac:chgData name="Boon Jun" userId="b9b2384c46af58b4" providerId="LiveId" clId="{07FA4B2E-902A-4B46-B455-FA227D8539BA}" dt="2020-02-13T14:51:57.166" v="3770" actId="1037"/>
-          <ac:grpSpMkLst>
-            <pc:docMk/>
-            <pc:sldMk cId="4288803398" sldId="261"/>
-            <ac:grpSpMk id="29" creationId="{9DE674D4-9C8D-4555-9806-A27508F856AF}"/>
-          </ac:grpSpMkLst>
-        </pc:grpChg>
-        <pc:picChg chg="add mod">
-          <ac:chgData name="Boon Jun" userId="b9b2384c46af58b4" providerId="LiveId" clId="{07FA4B2E-902A-4B46-B455-FA227D8539BA}" dt="2020-02-12T06:13:21.329" v="145" actId="164"/>
-          <ac:picMkLst>
-            <pc:docMk/>
-            <pc:sldMk cId="4288803398" sldId="261"/>
-            <ac:picMk id="7" creationId="{0F454814-B50C-4698-B6C0-6DE90A930257}"/>
-          </ac:picMkLst>
-        </pc:picChg>
-        <pc:picChg chg="add mod">
-          <ac:chgData name="Boon Jun" userId="b9b2384c46af58b4" providerId="LiveId" clId="{07FA4B2E-902A-4B46-B455-FA227D8539BA}" dt="2020-02-12T06:13:56.517" v="157" actId="164"/>
-          <ac:picMkLst>
-            <pc:docMk/>
-            <pc:sldMk cId="4288803398" sldId="261"/>
-            <ac:picMk id="9" creationId="{4484A587-4DE2-4E0E-BD31-1E5371FF1617}"/>
-          </ac:picMkLst>
-        </pc:picChg>
-        <pc:picChg chg="add mod">
-          <ac:chgData name="Boon Jun" userId="b9b2384c46af58b4" providerId="LiveId" clId="{07FA4B2E-902A-4B46-B455-FA227D8539BA}" dt="2020-02-12T06:14:24.674" v="175" actId="164"/>
-          <ac:picMkLst>
-            <pc:docMk/>
-            <pc:sldMk cId="4288803398" sldId="261"/>
-            <ac:picMk id="11" creationId="{787A3D66-E702-4786-9334-AA8574247486}"/>
-          </ac:picMkLst>
-        </pc:picChg>
-        <pc:picChg chg="add mod">
-          <ac:chgData name="Boon Jun" userId="b9b2384c46af58b4" providerId="LiveId" clId="{07FA4B2E-902A-4B46-B455-FA227D8539BA}" dt="2020-02-12T06:15:51.316" v="274" actId="164"/>
-          <ac:picMkLst>
-            <pc:docMk/>
-            <pc:sldMk cId="4288803398" sldId="261"/>
-            <ac:picMk id="13" creationId="{10818EE9-430A-4CC4-BD02-5BDDEF750326}"/>
-          </ac:picMkLst>
-        </pc:picChg>
-        <pc:picChg chg="add mod">
-          <ac:chgData name="Boon Jun" userId="b9b2384c46af58b4" providerId="LiveId" clId="{07FA4B2E-902A-4B46-B455-FA227D8539BA}" dt="2020-02-12T06:15:49.108" v="273" actId="164"/>
-          <ac:picMkLst>
-            <pc:docMk/>
-            <pc:sldMk cId="4288803398" sldId="261"/>
-            <ac:picMk id="17" creationId="{2AB76BBD-A7C0-47CD-8857-DAAB96FDAC61}"/>
-          </ac:picMkLst>
-        </pc:picChg>
-        <pc:picChg chg="add mod">
-          <ac:chgData name="Boon Jun" userId="b9b2384c46af58b4" providerId="LiveId" clId="{07FA4B2E-902A-4B46-B455-FA227D8539BA}" dt="2020-02-12T06:15:47.262" v="272" actId="164"/>
-          <ac:picMkLst>
-            <pc:docMk/>
-            <pc:sldMk cId="4288803398" sldId="261"/>
-            <ac:picMk id="19" creationId="{2C9D18F4-DF60-4C50-9850-912CD1CB918E}"/>
-          </ac:picMkLst>
-        </pc:picChg>
-        <pc:picChg chg="add mod">
-          <ac:chgData name="Boon Jun" userId="b9b2384c46af58b4" providerId="LiveId" clId="{07FA4B2E-902A-4B46-B455-FA227D8539BA}" dt="2020-02-12T06:15:44.581" v="269" actId="164"/>
-          <ac:picMkLst>
-            <pc:docMk/>
-            <pc:sldMk cId="4288803398" sldId="261"/>
-            <ac:picMk id="21" creationId="{1EAAFDD7-270D-40BB-B235-F2B7DF98EC72}"/>
-          </ac:picMkLst>
-        </pc:picChg>
-        <pc:cxnChg chg="add del mod">
-          <ac:chgData name="Boon Jun" userId="b9b2384c46af58b4" providerId="LiveId" clId="{07FA4B2E-902A-4B46-B455-FA227D8539BA}" dt="2020-02-12T06:18:14.303" v="293" actId="478"/>
-          <ac:cxnSpMkLst>
-            <pc:docMk/>
-            <pc:sldMk cId="4288803398" sldId="261"/>
-            <ac:cxnSpMk id="43" creationId="{690199DA-1E25-4F10-9C03-ED87BDDA08C5}"/>
-          </ac:cxnSpMkLst>
-        </pc:cxnChg>
-        <pc:cxnChg chg="add mod">
-          <ac:chgData name="Boon Jun" userId="b9b2384c46af58b4" providerId="LiveId" clId="{07FA4B2E-902A-4B46-B455-FA227D8539BA}" dt="2020-02-12T06:20:36.923" v="369" actId="1038"/>
-          <ac:cxnSpMkLst>
-            <pc:docMk/>
-            <pc:sldMk cId="4288803398" sldId="261"/>
-            <ac:cxnSpMk id="45" creationId="{DEB82724-4F13-4B3E-A5D9-2549C676F822}"/>
-          </ac:cxnSpMkLst>
-        </pc:cxnChg>
-      </pc:sldChg>
-      <pc:sldChg chg="addSp delSp modSp add">
-        <pc:chgData name="Boon Jun" userId="b9b2384c46af58b4" providerId="LiveId" clId="{07FA4B2E-902A-4B46-B455-FA227D8539BA}" dt="2020-02-13T05:45:45.104" v="1464" actId="20577"/>
-        <pc:sldMkLst>
-          <pc:docMk/>
-          <pc:sldMk cId="2128570129" sldId="262"/>
-        </pc:sldMkLst>
-        <pc:spChg chg="mod">
-          <ac:chgData name="Boon Jun" userId="b9b2384c46af58b4" providerId="LiveId" clId="{07FA4B2E-902A-4B46-B455-FA227D8539BA}" dt="2020-02-12T08:05:59.524" v="680" actId="403"/>
-          <ac:spMkLst>
-            <pc:docMk/>
-            <pc:sldMk cId="2128570129" sldId="262"/>
-            <ac:spMk id="3" creationId="{E90E465A-3033-4159-ACA1-F19A702DF04B}"/>
-          </ac:spMkLst>
-        </pc:spChg>
-        <pc:spChg chg="add del">
-          <ac:chgData name="Boon Jun" userId="b9b2384c46af58b4" providerId="LiveId" clId="{07FA4B2E-902A-4B46-B455-FA227D8539BA}" dt="2020-02-13T05:33:24.991" v="1137" actId="478"/>
-          <ac:spMkLst>
-            <pc:docMk/>
-            <pc:sldMk cId="2128570129" sldId="262"/>
-            <ac:spMk id="5" creationId="{B72158A1-904F-4FBF-A96E-34E53E10A6A5}"/>
-          </ac:spMkLst>
-        </pc:spChg>
-        <pc:spChg chg="add del mod">
-          <ac:chgData name="Boon Jun" userId="b9b2384c46af58b4" providerId="LiveId" clId="{07FA4B2E-902A-4B46-B455-FA227D8539BA}" dt="2020-02-13T05:44:01.869" v="1367" actId="478"/>
-          <ac:spMkLst>
-            <pc:docMk/>
-            <pc:sldMk cId="2128570129" sldId="262"/>
-            <ac:spMk id="6" creationId="{F07558B1-1566-4FDC-B460-49621019A0D6}"/>
-          </ac:spMkLst>
-        </pc:spChg>
-        <pc:spChg chg="add mod">
-          <ac:chgData name="Boon Jun" userId="b9b2384c46af58b4" providerId="LiveId" clId="{07FA4B2E-902A-4B46-B455-FA227D8539BA}" dt="2020-02-13T05:45:45.104" v="1464" actId="20577"/>
-          <ac:spMkLst>
-            <pc:docMk/>
-            <pc:sldMk cId="2128570129" sldId="262"/>
-            <ac:spMk id="8" creationId="{EF2B4361-1A2B-4948-B18E-4124A2399EAD}"/>
-          </ac:spMkLst>
-        </pc:spChg>
-        <pc:spChg chg="add mod">
-          <ac:chgData name="Boon Jun" userId="b9b2384c46af58b4" providerId="LiveId" clId="{07FA4B2E-902A-4B46-B455-FA227D8539BA}" dt="2020-02-13T05:45:25.711" v="1450" actId="14100"/>
-          <ac:spMkLst>
-            <pc:docMk/>
-            <pc:sldMk cId="2128570129" sldId="262"/>
-            <ac:spMk id="9" creationId="{44FABC0D-EF10-42E9-9533-E86364055205}"/>
-          </ac:spMkLst>
-        </pc:spChg>
-        <pc:grpChg chg="del">
-          <ac:chgData name="Boon Jun" userId="b9b2384c46af58b4" providerId="LiveId" clId="{07FA4B2E-902A-4B46-B455-FA227D8539BA}" dt="2020-02-12T06:26:52.163" v="397" actId="478"/>
-          <ac:grpSpMkLst>
-            <pc:docMk/>
-            <pc:sldMk cId="2128570129" sldId="262"/>
-            <ac:grpSpMk id="27" creationId="{457893AD-8B81-4217-9338-5939A5D67230}"/>
-          </ac:grpSpMkLst>
-        </pc:grpChg>
-        <pc:grpChg chg="del">
-          <ac:chgData name="Boon Jun" userId="b9b2384c46af58b4" providerId="LiveId" clId="{07FA4B2E-902A-4B46-B455-FA227D8539BA}" dt="2020-02-12T06:26:52.163" v="397" actId="478"/>
-          <ac:grpSpMkLst>
-            <pc:docMk/>
-            <pc:sldMk cId="2128570129" sldId="262"/>
-            <ac:grpSpMk id="28" creationId="{7CF7D480-5642-4427-A6B5-BECE88DE9CEA}"/>
-          </ac:grpSpMkLst>
-        </pc:grpChg>
-        <pc:grpChg chg="del">
-          <ac:chgData name="Boon Jun" userId="b9b2384c46af58b4" providerId="LiveId" clId="{07FA4B2E-902A-4B46-B455-FA227D8539BA}" dt="2020-02-12T06:26:52.163" v="397" actId="478"/>
-          <ac:grpSpMkLst>
-            <pc:docMk/>
-            <pc:sldMk cId="2128570129" sldId="262"/>
-            <ac:grpSpMk id="29" creationId="{167F73E9-DFBF-4E4D-8344-FFB57FCBBA3B}"/>
-          </ac:grpSpMkLst>
-        </pc:grpChg>
-        <pc:grpChg chg="del">
-          <ac:chgData name="Boon Jun" userId="b9b2384c46af58b4" providerId="LiveId" clId="{07FA4B2E-902A-4B46-B455-FA227D8539BA}" dt="2020-02-12T06:26:54.261" v="398" actId="478"/>
-          <ac:grpSpMkLst>
-            <pc:docMk/>
-            <pc:sldMk cId="2128570129" sldId="262"/>
-            <ac:grpSpMk id="30" creationId="{01DD4AC3-75ED-47FC-8637-8FAAEFD10B6A}"/>
-          </ac:grpSpMkLst>
-        </pc:grpChg>
-        <pc:picChg chg="add mod modCrop">
-          <ac:chgData name="Boon Jun" userId="b9b2384c46af58b4" providerId="LiveId" clId="{07FA4B2E-902A-4B46-B455-FA227D8539BA}" dt="2020-02-13T05:44:33.692" v="1380" actId="1076"/>
-          <ac:picMkLst>
-            <pc:docMk/>
-            <pc:sldMk cId="2128570129" sldId="262"/>
-            <ac:picMk id="4" creationId="{E1D0E9EB-BDF4-4725-A965-DC1F5A2F8039}"/>
-          </ac:picMkLst>
-        </pc:picChg>
-        <pc:picChg chg="add del mod">
-          <ac:chgData name="Boon Jun" userId="b9b2384c46af58b4" providerId="LiveId" clId="{07FA4B2E-902A-4B46-B455-FA227D8539BA}" dt="2020-02-12T06:27:28.912" v="407" actId="478"/>
-          <ac:picMkLst>
-            <pc:docMk/>
-            <pc:sldMk cId="2128570129" sldId="262"/>
-            <ac:picMk id="1026" creationId="{CED1434D-D05D-48B1-B9BF-6DD3CD76E5A2}"/>
-          </ac:picMkLst>
-        </pc:picChg>
-        <pc:picChg chg="add del mod">
-          <ac:chgData name="Boon Jun" userId="b9b2384c46af58b4" providerId="LiveId" clId="{07FA4B2E-902A-4B46-B455-FA227D8539BA}" dt="2020-02-12T07:58:41.338" v="658" actId="478"/>
-          <ac:picMkLst>
-            <pc:docMk/>
-            <pc:sldMk cId="2128570129" sldId="262"/>
-            <ac:picMk id="1028" creationId="{25309B78-8891-4B03-98BF-44D19E733085}"/>
-          </ac:picMkLst>
-        </pc:picChg>
-        <pc:picChg chg="add mod">
-          <ac:chgData name="Boon Jun" userId="b9b2384c46af58b4" providerId="LiveId" clId="{07FA4B2E-902A-4B46-B455-FA227D8539BA}" dt="2020-02-13T05:44:24.114" v="1378" actId="14100"/>
-          <ac:picMkLst>
-            <pc:docMk/>
-            <pc:sldMk cId="2128570129" sldId="262"/>
-            <ac:picMk id="1030" creationId="{ECAEA6A6-62F0-47FB-8ECD-C3E93CF9A59A}"/>
-          </ac:picMkLst>
-        </pc:picChg>
-        <pc:cxnChg chg="mod">
-          <ac:chgData name="Boon Jun" userId="b9b2384c46af58b4" providerId="LiveId" clId="{07FA4B2E-902A-4B46-B455-FA227D8539BA}" dt="2020-02-12T06:26:52.163" v="397" actId="478"/>
-          <ac:cxnSpMkLst>
-            <pc:docMk/>
-            <pc:sldMk cId="2128570129" sldId="262"/>
-            <ac:cxnSpMk id="21" creationId="{0C91DD63-C43A-477F-9581-8F5BAFED1FDC}"/>
-          </ac:cxnSpMkLst>
-        </pc:cxnChg>
-      </pc:sldChg>
-      <pc:sldChg chg="addSp delSp modSp add">
-        <pc:chgData name="Boon Jun" userId="b9b2384c46af58b4" providerId="LiveId" clId="{07FA4B2E-902A-4B46-B455-FA227D8539BA}" dt="2020-02-13T14:52:14.529" v="3775" actId="478"/>
-        <pc:sldMkLst>
-          <pc:docMk/>
-          <pc:sldMk cId="2579216300" sldId="263"/>
-        </pc:sldMkLst>
-        <pc:spChg chg="mod">
-          <ac:chgData name="Boon Jun" userId="b9b2384c46af58b4" providerId="LiveId" clId="{07FA4B2E-902A-4B46-B455-FA227D8539BA}" dt="2020-02-12T06:35:49.699" v="523" actId="20577"/>
-          <ac:spMkLst>
-            <pc:docMk/>
-            <pc:sldMk cId="2579216300" sldId="263"/>
-            <ac:spMk id="2" creationId="{FF21E304-E4E0-438B-AB07-1B8DC03AFC6F}"/>
-          </ac:spMkLst>
-        </pc:spChg>
-        <pc:spChg chg="add del mod">
-          <ac:chgData name="Boon Jun" userId="b9b2384c46af58b4" providerId="LiveId" clId="{07FA4B2E-902A-4B46-B455-FA227D8539BA}" dt="2020-02-13T05:28:58.026" v="1111"/>
-          <ac:spMkLst>
-            <pc:docMk/>
-            <pc:sldMk cId="2579216300" sldId="263"/>
-            <ac:spMk id="3" creationId="{DB71C95F-7E6E-4D79-87CA-C2CAF7E1B564}"/>
-          </ac:spMkLst>
-        </pc:spChg>
-        <pc:spChg chg="add mod">
-          <ac:chgData name="Boon Jun" userId="b9b2384c46af58b4" providerId="LiveId" clId="{07FA4B2E-902A-4B46-B455-FA227D8539BA}" dt="2020-02-13T05:27:07.545" v="1100" actId="14100"/>
-          <ac:spMkLst>
-            <pc:docMk/>
-            <pc:sldMk cId="2579216300" sldId="263"/>
-            <ac:spMk id="12" creationId="{D0B332FF-9A78-4C1A-AB67-E35BC11E424D}"/>
-          </ac:spMkLst>
-        </pc:spChg>
-        <pc:spChg chg="add mod">
-          <ac:chgData name="Boon Jun" userId="b9b2384c46af58b4" providerId="LiveId" clId="{07FA4B2E-902A-4B46-B455-FA227D8539BA}" dt="2020-02-13T05:29:39.041" v="1132" actId="1076"/>
-          <ac:spMkLst>
-            <pc:docMk/>
-            <pc:sldMk cId="2579216300" sldId="263"/>
-            <ac:spMk id="14" creationId="{B42E03FB-F1C0-4CD9-B0FE-7FB925CA63FC}"/>
-          </ac:spMkLst>
-        </pc:spChg>
-        <pc:spChg chg="add mod">
-          <ac:chgData name="Boon Jun" userId="b9b2384c46af58b4" providerId="LiveId" clId="{07FA4B2E-902A-4B46-B455-FA227D8539BA}" dt="2020-02-13T05:29:45.916" v="1134" actId="1076"/>
-          <ac:spMkLst>
-            <pc:docMk/>
-            <pc:sldMk cId="2579216300" sldId="263"/>
-            <ac:spMk id="15" creationId="{85B03428-9776-4D6C-844D-6B04F4409D03}"/>
-          </ac:spMkLst>
-        </pc:spChg>
-        <pc:spChg chg="add mod">
-          <ac:chgData name="Boon Jun" userId="b9b2384c46af58b4" providerId="LiveId" clId="{07FA4B2E-902A-4B46-B455-FA227D8539BA}" dt="2020-02-13T05:24:12.941" v="914" actId="20577"/>
-          <ac:spMkLst>
-            <pc:docMk/>
-            <pc:sldMk cId="2579216300" sldId="263"/>
-            <ac:spMk id="25" creationId="{21869157-FE50-4022-82C7-B39E21A31C8B}"/>
-          </ac:spMkLst>
-        </pc:spChg>
-        <pc:spChg chg="del mod topLvl">
-          <ac:chgData name="Boon Jun" userId="b9b2384c46af58b4" providerId="LiveId" clId="{07FA4B2E-902A-4B46-B455-FA227D8539BA}" dt="2020-02-12T06:34:40.189" v="496" actId="478"/>
-          <ac:spMkLst>
-            <pc:docMk/>
-            <pc:sldMk cId="2579216300" sldId="263"/>
-            <ac:spMk id="30" creationId="{43C0468B-C6F0-42E0-946C-402FBA46DBA0}"/>
-          </ac:spMkLst>
-        </pc:spChg>
-        <pc:spChg chg="add del mod">
-          <ac:chgData name="Boon Jun" userId="b9b2384c46af58b4" providerId="LiveId" clId="{07FA4B2E-902A-4B46-B455-FA227D8539BA}" dt="2020-02-12T08:07:09.631" v="683" actId="478"/>
-          <ac:spMkLst>
-            <pc:docMk/>
-            <pc:sldMk cId="2579216300" sldId="263"/>
-            <ac:spMk id="31" creationId="{C1A6DCEB-8F1D-4385-8A4B-57B772E72C42}"/>
-          </ac:spMkLst>
-        </pc:spChg>
-        <pc:spChg chg="del mod topLvl">
-          <ac:chgData name="Boon Jun" userId="b9b2384c46af58b4" providerId="LiveId" clId="{07FA4B2E-902A-4B46-B455-FA227D8539BA}" dt="2020-02-12T06:34:40.189" v="496" actId="478"/>
-          <ac:spMkLst>
-            <pc:docMk/>
-            <pc:sldMk cId="2579216300" sldId="263"/>
-            <ac:spMk id="34" creationId="{ADA85AC4-4E67-4EC9-8959-12B9FA7B0155}"/>
-          </ac:spMkLst>
-        </pc:spChg>
-        <pc:spChg chg="del mod topLvl">
-          <ac:chgData name="Boon Jun" userId="b9b2384c46af58b4" providerId="LiveId" clId="{07FA4B2E-902A-4B46-B455-FA227D8539BA}" dt="2020-02-12T06:34:40.189" v="496" actId="478"/>
-          <ac:spMkLst>
-            <pc:docMk/>
-            <pc:sldMk cId="2579216300" sldId="263"/>
-            <ac:spMk id="37" creationId="{EECDB084-43ED-4B0B-BAE1-CBD141EECD68}"/>
-          </ac:spMkLst>
-        </pc:spChg>
-        <pc:spChg chg="del mod topLvl">
-          <ac:chgData name="Boon Jun" userId="b9b2384c46af58b4" providerId="LiveId" clId="{07FA4B2E-902A-4B46-B455-FA227D8539BA}" dt="2020-02-12T06:34:40.189" v="496" actId="478"/>
-          <ac:spMkLst>
-            <pc:docMk/>
-            <pc:sldMk cId="2579216300" sldId="263"/>
-            <ac:spMk id="38" creationId="{E7A4873B-A19D-462B-8779-4F149F7C5407}"/>
-          </ac:spMkLst>
-        </pc:spChg>
-        <pc:spChg chg="del mod topLvl">
-          <ac:chgData name="Boon Jun" userId="b9b2384c46af58b4" providerId="LiveId" clId="{07FA4B2E-902A-4B46-B455-FA227D8539BA}" dt="2020-02-12T06:34:40.189" v="496" actId="478"/>
-          <ac:spMkLst>
-            <pc:docMk/>
-            <pc:sldMk cId="2579216300" sldId="263"/>
-            <ac:spMk id="39" creationId="{47238156-9AB9-42CF-9591-65B18505C1EC}"/>
-          </ac:spMkLst>
-        </pc:spChg>
-        <pc:spChg chg="del mod topLvl">
-          <ac:chgData name="Boon Jun" userId="b9b2384c46af58b4" providerId="LiveId" clId="{07FA4B2E-902A-4B46-B455-FA227D8539BA}" dt="2020-02-12T06:34:40.189" v="496" actId="478"/>
-          <ac:spMkLst>
-            <pc:docMk/>
-            <pc:sldMk cId="2579216300" sldId="263"/>
-            <ac:spMk id="40" creationId="{CF4A457C-9958-47F9-8111-D835E1A5D910}"/>
-          </ac:spMkLst>
-        </pc:spChg>
-        <pc:spChg chg="del mod topLvl">
-          <ac:chgData name="Boon Jun" userId="b9b2384c46af58b4" providerId="LiveId" clId="{07FA4B2E-902A-4B46-B455-FA227D8539BA}" dt="2020-02-12T06:34:40.189" v="496" actId="478"/>
-          <ac:spMkLst>
-            <pc:docMk/>
-            <pc:sldMk cId="2579216300" sldId="263"/>
-            <ac:spMk id="41" creationId="{1CC5D3A0-E26A-408F-A350-73FBA5EDAE35}"/>
-          </ac:spMkLst>
-        </pc:spChg>
-        <pc:grpChg chg="del">
-          <ac:chgData name="Boon Jun" userId="b9b2384c46af58b4" providerId="LiveId" clId="{07FA4B2E-902A-4B46-B455-FA227D8539BA}" dt="2020-02-12T06:34:35.207" v="495" actId="165"/>
-          <ac:grpSpMkLst>
-            <pc:docMk/>
-            <pc:sldMk cId="2579216300" sldId="263"/>
-            <ac:grpSpMk id="22" creationId="{AFC4920A-713E-45DF-BF7A-92DC0AC7C8C2}"/>
-          </ac:grpSpMkLst>
-        </pc:grpChg>
-        <pc:grpChg chg="del">
-          <ac:chgData name="Boon Jun" userId="b9b2384c46af58b4" providerId="LiveId" clId="{07FA4B2E-902A-4B46-B455-FA227D8539BA}" dt="2020-02-12T06:34:32.302" v="494" actId="165"/>
-          <ac:grpSpMkLst>
-            <pc:docMk/>
-            <pc:sldMk cId="2579216300" sldId="263"/>
-            <ac:grpSpMk id="23" creationId="{2E532B55-37E7-4263-8AB0-FFF5EF10D2A7}"/>
-          </ac:grpSpMkLst>
-        </pc:grpChg>
-        <pc:grpChg chg="del">
-          <ac:chgData name="Boon Jun" userId="b9b2384c46af58b4" providerId="LiveId" clId="{07FA4B2E-902A-4B46-B455-FA227D8539BA}" dt="2020-02-12T06:34:27.785" v="493" actId="165"/>
-          <ac:grpSpMkLst>
-            <pc:docMk/>
-            <pc:sldMk cId="2579216300" sldId="263"/>
-            <ac:grpSpMk id="24" creationId="{0C8365A5-56A5-444A-8595-FABEE68A9C3A}"/>
-          </ac:grpSpMkLst>
-        </pc:grpChg>
-        <pc:grpChg chg="del">
-          <ac:chgData name="Boon Jun" userId="b9b2384c46af58b4" providerId="LiveId" clId="{07FA4B2E-902A-4B46-B455-FA227D8539BA}" dt="2020-02-12T06:34:07.678" v="489" actId="165"/>
-          <ac:grpSpMkLst>
-            <pc:docMk/>
-            <pc:sldMk cId="2579216300" sldId="263"/>
-            <ac:grpSpMk id="26" creationId="{2388A6FD-AD0D-4350-A86E-0B374796F9CF}"/>
-          </ac:grpSpMkLst>
-        </pc:grpChg>
-        <pc:grpChg chg="del">
-          <ac:chgData name="Boon Jun" userId="b9b2384c46af58b4" providerId="LiveId" clId="{07FA4B2E-902A-4B46-B455-FA227D8539BA}" dt="2020-02-12T06:34:12.878" v="490" actId="165"/>
-          <ac:grpSpMkLst>
-            <pc:docMk/>
-            <pc:sldMk cId="2579216300" sldId="263"/>
-            <ac:grpSpMk id="27" creationId="{924D0E9C-FEFE-4A42-A2EB-68A69CFE5992}"/>
-          </ac:grpSpMkLst>
-        </pc:grpChg>
-        <pc:grpChg chg="del">
-          <ac:chgData name="Boon Jun" userId="b9b2384c46af58b4" providerId="LiveId" clId="{07FA4B2E-902A-4B46-B455-FA227D8539BA}" dt="2020-02-12T06:34:16.522" v="491" actId="165"/>
-          <ac:grpSpMkLst>
-            <pc:docMk/>
-            <pc:sldMk cId="2579216300" sldId="263"/>
-            <ac:grpSpMk id="28" creationId="{A677EB62-42CC-4A72-8EA8-702339D0E93B}"/>
-          </ac:grpSpMkLst>
-        </pc:grpChg>
-        <pc:grpChg chg="del">
-          <ac:chgData name="Boon Jun" userId="b9b2384c46af58b4" providerId="LiveId" clId="{07FA4B2E-902A-4B46-B455-FA227D8539BA}" dt="2020-02-12T06:34:22.284" v="492" actId="165"/>
-          <ac:grpSpMkLst>
-            <pc:docMk/>
-            <pc:sldMk cId="2579216300" sldId="263"/>
-            <ac:grpSpMk id="29" creationId="{9DE674D4-9C8D-4555-9806-A27508F856AF}"/>
-          </ac:grpSpMkLst>
-        </pc:grpChg>
-        <pc:picChg chg="mod topLvl">
-          <ac:chgData name="Boon Jun" userId="b9b2384c46af58b4" providerId="LiveId" clId="{07FA4B2E-902A-4B46-B455-FA227D8539BA}" dt="2020-02-12T06:36:03.575" v="524" actId="207"/>
-          <ac:picMkLst>
-            <pc:docMk/>
-            <pc:sldMk cId="2579216300" sldId="263"/>
-            <ac:picMk id="7" creationId="{0F454814-B50C-4698-B6C0-6DE90A930257}"/>
-          </ac:picMkLst>
-        </pc:picChg>
-        <pc:picChg chg="mod topLvl">
-          <ac:chgData name="Boon Jun" userId="b9b2384c46af58b4" providerId="LiveId" clId="{07FA4B2E-902A-4B46-B455-FA227D8539BA}" dt="2020-02-12T06:35:39.122" v="515" actId="1076"/>
-          <ac:picMkLst>
-            <pc:docMk/>
-            <pc:sldMk cId="2579216300" sldId="263"/>
-            <ac:picMk id="9" creationId="{4484A587-4DE2-4E0E-BD31-1E5371FF1617}"/>
-          </ac:picMkLst>
-        </pc:picChg>
-        <pc:picChg chg="mod topLvl">
-          <ac:chgData name="Boon Jun" userId="b9b2384c46af58b4" providerId="LiveId" clId="{07FA4B2E-902A-4B46-B455-FA227D8539BA}" dt="2020-02-12T06:35:39.122" v="515" actId="1076"/>
-          <ac:picMkLst>
-            <pc:docMk/>
-            <pc:sldMk cId="2579216300" sldId="263"/>
-            <ac:picMk id="11" creationId="{787A3D66-E702-4786-9334-AA8574247486}"/>
-          </ac:picMkLst>
-        </pc:picChg>
-        <pc:picChg chg="mod topLvl">
-          <ac:chgData name="Boon Jun" userId="b9b2384c46af58b4" providerId="LiveId" clId="{07FA4B2E-902A-4B46-B455-FA227D8539BA}" dt="2020-02-12T06:35:39.122" v="515" actId="1076"/>
-          <ac:picMkLst>
-            <pc:docMk/>
-            <pc:sldMk cId="2579216300" sldId="263"/>
-            <ac:picMk id="13" creationId="{10818EE9-430A-4CC4-BD02-5BDDEF750326}"/>
-          </ac:picMkLst>
-        </pc:picChg>
-        <pc:picChg chg="mod topLvl">
-          <ac:chgData name="Boon Jun" userId="b9b2384c46af58b4" providerId="LiveId" clId="{07FA4B2E-902A-4B46-B455-FA227D8539BA}" dt="2020-02-12T06:35:39.122" v="515" actId="1076"/>
-          <ac:picMkLst>
-            <pc:docMk/>
-            <pc:sldMk cId="2579216300" sldId="263"/>
-            <ac:picMk id="17" creationId="{2AB76BBD-A7C0-47CD-8857-DAAB96FDAC61}"/>
-          </ac:picMkLst>
-        </pc:picChg>
-        <pc:picChg chg="add del mod topLvl">
-          <ac:chgData name="Boon Jun" userId="b9b2384c46af58b4" providerId="LiveId" clId="{07FA4B2E-902A-4B46-B455-FA227D8539BA}" dt="2020-02-13T14:52:14.529" v="3775" actId="478"/>
-          <ac:picMkLst>
-            <pc:docMk/>
-            <pc:sldMk cId="2579216300" sldId="263"/>
-            <ac:picMk id="19" creationId="{2C9D18F4-DF60-4C50-9850-912CD1CB918E}"/>
-          </ac:picMkLst>
-        </pc:picChg>
-        <pc:picChg chg="mod ord topLvl">
-          <ac:chgData name="Boon Jun" userId="b9b2384c46af58b4" providerId="LiveId" clId="{07FA4B2E-902A-4B46-B455-FA227D8539BA}" dt="2020-02-13T14:52:12.552" v="3774" actId="167"/>
-          <ac:picMkLst>
-            <pc:docMk/>
-            <pc:sldMk cId="2579216300" sldId="263"/>
-            <ac:picMk id="21" creationId="{1EAAFDD7-270D-40BB-B235-F2B7DF98EC72}"/>
-          </ac:picMkLst>
-        </pc:picChg>
-        <pc:picChg chg="add mod">
-          <ac:chgData name="Boon Jun" userId="b9b2384c46af58b4" providerId="LiveId" clId="{07FA4B2E-902A-4B46-B455-FA227D8539BA}" dt="2020-02-13T05:29:34.630" v="1131" actId="1076"/>
-          <ac:picMkLst>
-            <pc:docMk/>
-            <pc:sldMk cId="2579216300" sldId="263"/>
-            <ac:picMk id="1026" creationId="{8A40623D-8A86-47D6-A2CA-25B87D24B4B6}"/>
-          </ac:picMkLst>
-        </pc:picChg>
-        <pc:cxnChg chg="del">
-          <ac:chgData name="Boon Jun" userId="b9b2384c46af58b4" providerId="LiveId" clId="{07FA4B2E-902A-4B46-B455-FA227D8539BA}" dt="2020-02-12T06:33:50.396" v="488" actId="478"/>
-          <ac:cxnSpMkLst>
-            <pc:docMk/>
-            <pc:sldMk cId="2579216300" sldId="263"/>
-            <ac:cxnSpMk id="45" creationId="{DEB82724-4F13-4B3E-A5D9-2549C676F822}"/>
-          </ac:cxnSpMkLst>
-        </pc:cxnChg>
-      </pc:sldChg>
-      <pc:sldChg chg="addSp delSp modSp add">
-        <pc:chgData name="Boon Jun" userId="b9b2384c46af58b4" providerId="LiveId" clId="{07FA4B2E-902A-4B46-B455-FA227D8539BA}" dt="2020-02-13T15:25:07" v="4257" actId="1076"/>
-        <pc:sldMkLst>
-          <pc:docMk/>
-          <pc:sldMk cId="1800494445" sldId="264"/>
-        </pc:sldMkLst>
-        <pc:spChg chg="add mod">
-          <ac:chgData name="Boon Jun" userId="b9b2384c46af58b4" providerId="LiveId" clId="{07FA4B2E-902A-4B46-B455-FA227D8539BA}" dt="2020-02-13T15:23:21.348" v="4241" actId="1076"/>
-          <ac:spMkLst>
-            <pc:docMk/>
-            <pc:sldMk cId="1800494445" sldId="264"/>
-            <ac:spMk id="3" creationId="{FCE36C3C-2EA0-4990-8385-BB6D2D2AAF11}"/>
-          </ac:spMkLst>
-        </pc:spChg>
-        <pc:spChg chg="add mod">
-          <ac:chgData name="Boon Jun" userId="b9b2384c46af58b4" providerId="LiveId" clId="{07FA4B2E-902A-4B46-B455-FA227D8539BA}" dt="2020-02-12T08:09:27.327" v="707" actId="20577"/>
-          <ac:spMkLst>
-            <pc:docMk/>
-            <pc:sldMk cId="1800494445" sldId="264"/>
-            <ac:spMk id="10" creationId="{E9D6B482-8581-4E1F-80EB-BAF2C7C046BF}"/>
-          </ac:spMkLst>
-        </pc:spChg>
-        <pc:grpChg chg="add mod">
-          <ac:chgData name="Boon Jun" userId="b9b2384c46af58b4" providerId="LiveId" clId="{07FA4B2E-902A-4B46-B455-FA227D8539BA}" dt="2020-02-13T15:25:07" v="4257" actId="1076"/>
-          <ac:grpSpMkLst>
-            <pc:docMk/>
-            <pc:sldMk cId="1800494445" sldId="264"/>
-            <ac:grpSpMk id="20" creationId="{0CF539E5-BEDD-45BE-AF48-F0146077DB89}"/>
-          </ac:grpSpMkLst>
-        </pc:grpChg>
-        <pc:picChg chg="add mod">
-          <ac:chgData name="Boon Jun" userId="b9b2384c46af58b4" providerId="LiveId" clId="{07FA4B2E-902A-4B46-B455-FA227D8539BA}" dt="2020-02-13T15:25:03.841" v="4256" actId="164"/>
-          <ac:picMkLst>
-            <pc:docMk/>
-            <pc:sldMk cId="1800494445" sldId="264"/>
-            <ac:picMk id="5" creationId="{546D015E-9D7E-43E1-B0E9-EE2921CF5E2F}"/>
-          </ac:picMkLst>
-        </pc:picChg>
-        <pc:picChg chg="add mod">
-          <ac:chgData name="Boon Jun" userId="b9b2384c46af58b4" providerId="LiveId" clId="{07FA4B2E-902A-4B46-B455-FA227D8539BA}" dt="2020-02-13T15:25:03.841" v="4256" actId="164"/>
-          <ac:picMkLst>
-            <pc:docMk/>
-            <pc:sldMk cId="1800494445" sldId="264"/>
-            <ac:picMk id="8" creationId="{0C24B065-DF02-4100-BD40-D5D36AAD2485}"/>
-          </ac:picMkLst>
-        </pc:picChg>
-        <pc:picChg chg="add del mod">
-          <ac:chgData name="Boon Jun" userId="b9b2384c46af58b4" providerId="LiveId" clId="{07FA4B2E-902A-4B46-B455-FA227D8539BA}" dt="2020-02-13T15:23:32.528" v="4244" actId="478"/>
-          <ac:picMkLst>
-            <pc:docMk/>
-            <pc:sldMk cId="1800494445" sldId="264"/>
-            <ac:picMk id="12" creationId="{4DA53387-9075-44E3-8F7B-16CDA253E0EE}"/>
-          </ac:picMkLst>
-        </pc:picChg>
-        <pc:picChg chg="add mod">
-          <ac:chgData name="Boon Jun" userId="b9b2384c46af58b4" providerId="LiveId" clId="{07FA4B2E-902A-4B46-B455-FA227D8539BA}" dt="2020-02-13T15:25:03.841" v="4256" actId="164"/>
-          <ac:picMkLst>
-            <pc:docMk/>
-            <pc:sldMk cId="1800494445" sldId="264"/>
-            <ac:picMk id="15" creationId="{73FF9329-86D2-46E7-BEA4-E6458B109780}"/>
-          </ac:picMkLst>
-        </pc:picChg>
-        <pc:picChg chg="add mod">
-          <ac:chgData name="Boon Jun" userId="b9b2384c46af58b4" providerId="LiveId" clId="{07FA4B2E-902A-4B46-B455-FA227D8539BA}" dt="2020-02-13T15:25:03.841" v="4256" actId="164"/>
-          <ac:picMkLst>
-            <pc:docMk/>
-            <pc:sldMk cId="1800494445" sldId="264"/>
-            <ac:picMk id="18" creationId="{928798E6-A5A8-416B-85DB-83C6C9102B70}"/>
-          </ac:picMkLst>
-        </pc:picChg>
-      </pc:sldChg>
-      <pc:sldChg chg="addSp delSp modSp add">
-        <pc:chgData name="Boon Jun" userId="b9b2384c46af58b4" providerId="LiveId" clId="{07FA4B2E-902A-4B46-B455-FA227D8539BA}" dt="2020-02-13T14:52:28.431" v="3778" actId="478"/>
-        <pc:sldMkLst>
-          <pc:docMk/>
-          <pc:sldMk cId="3686962177" sldId="265"/>
-        </pc:sldMkLst>
-        <pc:spChg chg="mod">
-          <ac:chgData name="Boon Jun" userId="b9b2384c46af58b4" providerId="LiveId" clId="{07FA4B2E-902A-4B46-B455-FA227D8539BA}" dt="2020-02-12T06:36:57.104" v="529" actId="20577"/>
-          <ac:spMkLst>
-            <pc:docMk/>
-            <pc:sldMk cId="3686962177" sldId="265"/>
-            <ac:spMk id="2" creationId="{FF21E304-E4E0-438B-AB07-1B8DC03AFC6F}"/>
-          </ac:spMkLst>
-        </pc:spChg>
-        <pc:spChg chg="add mod">
-          <ac:chgData name="Boon Jun" userId="b9b2384c46af58b4" providerId="LiveId" clId="{07FA4B2E-902A-4B46-B455-FA227D8539BA}" dt="2020-02-13T06:03:24.437" v="1660" actId="1076"/>
-          <ac:spMkLst>
-            <pc:docMk/>
-            <pc:sldMk cId="3686962177" sldId="265"/>
-            <ac:spMk id="10" creationId="{2CA6CB46-CEA3-49AA-8BF8-C9FCB6D65BBD}"/>
-          </ac:spMkLst>
-        </pc:spChg>
-        <pc:spChg chg="add del mod">
-          <ac:chgData name="Boon Jun" userId="b9b2384c46af58b4" providerId="LiveId" clId="{07FA4B2E-902A-4B46-B455-FA227D8539BA}" dt="2020-02-13T05:47:15.329" v="1478" actId="478"/>
-          <ac:spMkLst>
-            <pc:docMk/>
-            <pc:sldMk cId="3686962177" sldId="265"/>
-            <ac:spMk id="14" creationId="{28B1F449-226B-4021-9067-25222FFBA3D5}"/>
-          </ac:spMkLst>
-        </pc:spChg>
-        <pc:spChg chg="add mod">
-          <ac:chgData name="Boon Jun" userId="b9b2384c46af58b4" providerId="LiveId" clId="{07FA4B2E-902A-4B46-B455-FA227D8539BA}" dt="2020-02-13T06:03:28.223" v="1661" actId="164"/>
-          <ac:spMkLst>
-            <pc:docMk/>
-            <pc:sldMk cId="3686962177" sldId="265"/>
-            <ac:spMk id="15" creationId="{E6A440A6-DE38-44AA-855F-2AF2A49B0596}"/>
-          </ac:spMkLst>
-        </pc:spChg>
-        <pc:spChg chg="add mod">
-          <ac:chgData name="Boon Jun" userId="b9b2384c46af58b4" providerId="LiveId" clId="{07FA4B2E-902A-4B46-B455-FA227D8539BA}" dt="2020-02-13T06:03:28.223" v="1661" actId="164"/>
-          <ac:spMkLst>
-            <pc:docMk/>
-            <pc:sldMk cId="3686962177" sldId="265"/>
-            <ac:spMk id="20" creationId="{EB0F48A6-617D-4561-A926-0BA9EF357425}"/>
-          </ac:spMkLst>
-        </pc:spChg>
-        <pc:spChg chg="add mod">
-          <ac:chgData name="Boon Jun" userId="b9b2384c46af58b4" providerId="LiveId" clId="{07FA4B2E-902A-4B46-B455-FA227D8539BA}" dt="2020-02-13T06:04:17.201" v="1667"/>
-          <ac:spMkLst>
-            <pc:docMk/>
-            <pc:sldMk cId="3686962177" sldId="265"/>
-            <ac:spMk id="22" creationId="{DC85B2CB-259A-4F9D-918F-566D650BDC8E}"/>
-          </ac:spMkLst>
-        </pc:spChg>
-        <pc:grpChg chg="add mod">
-          <ac:chgData name="Boon Jun" userId="b9b2384c46af58b4" providerId="LiveId" clId="{07FA4B2E-902A-4B46-B455-FA227D8539BA}" dt="2020-02-13T06:03:33.356" v="1663" actId="1076"/>
-          <ac:grpSpMkLst>
-            <pc:docMk/>
-            <pc:sldMk cId="3686962177" sldId="265"/>
-            <ac:grpSpMk id="16" creationId="{42FCBA91-79B9-432A-AFB5-D14194C68518}"/>
-          </ac:grpSpMkLst>
-        </pc:grpChg>
-        <pc:graphicFrameChg chg="add del mod modGraphic">
-          <ac:chgData name="Boon Jun" userId="b9b2384c46af58b4" providerId="LiveId" clId="{07FA4B2E-902A-4B46-B455-FA227D8539BA}" dt="2020-02-13T05:58:45.219" v="1634" actId="478"/>
-          <ac:graphicFrameMkLst>
-            <pc:docMk/>
-            <pc:sldMk cId="3686962177" sldId="265"/>
-            <ac:graphicFrameMk id="5" creationId="{F76F79BA-3B48-4E4F-AD19-3D130679AA94}"/>
-          </ac:graphicFrameMkLst>
-        </pc:graphicFrameChg>
-        <pc:picChg chg="add del mod">
-          <ac:chgData name="Boon Jun" userId="b9b2384c46af58b4" providerId="LiveId" clId="{07FA4B2E-902A-4B46-B455-FA227D8539BA}" dt="2020-02-13T05:47:02.309" v="1475" actId="478"/>
-          <ac:picMkLst>
-            <pc:docMk/>
-            <pc:sldMk cId="3686962177" sldId="265"/>
-            <ac:picMk id="4" creationId="{6C4C88E5-FE12-44C6-8626-C5BE06B98857}"/>
-          </ac:picMkLst>
-        </pc:picChg>
-        <pc:picChg chg="mod">
-          <ac:chgData name="Boon Jun" userId="b9b2384c46af58b4" providerId="LiveId" clId="{07FA4B2E-902A-4B46-B455-FA227D8539BA}" dt="2020-02-12T06:37:01.917" v="530" actId="207"/>
-          <ac:picMkLst>
-            <pc:docMk/>
-            <pc:sldMk cId="3686962177" sldId="265"/>
-            <ac:picMk id="7" creationId="{0F454814-B50C-4698-B6C0-6DE90A930257}"/>
-          </ac:picMkLst>
-        </pc:picChg>
-        <pc:picChg chg="mod">
-          <ac:chgData name="Boon Jun" userId="b9b2384c46af58b4" providerId="LiveId" clId="{07FA4B2E-902A-4B46-B455-FA227D8539BA}" dt="2020-02-12T06:37:05.489" v="531" actId="207"/>
-          <ac:picMkLst>
-            <pc:docMk/>
-            <pc:sldMk cId="3686962177" sldId="265"/>
-            <ac:picMk id="9" creationId="{4484A587-4DE2-4E0E-BD31-1E5371FF1617}"/>
-          </ac:picMkLst>
-        </pc:picChg>
-        <pc:picChg chg="add mod">
-          <ac:chgData name="Boon Jun" userId="b9b2384c46af58b4" providerId="LiveId" clId="{07FA4B2E-902A-4B46-B455-FA227D8539BA}" dt="2020-02-13T06:03:28.223" v="1661" actId="164"/>
-          <ac:picMkLst>
-            <pc:docMk/>
-            <pc:sldMk cId="3686962177" sldId="265"/>
-            <ac:picMk id="12" creationId="{F3B42DF8-CF34-431D-B474-B51879569DDF}"/>
-          </ac:picMkLst>
-        </pc:picChg>
-        <pc:picChg chg="add">
-          <ac:chgData name="Boon Jun" userId="b9b2384c46af58b4" providerId="LiveId" clId="{07FA4B2E-902A-4B46-B455-FA227D8539BA}" dt="2020-02-13T14:52:27.076" v="3777"/>
-          <ac:picMkLst>
-            <pc:docMk/>
-            <pc:sldMk cId="3686962177" sldId="265"/>
-            <ac:picMk id="18" creationId="{EFB355EA-22DF-461F-8058-173BE555ED6D}"/>
-          </ac:picMkLst>
-        </pc:picChg>
-        <pc:picChg chg="del">
-          <ac:chgData name="Boon Jun" userId="b9b2384c46af58b4" providerId="LiveId" clId="{07FA4B2E-902A-4B46-B455-FA227D8539BA}" dt="2020-02-13T14:52:26.807" v="3776" actId="478"/>
-          <ac:picMkLst>
-            <pc:docMk/>
-            <pc:sldMk cId="3686962177" sldId="265"/>
-            <ac:picMk id="19" creationId="{2C9D18F4-DF60-4C50-9850-912CD1CB918E}"/>
-          </ac:picMkLst>
-        </pc:picChg>
-        <pc:picChg chg="del">
-          <ac:chgData name="Boon Jun" userId="b9b2384c46af58b4" providerId="LiveId" clId="{07FA4B2E-902A-4B46-B455-FA227D8539BA}" dt="2020-02-13T14:52:28.431" v="3778" actId="478"/>
-          <ac:picMkLst>
-            <pc:docMk/>
-            <pc:sldMk cId="3686962177" sldId="265"/>
-            <ac:picMk id="21" creationId="{1EAAFDD7-270D-40BB-B235-F2B7DF98EC72}"/>
-          </ac:picMkLst>
-        </pc:picChg>
-        <pc:picChg chg="add mod">
-          <ac:chgData name="Boon Jun" userId="b9b2384c46af58b4" providerId="LiveId" clId="{07FA4B2E-902A-4B46-B455-FA227D8539BA}" dt="2020-02-13T06:03:42.895" v="1665" actId="1076"/>
-          <ac:picMkLst>
-            <pc:docMk/>
-            <pc:sldMk cId="3686962177" sldId="265"/>
-            <ac:picMk id="2050" creationId="{EDAA3C66-9856-43C0-9E71-DF9C9727AB29}"/>
-          </ac:picMkLst>
-        </pc:picChg>
-      </pc:sldChg>
-      <pc:sldChg chg="addSp delSp modSp add">
-        <pc:chgData name="Boon Jun" userId="b9b2384c46af58b4" providerId="LiveId" clId="{07FA4B2E-902A-4B46-B455-FA227D8539BA}" dt="2020-02-13T15:29:59.371" v="4395" actId="1076"/>
-        <pc:sldMkLst>
-          <pc:docMk/>
-          <pc:sldMk cId="636087106" sldId="266"/>
-        </pc:sldMkLst>
-        <pc:spChg chg="add mod">
-          <ac:chgData name="Boon Jun" userId="b9b2384c46af58b4" providerId="LiveId" clId="{07FA4B2E-902A-4B46-B455-FA227D8539BA}" dt="2020-02-13T15:29:59.371" v="4395" actId="1076"/>
-          <ac:spMkLst>
-            <pc:docMk/>
-            <pc:sldMk cId="636087106" sldId="266"/>
-            <ac:spMk id="12" creationId="{7E819E2F-F89A-4E7A-8019-86F87E6B66FD}"/>
-          </ac:spMkLst>
-        </pc:spChg>
-        <pc:spChg chg="add mod">
-          <ac:chgData name="Boon Jun" userId="b9b2384c46af58b4" providerId="LiveId" clId="{07FA4B2E-902A-4B46-B455-FA227D8539BA}" dt="2020-02-13T15:26:29.948" v="4302" actId="14100"/>
-          <ac:spMkLst>
-            <pc:docMk/>
-            <pc:sldMk cId="636087106" sldId="266"/>
-            <ac:spMk id="14" creationId="{766C374E-51AC-489F-8B29-0FC048074748}"/>
-          </ac:spMkLst>
-        </pc:spChg>
-        <pc:graphicFrameChg chg="add mod modGraphic">
-          <ac:chgData name="Boon Jun" userId="b9b2384c46af58b4" providerId="LiveId" clId="{07FA4B2E-902A-4B46-B455-FA227D8539BA}" dt="2020-02-13T15:29:58.945" v="4394" actId="1076"/>
-          <ac:graphicFrameMkLst>
-            <pc:docMk/>
-            <pc:sldMk cId="636087106" sldId="266"/>
-            <ac:graphicFrameMk id="3" creationId="{B5B65770-B6E3-400C-872F-727B877060EE}"/>
-          </ac:graphicFrameMkLst>
-        </pc:graphicFrameChg>
-        <pc:picChg chg="add">
-          <ac:chgData name="Boon Jun" userId="b9b2384c46af58b4" providerId="LiveId" clId="{07FA4B2E-902A-4B46-B455-FA227D8539BA}" dt="2020-02-13T14:52:52.343" v="3790"/>
-          <ac:picMkLst>
-            <pc:docMk/>
-            <pc:sldMk cId="636087106" sldId="266"/>
-            <ac:picMk id="10" creationId="{D1BAFE31-4B88-499B-99AA-59E33C5948A8}"/>
-          </ac:picMkLst>
-        </pc:picChg>
-        <pc:picChg chg="add mod">
-          <ac:chgData name="Boon Jun" userId="b9b2384c46af58b4" providerId="LiveId" clId="{07FA4B2E-902A-4B46-B455-FA227D8539BA}" dt="2020-02-13T15:27:11.844" v="4317" actId="1076"/>
-          <ac:picMkLst>
-            <pc:docMk/>
-            <pc:sldMk cId="636087106" sldId="266"/>
-            <ac:picMk id="15" creationId="{C7A484BE-4A97-49CD-B03B-9CF61532E229}"/>
-          </ac:picMkLst>
-        </pc:picChg>
-        <pc:picChg chg="del">
-          <ac:chgData name="Boon Jun" userId="b9b2384c46af58b4" providerId="LiveId" clId="{07FA4B2E-902A-4B46-B455-FA227D8539BA}" dt="2020-02-13T14:52:51.081" v="3789" actId="478"/>
-          <ac:picMkLst>
-            <pc:docMk/>
-            <pc:sldMk cId="636087106" sldId="266"/>
-            <ac:picMk id="19" creationId="{2C9D18F4-DF60-4C50-9850-912CD1CB918E}"/>
-          </ac:picMkLst>
-        </pc:picChg>
-        <pc:picChg chg="del">
-          <ac:chgData name="Boon Jun" userId="b9b2384c46af58b4" providerId="LiveId" clId="{07FA4B2E-902A-4B46-B455-FA227D8539BA}" dt="2020-02-13T14:52:53.413" v="3791" actId="478"/>
-          <ac:picMkLst>
-            <pc:docMk/>
-            <pc:sldMk cId="636087106" sldId="266"/>
-            <ac:picMk id="21" creationId="{1EAAFDD7-270D-40BB-B235-F2B7DF98EC72}"/>
-          </ac:picMkLst>
-        </pc:picChg>
-      </pc:sldChg>
-      <pc:sldChg chg="addSp delSp modSp add">
-        <pc:chgData name="Boon Jun" userId="b9b2384c46af58b4" providerId="LiveId" clId="{07FA4B2E-902A-4B46-B455-FA227D8539BA}" dt="2020-02-13T14:52:59.722" v="3794" actId="478"/>
-        <pc:sldMkLst>
-          <pc:docMk/>
-          <pc:sldMk cId="2733934548" sldId="267"/>
-        </pc:sldMkLst>
-        <pc:spChg chg="mod">
-          <ac:chgData name="Boon Jun" userId="b9b2384c46af58b4" providerId="LiveId" clId="{07FA4B2E-902A-4B46-B455-FA227D8539BA}" dt="2020-02-12T06:37:36.985" v="542" actId="20577"/>
-          <ac:spMkLst>
-            <pc:docMk/>
-            <pc:sldMk cId="2733934548" sldId="267"/>
-            <ac:spMk id="2" creationId="{FF21E304-E4E0-438B-AB07-1B8DC03AFC6F}"/>
-          </ac:spMkLst>
-        </pc:spChg>
-        <pc:spChg chg="add mod">
-          <ac:chgData name="Boon Jun" userId="b9b2384c46af58b4" providerId="LiveId" clId="{07FA4B2E-902A-4B46-B455-FA227D8539BA}" dt="2020-02-13T14:24:09.011" v="3406" actId="20577"/>
-          <ac:spMkLst>
-            <pc:docMk/>
-            <pc:sldMk cId="2733934548" sldId="267"/>
-            <ac:spMk id="10" creationId="{93ABB5C7-4D7C-4CD1-82CE-6CFE8E98B0D6}"/>
-          </ac:spMkLst>
-        </pc:spChg>
-        <pc:spChg chg="add mod">
-          <ac:chgData name="Boon Jun" userId="b9b2384c46af58b4" providerId="LiveId" clId="{07FA4B2E-902A-4B46-B455-FA227D8539BA}" dt="2020-02-13T14:32:09.134" v="3466" actId="1076"/>
-          <ac:spMkLst>
-            <pc:docMk/>
-            <pc:sldMk cId="2733934548" sldId="267"/>
-            <ac:spMk id="14" creationId="{D5CEA9D9-89D9-41FF-94D8-38F914907667}"/>
-          </ac:spMkLst>
-        </pc:spChg>
-        <pc:spChg chg="add del mod">
-          <ac:chgData name="Boon Jun" userId="b9b2384c46af58b4" providerId="LiveId" clId="{07FA4B2E-902A-4B46-B455-FA227D8539BA}" dt="2020-02-13T14:32:13.975" v="3467" actId="478"/>
-          <ac:spMkLst>
-            <pc:docMk/>
-            <pc:sldMk cId="2733934548" sldId="267"/>
-            <ac:spMk id="15" creationId="{7F907ECC-8F19-4208-B6BC-0F5AF683F34E}"/>
-          </ac:spMkLst>
-        </pc:spChg>
-        <pc:spChg chg="add mod">
-          <ac:chgData name="Boon Jun" userId="b9b2384c46af58b4" providerId="LiveId" clId="{07FA4B2E-902A-4B46-B455-FA227D8539BA}" dt="2020-02-13T14:32:32.511" v="3472" actId="207"/>
-          <ac:spMkLst>
-            <pc:docMk/>
-            <pc:sldMk cId="2733934548" sldId="267"/>
-            <ac:spMk id="16" creationId="{D5EBEDF3-20CA-460F-A90F-CA2F0B9CE354}"/>
-          </ac:spMkLst>
-        </pc:spChg>
-        <pc:spChg chg="add mod">
-          <ac:chgData name="Boon Jun" userId="b9b2384c46af58b4" providerId="LiveId" clId="{07FA4B2E-902A-4B46-B455-FA227D8539BA}" dt="2020-02-13T14:33:57.541" v="3491" actId="12"/>
-          <ac:spMkLst>
-            <pc:docMk/>
-            <pc:sldMk cId="2733934548" sldId="267"/>
-            <ac:spMk id="18" creationId="{63BD4CA7-9F63-43D5-9C55-9ED78578F975}"/>
-          </ac:spMkLst>
-        </pc:spChg>
-        <pc:picChg chg="mod">
-          <ac:chgData name="Boon Jun" userId="b9b2384c46af58b4" providerId="LiveId" clId="{07FA4B2E-902A-4B46-B455-FA227D8539BA}" dt="2020-02-12T06:37:41.435" v="543" actId="207"/>
-          <ac:picMkLst>
-            <pc:docMk/>
-            <pc:sldMk cId="2733934548" sldId="267"/>
-            <ac:picMk id="9" creationId="{4484A587-4DE2-4E0E-BD31-1E5371FF1617}"/>
-          </ac:picMkLst>
-        </pc:picChg>
-        <pc:picChg chg="mod">
-          <ac:chgData name="Boon Jun" userId="b9b2384c46af58b4" providerId="LiveId" clId="{07FA4B2E-902A-4B46-B455-FA227D8539BA}" dt="2020-02-12T06:37:47.436" v="544" actId="207"/>
-          <ac:picMkLst>
-            <pc:docMk/>
-            <pc:sldMk cId="2733934548" sldId="267"/>
-            <ac:picMk id="11" creationId="{787A3D66-E702-4786-9334-AA8574247486}"/>
-          </ac:picMkLst>
-        </pc:picChg>
-        <pc:picChg chg="add mod">
-          <ac:chgData name="Boon Jun" userId="b9b2384c46af58b4" providerId="LiveId" clId="{07FA4B2E-902A-4B46-B455-FA227D8539BA}" dt="2020-02-13T14:28:39.650" v="3417" actId="1076"/>
-          <ac:picMkLst>
-            <pc:docMk/>
-            <pc:sldMk cId="2733934548" sldId="267"/>
-            <ac:picMk id="12" creationId="{02FD26A9-D4DF-4704-AC8C-895E19A7736B}"/>
-          </ac:picMkLst>
-        </pc:picChg>
-        <pc:picChg chg="del">
-          <ac:chgData name="Boon Jun" userId="b9b2384c46af58b4" providerId="LiveId" clId="{07FA4B2E-902A-4B46-B455-FA227D8539BA}" dt="2020-02-13T14:52:57.860" v="3792" actId="478"/>
-          <ac:picMkLst>
-            <pc:docMk/>
-            <pc:sldMk cId="2733934548" sldId="267"/>
-            <ac:picMk id="19" creationId="{2C9D18F4-DF60-4C50-9850-912CD1CB918E}"/>
-          </ac:picMkLst>
-        </pc:picChg>
-        <pc:picChg chg="add">
-          <ac:chgData name="Boon Jun" userId="b9b2384c46af58b4" providerId="LiveId" clId="{07FA4B2E-902A-4B46-B455-FA227D8539BA}" dt="2020-02-13T14:52:58.287" v="3793"/>
-          <ac:picMkLst>
-            <pc:docMk/>
-            <pc:sldMk cId="2733934548" sldId="267"/>
-            <ac:picMk id="20" creationId="{4F1F826F-7E19-426D-9309-C7679F75C434}"/>
-          </ac:picMkLst>
-        </pc:picChg>
-        <pc:picChg chg="del">
-          <ac:chgData name="Boon Jun" userId="b9b2384c46af58b4" providerId="LiveId" clId="{07FA4B2E-902A-4B46-B455-FA227D8539BA}" dt="2020-02-13T14:52:59.722" v="3794" actId="478"/>
-          <ac:picMkLst>
-            <pc:docMk/>
-            <pc:sldMk cId="2733934548" sldId="267"/>
-            <ac:picMk id="21" creationId="{1EAAFDD7-270D-40BB-B235-F2B7DF98EC72}"/>
-          </ac:picMkLst>
-        </pc:picChg>
-      </pc:sldChg>
-      <pc:sldChg chg="addSp delSp modSp add">
-        <pc:chgData name="Boon Jun" userId="b9b2384c46af58b4" providerId="LiveId" clId="{07FA4B2E-902A-4B46-B455-FA227D8539BA}" dt="2020-02-13T14:53:08.563" v="3797" actId="478"/>
-        <pc:sldMkLst>
-          <pc:docMk/>
-          <pc:sldMk cId="1764059947" sldId="268"/>
-        </pc:sldMkLst>
-        <pc:spChg chg="mod">
-          <ac:chgData name="Boon Jun" userId="b9b2384c46af58b4" providerId="LiveId" clId="{07FA4B2E-902A-4B46-B455-FA227D8539BA}" dt="2020-02-12T06:37:58.271" v="578" actId="20577"/>
-          <ac:spMkLst>
-            <pc:docMk/>
-            <pc:sldMk cId="1764059947" sldId="268"/>
-            <ac:spMk id="2" creationId="{FF21E304-E4E0-438B-AB07-1B8DC03AFC6F}"/>
-          </ac:spMkLst>
-        </pc:spChg>
-        <pc:spChg chg="add mod">
-          <ac:chgData name="Boon Jun" userId="b9b2384c46af58b4" providerId="LiveId" clId="{07FA4B2E-902A-4B46-B455-FA227D8539BA}" dt="2020-02-13T14:39:44.367" v="3571" actId="1076"/>
-          <ac:spMkLst>
-            <pc:docMk/>
-            <pc:sldMk cId="1764059947" sldId="268"/>
-            <ac:spMk id="10" creationId="{371E5979-22FB-4EB1-B438-B2EA29F23B0D}"/>
-          </ac:spMkLst>
-        </pc:spChg>
-        <pc:spChg chg="add mod">
-          <ac:chgData name="Boon Jun" userId="b9b2384c46af58b4" providerId="LiveId" clId="{07FA4B2E-902A-4B46-B455-FA227D8539BA}" dt="2020-02-13T14:37:47.047" v="3527" actId="1076"/>
-          <ac:spMkLst>
-            <pc:docMk/>
-            <pc:sldMk cId="1764059947" sldId="268"/>
-            <ac:spMk id="14" creationId="{F060D061-0A96-49B1-ABD1-5C94995E59E2}"/>
-          </ac:spMkLst>
-        </pc:spChg>
-        <pc:spChg chg="add mod">
-          <ac:chgData name="Boon Jun" userId="b9b2384c46af58b4" providerId="LiveId" clId="{07FA4B2E-902A-4B46-B455-FA227D8539BA}" dt="2020-02-13T14:40:00.688" v="3573" actId="1076"/>
-          <ac:spMkLst>
-            <pc:docMk/>
-            <pc:sldMk cId="1764059947" sldId="268"/>
-            <ac:spMk id="15" creationId="{CC7AB7C4-16E9-4CA8-A878-B4CF7F1ECE56}"/>
-          </ac:spMkLst>
-        </pc:spChg>
-        <pc:picChg chg="add mod">
-          <ac:chgData name="Boon Jun" userId="b9b2384c46af58b4" providerId="LiveId" clId="{07FA4B2E-902A-4B46-B455-FA227D8539BA}" dt="2020-02-13T14:40:16.465" v="3574" actId="207"/>
-          <ac:picMkLst>
-            <pc:docMk/>
-            <pc:sldMk cId="1764059947" sldId="268"/>
-            <ac:picMk id="4" creationId="{2879D750-7A4C-4F57-9DD0-B9B1BE6696E2}"/>
-          </ac:picMkLst>
-        </pc:picChg>
-        <pc:picChg chg="add mod">
-          <ac:chgData name="Boon Jun" userId="b9b2384c46af58b4" providerId="LiveId" clId="{07FA4B2E-902A-4B46-B455-FA227D8539BA}" dt="2020-02-13T14:40:16.465" v="3574" actId="207"/>
-          <ac:picMkLst>
-            <pc:docMk/>
-            <pc:sldMk cId="1764059947" sldId="268"/>
-            <ac:picMk id="6" creationId="{AEFB87E6-C6E7-40EF-8C60-5D16275EDF6B}"/>
-          </ac:picMkLst>
-        </pc:picChg>
-        <pc:picChg chg="mod">
-          <ac:chgData name="Boon Jun" userId="b9b2384c46af58b4" providerId="LiveId" clId="{07FA4B2E-902A-4B46-B455-FA227D8539BA}" dt="2020-02-12T06:38:03.647" v="581" actId="207"/>
-          <ac:picMkLst>
-            <pc:docMk/>
-            <pc:sldMk cId="1764059947" sldId="268"/>
-            <ac:picMk id="11" creationId="{787A3D66-E702-4786-9334-AA8574247486}"/>
-          </ac:picMkLst>
-        </pc:picChg>
-        <pc:picChg chg="add mod">
-          <ac:chgData name="Boon Jun" userId="b9b2384c46af58b4" providerId="LiveId" clId="{07FA4B2E-902A-4B46-B455-FA227D8539BA}" dt="2020-02-13T14:40:16.465" v="3574" actId="207"/>
-          <ac:picMkLst>
-            <pc:docMk/>
-            <pc:sldMk cId="1764059947" sldId="268"/>
-            <ac:picMk id="12" creationId="{05DA79EC-A89A-486F-86B9-391389F25AC3}"/>
-          </ac:picMkLst>
-        </pc:picChg>
-        <pc:picChg chg="mod">
-          <ac:chgData name="Boon Jun" userId="b9b2384c46af58b4" providerId="LiveId" clId="{07FA4B2E-902A-4B46-B455-FA227D8539BA}" dt="2020-02-12T06:38:07.651" v="582" actId="207"/>
-          <ac:picMkLst>
-            <pc:docMk/>
-            <pc:sldMk cId="1764059947" sldId="268"/>
-            <ac:picMk id="13" creationId="{10818EE9-430A-4CC4-BD02-5BDDEF750326}"/>
-          </ac:picMkLst>
-        </pc:picChg>
-        <pc:picChg chg="del">
-          <ac:chgData name="Boon Jun" userId="b9b2384c46af58b4" providerId="LiveId" clId="{07FA4B2E-902A-4B46-B455-FA227D8539BA}" dt="2020-02-13T14:53:05.163" v="3795" actId="478"/>
-          <ac:picMkLst>
-            <pc:docMk/>
-            <pc:sldMk cId="1764059947" sldId="268"/>
-            <ac:picMk id="19" creationId="{2C9D18F4-DF60-4C50-9850-912CD1CB918E}"/>
-          </ac:picMkLst>
-        </pc:picChg>
-        <pc:picChg chg="add">
-          <ac:chgData name="Boon Jun" userId="b9b2384c46af58b4" providerId="LiveId" clId="{07FA4B2E-902A-4B46-B455-FA227D8539BA}" dt="2020-02-13T14:53:06.094" v="3796"/>
-          <ac:picMkLst>
-            <pc:docMk/>
-            <pc:sldMk cId="1764059947" sldId="268"/>
-            <ac:picMk id="20" creationId="{3EE1B200-BA5C-4316-A756-DA3E3354C87A}"/>
-          </ac:picMkLst>
-        </pc:picChg>
-        <pc:picChg chg="del">
-          <ac:chgData name="Boon Jun" userId="b9b2384c46af58b4" providerId="LiveId" clId="{07FA4B2E-902A-4B46-B455-FA227D8539BA}" dt="2020-02-13T14:53:08.563" v="3797" actId="478"/>
-          <ac:picMkLst>
-            <pc:docMk/>
-            <pc:sldMk cId="1764059947" sldId="268"/>
-            <ac:picMk id="21" creationId="{1EAAFDD7-270D-40BB-B235-F2B7DF98EC72}"/>
-          </ac:picMkLst>
-        </pc:picChg>
-      </pc:sldChg>
-      <pc:sldChg chg="addSp delSp modSp add">
-        <pc:chgData name="Boon Jun" userId="b9b2384c46af58b4" providerId="LiveId" clId="{07FA4B2E-902A-4B46-B455-FA227D8539BA}" dt="2020-02-13T14:53:16.313" v="3800" actId="478"/>
-        <pc:sldMkLst>
-          <pc:docMk/>
-          <pc:sldMk cId="130660112" sldId="269"/>
-        </pc:sldMkLst>
-        <pc:spChg chg="mod">
-          <ac:chgData name="Boon Jun" userId="b9b2384c46af58b4" providerId="LiveId" clId="{07FA4B2E-902A-4B46-B455-FA227D8539BA}" dt="2020-02-12T06:38:23.850" v="592" actId="20577"/>
-          <ac:spMkLst>
-            <pc:docMk/>
-            <pc:sldMk cId="130660112" sldId="269"/>
-            <ac:spMk id="2" creationId="{FF21E304-E4E0-438B-AB07-1B8DC03AFC6F}"/>
-          </ac:spMkLst>
-        </pc:spChg>
-        <pc:spChg chg="add del mod">
-          <ac:chgData name="Boon Jun" userId="b9b2384c46af58b4" providerId="LiveId" clId="{07FA4B2E-902A-4B46-B455-FA227D8539BA}" dt="2020-02-13T14:43:08.407" v="3581" actId="478"/>
-          <ac:spMkLst>
-            <pc:docMk/>
-            <pc:sldMk cId="130660112" sldId="269"/>
-            <ac:spMk id="3" creationId="{11E345F3-5425-4E38-BD4B-C4F51EA935A5}"/>
-          </ac:spMkLst>
-        </pc:spChg>
-        <pc:spChg chg="add mod">
-          <ac:chgData name="Boon Jun" userId="b9b2384c46af58b4" providerId="LiveId" clId="{07FA4B2E-902A-4B46-B455-FA227D8539BA}" dt="2020-02-13T14:50:10.028" v="3650" actId="555"/>
-          <ac:spMkLst>
-            <pc:docMk/>
-            <pc:sldMk cId="130660112" sldId="269"/>
-            <ac:spMk id="4" creationId="{5E578772-EAAE-458D-B830-1F5DD458FA24}"/>
-          </ac:spMkLst>
-        </pc:spChg>
-        <pc:spChg chg="add mod">
-          <ac:chgData name="Boon Jun" userId="b9b2384c46af58b4" providerId="LiveId" clId="{07FA4B2E-902A-4B46-B455-FA227D8539BA}" dt="2020-02-13T14:49:02.401" v="3636" actId="1076"/>
-          <ac:spMkLst>
-            <pc:docMk/>
-            <pc:sldMk cId="130660112" sldId="269"/>
-            <ac:spMk id="12" creationId="{97B40F1B-4516-4D95-A0FA-4B9FA0017862}"/>
-          </ac:spMkLst>
-        </pc:spChg>
-        <pc:spChg chg="add mod">
-          <ac:chgData name="Boon Jun" userId="b9b2384c46af58b4" providerId="LiveId" clId="{07FA4B2E-902A-4B46-B455-FA227D8539BA}" dt="2020-02-13T14:48:58.058" v="3635" actId="1076"/>
-          <ac:spMkLst>
-            <pc:docMk/>
-            <pc:sldMk cId="130660112" sldId="269"/>
-            <ac:spMk id="14" creationId="{F748641D-FD57-4755-ABCE-CBB2DD3DA4C4}"/>
-          </ac:spMkLst>
-        </pc:spChg>
-        <pc:spChg chg="add mod">
-          <ac:chgData name="Boon Jun" userId="b9b2384c46af58b4" providerId="LiveId" clId="{07FA4B2E-902A-4B46-B455-FA227D8539BA}" dt="2020-02-13T14:50:24.048" v="3658" actId="20577"/>
-          <ac:spMkLst>
-            <pc:docMk/>
-            <pc:sldMk cId="130660112" sldId="269"/>
-            <ac:spMk id="16" creationId="{ED19E5FB-A0EC-4411-9C07-2B0CA55826C8}"/>
-          </ac:spMkLst>
-        </pc:spChg>
-        <pc:graphicFrameChg chg="add mod">
-          <ac:chgData name="Boon Jun" userId="b9b2384c46af58b4" providerId="LiveId" clId="{07FA4B2E-902A-4B46-B455-FA227D8539BA}" dt="2020-02-13T14:49:26.874" v="3639"/>
-          <ac:graphicFrameMkLst>
-            <pc:docMk/>
-            <pc:sldMk cId="130660112" sldId="269"/>
-            <ac:graphicFrameMk id="15" creationId="{F5D3B438-9BE1-48D5-AFE4-85AAF9E603B9}"/>
-          </ac:graphicFrameMkLst>
-        </pc:graphicFrameChg>
-        <pc:picChg chg="mod">
-          <ac:chgData name="Boon Jun" userId="b9b2384c46af58b4" providerId="LiveId" clId="{07FA4B2E-902A-4B46-B455-FA227D8539BA}" dt="2020-02-12T06:38:28.140" v="593" actId="207"/>
-          <ac:picMkLst>
-            <pc:docMk/>
-            <pc:sldMk cId="130660112" sldId="269"/>
-            <ac:picMk id="13" creationId="{10818EE9-430A-4CC4-BD02-5BDDEF750326}"/>
-          </ac:picMkLst>
-        </pc:picChg>
-        <pc:picChg chg="mod">
-          <ac:chgData name="Boon Jun" userId="b9b2384c46af58b4" providerId="LiveId" clId="{07FA4B2E-902A-4B46-B455-FA227D8539BA}" dt="2020-02-12T06:38:32.372" v="594" actId="207"/>
-          <ac:picMkLst>
-            <pc:docMk/>
-            <pc:sldMk cId="130660112" sldId="269"/>
-            <ac:picMk id="17" creationId="{2AB76BBD-A7C0-47CD-8857-DAAB96FDAC61}"/>
-          </ac:picMkLst>
-        </pc:picChg>
-        <pc:picChg chg="add">
-          <ac:chgData name="Boon Jun" userId="b9b2384c46af58b4" providerId="LiveId" clId="{07FA4B2E-902A-4B46-B455-FA227D8539BA}" dt="2020-02-13T14:53:14.381" v="3799"/>
-          <ac:picMkLst>
-            <pc:docMk/>
-            <pc:sldMk cId="130660112" sldId="269"/>
-            <ac:picMk id="18" creationId="{7C7A62CD-CD8D-4FAC-929F-A22A075F4143}"/>
-          </ac:picMkLst>
-        </pc:picChg>
-        <pc:picChg chg="del">
-          <ac:chgData name="Boon Jun" userId="b9b2384c46af58b4" providerId="LiveId" clId="{07FA4B2E-902A-4B46-B455-FA227D8539BA}" dt="2020-02-13T14:53:13.592" v="3798" actId="478"/>
-          <ac:picMkLst>
-            <pc:docMk/>
-            <pc:sldMk cId="130660112" sldId="269"/>
-            <ac:picMk id="19" creationId="{2C9D18F4-DF60-4C50-9850-912CD1CB918E}"/>
-          </ac:picMkLst>
-        </pc:picChg>
-        <pc:picChg chg="del">
-          <ac:chgData name="Boon Jun" userId="b9b2384c46af58b4" providerId="LiveId" clId="{07FA4B2E-902A-4B46-B455-FA227D8539BA}" dt="2020-02-13T14:53:16.313" v="3800" actId="478"/>
-          <ac:picMkLst>
-            <pc:docMk/>
-            <pc:sldMk cId="130660112" sldId="269"/>
-            <ac:picMk id="21" creationId="{1EAAFDD7-270D-40BB-B235-F2B7DF98EC72}"/>
-          </ac:picMkLst>
-        </pc:picChg>
-      </pc:sldChg>
-      <pc:sldChg chg="modSp add del">
-        <pc:chgData name="Boon Jun" userId="b9b2384c46af58b4" providerId="LiveId" clId="{07FA4B2E-902A-4B46-B455-FA227D8539BA}" dt="2020-02-13T14:53:28.244" v="3804" actId="47"/>
-        <pc:sldMkLst>
-          <pc:docMk/>
-          <pc:sldMk cId="1595663936" sldId="270"/>
-        </pc:sldMkLst>
-        <pc:spChg chg="mod">
-          <ac:chgData name="Boon Jun" userId="b9b2384c46af58b4" providerId="LiveId" clId="{07FA4B2E-902A-4B46-B455-FA227D8539BA}" dt="2020-02-12T06:38:43.560" v="605" actId="20577"/>
-          <ac:spMkLst>
-            <pc:docMk/>
-            <pc:sldMk cId="1595663936" sldId="270"/>
-            <ac:spMk id="2" creationId="{FF21E304-E4E0-438B-AB07-1B8DC03AFC6F}"/>
-          </ac:spMkLst>
-        </pc:spChg>
-        <pc:picChg chg="mod">
-          <ac:chgData name="Boon Jun" userId="b9b2384c46af58b4" providerId="LiveId" clId="{07FA4B2E-902A-4B46-B455-FA227D8539BA}" dt="2020-02-12T06:38:48.253" v="606" actId="207"/>
-          <ac:picMkLst>
-            <pc:docMk/>
-            <pc:sldMk cId="1595663936" sldId="270"/>
-            <ac:picMk id="17" creationId="{2AB76BBD-A7C0-47CD-8857-DAAB96FDAC61}"/>
-          </ac:picMkLst>
-        </pc:picChg>
-        <pc:picChg chg="mod">
-          <ac:chgData name="Boon Jun" userId="b9b2384c46af58b4" providerId="LiveId" clId="{07FA4B2E-902A-4B46-B455-FA227D8539BA}" dt="2020-02-12T06:38:54.233" v="608" actId="207"/>
-          <ac:picMkLst>
-            <pc:docMk/>
-            <pc:sldMk cId="1595663936" sldId="270"/>
-            <ac:picMk id="19" creationId="{2C9D18F4-DF60-4C50-9850-912CD1CB918E}"/>
-          </ac:picMkLst>
-        </pc:picChg>
-      </pc:sldChg>
-      <pc:sldChg chg="addSp delSp modSp add">
-        <pc:chgData name="Boon Jun" userId="b9b2384c46af58b4" providerId="LiveId" clId="{07FA4B2E-902A-4B46-B455-FA227D8539BA}" dt="2020-02-13T14:53:38.300" v="3809" actId="478"/>
-        <pc:sldMkLst>
-          <pc:docMk/>
-          <pc:sldMk cId="3282349588" sldId="271"/>
-        </pc:sldMkLst>
-        <pc:spChg chg="mod">
-          <ac:chgData name="Boon Jun" userId="b9b2384c46af58b4" providerId="LiveId" clId="{07FA4B2E-902A-4B46-B455-FA227D8539BA}" dt="2020-02-12T06:39:07.643" v="634" actId="20577"/>
-          <ac:spMkLst>
-            <pc:docMk/>
-            <pc:sldMk cId="3282349588" sldId="271"/>
-            <ac:spMk id="2" creationId="{FF21E304-E4E0-438B-AB07-1B8DC03AFC6F}"/>
-          </ac:spMkLst>
-        </pc:spChg>
-        <pc:spChg chg="add mod">
-          <ac:chgData name="Boon Jun" userId="b9b2384c46af58b4" providerId="LiveId" clId="{07FA4B2E-902A-4B46-B455-FA227D8539BA}" dt="2020-02-13T06:37:02.405" v="1974" actId="1076"/>
-          <ac:spMkLst>
-            <pc:docMk/>
-            <pc:sldMk cId="3282349588" sldId="271"/>
-            <ac:spMk id="8" creationId="{B452A63B-48F2-48C5-81B3-285FC0421F98}"/>
-          </ac:spMkLst>
-        </pc:spChg>
-        <pc:spChg chg="add mod">
-          <ac:chgData name="Boon Jun" userId="b9b2384c46af58b4" providerId="LiveId" clId="{07FA4B2E-902A-4B46-B455-FA227D8539BA}" dt="2020-02-13T06:27:50.865" v="1905" actId="20577"/>
-          <ac:spMkLst>
-            <pc:docMk/>
-            <pc:sldMk cId="3282349588" sldId="271"/>
-            <ac:spMk id="10" creationId="{45E2ABB5-AA4B-4A0D-9553-8D9F0D57F433}"/>
-          </ac:spMkLst>
-        </pc:spChg>
-        <pc:spChg chg="add mod">
-          <ac:chgData name="Boon Jun" userId="b9b2384c46af58b4" providerId="LiveId" clId="{07FA4B2E-902A-4B46-B455-FA227D8539BA}" dt="2020-02-13T06:37:02.405" v="1974" actId="1076"/>
-          <ac:spMkLst>
-            <pc:docMk/>
-            <pc:sldMk cId="3282349588" sldId="271"/>
-            <ac:spMk id="16" creationId="{43EC70CF-418E-449B-8F23-60C0331C3AF1}"/>
-          </ac:spMkLst>
-        </pc:spChg>
-        <pc:spChg chg="add del">
-          <ac:chgData name="Boon Jun" userId="b9b2384c46af58b4" providerId="LiveId" clId="{07FA4B2E-902A-4B46-B455-FA227D8539BA}" dt="2020-02-13T06:35:05.684" v="1940" actId="478"/>
-          <ac:spMkLst>
-            <pc:docMk/>
-            <pc:sldMk cId="3282349588" sldId="271"/>
-            <ac:spMk id="18" creationId="{CB696226-3662-4EC7-B3DD-8BBCBDEA03DF}"/>
-          </ac:spMkLst>
-        </pc:spChg>
-        <pc:spChg chg="add mod">
-          <ac:chgData name="Boon Jun" userId="b9b2384c46af58b4" providerId="LiveId" clId="{07FA4B2E-902A-4B46-B455-FA227D8539BA}" dt="2020-02-13T07:22:51.450" v="2787" actId="208"/>
-          <ac:spMkLst>
-            <pc:docMk/>
-            <pc:sldMk cId="3282349588" sldId="271"/>
-            <ac:spMk id="20" creationId="{656E65F0-7028-48A5-9D66-1E5927A60C4C}"/>
-          </ac:spMkLst>
-        </pc:spChg>
-        <pc:spChg chg="add mod">
-          <ac:chgData name="Boon Jun" userId="b9b2384c46af58b4" providerId="LiveId" clId="{07FA4B2E-902A-4B46-B455-FA227D8539BA}" dt="2020-02-13T07:22:53.674" v="2788" actId="208"/>
-          <ac:spMkLst>
-            <pc:docMk/>
-            <pc:sldMk cId="3282349588" sldId="271"/>
-            <ac:spMk id="22" creationId="{A02A4A20-F180-4BE1-966A-15E3B0B8B041}"/>
-          </ac:spMkLst>
-        </pc:spChg>
-        <pc:picChg chg="add mod">
-          <ac:chgData name="Boon Jun" userId="b9b2384c46af58b4" providerId="LiveId" clId="{07FA4B2E-902A-4B46-B455-FA227D8539BA}" dt="2020-02-13T06:37:02.405" v="1974" actId="1076"/>
-          <ac:picMkLst>
-            <pc:docMk/>
-            <pc:sldMk cId="3282349588" sldId="271"/>
-            <ac:picMk id="4" creationId="{1A09FB53-B480-43EA-BF51-1165BDFCD5D9}"/>
-          </ac:picMkLst>
-        </pc:picChg>
-        <pc:picChg chg="add mod">
-          <ac:chgData name="Boon Jun" userId="b9b2384c46af58b4" providerId="LiveId" clId="{07FA4B2E-902A-4B46-B455-FA227D8539BA}" dt="2020-02-13T06:37:02.405" v="1974" actId="1076"/>
-          <ac:picMkLst>
-            <pc:docMk/>
-            <pc:sldMk cId="3282349588" sldId="271"/>
-            <ac:picMk id="6" creationId="{B0C6816B-0D15-4574-A76A-778D709CA8D1}"/>
-          </ac:picMkLst>
-        </pc:picChg>
-        <pc:picChg chg="add mod">
-          <ac:chgData name="Boon Jun" userId="b9b2384c46af58b4" providerId="LiveId" clId="{07FA4B2E-902A-4B46-B455-FA227D8539BA}" dt="2020-02-13T14:53:36.989" v="3808" actId="207"/>
-          <ac:picMkLst>
-            <pc:docMk/>
-            <pc:sldMk cId="3282349588" sldId="271"/>
-            <ac:picMk id="18" creationId="{79472066-32F0-4E0E-A35D-54AF76FD2888}"/>
-          </ac:picMkLst>
-        </pc:picChg>
-        <pc:picChg chg="del mod">
-          <ac:chgData name="Boon Jun" userId="b9b2384c46af58b4" providerId="LiveId" clId="{07FA4B2E-902A-4B46-B455-FA227D8539BA}" dt="2020-02-13T14:53:35.211" v="3806" actId="478"/>
-          <ac:picMkLst>
-            <pc:docMk/>
-            <pc:sldMk cId="3282349588" sldId="271"/>
-            <ac:picMk id="19" creationId="{2C9D18F4-DF60-4C50-9850-912CD1CB918E}"/>
-          </ac:picMkLst>
-        </pc:picChg>
-        <pc:picChg chg="del mod">
-          <ac:chgData name="Boon Jun" userId="b9b2384c46af58b4" providerId="LiveId" clId="{07FA4B2E-902A-4B46-B455-FA227D8539BA}" dt="2020-02-13T14:53:38.300" v="3809" actId="478"/>
-          <ac:picMkLst>
-            <pc:docMk/>
-            <pc:sldMk cId="3282349588" sldId="271"/>
-            <ac:picMk id="21" creationId="{1EAAFDD7-270D-40BB-B235-F2B7DF98EC72}"/>
-          </ac:picMkLst>
-        </pc:picChg>
-      </pc:sldChg>
-      <pc:sldChg chg="addSp delSp modSp add">
-        <pc:chgData name="Boon Jun" userId="b9b2384c46af58b4" providerId="LiveId" clId="{07FA4B2E-902A-4B46-B455-FA227D8539BA}" dt="2020-02-13T14:52:39.351" v="3784" actId="478"/>
-        <pc:sldMkLst>
-          <pc:docMk/>
-          <pc:sldMk cId="1379808267" sldId="272"/>
-        </pc:sldMkLst>
-        <pc:spChg chg="add mod">
-          <ac:chgData name="Boon Jun" userId="b9b2384c46af58b4" providerId="LiveId" clId="{07FA4B2E-902A-4B46-B455-FA227D8539BA}" dt="2020-02-13T06:09:00.667" v="1814" actId="20577"/>
-          <ac:spMkLst>
-            <pc:docMk/>
-            <pc:sldMk cId="1379808267" sldId="272"/>
-            <ac:spMk id="5" creationId="{CC23D55A-30AE-4C8C-88BB-8FE8FAD139FA}"/>
-          </ac:spMkLst>
-        </pc:spChg>
-        <pc:grpChg chg="del">
-          <ac:chgData name="Boon Jun" userId="b9b2384c46af58b4" providerId="LiveId" clId="{07FA4B2E-902A-4B46-B455-FA227D8539BA}" dt="2020-02-13T06:04:21.538" v="1669" actId="478"/>
-          <ac:grpSpMkLst>
-            <pc:docMk/>
-            <pc:sldMk cId="1379808267" sldId="272"/>
-            <ac:grpSpMk id="16" creationId="{42FCBA91-79B9-432A-AFB5-D14194C68518}"/>
-          </ac:grpSpMkLst>
-        </pc:grpChg>
-        <pc:picChg chg="add mod">
-          <ac:chgData name="Boon Jun" userId="b9b2384c46af58b4" providerId="LiveId" clId="{07FA4B2E-902A-4B46-B455-FA227D8539BA}" dt="2020-02-13T06:04:37.782" v="1674" actId="1076"/>
-          <ac:picMkLst>
-            <pc:docMk/>
-            <pc:sldMk cId="1379808267" sldId="272"/>
-            <ac:picMk id="4" creationId="{CBFAD28F-2239-4638-9A38-E003A3DBC569}"/>
-          </ac:picMkLst>
-        </pc:picChg>
-        <pc:picChg chg="add">
-          <ac:chgData name="Boon Jun" userId="b9b2384c46af58b4" providerId="LiveId" clId="{07FA4B2E-902A-4B46-B455-FA227D8539BA}" dt="2020-02-13T14:52:37.861" v="3783"/>
-          <ac:picMkLst>
-            <pc:docMk/>
-            <pc:sldMk cId="1379808267" sldId="272"/>
-            <ac:picMk id="14" creationId="{75D1273B-FDEC-4250-8859-4CD78B688F8B}"/>
-          </ac:picMkLst>
-        </pc:picChg>
-        <pc:picChg chg="del">
-          <ac:chgData name="Boon Jun" userId="b9b2384c46af58b4" providerId="LiveId" clId="{07FA4B2E-902A-4B46-B455-FA227D8539BA}" dt="2020-02-13T14:52:36.830" v="3782" actId="478"/>
-          <ac:picMkLst>
-            <pc:docMk/>
-            <pc:sldMk cId="1379808267" sldId="272"/>
-            <ac:picMk id="19" creationId="{2C9D18F4-DF60-4C50-9850-912CD1CB918E}"/>
-          </ac:picMkLst>
-        </pc:picChg>
-        <pc:picChg chg="del">
-          <ac:chgData name="Boon Jun" userId="b9b2384c46af58b4" providerId="LiveId" clId="{07FA4B2E-902A-4B46-B455-FA227D8539BA}" dt="2020-02-13T14:52:39.351" v="3784" actId="478"/>
-          <ac:picMkLst>
-            <pc:docMk/>
-            <pc:sldMk cId="1379808267" sldId="272"/>
-            <ac:picMk id="21" creationId="{1EAAFDD7-270D-40BB-B235-F2B7DF98EC72}"/>
-          </ac:picMkLst>
-        </pc:picChg>
-        <pc:picChg chg="del">
-          <ac:chgData name="Boon Jun" userId="b9b2384c46af58b4" providerId="LiveId" clId="{07FA4B2E-902A-4B46-B455-FA227D8539BA}" dt="2020-02-13T06:04:21.538" v="1669" actId="478"/>
-          <ac:picMkLst>
-            <pc:docMk/>
-            <pc:sldMk cId="1379808267" sldId="272"/>
-            <ac:picMk id="2050" creationId="{EDAA3C66-9856-43C0-9E71-DF9C9727AB29}"/>
-          </ac:picMkLst>
-        </pc:picChg>
-      </pc:sldChg>
-      <pc:sldChg chg="addSp delSp modSp add">
-        <pc:chgData name="Boon Jun" userId="b9b2384c46af58b4" providerId="LiveId" clId="{07FA4B2E-902A-4B46-B455-FA227D8539BA}" dt="2020-02-13T14:52:45.481" v="3788" actId="478"/>
-        <pc:sldMkLst>
-          <pc:docMk/>
-          <pc:sldMk cId="2499887071" sldId="273"/>
-        </pc:sldMkLst>
-        <pc:spChg chg="mod">
-          <ac:chgData name="Boon Jun" userId="b9b2384c46af58b4" providerId="LiveId" clId="{07FA4B2E-902A-4B46-B455-FA227D8539BA}" dt="2020-02-13T06:15:06.662" v="1871"/>
-          <ac:spMkLst>
-            <pc:docMk/>
-            <pc:sldMk cId="2499887071" sldId="273"/>
-            <ac:spMk id="5" creationId="{CC23D55A-30AE-4C8C-88BB-8FE8FAD139FA}"/>
-          </ac:spMkLst>
-        </pc:spChg>
-        <pc:picChg chg="add del">
-          <ac:chgData name="Boon Jun" userId="b9b2384c46af58b4" providerId="LiveId" clId="{07FA4B2E-902A-4B46-B455-FA227D8539BA}" dt="2020-02-13T06:13:41.781" v="1836" actId="478"/>
-          <ac:picMkLst>
-            <pc:docMk/>
-            <pc:sldMk cId="2499887071" sldId="273"/>
-            <ac:picMk id="4" creationId="{CBFAD28F-2239-4638-9A38-E003A3DBC569}"/>
-          </ac:picMkLst>
-        </pc:picChg>
-        <pc:picChg chg="add del mod">
-          <ac:chgData name="Boon Jun" userId="b9b2384c46af58b4" providerId="LiveId" clId="{07FA4B2E-902A-4B46-B455-FA227D8539BA}" dt="2020-02-13T06:09:17.601" v="1821"/>
-          <ac:picMkLst>
-            <pc:docMk/>
-            <pc:sldMk cId="2499887071" sldId="273"/>
-            <ac:picMk id="6" creationId="{7294BDAC-7D1C-4FBA-898A-760BC140880D}"/>
-          </ac:picMkLst>
-        </pc:picChg>
-        <pc:picChg chg="add mod">
-          <ac:chgData name="Boon Jun" userId="b9b2384c46af58b4" providerId="LiveId" clId="{07FA4B2E-902A-4B46-B455-FA227D8539BA}" dt="2020-02-13T06:13:48.327" v="1849" actId="1037"/>
-          <ac:picMkLst>
-            <pc:docMk/>
-            <pc:sldMk cId="2499887071" sldId="273"/>
-            <ac:picMk id="12" creationId="{083F80D5-4EEE-473F-94B1-449EF837624C}"/>
-          </ac:picMkLst>
-        </pc:picChg>
-        <pc:picChg chg="add">
-          <ac:chgData name="Boon Jun" userId="b9b2384c46af58b4" providerId="LiveId" clId="{07FA4B2E-902A-4B46-B455-FA227D8539BA}" dt="2020-02-13T14:52:44.226" v="3787"/>
-          <ac:picMkLst>
-            <pc:docMk/>
-            <pc:sldMk cId="2499887071" sldId="273"/>
-            <ac:picMk id="14" creationId="{3E64EA64-8507-44CE-A5A3-F5DA4BEC295C}"/>
-          </ac:picMkLst>
-        </pc:picChg>
-        <pc:picChg chg="del mod">
-          <ac:chgData name="Boon Jun" userId="b9b2384c46af58b4" providerId="LiveId" clId="{07FA4B2E-902A-4B46-B455-FA227D8539BA}" dt="2020-02-13T14:52:43.481" v="3786" actId="478"/>
-          <ac:picMkLst>
-            <pc:docMk/>
-            <pc:sldMk cId="2499887071" sldId="273"/>
-            <ac:picMk id="19" creationId="{2C9D18F4-DF60-4C50-9850-912CD1CB918E}"/>
-          </ac:picMkLst>
-        </pc:picChg>
-        <pc:picChg chg="del">
-          <ac:chgData name="Boon Jun" userId="b9b2384c46af58b4" providerId="LiveId" clId="{07FA4B2E-902A-4B46-B455-FA227D8539BA}" dt="2020-02-13T14:52:45.481" v="3788" actId="478"/>
-          <ac:picMkLst>
-            <pc:docMk/>
-            <pc:sldMk cId="2499887071" sldId="273"/>
-            <ac:picMk id="21" creationId="{1EAAFDD7-270D-40BB-B235-F2B7DF98EC72}"/>
-          </ac:picMkLst>
-        </pc:picChg>
-      </pc:sldChg>
-      <pc:sldChg chg="addSp delSp modSp add">
-        <pc:chgData name="Boon Jun" userId="b9b2384c46af58b4" providerId="LiveId" clId="{07FA4B2E-902A-4B46-B455-FA227D8539BA}" dt="2020-02-13T06:38:59.365" v="2010" actId="208"/>
-        <pc:sldMkLst>
-          <pc:docMk/>
-          <pc:sldMk cId="3005144333" sldId="274"/>
-        </pc:sldMkLst>
-        <pc:spChg chg="mod">
-          <ac:chgData name="Boon Jun" userId="b9b2384c46af58b4" providerId="LiveId" clId="{07FA4B2E-902A-4B46-B455-FA227D8539BA}" dt="2020-02-13T06:37:46.017" v="2002" actId="1037"/>
-          <ac:spMkLst>
-            <pc:docMk/>
-            <pc:sldMk cId="3005144333" sldId="274"/>
-            <ac:spMk id="8" creationId="{B452A63B-48F2-48C5-81B3-285FC0421F98}"/>
-          </ac:spMkLst>
-        </pc:spChg>
-        <pc:spChg chg="mod">
-          <ac:chgData name="Boon Jun" userId="b9b2384c46af58b4" providerId="LiveId" clId="{07FA4B2E-902A-4B46-B455-FA227D8539BA}" dt="2020-02-13T06:37:46.017" v="2002" actId="1037"/>
-          <ac:spMkLst>
-            <pc:docMk/>
-            <pc:sldMk cId="3005144333" sldId="274"/>
-            <ac:spMk id="16" creationId="{43EC70CF-418E-449B-8F23-60C0331C3AF1}"/>
-          </ac:spMkLst>
-        </pc:spChg>
-        <pc:spChg chg="mod">
-          <ac:chgData name="Boon Jun" userId="b9b2384c46af58b4" providerId="LiveId" clId="{07FA4B2E-902A-4B46-B455-FA227D8539BA}" dt="2020-02-13T06:38:59.365" v="2010" actId="208"/>
-          <ac:spMkLst>
-            <pc:docMk/>
-            <pc:sldMk cId="3005144333" sldId="274"/>
-            <ac:spMk id="20" creationId="{656E65F0-7028-48A5-9D66-1E5927A60C4C}"/>
-          </ac:spMkLst>
-        </pc:spChg>
-        <pc:spChg chg="mod">
-          <ac:chgData name="Boon Jun" userId="b9b2384c46af58b4" providerId="LiveId" clId="{07FA4B2E-902A-4B46-B455-FA227D8539BA}" dt="2020-02-13T06:38:59.365" v="2010" actId="208"/>
-          <ac:spMkLst>
-            <pc:docMk/>
-            <pc:sldMk cId="3005144333" sldId="274"/>
-            <ac:spMk id="22" creationId="{A02A4A20-F180-4BE1-966A-15E3B0B8B041}"/>
-          </ac:spMkLst>
-        </pc:spChg>
-        <pc:picChg chg="del">
-          <ac:chgData name="Boon Jun" userId="b9b2384c46af58b4" providerId="LiveId" clId="{07FA4B2E-902A-4B46-B455-FA227D8539BA}" dt="2020-02-13T06:35:12.404" v="1943" actId="478"/>
-          <ac:picMkLst>
-            <pc:docMk/>
-            <pc:sldMk cId="3005144333" sldId="274"/>
-            <ac:picMk id="4" creationId="{1A09FB53-B480-43EA-BF51-1165BDFCD5D9}"/>
-          </ac:picMkLst>
-        </pc:picChg>
-        <pc:picChg chg="add mod ord">
-          <ac:chgData name="Boon Jun" userId="b9b2384c46af58b4" providerId="LiveId" clId="{07FA4B2E-902A-4B46-B455-FA227D8539BA}" dt="2020-02-13T06:38:10.694" v="2007" actId="1076"/>
-          <ac:picMkLst>
-            <pc:docMk/>
-            <pc:sldMk cId="3005144333" sldId="274"/>
-            <ac:picMk id="5" creationId="{E4A3E851-53C2-4981-A4C0-DF59EC7308CF}"/>
-          </ac:picMkLst>
-        </pc:picChg>
-        <pc:picChg chg="del">
-          <ac:chgData name="Boon Jun" userId="b9b2384c46af58b4" providerId="LiveId" clId="{07FA4B2E-902A-4B46-B455-FA227D8539BA}" dt="2020-02-13T06:35:11.854" v="1942" actId="478"/>
-          <ac:picMkLst>
-            <pc:docMk/>
-            <pc:sldMk cId="3005144333" sldId="274"/>
-            <ac:picMk id="6" creationId="{B0C6816B-0D15-4574-A76A-778D709CA8D1}"/>
-          </ac:picMkLst>
-        </pc:picChg>
-        <pc:picChg chg="add del mod ord">
-          <ac:chgData name="Boon Jun" userId="b9b2384c46af58b4" providerId="LiveId" clId="{07FA4B2E-902A-4B46-B455-FA227D8539BA}" dt="2020-02-13T06:37:32.772" v="1985" actId="167"/>
-          <ac:picMkLst>
-            <pc:docMk/>
-            <pc:sldMk cId="3005144333" sldId="274"/>
-            <ac:picMk id="14" creationId="{96E2515F-812A-4896-A3E9-3459D7DA7C55}"/>
-          </ac:picMkLst>
-        </pc:picChg>
-      </pc:sldChg>
-      <pc:sldChg chg="addSp delSp modSp add">
-        <pc:chgData name="Boon Jun" userId="b9b2384c46af58b4" providerId="LiveId" clId="{07FA4B2E-902A-4B46-B455-FA227D8539BA}" dt="2020-02-13T14:53:44.910" v="3812" actId="478"/>
-        <pc:sldMkLst>
-          <pc:docMk/>
-          <pc:sldMk cId="2302173148" sldId="275"/>
-        </pc:sldMkLst>
-        <pc:spChg chg="mod">
-          <ac:chgData name="Boon Jun" userId="b9b2384c46af58b4" providerId="LiveId" clId="{07FA4B2E-902A-4B46-B455-FA227D8539BA}" dt="2020-02-13T06:43:27.592" v="2059" actId="1076"/>
-          <ac:spMkLst>
-            <pc:docMk/>
-            <pc:sldMk cId="2302173148" sldId="275"/>
-            <ac:spMk id="8" creationId="{B452A63B-48F2-48C5-81B3-285FC0421F98}"/>
-          </ac:spMkLst>
-        </pc:spChg>
-        <pc:spChg chg="mod">
-          <ac:chgData name="Boon Jun" userId="b9b2384c46af58b4" providerId="LiveId" clId="{07FA4B2E-902A-4B46-B455-FA227D8539BA}" dt="2020-02-13T06:43:32.211" v="2061" actId="1076"/>
-          <ac:spMkLst>
-            <pc:docMk/>
-            <pc:sldMk cId="2302173148" sldId="275"/>
-            <ac:spMk id="16" creationId="{43EC70CF-418E-449B-8F23-60C0331C3AF1}"/>
-          </ac:spMkLst>
-        </pc:spChg>
-        <pc:spChg chg="mod">
-          <ac:chgData name="Boon Jun" userId="b9b2384c46af58b4" providerId="LiveId" clId="{07FA4B2E-902A-4B46-B455-FA227D8539BA}" dt="2020-02-13T06:44:26.994" v="2067" actId="1076"/>
-          <ac:spMkLst>
-            <pc:docMk/>
-            <pc:sldMk cId="2302173148" sldId="275"/>
-            <ac:spMk id="20" creationId="{656E65F0-7028-48A5-9D66-1E5927A60C4C}"/>
-          </ac:spMkLst>
-        </pc:spChg>
-        <pc:spChg chg="mod">
-          <ac:chgData name="Boon Jun" userId="b9b2384c46af58b4" providerId="LiveId" clId="{07FA4B2E-902A-4B46-B455-FA227D8539BA}" dt="2020-02-13T06:44:31.225" v="2068" actId="1076"/>
-          <ac:spMkLst>
-            <pc:docMk/>
-            <pc:sldMk cId="2302173148" sldId="275"/>
-            <ac:spMk id="22" creationId="{A02A4A20-F180-4BE1-966A-15E3B0B8B041}"/>
-          </ac:spMkLst>
-        </pc:spChg>
-        <pc:spChg chg="add mod">
-          <ac:chgData name="Boon Jun" userId="b9b2384c46af58b4" providerId="LiveId" clId="{07FA4B2E-902A-4B46-B455-FA227D8539BA}" dt="2020-02-13T06:43:44.350" v="2066" actId="1076"/>
-          <ac:spMkLst>
-            <pc:docMk/>
-            <pc:sldMk cId="2302173148" sldId="275"/>
-            <ac:spMk id="23" creationId="{98975DDF-66A9-42F2-924A-4733D9B3E150}"/>
-          </ac:spMkLst>
-        </pc:spChg>
-        <pc:spChg chg="add del mod">
-          <ac:chgData name="Boon Jun" userId="b9b2384c46af58b4" providerId="LiveId" clId="{07FA4B2E-902A-4B46-B455-FA227D8539BA}" dt="2020-02-13T06:47:48.299" v="2111" actId="478"/>
-          <ac:spMkLst>
-            <pc:docMk/>
-            <pc:sldMk cId="2302173148" sldId="275"/>
-            <ac:spMk id="24" creationId="{8BF6BEBC-02FC-4AE0-B33A-0CC25852950B}"/>
-          </ac:spMkLst>
-        </pc:spChg>
-        <pc:picChg chg="add mod ord">
-          <ac:chgData name="Boon Jun" userId="b9b2384c46af58b4" providerId="LiveId" clId="{07FA4B2E-902A-4B46-B455-FA227D8539BA}" dt="2020-02-13T06:43:15.957" v="2058" actId="408"/>
-          <ac:picMkLst>
-            <pc:docMk/>
-            <pc:sldMk cId="2302173148" sldId="275"/>
-            <ac:picMk id="4" creationId="{8DA958F2-4DF7-4E1D-A79A-F416BF8A7221}"/>
-          </ac:picMkLst>
-        </pc:picChg>
-        <pc:picChg chg="del">
-          <ac:chgData name="Boon Jun" userId="b9b2384c46af58b4" providerId="LiveId" clId="{07FA4B2E-902A-4B46-B455-FA227D8539BA}" dt="2020-02-13T06:41:34.724" v="2012" actId="478"/>
-          <ac:picMkLst>
-            <pc:docMk/>
-            <pc:sldMk cId="2302173148" sldId="275"/>
-            <ac:picMk id="5" creationId="{E4A3E851-53C2-4981-A4C0-DF59EC7308CF}"/>
-          </ac:picMkLst>
-        </pc:picChg>
-        <pc:picChg chg="add mod ord">
-          <ac:chgData name="Boon Jun" userId="b9b2384c46af58b4" providerId="LiveId" clId="{07FA4B2E-902A-4B46-B455-FA227D8539BA}" dt="2020-02-13T06:43:15.957" v="2058" actId="408"/>
-          <ac:picMkLst>
-            <pc:docMk/>
-            <pc:sldMk cId="2302173148" sldId="275"/>
-            <ac:picMk id="12" creationId="{9D9EEEB0-333C-4085-BD69-E22774B35EC0}"/>
-          </ac:picMkLst>
-        </pc:picChg>
-        <pc:picChg chg="del">
-          <ac:chgData name="Boon Jun" userId="b9b2384c46af58b4" providerId="LiveId" clId="{07FA4B2E-902A-4B46-B455-FA227D8539BA}" dt="2020-02-13T06:41:34.724" v="2012" actId="478"/>
-          <ac:picMkLst>
-            <pc:docMk/>
-            <pc:sldMk cId="2302173148" sldId="275"/>
-            <ac:picMk id="14" creationId="{96E2515F-812A-4896-A3E9-3459D7DA7C55}"/>
-          </ac:picMkLst>
-        </pc:picChg>
-        <pc:picChg chg="add mod ord">
-          <ac:chgData name="Boon Jun" userId="b9b2384c46af58b4" providerId="LiveId" clId="{07FA4B2E-902A-4B46-B455-FA227D8539BA}" dt="2020-02-13T06:43:37.750" v="2065" actId="1076"/>
-          <ac:picMkLst>
-            <pc:docMk/>
-            <pc:sldMk cId="2302173148" sldId="275"/>
-            <ac:picMk id="18" creationId="{33AC5C74-A0BF-4AB5-9B50-DA4EF9325D29}"/>
-          </ac:picMkLst>
-        </pc:picChg>
-        <pc:picChg chg="del">
-          <ac:chgData name="Boon Jun" userId="b9b2384c46af58b4" providerId="LiveId" clId="{07FA4B2E-902A-4B46-B455-FA227D8539BA}" dt="2020-02-13T14:53:43.173" v="3810" actId="478"/>
-          <ac:picMkLst>
-            <pc:docMk/>
-            <pc:sldMk cId="2302173148" sldId="275"/>
-            <ac:picMk id="19" creationId="{2C9D18F4-DF60-4C50-9850-912CD1CB918E}"/>
-          </ac:picMkLst>
-        </pc:picChg>
-        <pc:picChg chg="del">
-          <ac:chgData name="Boon Jun" userId="b9b2384c46af58b4" providerId="LiveId" clId="{07FA4B2E-902A-4B46-B455-FA227D8539BA}" dt="2020-02-13T14:53:44.910" v="3812" actId="478"/>
-          <ac:picMkLst>
-            <pc:docMk/>
-            <pc:sldMk cId="2302173148" sldId="275"/>
-            <ac:picMk id="21" creationId="{1EAAFDD7-270D-40BB-B235-F2B7DF98EC72}"/>
-          </ac:picMkLst>
-        </pc:picChg>
-        <pc:picChg chg="add">
-          <ac:chgData name="Boon Jun" userId="b9b2384c46af58b4" providerId="LiveId" clId="{07FA4B2E-902A-4B46-B455-FA227D8539BA}" dt="2020-02-13T14:53:43.379" v="3811"/>
-          <ac:picMkLst>
-            <pc:docMk/>
-            <pc:sldMk cId="2302173148" sldId="275"/>
-            <ac:picMk id="24" creationId="{3795309C-1B17-4AEC-BA89-4DF89F331B21}"/>
-          </ac:picMkLst>
-        </pc:picChg>
-      </pc:sldChg>
-      <pc:sldChg chg="addSp delSp modSp add del">
-        <pc:chgData name="Boon Jun" userId="b9b2384c46af58b4" providerId="LiveId" clId="{07FA4B2E-902A-4B46-B455-FA227D8539BA}" dt="2020-02-13T15:33:00.009" v="4456" actId="47"/>
-        <pc:sldMkLst>
-          <pc:docMk/>
-          <pc:sldMk cId="1513588117" sldId="276"/>
-        </pc:sldMkLst>
-        <pc:spChg chg="add del">
-          <ac:chgData name="Boon Jun" userId="b9b2384c46af58b4" providerId="LiveId" clId="{07FA4B2E-902A-4B46-B455-FA227D8539BA}" dt="2020-02-13T14:02:55.460" v="3266"/>
-          <ac:spMkLst>
-            <pc:docMk/>
-            <pc:sldMk cId="1513588117" sldId="276"/>
-            <ac:spMk id="3" creationId="{9D4FE1E3-0C88-48FC-ACA5-68B0BCD9528A}"/>
-          </ac:spMkLst>
-        </pc:spChg>
-        <pc:spChg chg="add del">
-          <ac:chgData name="Boon Jun" userId="b9b2384c46af58b4" providerId="LiveId" clId="{07FA4B2E-902A-4B46-B455-FA227D8539BA}" dt="2020-02-13T14:03:04.276" v="3268"/>
-          <ac:spMkLst>
-            <pc:docMk/>
-            <pc:sldMk cId="1513588117" sldId="276"/>
-            <ac:spMk id="4" creationId="{F2F91B61-390C-4B78-8806-0DAE55542970}"/>
-          </ac:spMkLst>
-        </pc:spChg>
-        <pc:spChg chg="del">
-          <ac:chgData name="Boon Jun" userId="b9b2384c46af58b4" providerId="LiveId" clId="{07FA4B2E-902A-4B46-B455-FA227D8539BA}" dt="2020-02-13T06:44:45.051" v="2070" actId="478"/>
-          <ac:spMkLst>
-            <pc:docMk/>
-            <pc:sldMk cId="1513588117" sldId="276"/>
-            <ac:spMk id="8" creationId="{B452A63B-48F2-48C5-81B3-285FC0421F98}"/>
-          </ac:spMkLst>
-        </pc:spChg>
-        <pc:spChg chg="mod">
-          <ac:chgData name="Boon Jun" userId="b9b2384c46af58b4" providerId="LiveId" clId="{07FA4B2E-902A-4B46-B455-FA227D8539BA}" dt="2020-02-13T07:07:42.390" v="2677" actId="1076"/>
-          <ac:spMkLst>
-            <pc:docMk/>
-            <pc:sldMk cId="1513588117" sldId="276"/>
-            <ac:spMk id="10" creationId="{45E2ABB5-AA4B-4A0D-9553-8D9F0D57F433}"/>
-          </ac:spMkLst>
-        </pc:spChg>
-        <pc:spChg chg="add mod">
-          <ac:chgData name="Boon Jun" userId="b9b2384c46af58b4" providerId="LiveId" clId="{07FA4B2E-902A-4B46-B455-FA227D8539BA}" dt="2020-02-13T14:03:48.879" v="3285" actId="1076"/>
-          <ac:spMkLst>
-            <pc:docMk/>
-            <pc:sldMk cId="1513588117" sldId="276"/>
-            <ac:spMk id="12" creationId="{A57D88D3-310F-49F1-9E41-B24B393DB265}"/>
-          </ac:spMkLst>
-        </pc:spChg>
-        <pc:spChg chg="del">
-          <ac:chgData name="Boon Jun" userId="b9b2384c46af58b4" providerId="LiveId" clId="{07FA4B2E-902A-4B46-B455-FA227D8539BA}" dt="2020-02-13T06:44:45.051" v="2070" actId="478"/>
-          <ac:spMkLst>
-            <pc:docMk/>
-            <pc:sldMk cId="1513588117" sldId="276"/>
-            <ac:spMk id="16" creationId="{43EC70CF-418E-449B-8F23-60C0331C3AF1}"/>
-          </ac:spMkLst>
-        </pc:spChg>
-        <pc:spChg chg="del">
-          <ac:chgData name="Boon Jun" userId="b9b2384c46af58b4" providerId="LiveId" clId="{07FA4B2E-902A-4B46-B455-FA227D8539BA}" dt="2020-02-13T06:44:45.051" v="2070" actId="478"/>
-          <ac:spMkLst>
-            <pc:docMk/>
-            <pc:sldMk cId="1513588117" sldId="276"/>
-            <ac:spMk id="20" creationId="{656E65F0-7028-48A5-9D66-1E5927A60C4C}"/>
-          </ac:spMkLst>
-        </pc:spChg>
-        <pc:spChg chg="del">
-          <ac:chgData name="Boon Jun" userId="b9b2384c46af58b4" providerId="LiveId" clId="{07FA4B2E-902A-4B46-B455-FA227D8539BA}" dt="2020-02-13T06:44:45.051" v="2070" actId="478"/>
-          <ac:spMkLst>
-            <pc:docMk/>
-            <pc:sldMk cId="1513588117" sldId="276"/>
-            <ac:spMk id="22" creationId="{A02A4A20-F180-4BE1-966A-15E3B0B8B041}"/>
-          </ac:spMkLst>
-        </pc:spChg>
-        <pc:spChg chg="del">
-          <ac:chgData name="Boon Jun" userId="b9b2384c46af58b4" providerId="LiveId" clId="{07FA4B2E-902A-4B46-B455-FA227D8539BA}" dt="2020-02-13T06:44:45.051" v="2070" actId="478"/>
-          <ac:spMkLst>
-            <pc:docMk/>
-            <pc:sldMk cId="1513588117" sldId="276"/>
-            <ac:spMk id="23" creationId="{98975DDF-66A9-42F2-924A-4733D9B3E150}"/>
-          </ac:spMkLst>
-        </pc:spChg>
-        <pc:graphicFrameChg chg="add mod modGraphic">
-          <ac:chgData name="Boon Jun" userId="b9b2384c46af58b4" providerId="LiveId" clId="{07FA4B2E-902A-4B46-B455-FA227D8539BA}" dt="2020-02-13T14:05:22.076" v="3286" actId="1076"/>
-          <ac:graphicFrameMkLst>
-            <pc:docMk/>
-            <pc:sldMk cId="1513588117" sldId="276"/>
-            <ac:graphicFrameMk id="24" creationId="{8D2CBF1B-7348-4101-8C58-4653FB35D38A}"/>
-          </ac:graphicFrameMkLst>
-        </pc:graphicFrameChg>
-        <pc:picChg chg="del">
-          <ac:chgData name="Boon Jun" userId="b9b2384c46af58b4" providerId="LiveId" clId="{07FA4B2E-902A-4B46-B455-FA227D8539BA}" dt="2020-02-13T06:44:45.051" v="2070" actId="478"/>
-          <ac:picMkLst>
-            <pc:docMk/>
-            <pc:sldMk cId="1513588117" sldId="276"/>
-            <ac:picMk id="4" creationId="{8DA958F2-4DF7-4E1D-A79A-F416BF8A7221}"/>
-          </ac:picMkLst>
-        </pc:picChg>
-        <pc:picChg chg="del">
-          <ac:chgData name="Boon Jun" userId="b9b2384c46af58b4" providerId="LiveId" clId="{07FA4B2E-902A-4B46-B455-FA227D8539BA}" dt="2020-02-13T06:44:45.051" v="2070" actId="478"/>
-          <ac:picMkLst>
-            <pc:docMk/>
-            <pc:sldMk cId="1513588117" sldId="276"/>
-            <ac:picMk id="12" creationId="{9D9EEEB0-333C-4085-BD69-E22774B35EC0}"/>
-          </ac:picMkLst>
-        </pc:picChg>
-        <pc:picChg chg="add">
-          <ac:chgData name="Boon Jun" userId="b9b2384c46af58b4" providerId="LiveId" clId="{07FA4B2E-902A-4B46-B455-FA227D8539BA}" dt="2020-02-13T14:54:02.046" v="3823"/>
-          <ac:picMkLst>
-            <pc:docMk/>
-            <pc:sldMk cId="1513588117" sldId="276"/>
-            <ac:picMk id="15" creationId="{39CC7245-4DC1-43C9-8EDD-395D96CE3BC2}"/>
-          </ac:picMkLst>
-        </pc:picChg>
-        <pc:picChg chg="del">
-          <ac:chgData name="Boon Jun" userId="b9b2384c46af58b4" providerId="LiveId" clId="{07FA4B2E-902A-4B46-B455-FA227D8539BA}" dt="2020-02-13T06:44:45.051" v="2070" actId="478"/>
-          <ac:picMkLst>
-            <pc:docMk/>
-            <pc:sldMk cId="1513588117" sldId="276"/>
-            <ac:picMk id="18" creationId="{33AC5C74-A0BF-4AB5-9B50-DA4EF9325D29}"/>
-          </ac:picMkLst>
-        </pc:picChg>
-        <pc:picChg chg="del">
-          <ac:chgData name="Boon Jun" userId="b9b2384c46af58b4" providerId="LiveId" clId="{07FA4B2E-902A-4B46-B455-FA227D8539BA}" dt="2020-02-13T14:54:01.582" v="3822" actId="478"/>
-          <ac:picMkLst>
-            <pc:docMk/>
-            <pc:sldMk cId="1513588117" sldId="276"/>
-            <ac:picMk id="19" creationId="{2C9D18F4-DF60-4C50-9850-912CD1CB918E}"/>
-          </ac:picMkLst>
-        </pc:picChg>
-        <pc:picChg chg="del">
-          <ac:chgData name="Boon Jun" userId="b9b2384c46af58b4" providerId="LiveId" clId="{07FA4B2E-902A-4B46-B455-FA227D8539BA}" dt="2020-02-13T14:54:03.845" v="3824" actId="478"/>
-          <ac:picMkLst>
-            <pc:docMk/>
-            <pc:sldMk cId="1513588117" sldId="276"/>
-            <ac:picMk id="21" creationId="{1EAAFDD7-270D-40BB-B235-F2B7DF98EC72}"/>
-          </ac:picMkLst>
-        </pc:picChg>
-      </pc:sldChg>
-      <pc:sldChg chg="delSp add del">
-        <pc:chgData name="Boon Jun" userId="b9b2384c46af58b4" providerId="LiveId" clId="{07FA4B2E-902A-4B46-B455-FA227D8539BA}" dt="2020-02-13T06:48:52.649" v="2114" actId="47"/>
-        <pc:sldMkLst>
-          <pc:docMk/>
-          <pc:sldMk cId="3479621932" sldId="277"/>
-        </pc:sldMkLst>
-        <pc:spChg chg="del">
-          <ac:chgData name="Boon Jun" userId="b9b2384c46af58b4" providerId="LiveId" clId="{07FA4B2E-902A-4B46-B455-FA227D8539BA}" dt="2020-02-13T06:48:43.062" v="2113" actId="478"/>
-          <ac:spMkLst>
-            <pc:docMk/>
-            <pc:sldMk cId="3479621932" sldId="277"/>
-            <ac:spMk id="8" creationId="{B452A63B-48F2-48C5-81B3-285FC0421F98}"/>
-          </ac:spMkLst>
-        </pc:spChg>
-        <pc:picChg chg="del">
-          <ac:chgData name="Boon Jun" userId="b9b2384c46af58b4" providerId="LiveId" clId="{07FA4B2E-902A-4B46-B455-FA227D8539BA}" dt="2020-02-13T06:48:43.062" v="2113" actId="478"/>
-          <ac:picMkLst>
-            <pc:docMk/>
-            <pc:sldMk cId="3479621932" sldId="277"/>
-            <ac:picMk id="12" creationId="{9D9EEEB0-333C-4085-BD69-E22774B35EC0}"/>
-          </ac:picMkLst>
-        </pc:picChg>
-      </pc:sldChg>
-      <pc:sldChg chg="addSp delSp modSp add ord">
-        <pc:chgData name="Boon Jun" userId="b9b2384c46af58b4" providerId="LiveId" clId="{07FA4B2E-902A-4B46-B455-FA227D8539BA}" dt="2020-02-13T14:53:49.240" v="3815" actId="478"/>
-        <pc:sldMkLst>
-          <pc:docMk/>
-          <pc:sldMk cId="3608317841" sldId="277"/>
-        </pc:sldMkLst>
-        <pc:spChg chg="mod">
-          <ac:chgData name="Boon Jun" userId="b9b2384c46af58b4" providerId="LiveId" clId="{07FA4B2E-902A-4B46-B455-FA227D8539BA}" dt="2020-02-13T06:49:55.310" v="2135" actId="1076"/>
-          <ac:spMkLst>
-            <pc:docMk/>
-            <pc:sldMk cId="3608317841" sldId="277"/>
-            <ac:spMk id="8" creationId="{B452A63B-48F2-48C5-81B3-285FC0421F98}"/>
-          </ac:spMkLst>
-        </pc:spChg>
-        <pc:spChg chg="mod">
-          <ac:chgData name="Boon Jun" userId="b9b2384c46af58b4" providerId="LiveId" clId="{07FA4B2E-902A-4B46-B455-FA227D8539BA}" dt="2020-02-13T06:50:03.748" v="2138" actId="1076"/>
-          <ac:spMkLst>
-            <pc:docMk/>
-            <pc:sldMk cId="3608317841" sldId="277"/>
-            <ac:spMk id="16" creationId="{43EC70CF-418E-449B-8F23-60C0331C3AF1}"/>
-          </ac:spMkLst>
-        </pc:spChg>
-        <pc:spChg chg="del">
-          <ac:chgData name="Boon Jun" userId="b9b2384c46af58b4" providerId="LiveId" clId="{07FA4B2E-902A-4B46-B455-FA227D8539BA}" dt="2020-02-13T06:49:49.802" v="2133" actId="478"/>
-          <ac:spMkLst>
-            <pc:docMk/>
-            <pc:sldMk cId="3608317841" sldId="277"/>
-            <ac:spMk id="20" creationId="{656E65F0-7028-48A5-9D66-1E5927A60C4C}"/>
-          </ac:spMkLst>
-        </pc:spChg>
-        <pc:spChg chg="del">
-          <ac:chgData name="Boon Jun" userId="b9b2384c46af58b4" providerId="LiveId" clId="{07FA4B2E-902A-4B46-B455-FA227D8539BA}" dt="2020-02-13T06:49:51.791" v="2134" actId="478"/>
-          <ac:spMkLst>
-            <pc:docMk/>
-            <pc:sldMk cId="3608317841" sldId="277"/>
-            <ac:spMk id="22" creationId="{A02A4A20-F180-4BE1-966A-15E3B0B8B041}"/>
-          </ac:spMkLst>
-        </pc:spChg>
-        <pc:picChg chg="add mod ord">
-          <ac:chgData name="Boon Jun" userId="b9b2384c46af58b4" providerId="LiveId" clId="{07FA4B2E-902A-4B46-B455-FA227D8539BA}" dt="2020-02-13T06:49:58.472" v="2137" actId="1076"/>
-          <ac:picMkLst>
-            <pc:docMk/>
-            <pc:sldMk cId="3608317841" sldId="277"/>
-            <ac:picMk id="4" creationId="{066112C7-3DF8-48D8-9122-D02E5F299650}"/>
-          </ac:picMkLst>
-        </pc:picChg>
-        <pc:picChg chg="del">
-          <ac:chgData name="Boon Jun" userId="b9b2384c46af58b4" providerId="LiveId" clId="{07FA4B2E-902A-4B46-B455-FA227D8539BA}" dt="2020-02-13T06:49:20.261" v="2123" actId="478"/>
-          <ac:picMkLst>
-            <pc:docMk/>
-            <pc:sldMk cId="3608317841" sldId="277"/>
-            <ac:picMk id="5" creationId="{E4A3E851-53C2-4981-A4C0-DF59EC7308CF}"/>
-          </ac:picMkLst>
-        </pc:picChg>
-        <pc:picChg chg="del">
-          <ac:chgData name="Boon Jun" userId="b9b2384c46af58b4" providerId="LiveId" clId="{07FA4B2E-902A-4B46-B455-FA227D8539BA}" dt="2020-02-13T06:49:06.390" v="2118" actId="478"/>
-          <ac:picMkLst>
-            <pc:docMk/>
-            <pc:sldMk cId="3608317841" sldId="277"/>
-            <ac:picMk id="14" creationId="{96E2515F-812A-4896-A3E9-3459D7DA7C55}"/>
-          </ac:picMkLst>
-        </pc:picChg>
-        <pc:picChg chg="add">
-          <ac:chgData name="Boon Jun" userId="b9b2384c46af58b4" providerId="LiveId" clId="{07FA4B2E-902A-4B46-B455-FA227D8539BA}" dt="2020-02-13T14:53:48.107" v="3814"/>
-          <ac:picMkLst>
-            <pc:docMk/>
-            <pc:sldMk cId="3608317841" sldId="277"/>
-            <ac:picMk id="15" creationId="{88491E05-25CD-4DFF-82C2-6C27561BA1CF}"/>
-          </ac:picMkLst>
-        </pc:picChg>
-        <pc:picChg chg="add mod ord">
-          <ac:chgData name="Boon Jun" userId="b9b2384c46af58b4" providerId="LiveId" clId="{07FA4B2E-902A-4B46-B455-FA227D8539BA}" dt="2020-02-13T06:49:18.142" v="2122" actId="167"/>
-          <ac:picMkLst>
-            <pc:docMk/>
-            <pc:sldMk cId="3608317841" sldId="277"/>
-            <ac:picMk id="18" creationId="{EF557AB6-24EE-4197-94E4-2B7F19067C5E}"/>
-          </ac:picMkLst>
-        </pc:picChg>
-        <pc:picChg chg="del">
-          <ac:chgData name="Boon Jun" userId="b9b2384c46af58b4" providerId="LiveId" clId="{07FA4B2E-902A-4B46-B455-FA227D8539BA}" dt="2020-02-13T14:53:47.711" v="3813" actId="478"/>
-          <ac:picMkLst>
-            <pc:docMk/>
-            <pc:sldMk cId="3608317841" sldId="277"/>
-            <ac:picMk id="19" creationId="{2C9D18F4-DF60-4C50-9850-912CD1CB918E}"/>
-          </ac:picMkLst>
-        </pc:picChg>
-        <pc:picChg chg="del">
-          <ac:chgData name="Boon Jun" userId="b9b2384c46af58b4" providerId="LiveId" clId="{07FA4B2E-902A-4B46-B455-FA227D8539BA}" dt="2020-02-13T14:53:49.240" v="3815" actId="478"/>
-          <ac:picMkLst>
-            <pc:docMk/>
-            <pc:sldMk cId="3608317841" sldId="277"/>
-            <ac:picMk id="21" creationId="{1EAAFDD7-270D-40BB-B235-F2B7DF98EC72}"/>
-          </ac:picMkLst>
-        </pc:picChg>
-      </pc:sldChg>
-      <pc:sldChg chg="addSp delSp modSp add">
-        <pc:chgData name="Boon Jun" userId="b9b2384c46af58b4" providerId="LiveId" clId="{07FA4B2E-902A-4B46-B455-FA227D8539BA}" dt="2020-02-13T14:53:53.594" v="3818" actId="478"/>
-        <pc:sldMkLst>
-          <pc:docMk/>
-          <pc:sldMk cId="2192696132" sldId="278"/>
-        </pc:sldMkLst>
-        <pc:spChg chg="add del">
-          <ac:chgData name="Boon Jun" userId="b9b2384c46af58b4" providerId="LiveId" clId="{07FA4B2E-902A-4B46-B455-FA227D8539BA}" dt="2020-02-13T06:53:24.232" v="2275" actId="478"/>
-          <ac:spMkLst>
-            <pc:docMk/>
-            <pc:sldMk cId="2192696132" sldId="278"/>
-            <ac:spMk id="3" creationId="{73DF043F-9A80-4D25-8D51-9228BDAF0AE3}"/>
-          </ac:spMkLst>
-        </pc:spChg>
-        <pc:spChg chg="del">
-          <ac:chgData name="Boon Jun" userId="b9b2384c46af58b4" providerId="LiveId" clId="{07FA4B2E-902A-4B46-B455-FA227D8539BA}" dt="2020-02-13T06:50:15.341" v="2140" actId="478"/>
-          <ac:spMkLst>
-            <pc:docMk/>
-            <pc:sldMk cId="2192696132" sldId="278"/>
-            <ac:spMk id="8" creationId="{B452A63B-48F2-48C5-81B3-285FC0421F98}"/>
-          </ac:spMkLst>
-        </pc:spChg>
-        <pc:spChg chg="add mod">
-          <ac:chgData name="Boon Jun" userId="b9b2384c46af58b4" providerId="LiveId" clId="{07FA4B2E-902A-4B46-B455-FA227D8539BA}" dt="2020-02-13T06:52:18.122" v="2273" actId="1076"/>
-          <ac:spMkLst>
-            <pc:docMk/>
-            <pc:sldMk cId="2192696132" sldId="278"/>
-            <ac:spMk id="15" creationId="{D986C221-6C06-496E-A9B5-A3B055059838}"/>
-          </ac:spMkLst>
-        </pc:spChg>
-        <pc:spChg chg="del">
-          <ac:chgData name="Boon Jun" userId="b9b2384c46af58b4" providerId="LiveId" clId="{07FA4B2E-902A-4B46-B455-FA227D8539BA}" dt="2020-02-13T06:50:15.341" v="2140" actId="478"/>
-          <ac:spMkLst>
-            <pc:docMk/>
-            <pc:sldMk cId="2192696132" sldId="278"/>
-            <ac:spMk id="16" creationId="{43EC70CF-418E-449B-8F23-60C0331C3AF1}"/>
-          </ac:spMkLst>
-        </pc:spChg>
-        <pc:spChg chg="add mod">
-          <ac:chgData name="Boon Jun" userId="b9b2384c46af58b4" providerId="LiveId" clId="{07FA4B2E-902A-4B46-B455-FA227D8539BA}" dt="2020-02-13T06:55:48.939" v="2303" actId="20577"/>
-          <ac:spMkLst>
-            <pc:docMk/>
-            <pc:sldMk cId="2192696132" sldId="278"/>
-            <ac:spMk id="20" creationId="{B2FAB1E0-6DF9-48A8-BF90-EFC2AD90DB28}"/>
-          </ac:spMkLst>
-        </pc:spChg>
-        <pc:graphicFrameChg chg="add mod modGraphic">
-          <ac:chgData name="Boon Jun" userId="b9b2384c46af58b4" providerId="LiveId" clId="{07FA4B2E-902A-4B46-B455-FA227D8539BA}" dt="2020-02-13T07:21:30.122" v="2783" actId="20577"/>
-          <ac:graphicFrameMkLst>
-            <pc:docMk/>
-            <pc:sldMk cId="2192696132" sldId="278"/>
-            <ac:graphicFrameMk id="5" creationId="{1219424E-77CF-47E6-AAE0-BC062A0DC967}"/>
-          </ac:graphicFrameMkLst>
-        </pc:graphicFrameChg>
-        <pc:picChg chg="del">
-          <ac:chgData name="Boon Jun" userId="b9b2384c46af58b4" providerId="LiveId" clId="{07FA4B2E-902A-4B46-B455-FA227D8539BA}" dt="2020-02-13T06:50:15.341" v="2140" actId="478"/>
-          <ac:picMkLst>
-            <pc:docMk/>
-            <pc:sldMk cId="2192696132" sldId="278"/>
-            <ac:picMk id="4" creationId="{066112C7-3DF8-48D8-9122-D02E5F299650}"/>
-          </ac:picMkLst>
-        </pc:picChg>
-        <pc:picChg chg="add">
-          <ac:chgData name="Boon Jun" userId="b9b2384c46af58b4" providerId="LiveId" clId="{07FA4B2E-902A-4B46-B455-FA227D8539BA}" dt="2020-02-13T14:53:52.368" v="3817"/>
-          <ac:picMkLst>
-            <pc:docMk/>
-            <pc:sldMk cId="2192696132" sldId="278"/>
-            <ac:picMk id="14" creationId="{B54FB08D-C996-4E14-B5F3-BBA159DC400F}"/>
-          </ac:picMkLst>
-        </pc:picChg>
-        <pc:picChg chg="del">
-          <ac:chgData name="Boon Jun" userId="b9b2384c46af58b4" providerId="LiveId" clId="{07FA4B2E-902A-4B46-B455-FA227D8539BA}" dt="2020-02-13T06:50:15.341" v="2140" actId="478"/>
-          <ac:picMkLst>
-            <pc:docMk/>
-            <pc:sldMk cId="2192696132" sldId="278"/>
-            <ac:picMk id="18" creationId="{EF557AB6-24EE-4197-94E4-2B7F19067C5E}"/>
-          </ac:picMkLst>
-        </pc:picChg>
-        <pc:picChg chg="del">
-          <ac:chgData name="Boon Jun" userId="b9b2384c46af58b4" providerId="LiveId" clId="{07FA4B2E-902A-4B46-B455-FA227D8539BA}" dt="2020-02-13T14:53:52.052" v="3816" actId="478"/>
-          <ac:picMkLst>
-            <pc:docMk/>
-            <pc:sldMk cId="2192696132" sldId="278"/>
-            <ac:picMk id="19" creationId="{2C9D18F4-DF60-4C50-9850-912CD1CB918E}"/>
-          </ac:picMkLst>
-        </pc:picChg>
-        <pc:picChg chg="del">
-          <ac:chgData name="Boon Jun" userId="b9b2384c46af58b4" providerId="LiveId" clId="{07FA4B2E-902A-4B46-B455-FA227D8539BA}" dt="2020-02-13T14:53:53.594" v="3818" actId="478"/>
-          <ac:picMkLst>
-            <pc:docMk/>
-            <pc:sldMk cId="2192696132" sldId="278"/>
-            <ac:picMk id="21" creationId="{1EAAFDD7-270D-40BB-B235-F2B7DF98EC72}"/>
-          </ac:picMkLst>
-        </pc:picChg>
-      </pc:sldChg>
-      <pc:sldChg chg="addSp delSp modSp add">
-        <pc:chgData name="Boon Jun" userId="b9b2384c46af58b4" providerId="LiveId" clId="{07FA4B2E-902A-4B46-B455-FA227D8539BA}" dt="2020-02-13T15:34:19.364" v="4525" actId="1076"/>
-        <pc:sldMkLst>
-          <pc:docMk/>
-          <pc:sldMk cId="1611237328" sldId="279"/>
-        </pc:sldMkLst>
-        <pc:spChg chg="add mod ord">
-          <ac:chgData name="Boon Jun" userId="b9b2384c46af58b4" providerId="LiveId" clId="{07FA4B2E-902A-4B46-B455-FA227D8539BA}" dt="2020-02-13T07:15:56.830" v="2713" actId="164"/>
-          <ac:spMkLst>
-            <pc:docMk/>
-            <pc:sldMk cId="1611237328" sldId="279"/>
-            <ac:spMk id="5" creationId="{CD19335B-94BA-48DA-A9CF-6D296ABDB042}"/>
-          </ac:spMkLst>
-        </pc:spChg>
-        <pc:spChg chg="mod">
-          <ac:chgData name="Boon Jun" userId="b9b2384c46af58b4" providerId="LiveId" clId="{07FA4B2E-902A-4B46-B455-FA227D8539BA}" dt="2020-02-13T15:33:08.402" v="4461" actId="1076"/>
-          <ac:spMkLst>
-            <pc:docMk/>
-            <pc:sldMk cId="1611237328" sldId="279"/>
-            <ac:spMk id="10" creationId="{45E2ABB5-AA4B-4A0D-9553-8D9F0D57F433}"/>
-          </ac:spMkLst>
-        </pc:spChg>
-        <pc:spChg chg="add mod">
-          <ac:chgData name="Boon Jun" userId="b9b2384c46af58b4" providerId="LiveId" clId="{07FA4B2E-902A-4B46-B455-FA227D8539BA}" dt="2020-02-13T15:33:04.441" v="4458" actId="20577"/>
-          <ac:spMkLst>
-            <pc:docMk/>
-            <pc:sldMk cId="1611237328" sldId="279"/>
-            <ac:spMk id="18" creationId="{246CA023-9845-437A-B011-CE82C4B1DF36}"/>
-          </ac:spMkLst>
-        </pc:spChg>
-        <pc:spChg chg="add del mod">
-          <ac:chgData name="Boon Jun" userId="b9b2384c46af58b4" providerId="LiveId" clId="{07FA4B2E-902A-4B46-B455-FA227D8539BA}" dt="2020-02-13T14:06:21.439" v="3308" actId="478"/>
-          <ac:spMkLst>
-            <pc:docMk/>
-            <pc:sldMk cId="1611237328" sldId="279"/>
-            <ac:spMk id="20" creationId="{96DB1548-12A6-4155-949B-8EFE8826FF5A}"/>
-          </ac:spMkLst>
-        </pc:spChg>
-        <pc:spChg chg="add del">
-          <ac:chgData name="Boon Jun" userId="b9b2384c46af58b4" providerId="LiveId" clId="{07FA4B2E-902A-4B46-B455-FA227D8539BA}" dt="2020-02-13T14:06:18.182" v="3303"/>
-          <ac:spMkLst>
-            <pc:docMk/>
-            <pc:sldMk cId="1611237328" sldId="279"/>
-            <ac:spMk id="22" creationId="{433EC22A-FEEC-44D0-A896-C59B0B378388}"/>
-          </ac:spMkLst>
-        </pc:spChg>
-        <pc:spChg chg="add del mod">
-          <ac:chgData name="Boon Jun" userId="b9b2384c46af58b4" providerId="LiveId" clId="{07FA4B2E-902A-4B46-B455-FA227D8539BA}" dt="2020-02-13T15:33:10.801" v="4462" actId="478"/>
-          <ac:spMkLst>
-            <pc:docMk/>
-            <pc:sldMk cId="1611237328" sldId="279"/>
-            <ac:spMk id="23" creationId="{ABB9EB41-82D2-4691-8E65-B07C7B73DE00}"/>
-          </ac:spMkLst>
-        </pc:spChg>
-        <pc:spChg chg="add del mod">
-          <ac:chgData name="Boon Jun" userId="b9b2384c46af58b4" providerId="LiveId" clId="{07FA4B2E-902A-4B46-B455-FA227D8539BA}" dt="2020-02-13T15:33:10.801" v="4462" actId="478"/>
-          <ac:spMkLst>
-            <pc:docMk/>
-            <pc:sldMk cId="1611237328" sldId="279"/>
-            <ac:spMk id="24" creationId="{8D51A177-3E78-40CA-B744-7DCACF4BE529}"/>
-          </ac:spMkLst>
-        </pc:spChg>
-        <pc:spChg chg="add del mod">
-          <ac:chgData name="Boon Jun" userId="b9b2384c46af58b4" providerId="LiveId" clId="{07FA4B2E-902A-4B46-B455-FA227D8539BA}" dt="2020-02-13T15:33:10.801" v="4462" actId="478"/>
-          <ac:spMkLst>
-            <pc:docMk/>
-            <pc:sldMk cId="1611237328" sldId="279"/>
-            <ac:spMk id="25" creationId="{15D3737E-4601-4FC4-94E0-477644ED185E}"/>
-          </ac:spMkLst>
-        </pc:spChg>
-        <pc:spChg chg="add del mod">
-          <ac:chgData name="Boon Jun" userId="b9b2384c46af58b4" providerId="LiveId" clId="{07FA4B2E-902A-4B46-B455-FA227D8539BA}" dt="2020-02-13T15:33:10.801" v="4462" actId="478"/>
-          <ac:spMkLst>
-            <pc:docMk/>
-            <pc:sldMk cId="1611237328" sldId="279"/>
-            <ac:spMk id="26" creationId="{6E202F8B-07E7-4C74-8933-1CC1498B87B3}"/>
-          </ac:spMkLst>
-        </pc:spChg>
-        <pc:spChg chg="add del mod">
-          <ac:chgData name="Boon Jun" userId="b9b2384c46af58b4" providerId="LiveId" clId="{07FA4B2E-902A-4B46-B455-FA227D8539BA}" dt="2020-02-13T15:33:10.801" v="4462" actId="478"/>
-          <ac:spMkLst>
-            <pc:docMk/>
-            <pc:sldMk cId="1611237328" sldId="279"/>
-            <ac:spMk id="27" creationId="{7142C695-DF4C-41FA-93E7-A3B958740D89}"/>
-          </ac:spMkLst>
-        </pc:spChg>
-        <pc:spChg chg="add del mod">
-          <ac:chgData name="Boon Jun" userId="b9b2384c46af58b4" providerId="LiveId" clId="{07FA4B2E-902A-4B46-B455-FA227D8539BA}" dt="2020-02-13T15:33:10.801" v="4462" actId="478"/>
-          <ac:spMkLst>
-            <pc:docMk/>
-            <pc:sldMk cId="1611237328" sldId="279"/>
-            <ac:spMk id="28" creationId="{D8584885-C1DD-40E0-84DB-6D5EDAF5394C}"/>
-          </ac:spMkLst>
-        </pc:spChg>
-        <pc:spChg chg="add del mod">
-          <ac:chgData name="Boon Jun" userId="b9b2384c46af58b4" providerId="LiveId" clId="{07FA4B2E-902A-4B46-B455-FA227D8539BA}" dt="2020-02-13T15:33:10.801" v="4462" actId="478"/>
-          <ac:spMkLst>
-            <pc:docMk/>
-            <pc:sldMk cId="1611237328" sldId="279"/>
-            <ac:spMk id="29" creationId="{3619E6DF-3AF1-433F-A87C-C01FD2AA4FD9}"/>
-          </ac:spMkLst>
-        </pc:spChg>
-        <pc:spChg chg="add del mod">
-          <ac:chgData name="Boon Jun" userId="b9b2384c46af58b4" providerId="LiveId" clId="{07FA4B2E-902A-4B46-B455-FA227D8539BA}" dt="2020-02-13T15:33:10.801" v="4462" actId="478"/>
-          <ac:spMkLst>
-            <pc:docMk/>
-            <pc:sldMk cId="1611237328" sldId="279"/>
-            <ac:spMk id="30" creationId="{AECA707A-405A-4752-A497-2183FB319984}"/>
-          </ac:spMkLst>
-        </pc:spChg>
-        <pc:spChg chg="add del mod">
-          <ac:chgData name="Boon Jun" userId="b9b2384c46af58b4" providerId="LiveId" clId="{07FA4B2E-902A-4B46-B455-FA227D8539BA}" dt="2020-02-13T15:33:10.801" v="4462" actId="478"/>
-          <ac:spMkLst>
-            <pc:docMk/>
-            <pc:sldMk cId="1611237328" sldId="279"/>
-            <ac:spMk id="31" creationId="{B33C77C4-4AB6-4DCF-A28F-7BAFE60E750B}"/>
-          </ac:spMkLst>
-        </pc:spChg>
-        <pc:spChg chg="add del mod">
-          <ac:chgData name="Boon Jun" userId="b9b2384c46af58b4" providerId="LiveId" clId="{07FA4B2E-902A-4B46-B455-FA227D8539BA}" dt="2020-02-13T15:33:10.801" v="4462" actId="478"/>
-          <ac:spMkLst>
-            <pc:docMk/>
-            <pc:sldMk cId="1611237328" sldId="279"/>
-            <ac:spMk id="32" creationId="{7A91BD48-A2BC-4922-9211-B5977732032A}"/>
-          </ac:spMkLst>
-        </pc:spChg>
-        <pc:spChg chg="add del">
-          <ac:chgData name="Boon Jun" userId="b9b2384c46af58b4" providerId="LiveId" clId="{07FA4B2E-902A-4B46-B455-FA227D8539BA}" dt="2020-02-13T14:08:31.716" v="3364" actId="478"/>
-          <ac:spMkLst>
-            <pc:docMk/>
-            <pc:sldMk cId="1611237328" sldId="279"/>
-            <ac:spMk id="33" creationId="{F7397019-E1A3-47D2-816F-66769F3BCB3A}"/>
-          </ac:spMkLst>
-        </pc:spChg>
-        <pc:spChg chg="add mod">
-          <ac:chgData name="Boon Jun" userId="b9b2384c46af58b4" providerId="LiveId" clId="{07FA4B2E-902A-4B46-B455-FA227D8539BA}" dt="2020-02-13T15:34:19.364" v="4525" actId="1076"/>
-          <ac:spMkLst>
-            <pc:docMk/>
-            <pc:sldMk cId="1611237328" sldId="279"/>
-            <ac:spMk id="35" creationId="{B8F1A97C-9C36-4021-88A3-D3A66BF73067}"/>
-          </ac:spMkLst>
-        </pc:spChg>
-        <pc:grpChg chg="add del mod">
-          <ac:chgData name="Boon Jun" userId="b9b2384c46af58b4" providerId="LiveId" clId="{07FA4B2E-902A-4B46-B455-FA227D8539BA}" dt="2020-02-13T14:05:28.044" v="3287" actId="478"/>
-          <ac:grpSpMkLst>
-            <pc:docMk/>
-            <pc:sldMk cId="1611237328" sldId="279"/>
-            <ac:grpSpMk id="6" creationId="{30D82785-9D76-4901-B1CE-02ECA6048DC7}"/>
-          </ac:grpSpMkLst>
-        </pc:grpChg>
-        <pc:graphicFrameChg chg="del">
-          <ac:chgData name="Boon Jun" userId="b9b2384c46af58b4" providerId="LiveId" clId="{07FA4B2E-902A-4B46-B455-FA227D8539BA}" dt="2020-02-13T07:14:49.899" v="2696" actId="478"/>
-          <ac:graphicFrameMkLst>
-            <pc:docMk/>
-            <pc:sldMk cId="1611237328" sldId="279"/>
-            <ac:graphicFrameMk id="24" creationId="{8D2CBF1B-7348-4101-8C58-4653FB35D38A}"/>
-          </ac:graphicFrameMkLst>
-        </pc:graphicFrameChg>
-        <pc:picChg chg="add mod">
-          <ac:chgData name="Boon Jun" userId="b9b2384c46af58b4" providerId="LiveId" clId="{07FA4B2E-902A-4B46-B455-FA227D8539BA}" dt="2020-02-13T07:15:56.830" v="2713" actId="164"/>
-          <ac:picMkLst>
-            <pc:docMk/>
-            <pc:sldMk cId="1611237328" sldId="279"/>
-            <ac:picMk id="4" creationId="{1A098945-4C93-4902-9590-CEF394191E83}"/>
-          </ac:picMkLst>
-        </pc:picChg>
-        <pc:picChg chg="add del mod">
-          <ac:chgData name="Boon Jun" userId="b9b2384c46af58b4" providerId="LiveId" clId="{07FA4B2E-902A-4B46-B455-FA227D8539BA}" dt="2020-02-13T15:33:06.264" v="4459" actId="478"/>
-          <ac:picMkLst>
-            <pc:docMk/>
-            <pc:sldMk cId="1611237328" sldId="279"/>
-            <ac:picMk id="8" creationId="{5B1BB044-1F2F-469E-A88D-0E798FBC3153}"/>
-          </ac:picMkLst>
-        </pc:picChg>
-        <pc:picChg chg="add del mod">
-          <ac:chgData name="Boon Jun" userId="b9b2384c46af58b4" providerId="LiveId" clId="{07FA4B2E-902A-4B46-B455-FA227D8539BA}" dt="2020-02-13T07:16:40.576" v="2723" actId="478"/>
-          <ac:picMkLst>
-            <pc:docMk/>
-            <pc:sldMk cId="1611237328" sldId="279"/>
-            <ac:picMk id="12" creationId="{C25D352D-C9EC-437D-B2E4-625B919AB3A0}"/>
-          </ac:picMkLst>
-        </pc:picChg>
-        <pc:picChg chg="del">
-          <ac:chgData name="Boon Jun" userId="b9b2384c46af58b4" providerId="LiveId" clId="{07FA4B2E-902A-4B46-B455-FA227D8539BA}" dt="2020-02-13T14:54:06.760" v="3825" actId="478"/>
-          <ac:picMkLst>
-            <pc:docMk/>
-            <pc:sldMk cId="1611237328" sldId="279"/>
-            <ac:picMk id="19" creationId="{2C9D18F4-DF60-4C50-9850-912CD1CB918E}"/>
-          </ac:picMkLst>
-        </pc:picChg>
-        <pc:picChg chg="del">
-          <ac:chgData name="Boon Jun" userId="b9b2384c46af58b4" providerId="LiveId" clId="{07FA4B2E-902A-4B46-B455-FA227D8539BA}" dt="2020-02-13T14:54:08.591" v="3827" actId="478"/>
-          <ac:picMkLst>
-            <pc:docMk/>
-            <pc:sldMk cId="1611237328" sldId="279"/>
-            <ac:picMk id="21" creationId="{1EAAFDD7-270D-40BB-B235-F2B7DF98EC72}"/>
-          </ac:picMkLst>
-        </pc:picChg>
-        <pc:picChg chg="add">
-          <ac:chgData name="Boon Jun" userId="b9b2384c46af58b4" providerId="LiveId" clId="{07FA4B2E-902A-4B46-B455-FA227D8539BA}" dt="2020-02-13T14:54:07.127" v="3826"/>
-          <ac:picMkLst>
-            <pc:docMk/>
-            <pc:sldMk cId="1611237328" sldId="279"/>
-            <ac:picMk id="34" creationId="{52E776D2-6B2B-408B-9EE7-D4DA6B86EB6A}"/>
-          </ac:picMkLst>
-        </pc:picChg>
-      </pc:sldChg>
-      <pc:sldChg chg="addSp delSp modSp add">
-        <pc:chgData name="Boon Jun" userId="b9b2384c46af58b4" providerId="LiveId" clId="{07FA4B2E-902A-4B46-B455-FA227D8539BA}" dt="2020-02-13T15:35:34.618" v="4562" actId="20577"/>
-        <pc:sldMkLst>
-          <pc:docMk/>
-          <pc:sldMk cId="4197391946" sldId="280"/>
-        </pc:sldMkLst>
-        <pc:spChg chg="add mod">
-          <ac:chgData name="Boon Jun" userId="b9b2384c46af58b4" providerId="LiveId" clId="{07FA4B2E-902A-4B46-B455-FA227D8539BA}" dt="2020-02-13T15:35:34.618" v="4562" actId="20577"/>
-          <ac:spMkLst>
-            <pc:docMk/>
-            <pc:sldMk cId="4197391946" sldId="280"/>
-            <ac:spMk id="16" creationId="{6E641A05-CA83-4ADB-9D59-315B1F830694}"/>
-          </ac:spMkLst>
-        </pc:spChg>
-        <pc:spChg chg="del mod">
-          <ac:chgData name="Boon Jun" userId="b9b2384c46af58b4" providerId="LiveId" clId="{07FA4B2E-902A-4B46-B455-FA227D8539BA}" dt="2020-02-13T15:35:09.952" v="4548" actId="478"/>
-          <ac:spMkLst>
-            <pc:docMk/>
-            <pc:sldMk cId="4197391946" sldId="280"/>
-            <ac:spMk id="18" creationId="{246CA023-9845-437A-B011-CE82C4B1DF36}"/>
-          </ac:spMkLst>
-        </pc:spChg>
-        <pc:spChg chg="add mod">
-          <ac:chgData name="Boon Jun" userId="b9b2384c46af58b4" providerId="LiveId" clId="{07FA4B2E-902A-4B46-B455-FA227D8539BA}" dt="2020-02-13T15:35:15.256" v="4552" actId="20577"/>
-          <ac:spMkLst>
-            <pc:docMk/>
-            <pc:sldMk cId="4197391946" sldId="280"/>
-            <ac:spMk id="20" creationId="{DD00A97A-1A0A-45D4-B48D-0A904834F509}"/>
-          </ac:spMkLst>
-        </pc:spChg>
-        <pc:grpChg chg="del">
-          <ac:chgData name="Boon Jun" userId="b9b2384c46af58b4" providerId="LiveId" clId="{07FA4B2E-902A-4B46-B455-FA227D8539BA}" dt="2020-02-13T07:17:28.267" v="2753" actId="478"/>
-          <ac:grpSpMkLst>
-            <pc:docMk/>
-            <pc:sldMk cId="4197391946" sldId="280"/>
-            <ac:grpSpMk id="6" creationId="{30D82785-9D76-4901-B1CE-02ECA6048DC7}"/>
-          </ac:grpSpMkLst>
-        </pc:grpChg>
-        <pc:picChg chg="add mod">
-          <ac:chgData name="Boon Jun" userId="b9b2384c46af58b4" providerId="LiveId" clId="{07FA4B2E-902A-4B46-B455-FA227D8539BA}" dt="2020-02-13T08:53:36.541" v="2902" actId="14100"/>
-          <ac:picMkLst>
-            <pc:docMk/>
-            <pc:sldMk cId="4197391946" sldId="280"/>
-            <ac:picMk id="4" creationId="{0C73A668-2B9E-421F-8FBA-602FDCD90B69}"/>
-          </ac:picMkLst>
-        </pc:picChg>
-        <pc:picChg chg="add del mod">
-          <ac:chgData name="Boon Jun" userId="b9b2384c46af58b4" providerId="LiveId" clId="{07FA4B2E-902A-4B46-B455-FA227D8539BA}" dt="2020-02-13T08:53:26.598" v="2896" actId="478"/>
-          <ac:picMkLst>
-            <pc:docMk/>
-            <pc:sldMk cId="4197391946" sldId="280"/>
-            <ac:picMk id="8" creationId="{E073DFF9-5F2D-4973-8E24-EE74661B9697}"/>
-          </ac:picMkLst>
-        </pc:picChg>
-        <pc:picChg chg="add">
-          <ac:chgData name="Boon Jun" userId="b9b2384c46af58b4" providerId="LiveId" clId="{07FA4B2E-902A-4B46-B455-FA227D8539BA}" dt="2020-02-13T14:54:14.760" v="3829"/>
-          <ac:picMkLst>
-            <pc:docMk/>
-            <pc:sldMk cId="4197391946" sldId="280"/>
-            <ac:picMk id="15" creationId="{2A2B549E-EFCA-4670-977B-A4DF9A43BB12}"/>
-          </ac:picMkLst>
-        </pc:picChg>
-        <pc:picChg chg="del">
-          <ac:chgData name="Boon Jun" userId="b9b2384c46af58b4" providerId="LiveId" clId="{07FA4B2E-902A-4B46-B455-FA227D8539BA}" dt="2020-02-13T14:54:14.242" v="3828" actId="478"/>
-          <ac:picMkLst>
-            <pc:docMk/>
-            <pc:sldMk cId="4197391946" sldId="280"/>
-            <ac:picMk id="19" creationId="{2C9D18F4-DF60-4C50-9850-912CD1CB918E}"/>
-          </ac:picMkLst>
-        </pc:picChg>
-        <pc:picChg chg="del">
-          <ac:chgData name="Boon Jun" userId="b9b2384c46af58b4" providerId="LiveId" clId="{07FA4B2E-902A-4B46-B455-FA227D8539BA}" dt="2020-02-13T14:54:16.112" v="3830" actId="478"/>
-          <ac:picMkLst>
-            <pc:docMk/>
-            <pc:sldMk cId="4197391946" sldId="280"/>
-            <ac:picMk id="21" creationId="{1EAAFDD7-270D-40BB-B235-F2B7DF98EC72}"/>
-          </ac:picMkLst>
-        </pc:picChg>
-      </pc:sldChg>
-      <pc:sldChg chg="addSp delSp modSp add">
-        <pc:chgData name="Boon Jun" userId="b9b2384c46af58b4" providerId="LiveId" clId="{07FA4B2E-902A-4B46-B455-FA227D8539BA}" dt="2020-02-13T07:18:46.637" v="2779" actId="1076"/>
-        <pc:sldMkLst>
-          <pc:docMk/>
-          <pc:sldMk cId="1928838991" sldId="281"/>
-        </pc:sldMkLst>
-        <pc:spChg chg="mod">
-          <ac:chgData name="Boon Jun" userId="b9b2384c46af58b4" providerId="LiveId" clId="{07FA4B2E-902A-4B46-B455-FA227D8539BA}" dt="2020-02-13T07:18:34.610" v="2776" actId="1076"/>
-          <ac:spMkLst>
-            <pc:docMk/>
-            <pc:sldMk cId="1928838991" sldId="281"/>
-            <ac:spMk id="2" creationId="{FF21E304-E4E0-438B-AB07-1B8DC03AFC6F}"/>
-          </ac:spMkLst>
-        </pc:spChg>
-        <pc:spChg chg="del">
-          <ac:chgData name="Boon Jun" userId="b9b2384c46af58b4" providerId="LiveId" clId="{07FA4B2E-902A-4B46-B455-FA227D8539BA}" dt="2020-02-13T07:18:20.889" v="2763" actId="478"/>
-          <ac:spMkLst>
-            <pc:docMk/>
-            <pc:sldMk cId="1928838991" sldId="281"/>
-            <ac:spMk id="10" creationId="{45E2ABB5-AA4B-4A0D-9553-8D9F0D57F433}"/>
-          </ac:spMkLst>
-        </pc:spChg>
-        <pc:spChg chg="del">
-          <ac:chgData name="Boon Jun" userId="b9b2384c46af58b4" providerId="LiveId" clId="{07FA4B2E-902A-4B46-B455-FA227D8539BA}" dt="2020-02-13T07:18:14.802" v="2762" actId="478"/>
-          <ac:spMkLst>
-            <pc:docMk/>
-            <pc:sldMk cId="1928838991" sldId="281"/>
-            <ac:spMk id="18" creationId="{246CA023-9845-437A-B011-CE82C4B1DF36}"/>
-          </ac:spMkLst>
-        </pc:spChg>
-        <pc:picChg chg="del">
-          <ac:chgData name="Boon Jun" userId="b9b2384c46af58b4" providerId="LiveId" clId="{07FA4B2E-902A-4B46-B455-FA227D8539BA}" dt="2020-02-13T07:18:22.281" v="2764" actId="478"/>
-          <ac:picMkLst>
-            <pc:docMk/>
-            <pc:sldMk cId="1928838991" sldId="281"/>
-            <ac:picMk id="7" creationId="{0F454814-B50C-4698-B6C0-6DE90A930257}"/>
-          </ac:picMkLst>
-        </pc:picChg>
-        <pc:picChg chg="del">
-          <ac:chgData name="Boon Jun" userId="b9b2384c46af58b4" providerId="LiveId" clId="{07FA4B2E-902A-4B46-B455-FA227D8539BA}" dt="2020-02-13T07:18:14.802" v="2762" actId="478"/>
-          <ac:picMkLst>
-            <pc:docMk/>
-            <pc:sldMk cId="1928838991" sldId="281"/>
-            <ac:picMk id="8" creationId="{E073DFF9-5F2D-4973-8E24-EE74661B9697}"/>
-          </ac:picMkLst>
-        </pc:picChg>
-        <pc:picChg chg="del">
-          <ac:chgData name="Boon Jun" userId="b9b2384c46af58b4" providerId="LiveId" clId="{07FA4B2E-902A-4B46-B455-FA227D8539BA}" dt="2020-02-13T07:18:22.281" v="2764" actId="478"/>
-          <ac:picMkLst>
-            <pc:docMk/>
-            <pc:sldMk cId="1928838991" sldId="281"/>
-            <ac:picMk id="9" creationId="{4484A587-4DE2-4E0E-BD31-1E5371FF1617}"/>
-          </ac:picMkLst>
-        </pc:picChg>
-        <pc:picChg chg="del">
-          <ac:chgData name="Boon Jun" userId="b9b2384c46af58b4" providerId="LiveId" clId="{07FA4B2E-902A-4B46-B455-FA227D8539BA}" dt="2020-02-13T07:18:22.281" v="2764" actId="478"/>
-          <ac:picMkLst>
-            <pc:docMk/>
-            <pc:sldMk cId="1928838991" sldId="281"/>
-            <ac:picMk id="11" creationId="{787A3D66-E702-4786-9334-AA8574247486}"/>
-          </ac:picMkLst>
-        </pc:picChg>
-        <pc:picChg chg="del">
-          <ac:chgData name="Boon Jun" userId="b9b2384c46af58b4" providerId="LiveId" clId="{07FA4B2E-902A-4B46-B455-FA227D8539BA}" dt="2020-02-13T07:18:22.281" v="2764" actId="478"/>
-          <ac:picMkLst>
-            <pc:docMk/>
-            <pc:sldMk cId="1928838991" sldId="281"/>
-            <ac:picMk id="13" creationId="{10818EE9-430A-4CC4-BD02-5BDDEF750326}"/>
-          </ac:picMkLst>
-        </pc:picChg>
-        <pc:picChg chg="add mod">
-          <ac:chgData name="Boon Jun" userId="b9b2384c46af58b4" providerId="LiveId" clId="{07FA4B2E-902A-4B46-B455-FA227D8539BA}" dt="2020-02-13T07:18:46.637" v="2779" actId="1076"/>
-          <ac:picMkLst>
-            <pc:docMk/>
-            <pc:sldMk cId="1928838991" sldId="281"/>
-            <ac:picMk id="14" creationId="{D25A411E-A926-4AB4-B5BF-1F7B3E0854BD}"/>
-          </ac:picMkLst>
-        </pc:picChg>
-        <pc:picChg chg="del">
-          <ac:chgData name="Boon Jun" userId="b9b2384c46af58b4" providerId="LiveId" clId="{07FA4B2E-902A-4B46-B455-FA227D8539BA}" dt="2020-02-13T07:18:22.281" v="2764" actId="478"/>
-          <ac:picMkLst>
-            <pc:docMk/>
-            <pc:sldMk cId="1928838991" sldId="281"/>
-            <ac:picMk id="17" creationId="{2AB76BBD-A7C0-47CD-8857-DAAB96FDAC61}"/>
-          </ac:picMkLst>
-        </pc:picChg>
-        <pc:picChg chg="del">
-          <ac:chgData name="Boon Jun" userId="b9b2384c46af58b4" providerId="LiveId" clId="{07FA4B2E-902A-4B46-B455-FA227D8539BA}" dt="2020-02-13T07:18:22.281" v="2764" actId="478"/>
-          <ac:picMkLst>
-            <pc:docMk/>
-            <pc:sldMk cId="1928838991" sldId="281"/>
-            <ac:picMk id="19" creationId="{2C9D18F4-DF60-4C50-9850-912CD1CB918E}"/>
-          </ac:picMkLst>
-        </pc:picChg>
-        <pc:picChg chg="del">
-          <ac:chgData name="Boon Jun" userId="b9b2384c46af58b4" providerId="LiveId" clId="{07FA4B2E-902A-4B46-B455-FA227D8539BA}" dt="2020-02-13T07:18:22.281" v="2764" actId="478"/>
-          <ac:picMkLst>
-            <pc:docMk/>
-            <pc:sldMk cId="1928838991" sldId="281"/>
-            <ac:picMk id="21" creationId="{1EAAFDD7-270D-40BB-B235-F2B7DF98EC72}"/>
-          </ac:picMkLst>
-        </pc:picChg>
-      </pc:sldChg>
-      <pc:sldChg chg="addSp delSp modSp add ord">
-        <pc:chgData name="Boon Jun" userId="b9b2384c46af58b4" providerId="LiveId" clId="{07FA4B2E-902A-4B46-B455-FA227D8539BA}" dt="2020-02-13T14:53:31.095" v="3805" actId="207"/>
-        <pc:sldMkLst>
-          <pc:docMk/>
-          <pc:sldMk cId="448769969" sldId="282"/>
-        </pc:sldMkLst>
-        <pc:spChg chg="del">
-          <ac:chgData name="Boon Jun" userId="b9b2384c46af58b4" providerId="LiveId" clId="{07FA4B2E-902A-4B46-B455-FA227D8539BA}" dt="2020-02-13T08:41:39.123" v="2811" actId="478"/>
-          <ac:spMkLst>
-            <pc:docMk/>
-            <pc:sldMk cId="448769969" sldId="282"/>
-            <ac:spMk id="8" creationId="{B452A63B-48F2-48C5-81B3-285FC0421F98}"/>
-          </ac:spMkLst>
-        </pc:spChg>
-        <pc:spChg chg="mod">
-          <ac:chgData name="Boon Jun" userId="b9b2384c46af58b4" providerId="LiveId" clId="{07FA4B2E-902A-4B46-B455-FA227D8539BA}" dt="2020-02-13T08:48:38.422" v="2844" actId="1076"/>
-          <ac:spMkLst>
-            <pc:docMk/>
-            <pc:sldMk cId="448769969" sldId="282"/>
-            <ac:spMk id="10" creationId="{45E2ABB5-AA4B-4A0D-9553-8D9F0D57F433}"/>
-          </ac:spMkLst>
-        </pc:spChg>
-        <pc:spChg chg="del">
-          <ac:chgData name="Boon Jun" userId="b9b2384c46af58b4" providerId="LiveId" clId="{07FA4B2E-902A-4B46-B455-FA227D8539BA}" dt="2020-02-13T08:41:41.179" v="2813" actId="478"/>
-          <ac:spMkLst>
-            <pc:docMk/>
-            <pc:sldMk cId="448769969" sldId="282"/>
-            <ac:spMk id="16" creationId="{43EC70CF-418E-449B-8F23-60C0331C3AF1}"/>
-          </ac:spMkLst>
-        </pc:spChg>
-        <pc:spChg chg="del">
-          <ac:chgData name="Boon Jun" userId="b9b2384c46af58b4" providerId="LiveId" clId="{07FA4B2E-902A-4B46-B455-FA227D8539BA}" dt="2020-02-13T08:41:39.959" v="2812" actId="478"/>
-          <ac:spMkLst>
-            <pc:docMk/>
-            <pc:sldMk cId="448769969" sldId="282"/>
-            <ac:spMk id="20" creationId="{656E65F0-7028-48A5-9D66-1E5927A60C4C}"/>
-          </ac:spMkLst>
-        </pc:spChg>
-        <pc:spChg chg="del">
-          <ac:chgData name="Boon Jun" userId="b9b2384c46af58b4" providerId="LiveId" clId="{07FA4B2E-902A-4B46-B455-FA227D8539BA}" dt="2020-02-13T08:41:44.789" v="2816" actId="478"/>
-          <ac:spMkLst>
-            <pc:docMk/>
-            <pc:sldMk cId="448769969" sldId="282"/>
-            <ac:spMk id="22" creationId="{A02A4A20-F180-4BE1-966A-15E3B0B8B041}"/>
-          </ac:spMkLst>
-        </pc:spChg>
-        <pc:spChg chg="add mod">
-          <ac:chgData name="Boon Jun" userId="b9b2384c46af58b4" providerId="LiveId" clId="{07FA4B2E-902A-4B46-B455-FA227D8539BA}" dt="2020-02-13T08:49:23.816" v="2894" actId="1076"/>
-          <ac:spMkLst>
-            <pc:docMk/>
-            <pc:sldMk cId="448769969" sldId="282"/>
-            <ac:spMk id="23" creationId="{D1857ACB-06DA-42A2-B009-DA5DAF07A526}"/>
-          </ac:spMkLst>
-        </pc:spChg>
-        <pc:grpChg chg="add mod">
-          <ac:chgData name="Boon Jun" userId="b9b2384c46af58b4" providerId="LiveId" clId="{07FA4B2E-902A-4B46-B455-FA227D8539BA}" dt="2020-02-13T08:49:28.349" v="2895" actId="1076"/>
-          <ac:grpSpMkLst>
-            <pc:docMk/>
-            <pc:sldMk cId="448769969" sldId="282"/>
-            <ac:grpSpMk id="15" creationId="{3A0848DF-A269-4310-9200-B5B2A5293F80}"/>
-          </ac:grpSpMkLst>
-        </pc:grpChg>
-        <pc:picChg chg="del">
-          <ac:chgData name="Boon Jun" userId="b9b2384c46af58b4" providerId="LiveId" clId="{07FA4B2E-902A-4B46-B455-FA227D8539BA}" dt="2020-02-13T08:41:31.434" v="2806" actId="478"/>
-          <ac:picMkLst>
-            <pc:docMk/>
-            <pc:sldMk cId="448769969" sldId="282"/>
-            <ac:picMk id="4" creationId="{1A09FB53-B480-43EA-BF51-1165BDFCD5D9}"/>
-          </ac:picMkLst>
-        </pc:picChg>
-        <pc:picChg chg="add del mod ord">
-          <ac:chgData name="Boon Jun" userId="b9b2384c46af58b4" providerId="LiveId" clId="{07FA4B2E-902A-4B46-B455-FA227D8539BA}" dt="2020-02-13T08:48:41.181" v="2845" actId="164"/>
-          <ac:picMkLst>
-            <pc:docMk/>
-            <pc:sldMk cId="448769969" sldId="282"/>
-            <ac:picMk id="5" creationId="{AB3BFC04-D7A4-4DAE-8E8F-8F1A148FB9B9}"/>
-          </ac:picMkLst>
-        </pc:picChg>
-        <pc:picChg chg="del">
-          <ac:chgData name="Boon Jun" userId="b9b2384c46af58b4" providerId="LiveId" clId="{07FA4B2E-902A-4B46-B455-FA227D8539BA}" dt="2020-02-13T08:41:36.488" v="2810" actId="478"/>
-          <ac:picMkLst>
-            <pc:docMk/>
-            <pc:sldMk cId="448769969" sldId="282"/>
-            <ac:picMk id="6" creationId="{B0C6816B-0D15-4574-A76A-778D709CA8D1}"/>
-          </ac:picMkLst>
-        </pc:picChg>
-        <pc:picChg chg="add mod ord">
-          <ac:chgData name="Boon Jun" userId="b9b2384c46af58b4" providerId="LiveId" clId="{07FA4B2E-902A-4B46-B455-FA227D8539BA}" dt="2020-02-13T08:48:41.181" v="2845" actId="164"/>
-          <ac:picMkLst>
-            <pc:docMk/>
-            <pc:sldMk cId="448769969" sldId="282"/>
-            <ac:picMk id="14" creationId="{614EB4F5-08D9-4A33-8DFB-3D937284102D}"/>
-          </ac:picMkLst>
-        </pc:picChg>
-        <pc:picChg chg="add mod">
-          <ac:chgData name="Boon Jun" userId="b9b2384c46af58b4" providerId="LiveId" clId="{07FA4B2E-902A-4B46-B455-FA227D8539BA}" dt="2020-02-13T14:53:31.095" v="3805" actId="207"/>
-          <ac:picMkLst>
-            <pc:docMk/>
-            <pc:sldMk cId="448769969" sldId="282"/>
-            <ac:picMk id="16" creationId="{5B85F150-14F3-4D89-A22C-8243856372AD}"/>
-          </ac:picMkLst>
-        </pc:picChg>
-        <pc:picChg chg="del">
-          <ac:chgData name="Boon Jun" userId="b9b2384c46af58b4" providerId="LiveId" clId="{07FA4B2E-902A-4B46-B455-FA227D8539BA}" dt="2020-02-13T14:53:19.300" v="3801" actId="478"/>
-          <ac:picMkLst>
-            <pc:docMk/>
-            <pc:sldMk cId="448769969" sldId="282"/>
-            <ac:picMk id="19" creationId="{2C9D18F4-DF60-4C50-9850-912CD1CB918E}"/>
-          </ac:picMkLst>
-        </pc:picChg>
-        <pc:picChg chg="del">
-          <ac:chgData name="Boon Jun" userId="b9b2384c46af58b4" providerId="LiveId" clId="{07FA4B2E-902A-4B46-B455-FA227D8539BA}" dt="2020-02-13T14:53:21.223" v="3803" actId="478"/>
-          <ac:picMkLst>
-            <pc:docMk/>
-            <pc:sldMk cId="448769969" sldId="282"/>
-            <ac:picMk id="21" creationId="{1EAAFDD7-270D-40BB-B235-F2B7DF98EC72}"/>
-          </ac:picMkLst>
-        </pc:picChg>
-        <pc:picChg chg="add mod">
-          <ac:chgData name="Boon Jun" userId="b9b2384c46af58b4" providerId="LiveId" clId="{07FA4B2E-902A-4B46-B455-FA227D8539BA}" dt="2020-02-13T08:48:41.181" v="2845" actId="164"/>
-          <ac:picMkLst>
-            <pc:docMk/>
-            <pc:sldMk cId="448769969" sldId="282"/>
-            <ac:picMk id="1026" creationId="{BAF15449-2383-4B4B-998D-F4E4ED2DC167}"/>
-          </ac:picMkLst>
-        </pc:picChg>
-      </pc:sldChg>
-      <pc:sldChg chg="addSp delSp modSp add">
-        <pc:chgData name="Boon Jun" userId="b9b2384c46af58b4" providerId="LiveId" clId="{07FA4B2E-902A-4B46-B455-FA227D8539BA}" dt="2020-02-13T14:52:33.421" v="3781" actId="478"/>
-        <pc:sldMkLst>
-          <pc:docMk/>
-          <pc:sldMk cId="2457063894" sldId="283"/>
-        </pc:sldMkLst>
-        <pc:grpChg chg="del">
-          <ac:chgData name="Boon Jun" userId="b9b2384c46af58b4" providerId="LiveId" clId="{07FA4B2E-902A-4B46-B455-FA227D8539BA}" dt="2020-02-13T13:51:47.452" v="2909" actId="478"/>
-          <ac:grpSpMkLst>
-            <pc:docMk/>
-            <pc:sldMk cId="2457063894" sldId="283"/>
-            <ac:grpSpMk id="16" creationId="{42FCBA91-79B9-432A-AFB5-D14194C68518}"/>
-          </ac:grpSpMkLst>
-        </pc:grpChg>
-        <pc:picChg chg="add mod">
-          <ac:chgData name="Boon Jun" userId="b9b2384c46af58b4" providerId="LiveId" clId="{07FA4B2E-902A-4B46-B455-FA227D8539BA}" dt="2020-02-13T14:11:20.914" v="3369" actId="1076"/>
-          <ac:picMkLst>
-            <pc:docMk/>
-            <pc:sldMk cId="2457063894" sldId="283"/>
-            <ac:picMk id="4" creationId="{33DAC2CD-A671-49C0-926B-031B9EE53E31}"/>
-          </ac:picMkLst>
-        </pc:picChg>
-        <pc:picChg chg="add">
-          <ac:chgData name="Boon Jun" userId="b9b2384c46af58b4" providerId="LiveId" clId="{07FA4B2E-902A-4B46-B455-FA227D8539BA}" dt="2020-02-13T14:52:32.101" v="3780"/>
-          <ac:picMkLst>
-            <pc:docMk/>
-            <pc:sldMk cId="2457063894" sldId="283"/>
-            <ac:picMk id="18" creationId="{1941B363-3234-4188-AAB7-5166EC0772CB}"/>
-          </ac:picMkLst>
-        </pc:picChg>
-        <pc:picChg chg="del">
-          <ac:chgData name="Boon Jun" userId="b9b2384c46af58b4" providerId="LiveId" clId="{07FA4B2E-902A-4B46-B455-FA227D8539BA}" dt="2020-02-13T14:52:31.841" v="3779" actId="478"/>
-          <ac:picMkLst>
-            <pc:docMk/>
-            <pc:sldMk cId="2457063894" sldId="283"/>
-            <ac:picMk id="19" creationId="{2C9D18F4-DF60-4C50-9850-912CD1CB918E}"/>
-          </ac:picMkLst>
-        </pc:picChg>
-        <pc:picChg chg="del">
-          <ac:chgData name="Boon Jun" userId="b9b2384c46af58b4" providerId="LiveId" clId="{07FA4B2E-902A-4B46-B455-FA227D8539BA}" dt="2020-02-13T14:52:33.421" v="3781" actId="478"/>
-          <ac:picMkLst>
-            <pc:docMk/>
-            <pc:sldMk cId="2457063894" sldId="283"/>
-            <ac:picMk id="21" creationId="{1EAAFDD7-270D-40BB-B235-F2B7DF98EC72}"/>
-          </ac:picMkLst>
-        </pc:picChg>
-        <pc:picChg chg="del">
-          <ac:chgData name="Boon Jun" userId="b9b2384c46af58b4" providerId="LiveId" clId="{07FA4B2E-902A-4B46-B455-FA227D8539BA}" dt="2020-02-13T13:51:43.922" v="2908" actId="478"/>
-          <ac:picMkLst>
-            <pc:docMk/>
-            <pc:sldMk cId="2457063894" sldId="283"/>
-            <ac:picMk id="2050" creationId="{EDAA3C66-9856-43C0-9E71-DF9C9727AB29}"/>
-          </ac:picMkLst>
-        </pc:picChg>
-      </pc:sldChg>
-      <pc:sldChg chg="addSp delSp modSp add">
-        <pc:chgData name="Boon Jun" userId="b9b2384c46af58b4" providerId="LiveId" clId="{07FA4B2E-902A-4B46-B455-FA227D8539BA}" dt="2020-02-13T14:53:58.485" v="3821" actId="478"/>
-        <pc:sldMkLst>
-          <pc:docMk/>
-          <pc:sldMk cId="3063102901" sldId="284"/>
-        </pc:sldMkLst>
-        <pc:spChg chg="mod">
-          <ac:chgData name="Boon Jun" userId="b9b2384c46af58b4" providerId="LiveId" clId="{07FA4B2E-902A-4B46-B455-FA227D8539BA}" dt="2020-02-13T13:56:29.574" v="2972" actId="20577"/>
-          <ac:spMkLst>
-            <pc:docMk/>
-            <pc:sldMk cId="3063102901" sldId="284"/>
-            <ac:spMk id="10" creationId="{45E2ABB5-AA4B-4A0D-9553-8D9F0D57F433}"/>
-          </ac:spMkLst>
-        </pc:spChg>
-        <pc:spChg chg="add mod">
-          <ac:chgData name="Boon Jun" userId="b9b2384c46af58b4" providerId="LiveId" clId="{07FA4B2E-902A-4B46-B455-FA227D8539BA}" dt="2020-02-13T14:02:08.197" v="3226" actId="2711"/>
-          <ac:spMkLst>
-            <pc:docMk/>
-            <pc:sldMk cId="3063102901" sldId="284"/>
-            <ac:spMk id="14" creationId="{791D7063-6504-44BC-ABF6-C0FCAFAF8160}"/>
-          </ac:spMkLst>
-        </pc:spChg>
-        <pc:spChg chg="add del mod">
-          <ac:chgData name="Boon Jun" userId="b9b2384c46af58b4" providerId="LiveId" clId="{07FA4B2E-902A-4B46-B455-FA227D8539BA}" dt="2020-02-13T14:00:48.458" v="3225" actId="1076"/>
-          <ac:spMkLst>
-            <pc:docMk/>
-            <pc:sldMk cId="3063102901" sldId="284"/>
-            <ac:spMk id="15" creationId="{D986C221-6C06-496E-A9B5-A3B055059838}"/>
-          </ac:spMkLst>
-        </pc:spChg>
-        <pc:spChg chg="add mod">
-          <ac:chgData name="Boon Jun" userId="b9b2384c46af58b4" providerId="LiveId" clId="{07FA4B2E-902A-4B46-B455-FA227D8539BA}" dt="2020-02-13T14:00:48.458" v="3225" actId="1076"/>
-          <ac:spMkLst>
-            <pc:docMk/>
-            <pc:sldMk cId="3063102901" sldId="284"/>
-            <ac:spMk id="16" creationId="{00958EA9-2343-42C8-8BDA-89DFF475B52D}"/>
-          </ac:spMkLst>
-        </pc:spChg>
-        <pc:spChg chg="add mod">
-          <ac:chgData name="Boon Jun" userId="b9b2384c46af58b4" providerId="LiveId" clId="{07FA4B2E-902A-4B46-B455-FA227D8539BA}" dt="2020-02-13T14:00:48.458" v="3225" actId="1076"/>
-          <ac:spMkLst>
-            <pc:docMk/>
-            <pc:sldMk cId="3063102901" sldId="284"/>
-            <ac:spMk id="18" creationId="{376BAC12-FE09-4CB4-B6B0-94EE46E72BF4}"/>
-          </ac:spMkLst>
-        </pc:spChg>
-        <pc:spChg chg="del">
-          <ac:chgData name="Boon Jun" userId="b9b2384c46af58b4" providerId="LiveId" clId="{07FA4B2E-902A-4B46-B455-FA227D8539BA}" dt="2020-02-13T13:56:37.828" v="2975" actId="478"/>
-          <ac:spMkLst>
-            <pc:docMk/>
-            <pc:sldMk cId="3063102901" sldId="284"/>
-            <ac:spMk id="20" creationId="{B2FAB1E0-6DF9-48A8-BF90-EFC2AD90DB28}"/>
-          </ac:spMkLst>
-        </pc:spChg>
-        <pc:graphicFrameChg chg="del">
-          <ac:chgData name="Boon Jun" userId="b9b2384c46af58b4" providerId="LiveId" clId="{07FA4B2E-902A-4B46-B455-FA227D8539BA}" dt="2020-02-13T13:56:37.828" v="2975" actId="478"/>
-          <ac:graphicFrameMkLst>
-            <pc:docMk/>
-            <pc:sldMk cId="3063102901" sldId="284"/>
-            <ac:graphicFrameMk id="5" creationId="{1219424E-77CF-47E6-AAE0-BC062A0DC967}"/>
-          </ac:graphicFrameMkLst>
-        </pc:graphicFrameChg>
-        <pc:picChg chg="del">
-          <ac:chgData name="Boon Jun" userId="b9b2384c46af58b4" providerId="LiveId" clId="{07FA4B2E-902A-4B46-B455-FA227D8539BA}" dt="2020-02-13T14:53:56.642" v="3819" actId="478"/>
-          <ac:picMkLst>
-            <pc:docMk/>
-            <pc:sldMk cId="3063102901" sldId="284"/>
-            <ac:picMk id="19" creationId="{2C9D18F4-DF60-4C50-9850-912CD1CB918E}"/>
-          </ac:picMkLst>
-        </pc:picChg>
-        <pc:picChg chg="del">
-          <ac:chgData name="Boon Jun" userId="b9b2384c46af58b4" providerId="LiveId" clId="{07FA4B2E-902A-4B46-B455-FA227D8539BA}" dt="2020-02-13T14:53:58.485" v="3821" actId="478"/>
-          <ac:picMkLst>
-            <pc:docMk/>
-            <pc:sldMk cId="3063102901" sldId="284"/>
-            <ac:picMk id="21" creationId="{1EAAFDD7-270D-40BB-B235-F2B7DF98EC72}"/>
-          </ac:picMkLst>
-        </pc:picChg>
-        <pc:picChg chg="add">
-          <ac:chgData name="Boon Jun" userId="b9b2384c46af58b4" providerId="LiveId" clId="{07FA4B2E-902A-4B46-B455-FA227D8539BA}" dt="2020-02-13T14:53:57.220" v="3820"/>
-          <ac:picMkLst>
-            <pc:docMk/>
-            <pc:sldMk cId="3063102901" sldId="284"/>
-            <ac:picMk id="22" creationId="{1ED43997-9DC2-40AF-87B5-ABEEF7AC0CD1}"/>
-          </ac:picMkLst>
-        </pc:picChg>
-      </pc:sldChg>
-      <pc:sldChg chg="addSp delSp add ord">
-        <pc:chgData name="Boon Jun" userId="b9b2384c46af58b4" providerId="LiveId" clId="{07FA4B2E-902A-4B46-B455-FA227D8539BA}" dt="2020-02-13T14:54:21.196" v="3833" actId="478"/>
-        <pc:sldMkLst>
-          <pc:docMk/>
-          <pc:sldMk cId="1029338606" sldId="285"/>
-        </pc:sldMkLst>
-        <pc:picChg chg="add">
-          <ac:chgData name="Boon Jun" userId="b9b2384c46af58b4" providerId="LiveId" clId="{07FA4B2E-902A-4B46-B455-FA227D8539BA}" dt="2020-02-13T14:54:19.896" v="3832"/>
-          <ac:picMkLst>
-            <pc:docMk/>
-            <pc:sldMk cId="1029338606" sldId="285"/>
-            <ac:picMk id="14" creationId="{6299479E-D349-42F1-868F-8A806D9DB685}"/>
-          </ac:picMkLst>
-        </pc:picChg>
-        <pc:picChg chg="del">
-          <ac:chgData name="Boon Jun" userId="b9b2384c46af58b4" providerId="LiveId" clId="{07FA4B2E-902A-4B46-B455-FA227D8539BA}" dt="2020-02-13T14:54:19.403" v="3831" actId="478"/>
-          <ac:picMkLst>
-            <pc:docMk/>
-            <pc:sldMk cId="1029338606" sldId="285"/>
-            <ac:picMk id="19" creationId="{2C9D18F4-DF60-4C50-9850-912CD1CB918E}"/>
-          </ac:picMkLst>
-        </pc:picChg>
-        <pc:picChg chg="del">
-          <ac:chgData name="Boon Jun" userId="b9b2384c46af58b4" providerId="LiveId" clId="{07FA4B2E-902A-4B46-B455-FA227D8539BA}" dt="2020-02-13T14:54:21.196" v="3833" actId="478"/>
-          <ac:picMkLst>
-            <pc:docMk/>
-            <pc:sldMk cId="1029338606" sldId="285"/>
-            <ac:picMk id="21" creationId="{1EAAFDD7-270D-40BB-B235-F2B7DF98EC72}"/>
-          </ac:picMkLst>
-        </pc:picChg>
-      </pc:sldChg>
-      <pc:sldChg chg="addSp delSp modSp add">
-        <pc:chgData name="Boon Jun" userId="b9b2384c46af58b4" providerId="LiveId" clId="{07FA4B2E-902A-4B46-B455-FA227D8539BA}" dt="2020-02-13T15:21:24.074" v="4222" actId="1035"/>
-        <pc:sldMkLst>
-          <pc:docMk/>
-          <pc:sldMk cId="121191856" sldId="286"/>
-        </pc:sldMkLst>
-        <pc:spChg chg="mod">
-          <ac:chgData name="Boon Jun" userId="b9b2384c46af58b4" providerId="LiveId" clId="{07FA4B2E-902A-4B46-B455-FA227D8539BA}" dt="2020-02-13T15:06:04.078" v="3843" actId="20577"/>
-          <ac:spMkLst>
-            <pc:docMk/>
-            <pc:sldMk cId="121191856" sldId="286"/>
-            <ac:spMk id="2" creationId="{FF21E304-E4E0-438B-AB07-1B8DC03AFC6F}"/>
-          </ac:spMkLst>
-        </pc:spChg>
-        <pc:spChg chg="del">
-          <ac:chgData name="Boon Jun" userId="b9b2384c46af58b4" providerId="LiveId" clId="{07FA4B2E-902A-4B46-B455-FA227D8539BA}" dt="2020-02-13T15:06:16.481" v="3845" actId="478"/>
-          <ac:spMkLst>
-            <pc:docMk/>
-            <pc:sldMk cId="121191856" sldId="286"/>
-            <ac:spMk id="10" creationId="{45E2ABB5-AA4B-4A0D-9553-8D9F0D57F433}"/>
-          </ac:spMkLst>
-        </pc:spChg>
-        <pc:spChg chg="del">
-          <ac:chgData name="Boon Jun" userId="b9b2384c46af58b4" providerId="LiveId" clId="{07FA4B2E-902A-4B46-B455-FA227D8539BA}" dt="2020-02-13T15:06:00.646" v="3836" actId="478"/>
-          <ac:spMkLst>
-            <pc:docMk/>
-            <pc:sldMk cId="121191856" sldId="286"/>
-            <ac:spMk id="12" creationId="{A57D88D3-310F-49F1-9E41-B24B393DB265}"/>
-          </ac:spMkLst>
-        </pc:spChg>
-        <pc:spChg chg="add mod">
-          <ac:chgData name="Boon Jun" userId="b9b2384c46af58b4" providerId="LiveId" clId="{07FA4B2E-902A-4B46-B455-FA227D8539BA}" dt="2020-02-13T15:21:00.427" v="4135" actId="164"/>
-          <ac:spMkLst>
-            <pc:docMk/>
-            <pc:sldMk cId="121191856" sldId="286"/>
-            <ac:spMk id="15" creationId="{62E3146B-EFCC-4AD4-9349-4B9B8494A7D7}"/>
-          </ac:spMkLst>
-        </pc:spChg>
-        <pc:spChg chg="add mod">
-          <ac:chgData name="Boon Jun" userId="b9b2384c46af58b4" providerId="LiveId" clId="{07FA4B2E-902A-4B46-B455-FA227D8539BA}" dt="2020-02-13T15:21:03.436" v="4136" actId="164"/>
-          <ac:spMkLst>
-            <pc:docMk/>
-            <pc:sldMk cId="121191856" sldId="286"/>
-            <ac:spMk id="18" creationId="{A8A804C9-385C-4793-8993-F9BBBE363F55}"/>
-          </ac:spMkLst>
-        </pc:spChg>
-        <pc:spChg chg="add mod">
-          <ac:chgData name="Boon Jun" userId="b9b2384c46af58b4" providerId="LiveId" clId="{07FA4B2E-902A-4B46-B455-FA227D8539BA}" dt="2020-02-13T15:21:05.293" v="4137" actId="164"/>
-          <ac:spMkLst>
-            <pc:docMk/>
-            <pc:sldMk cId="121191856" sldId="286"/>
-            <ac:spMk id="22" creationId="{9407FE9A-CB6A-4BB5-98A9-0A7530DAB2B7}"/>
-          </ac:spMkLst>
-        </pc:spChg>
-        <pc:grpChg chg="add mod">
-          <ac:chgData name="Boon Jun" userId="b9b2384c46af58b4" providerId="LiveId" clId="{07FA4B2E-902A-4B46-B455-FA227D8539BA}" dt="2020-02-13T15:21:24.074" v="4222" actId="1035"/>
-          <ac:grpSpMkLst>
-            <pc:docMk/>
-            <pc:sldMk cId="121191856" sldId="286"/>
-            <ac:grpSpMk id="21" creationId="{9BB594AB-AF97-4B45-866B-E85B013877C8}"/>
-          </ac:grpSpMkLst>
-        </pc:grpChg>
-        <pc:grpChg chg="add mod">
-          <ac:chgData name="Boon Jun" userId="b9b2384c46af58b4" providerId="LiveId" clId="{07FA4B2E-902A-4B46-B455-FA227D8539BA}" dt="2020-02-13T15:21:24.074" v="4222" actId="1035"/>
-          <ac:grpSpMkLst>
-            <pc:docMk/>
-            <pc:sldMk cId="121191856" sldId="286"/>
-            <ac:grpSpMk id="23" creationId="{B12609BB-8476-4B28-9114-7B4259486364}"/>
-          </ac:grpSpMkLst>
-        </pc:grpChg>
-        <pc:grpChg chg="add mod">
-          <ac:chgData name="Boon Jun" userId="b9b2384c46af58b4" providerId="LiveId" clId="{07FA4B2E-902A-4B46-B455-FA227D8539BA}" dt="2020-02-13T15:21:24.074" v="4222" actId="1035"/>
-          <ac:grpSpMkLst>
-            <pc:docMk/>
-            <pc:sldMk cId="121191856" sldId="286"/>
-            <ac:grpSpMk id="25" creationId="{EA049BB6-60A9-47A8-9E46-3677317C6F8A}"/>
-          </ac:grpSpMkLst>
-        </pc:grpChg>
-        <pc:graphicFrameChg chg="del">
-          <ac:chgData name="Boon Jun" userId="b9b2384c46af58b4" providerId="LiveId" clId="{07FA4B2E-902A-4B46-B455-FA227D8539BA}" dt="2020-02-13T15:06:00.646" v="3836" actId="478"/>
-          <ac:graphicFrameMkLst>
-            <pc:docMk/>
-            <pc:sldMk cId="121191856" sldId="286"/>
-            <ac:graphicFrameMk id="24" creationId="{8D2CBF1B-7348-4101-8C58-4653FB35D38A}"/>
-          </ac:graphicFrameMkLst>
-        </pc:graphicFrameChg>
-        <pc:picChg chg="add mod">
-          <ac:chgData name="Boon Jun" userId="b9b2384c46af58b4" providerId="LiveId" clId="{07FA4B2E-902A-4B46-B455-FA227D8539BA}" dt="2020-02-13T15:21:00.427" v="4135" actId="164"/>
-          <ac:picMkLst>
-            <pc:docMk/>
-            <pc:sldMk cId="121191856" sldId="286"/>
-            <ac:picMk id="4" creationId="{AFE09240-54CE-4BCB-81B5-43C2E84F514E}"/>
-          </ac:picMkLst>
-        </pc:picChg>
-        <pc:picChg chg="add mod">
-          <ac:chgData name="Boon Jun" userId="b9b2384c46af58b4" providerId="LiveId" clId="{07FA4B2E-902A-4B46-B455-FA227D8539BA}" dt="2020-02-13T15:21:03.436" v="4136" actId="164"/>
-          <ac:picMkLst>
-            <pc:docMk/>
-            <pc:sldMk cId="121191856" sldId="286"/>
-            <ac:picMk id="6" creationId="{320BC816-E47B-4120-BD37-FE16566C38DA}"/>
-          </ac:picMkLst>
-        </pc:picChg>
-        <pc:picChg chg="del">
-          <ac:chgData name="Boon Jun" userId="b9b2384c46af58b4" providerId="LiveId" clId="{07FA4B2E-902A-4B46-B455-FA227D8539BA}" dt="2020-02-13T15:06:07.442" v="3844" actId="478"/>
-          <ac:picMkLst>
-            <pc:docMk/>
-            <pc:sldMk cId="121191856" sldId="286"/>
-            <ac:picMk id="7" creationId="{0F454814-B50C-4698-B6C0-6DE90A930257}"/>
-          </ac:picMkLst>
-        </pc:picChg>
-        <pc:picChg chg="del">
-          <ac:chgData name="Boon Jun" userId="b9b2384c46af58b4" providerId="LiveId" clId="{07FA4B2E-902A-4B46-B455-FA227D8539BA}" dt="2020-02-13T15:06:07.442" v="3844" actId="478"/>
-          <ac:picMkLst>
-            <pc:docMk/>
-            <pc:sldMk cId="121191856" sldId="286"/>
-            <ac:picMk id="9" creationId="{4484A587-4DE2-4E0E-BD31-1E5371FF1617}"/>
-          </ac:picMkLst>
-        </pc:picChg>
-        <pc:picChg chg="del">
-          <ac:chgData name="Boon Jun" userId="b9b2384c46af58b4" providerId="LiveId" clId="{07FA4B2E-902A-4B46-B455-FA227D8539BA}" dt="2020-02-13T15:06:07.442" v="3844" actId="478"/>
-          <ac:picMkLst>
-            <pc:docMk/>
-            <pc:sldMk cId="121191856" sldId="286"/>
-            <ac:picMk id="11" creationId="{787A3D66-E702-4786-9334-AA8574247486}"/>
-          </ac:picMkLst>
-        </pc:picChg>
-        <pc:picChg chg="del">
-          <ac:chgData name="Boon Jun" userId="b9b2384c46af58b4" providerId="LiveId" clId="{07FA4B2E-902A-4B46-B455-FA227D8539BA}" dt="2020-02-13T15:06:07.442" v="3844" actId="478"/>
-          <ac:picMkLst>
-            <pc:docMk/>
-            <pc:sldMk cId="121191856" sldId="286"/>
-            <ac:picMk id="13" creationId="{10818EE9-430A-4CC4-BD02-5BDDEF750326}"/>
-          </ac:picMkLst>
-        </pc:picChg>
-        <pc:picChg chg="del">
-          <ac:chgData name="Boon Jun" userId="b9b2384c46af58b4" providerId="LiveId" clId="{07FA4B2E-902A-4B46-B455-FA227D8539BA}" dt="2020-02-13T15:06:07.442" v="3844" actId="478"/>
-          <ac:picMkLst>
-            <pc:docMk/>
-            <pc:sldMk cId="121191856" sldId="286"/>
-            <ac:picMk id="14" creationId="{6299479E-D349-42F1-868F-8A806D9DB685}"/>
-          </ac:picMkLst>
-        </pc:picChg>
-        <pc:picChg chg="add del mod">
-          <ac:chgData name="Boon Jun" userId="b9b2384c46af58b4" providerId="LiveId" clId="{07FA4B2E-902A-4B46-B455-FA227D8539BA}" dt="2020-02-13T15:18:27.702" v="3984" actId="478"/>
-          <ac:picMkLst>
-            <pc:docMk/>
-            <pc:sldMk cId="121191856" sldId="286"/>
-            <ac:picMk id="16" creationId="{3F8519C8-0C9B-4C00-9D66-AA17CC8520F4}"/>
-          </ac:picMkLst>
-        </pc:picChg>
-        <pc:picChg chg="del">
-          <ac:chgData name="Boon Jun" userId="b9b2384c46af58b4" providerId="LiveId" clId="{07FA4B2E-902A-4B46-B455-FA227D8539BA}" dt="2020-02-13T15:06:07.442" v="3844" actId="478"/>
-          <ac:picMkLst>
-            <pc:docMk/>
-            <pc:sldMk cId="121191856" sldId="286"/>
-            <ac:picMk id="17" creationId="{2AB76BBD-A7C0-47CD-8857-DAAB96FDAC61}"/>
-          </ac:picMkLst>
-        </pc:picChg>
-        <pc:picChg chg="add mod">
-          <ac:chgData name="Boon Jun" userId="b9b2384c46af58b4" providerId="LiveId" clId="{07FA4B2E-902A-4B46-B455-FA227D8539BA}" dt="2020-02-13T15:21:05.293" v="4137" actId="164"/>
-          <ac:picMkLst>
-            <pc:docMk/>
-            <pc:sldMk cId="121191856" sldId="286"/>
-            <ac:picMk id="20" creationId="{A4E3651D-B90B-40AE-B9D6-37FB0D8231AE}"/>
-          </ac:picMkLst>
-        </pc:picChg>
-      </pc:sldChg>
-      <pc:sldChg chg="addSp delSp modSp add">
-        <pc:chgData name="Boon Jun" userId="b9b2384c46af58b4" providerId="LiveId" clId="{07FA4B2E-902A-4B46-B455-FA227D8539BA}" dt="2020-02-13T15:31:03.344" v="4444" actId="20577"/>
-        <pc:sldMkLst>
-          <pc:docMk/>
-          <pc:sldMk cId="1410071435" sldId="287"/>
-        </pc:sldMkLst>
-        <pc:graphicFrameChg chg="modGraphic">
-          <ac:chgData name="Boon Jun" userId="b9b2384c46af58b4" providerId="LiveId" clId="{07FA4B2E-902A-4B46-B455-FA227D8539BA}" dt="2020-02-13T15:31:03.344" v="4444" actId="20577"/>
-          <ac:graphicFrameMkLst>
-            <pc:docMk/>
-            <pc:sldMk cId="1410071435" sldId="287"/>
-            <ac:graphicFrameMk id="3" creationId="{B5B65770-B6E3-400C-872F-727B877060EE}"/>
-          </ac:graphicFrameMkLst>
-        </pc:graphicFrameChg>
-        <pc:picChg chg="del">
-          <ac:chgData name="Boon Jun" userId="b9b2384c46af58b4" providerId="LiveId" clId="{07FA4B2E-902A-4B46-B455-FA227D8539BA}" dt="2020-02-13T15:30:24.763" v="4401" actId="478"/>
-          <ac:picMkLst>
-            <pc:docMk/>
-            <pc:sldMk cId="1410071435" sldId="287"/>
-            <ac:picMk id="15" creationId="{C7A484BE-4A97-49CD-B03B-9CF61532E229}"/>
-          </ac:picMkLst>
-        </pc:picChg>
-        <pc:picChg chg="add mod ord">
-          <ac:chgData name="Boon Jun" userId="b9b2384c46af58b4" providerId="LiveId" clId="{07FA4B2E-902A-4B46-B455-FA227D8539BA}" dt="2020-02-13T15:30:23.676" v="4400" actId="167"/>
-          <ac:picMkLst>
-            <pc:docMk/>
-            <pc:sldMk cId="1410071435" sldId="287"/>
-            <ac:picMk id="16" creationId="{D88545E4-F933-43BE-91F6-7F0583A61B7F}"/>
-          </ac:picMkLst>
-        </pc:picChg>
-      </pc:sldChg>
-      <pc:sldChg chg="addSp delSp modSp add">
-        <pc:chgData name="Boon Jun" userId="b9b2384c46af58b4" providerId="LiveId" clId="{07FA4B2E-902A-4B46-B455-FA227D8539BA}" dt="2020-02-13T15:31:57.512" v="4454" actId="1076"/>
-        <pc:sldMkLst>
-          <pc:docMk/>
-          <pc:sldMk cId="958400579" sldId="288"/>
-        </pc:sldMkLst>
-        <pc:graphicFrameChg chg="del">
-          <ac:chgData name="Boon Jun" userId="b9b2384c46af58b4" providerId="LiveId" clId="{07FA4B2E-902A-4B46-B455-FA227D8539BA}" dt="2020-02-13T15:31:14.873" v="4446" actId="478"/>
-          <ac:graphicFrameMkLst>
-            <pc:docMk/>
-            <pc:sldMk cId="958400579" sldId="288"/>
-            <ac:graphicFrameMk id="3" creationId="{B5B65770-B6E3-400C-872F-727B877060EE}"/>
-          </ac:graphicFrameMkLst>
-        </pc:graphicFrameChg>
-        <pc:picChg chg="add mod">
-          <ac:chgData name="Boon Jun" userId="b9b2384c46af58b4" providerId="LiveId" clId="{07FA4B2E-902A-4B46-B455-FA227D8539BA}" dt="2020-02-13T15:31:26.044" v="4450" actId="1076"/>
-          <ac:picMkLst>
-            <pc:docMk/>
-            <pc:sldMk cId="958400579" sldId="288"/>
-            <ac:picMk id="15" creationId="{1C5E297C-E221-40BF-91B5-E558927FF0C5}"/>
-          </ac:picMkLst>
-        </pc:picChg>
-        <pc:picChg chg="del">
-          <ac:chgData name="Boon Jun" userId="b9b2384c46af58b4" providerId="LiveId" clId="{07FA4B2E-902A-4B46-B455-FA227D8539BA}" dt="2020-02-13T15:31:14.873" v="4446" actId="478"/>
-          <ac:picMkLst>
-            <pc:docMk/>
-            <pc:sldMk cId="958400579" sldId="288"/>
-            <ac:picMk id="16" creationId="{D88545E4-F933-43BE-91F6-7F0583A61B7F}"/>
-          </ac:picMkLst>
-        </pc:picChg>
-        <pc:picChg chg="add mod">
-          <ac:chgData name="Boon Jun" userId="b9b2384c46af58b4" providerId="LiveId" clId="{07FA4B2E-902A-4B46-B455-FA227D8539BA}" dt="2020-02-13T15:31:57.512" v="4454" actId="1076"/>
-          <ac:picMkLst>
-            <pc:docMk/>
-            <pc:sldMk cId="958400579" sldId="288"/>
-            <ac:picMk id="18" creationId="{CF102800-9C9E-4F68-AD4E-857AC68FB8CD}"/>
-          </ac:picMkLst>
-        </pc:picChg>
-      </pc:sldChg>
-      <pc:sldChg chg="addSp modSp add">
-        <pc:chgData name="Boon Jun" userId="b9b2384c46af58b4" providerId="LiveId" clId="{07FA4B2E-902A-4B46-B455-FA227D8539BA}" dt="2020-02-13T15:35:02.444" v="4547" actId="20577"/>
-        <pc:sldMkLst>
-          <pc:docMk/>
-          <pc:sldMk cId="710032340" sldId="289"/>
-        </pc:sldMkLst>
-        <pc:spChg chg="mod">
-          <ac:chgData name="Boon Jun" userId="b9b2384c46af58b4" providerId="LiveId" clId="{07FA4B2E-902A-4B46-B455-FA227D8539BA}" dt="2020-02-13T15:34:25.936" v="4526" actId="1076"/>
-          <ac:spMkLst>
-            <pc:docMk/>
-            <pc:sldMk cId="710032340" sldId="289"/>
-            <ac:spMk id="18" creationId="{246CA023-9845-437A-B011-CE82C4B1DF36}"/>
-          </ac:spMkLst>
-        </pc:spChg>
-        <pc:spChg chg="add mod">
-          <ac:chgData name="Boon Jun" userId="b9b2384c46af58b4" providerId="LiveId" clId="{07FA4B2E-902A-4B46-B455-FA227D8539BA}" dt="2020-02-13T15:35:02.444" v="4547" actId="20577"/>
-          <ac:spMkLst>
-            <pc:docMk/>
-            <pc:sldMk cId="710032340" sldId="289"/>
-            <ac:spMk id="22" creationId="{0F2A1647-8C07-4CE6-9EB4-07FCBC9C257B}"/>
-          </ac:spMkLst>
-        </pc:spChg>
-      </pc:sldChg>
-    </pc:docChg>
-  </pc:docChgLst>
-  <pc:docChgLst>
     <pc:chgData name="Boon Jun" userId="b9b2384c46af58b4" providerId="LiveId" clId="{D4FFD855-904D-4A26-8473-2185EA92CFC7}"/>
     <pc:docChg chg="custSel addSld modSld sldOrd">
       <pc:chgData name="Boon Jun" userId="b9b2384c46af58b4" providerId="LiveId" clId="{D4FFD855-904D-4A26-8473-2185EA92CFC7}" dt="2020-02-14T02:11:56.613" v="144" actId="1076"/>
@@ -4161,13 +1043,3131 @@
       </pc:sldChg>
     </pc:docChg>
   </pc:docChgLst>
+  <pc:docChgLst>
+    <pc:chgData name="Boon Jun" userId="b9b2384c46af58b4" providerId="LiveId" clId="{07FA4B2E-902A-4B46-B455-FA227D8539BA}"/>
+    <pc:docChg chg="undo custSel addSld delSld modSld sldOrd">
+      <pc:chgData name="Boon Jun" userId="b9b2384c46af58b4" providerId="LiveId" clId="{07FA4B2E-902A-4B46-B455-FA227D8539BA}" dt="2020-02-13T15:35:34.618" v="4562" actId="20577"/>
+      <pc:docMkLst>
+        <pc:docMk/>
+      </pc:docMkLst>
+      <pc:sldChg chg="addSp delSp modSp">
+        <pc:chgData name="Boon Jun" userId="b9b2384c46af58b4" providerId="LiveId" clId="{07FA4B2E-902A-4B46-B455-FA227D8539BA}" dt="2020-02-12T06:52:02.551" v="645" actId="478"/>
+        <pc:sldMkLst>
+          <pc:docMk/>
+          <pc:sldMk cId="2773114662" sldId="256"/>
+        </pc:sldMkLst>
+        <pc:spChg chg="add mod">
+          <ac:chgData name="Boon Jun" userId="b9b2384c46af58b4" providerId="LiveId" clId="{07FA4B2E-902A-4B46-B455-FA227D8539BA}" dt="2020-02-12T06:51:40.296" v="640" actId="207"/>
+          <ac:spMkLst>
+            <pc:docMk/>
+            <pc:sldMk cId="2773114662" sldId="256"/>
+            <ac:spMk id="4" creationId="{EAC61BCE-46A7-4383-BB8F-186DABC302F4}"/>
+          </ac:spMkLst>
+        </pc:spChg>
+        <pc:picChg chg="add del mod">
+          <ac:chgData name="Boon Jun" userId="b9b2384c46af58b4" providerId="LiveId" clId="{07FA4B2E-902A-4B46-B455-FA227D8539BA}" dt="2020-02-12T06:52:02.551" v="645" actId="478"/>
+          <ac:picMkLst>
+            <pc:docMk/>
+            <pc:sldMk cId="2773114662" sldId="256"/>
+            <ac:picMk id="3" creationId="{7D130C75-9BCA-4158-A216-043565B21FD7}"/>
+          </ac:picMkLst>
+        </pc:picChg>
+        <pc:picChg chg="mod">
+          <ac:chgData name="Boon Jun" userId="b9b2384c46af58b4" providerId="LiveId" clId="{07FA4B2E-902A-4B46-B455-FA227D8539BA}" dt="2020-02-12T06:32:19.519" v="485" actId="1076"/>
+          <ac:picMkLst>
+            <pc:docMk/>
+            <pc:sldMk cId="2773114662" sldId="256"/>
+            <ac:picMk id="8" creationId="{2A3B72F5-282A-479A-97A4-317E643BF8A7}"/>
+          </ac:picMkLst>
+        </pc:picChg>
+      </pc:sldChg>
+      <pc:sldChg chg="modSp">
+        <pc:chgData name="Boon Jun" userId="b9b2384c46af58b4" providerId="LiveId" clId="{07FA4B2E-902A-4B46-B455-FA227D8539BA}" dt="2020-02-12T08:05:55.731" v="678" actId="403"/>
+        <pc:sldMkLst>
+          <pc:docMk/>
+          <pc:sldMk cId="4197969554" sldId="257"/>
+        </pc:sldMkLst>
+        <pc:spChg chg="mod">
+          <ac:chgData name="Boon Jun" userId="b9b2384c46af58b4" providerId="LiveId" clId="{07FA4B2E-902A-4B46-B455-FA227D8539BA}" dt="2020-02-12T08:05:55.731" v="678" actId="403"/>
+          <ac:spMkLst>
+            <pc:docMk/>
+            <pc:sldMk cId="4197969554" sldId="257"/>
+            <ac:spMk id="3" creationId="{E90E465A-3033-4159-ACA1-F19A702DF04B}"/>
+          </ac:spMkLst>
+        </pc:spChg>
+      </pc:sldChg>
+      <pc:sldChg chg="addSp delSp modSp">
+        <pc:chgData name="Boon Jun" userId="b9b2384c46af58b4" providerId="LiveId" clId="{07FA4B2E-902A-4B46-B455-FA227D8539BA}" dt="2020-02-13T14:58:02.170" v="3834" actId="2711"/>
+        <pc:sldMkLst>
+          <pc:docMk/>
+          <pc:sldMk cId="1506440028" sldId="258"/>
+        </pc:sldMkLst>
+        <pc:spChg chg="del">
+          <ac:chgData name="Boon Jun" userId="b9b2384c46af58b4" providerId="LiveId" clId="{07FA4B2E-902A-4B46-B455-FA227D8539BA}" dt="2020-02-12T08:22:21.637" v="709" actId="478"/>
+          <ac:spMkLst>
+            <pc:docMk/>
+            <pc:sldMk cId="1506440028" sldId="258"/>
+            <ac:spMk id="2" creationId="{FF21E304-E4E0-438B-AB07-1B8DC03AFC6F}"/>
+          </ac:spMkLst>
+        </pc:spChg>
+        <pc:spChg chg="add del mod">
+          <ac:chgData name="Boon Jun" userId="b9b2384c46af58b4" providerId="LiveId" clId="{07FA4B2E-902A-4B46-B455-FA227D8539BA}" dt="2020-02-12T08:22:23.676" v="710" actId="478"/>
+          <ac:spMkLst>
+            <pc:docMk/>
+            <pc:sldMk cId="1506440028" sldId="258"/>
+            <ac:spMk id="4" creationId="{868DE376-B1A0-4941-BCE8-BF5976B92D74}"/>
+          </ac:spMkLst>
+        </pc:spChg>
+        <pc:spChg chg="add mod">
+          <ac:chgData name="Boon Jun" userId="b9b2384c46af58b4" providerId="LiveId" clId="{07FA4B2E-902A-4B46-B455-FA227D8539BA}" dt="2020-02-12T08:22:34.735" v="729" actId="14100"/>
+          <ac:spMkLst>
+            <pc:docMk/>
+            <pc:sldMk cId="1506440028" sldId="258"/>
+            <ac:spMk id="5" creationId="{35A6F9D8-9508-48EB-9DE4-5B2572F01F5B}"/>
+          </ac:spMkLst>
+        </pc:spChg>
+        <pc:spChg chg="add mod">
+          <ac:chgData name="Boon Jun" userId="b9b2384c46af58b4" providerId="LiveId" clId="{07FA4B2E-902A-4B46-B455-FA227D8539BA}" dt="2020-02-13T14:58:02.170" v="3834" actId="2711"/>
+          <ac:spMkLst>
+            <pc:docMk/>
+            <pc:sldMk cId="1506440028" sldId="258"/>
+            <ac:spMk id="6" creationId="{CA9F073F-09BD-4E0F-90F1-0AE8145C3969}"/>
+          </ac:spMkLst>
+        </pc:spChg>
+      </pc:sldChg>
+      <pc:sldChg chg="modSp">
+        <pc:chgData name="Boon Jun" userId="b9b2384c46af58b4" providerId="LiveId" clId="{07FA4B2E-902A-4B46-B455-FA227D8539BA}" dt="2020-02-12T06:54:33.685" v="651" actId="1076"/>
+        <pc:sldMkLst>
+          <pc:docMk/>
+          <pc:sldMk cId="3746096488" sldId="259"/>
+        </pc:sldMkLst>
+        <pc:spChg chg="mod">
+          <ac:chgData name="Boon Jun" userId="b9b2384c46af58b4" providerId="LiveId" clId="{07FA4B2E-902A-4B46-B455-FA227D8539BA}" dt="2020-02-12T06:54:27.018" v="649" actId="1076"/>
+          <ac:spMkLst>
+            <pc:docMk/>
+            <pc:sldMk cId="3746096488" sldId="259"/>
+            <ac:spMk id="31" creationId="{53A632A5-EF3B-439A-8015-8607DD845908}"/>
+          </ac:spMkLst>
+        </pc:spChg>
+        <pc:spChg chg="mod">
+          <ac:chgData name="Boon Jun" userId="b9b2384c46af58b4" providerId="LiveId" clId="{07FA4B2E-902A-4B46-B455-FA227D8539BA}" dt="2020-02-12T06:54:33.685" v="651" actId="1076"/>
+          <ac:spMkLst>
+            <pc:docMk/>
+            <pc:sldMk cId="3746096488" sldId="259"/>
+            <ac:spMk id="35" creationId="{03477E2C-AE59-40EF-BDA7-AD26F3978304}"/>
+          </ac:spMkLst>
+        </pc:spChg>
+      </pc:sldChg>
+      <pc:sldChg chg="addSp modSp">
+        <pc:chgData name="Boon Jun" userId="b9b2384c46af58b4" providerId="LiveId" clId="{07FA4B2E-902A-4B46-B455-FA227D8539BA}" dt="2020-02-13T07:19:14.922" v="2782" actId="1076"/>
+        <pc:sldMkLst>
+          <pc:docMk/>
+          <pc:sldMk cId="2862181266" sldId="260"/>
+        </pc:sldMkLst>
+        <pc:spChg chg="add mod">
+          <ac:chgData name="Boon Jun" userId="b9b2384c46af58b4" providerId="LiveId" clId="{07FA4B2E-902A-4B46-B455-FA227D8539BA}" dt="2020-02-13T07:19:09.624" v="2781" actId="164"/>
+          <ac:spMkLst>
+            <pc:docMk/>
+            <pc:sldMk cId="2862181266" sldId="260"/>
+            <ac:spMk id="14" creationId="{69CDD569-4973-475D-B1AA-31A9055E77C1}"/>
+          </ac:spMkLst>
+        </pc:spChg>
+        <pc:spChg chg="add mod">
+          <ac:chgData name="Boon Jun" userId="b9b2384c46af58b4" providerId="LiveId" clId="{07FA4B2E-902A-4B46-B455-FA227D8539BA}" dt="2020-02-13T07:19:09.624" v="2781" actId="164"/>
+          <ac:spMkLst>
+            <pc:docMk/>
+            <pc:sldMk cId="2862181266" sldId="260"/>
+            <ac:spMk id="15" creationId="{F8FE4C78-5A1A-4319-9942-AF343A5CEF7D}"/>
+          </ac:spMkLst>
+        </pc:spChg>
+        <pc:spChg chg="mod">
+          <ac:chgData name="Boon Jun" userId="b9b2384c46af58b4" providerId="LiveId" clId="{07FA4B2E-902A-4B46-B455-FA227D8539BA}" dt="2020-02-13T07:19:09.624" v="2781" actId="164"/>
+          <ac:spMkLst>
+            <pc:docMk/>
+            <pc:sldMk cId="2862181266" sldId="260"/>
+            <ac:spMk id="33" creationId="{612D2671-2D6E-41D1-A1AC-0A09CED8FE84}"/>
+          </ac:spMkLst>
+        </pc:spChg>
+        <pc:spChg chg="mod">
+          <ac:chgData name="Boon Jun" userId="b9b2384c46af58b4" providerId="LiveId" clId="{07FA4B2E-902A-4B46-B455-FA227D8539BA}" dt="2020-02-13T07:19:09.624" v="2781" actId="164"/>
+          <ac:spMkLst>
+            <pc:docMk/>
+            <pc:sldMk cId="2862181266" sldId="260"/>
+            <ac:spMk id="35" creationId="{03477E2C-AE59-40EF-BDA7-AD26F3978304}"/>
+          </ac:spMkLst>
+        </pc:spChg>
+        <pc:spChg chg="mod">
+          <ac:chgData name="Boon Jun" userId="b9b2384c46af58b4" providerId="LiveId" clId="{07FA4B2E-902A-4B46-B455-FA227D8539BA}" dt="2020-02-13T07:19:09.624" v="2781" actId="164"/>
+          <ac:spMkLst>
+            <pc:docMk/>
+            <pc:sldMk cId="2862181266" sldId="260"/>
+            <ac:spMk id="36" creationId="{1787EE2D-CD12-4F53-A8C3-97E2D24C7ABE}"/>
+          </ac:spMkLst>
+        </pc:spChg>
+        <pc:grpChg chg="mod">
+          <ac:chgData name="Boon Jun" userId="b9b2384c46af58b4" providerId="LiveId" clId="{07FA4B2E-902A-4B46-B455-FA227D8539BA}" dt="2020-02-13T07:19:06.486" v="2780" actId="1076"/>
+          <ac:grpSpMkLst>
+            <pc:docMk/>
+            <pc:sldMk cId="2862181266" sldId="260"/>
+            <ac:grpSpMk id="5" creationId="{97135F8E-F18A-4961-B46E-F7BB3A511C54}"/>
+          </ac:grpSpMkLst>
+        </pc:grpChg>
+        <pc:grpChg chg="add mod">
+          <ac:chgData name="Boon Jun" userId="b9b2384c46af58b4" providerId="LiveId" clId="{07FA4B2E-902A-4B46-B455-FA227D8539BA}" dt="2020-02-13T07:19:14.922" v="2782" actId="1076"/>
+          <ac:grpSpMkLst>
+            <pc:docMk/>
+            <pc:sldMk cId="2862181266" sldId="260"/>
+            <ac:grpSpMk id="6" creationId="{D5FF1D05-9F53-4B34-9021-5369809A9FA5}"/>
+          </ac:grpSpMkLst>
+        </pc:grpChg>
+      </pc:sldChg>
+      <pc:sldChg chg="addSp delSp modSp add">
+        <pc:chgData name="Boon Jun" userId="b9b2384c46af58b4" providerId="LiveId" clId="{07FA4B2E-902A-4B46-B455-FA227D8539BA}" dt="2020-02-13T14:51:57.166" v="3770" actId="1037"/>
+        <pc:sldMkLst>
+          <pc:docMk/>
+          <pc:sldMk cId="4288803398" sldId="261"/>
+        </pc:sldMkLst>
+        <pc:spChg chg="mod">
+          <ac:chgData name="Boon Jun" userId="b9b2384c46af58b4" providerId="LiveId" clId="{07FA4B2E-902A-4B46-B455-FA227D8539BA}" dt="2020-02-12T08:17:03.483" v="708" actId="207"/>
+          <ac:spMkLst>
+            <pc:docMk/>
+            <pc:sldMk cId="4288803398" sldId="261"/>
+            <ac:spMk id="2" creationId="{FF21E304-E4E0-438B-AB07-1B8DC03AFC6F}"/>
+          </ac:spMkLst>
+        </pc:spChg>
+        <pc:spChg chg="del">
+          <ac:chgData name="Boon Jun" userId="b9b2384c46af58b4" providerId="LiveId" clId="{07FA4B2E-902A-4B46-B455-FA227D8539BA}" dt="2020-02-12T05:22:23.787" v="101" actId="478"/>
+          <ac:spMkLst>
+            <pc:docMk/>
+            <pc:sldMk cId="4288803398" sldId="261"/>
+            <ac:spMk id="14" creationId="{69CDD569-4973-475D-B1AA-31A9055E77C1}"/>
+          </ac:spMkLst>
+        </pc:spChg>
+        <pc:spChg chg="del">
+          <ac:chgData name="Boon Jun" userId="b9b2384c46af58b4" providerId="LiveId" clId="{07FA4B2E-902A-4B46-B455-FA227D8539BA}" dt="2020-02-12T05:22:23.787" v="101" actId="478"/>
+          <ac:spMkLst>
+            <pc:docMk/>
+            <pc:sldMk cId="4288803398" sldId="261"/>
+            <ac:spMk id="15" creationId="{F8FE4C78-5A1A-4319-9942-AF343A5CEF7D}"/>
+          </ac:spMkLst>
+        </pc:spChg>
+        <pc:spChg chg="add mod">
+          <ac:chgData name="Boon Jun" userId="b9b2384c46af58b4" providerId="LiveId" clId="{07FA4B2E-902A-4B46-B455-FA227D8539BA}" dt="2020-02-12T06:13:21.329" v="145" actId="164"/>
+          <ac:spMkLst>
+            <pc:docMk/>
+            <pc:sldMk cId="4288803398" sldId="261"/>
+            <ac:spMk id="30" creationId="{43C0468B-C6F0-42E0-946C-402FBA46DBA0}"/>
+          </ac:spMkLst>
+        </pc:spChg>
+        <pc:spChg chg="del">
+          <ac:chgData name="Boon Jun" userId="b9b2384c46af58b4" providerId="LiveId" clId="{07FA4B2E-902A-4B46-B455-FA227D8539BA}" dt="2020-02-12T05:22:23.787" v="101" actId="478"/>
+          <ac:spMkLst>
+            <pc:docMk/>
+            <pc:sldMk cId="4288803398" sldId="261"/>
+            <ac:spMk id="33" creationId="{612D2671-2D6E-41D1-A1AC-0A09CED8FE84}"/>
+          </ac:spMkLst>
+        </pc:spChg>
+        <pc:spChg chg="add mod">
+          <ac:chgData name="Boon Jun" userId="b9b2384c46af58b4" providerId="LiveId" clId="{07FA4B2E-902A-4B46-B455-FA227D8539BA}" dt="2020-02-12T06:13:56.517" v="157" actId="164"/>
+          <ac:spMkLst>
+            <pc:docMk/>
+            <pc:sldMk cId="4288803398" sldId="261"/>
+            <ac:spMk id="34" creationId="{ADA85AC4-4E67-4EC9-8959-12B9FA7B0155}"/>
+          </ac:spMkLst>
+        </pc:spChg>
+        <pc:spChg chg="del">
+          <ac:chgData name="Boon Jun" userId="b9b2384c46af58b4" providerId="LiveId" clId="{07FA4B2E-902A-4B46-B455-FA227D8539BA}" dt="2020-02-12T05:22:23.787" v="101" actId="478"/>
+          <ac:spMkLst>
+            <pc:docMk/>
+            <pc:sldMk cId="4288803398" sldId="261"/>
+            <ac:spMk id="35" creationId="{03477E2C-AE59-40EF-BDA7-AD26F3978304}"/>
+          </ac:spMkLst>
+        </pc:spChg>
+        <pc:spChg chg="del">
+          <ac:chgData name="Boon Jun" userId="b9b2384c46af58b4" providerId="LiveId" clId="{07FA4B2E-902A-4B46-B455-FA227D8539BA}" dt="2020-02-12T05:22:23.787" v="101" actId="478"/>
+          <ac:spMkLst>
+            <pc:docMk/>
+            <pc:sldMk cId="4288803398" sldId="261"/>
+            <ac:spMk id="36" creationId="{1787EE2D-CD12-4F53-A8C3-97E2D24C7ABE}"/>
+          </ac:spMkLst>
+        </pc:spChg>
+        <pc:spChg chg="add mod">
+          <ac:chgData name="Boon Jun" userId="b9b2384c46af58b4" providerId="LiveId" clId="{07FA4B2E-902A-4B46-B455-FA227D8539BA}" dt="2020-02-12T06:14:24.674" v="175" actId="164"/>
+          <ac:spMkLst>
+            <pc:docMk/>
+            <pc:sldMk cId="4288803398" sldId="261"/>
+            <ac:spMk id="37" creationId="{EECDB084-43ED-4B0B-BAE1-CBD141EECD68}"/>
+          </ac:spMkLst>
+        </pc:spChg>
+        <pc:spChg chg="add mod">
+          <ac:chgData name="Boon Jun" userId="b9b2384c46af58b4" providerId="LiveId" clId="{07FA4B2E-902A-4B46-B455-FA227D8539BA}" dt="2020-02-12T06:15:51.316" v="274" actId="164"/>
+          <ac:spMkLst>
+            <pc:docMk/>
+            <pc:sldMk cId="4288803398" sldId="261"/>
+            <ac:spMk id="38" creationId="{E7A4873B-A19D-462B-8779-4F149F7C5407}"/>
+          </ac:spMkLst>
+        </pc:spChg>
+        <pc:spChg chg="add mod">
+          <ac:chgData name="Boon Jun" userId="b9b2384c46af58b4" providerId="LiveId" clId="{07FA4B2E-902A-4B46-B455-FA227D8539BA}" dt="2020-02-12T06:15:49.108" v="273" actId="164"/>
+          <ac:spMkLst>
+            <pc:docMk/>
+            <pc:sldMk cId="4288803398" sldId="261"/>
+            <ac:spMk id="39" creationId="{47238156-9AB9-42CF-9591-65B18505C1EC}"/>
+          </ac:spMkLst>
+        </pc:spChg>
+        <pc:spChg chg="add mod">
+          <ac:chgData name="Boon Jun" userId="b9b2384c46af58b4" providerId="LiveId" clId="{07FA4B2E-902A-4B46-B455-FA227D8539BA}" dt="2020-02-12T06:15:47.262" v="272" actId="164"/>
+          <ac:spMkLst>
+            <pc:docMk/>
+            <pc:sldMk cId="4288803398" sldId="261"/>
+            <ac:spMk id="40" creationId="{CF4A457C-9958-47F9-8111-D835E1A5D910}"/>
+          </ac:spMkLst>
+        </pc:spChg>
+        <pc:spChg chg="add mod">
+          <ac:chgData name="Boon Jun" userId="b9b2384c46af58b4" providerId="LiveId" clId="{07FA4B2E-902A-4B46-B455-FA227D8539BA}" dt="2020-02-12T06:15:44.581" v="269" actId="164"/>
+          <ac:spMkLst>
+            <pc:docMk/>
+            <pc:sldMk cId="4288803398" sldId="261"/>
+            <ac:spMk id="41" creationId="{1CC5D3A0-E26A-408F-A350-73FBA5EDAE35}"/>
+          </ac:spMkLst>
+        </pc:spChg>
+        <pc:grpChg chg="del">
+          <ac:chgData name="Boon Jun" userId="b9b2384c46af58b4" providerId="LiveId" clId="{07FA4B2E-902A-4B46-B455-FA227D8539BA}" dt="2020-02-12T05:22:23.787" v="101" actId="478"/>
+          <ac:grpSpMkLst>
+            <pc:docMk/>
+            <pc:sldMk cId="4288803398" sldId="261"/>
+            <ac:grpSpMk id="5" creationId="{97135F8E-F18A-4961-B46E-F7BB3A511C54}"/>
+          </ac:grpSpMkLst>
+        </pc:grpChg>
+        <pc:grpChg chg="add mod">
+          <ac:chgData name="Boon Jun" userId="b9b2384c46af58b4" providerId="LiveId" clId="{07FA4B2E-902A-4B46-B455-FA227D8539BA}" dt="2020-02-13T14:51:57.166" v="3770" actId="1037"/>
+          <ac:grpSpMkLst>
+            <pc:docMk/>
+            <pc:sldMk cId="4288803398" sldId="261"/>
+            <ac:grpSpMk id="22" creationId="{AFC4920A-713E-45DF-BF7A-92DC0AC7C8C2}"/>
+          </ac:grpSpMkLst>
+        </pc:grpChg>
+        <pc:grpChg chg="add mod">
+          <ac:chgData name="Boon Jun" userId="b9b2384c46af58b4" providerId="LiveId" clId="{07FA4B2E-902A-4B46-B455-FA227D8539BA}" dt="2020-02-13T14:51:57.166" v="3770" actId="1037"/>
+          <ac:grpSpMkLst>
+            <pc:docMk/>
+            <pc:sldMk cId="4288803398" sldId="261"/>
+            <ac:grpSpMk id="23" creationId="{2E532B55-37E7-4263-8AB0-FFF5EF10D2A7}"/>
+          </ac:grpSpMkLst>
+        </pc:grpChg>
+        <pc:grpChg chg="add mod">
+          <ac:chgData name="Boon Jun" userId="b9b2384c46af58b4" providerId="LiveId" clId="{07FA4B2E-902A-4B46-B455-FA227D8539BA}" dt="2020-02-13T14:51:57.166" v="3770" actId="1037"/>
+          <ac:grpSpMkLst>
+            <pc:docMk/>
+            <pc:sldMk cId="4288803398" sldId="261"/>
+            <ac:grpSpMk id="24" creationId="{0C8365A5-56A5-444A-8595-FABEE68A9C3A}"/>
+          </ac:grpSpMkLst>
+        </pc:grpChg>
+        <pc:grpChg chg="add mod">
+          <ac:chgData name="Boon Jun" userId="b9b2384c46af58b4" providerId="LiveId" clId="{07FA4B2E-902A-4B46-B455-FA227D8539BA}" dt="2020-02-13T14:51:57.166" v="3770" actId="1037"/>
+          <ac:grpSpMkLst>
+            <pc:docMk/>
+            <pc:sldMk cId="4288803398" sldId="261"/>
+            <ac:grpSpMk id="26" creationId="{2388A6FD-AD0D-4350-A86E-0B374796F9CF}"/>
+          </ac:grpSpMkLst>
+        </pc:grpChg>
+        <pc:grpChg chg="add del mod">
+          <ac:chgData name="Boon Jun" userId="b9b2384c46af58b4" providerId="LiveId" clId="{07FA4B2E-902A-4B46-B455-FA227D8539BA}" dt="2020-02-13T14:51:31.465" v="3659" actId="478"/>
+          <ac:grpSpMkLst>
+            <pc:docMk/>
+            <pc:sldMk cId="4288803398" sldId="261"/>
+            <ac:grpSpMk id="27" creationId="{924D0E9C-FEFE-4A42-A2EB-68A69CFE5992}"/>
+          </ac:grpSpMkLst>
+        </pc:grpChg>
+        <pc:grpChg chg="add mod">
+          <ac:chgData name="Boon Jun" userId="b9b2384c46af58b4" providerId="LiveId" clId="{07FA4B2E-902A-4B46-B455-FA227D8539BA}" dt="2020-02-13T14:51:57.166" v="3770" actId="1037"/>
+          <ac:grpSpMkLst>
+            <pc:docMk/>
+            <pc:sldMk cId="4288803398" sldId="261"/>
+            <ac:grpSpMk id="28" creationId="{A677EB62-42CC-4A72-8EA8-702339D0E93B}"/>
+          </ac:grpSpMkLst>
+        </pc:grpChg>
+        <pc:grpChg chg="add mod">
+          <ac:chgData name="Boon Jun" userId="b9b2384c46af58b4" providerId="LiveId" clId="{07FA4B2E-902A-4B46-B455-FA227D8539BA}" dt="2020-02-13T14:51:57.166" v="3770" actId="1037"/>
+          <ac:grpSpMkLst>
+            <pc:docMk/>
+            <pc:sldMk cId="4288803398" sldId="261"/>
+            <ac:grpSpMk id="29" creationId="{9DE674D4-9C8D-4555-9806-A27508F856AF}"/>
+          </ac:grpSpMkLst>
+        </pc:grpChg>
+        <pc:picChg chg="add mod">
+          <ac:chgData name="Boon Jun" userId="b9b2384c46af58b4" providerId="LiveId" clId="{07FA4B2E-902A-4B46-B455-FA227D8539BA}" dt="2020-02-12T06:13:21.329" v="145" actId="164"/>
+          <ac:picMkLst>
+            <pc:docMk/>
+            <pc:sldMk cId="4288803398" sldId="261"/>
+            <ac:picMk id="7" creationId="{0F454814-B50C-4698-B6C0-6DE90A930257}"/>
+          </ac:picMkLst>
+        </pc:picChg>
+        <pc:picChg chg="add mod">
+          <ac:chgData name="Boon Jun" userId="b9b2384c46af58b4" providerId="LiveId" clId="{07FA4B2E-902A-4B46-B455-FA227D8539BA}" dt="2020-02-12T06:13:56.517" v="157" actId="164"/>
+          <ac:picMkLst>
+            <pc:docMk/>
+            <pc:sldMk cId="4288803398" sldId="261"/>
+            <ac:picMk id="9" creationId="{4484A587-4DE2-4E0E-BD31-1E5371FF1617}"/>
+          </ac:picMkLst>
+        </pc:picChg>
+        <pc:picChg chg="add mod">
+          <ac:chgData name="Boon Jun" userId="b9b2384c46af58b4" providerId="LiveId" clId="{07FA4B2E-902A-4B46-B455-FA227D8539BA}" dt="2020-02-12T06:14:24.674" v="175" actId="164"/>
+          <ac:picMkLst>
+            <pc:docMk/>
+            <pc:sldMk cId="4288803398" sldId="261"/>
+            <ac:picMk id="11" creationId="{787A3D66-E702-4786-9334-AA8574247486}"/>
+          </ac:picMkLst>
+        </pc:picChg>
+        <pc:picChg chg="add mod">
+          <ac:chgData name="Boon Jun" userId="b9b2384c46af58b4" providerId="LiveId" clId="{07FA4B2E-902A-4B46-B455-FA227D8539BA}" dt="2020-02-12T06:15:51.316" v="274" actId="164"/>
+          <ac:picMkLst>
+            <pc:docMk/>
+            <pc:sldMk cId="4288803398" sldId="261"/>
+            <ac:picMk id="13" creationId="{10818EE9-430A-4CC4-BD02-5BDDEF750326}"/>
+          </ac:picMkLst>
+        </pc:picChg>
+        <pc:picChg chg="add mod">
+          <ac:chgData name="Boon Jun" userId="b9b2384c46af58b4" providerId="LiveId" clId="{07FA4B2E-902A-4B46-B455-FA227D8539BA}" dt="2020-02-12T06:15:49.108" v="273" actId="164"/>
+          <ac:picMkLst>
+            <pc:docMk/>
+            <pc:sldMk cId="4288803398" sldId="261"/>
+            <ac:picMk id="17" creationId="{2AB76BBD-A7C0-47CD-8857-DAAB96FDAC61}"/>
+          </ac:picMkLst>
+        </pc:picChg>
+        <pc:picChg chg="add mod">
+          <ac:chgData name="Boon Jun" userId="b9b2384c46af58b4" providerId="LiveId" clId="{07FA4B2E-902A-4B46-B455-FA227D8539BA}" dt="2020-02-12T06:15:47.262" v="272" actId="164"/>
+          <ac:picMkLst>
+            <pc:docMk/>
+            <pc:sldMk cId="4288803398" sldId="261"/>
+            <ac:picMk id="19" creationId="{2C9D18F4-DF60-4C50-9850-912CD1CB918E}"/>
+          </ac:picMkLst>
+        </pc:picChg>
+        <pc:picChg chg="add mod">
+          <ac:chgData name="Boon Jun" userId="b9b2384c46af58b4" providerId="LiveId" clId="{07FA4B2E-902A-4B46-B455-FA227D8539BA}" dt="2020-02-12T06:15:44.581" v="269" actId="164"/>
+          <ac:picMkLst>
+            <pc:docMk/>
+            <pc:sldMk cId="4288803398" sldId="261"/>
+            <ac:picMk id="21" creationId="{1EAAFDD7-270D-40BB-B235-F2B7DF98EC72}"/>
+          </ac:picMkLst>
+        </pc:picChg>
+        <pc:cxnChg chg="add del mod">
+          <ac:chgData name="Boon Jun" userId="b9b2384c46af58b4" providerId="LiveId" clId="{07FA4B2E-902A-4B46-B455-FA227D8539BA}" dt="2020-02-12T06:18:14.303" v="293" actId="478"/>
+          <ac:cxnSpMkLst>
+            <pc:docMk/>
+            <pc:sldMk cId="4288803398" sldId="261"/>
+            <ac:cxnSpMk id="43" creationId="{690199DA-1E25-4F10-9C03-ED87BDDA08C5}"/>
+          </ac:cxnSpMkLst>
+        </pc:cxnChg>
+        <pc:cxnChg chg="add mod">
+          <ac:chgData name="Boon Jun" userId="b9b2384c46af58b4" providerId="LiveId" clId="{07FA4B2E-902A-4B46-B455-FA227D8539BA}" dt="2020-02-12T06:20:36.923" v="369" actId="1038"/>
+          <ac:cxnSpMkLst>
+            <pc:docMk/>
+            <pc:sldMk cId="4288803398" sldId="261"/>
+            <ac:cxnSpMk id="45" creationId="{DEB82724-4F13-4B3E-A5D9-2549C676F822}"/>
+          </ac:cxnSpMkLst>
+        </pc:cxnChg>
+      </pc:sldChg>
+      <pc:sldChg chg="addSp delSp modSp add">
+        <pc:chgData name="Boon Jun" userId="b9b2384c46af58b4" providerId="LiveId" clId="{07FA4B2E-902A-4B46-B455-FA227D8539BA}" dt="2020-02-13T05:45:45.104" v="1464" actId="20577"/>
+        <pc:sldMkLst>
+          <pc:docMk/>
+          <pc:sldMk cId="2128570129" sldId="262"/>
+        </pc:sldMkLst>
+        <pc:spChg chg="mod">
+          <ac:chgData name="Boon Jun" userId="b9b2384c46af58b4" providerId="LiveId" clId="{07FA4B2E-902A-4B46-B455-FA227D8539BA}" dt="2020-02-12T08:05:59.524" v="680" actId="403"/>
+          <ac:spMkLst>
+            <pc:docMk/>
+            <pc:sldMk cId="2128570129" sldId="262"/>
+            <ac:spMk id="3" creationId="{E90E465A-3033-4159-ACA1-F19A702DF04B}"/>
+          </ac:spMkLst>
+        </pc:spChg>
+        <pc:spChg chg="add del">
+          <ac:chgData name="Boon Jun" userId="b9b2384c46af58b4" providerId="LiveId" clId="{07FA4B2E-902A-4B46-B455-FA227D8539BA}" dt="2020-02-13T05:33:24.991" v="1137" actId="478"/>
+          <ac:spMkLst>
+            <pc:docMk/>
+            <pc:sldMk cId="2128570129" sldId="262"/>
+            <ac:spMk id="5" creationId="{B72158A1-904F-4FBF-A96E-34E53E10A6A5}"/>
+          </ac:spMkLst>
+        </pc:spChg>
+        <pc:spChg chg="add del mod">
+          <ac:chgData name="Boon Jun" userId="b9b2384c46af58b4" providerId="LiveId" clId="{07FA4B2E-902A-4B46-B455-FA227D8539BA}" dt="2020-02-13T05:44:01.869" v="1367" actId="478"/>
+          <ac:spMkLst>
+            <pc:docMk/>
+            <pc:sldMk cId="2128570129" sldId="262"/>
+            <ac:spMk id="6" creationId="{F07558B1-1566-4FDC-B460-49621019A0D6}"/>
+          </ac:spMkLst>
+        </pc:spChg>
+        <pc:spChg chg="add mod">
+          <ac:chgData name="Boon Jun" userId="b9b2384c46af58b4" providerId="LiveId" clId="{07FA4B2E-902A-4B46-B455-FA227D8539BA}" dt="2020-02-13T05:45:45.104" v="1464" actId="20577"/>
+          <ac:spMkLst>
+            <pc:docMk/>
+            <pc:sldMk cId="2128570129" sldId="262"/>
+            <ac:spMk id="8" creationId="{EF2B4361-1A2B-4948-B18E-4124A2399EAD}"/>
+          </ac:spMkLst>
+        </pc:spChg>
+        <pc:spChg chg="add mod">
+          <ac:chgData name="Boon Jun" userId="b9b2384c46af58b4" providerId="LiveId" clId="{07FA4B2E-902A-4B46-B455-FA227D8539BA}" dt="2020-02-13T05:45:25.711" v="1450" actId="14100"/>
+          <ac:spMkLst>
+            <pc:docMk/>
+            <pc:sldMk cId="2128570129" sldId="262"/>
+            <ac:spMk id="9" creationId="{44FABC0D-EF10-42E9-9533-E86364055205}"/>
+          </ac:spMkLst>
+        </pc:spChg>
+        <pc:grpChg chg="del">
+          <ac:chgData name="Boon Jun" userId="b9b2384c46af58b4" providerId="LiveId" clId="{07FA4B2E-902A-4B46-B455-FA227D8539BA}" dt="2020-02-12T06:26:52.163" v="397" actId="478"/>
+          <ac:grpSpMkLst>
+            <pc:docMk/>
+            <pc:sldMk cId="2128570129" sldId="262"/>
+            <ac:grpSpMk id="27" creationId="{457893AD-8B81-4217-9338-5939A5D67230}"/>
+          </ac:grpSpMkLst>
+        </pc:grpChg>
+        <pc:grpChg chg="del">
+          <ac:chgData name="Boon Jun" userId="b9b2384c46af58b4" providerId="LiveId" clId="{07FA4B2E-902A-4B46-B455-FA227D8539BA}" dt="2020-02-12T06:26:52.163" v="397" actId="478"/>
+          <ac:grpSpMkLst>
+            <pc:docMk/>
+            <pc:sldMk cId="2128570129" sldId="262"/>
+            <ac:grpSpMk id="28" creationId="{7CF7D480-5642-4427-A6B5-BECE88DE9CEA}"/>
+          </ac:grpSpMkLst>
+        </pc:grpChg>
+        <pc:grpChg chg="del">
+          <ac:chgData name="Boon Jun" userId="b9b2384c46af58b4" providerId="LiveId" clId="{07FA4B2E-902A-4B46-B455-FA227D8539BA}" dt="2020-02-12T06:26:52.163" v="397" actId="478"/>
+          <ac:grpSpMkLst>
+            <pc:docMk/>
+            <pc:sldMk cId="2128570129" sldId="262"/>
+            <ac:grpSpMk id="29" creationId="{167F73E9-DFBF-4E4D-8344-FFB57FCBBA3B}"/>
+          </ac:grpSpMkLst>
+        </pc:grpChg>
+        <pc:grpChg chg="del">
+          <ac:chgData name="Boon Jun" userId="b9b2384c46af58b4" providerId="LiveId" clId="{07FA4B2E-902A-4B46-B455-FA227D8539BA}" dt="2020-02-12T06:26:54.261" v="398" actId="478"/>
+          <ac:grpSpMkLst>
+            <pc:docMk/>
+            <pc:sldMk cId="2128570129" sldId="262"/>
+            <ac:grpSpMk id="30" creationId="{01DD4AC3-75ED-47FC-8637-8FAAEFD10B6A}"/>
+          </ac:grpSpMkLst>
+        </pc:grpChg>
+        <pc:picChg chg="add mod modCrop">
+          <ac:chgData name="Boon Jun" userId="b9b2384c46af58b4" providerId="LiveId" clId="{07FA4B2E-902A-4B46-B455-FA227D8539BA}" dt="2020-02-13T05:44:33.692" v="1380" actId="1076"/>
+          <ac:picMkLst>
+            <pc:docMk/>
+            <pc:sldMk cId="2128570129" sldId="262"/>
+            <ac:picMk id="4" creationId="{E1D0E9EB-BDF4-4725-A965-DC1F5A2F8039}"/>
+          </ac:picMkLst>
+        </pc:picChg>
+        <pc:picChg chg="add del mod">
+          <ac:chgData name="Boon Jun" userId="b9b2384c46af58b4" providerId="LiveId" clId="{07FA4B2E-902A-4B46-B455-FA227D8539BA}" dt="2020-02-12T06:27:28.912" v="407" actId="478"/>
+          <ac:picMkLst>
+            <pc:docMk/>
+            <pc:sldMk cId="2128570129" sldId="262"/>
+            <ac:picMk id="1026" creationId="{CED1434D-D05D-48B1-B9BF-6DD3CD76E5A2}"/>
+          </ac:picMkLst>
+        </pc:picChg>
+        <pc:picChg chg="add del mod">
+          <ac:chgData name="Boon Jun" userId="b9b2384c46af58b4" providerId="LiveId" clId="{07FA4B2E-902A-4B46-B455-FA227D8539BA}" dt="2020-02-12T07:58:41.338" v="658" actId="478"/>
+          <ac:picMkLst>
+            <pc:docMk/>
+            <pc:sldMk cId="2128570129" sldId="262"/>
+            <ac:picMk id="1028" creationId="{25309B78-8891-4B03-98BF-44D19E733085}"/>
+          </ac:picMkLst>
+        </pc:picChg>
+        <pc:picChg chg="add mod">
+          <ac:chgData name="Boon Jun" userId="b9b2384c46af58b4" providerId="LiveId" clId="{07FA4B2E-902A-4B46-B455-FA227D8539BA}" dt="2020-02-13T05:44:24.114" v="1378" actId="14100"/>
+          <ac:picMkLst>
+            <pc:docMk/>
+            <pc:sldMk cId="2128570129" sldId="262"/>
+            <ac:picMk id="1030" creationId="{ECAEA6A6-62F0-47FB-8ECD-C3E93CF9A59A}"/>
+          </ac:picMkLst>
+        </pc:picChg>
+        <pc:cxnChg chg="mod">
+          <ac:chgData name="Boon Jun" userId="b9b2384c46af58b4" providerId="LiveId" clId="{07FA4B2E-902A-4B46-B455-FA227D8539BA}" dt="2020-02-12T06:26:52.163" v="397" actId="478"/>
+          <ac:cxnSpMkLst>
+            <pc:docMk/>
+            <pc:sldMk cId="2128570129" sldId="262"/>
+            <ac:cxnSpMk id="21" creationId="{0C91DD63-C43A-477F-9581-8F5BAFED1FDC}"/>
+          </ac:cxnSpMkLst>
+        </pc:cxnChg>
+      </pc:sldChg>
+      <pc:sldChg chg="addSp delSp modSp add">
+        <pc:chgData name="Boon Jun" userId="b9b2384c46af58b4" providerId="LiveId" clId="{07FA4B2E-902A-4B46-B455-FA227D8539BA}" dt="2020-02-13T14:52:14.529" v="3775" actId="478"/>
+        <pc:sldMkLst>
+          <pc:docMk/>
+          <pc:sldMk cId="2579216300" sldId="263"/>
+        </pc:sldMkLst>
+        <pc:spChg chg="mod">
+          <ac:chgData name="Boon Jun" userId="b9b2384c46af58b4" providerId="LiveId" clId="{07FA4B2E-902A-4B46-B455-FA227D8539BA}" dt="2020-02-12T06:35:49.699" v="523" actId="20577"/>
+          <ac:spMkLst>
+            <pc:docMk/>
+            <pc:sldMk cId="2579216300" sldId="263"/>
+            <ac:spMk id="2" creationId="{FF21E304-E4E0-438B-AB07-1B8DC03AFC6F}"/>
+          </ac:spMkLst>
+        </pc:spChg>
+        <pc:spChg chg="add del mod">
+          <ac:chgData name="Boon Jun" userId="b9b2384c46af58b4" providerId="LiveId" clId="{07FA4B2E-902A-4B46-B455-FA227D8539BA}" dt="2020-02-13T05:28:58.026" v="1111"/>
+          <ac:spMkLst>
+            <pc:docMk/>
+            <pc:sldMk cId="2579216300" sldId="263"/>
+            <ac:spMk id="3" creationId="{DB71C95F-7E6E-4D79-87CA-C2CAF7E1B564}"/>
+          </ac:spMkLst>
+        </pc:spChg>
+        <pc:spChg chg="add mod">
+          <ac:chgData name="Boon Jun" userId="b9b2384c46af58b4" providerId="LiveId" clId="{07FA4B2E-902A-4B46-B455-FA227D8539BA}" dt="2020-02-13T05:27:07.545" v="1100" actId="14100"/>
+          <ac:spMkLst>
+            <pc:docMk/>
+            <pc:sldMk cId="2579216300" sldId="263"/>
+            <ac:spMk id="12" creationId="{D0B332FF-9A78-4C1A-AB67-E35BC11E424D}"/>
+          </ac:spMkLst>
+        </pc:spChg>
+        <pc:spChg chg="add mod">
+          <ac:chgData name="Boon Jun" userId="b9b2384c46af58b4" providerId="LiveId" clId="{07FA4B2E-902A-4B46-B455-FA227D8539BA}" dt="2020-02-13T05:29:39.041" v="1132" actId="1076"/>
+          <ac:spMkLst>
+            <pc:docMk/>
+            <pc:sldMk cId="2579216300" sldId="263"/>
+            <ac:spMk id="14" creationId="{B42E03FB-F1C0-4CD9-B0FE-7FB925CA63FC}"/>
+          </ac:spMkLst>
+        </pc:spChg>
+        <pc:spChg chg="add mod">
+          <ac:chgData name="Boon Jun" userId="b9b2384c46af58b4" providerId="LiveId" clId="{07FA4B2E-902A-4B46-B455-FA227D8539BA}" dt="2020-02-13T05:29:45.916" v="1134" actId="1076"/>
+          <ac:spMkLst>
+            <pc:docMk/>
+            <pc:sldMk cId="2579216300" sldId="263"/>
+            <ac:spMk id="15" creationId="{85B03428-9776-4D6C-844D-6B04F4409D03}"/>
+          </ac:spMkLst>
+        </pc:spChg>
+        <pc:spChg chg="add mod">
+          <ac:chgData name="Boon Jun" userId="b9b2384c46af58b4" providerId="LiveId" clId="{07FA4B2E-902A-4B46-B455-FA227D8539BA}" dt="2020-02-13T05:24:12.941" v="914" actId="20577"/>
+          <ac:spMkLst>
+            <pc:docMk/>
+            <pc:sldMk cId="2579216300" sldId="263"/>
+            <ac:spMk id="25" creationId="{21869157-FE50-4022-82C7-B39E21A31C8B}"/>
+          </ac:spMkLst>
+        </pc:spChg>
+        <pc:spChg chg="del mod topLvl">
+          <ac:chgData name="Boon Jun" userId="b9b2384c46af58b4" providerId="LiveId" clId="{07FA4B2E-902A-4B46-B455-FA227D8539BA}" dt="2020-02-12T06:34:40.189" v="496" actId="478"/>
+          <ac:spMkLst>
+            <pc:docMk/>
+            <pc:sldMk cId="2579216300" sldId="263"/>
+            <ac:spMk id="30" creationId="{43C0468B-C6F0-42E0-946C-402FBA46DBA0}"/>
+          </ac:spMkLst>
+        </pc:spChg>
+        <pc:spChg chg="add del mod">
+          <ac:chgData name="Boon Jun" userId="b9b2384c46af58b4" providerId="LiveId" clId="{07FA4B2E-902A-4B46-B455-FA227D8539BA}" dt="2020-02-12T08:07:09.631" v="683" actId="478"/>
+          <ac:spMkLst>
+            <pc:docMk/>
+            <pc:sldMk cId="2579216300" sldId="263"/>
+            <ac:spMk id="31" creationId="{C1A6DCEB-8F1D-4385-8A4B-57B772E72C42}"/>
+          </ac:spMkLst>
+        </pc:spChg>
+        <pc:spChg chg="del mod topLvl">
+          <ac:chgData name="Boon Jun" userId="b9b2384c46af58b4" providerId="LiveId" clId="{07FA4B2E-902A-4B46-B455-FA227D8539BA}" dt="2020-02-12T06:34:40.189" v="496" actId="478"/>
+          <ac:spMkLst>
+            <pc:docMk/>
+            <pc:sldMk cId="2579216300" sldId="263"/>
+            <ac:spMk id="34" creationId="{ADA85AC4-4E67-4EC9-8959-12B9FA7B0155}"/>
+          </ac:spMkLst>
+        </pc:spChg>
+        <pc:spChg chg="del mod topLvl">
+          <ac:chgData name="Boon Jun" userId="b9b2384c46af58b4" providerId="LiveId" clId="{07FA4B2E-902A-4B46-B455-FA227D8539BA}" dt="2020-02-12T06:34:40.189" v="496" actId="478"/>
+          <ac:spMkLst>
+            <pc:docMk/>
+            <pc:sldMk cId="2579216300" sldId="263"/>
+            <ac:spMk id="37" creationId="{EECDB084-43ED-4B0B-BAE1-CBD141EECD68}"/>
+          </ac:spMkLst>
+        </pc:spChg>
+        <pc:spChg chg="del mod topLvl">
+          <ac:chgData name="Boon Jun" userId="b9b2384c46af58b4" providerId="LiveId" clId="{07FA4B2E-902A-4B46-B455-FA227D8539BA}" dt="2020-02-12T06:34:40.189" v="496" actId="478"/>
+          <ac:spMkLst>
+            <pc:docMk/>
+            <pc:sldMk cId="2579216300" sldId="263"/>
+            <ac:spMk id="38" creationId="{E7A4873B-A19D-462B-8779-4F149F7C5407}"/>
+          </ac:spMkLst>
+        </pc:spChg>
+        <pc:spChg chg="del mod topLvl">
+          <ac:chgData name="Boon Jun" userId="b9b2384c46af58b4" providerId="LiveId" clId="{07FA4B2E-902A-4B46-B455-FA227D8539BA}" dt="2020-02-12T06:34:40.189" v="496" actId="478"/>
+          <ac:spMkLst>
+            <pc:docMk/>
+            <pc:sldMk cId="2579216300" sldId="263"/>
+            <ac:spMk id="39" creationId="{47238156-9AB9-42CF-9591-65B18505C1EC}"/>
+          </ac:spMkLst>
+        </pc:spChg>
+        <pc:spChg chg="del mod topLvl">
+          <ac:chgData name="Boon Jun" userId="b9b2384c46af58b4" providerId="LiveId" clId="{07FA4B2E-902A-4B46-B455-FA227D8539BA}" dt="2020-02-12T06:34:40.189" v="496" actId="478"/>
+          <ac:spMkLst>
+            <pc:docMk/>
+            <pc:sldMk cId="2579216300" sldId="263"/>
+            <ac:spMk id="40" creationId="{CF4A457C-9958-47F9-8111-D835E1A5D910}"/>
+          </ac:spMkLst>
+        </pc:spChg>
+        <pc:spChg chg="del mod topLvl">
+          <ac:chgData name="Boon Jun" userId="b9b2384c46af58b4" providerId="LiveId" clId="{07FA4B2E-902A-4B46-B455-FA227D8539BA}" dt="2020-02-12T06:34:40.189" v="496" actId="478"/>
+          <ac:spMkLst>
+            <pc:docMk/>
+            <pc:sldMk cId="2579216300" sldId="263"/>
+            <ac:spMk id="41" creationId="{1CC5D3A0-E26A-408F-A350-73FBA5EDAE35}"/>
+          </ac:spMkLst>
+        </pc:spChg>
+        <pc:grpChg chg="del">
+          <ac:chgData name="Boon Jun" userId="b9b2384c46af58b4" providerId="LiveId" clId="{07FA4B2E-902A-4B46-B455-FA227D8539BA}" dt="2020-02-12T06:34:35.207" v="495" actId="165"/>
+          <ac:grpSpMkLst>
+            <pc:docMk/>
+            <pc:sldMk cId="2579216300" sldId="263"/>
+            <ac:grpSpMk id="22" creationId="{AFC4920A-713E-45DF-BF7A-92DC0AC7C8C2}"/>
+          </ac:grpSpMkLst>
+        </pc:grpChg>
+        <pc:grpChg chg="del">
+          <ac:chgData name="Boon Jun" userId="b9b2384c46af58b4" providerId="LiveId" clId="{07FA4B2E-902A-4B46-B455-FA227D8539BA}" dt="2020-02-12T06:34:32.302" v="494" actId="165"/>
+          <ac:grpSpMkLst>
+            <pc:docMk/>
+            <pc:sldMk cId="2579216300" sldId="263"/>
+            <ac:grpSpMk id="23" creationId="{2E532B55-37E7-4263-8AB0-FFF5EF10D2A7}"/>
+          </ac:grpSpMkLst>
+        </pc:grpChg>
+        <pc:grpChg chg="del">
+          <ac:chgData name="Boon Jun" userId="b9b2384c46af58b4" providerId="LiveId" clId="{07FA4B2E-902A-4B46-B455-FA227D8539BA}" dt="2020-02-12T06:34:27.785" v="493" actId="165"/>
+          <ac:grpSpMkLst>
+            <pc:docMk/>
+            <pc:sldMk cId="2579216300" sldId="263"/>
+            <ac:grpSpMk id="24" creationId="{0C8365A5-56A5-444A-8595-FABEE68A9C3A}"/>
+          </ac:grpSpMkLst>
+        </pc:grpChg>
+        <pc:grpChg chg="del">
+          <ac:chgData name="Boon Jun" userId="b9b2384c46af58b4" providerId="LiveId" clId="{07FA4B2E-902A-4B46-B455-FA227D8539BA}" dt="2020-02-12T06:34:07.678" v="489" actId="165"/>
+          <ac:grpSpMkLst>
+            <pc:docMk/>
+            <pc:sldMk cId="2579216300" sldId="263"/>
+            <ac:grpSpMk id="26" creationId="{2388A6FD-AD0D-4350-A86E-0B374796F9CF}"/>
+          </ac:grpSpMkLst>
+        </pc:grpChg>
+        <pc:grpChg chg="del">
+          <ac:chgData name="Boon Jun" userId="b9b2384c46af58b4" providerId="LiveId" clId="{07FA4B2E-902A-4B46-B455-FA227D8539BA}" dt="2020-02-12T06:34:12.878" v="490" actId="165"/>
+          <ac:grpSpMkLst>
+            <pc:docMk/>
+            <pc:sldMk cId="2579216300" sldId="263"/>
+            <ac:grpSpMk id="27" creationId="{924D0E9C-FEFE-4A42-A2EB-68A69CFE5992}"/>
+          </ac:grpSpMkLst>
+        </pc:grpChg>
+        <pc:grpChg chg="del">
+          <ac:chgData name="Boon Jun" userId="b9b2384c46af58b4" providerId="LiveId" clId="{07FA4B2E-902A-4B46-B455-FA227D8539BA}" dt="2020-02-12T06:34:16.522" v="491" actId="165"/>
+          <ac:grpSpMkLst>
+            <pc:docMk/>
+            <pc:sldMk cId="2579216300" sldId="263"/>
+            <ac:grpSpMk id="28" creationId="{A677EB62-42CC-4A72-8EA8-702339D0E93B}"/>
+          </ac:grpSpMkLst>
+        </pc:grpChg>
+        <pc:grpChg chg="del">
+          <ac:chgData name="Boon Jun" userId="b9b2384c46af58b4" providerId="LiveId" clId="{07FA4B2E-902A-4B46-B455-FA227D8539BA}" dt="2020-02-12T06:34:22.284" v="492" actId="165"/>
+          <ac:grpSpMkLst>
+            <pc:docMk/>
+            <pc:sldMk cId="2579216300" sldId="263"/>
+            <ac:grpSpMk id="29" creationId="{9DE674D4-9C8D-4555-9806-A27508F856AF}"/>
+          </ac:grpSpMkLst>
+        </pc:grpChg>
+        <pc:picChg chg="mod topLvl">
+          <ac:chgData name="Boon Jun" userId="b9b2384c46af58b4" providerId="LiveId" clId="{07FA4B2E-902A-4B46-B455-FA227D8539BA}" dt="2020-02-12T06:36:03.575" v="524" actId="207"/>
+          <ac:picMkLst>
+            <pc:docMk/>
+            <pc:sldMk cId="2579216300" sldId="263"/>
+            <ac:picMk id="7" creationId="{0F454814-B50C-4698-B6C0-6DE90A930257}"/>
+          </ac:picMkLst>
+        </pc:picChg>
+        <pc:picChg chg="mod topLvl">
+          <ac:chgData name="Boon Jun" userId="b9b2384c46af58b4" providerId="LiveId" clId="{07FA4B2E-902A-4B46-B455-FA227D8539BA}" dt="2020-02-12T06:35:39.122" v="515" actId="1076"/>
+          <ac:picMkLst>
+            <pc:docMk/>
+            <pc:sldMk cId="2579216300" sldId="263"/>
+            <ac:picMk id="9" creationId="{4484A587-4DE2-4E0E-BD31-1E5371FF1617}"/>
+          </ac:picMkLst>
+        </pc:picChg>
+        <pc:picChg chg="mod topLvl">
+          <ac:chgData name="Boon Jun" userId="b9b2384c46af58b4" providerId="LiveId" clId="{07FA4B2E-902A-4B46-B455-FA227D8539BA}" dt="2020-02-12T06:35:39.122" v="515" actId="1076"/>
+          <ac:picMkLst>
+            <pc:docMk/>
+            <pc:sldMk cId="2579216300" sldId="263"/>
+            <ac:picMk id="11" creationId="{787A3D66-E702-4786-9334-AA8574247486}"/>
+          </ac:picMkLst>
+        </pc:picChg>
+        <pc:picChg chg="mod topLvl">
+          <ac:chgData name="Boon Jun" userId="b9b2384c46af58b4" providerId="LiveId" clId="{07FA4B2E-902A-4B46-B455-FA227D8539BA}" dt="2020-02-12T06:35:39.122" v="515" actId="1076"/>
+          <ac:picMkLst>
+            <pc:docMk/>
+            <pc:sldMk cId="2579216300" sldId="263"/>
+            <ac:picMk id="13" creationId="{10818EE9-430A-4CC4-BD02-5BDDEF750326}"/>
+          </ac:picMkLst>
+        </pc:picChg>
+        <pc:picChg chg="mod topLvl">
+          <ac:chgData name="Boon Jun" userId="b9b2384c46af58b4" providerId="LiveId" clId="{07FA4B2E-902A-4B46-B455-FA227D8539BA}" dt="2020-02-12T06:35:39.122" v="515" actId="1076"/>
+          <ac:picMkLst>
+            <pc:docMk/>
+            <pc:sldMk cId="2579216300" sldId="263"/>
+            <ac:picMk id="17" creationId="{2AB76BBD-A7C0-47CD-8857-DAAB96FDAC61}"/>
+          </ac:picMkLst>
+        </pc:picChg>
+        <pc:picChg chg="add del mod topLvl">
+          <ac:chgData name="Boon Jun" userId="b9b2384c46af58b4" providerId="LiveId" clId="{07FA4B2E-902A-4B46-B455-FA227D8539BA}" dt="2020-02-13T14:52:14.529" v="3775" actId="478"/>
+          <ac:picMkLst>
+            <pc:docMk/>
+            <pc:sldMk cId="2579216300" sldId="263"/>
+            <ac:picMk id="19" creationId="{2C9D18F4-DF60-4C50-9850-912CD1CB918E}"/>
+          </ac:picMkLst>
+        </pc:picChg>
+        <pc:picChg chg="mod ord topLvl">
+          <ac:chgData name="Boon Jun" userId="b9b2384c46af58b4" providerId="LiveId" clId="{07FA4B2E-902A-4B46-B455-FA227D8539BA}" dt="2020-02-13T14:52:12.552" v="3774" actId="167"/>
+          <ac:picMkLst>
+            <pc:docMk/>
+            <pc:sldMk cId="2579216300" sldId="263"/>
+            <ac:picMk id="21" creationId="{1EAAFDD7-270D-40BB-B235-F2B7DF98EC72}"/>
+          </ac:picMkLst>
+        </pc:picChg>
+        <pc:picChg chg="add mod">
+          <ac:chgData name="Boon Jun" userId="b9b2384c46af58b4" providerId="LiveId" clId="{07FA4B2E-902A-4B46-B455-FA227D8539BA}" dt="2020-02-13T05:29:34.630" v="1131" actId="1076"/>
+          <ac:picMkLst>
+            <pc:docMk/>
+            <pc:sldMk cId="2579216300" sldId="263"/>
+            <ac:picMk id="1026" creationId="{8A40623D-8A86-47D6-A2CA-25B87D24B4B6}"/>
+          </ac:picMkLst>
+        </pc:picChg>
+        <pc:cxnChg chg="del">
+          <ac:chgData name="Boon Jun" userId="b9b2384c46af58b4" providerId="LiveId" clId="{07FA4B2E-902A-4B46-B455-FA227D8539BA}" dt="2020-02-12T06:33:50.396" v="488" actId="478"/>
+          <ac:cxnSpMkLst>
+            <pc:docMk/>
+            <pc:sldMk cId="2579216300" sldId="263"/>
+            <ac:cxnSpMk id="45" creationId="{DEB82724-4F13-4B3E-A5D9-2549C676F822}"/>
+          </ac:cxnSpMkLst>
+        </pc:cxnChg>
+      </pc:sldChg>
+      <pc:sldChg chg="addSp delSp modSp add">
+        <pc:chgData name="Boon Jun" userId="b9b2384c46af58b4" providerId="LiveId" clId="{07FA4B2E-902A-4B46-B455-FA227D8539BA}" dt="2020-02-13T15:25:07" v="4257" actId="1076"/>
+        <pc:sldMkLst>
+          <pc:docMk/>
+          <pc:sldMk cId="1800494445" sldId="264"/>
+        </pc:sldMkLst>
+        <pc:spChg chg="add mod">
+          <ac:chgData name="Boon Jun" userId="b9b2384c46af58b4" providerId="LiveId" clId="{07FA4B2E-902A-4B46-B455-FA227D8539BA}" dt="2020-02-13T15:23:21.348" v="4241" actId="1076"/>
+          <ac:spMkLst>
+            <pc:docMk/>
+            <pc:sldMk cId="1800494445" sldId="264"/>
+            <ac:spMk id="3" creationId="{FCE36C3C-2EA0-4990-8385-BB6D2D2AAF11}"/>
+          </ac:spMkLst>
+        </pc:spChg>
+        <pc:spChg chg="add mod">
+          <ac:chgData name="Boon Jun" userId="b9b2384c46af58b4" providerId="LiveId" clId="{07FA4B2E-902A-4B46-B455-FA227D8539BA}" dt="2020-02-12T08:09:27.327" v="707" actId="20577"/>
+          <ac:spMkLst>
+            <pc:docMk/>
+            <pc:sldMk cId="1800494445" sldId="264"/>
+            <ac:spMk id="10" creationId="{E9D6B482-8581-4E1F-80EB-BAF2C7C046BF}"/>
+          </ac:spMkLst>
+        </pc:spChg>
+        <pc:grpChg chg="add mod">
+          <ac:chgData name="Boon Jun" userId="b9b2384c46af58b4" providerId="LiveId" clId="{07FA4B2E-902A-4B46-B455-FA227D8539BA}" dt="2020-02-13T15:25:07" v="4257" actId="1076"/>
+          <ac:grpSpMkLst>
+            <pc:docMk/>
+            <pc:sldMk cId="1800494445" sldId="264"/>
+            <ac:grpSpMk id="20" creationId="{0CF539E5-BEDD-45BE-AF48-F0146077DB89}"/>
+          </ac:grpSpMkLst>
+        </pc:grpChg>
+        <pc:picChg chg="add mod">
+          <ac:chgData name="Boon Jun" userId="b9b2384c46af58b4" providerId="LiveId" clId="{07FA4B2E-902A-4B46-B455-FA227D8539BA}" dt="2020-02-13T15:25:03.841" v="4256" actId="164"/>
+          <ac:picMkLst>
+            <pc:docMk/>
+            <pc:sldMk cId="1800494445" sldId="264"/>
+            <ac:picMk id="5" creationId="{546D015E-9D7E-43E1-B0E9-EE2921CF5E2F}"/>
+          </ac:picMkLst>
+        </pc:picChg>
+        <pc:picChg chg="add mod">
+          <ac:chgData name="Boon Jun" userId="b9b2384c46af58b4" providerId="LiveId" clId="{07FA4B2E-902A-4B46-B455-FA227D8539BA}" dt="2020-02-13T15:25:03.841" v="4256" actId="164"/>
+          <ac:picMkLst>
+            <pc:docMk/>
+            <pc:sldMk cId="1800494445" sldId="264"/>
+            <ac:picMk id="8" creationId="{0C24B065-DF02-4100-BD40-D5D36AAD2485}"/>
+          </ac:picMkLst>
+        </pc:picChg>
+        <pc:picChg chg="add del mod">
+          <ac:chgData name="Boon Jun" userId="b9b2384c46af58b4" providerId="LiveId" clId="{07FA4B2E-902A-4B46-B455-FA227D8539BA}" dt="2020-02-13T15:23:32.528" v="4244" actId="478"/>
+          <ac:picMkLst>
+            <pc:docMk/>
+            <pc:sldMk cId="1800494445" sldId="264"/>
+            <ac:picMk id="12" creationId="{4DA53387-9075-44E3-8F7B-16CDA253E0EE}"/>
+          </ac:picMkLst>
+        </pc:picChg>
+        <pc:picChg chg="add mod">
+          <ac:chgData name="Boon Jun" userId="b9b2384c46af58b4" providerId="LiveId" clId="{07FA4B2E-902A-4B46-B455-FA227D8539BA}" dt="2020-02-13T15:25:03.841" v="4256" actId="164"/>
+          <ac:picMkLst>
+            <pc:docMk/>
+            <pc:sldMk cId="1800494445" sldId="264"/>
+            <ac:picMk id="15" creationId="{73FF9329-86D2-46E7-BEA4-E6458B109780}"/>
+          </ac:picMkLst>
+        </pc:picChg>
+        <pc:picChg chg="add mod">
+          <ac:chgData name="Boon Jun" userId="b9b2384c46af58b4" providerId="LiveId" clId="{07FA4B2E-902A-4B46-B455-FA227D8539BA}" dt="2020-02-13T15:25:03.841" v="4256" actId="164"/>
+          <ac:picMkLst>
+            <pc:docMk/>
+            <pc:sldMk cId="1800494445" sldId="264"/>
+            <ac:picMk id="18" creationId="{928798E6-A5A8-416B-85DB-83C6C9102B70}"/>
+          </ac:picMkLst>
+        </pc:picChg>
+      </pc:sldChg>
+      <pc:sldChg chg="addSp delSp modSp add">
+        <pc:chgData name="Boon Jun" userId="b9b2384c46af58b4" providerId="LiveId" clId="{07FA4B2E-902A-4B46-B455-FA227D8539BA}" dt="2020-02-13T14:52:28.431" v="3778" actId="478"/>
+        <pc:sldMkLst>
+          <pc:docMk/>
+          <pc:sldMk cId="3686962177" sldId="265"/>
+        </pc:sldMkLst>
+        <pc:spChg chg="mod">
+          <ac:chgData name="Boon Jun" userId="b9b2384c46af58b4" providerId="LiveId" clId="{07FA4B2E-902A-4B46-B455-FA227D8539BA}" dt="2020-02-12T06:36:57.104" v="529" actId="20577"/>
+          <ac:spMkLst>
+            <pc:docMk/>
+            <pc:sldMk cId="3686962177" sldId="265"/>
+            <ac:spMk id="2" creationId="{FF21E304-E4E0-438B-AB07-1B8DC03AFC6F}"/>
+          </ac:spMkLst>
+        </pc:spChg>
+        <pc:spChg chg="add mod">
+          <ac:chgData name="Boon Jun" userId="b9b2384c46af58b4" providerId="LiveId" clId="{07FA4B2E-902A-4B46-B455-FA227D8539BA}" dt="2020-02-13T06:03:24.437" v="1660" actId="1076"/>
+          <ac:spMkLst>
+            <pc:docMk/>
+            <pc:sldMk cId="3686962177" sldId="265"/>
+            <ac:spMk id="10" creationId="{2CA6CB46-CEA3-49AA-8BF8-C9FCB6D65BBD}"/>
+          </ac:spMkLst>
+        </pc:spChg>
+        <pc:spChg chg="add del mod">
+          <ac:chgData name="Boon Jun" userId="b9b2384c46af58b4" providerId="LiveId" clId="{07FA4B2E-902A-4B46-B455-FA227D8539BA}" dt="2020-02-13T05:47:15.329" v="1478" actId="478"/>
+          <ac:spMkLst>
+            <pc:docMk/>
+            <pc:sldMk cId="3686962177" sldId="265"/>
+            <ac:spMk id="14" creationId="{28B1F449-226B-4021-9067-25222FFBA3D5}"/>
+          </ac:spMkLst>
+        </pc:spChg>
+        <pc:spChg chg="add mod">
+          <ac:chgData name="Boon Jun" userId="b9b2384c46af58b4" providerId="LiveId" clId="{07FA4B2E-902A-4B46-B455-FA227D8539BA}" dt="2020-02-13T06:03:28.223" v="1661" actId="164"/>
+          <ac:spMkLst>
+            <pc:docMk/>
+            <pc:sldMk cId="3686962177" sldId="265"/>
+            <ac:spMk id="15" creationId="{E6A440A6-DE38-44AA-855F-2AF2A49B0596}"/>
+          </ac:spMkLst>
+        </pc:spChg>
+        <pc:spChg chg="add mod">
+          <ac:chgData name="Boon Jun" userId="b9b2384c46af58b4" providerId="LiveId" clId="{07FA4B2E-902A-4B46-B455-FA227D8539BA}" dt="2020-02-13T06:03:28.223" v="1661" actId="164"/>
+          <ac:spMkLst>
+            <pc:docMk/>
+            <pc:sldMk cId="3686962177" sldId="265"/>
+            <ac:spMk id="20" creationId="{EB0F48A6-617D-4561-A926-0BA9EF357425}"/>
+          </ac:spMkLst>
+        </pc:spChg>
+        <pc:spChg chg="add mod">
+          <ac:chgData name="Boon Jun" userId="b9b2384c46af58b4" providerId="LiveId" clId="{07FA4B2E-902A-4B46-B455-FA227D8539BA}" dt="2020-02-13T06:04:17.201" v="1667"/>
+          <ac:spMkLst>
+            <pc:docMk/>
+            <pc:sldMk cId="3686962177" sldId="265"/>
+            <ac:spMk id="22" creationId="{DC85B2CB-259A-4F9D-918F-566D650BDC8E}"/>
+          </ac:spMkLst>
+        </pc:spChg>
+        <pc:grpChg chg="add mod">
+          <ac:chgData name="Boon Jun" userId="b9b2384c46af58b4" providerId="LiveId" clId="{07FA4B2E-902A-4B46-B455-FA227D8539BA}" dt="2020-02-13T06:03:33.356" v="1663" actId="1076"/>
+          <ac:grpSpMkLst>
+            <pc:docMk/>
+            <pc:sldMk cId="3686962177" sldId="265"/>
+            <ac:grpSpMk id="16" creationId="{42FCBA91-79B9-432A-AFB5-D14194C68518}"/>
+          </ac:grpSpMkLst>
+        </pc:grpChg>
+        <pc:graphicFrameChg chg="add del mod modGraphic">
+          <ac:chgData name="Boon Jun" userId="b9b2384c46af58b4" providerId="LiveId" clId="{07FA4B2E-902A-4B46-B455-FA227D8539BA}" dt="2020-02-13T05:58:45.219" v="1634" actId="478"/>
+          <ac:graphicFrameMkLst>
+            <pc:docMk/>
+            <pc:sldMk cId="3686962177" sldId="265"/>
+            <ac:graphicFrameMk id="5" creationId="{F76F79BA-3B48-4E4F-AD19-3D130679AA94}"/>
+          </ac:graphicFrameMkLst>
+        </pc:graphicFrameChg>
+        <pc:picChg chg="add del mod">
+          <ac:chgData name="Boon Jun" userId="b9b2384c46af58b4" providerId="LiveId" clId="{07FA4B2E-902A-4B46-B455-FA227D8539BA}" dt="2020-02-13T05:47:02.309" v="1475" actId="478"/>
+          <ac:picMkLst>
+            <pc:docMk/>
+            <pc:sldMk cId="3686962177" sldId="265"/>
+            <ac:picMk id="4" creationId="{6C4C88E5-FE12-44C6-8626-C5BE06B98857}"/>
+          </ac:picMkLst>
+        </pc:picChg>
+        <pc:picChg chg="mod">
+          <ac:chgData name="Boon Jun" userId="b9b2384c46af58b4" providerId="LiveId" clId="{07FA4B2E-902A-4B46-B455-FA227D8539BA}" dt="2020-02-12T06:37:01.917" v="530" actId="207"/>
+          <ac:picMkLst>
+            <pc:docMk/>
+            <pc:sldMk cId="3686962177" sldId="265"/>
+            <ac:picMk id="7" creationId="{0F454814-B50C-4698-B6C0-6DE90A930257}"/>
+          </ac:picMkLst>
+        </pc:picChg>
+        <pc:picChg chg="mod">
+          <ac:chgData name="Boon Jun" userId="b9b2384c46af58b4" providerId="LiveId" clId="{07FA4B2E-902A-4B46-B455-FA227D8539BA}" dt="2020-02-12T06:37:05.489" v="531" actId="207"/>
+          <ac:picMkLst>
+            <pc:docMk/>
+            <pc:sldMk cId="3686962177" sldId="265"/>
+            <ac:picMk id="9" creationId="{4484A587-4DE2-4E0E-BD31-1E5371FF1617}"/>
+          </ac:picMkLst>
+        </pc:picChg>
+        <pc:picChg chg="add mod">
+          <ac:chgData name="Boon Jun" userId="b9b2384c46af58b4" providerId="LiveId" clId="{07FA4B2E-902A-4B46-B455-FA227D8539BA}" dt="2020-02-13T06:03:28.223" v="1661" actId="164"/>
+          <ac:picMkLst>
+            <pc:docMk/>
+            <pc:sldMk cId="3686962177" sldId="265"/>
+            <ac:picMk id="12" creationId="{F3B42DF8-CF34-431D-B474-B51879569DDF}"/>
+          </ac:picMkLst>
+        </pc:picChg>
+        <pc:picChg chg="add">
+          <ac:chgData name="Boon Jun" userId="b9b2384c46af58b4" providerId="LiveId" clId="{07FA4B2E-902A-4B46-B455-FA227D8539BA}" dt="2020-02-13T14:52:27.076" v="3777"/>
+          <ac:picMkLst>
+            <pc:docMk/>
+            <pc:sldMk cId="3686962177" sldId="265"/>
+            <ac:picMk id="18" creationId="{EFB355EA-22DF-461F-8058-173BE555ED6D}"/>
+          </ac:picMkLst>
+        </pc:picChg>
+        <pc:picChg chg="del">
+          <ac:chgData name="Boon Jun" userId="b9b2384c46af58b4" providerId="LiveId" clId="{07FA4B2E-902A-4B46-B455-FA227D8539BA}" dt="2020-02-13T14:52:26.807" v="3776" actId="478"/>
+          <ac:picMkLst>
+            <pc:docMk/>
+            <pc:sldMk cId="3686962177" sldId="265"/>
+            <ac:picMk id="19" creationId="{2C9D18F4-DF60-4C50-9850-912CD1CB918E}"/>
+          </ac:picMkLst>
+        </pc:picChg>
+        <pc:picChg chg="del">
+          <ac:chgData name="Boon Jun" userId="b9b2384c46af58b4" providerId="LiveId" clId="{07FA4B2E-902A-4B46-B455-FA227D8539BA}" dt="2020-02-13T14:52:28.431" v="3778" actId="478"/>
+          <ac:picMkLst>
+            <pc:docMk/>
+            <pc:sldMk cId="3686962177" sldId="265"/>
+            <ac:picMk id="21" creationId="{1EAAFDD7-270D-40BB-B235-F2B7DF98EC72}"/>
+          </ac:picMkLst>
+        </pc:picChg>
+        <pc:picChg chg="add mod">
+          <ac:chgData name="Boon Jun" userId="b9b2384c46af58b4" providerId="LiveId" clId="{07FA4B2E-902A-4B46-B455-FA227D8539BA}" dt="2020-02-13T06:03:42.895" v="1665" actId="1076"/>
+          <ac:picMkLst>
+            <pc:docMk/>
+            <pc:sldMk cId="3686962177" sldId="265"/>
+            <ac:picMk id="2050" creationId="{EDAA3C66-9856-43C0-9E71-DF9C9727AB29}"/>
+          </ac:picMkLst>
+        </pc:picChg>
+      </pc:sldChg>
+      <pc:sldChg chg="addSp delSp modSp add">
+        <pc:chgData name="Boon Jun" userId="b9b2384c46af58b4" providerId="LiveId" clId="{07FA4B2E-902A-4B46-B455-FA227D8539BA}" dt="2020-02-13T15:29:59.371" v="4395" actId="1076"/>
+        <pc:sldMkLst>
+          <pc:docMk/>
+          <pc:sldMk cId="636087106" sldId="266"/>
+        </pc:sldMkLst>
+        <pc:spChg chg="add mod">
+          <ac:chgData name="Boon Jun" userId="b9b2384c46af58b4" providerId="LiveId" clId="{07FA4B2E-902A-4B46-B455-FA227D8539BA}" dt="2020-02-13T15:29:59.371" v="4395" actId="1076"/>
+          <ac:spMkLst>
+            <pc:docMk/>
+            <pc:sldMk cId="636087106" sldId="266"/>
+            <ac:spMk id="12" creationId="{7E819E2F-F89A-4E7A-8019-86F87E6B66FD}"/>
+          </ac:spMkLst>
+        </pc:spChg>
+        <pc:spChg chg="add mod">
+          <ac:chgData name="Boon Jun" userId="b9b2384c46af58b4" providerId="LiveId" clId="{07FA4B2E-902A-4B46-B455-FA227D8539BA}" dt="2020-02-13T15:26:29.948" v="4302" actId="14100"/>
+          <ac:spMkLst>
+            <pc:docMk/>
+            <pc:sldMk cId="636087106" sldId="266"/>
+            <ac:spMk id="14" creationId="{766C374E-51AC-489F-8B29-0FC048074748}"/>
+          </ac:spMkLst>
+        </pc:spChg>
+        <pc:graphicFrameChg chg="add mod modGraphic">
+          <ac:chgData name="Boon Jun" userId="b9b2384c46af58b4" providerId="LiveId" clId="{07FA4B2E-902A-4B46-B455-FA227D8539BA}" dt="2020-02-13T15:29:58.945" v="4394" actId="1076"/>
+          <ac:graphicFrameMkLst>
+            <pc:docMk/>
+            <pc:sldMk cId="636087106" sldId="266"/>
+            <ac:graphicFrameMk id="3" creationId="{B5B65770-B6E3-400C-872F-727B877060EE}"/>
+          </ac:graphicFrameMkLst>
+        </pc:graphicFrameChg>
+        <pc:picChg chg="add">
+          <ac:chgData name="Boon Jun" userId="b9b2384c46af58b4" providerId="LiveId" clId="{07FA4B2E-902A-4B46-B455-FA227D8539BA}" dt="2020-02-13T14:52:52.343" v="3790"/>
+          <ac:picMkLst>
+            <pc:docMk/>
+            <pc:sldMk cId="636087106" sldId="266"/>
+            <ac:picMk id="10" creationId="{D1BAFE31-4B88-499B-99AA-59E33C5948A8}"/>
+          </ac:picMkLst>
+        </pc:picChg>
+        <pc:picChg chg="add mod">
+          <ac:chgData name="Boon Jun" userId="b9b2384c46af58b4" providerId="LiveId" clId="{07FA4B2E-902A-4B46-B455-FA227D8539BA}" dt="2020-02-13T15:27:11.844" v="4317" actId="1076"/>
+          <ac:picMkLst>
+            <pc:docMk/>
+            <pc:sldMk cId="636087106" sldId="266"/>
+            <ac:picMk id="15" creationId="{C7A484BE-4A97-49CD-B03B-9CF61532E229}"/>
+          </ac:picMkLst>
+        </pc:picChg>
+        <pc:picChg chg="del">
+          <ac:chgData name="Boon Jun" userId="b9b2384c46af58b4" providerId="LiveId" clId="{07FA4B2E-902A-4B46-B455-FA227D8539BA}" dt="2020-02-13T14:52:51.081" v="3789" actId="478"/>
+          <ac:picMkLst>
+            <pc:docMk/>
+            <pc:sldMk cId="636087106" sldId="266"/>
+            <ac:picMk id="19" creationId="{2C9D18F4-DF60-4C50-9850-912CD1CB918E}"/>
+          </ac:picMkLst>
+        </pc:picChg>
+        <pc:picChg chg="del">
+          <ac:chgData name="Boon Jun" userId="b9b2384c46af58b4" providerId="LiveId" clId="{07FA4B2E-902A-4B46-B455-FA227D8539BA}" dt="2020-02-13T14:52:53.413" v="3791" actId="478"/>
+          <ac:picMkLst>
+            <pc:docMk/>
+            <pc:sldMk cId="636087106" sldId="266"/>
+            <ac:picMk id="21" creationId="{1EAAFDD7-270D-40BB-B235-F2B7DF98EC72}"/>
+          </ac:picMkLst>
+        </pc:picChg>
+      </pc:sldChg>
+      <pc:sldChg chg="addSp delSp modSp add">
+        <pc:chgData name="Boon Jun" userId="b9b2384c46af58b4" providerId="LiveId" clId="{07FA4B2E-902A-4B46-B455-FA227D8539BA}" dt="2020-02-13T14:52:59.722" v="3794" actId="478"/>
+        <pc:sldMkLst>
+          <pc:docMk/>
+          <pc:sldMk cId="2733934548" sldId="267"/>
+        </pc:sldMkLst>
+        <pc:spChg chg="mod">
+          <ac:chgData name="Boon Jun" userId="b9b2384c46af58b4" providerId="LiveId" clId="{07FA4B2E-902A-4B46-B455-FA227D8539BA}" dt="2020-02-12T06:37:36.985" v="542" actId="20577"/>
+          <ac:spMkLst>
+            <pc:docMk/>
+            <pc:sldMk cId="2733934548" sldId="267"/>
+            <ac:spMk id="2" creationId="{FF21E304-E4E0-438B-AB07-1B8DC03AFC6F}"/>
+          </ac:spMkLst>
+        </pc:spChg>
+        <pc:spChg chg="add mod">
+          <ac:chgData name="Boon Jun" userId="b9b2384c46af58b4" providerId="LiveId" clId="{07FA4B2E-902A-4B46-B455-FA227D8539BA}" dt="2020-02-13T14:24:09.011" v="3406" actId="20577"/>
+          <ac:spMkLst>
+            <pc:docMk/>
+            <pc:sldMk cId="2733934548" sldId="267"/>
+            <ac:spMk id="10" creationId="{93ABB5C7-4D7C-4CD1-82CE-6CFE8E98B0D6}"/>
+          </ac:spMkLst>
+        </pc:spChg>
+        <pc:spChg chg="add mod">
+          <ac:chgData name="Boon Jun" userId="b9b2384c46af58b4" providerId="LiveId" clId="{07FA4B2E-902A-4B46-B455-FA227D8539BA}" dt="2020-02-13T14:32:09.134" v="3466" actId="1076"/>
+          <ac:spMkLst>
+            <pc:docMk/>
+            <pc:sldMk cId="2733934548" sldId="267"/>
+            <ac:spMk id="14" creationId="{D5CEA9D9-89D9-41FF-94D8-38F914907667}"/>
+          </ac:spMkLst>
+        </pc:spChg>
+        <pc:spChg chg="add del mod">
+          <ac:chgData name="Boon Jun" userId="b9b2384c46af58b4" providerId="LiveId" clId="{07FA4B2E-902A-4B46-B455-FA227D8539BA}" dt="2020-02-13T14:32:13.975" v="3467" actId="478"/>
+          <ac:spMkLst>
+            <pc:docMk/>
+            <pc:sldMk cId="2733934548" sldId="267"/>
+            <ac:spMk id="15" creationId="{7F907ECC-8F19-4208-B6BC-0F5AF683F34E}"/>
+          </ac:spMkLst>
+        </pc:spChg>
+        <pc:spChg chg="add mod">
+          <ac:chgData name="Boon Jun" userId="b9b2384c46af58b4" providerId="LiveId" clId="{07FA4B2E-902A-4B46-B455-FA227D8539BA}" dt="2020-02-13T14:32:32.511" v="3472" actId="207"/>
+          <ac:spMkLst>
+            <pc:docMk/>
+            <pc:sldMk cId="2733934548" sldId="267"/>
+            <ac:spMk id="16" creationId="{D5EBEDF3-20CA-460F-A90F-CA2F0B9CE354}"/>
+          </ac:spMkLst>
+        </pc:spChg>
+        <pc:spChg chg="add mod">
+          <ac:chgData name="Boon Jun" userId="b9b2384c46af58b4" providerId="LiveId" clId="{07FA4B2E-902A-4B46-B455-FA227D8539BA}" dt="2020-02-13T14:33:57.541" v="3491" actId="12"/>
+          <ac:spMkLst>
+            <pc:docMk/>
+            <pc:sldMk cId="2733934548" sldId="267"/>
+            <ac:spMk id="18" creationId="{63BD4CA7-9F63-43D5-9C55-9ED78578F975}"/>
+          </ac:spMkLst>
+        </pc:spChg>
+        <pc:picChg chg="mod">
+          <ac:chgData name="Boon Jun" userId="b9b2384c46af58b4" providerId="LiveId" clId="{07FA4B2E-902A-4B46-B455-FA227D8539BA}" dt="2020-02-12T06:37:41.435" v="543" actId="207"/>
+          <ac:picMkLst>
+            <pc:docMk/>
+            <pc:sldMk cId="2733934548" sldId="267"/>
+            <ac:picMk id="9" creationId="{4484A587-4DE2-4E0E-BD31-1E5371FF1617}"/>
+          </ac:picMkLst>
+        </pc:picChg>
+        <pc:picChg chg="mod">
+          <ac:chgData name="Boon Jun" userId="b9b2384c46af58b4" providerId="LiveId" clId="{07FA4B2E-902A-4B46-B455-FA227D8539BA}" dt="2020-02-12T06:37:47.436" v="544" actId="207"/>
+          <ac:picMkLst>
+            <pc:docMk/>
+            <pc:sldMk cId="2733934548" sldId="267"/>
+            <ac:picMk id="11" creationId="{787A3D66-E702-4786-9334-AA8574247486}"/>
+          </ac:picMkLst>
+        </pc:picChg>
+        <pc:picChg chg="add mod">
+          <ac:chgData name="Boon Jun" userId="b9b2384c46af58b4" providerId="LiveId" clId="{07FA4B2E-902A-4B46-B455-FA227D8539BA}" dt="2020-02-13T14:28:39.650" v="3417" actId="1076"/>
+          <ac:picMkLst>
+            <pc:docMk/>
+            <pc:sldMk cId="2733934548" sldId="267"/>
+            <ac:picMk id="12" creationId="{02FD26A9-D4DF-4704-AC8C-895E19A7736B}"/>
+          </ac:picMkLst>
+        </pc:picChg>
+        <pc:picChg chg="del">
+          <ac:chgData name="Boon Jun" userId="b9b2384c46af58b4" providerId="LiveId" clId="{07FA4B2E-902A-4B46-B455-FA227D8539BA}" dt="2020-02-13T14:52:57.860" v="3792" actId="478"/>
+          <ac:picMkLst>
+            <pc:docMk/>
+            <pc:sldMk cId="2733934548" sldId="267"/>
+            <ac:picMk id="19" creationId="{2C9D18F4-DF60-4C50-9850-912CD1CB918E}"/>
+          </ac:picMkLst>
+        </pc:picChg>
+        <pc:picChg chg="add">
+          <ac:chgData name="Boon Jun" userId="b9b2384c46af58b4" providerId="LiveId" clId="{07FA4B2E-902A-4B46-B455-FA227D8539BA}" dt="2020-02-13T14:52:58.287" v="3793"/>
+          <ac:picMkLst>
+            <pc:docMk/>
+            <pc:sldMk cId="2733934548" sldId="267"/>
+            <ac:picMk id="20" creationId="{4F1F826F-7E19-426D-9309-C7679F75C434}"/>
+          </ac:picMkLst>
+        </pc:picChg>
+        <pc:picChg chg="del">
+          <ac:chgData name="Boon Jun" userId="b9b2384c46af58b4" providerId="LiveId" clId="{07FA4B2E-902A-4B46-B455-FA227D8539BA}" dt="2020-02-13T14:52:59.722" v="3794" actId="478"/>
+          <ac:picMkLst>
+            <pc:docMk/>
+            <pc:sldMk cId="2733934548" sldId="267"/>
+            <ac:picMk id="21" creationId="{1EAAFDD7-270D-40BB-B235-F2B7DF98EC72}"/>
+          </ac:picMkLst>
+        </pc:picChg>
+      </pc:sldChg>
+      <pc:sldChg chg="addSp delSp modSp add">
+        <pc:chgData name="Boon Jun" userId="b9b2384c46af58b4" providerId="LiveId" clId="{07FA4B2E-902A-4B46-B455-FA227D8539BA}" dt="2020-02-13T14:53:08.563" v="3797" actId="478"/>
+        <pc:sldMkLst>
+          <pc:docMk/>
+          <pc:sldMk cId="1764059947" sldId="268"/>
+        </pc:sldMkLst>
+        <pc:spChg chg="mod">
+          <ac:chgData name="Boon Jun" userId="b9b2384c46af58b4" providerId="LiveId" clId="{07FA4B2E-902A-4B46-B455-FA227D8539BA}" dt="2020-02-12T06:37:58.271" v="578" actId="20577"/>
+          <ac:spMkLst>
+            <pc:docMk/>
+            <pc:sldMk cId="1764059947" sldId="268"/>
+            <ac:spMk id="2" creationId="{FF21E304-E4E0-438B-AB07-1B8DC03AFC6F}"/>
+          </ac:spMkLst>
+        </pc:spChg>
+        <pc:spChg chg="add mod">
+          <ac:chgData name="Boon Jun" userId="b9b2384c46af58b4" providerId="LiveId" clId="{07FA4B2E-902A-4B46-B455-FA227D8539BA}" dt="2020-02-13T14:39:44.367" v="3571" actId="1076"/>
+          <ac:spMkLst>
+            <pc:docMk/>
+            <pc:sldMk cId="1764059947" sldId="268"/>
+            <ac:spMk id="10" creationId="{371E5979-22FB-4EB1-B438-B2EA29F23B0D}"/>
+          </ac:spMkLst>
+        </pc:spChg>
+        <pc:spChg chg="add mod">
+          <ac:chgData name="Boon Jun" userId="b9b2384c46af58b4" providerId="LiveId" clId="{07FA4B2E-902A-4B46-B455-FA227D8539BA}" dt="2020-02-13T14:37:47.047" v="3527" actId="1076"/>
+          <ac:spMkLst>
+            <pc:docMk/>
+            <pc:sldMk cId="1764059947" sldId="268"/>
+            <ac:spMk id="14" creationId="{F060D061-0A96-49B1-ABD1-5C94995E59E2}"/>
+          </ac:spMkLst>
+        </pc:spChg>
+        <pc:spChg chg="add mod">
+          <ac:chgData name="Boon Jun" userId="b9b2384c46af58b4" providerId="LiveId" clId="{07FA4B2E-902A-4B46-B455-FA227D8539BA}" dt="2020-02-13T14:40:00.688" v="3573" actId="1076"/>
+          <ac:spMkLst>
+            <pc:docMk/>
+            <pc:sldMk cId="1764059947" sldId="268"/>
+            <ac:spMk id="15" creationId="{CC7AB7C4-16E9-4CA8-A878-B4CF7F1ECE56}"/>
+          </ac:spMkLst>
+        </pc:spChg>
+        <pc:picChg chg="add mod">
+          <ac:chgData name="Boon Jun" userId="b9b2384c46af58b4" providerId="LiveId" clId="{07FA4B2E-902A-4B46-B455-FA227D8539BA}" dt="2020-02-13T14:40:16.465" v="3574" actId="207"/>
+          <ac:picMkLst>
+            <pc:docMk/>
+            <pc:sldMk cId="1764059947" sldId="268"/>
+            <ac:picMk id="4" creationId="{2879D750-7A4C-4F57-9DD0-B9B1BE6696E2}"/>
+          </ac:picMkLst>
+        </pc:picChg>
+        <pc:picChg chg="add mod">
+          <ac:chgData name="Boon Jun" userId="b9b2384c46af58b4" providerId="LiveId" clId="{07FA4B2E-902A-4B46-B455-FA227D8539BA}" dt="2020-02-13T14:40:16.465" v="3574" actId="207"/>
+          <ac:picMkLst>
+            <pc:docMk/>
+            <pc:sldMk cId="1764059947" sldId="268"/>
+            <ac:picMk id="6" creationId="{AEFB87E6-C6E7-40EF-8C60-5D16275EDF6B}"/>
+          </ac:picMkLst>
+        </pc:picChg>
+        <pc:picChg chg="mod">
+          <ac:chgData name="Boon Jun" userId="b9b2384c46af58b4" providerId="LiveId" clId="{07FA4B2E-902A-4B46-B455-FA227D8539BA}" dt="2020-02-12T06:38:03.647" v="581" actId="207"/>
+          <ac:picMkLst>
+            <pc:docMk/>
+            <pc:sldMk cId="1764059947" sldId="268"/>
+            <ac:picMk id="11" creationId="{787A3D66-E702-4786-9334-AA8574247486}"/>
+          </ac:picMkLst>
+        </pc:picChg>
+        <pc:picChg chg="add mod">
+          <ac:chgData name="Boon Jun" userId="b9b2384c46af58b4" providerId="LiveId" clId="{07FA4B2E-902A-4B46-B455-FA227D8539BA}" dt="2020-02-13T14:40:16.465" v="3574" actId="207"/>
+          <ac:picMkLst>
+            <pc:docMk/>
+            <pc:sldMk cId="1764059947" sldId="268"/>
+            <ac:picMk id="12" creationId="{05DA79EC-A89A-486F-86B9-391389F25AC3}"/>
+          </ac:picMkLst>
+        </pc:picChg>
+        <pc:picChg chg="mod">
+          <ac:chgData name="Boon Jun" userId="b9b2384c46af58b4" providerId="LiveId" clId="{07FA4B2E-902A-4B46-B455-FA227D8539BA}" dt="2020-02-12T06:38:07.651" v="582" actId="207"/>
+          <ac:picMkLst>
+            <pc:docMk/>
+            <pc:sldMk cId="1764059947" sldId="268"/>
+            <ac:picMk id="13" creationId="{10818EE9-430A-4CC4-BD02-5BDDEF750326}"/>
+          </ac:picMkLst>
+        </pc:picChg>
+        <pc:picChg chg="del">
+          <ac:chgData name="Boon Jun" userId="b9b2384c46af58b4" providerId="LiveId" clId="{07FA4B2E-902A-4B46-B455-FA227D8539BA}" dt="2020-02-13T14:53:05.163" v="3795" actId="478"/>
+          <ac:picMkLst>
+            <pc:docMk/>
+            <pc:sldMk cId="1764059947" sldId="268"/>
+            <ac:picMk id="19" creationId="{2C9D18F4-DF60-4C50-9850-912CD1CB918E}"/>
+          </ac:picMkLst>
+        </pc:picChg>
+        <pc:picChg chg="add">
+          <ac:chgData name="Boon Jun" userId="b9b2384c46af58b4" providerId="LiveId" clId="{07FA4B2E-902A-4B46-B455-FA227D8539BA}" dt="2020-02-13T14:53:06.094" v="3796"/>
+          <ac:picMkLst>
+            <pc:docMk/>
+            <pc:sldMk cId="1764059947" sldId="268"/>
+            <ac:picMk id="20" creationId="{3EE1B200-BA5C-4316-A756-DA3E3354C87A}"/>
+          </ac:picMkLst>
+        </pc:picChg>
+        <pc:picChg chg="del">
+          <ac:chgData name="Boon Jun" userId="b9b2384c46af58b4" providerId="LiveId" clId="{07FA4B2E-902A-4B46-B455-FA227D8539BA}" dt="2020-02-13T14:53:08.563" v="3797" actId="478"/>
+          <ac:picMkLst>
+            <pc:docMk/>
+            <pc:sldMk cId="1764059947" sldId="268"/>
+            <ac:picMk id="21" creationId="{1EAAFDD7-270D-40BB-B235-F2B7DF98EC72}"/>
+          </ac:picMkLst>
+        </pc:picChg>
+      </pc:sldChg>
+      <pc:sldChg chg="addSp delSp modSp add">
+        <pc:chgData name="Boon Jun" userId="b9b2384c46af58b4" providerId="LiveId" clId="{07FA4B2E-902A-4B46-B455-FA227D8539BA}" dt="2020-02-13T14:53:16.313" v="3800" actId="478"/>
+        <pc:sldMkLst>
+          <pc:docMk/>
+          <pc:sldMk cId="130660112" sldId="269"/>
+        </pc:sldMkLst>
+        <pc:spChg chg="mod">
+          <ac:chgData name="Boon Jun" userId="b9b2384c46af58b4" providerId="LiveId" clId="{07FA4B2E-902A-4B46-B455-FA227D8539BA}" dt="2020-02-12T06:38:23.850" v="592" actId="20577"/>
+          <ac:spMkLst>
+            <pc:docMk/>
+            <pc:sldMk cId="130660112" sldId="269"/>
+            <ac:spMk id="2" creationId="{FF21E304-E4E0-438B-AB07-1B8DC03AFC6F}"/>
+          </ac:spMkLst>
+        </pc:spChg>
+        <pc:spChg chg="add del mod">
+          <ac:chgData name="Boon Jun" userId="b9b2384c46af58b4" providerId="LiveId" clId="{07FA4B2E-902A-4B46-B455-FA227D8539BA}" dt="2020-02-13T14:43:08.407" v="3581" actId="478"/>
+          <ac:spMkLst>
+            <pc:docMk/>
+            <pc:sldMk cId="130660112" sldId="269"/>
+            <ac:spMk id="3" creationId="{11E345F3-5425-4E38-BD4B-C4F51EA935A5}"/>
+          </ac:spMkLst>
+        </pc:spChg>
+        <pc:spChg chg="add mod">
+          <ac:chgData name="Boon Jun" userId="b9b2384c46af58b4" providerId="LiveId" clId="{07FA4B2E-902A-4B46-B455-FA227D8539BA}" dt="2020-02-13T14:50:10.028" v="3650" actId="555"/>
+          <ac:spMkLst>
+            <pc:docMk/>
+            <pc:sldMk cId="130660112" sldId="269"/>
+            <ac:spMk id="4" creationId="{5E578772-EAAE-458D-B830-1F5DD458FA24}"/>
+          </ac:spMkLst>
+        </pc:spChg>
+        <pc:spChg chg="add mod">
+          <ac:chgData name="Boon Jun" userId="b9b2384c46af58b4" providerId="LiveId" clId="{07FA4B2E-902A-4B46-B455-FA227D8539BA}" dt="2020-02-13T14:49:02.401" v="3636" actId="1076"/>
+          <ac:spMkLst>
+            <pc:docMk/>
+            <pc:sldMk cId="130660112" sldId="269"/>
+            <ac:spMk id="12" creationId="{97B40F1B-4516-4D95-A0FA-4B9FA0017862}"/>
+          </ac:spMkLst>
+        </pc:spChg>
+        <pc:spChg chg="add mod">
+          <ac:chgData name="Boon Jun" userId="b9b2384c46af58b4" providerId="LiveId" clId="{07FA4B2E-902A-4B46-B455-FA227D8539BA}" dt="2020-02-13T14:48:58.058" v="3635" actId="1076"/>
+          <ac:spMkLst>
+            <pc:docMk/>
+            <pc:sldMk cId="130660112" sldId="269"/>
+            <ac:spMk id="14" creationId="{F748641D-FD57-4755-ABCE-CBB2DD3DA4C4}"/>
+          </ac:spMkLst>
+        </pc:spChg>
+        <pc:spChg chg="add mod">
+          <ac:chgData name="Boon Jun" userId="b9b2384c46af58b4" providerId="LiveId" clId="{07FA4B2E-902A-4B46-B455-FA227D8539BA}" dt="2020-02-13T14:50:24.048" v="3658" actId="20577"/>
+          <ac:spMkLst>
+            <pc:docMk/>
+            <pc:sldMk cId="130660112" sldId="269"/>
+            <ac:spMk id="16" creationId="{ED19E5FB-A0EC-4411-9C07-2B0CA55826C8}"/>
+          </ac:spMkLst>
+        </pc:spChg>
+        <pc:graphicFrameChg chg="add mod">
+          <ac:chgData name="Boon Jun" userId="b9b2384c46af58b4" providerId="LiveId" clId="{07FA4B2E-902A-4B46-B455-FA227D8539BA}" dt="2020-02-13T14:49:26.874" v="3639"/>
+          <ac:graphicFrameMkLst>
+            <pc:docMk/>
+            <pc:sldMk cId="130660112" sldId="269"/>
+            <ac:graphicFrameMk id="15" creationId="{F5D3B438-9BE1-48D5-AFE4-85AAF9E603B9}"/>
+          </ac:graphicFrameMkLst>
+        </pc:graphicFrameChg>
+        <pc:picChg chg="mod">
+          <ac:chgData name="Boon Jun" userId="b9b2384c46af58b4" providerId="LiveId" clId="{07FA4B2E-902A-4B46-B455-FA227D8539BA}" dt="2020-02-12T06:38:28.140" v="593" actId="207"/>
+          <ac:picMkLst>
+            <pc:docMk/>
+            <pc:sldMk cId="130660112" sldId="269"/>
+            <ac:picMk id="13" creationId="{10818EE9-430A-4CC4-BD02-5BDDEF750326}"/>
+          </ac:picMkLst>
+        </pc:picChg>
+        <pc:picChg chg="mod">
+          <ac:chgData name="Boon Jun" userId="b9b2384c46af58b4" providerId="LiveId" clId="{07FA4B2E-902A-4B46-B455-FA227D8539BA}" dt="2020-02-12T06:38:32.372" v="594" actId="207"/>
+          <ac:picMkLst>
+            <pc:docMk/>
+            <pc:sldMk cId="130660112" sldId="269"/>
+            <ac:picMk id="17" creationId="{2AB76BBD-A7C0-47CD-8857-DAAB96FDAC61}"/>
+          </ac:picMkLst>
+        </pc:picChg>
+        <pc:picChg chg="add">
+          <ac:chgData name="Boon Jun" userId="b9b2384c46af58b4" providerId="LiveId" clId="{07FA4B2E-902A-4B46-B455-FA227D8539BA}" dt="2020-02-13T14:53:14.381" v="3799"/>
+          <ac:picMkLst>
+            <pc:docMk/>
+            <pc:sldMk cId="130660112" sldId="269"/>
+            <ac:picMk id="18" creationId="{7C7A62CD-CD8D-4FAC-929F-A22A075F4143}"/>
+          </ac:picMkLst>
+        </pc:picChg>
+        <pc:picChg chg="del">
+          <ac:chgData name="Boon Jun" userId="b9b2384c46af58b4" providerId="LiveId" clId="{07FA4B2E-902A-4B46-B455-FA227D8539BA}" dt="2020-02-13T14:53:13.592" v="3798" actId="478"/>
+          <ac:picMkLst>
+            <pc:docMk/>
+            <pc:sldMk cId="130660112" sldId="269"/>
+            <ac:picMk id="19" creationId="{2C9D18F4-DF60-4C50-9850-912CD1CB918E}"/>
+          </ac:picMkLst>
+        </pc:picChg>
+        <pc:picChg chg="del">
+          <ac:chgData name="Boon Jun" userId="b9b2384c46af58b4" providerId="LiveId" clId="{07FA4B2E-902A-4B46-B455-FA227D8539BA}" dt="2020-02-13T14:53:16.313" v="3800" actId="478"/>
+          <ac:picMkLst>
+            <pc:docMk/>
+            <pc:sldMk cId="130660112" sldId="269"/>
+            <ac:picMk id="21" creationId="{1EAAFDD7-270D-40BB-B235-F2B7DF98EC72}"/>
+          </ac:picMkLst>
+        </pc:picChg>
+      </pc:sldChg>
+      <pc:sldChg chg="modSp add del">
+        <pc:chgData name="Boon Jun" userId="b9b2384c46af58b4" providerId="LiveId" clId="{07FA4B2E-902A-4B46-B455-FA227D8539BA}" dt="2020-02-13T14:53:28.244" v="3804" actId="47"/>
+        <pc:sldMkLst>
+          <pc:docMk/>
+          <pc:sldMk cId="1595663936" sldId="270"/>
+        </pc:sldMkLst>
+        <pc:spChg chg="mod">
+          <ac:chgData name="Boon Jun" userId="b9b2384c46af58b4" providerId="LiveId" clId="{07FA4B2E-902A-4B46-B455-FA227D8539BA}" dt="2020-02-12T06:38:43.560" v="605" actId="20577"/>
+          <ac:spMkLst>
+            <pc:docMk/>
+            <pc:sldMk cId="1595663936" sldId="270"/>
+            <ac:spMk id="2" creationId="{FF21E304-E4E0-438B-AB07-1B8DC03AFC6F}"/>
+          </ac:spMkLst>
+        </pc:spChg>
+        <pc:picChg chg="mod">
+          <ac:chgData name="Boon Jun" userId="b9b2384c46af58b4" providerId="LiveId" clId="{07FA4B2E-902A-4B46-B455-FA227D8539BA}" dt="2020-02-12T06:38:48.253" v="606" actId="207"/>
+          <ac:picMkLst>
+            <pc:docMk/>
+            <pc:sldMk cId="1595663936" sldId="270"/>
+            <ac:picMk id="17" creationId="{2AB76BBD-A7C0-47CD-8857-DAAB96FDAC61}"/>
+          </ac:picMkLst>
+        </pc:picChg>
+        <pc:picChg chg="mod">
+          <ac:chgData name="Boon Jun" userId="b9b2384c46af58b4" providerId="LiveId" clId="{07FA4B2E-902A-4B46-B455-FA227D8539BA}" dt="2020-02-12T06:38:54.233" v="608" actId="207"/>
+          <ac:picMkLst>
+            <pc:docMk/>
+            <pc:sldMk cId="1595663936" sldId="270"/>
+            <ac:picMk id="19" creationId="{2C9D18F4-DF60-4C50-9850-912CD1CB918E}"/>
+          </ac:picMkLst>
+        </pc:picChg>
+      </pc:sldChg>
+      <pc:sldChg chg="addSp delSp modSp add">
+        <pc:chgData name="Boon Jun" userId="b9b2384c46af58b4" providerId="LiveId" clId="{07FA4B2E-902A-4B46-B455-FA227D8539BA}" dt="2020-02-13T14:53:38.300" v="3809" actId="478"/>
+        <pc:sldMkLst>
+          <pc:docMk/>
+          <pc:sldMk cId="3282349588" sldId="271"/>
+        </pc:sldMkLst>
+        <pc:spChg chg="mod">
+          <ac:chgData name="Boon Jun" userId="b9b2384c46af58b4" providerId="LiveId" clId="{07FA4B2E-902A-4B46-B455-FA227D8539BA}" dt="2020-02-12T06:39:07.643" v="634" actId="20577"/>
+          <ac:spMkLst>
+            <pc:docMk/>
+            <pc:sldMk cId="3282349588" sldId="271"/>
+            <ac:spMk id="2" creationId="{FF21E304-E4E0-438B-AB07-1B8DC03AFC6F}"/>
+          </ac:spMkLst>
+        </pc:spChg>
+        <pc:spChg chg="add mod">
+          <ac:chgData name="Boon Jun" userId="b9b2384c46af58b4" providerId="LiveId" clId="{07FA4B2E-902A-4B46-B455-FA227D8539BA}" dt="2020-02-13T06:37:02.405" v="1974" actId="1076"/>
+          <ac:spMkLst>
+            <pc:docMk/>
+            <pc:sldMk cId="3282349588" sldId="271"/>
+            <ac:spMk id="8" creationId="{B452A63B-48F2-48C5-81B3-285FC0421F98}"/>
+          </ac:spMkLst>
+        </pc:spChg>
+        <pc:spChg chg="add mod">
+          <ac:chgData name="Boon Jun" userId="b9b2384c46af58b4" providerId="LiveId" clId="{07FA4B2E-902A-4B46-B455-FA227D8539BA}" dt="2020-02-13T06:27:50.865" v="1905" actId="20577"/>
+          <ac:spMkLst>
+            <pc:docMk/>
+            <pc:sldMk cId="3282349588" sldId="271"/>
+            <ac:spMk id="10" creationId="{45E2ABB5-AA4B-4A0D-9553-8D9F0D57F433}"/>
+          </ac:spMkLst>
+        </pc:spChg>
+        <pc:spChg chg="add mod">
+          <ac:chgData name="Boon Jun" userId="b9b2384c46af58b4" providerId="LiveId" clId="{07FA4B2E-902A-4B46-B455-FA227D8539BA}" dt="2020-02-13T06:37:02.405" v="1974" actId="1076"/>
+          <ac:spMkLst>
+            <pc:docMk/>
+            <pc:sldMk cId="3282349588" sldId="271"/>
+            <ac:spMk id="16" creationId="{43EC70CF-418E-449B-8F23-60C0331C3AF1}"/>
+          </ac:spMkLst>
+        </pc:spChg>
+        <pc:spChg chg="add del">
+          <ac:chgData name="Boon Jun" userId="b9b2384c46af58b4" providerId="LiveId" clId="{07FA4B2E-902A-4B46-B455-FA227D8539BA}" dt="2020-02-13T06:35:05.684" v="1940" actId="478"/>
+          <ac:spMkLst>
+            <pc:docMk/>
+            <pc:sldMk cId="3282349588" sldId="271"/>
+            <ac:spMk id="18" creationId="{CB696226-3662-4EC7-B3DD-8BBCBDEA03DF}"/>
+          </ac:spMkLst>
+        </pc:spChg>
+        <pc:spChg chg="add mod">
+          <ac:chgData name="Boon Jun" userId="b9b2384c46af58b4" providerId="LiveId" clId="{07FA4B2E-902A-4B46-B455-FA227D8539BA}" dt="2020-02-13T07:22:51.450" v="2787" actId="208"/>
+          <ac:spMkLst>
+            <pc:docMk/>
+            <pc:sldMk cId="3282349588" sldId="271"/>
+            <ac:spMk id="20" creationId="{656E65F0-7028-48A5-9D66-1E5927A60C4C}"/>
+          </ac:spMkLst>
+        </pc:spChg>
+        <pc:spChg chg="add mod">
+          <ac:chgData name="Boon Jun" userId="b9b2384c46af58b4" providerId="LiveId" clId="{07FA4B2E-902A-4B46-B455-FA227D8539BA}" dt="2020-02-13T07:22:53.674" v="2788" actId="208"/>
+          <ac:spMkLst>
+            <pc:docMk/>
+            <pc:sldMk cId="3282349588" sldId="271"/>
+            <ac:spMk id="22" creationId="{A02A4A20-F180-4BE1-966A-15E3B0B8B041}"/>
+          </ac:spMkLst>
+        </pc:spChg>
+        <pc:picChg chg="add mod">
+          <ac:chgData name="Boon Jun" userId="b9b2384c46af58b4" providerId="LiveId" clId="{07FA4B2E-902A-4B46-B455-FA227D8539BA}" dt="2020-02-13T06:37:02.405" v="1974" actId="1076"/>
+          <ac:picMkLst>
+            <pc:docMk/>
+            <pc:sldMk cId="3282349588" sldId="271"/>
+            <ac:picMk id="4" creationId="{1A09FB53-B480-43EA-BF51-1165BDFCD5D9}"/>
+          </ac:picMkLst>
+        </pc:picChg>
+        <pc:picChg chg="add mod">
+          <ac:chgData name="Boon Jun" userId="b9b2384c46af58b4" providerId="LiveId" clId="{07FA4B2E-902A-4B46-B455-FA227D8539BA}" dt="2020-02-13T06:37:02.405" v="1974" actId="1076"/>
+          <ac:picMkLst>
+            <pc:docMk/>
+            <pc:sldMk cId="3282349588" sldId="271"/>
+            <ac:picMk id="6" creationId="{B0C6816B-0D15-4574-A76A-778D709CA8D1}"/>
+          </ac:picMkLst>
+        </pc:picChg>
+        <pc:picChg chg="add mod">
+          <ac:chgData name="Boon Jun" userId="b9b2384c46af58b4" providerId="LiveId" clId="{07FA4B2E-902A-4B46-B455-FA227D8539BA}" dt="2020-02-13T14:53:36.989" v="3808" actId="207"/>
+          <ac:picMkLst>
+            <pc:docMk/>
+            <pc:sldMk cId="3282349588" sldId="271"/>
+            <ac:picMk id="18" creationId="{79472066-32F0-4E0E-A35D-54AF76FD2888}"/>
+          </ac:picMkLst>
+        </pc:picChg>
+        <pc:picChg chg="del mod">
+          <ac:chgData name="Boon Jun" userId="b9b2384c46af58b4" providerId="LiveId" clId="{07FA4B2E-902A-4B46-B455-FA227D8539BA}" dt="2020-02-13T14:53:35.211" v="3806" actId="478"/>
+          <ac:picMkLst>
+            <pc:docMk/>
+            <pc:sldMk cId="3282349588" sldId="271"/>
+            <ac:picMk id="19" creationId="{2C9D18F4-DF60-4C50-9850-912CD1CB918E}"/>
+          </ac:picMkLst>
+        </pc:picChg>
+        <pc:picChg chg="del mod">
+          <ac:chgData name="Boon Jun" userId="b9b2384c46af58b4" providerId="LiveId" clId="{07FA4B2E-902A-4B46-B455-FA227D8539BA}" dt="2020-02-13T14:53:38.300" v="3809" actId="478"/>
+          <ac:picMkLst>
+            <pc:docMk/>
+            <pc:sldMk cId="3282349588" sldId="271"/>
+            <ac:picMk id="21" creationId="{1EAAFDD7-270D-40BB-B235-F2B7DF98EC72}"/>
+          </ac:picMkLst>
+        </pc:picChg>
+      </pc:sldChg>
+      <pc:sldChg chg="addSp delSp modSp add">
+        <pc:chgData name="Boon Jun" userId="b9b2384c46af58b4" providerId="LiveId" clId="{07FA4B2E-902A-4B46-B455-FA227D8539BA}" dt="2020-02-13T14:52:39.351" v="3784" actId="478"/>
+        <pc:sldMkLst>
+          <pc:docMk/>
+          <pc:sldMk cId="1379808267" sldId="272"/>
+        </pc:sldMkLst>
+        <pc:spChg chg="add mod">
+          <ac:chgData name="Boon Jun" userId="b9b2384c46af58b4" providerId="LiveId" clId="{07FA4B2E-902A-4B46-B455-FA227D8539BA}" dt="2020-02-13T06:09:00.667" v="1814" actId="20577"/>
+          <ac:spMkLst>
+            <pc:docMk/>
+            <pc:sldMk cId="1379808267" sldId="272"/>
+            <ac:spMk id="5" creationId="{CC23D55A-30AE-4C8C-88BB-8FE8FAD139FA}"/>
+          </ac:spMkLst>
+        </pc:spChg>
+        <pc:grpChg chg="del">
+          <ac:chgData name="Boon Jun" userId="b9b2384c46af58b4" providerId="LiveId" clId="{07FA4B2E-902A-4B46-B455-FA227D8539BA}" dt="2020-02-13T06:04:21.538" v="1669" actId="478"/>
+          <ac:grpSpMkLst>
+            <pc:docMk/>
+            <pc:sldMk cId="1379808267" sldId="272"/>
+            <ac:grpSpMk id="16" creationId="{42FCBA91-79B9-432A-AFB5-D14194C68518}"/>
+          </ac:grpSpMkLst>
+        </pc:grpChg>
+        <pc:picChg chg="add mod">
+          <ac:chgData name="Boon Jun" userId="b9b2384c46af58b4" providerId="LiveId" clId="{07FA4B2E-902A-4B46-B455-FA227D8539BA}" dt="2020-02-13T06:04:37.782" v="1674" actId="1076"/>
+          <ac:picMkLst>
+            <pc:docMk/>
+            <pc:sldMk cId="1379808267" sldId="272"/>
+            <ac:picMk id="4" creationId="{CBFAD28F-2239-4638-9A38-E003A3DBC569}"/>
+          </ac:picMkLst>
+        </pc:picChg>
+        <pc:picChg chg="add">
+          <ac:chgData name="Boon Jun" userId="b9b2384c46af58b4" providerId="LiveId" clId="{07FA4B2E-902A-4B46-B455-FA227D8539BA}" dt="2020-02-13T14:52:37.861" v="3783"/>
+          <ac:picMkLst>
+            <pc:docMk/>
+            <pc:sldMk cId="1379808267" sldId="272"/>
+            <ac:picMk id="14" creationId="{75D1273B-FDEC-4250-8859-4CD78B688F8B}"/>
+          </ac:picMkLst>
+        </pc:picChg>
+        <pc:picChg chg="del">
+          <ac:chgData name="Boon Jun" userId="b9b2384c46af58b4" providerId="LiveId" clId="{07FA4B2E-902A-4B46-B455-FA227D8539BA}" dt="2020-02-13T14:52:36.830" v="3782" actId="478"/>
+          <ac:picMkLst>
+            <pc:docMk/>
+            <pc:sldMk cId="1379808267" sldId="272"/>
+            <ac:picMk id="19" creationId="{2C9D18F4-DF60-4C50-9850-912CD1CB918E}"/>
+          </ac:picMkLst>
+        </pc:picChg>
+        <pc:picChg chg="del">
+          <ac:chgData name="Boon Jun" userId="b9b2384c46af58b4" providerId="LiveId" clId="{07FA4B2E-902A-4B46-B455-FA227D8539BA}" dt="2020-02-13T14:52:39.351" v="3784" actId="478"/>
+          <ac:picMkLst>
+            <pc:docMk/>
+            <pc:sldMk cId="1379808267" sldId="272"/>
+            <ac:picMk id="21" creationId="{1EAAFDD7-270D-40BB-B235-F2B7DF98EC72}"/>
+          </ac:picMkLst>
+        </pc:picChg>
+        <pc:picChg chg="del">
+          <ac:chgData name="Boon Jun" userId="b9b2384c46af58b4" providerId="LiveId" clId="{07FA4B2E-902A-4B46-B455-FA227D8539BA}" dt="2020-02-13T06:04:21.538" v="1669" actId="478"/>
+          <ac:picMkLst>
+            <pc:docMk/>
+            <pc:sldMk cId="1379808267" sldId="272"/>
+            <ac:picMk id="2050" creationId="{EDAA3C66-9856-43C0-9E71-DF9C9727AB29}"/>
+          </ac:picMkLst>
+        </pc:picChg>
+      </pc:sldChg>
+      <pc:sldChg chg="addSp delSp modSp add">
+        <pc:chgData name="Boon Jun" userId="b9b2384c46af58b4" providerId="LiveId" clId="{07FA4B2E-902A-4B46-B455-FA227D8539BA}" dt="2020-02-13T14:52:45.481" v="3788" actId="478"/>
+        <pc:sldMkLst>
+          <pc:docMk/>
+          <pc:sldMk cId="2499887071" sldId="273"/>
+        </pc:sldMkLst>
+        <pc:spChg chg="mod">
+          <ac:chgData name="Boon Jun" userId="b9b2384c46af58b4" providerId="LiveId" clId="{07FA4B2E-902A-4B46-B455-FA227D8539BA}" dt="2020-02-13T06:15:06.662" v="1871"/>
+          <ac:spMkLst>
+            <pc:docMk/>
+            <pc:sldMk cId="2499887071" sldId="273"/>
+            <ac:spMk id="5" creationId="{CC23D55A-30AE-4C8C-88BB-8FE8FAD139FA}"/>
+          </ac:spMkLst>
+        </pc:spChg>
+        <pc:picChg chg="add del">
+          <ac:chgData name="Boon Jun" userId="b9b2384c46af58b4" providerId="LiveId" clId="{07FA4B2E-902A-4B46-B455-FA227D8539BA}" dt="2020-02-13T06:13:41.781" v="1836" actId="478"/>
+          <ac:picMkLst>
+            <pc:docMk/>
+            <pc:sldMk cId="2499887071" sldId="273"/>
+            <ac:picMk id="4" creationId="{CBFAD28F-2239-4638-9A38-E003A3DBC569}"/>
+          </ac:picMkLst>
+        </pc:picChg>
+        <pc:picChg chg="add del mod">
+          <ac:chgData name="Boon Jun" userId="b9b2384c46af58b4" providerId="LiveId" clId="{07FA4B2E-902A-4B46-B455-FA227D8539BA}" dt="2020-02-13T06:09:17.601" v="1821"/>
+          <ac:picMkLst>
+            <pc:docMk/>
+            <pc:sldMk cId="2499887071" sldId="273"/>
+            <ac:picMk id="6" creationId="{7294BDAC-7D1C-4FBA-898A-760BC140880D}"/>
+          </ac:picMkLst>
+        </pc:picChg>
+        <pc:picChg chg="add mod">
+          <ac:chgData name="Boon Jun" userId="b9b2384c46af58b4" providerId="LiveId" clId="{07FA4B2E-902A-4B46-B455-FA227D8539BA}" dt="2020-02-13T06:13:48.327" v="1849" actId="1037"/>
+          <ac:picMkLst>
+            <pc:docMk/>
+            <pc:sldMk cId="2499887071" sldId="273"/>
+            <ac:picMk id="12" creationId="{083F80D5-4EEE-473F-94B1-449EF837624C}"/>
+          </ac:picMkLst>
+        </pc:picChg>
+        <pc:picChg chg="add">
+          <ac:chgData name="Boon Jun" userId="b9b2384c46af58b4" providerId="LiveId" clId="{07FA4B2E-902A-4B46-B455-FA227D8539BA}" dt="2020-02-13T14:52:44.226" v="3787"/>
+          <ac:picMkLst>
+            <pc:docMk/>
+            <pc:sldMk cId="2499887071" sldId="273"/>
+            <ac:picMk id="14" creationId="{3E64EA64-8507-44CE-A5A3-F5DA4BEC295C}"/>
+          </ac:picMkLst>
+        </pc:picChg>
+        <pc:picChg chg="del mod">
+          <ac:chgData name="Boon Jun" userId="b9b2384c46af58b4" providerId="LiveId" clId="{07FA4B2E-902A-4B46-B455-FA227D8539BA}" dt="2020-02-13T14:52:43.481" v="3786" actId="478"/>
+          <ac:picMkLst>
+            <pc:docMk/>
+            <pc:sldMk cId="2499887071" sldId="273"/>
+            <ac:picMk id="19" creationId="{2C9D18F4-DF60-4C50-9850-912CD1CB918E}"/>
+          </ac:picMkLst>
+        </pc:picChg>
+        <pc:picChg chg="del">
+          <ac:chgData name="Boon Jun" userId="b9b2384c46af58b4" providerId="LiveId" clId="{07FA4B2E-902A-4B46-B455-FA227D8539BA}" dt="2020-02-13T14:52:45.481" v="3788" actId="478"/>
+          <ac:picMkLst>
+            <pc:docMk/>
+            <pc:sldMk cId="2499887071" sldId="273"/>
+            <ac:picMk id="21" creationId="{1EAAFDD7-270D-40BB-B235-F2B7DF98EC72}"/>
+          </ac:picMkLst>
+        </pc:picChg>
+      </pc:sldChg>
+      <pc:sldChg chg="addSp delSp modSp add">
+        <pc:chgData name="Boon Jun" userId="b9b2384c46af58b4" providerId="LiveId" clId="{07FA4B2E-902A-4B46-B455-FA227D8539BA}" dt="2020-02-13T06:38:59.365" v="2010" actId="208"/>
+        <pc:sldMkLst>
+          <pc:docMk/>
+          <pc:sldMk cId="3005144333" sldId="274"/>
+        </pc:sldMkLst>
+        <pc:spChg chg="mod">
+          <ac:chgData name="Boon Jun" userId="b9b2384c46af58b4" providerId="LiveId" clId="{07FA4B2E-902A-4B46-B455-FA227D8539BA}" dt="2020-02-13T06:37:46.017" v="2002" actId="1037"/>
+          <ac:spMkLst>
+            <pc:docMk/>
+            <pc:sldMk cId="3005144333" sldId="274"/>
+            <ac:spMk id="8" creationId="{B452A63B-48F2-48C5-81B3-285FC0421F98}"/>
+          </ac:spMkLst>
+        </pc:spChg>
+        <pc:spChg chg="mod">
+          <ac:chgData name="Boon Jun" userId="b9b2384c46af58b4" providerId="LiveId" clId="{07FA4B2E-902A-4B46-B455-FA227D8539BA}" dt="2020-02-13T06:37:46.017" v="2002" actId="1037"/>
+          <ac:spMkLst>
+            <pc:docMk/>
+            <pc:sldMk cId="3005144333" sldId="274"/>
+            <ac:spMk id="16" creationId="{43EC70CF-418E-449B-8F23-60C0331C3AF1}"/>
+          </ac:spMkLst>
+        </pc:spChg>
+        <pc:spChg chg="mod">
+          <ac:chgData name="Boon Jun" userId="b9b2384c46af58b4" providerId="LiveId" clId="{07FA4B2E-902A-4B46-B455-FA227D8539BA}" dt="2020-02-13T06:38:59.365" v="2010" actId="208"/>
+          <ac:spMkLst>
+            <pc:docMk/>
+            <pc:sldMk cId="3005144333" sldId="274"/>
+            <ac:spMk id="20" creationId="{656E65F0-7028-48A5-9D66-1E5927A60C4C}"/>
+          </ac:spMkLst>
+        </pc:spChg>
+        <pc:spChg chg="mod">
+          <ac:chgData name="Boon Jun" userId="b9b2384c46af58b4" providerId="LiveId" clId="{07FA4B2E-902A-4B46-B455-FA227D8539BA}" dt="2020-02-13T06:38:59.365" v="2010" actId="208"/>
+          <ac:spMkLst>
+            <pc:docMk/>
+            <pc:sldMk cId="3005144333" sldId="274"/>
+            <ac:spMk id="22" creationId="{A02A4A20-F180-4BE1-966A-15E3B0B8B041}"/>
+          </ac:spMkLst>
+        </pc:spChg>
+        <pc:picChg chg="del">
+          <ac:chgData name="Boon Jun" userId="b9b2384c46af58b4" providerId="LiveId" clId="{07FA4B2E-902A-4B46-B455-FA227D8539BA}" dt="2020-02-13T06:35:12.404" v="1943" actId="478"/>
+          <ac:picMkLst>
+            <pc:docMk/>
+            <pc:sldMk cId="3005144333" sldId="274"/>
+            <ac:picMk id="4" creationId="{1A09FB53-B480-43EA-BF51-1165BDFCD5D9}"/>
+          </ac:picMkLst>
+        </pc:picChg>
+        <pc:picChg chg="add mod ord">
+          <ac:chgData name="Boon Jun" userId="b9b2384c46af58b4" providerId="LiveId" clId="{07FA4B2E-902A-4B46-B455-FA227D8539BA}" dt="2020-02-13T06:38:10.694" v="2007" actId="1076"/>
+          <ac:picMkLst>
+            <pc:docMk/>
+            <pc:sldMk cId="3005144333" sldId="274"/>
+            <ac:picMk id="5" creationId="{E4A3E851-53C2-4981-A4C0-DF59EC7308CF}"/>
+          </ac:picMkLst>
+        </pc:picChg>
+        <pc:picChg chg="del">
+          <ac:chgData name="Boon Jun" userId="b9b2384c46af58b4" providerId="LiveId" clId="{07FA4B2E-902A-4B46-B455-FA227D8539BA}" dt="2020-02-13T06:35:11.854" v="1942" actId="478"/>
+          <ac:picMkLst>
+            <pc:docMk/>
+            <pc:sldMk cId="3005144333" sldId="274"/>
+            <ac:picMk id="6" creationId="{B0C6816B-0D15-4574-A76A-778D709CA8D1}"/>
+          </ac:picMkLst>
+        </pc:picChg>
+        <pc:picChg chg="add del mod ord">
+          <ac:chgData name="Boon Jun" userId="b9b2384c46af58b4" providerId="LiveId" clId="{07FA4B2E-902A-4B46-B455-FA227D8539BA}" dt="2020-02-13T06:37:32.772" v="1985" actId="167"/>
+          <ac:picMkLst>
+            <pc:docMk/>
+            <pc:sldMk cId="3005144333" sldId="274"/>
+            <ac:picMk id="14" creationId="{96E2515F-812A-4896-A3E9-3459D7DA7C55}"/>
+          </ac:picMkLst>
+        </pc:picChg>
+      </pc:sldChg>
+      <pc:sldChg chg="addSp delSp modSp add">
+        <pc:chgData name="Boon Jun" userId="b9b2384c46af58b4" providerId="LiveId" clId="{07FA4B2E-902A-4B46-B455-FA227D8539BA}" dt="2020-02-13T14:53:44.910" v="3812" actId="478"/>
+        <pc:sldMkLst>
+          <pc:docMk/>
+          <pc:sldMk cId="2302173148" sldId="275"/>
+        </pc:sldMkLst>
+        <pc:spChg chg="mod">
+          <ac:chgData name="Boon Jun" userId="b9b2384c46af58b4" providerId="LiveId" clId="{07FA4B2E-902A-4B46-B455-FA227D8539BA}" dt="2020-02-13T06:43:27.592" v="2059" actId="1076"/>
+          <ac:spMkLst>
+            <pc:docMk/>
+            <pc:sldMk cId="2302173148" sldId="275"/>
+            <ac:spMk id="8" creationId="{B452A63B-48F2-48C5-81B3-285FC0421F98}"/>
+          </ac:spMkLst>
+        </pc:spChg>
+        <pc:spChg chg="mod">
+          <ac:chgData name="Boon Jun" userId="b9b2384c46af58b4" providerId="LiveId" clId="{07FA4B2E-902A-4B46-B455-FA227D8539BA}" dt="2020-02-13T06:43:32.211" v="2061" actId="1076"/>
+          <ac:spMkLst>
+            <pc:docMk/>
+            <pc:sldMk cId="2302173148" sldId="275"/>
+            <ac:spMk id="16" creationId="{43EC70CF-418E-449B-8F23-60C0331C3AF1}"/>
+          </ac:spMkLst>
+        </pc:spChg>
+        <pc:spChg chg="mod">
+          <ac:chgData name="Boon Jun" userId="b9b2384c46af58b4" providerId="LiveId" clId="{07FA4B2E-902A-4B46-B455-FA227D8539BA}" dt="2020-02-13T06:44:26.994" v="2067" actId="1076"/>
+          <ac:spMkLst>
+            <pc:docMk/>
+            <pc:sldMk cId="2302173148" sldId="275"/>
+            <ac:spMk id="20" creationId="{656E65F0-7028-48A5-9D66-1E5927A60C4C}"/>
+          </ac:spMkLst>
+        </pc:spChg>
+        <pc:spChg chg="mod">
+          <ac:chgData name="Boon Jun" userId="b9b2384c46af58b4" providerId="LiveId" clId="{07FA4B2E-902A-4B46-B455-FA227D8539BA}" dt="2020-02-13T06:44:31.225" v="2068" actId="1076"/>
+          <ac:spMkLst>
+            <pc:docMk/>
+            <pc:sldMk cId="2302173148" sldId="275"/>
+            <ac:spMk id="22" creationId="{A02A4A20-F180-4BE1-966A-15E3B0B8B041}"/>
+          </ac:spMkLst>
+        </pc:spChg>
+        <pc:spChg chg="add mod">
+          <ac:chgData name="Boon Jun" userId="b9b2384c46af58b4" providerId="LiveId" clId="{07FA4B2E-902A-4B46-B455-FA227D8539BA}" dt="2020-02-13T06:43:44.350" v="2066" actId="1076"/>
+          <ac:spMkLst>
+            <pc:docMk/>
+            <pc:sldMk cId="2302173148" sldId="275"/>
+            <ac:spMk id="23" creationId="{98975DDF-66A9-42F2-924A-4733D9B3E150}"/>
+          </ac:spMkLst>
+        </pc:spChg>
+        <pc:spChg chg="add del mod">
+          <ac:chgData name="Boon Jun" userId="b9b2384c46af58b4" providerId="LiveId" clId="{07FA4B2E-902A-4B46-B455-FA227D8539BA}" dt="2020-02-13T06:47:48.299" v="2111" actId="478"/>
+          <ac:spMkLst>
+            <pc:docMk/>
+            <pc:sldMk cId="2302173148" sldId="275"/>
+            <ac:spMk id="24" creationId="{8BF6BEBC-02FC-4AE0-B33A-0CC25852950B}"/>
+          </ac:spMkLst>
+        </pc:spChg>
+        <pc:picChg chg="add mod ord">
+          <ac:chgData name="Boon Jun" userId="b9b2384c46af58b4" providerId="LiveId" clId="{07FA4B2E-902A-4B46-B455-FA227D8539BA}" dt="2020-02-13T06:43:15.957" v="2058" actId="408"/>
+          <ac:picMkLst>
+            <pc:docMk/>
+            <pc:sldMk cId="2302173148" sldId="275"/>
+            <ac:picMk id="4" creationId="{8DA958F2-4DF7-4E1D-A79A-F416BF8A7221}"/>
+          </ac:picMkLst>
+        </pc:picChg>
+        <pc:picChg chg="del">
+          <ac:chgData name="Boon Jun" userId="b9b2384c46af58b4" providerId="LiveId" clId="{07FA4B2E-902A-4B46-B455-FA227D8539BA}" dt="2020-02-13T06:41:34.724" v="2012" actId="478"/>
+          <ac:picMkLst>
+            <pc:docMk/>
+            <pc:sldMk cId="2302173148" sldId="275"/>
+            <ac:picMk id="5" creationId="{E4A3E851-53C2-4981-A4C0-DF59EC7308CF}"/>
+          </ac:picMkLst>
+        </pc:picChg>
+        <pc:picChg chg="add mod ord">
+          <ac:chgData name="Boon Jun" userId="b9b2384c46af58b4" providerId="LiveId" clId="{07FA4B2E-902A-4B46-B455-FA227D8539BA}" dt="2020-02-13T06:43:15.957" v="2058" actId="408"/>
+          <ac:picMkLst>
+            <pc:docMk/>
+            <pc:sldMk cId="2302173148" sldId="275"/>
+            <ac:picMk id="12" creationId="{9D9EEEB0-333C-4085-BD69-E22774B35EC0}"/>
+          </ac:picMkLst>
+        </pc:picChg>
+        <pc:picChg chg="del">
+          <ac:chgData name="Boon Jun" userId="b9b2384c46af58b4" providerId="LiveId" clId="{07FA4B2E-902A-4B46-B455-FA227D8539BA}" dt="2020-02-13T06:41:34.724" v="2012" actId="478"/>
+          <ac:picMkLst>
+            <pc:docMk/>
+            <pc:sldMk cId="2302173148" sldId="275"/>
+            <ac:picMk id="14" creationId="{96E2515F-812A-4896-A3E9-3459D7DA7C55}"/>
+          </ac:picMkLst>
+        </pc:picChg>
+        <pc:picChg chg="add mod ord">
+          <ac:chgData name="Boon Jun" userId="b9b2384c46af58b4" providerId="LiveId" clId="{07FA4B2E-902A-4B46-B455-FA227D8539BA}" dt="2020-02-13T06:43:37.750" v="2065" actId="1076"/>
+          <ac:picMkLst>
+            <pc:docMk/>
+            <pc:sldMk cId="2302173148" sldId="275"/>
+            <ac:picMk id="18" creationId="{33AC5C74-A0BF-4AB5-9B50-DA4EF9325D29}"/>
+          </ac:picMkLst>
+        </pc:picChg>
+        <pc:picChg chg="del">
+          <ac:chgData name="Boon Jun" userId="b9b2384c46af58b4" providerId="LiveId" clId="{07FA4B2E-902A-4B46-B455-FA227D8539BA}" dt="2020-02-13T14:53:43.173" v="3810" actId="478"/>
+          <ac:picMkLst>
+            <pc:docMk/>
+            <pc:sldMk cId="2302173148" sldId="275"/>
+            <ac:picMk id="19" creationId="{2C9D18F4-DF60-4C50-9850-912CD1CB918E}"/>
+          </ac:picMkLst>
+        </pc:picChg>
+        <pc:picChg chg="del">
+          <ac:chgData name="Boon Jun" userId="b9b2384c46af58b4" providerId="LiveId" clId="{07FA4B2E-902A-4B46-B455-FA227D8539BA}" dt="2020-02-13T14:53:44.910" v="3812" actId="478"/>
+          <ac:picMkLst>
+            <pc:docMk/>
+            <pc:sldMk cId="2302173148" sldId="275"/>
+            <ac:picMk id="21" creationId="{1EAAFDD7-270D-40BB-B235-F2B7DF98EC72}"/>
+          </ac:picMkLst>
+        </pc:picChg>
+        <pc:picChg chg="add">
+          <ac:chgData name="Boon Jun" userId="b9b2384c46af58b4" providerId="LiveId" clId="{07FA4B2E-902A-4B46-B455-FA227D8539BA}" dt="2020-02-13T14:53:43.379" v="3811"/>
+          <ac:picMkLst>
+            <pc:docMk/>
+            <pc:sldMk cId="2302173148" sldId="275"/>
+            <ac:picMk id="24" creationId="{3795309C-1B17-4AEC-BA89-4DF89F331B21}"/>
+          </ac:picMkLst>
+        </pc:picChg>
+      </pc:sldChg>
+      <pc:sldChg chg="addSp delSp modSp add del">
+        <pc:chgData name="Boon Jun" userId="b9b2384c46af58b4" providerId="LiveId" clId="{07FA4B2E-902A-4B46-B455-FA227D8539BA}" dt="2020-02-13T15:33:00.009" v="4456" actId="47"/>
+        <pc:sldMkLst>
+          <pc:docMk/>
+          <pc:sldMk cId="1513588117" sldId="276"/>
+        </pc:sldMkLst>
+        <pc:spChg chg="add del">
+          <ac:chgData name="Boon Jun" userId="b9b2384c46af58b4" providerId="LiveId" clId="{07FA4B2E-902A-4B46-B455-FA227D8539BA}" dt="2020-02-13T14:02:55.460" v="3266"/>
+          <ac:spMkLst>
+            <pc:docMk/>
+            <pc:sldMk cId="1513588117" sldId="276"/>
+            <ac:spMk id="3" creationId="{9D4FE1E3-0C88-48FC-ACA5-68B0BCD9528A}"/>
+          </ac:spMkLst>
+        </pc:spChg>
+        <pc:spChg chg="add del">
+          <ac:chgData name="Boon Jun" userId="b9b2384c46af58b4" providerId="LiveId" clId="{07FA4B2E-902A-4B46-B455-FA227D8539BA}" dt="2020-02-13T14:03:04.276" v="3268"/>
+          <ac:spMkLst>
+            <pc:docMk/>
+            <pc:sldMk cId="1513588117" sldId="276"/>
+            <ac:spMk id="4" creationId="{F2F91B61-390C-4B78-8806-0DAE55542970}"/>
+          </ac:spMkLst>
+        </pc:spChg>
+        <pc:spChg chg="del">
+          <ac:chgData name="Boon Jun" userId="b9b2384c46af58b4" providerId="LiveId" clId="{07FA4B2E-902A-4B46-B455-FA227D8539BA}" dt="2020-02-13T06:44:45.051" v="2070" actId="478"/>
+          <ac:spMkLst>
+            <pc:docMk/>
+            <pc:sldMk cId="1513588117" sldId="276"/>
+            <ac:spMk id="8" creationId="{B452A63B-48F2-48C5-81B3-285FC0421F98}"/>
+          </ac:spMkLst>
+        </pc:spChg>
+        <pc:spChg chg="mod">
+          <ac:chgData name="Boon Jun" userId="b9b2384c46af58b4" providerId="LiveId" clId="{07FA4B2E-902A-4B46-B455-FA227D8539BA}" dt="2020-02-13T07:07:42.390" v="2677" actId="1076"/>
+          <ac:spMkLst>
+            <pc:docMk/>
+            <pc:sldMk cId="1513588117" sldId="276"/>
+            <ac:spMk id="10" creationId="{45E2ABB5-AA4B-4A0D-9553-8D9F0D57F433}"/>
+          </ac:spMkLst>
+        </pc:spChg>
+        <pc:spChg chg="add mod">
+          <ac:chgData name="Boon Jun" userId="b9b2384c46af58b4" providerId="LiveId" clId="{07FA4B2E-902A-4B46-B455-FA227D8539BA}" dt="2020-02-13T14:03:48.879" v="3285" actId="1076"/>
+          <ac:spMkLst>
+            <pc:docMk/>
+            <pc:sldMk cId="1513588117" sldId="276"/>
+            <ac:spMk id="12" creationId="{A57D88D3-310F-49F1-9E41-B24B393DB265}"/>
+          </ac:spMkLst>
+        </pc:spChg>
+        <pc:spChg chg="del">
+          <ac:chgData name="Boon Jun" userId="b9b2384c46af58b4" providerId="LiveId" clId="{07FA4B2E-902A-4B46-B455-FA227D8539BA}" dt="2020-02-13T06:44:45.051" v="2070" actId="478"/>
+          <ac:spMkLst>
+            <pc:docMk/>
+            <pc:sldMk cId="1513588117" sldId="276"/>
+            <ac:spMk id="16" creationId="{43EC70CF-418E-449B-8F23-60C0331C3AF1}"/>
+          </ac:spMkLst>
+        </pc:spChg>
+        <pc:spChg chg="del">
+          <ac:chgData name="Boon Jun" userId="b9b2384c46af58b4" providerId="LiveId" clId="{07FA4B2E-902A-4B46-B455-FA227D8539BA}" dt="2020-02-13T06:44:45.051" v="2070" actId="478"/>
+          <ac:spMkLst>
+            <pc:docMk/>
+            <pc:sldMk cId="1513588117" sldId="276"/>
+            <ac:spMk id="20" creationId="{656E65F0-7028-48A5-9D66-1E5927A60C4C}"/>
+          </ac:spMkLst>
+        </pc:spChg>
+        <pc:spChg chg="del">
+          <ac:chgData name="Boon Jun" userId="b9b2384c46af58b4" providerId="LiveId" clId="{07FA4B2E-902A-4B46-B455-FA227D8539BA}" dt="2020-02-13T06:44:45.051" v="2070" actId="478"/>
+          <ac:spMkLst>
+            <pc:docMk/>
+            <pc:sldMk cId="1513588117" sldId="276"/>
+            <ac:spMk id="22" creationId="{A02A4A20-F180-4BE1-966A-15E3B0B8B041}"/>
+          </ac:spMkLst>
+        </pc:spChg>
+        <pc:spChg chg="del">
+          <ac:chgData name="Boon Jun" userId="b9b2384c46af58b4" providerId="LiveId" clId="{07FA4B2E-902A-4B46-B455-FA227D8539BA}" dt="2020-02-13T06:44:45.051" v="2070" actId="478"/>
+          <ac:spMkLst>
+            <pc:docMk/>
+            <pc:sldMk cId="1513588117" sldId="276"/>
+            <ac:spMk id="23" creationId="{98975DDF-66A9-42F2-924A-4733D9B3E150}"/>
+          </ac:spMkLst>
+        </pc:spChg>
+        <pc:graphicFrameChg chg="add mod modGraphic">
+          <ac:chgData name="Boon Jun" userId="b9b2384c46af58b4" providerId="LiveId" clId="{07FA4B2E-902A-4B46-B455-FA227D8539BA}" dt="2020-02-13T14:05:22.076" v="3286" actId="1076"/>
+          <ac:graphicFrameMkLst>
+            <pc:docMk/>
+            <pc:sldMk cId="1513588117" sldId="276"/>
+            <ac:graphicFrameMk id="24" creationId="{8D2CBF1B-7348-4101-8C58-4653FB35D38A}"/>
+          </ac:graphicFrameMkLst>
+        </pc:graphicFrameChg>
+        <pc:picChg chg="del">
+          <ac:chgData name="Boon Jun" userId="b9b2384c46af58b4" providerId="LiveId" clId="{07FA4B2E-902A-4B46-B455-FA227D8539BA}" dt="2020-02-13T06:44:45.051" v="2070" actId="478"/>
+          <ac:picMkLst>
+            <pc:docMk/>
+            <pc:sldMk cId="1513588117" sldId="276"/>
+            <ac:picMk id="4" creationId="{8DA958F2-4DF7-4E1D-A79A-F416BF8A7221}"/>
+          </ac:picMkLst>
+        </pc:picChg>
+        <pc:picChg chg="del">
+          <ac:chgData name="Boon Jun" userId="b9b2384c46af58b4" providerId="LiveId" clId="{07FA4B2E-902A-4B46-B455-FA227D8539BA}" dt="2020-02-13T06:44:45.051" v="2070" actId="478"/>
+          <ac:picMkLst>
+            <pc:docMk/>
+            <pc:sldMk cId="1513588117" sldId="276"/>
+            <ac:picMk id="12" creationId="{9D9EEEB0-333C-4085-BD69-E22774B35EC0}"/>
+          </ac:picMkLst>
+        </pc:picChg>
+        <pc:picChg chg="add">
+          <ac:chgData name="Boon Jun" userId="b9b2384c46af58b4" providerId="LiveId" clId="{07FA4B2E-902A-4B46-B455-FA227D8539BA}" dt="2020-02-13T14:54:02.046" v="3823"/>
+          <ac:picMkLst>
+            <pc:docMk/>
+            <pc:sldMk cId="1513588117" sldId="276"/>
+            <ac:picMk id="15" creationId="{39CC7245-4DC1-43C9-8EDD-395D96CE3BC2}"/>
+          </ac:picMkLst>
+        </pc:picChg>
+        <pc:picChg chg="del">
+          <ac:chgData name="Boon Jun" userId="b9b2384c46af58b4" providerId="LiveId" clId="{07FA4B2E-902A-4B46-B455-FA227D8539BA}" dt="2020-02-13T06:44:45.051" v="2070" actId="478"/>
+          <ac:picMkLst>
+            <pc:docMk/>
+            <pc:sldMk cId="1513588117" sldId="276"/>
+            <ac:picMk id="18" creationId="{33AC5C74-A0BF-4AB5-9B50-DA4EF9325D29}"/>
+          </ac:picMkLst>
+        </pc:picChg>
+        <pc:picChg chg="del">
+          <ac:chgData name="Boon Jun" userId="b9b2384c46af58b4" providerId="LiveId" clId="{07FA4B2E-902A-4B46-B455-FA227D8539BA}" dt="2020-02-13T14:54:01.582" v="3822" actId="478"/>
+          <ac:picMkLst>
+            <pc:docMk/>
+            <pc:sldMk cId="1513588117" sldId="276"/>
+            <ac:picMk id="19" creationId="{2C9D18F4-DF60-4C50-9850-912CD1CB918E}"/>
+          </ac:picMkLst>
+        </pc:picChg>
+        <pc:picChg chg="del">
+          <ac:chgData name="Boon Jun" userId="b9b2384c46af58b4" providerId="LiveId" clId="{07FA4B2E-902A-4B46-B455-FA227D8539BA}" dt="2020-02-13T14:54:03.845" v="3824" actId="478"/>
+          <ac:picMkLst>
+            <pc:docMk/>
+            <pc:sldMk cId="1513588117" sldId="276"/>
+            <ac:picMk id="21" creationId="{1EAAFDD7-270D-40BB-B235-F2B7DF98EC72}"/>
+          </ac:picMkLst>
+        </pc:picChg>
+      </pc:sldChg>
+      <pc:sldChg chg="delSp add del">
+        <pc:chgData name="Boon Jun" userId="b9b2384c46af58b4" providerId="LiveId" clId="{07FA4B2E-902A-4B46-B455-FA227D8539BA}" dt="2020-02-13T06:48:52.649" v="2114" actId="47"/>
+        <pc:sldMkLst>
+          <pc:docMk/>
+          <pc:sldMk cId="3479621932" sldId="277"/>
+        </pc:sldMkLst>
+        <pc:spChg chg="del">
+          <ac:chgData name="Boon Jun" userId="b9b2384c46af58b4" providerId="LiveId" clId="{07FA4B2E-902A-4B46-B455-FA227D8539BA}" dt="2020-02-13T06:48:43.062" v="2113" actId="478"/>
+          <ac:spMkLst>
+            <pc:docMk/>
+            <pc:sldMk cId="3479621932" sldId="277"/>
+            <ac:spMk id="8" creationId="{B452A63B-48F2-48C5-81B3-285FC0421F98}"/>
+          </ac:spMkLst>
+        </pc:spChg>
+        <pc:picChg chg="del">
+          <ac:chgData name="Boon Jun" userId="b9b2384c46af58b4" providerId="LiveId" clId="{07FA4B2E-902A-4B46-B455-FA227D8539BA}" dt="2020-02-13T06:48:43.062" v="2113" actId="478"/>
+          <ac:picMkLst>
+            <pc:docMk/>
+            <pc:sldMk cId="3479621932" sldId="277"/>
+            <ac:picMk id="12" creationId="{9D9EEEB0-333C-4085-BD69-E22774B35EC0}"/>
+          </ac:picMkLst>
+        </pc:picChg>
+      </pc:sldChg>
+      <pc:sldChg chg="addSp delSp modSp add ord">
+        <pc:chgData name="Boon Jun" userId="b9b2384c46af58b4" providerId="LiveId" clId="{07FA4B2E-902A-4B46-B455-FA227D8539BA}" dt="2020-02-13T14:53:49.240" v="3815" actId="478"/>
+        <pc:sldMkLst>
+          <pc:docMk/>
+          <pc:sldMk cId="3608317841" sldId="277"/>
+        </pc:sldMkLst>
+        <pc:spChg chg="mod">
+          <ac:chgData name="Boon Jun" userId="b9b2384c46af58b4" providerId="LiveId" clId="{07FA4B2E-902A-4B46-B455-FA227D8539BA}" dt="2020-02-13T06:49:55.310" v="2135" actId="1076"/>
+          <ac:spMkLst>
+            <pc:docMk/>
+            <pc:sldMk cId="3608317841" sldId="277"/>
+            <ac:spMk id="8" creationId="{B452A63B-48F2-48C5-81B3-285FC0421F98}"/>
+          </ac:spMkLst>
+        </pc:spChg>
+        <pc:spChg chg="mod">
+          <ac:chgData name="Boon Jun" userId="b9b2384c46af58b4" providerId="LiveId" clId="{07FA4B2E-902A-4B46-B455-FA227D8539BA}" dt="2020-02-13T06:50:03.748" v="2138" actId="1076"/>
+          <ac:spMkLst>
+            <pc:docMk/>
+            <pc:sldMk cId="3608317841" sldId="277"/>
+            <ac:spMk id="16" creationId="{43EC70CF-418E-449B-8F23-60C0331C3AF1}"/>
+          </ac:spMkLst>
+        </pc:spChg>
+        <pc:spChg chg="del">
+          <ac:chgData name="Boon Jun" userId="b9b2384c46af58b4" providerId="LiveId" clId="{07FA4B2E-902A-4B46-B455-FA227D8539BA}" dt="2020-02-13T06:49:49.802" v="2133" actId="478"/>
+          <ac:spMkLst>
+            <pc:docMk/>
+            <pc:sldMk cId="3608317841" sldId="277"/>
+            <ac:spMk id="20" creationId="{656E65F0-7028-48A5-9D66-1E5927A60C4C}"/>
+          </ac:spMkLst>
+        </pc:spChg>
+        <pc:spChg chg="del">
+          <ac:chgData name="Boon Jun" userId="b9b2384c46af58b4" providerId="LiveId" clId="{07FA4B2E-902A-4B46-B455-FA227D8539BA}" dt="2020-02-13T06:49:51.791" v="2134" actId="478"/>
+          <ac:spMkLst>
+            <pc:docMk/>
+            <pc:sldMk cId="3608317841" sldId="277"/>
+            <ac:spMk id="22" creationId="{A02A4A20-F180-4BE1-966A-15E3B0B8B041}"/>
+          </ac:spMkLst>
+        </pc:spChg>
+        <pc:picChg chg="add mod ord">
+          <ac:chgData name="Boon Jun" userId="b9b2384c46af58b4" providerId="LiveId" clId="{07FA4B2E-902A-4B46-B455-FA227D8539BA}" dt="2020-02-13T06:49:58.472" v="2137" actId="1076"/>
+          <ac:picMkLst>
+            <pc:docMk/>
+            <pc:sldMk cId="3608317841" sldId="277"/>
+            <ac:picMk id="4" creationId="{066112C7-3DF8-48D8-9122-D02E5F299650}"/>
+          </ac:picMkLst>
+        </pc:picChg>
+        <pc:picChg chg="del">
+          <ac:chgData name="Boon Jun" userId="b9b2384c46af58b4" providerId="LiveId" clId="{07FA4B2E-902A-4B46-B455-FA227D8539BA}" dt="2020-02-13T06:49:20.261" v="2123" actId="478"/>
+          <ac:picMkLst>
+            <pc:docMk/>
+            <pc:sldMk cId="3608317841" sldId="277"/>
+            <ac:picMk id="5" creationId="{E4A3E851-53C2-4981-A4C0-DF59EC7308CF}"/>
+          </ac:picMkLst>
+        </pc:picChg>
+        <pc:picChg chg="del">
+          <ac:chgData name="Boon Jun" userId="b9b2384c46af58b4" providerId="LiveId" clId="{07FA4B2E-902A-4B46-B455-FA227D8539BA}" dt="2020-02-13T06:49:06.390" v="2118" actId="478"/>
+          <ac:picMkLst>
+            <pc:docMk/>
+            <pc:sldMk cId="3608317841" sldId="277"/>
+            <ac:picMk id="14" creationId="{96E2515F-812A-4896-A3E9-3459D7DA7C55}"/>
+          </ac:picMkLst>
+        </pc:picChg>
+        <pc:picChg chg="add">
+          <ac:chgData name="Boon Jun" userId="b9b2384c46af58b4" providerId="LiveId" clId="{07FA4B2E-902A-4B46-B455-FA227D8539BA}" dt="2020-02-13T14:53:48.107" v="3814"/>
+          <ac:picMkLst>
+            <pc:docMk/>
+            <pc:sldMk cId="3608317841" sldId="277"/>
+            <ac:picMk id="15" creationId="{88491E05-25CD-4DFF-82C2-6C27561BA1CF}"/>
+          </ac:picMkLst>
+        </pc:picChg>
+        <pc:picChg chg="add mod ord">
+          <ac:chgData name="Boon Jun" userId="b9b2384c46af58b4" providerId="LiveId" clId="{07FA4B2E-902A-4B46-B455-FA227D8539BA}" dt="2020-02-13T06:49:18.142" v="2122" actId="167"/>
+          <ac:picMkLst>
+            <pc:docMk/>
+            <pc:sldMk cId="3608317841" sldId="277"/>
+            <ac:picMk id="18" creationId="{EF557AB6-24EE-4197-94E4-2B7F19067C5E}"/>
+          </ac:picMkLst>
+        </pc:picChg>
+        <pc:picChg chg="del">
+          <ac:chgData name="Boon Jun" userId="b9b2384c46af58b4" providerId="LiveId" clId="{07FA4B2E-902A-4B46-B455-FA227D8539BA}" dt="2020-02-13T14:53:47.711" v="3813" actId="478"/>
+          <ac:picMkLst>
+            <pc:docMk/>
+            <pc:sldMk cId="3608317841" sldId="277"/>
+            <ac:picMk id="19" creationId="{2C9D18F4-DF60-4C50-9850-912CD1CB918E}"/>
+          </ac:picMkLst>
+        </pc:picChg>
+        <pc:picChg chg="del">
+          <ac:chgData name="Boon Jun" userId="b9b2384c46af58b4" providerId="LiveId" clId="{07FA4B2E-902A-4B46-B455-FA227D8539BA}" dt="2020-02-13T14:53:49.240" v="3815" actId="478"/>
+          <ac:picMkLst>
+            <pc:docMk/>
+            <pc:sldMk cId="3608317841" sldId="277"/>
+            <ac:picMk id="21" creationId="{1EAAFDD7-270D-40BB-B235-F2B7DF98EC72}"/>
+          </ac:picMkLst>
+        </pc:picChg>
+      </pc:sldChg>
+      <pc:sldChg chg="addSp delSp modSp add">
+        <pc:chgData name="Boon Jun" userId="b9b2384c46af58b4" providerId="LiveId" clId="{07FA4B2E-902A-4B46-B455-FA227D8539BA}" dt="2020-02-13T14:53:53.594" v="3818" actId="478"/>
+        <pc:sldMkLst>
+          <pc:docMk/>
+          <pc:sldMk cId="2192696132" sldId="278"/>
+        </pc:sldMkLst>
+        <pc:spChg chg="add del">
+          <ac:chgData name="Boon Jun" userId="b9b2384c46af58b4" providerId="LiveId" clId="{07FA4B2E-902A-4B46-B455-FA227D8539BA}" dt="2020-02-13T06:53:24.232" v="2275" actId="478"/>
+          <ac:spMkLst>
+            <pc:docMk/>
+            <pc:sldMk cId="2192696132" sldId="278"/>
+            <ac:spMk id="3" creationId="{73DF043F-9A80-4D25-8D51-9228BDAF0AE3}"/>
+          </ac:spMkLst>
+        </pc:spChg>
+        <pc:spChg chg="del">
+          <ac:chgData name="Boon Jun" userId="b9b2384c46af58b4" providerId="LiveId" clId="{07FA4B2E-902A-4B46-B455-FA227D8539BA}" dt="2020-02-13T06:50:15.341" v="2140" actId="478"/>
+          <ac:spMkLst>
+            <pc:docMk/>
+            <pc:sldMk cId="2192696132" sldId="278"/>
+            <ac:spMk id="8" creationId="{B452A63B-48F2-48C5-81B3-285FC0421F98}"/>
+          </ac:spMkLst>
+        </pc:spChg>
+        <pc:spChg chg="add mod">
+          <ac:chgData name="Boon Jun" userId="b9b2384c46af58b4" providerId="LiveId" clId="{07FA4B2E-902A-4B46-B455-FA227D8539BA}" dt="2020-02-13T06:52:18.122" v="2273" actId="1076"/>
+          <ac:spMkLst>
+            <pc:docMk/>
+            <pc:sldMk cId="2192696132" sldId="278"/>
+            <ac:spMk id="15" creationId="{D986C221-6C06-496E-A9B5-A3B055059838}"/>
+          </ac:spMkLst>
+        </pc:spChg>
+        <pc:spChg chg="del">
+          <ac:chgData name="Boon Jun" userId="b9b2384c46af58b4" providerId="LiveId" clId="{07FA4B2E-902A-4B46-B455-FA227D8539BA}" dt="2020-02-13T06:50:15.341" v="2140" actId="478"/>
+          <ac:spMkLst>
+            <pc:docMk/>
+            <pc:sldMk cId="2192696132" sldId="278"/>
+            <ac:spMk id="16" creationId="{43EC70CF-418E-449B-8F23-60C0331C3AF1}"/>
+          </ac:spMkLst>
+        </pc:spChg>
+        <pc:spChg chg="add mod">
+          <ac:chgData name="Boon Jun" userId="b9b2384c46af58b4" providerId="LiveId" clId="{07FA4B2E-902A-4B46-B455-FA227D8539BA}" dt="2020-02-13T06:55:48.939" v="2303" actId="20577"/>
+          <ac:spMkLst>
+            <pc:docMk/>
+            <pc:sldMk cId="2192696132" sldId="278"/>
+            <ac:spMk id="20" creationId="{B2FAB1E0-6DF9-48A8-BF90-EFC2AD90DB28}"/>
+          </ac:spMkLst>
+        </pc:spChg>
+        <pc:graphicFrameChg chg="add mod modGraphic">
+          <ac:chgData name="Boon Jun" userId="b9b2384c46af58b4" providerId="LiveId" clId="{07FA4B2E-902A-4B46-B455-FA227D8539BA}" dt="2020-02-13T07:21:30.122" v="2783" actId="20577"/>
+          <ac:graphicFrameMkLst>
+            <pc:docMk/>
+            <pc:sldMk cId="2192696132" sldId="278"/>
+            <ac:graphicFrameMk id="5" creationId="{1219424E-77CF-47E6-AAE0-BC062A0DC967}"/>
+          </ac:graphicFrameMkLst>
+        </pc:graphicFrameChg>
+        <pc:picChg chg="del">
+          <ac:chgData name="Boon Jun" userId="b9b2384c46af58b4" providerId="LiveId" clId="{07FA4B2E-902A-4B46-B455-FA227D8539BA}" dt="2020-02-13T06:50:15.341" v="2140" actId="478"/>
+          <ac:picMkLst>
+            <pc:docMk/>
+            <pc:sldMk cId="2192696132" sldId="278"/>
+            <ac:picMk id="4" creationId="{066112C7-3DF8-48D8-9122-D02E5F299650}"/>
+          </ac:picMkLst>
+        </pc:picChg>
+        <pc:picChg chg="add">
+          <ac:chgData name="Boon Jun" userId="b9b2384c46af58b4" providerId="LiveId" clId="{07FA4B2E-902A-4B46-B455-FA227D8539BA}" dt="2020-02-13T14:53:52.368" v="3817"/>
+          <ac:picMkLst>
+            <pc:docMk/>
+            <pc:sldMk cId="2192696132" sldId="278"/>
+            <ac:picMk id="14" creationId="{B54FB08D-C996-4E14-B5F3-BBA159DC400F}"/>
+          </ac:picMkLst>
+        </pc:picChg>
+        <pc:picChg chg="del">
+          <ac:chgData name="Boon Jun" userId="b9b2384c46af58b4" providerId="LiveId" clId="{07FA4B2E-902A-4B46-B455-FA227D8539BA}" dt="2020-02-13T06:50:15.341" v="2140" actId="478"/>
+          <ac:picMkLst>
+            <pc:docMk/>
+            <pc:sldMk cId="2192696132" sldId="278"/>
+            <ac:picMk id="18" creationId="{EF557AB6-24EE-4197-94E4-2B7F19067C5E}"/>
+          </ac:picMkLst>
+        </pc:picChg>
+        <pc:picChg chg="del">
+          <ac:chgData name="Boon Jun" userId="b9b2384c46af58b4" providerId="LiveId" clId="{07FA4B2E-902A-4B46-B455-FA227D8539BA}" dt="2020-02-13T14:53:52.052" v="3816" actId="478"/>
+          <ac:picMkLst>
+            <pc:docMk/>
+            <pc:sldMk cId="2192696132" sldId="278"/>
+            <ac:picMk id="19" creationId="{2C9D18F4-DF60-4C50-9850-912CD1CB918E}"/>
+          </ac:picMkLst>
+        </pc:picChg>
+        <pc:picChg chg="del">
+          <ac:chgData name="Boon Jun" userId="b9b2384c46af58b4" providerId="LiveId" clId="{07FA4B2E-902A-4B46-B455-FA227D8539BA}" dt="2020-02-13T14:53:53.594" v="3818" actId="478"/>
+          <ac:picMkLst>
+            <pc:docMk/>
+            <pc:sldMk cId="2192696132" sldId="278"/>
+            <ac:picMk id="21" creationId="{1EAAFDD7-270D-40BB-B235-F2B7DF98EC72}"/>
+          </ac:picMkLst>
+        </pc:picChg>
+      </pc:sldChg>
+      <pc:sldChg chg="addSp delSp modSp add">
+        <pc:chgData name="Boon Jun" userId="b9b2384c46af58b4" providerId="LiveId" clId="{07FA4B2E-902A-4B46-B455-FA227D8539BA}" dt="2020-02-13T15:34:19.364" v="4525" actId="1076"/>
+        <pc:sldMkLst>
+          <pc:docMk/>
+          <pc:sldMk cId="1611237328" sldId="279"/>
+        </pc:sldMkLst>
+        <pc:spChg chg="add mod ord">
+          <ac:chgData name="Boon Jun" userId="b9b2384c46af58b4" providerId="LiveId" clId="{07FA4B2E-902A-4B46-B455-FA227D8539BA}" dt="2020-02-13T07:15:56.830" v="2713" actId="164"/>
+          <ac:spMkLst>
+            <pc:docMk/>
+            <pc:sldMk cId="1611237328" sldId="279"/>
+            <ac:spMk id="5" creationId="{CD19335B-94BA-48DA-A9CF-6D296ABDB042}"/>
+          </ac:spMkLst>
+        </pc:spChg>
+        <pc:spChg chg="mod">
+          <ac:chgData name="Boon Jun" userId="b9b2384c46af58b4" providerId="LiveId" clId="{07FA4B2E-902A-4B46-B455-FA227D8539BA}" dt="2020-02-13T15:33:08.402" v="4461" actId="1076"/>
+          <ac:spMkLst>
+            <pc:docMk/>
+            <pc:sldMk cId="1611237328" sldId="279"/>
+            <ac:spMk id="10" creationId="{45E2ABB5-AA4B-4A0D-9553-8D9F0D57F433}"/>
+          </ac:spMkLst>
+        </pc:spChg>
+        <pc:spChg chg="add mod">
+          <ac:chgData name="Boon Jun" userId="b9b2384c46af58b4" providerId="LiveId" clId="{07FA4B2E-902A-4B46-B455-FA227D8539BA}" dt="2020-02-13T15:33:04.441" v="4458" actId="20577"/>
+          <ac:spMkLst>
+            <pc:docMk/>
+            <pc:sldMk cId="1611237328" sldId="279"/>
+            <ac:spMk id="18" creationId="{246CA023-9845-437A-B011-CE82C4B1DF36}"/>
+          </ac:spMkLst>
+        </pc:spChg>
+        <pc:spChg chg="add del mod">
+          <ac:chgData name="Boon Jun" userId="b9b2384c46af58b4" providerId="LiveId" clId="{07FA4B2E-902A-4B46-B455-FA227D8539BA}" dt="2020-02-13T14:06:21.439" v="3308" actId="478"/>
+          <ac:spMkLst>
+            <pc:docMk/>
+            <pc:sldMk cId="1611237328" sldId="279"/>
+            <ac:spMk id="20" creationId="{96DB1548-12A6-4155-949B-8EFE8826FF5A}"/>
+          </ac:spMkLst>
+        </pc:spChg>
+        <pc:spChg chg="add del">
+          <ac:chgData name="Boon Jun" userId="b9b2384c46af58b4" providerId="LiveId" clId="{07FA4B2E-902A-4B46-B455-FA227D8539BA}" dt="2020-02-13T14:06:18.182" v="3303"/>
+          <ac:spMkLst>
+            <pc:docMk/>
+            <pc:sldMk cId="1611237328" sldId="279"/>
+            <ac:spMk id="22" creationId="{433EC22A-FEEC-44D0-A896-C59B0B378388}"/>
+          </ac:spMkLst>
+        </pc:spChg>
+        <pc:spChg chg="add del mod">
+          <ac:chgData name="Boon Jun" userId="b9b2384c46af58b4" providerId="LiveId" clId="{07FA4B2E-902A-4B46-B455-FA227D8539BA}" dt="2020-02-13T15:33:10.801" v="4462" actId="478"/>
+          <ac:spMkLst>
+            <pc:docMk/>
+            <pc:sldMk cId="1611237328" sldId="279"/>
+            <ac:spMk id="23" creationId="{ABB9EB41-82D2-4691-8E65-B07C7B73DE00}"/>
+          </ac:spMkLst>
+        </pc:spChg>
+        <pc:spChg chg="add del mod">
+          <ac:chgData name="Boon Jun" userId="b9b2384c46af58b4" providerId="LiveId" clId="{07FA4B2E-902A-4B46-B455-FA227D8539BA}" dt="2020-02-13T15:33:10.801" v="4462" actId="478"/>
+          <ac:spMkLst>
+            <pc:docMk/>
+            <pc:sldMk cId="1611237328" sldId="279"/>
+            <ac:spMk id="24" creationId="{8D51A177-3E78-40CA-B744-7DCACF4BE529}"/>
+          </ac:spMkLst>
+        </pc:spChg>
+        <pc:spChg chg="add del mod">
+          <ac:chgData name="Boon Jun" userId="b9b2384c46af58b4" providerId="LiveId" clId="{07FA4B2E-902A-4B46-B455-FA227D8539BA}" dt="2020-02-13T15:33:10.801" v="4462" actId="478"/>
+          <ac:spMkLst>
+            <pc:docMk/>
+            <pc:sldMk cId="1611237328" sldId="279"/>
+            <ac:spMk id="25" creationId="{15D3737E-4601-4FC4-94E0-477644ED185E}"/>
+          </ac:spMkLst>
+        </pc:spChg>
+        <pc:spChg chg="add del mod">
+          <ac:chgData name="Boon Jun" userId="b9b2384c46af58b4" providerId="LiveId" clId="{07FA4B2E-902A-4B46-B455-FA227D8539BA}" dt="2020-02-13T15:33:10.801" v="4462" actId="478"/>
+          <ac:spMkLst>
+            <pc:docMk/>
+            <pc:sldMk cId="1611237328" sldId="279"/>
+            <ac:spMk id="26" creationId="{6E202F8B-07E7-4C74-8933-1CC1498B87B3}"/>
+          </ac:spMkLst>
+        </pc:spChg>
+        <pc:spChg chg="add del mod">
+          <ac:chgData name="Boon Jun" userId="b9b2384c46af58b4" providerId="LiveId" clId="{07FA4B2E-902A-4B46-B455-FA227D8539BA}" dt="2020-02-13T15:33:10.801" v="4462" actId="478"/>
+          <ac:spMkLst>
+            <pc:docMk/>
+            <pc:sldMk cId="1611237328" sldId="279"/>
+            <ac:spMk id="27" creationId="{7142C695-DF4C-41FA-93E7-A3B958740D89}"/>
+          </ac:spMkLst>
+        </pc:spChg>
+        <pc:spChg chg="add del mod">
+          <ac:chgData name="Boon Jun" userId="b9b2384c46af58b4" providerId="LiveId" clId="{07FA4B2E-902A-4B46-B455-FA227D8539BA}" dt="2020-02-13T15:33:10.801" v="4462" actId="478"/>
+          <ac:spMkLst>
+            <pc:docMk/>
+            <pc:sldMk cId="1611237328" sldId="279"/>
+            <ac:spMk id="28" creationId="{D8584885-C1DD-40E0-84DB-6D5EDAF5394C}"/>
+          </ac:spMkLst>
+        </pc:spChg>
+        <pc:spChg chg="add del mod">
+          <ac:chgData name="Boon Jun" userId="b9b2384c46af58b4" providerId="LiveId" clId="{07FA4B2E-902A-4B46-B455-FA227D8539BA}" dt="2020-02-13T15:33:10.801" v="4462" actId="478"/>
+          <ac:spMkLst>
+            <pc:docMk/>
+            <pc:sldMk cId="1611237328" sldId="279"/>
+            <ac:spMk id="29" creationId="{3619E6DF-3AF1-433F-A87C-C01FD2AA4FD9}"/>
+          </ac:spMkLst>
+        </pc:spChg>
+        <pc:spChg chg="add del mod">
+          <ac:chgData name="Boon Jun" userId="b9b2384c46af58b4" providerId="LiveId" clId="{07FA4B2E-902A-4B46-B455-FA227D8539BA}" dt="2020-02-13T15:33:10.801" v="4462" actId="478"/>
+          <ac:spMkLst>
+            <pc:docMk/>
+            <pc:sldMk cId="1611237328" sldId="279"/>
+            <ac:spMk id="30" creationId="{AECA707A-405A-4752-A497-2183FB319984}"/>
+          </ac:spMkLst>
+        </pc:spChg>
+        <pc:spChg chg="add del mod">
+          <ac:chgData name="Boon Jun" userId="b9b2384c46af58b4" providerId="LiveId" clId="{07FA4B2E-902A-4B46-B455-FA227D8539BA}" dt="2020-02-13T15:33:10.801" v="4462" actId="478"/>
+          <ac:spMkLst>
+            <pc:docMk/>
+            <pc:sldMk cId="1611237328" sldId="279"/>
+            <ac:spMk id="31" creationId="{B33C77C4-4AB6-4DCF-A28F-7BAFE60E750B}"/>
+          </ac:spMkLst>
+        </pc:spChg>
+        <pc:spChg chg="add del mod">
+          <ac:chgData name="Boon Jun" userId="b9b2384c46af58b4" providerId="LiveId" clId="{07FA4B2E-902A-4B46-B455-FA227D8539BA}" dt="2020-02-13T15:33:10.801" v="4462" actId="478"/>
+          <ac:spMkLst>
+            <pc:docMk/>
+            <pc:sldMk cId="1611237328" sldId="279"/>
+            <ac:spMk id="32" creationId="{7A91BD48-A2BC-4922-9211-B5977732032A}"/>
+          </ac:spMkLst>
+        </pc:spChg>
+        <pc:spChg chg="add del">
+          <ac:chgData name="Boon Jun" userId="b9b2384c46af58b4" providerId="LiveId" clId="{07FA4B2E-902A-4B46-B455-FA227D8539BA}" dt="2020-02-13T14:08:31.716" v="3364" actId="478"/>
+          <ac:spMkLst>
+            <pc:docMk/>
+            <pc:sldMk cId="1611237328" sldId="279"/>
+            <ac:spMk id="33" creationId="{F7397019-E1A3-47D2-816F-66769F3BCB3A}"/>
+          </ac:spMkLst>
+        </pc:spChg>
+        <pc:spChg chg="add mod">
+          <ac:chgData name="Boon Jun" userId="b9b2384c46af58b4" providerId="LiveId" clId="{07FA4B2E-902A-4B46-B455-FA227D8539BA}" dt="2020-02-13T15:34:19.364" v="4525" actId="1076"/>
+          <ac:spMkLst>
+            <pc:docMk/>
+            <pc:sldMk cId="1611237328" sldId="279"/>
+            <ac:spMk id="35" creationId="{B8F1A97C-9C36-4021-88A3-D3A66BF73067}"/>
+          </ac:spMkLst>
+        </pc:spChg>
+        <pc:grpChg chg="add del mod">
+          <ac:chgData name="Boon Jun" userId="b9b2384c46af58b4" providerId="LiveId" clId="{07FA4B2E-902A-4B46-B455-FA227D8539BA}" dt="2020-02-13T14:05:28.044" v="3287" actId="478"/>
+          <ac:grpSpMkLst>
+            <pc:docMk/>
+            <pc:sldMk cId="1611237328" sldId="279"/>
+            <ac:grpSpMk id="6" creationId="{30D82785-9D76-4901-B1CE-02ECA6048DC7}"/>
+          </ac:grpSpMkLst>
+        </pc:grpChg>
+        <pc:graphicFrameChg chg="del">
+          <ac:chgData name="Boon Jun" userId="b9b2384c46af58b4" providerId="LiveId" clId="{07FA4B2E-902A-4B46-B455-FA227D8539BA}" dt="2020-02-13T07:14:49.899" v="2696" actId="478"/>
+          <ac:graphicFrameMkLst>
+            <pc:docMk/>
+            <pc:sldMk cId="1611237328" sldId="279"/>
+            <ac:graphicFrameMk id="24" creationId="{8D2CBF1B-7348-4101-8C58-4653FB35D38A}"/>
+          </ac:graphicFrameMkLst>
+        </pc:graphicFrameChg>
+        <pc:picChg chg="add mod">
+          <ac:chgData name="Boon Jun" userId="b9b2384c46af58b4" providerId="LiveId" clId="{07FA4B2E-902A-4B46-B455-FA227D8539BA}" dt="2020-02-13T07:15:56.830" v="2713" actId="164"/>
+          <ac:picMkLst>
+            <pc:docMk/>
+            <pc:sldMk cId="1611237328" sldId="279"/>
+            <ac:picMk id="4" creationId="{1A098945-4C93-4902-9590-CEF394191E83}"/>
+          </ac:picMkLst>
+        </pc:picChg>
+        <pc:picChg chg="add del mod">
+          <ac:chgData name="Boon Jun" userId="b9b2384c46af58b4" providerId="LiveId" clId="{07FA4B2E-902A-4B46-B455-FA227D8539BA}" dt="2020-02-13T15:33:06.264" v="4459" actId="478"/>
+          <ac:picMkLst>
+            <pc:docMk/>
+            <pc:sldMk cId="1611237328" sldId="279"/>
+            <ac:picMk id="8" creationId="{5B1BB044-1F2F-469E-A88D-0E798FBC3153}"/>
+          </ac:picMkLst>
+        </pc:picChg>
+        <pc:picChg chg="add del mod">
+          <ac:chgData name="Boon Jun" userId="b9b2384c46af58b4" providerId="LiveId" clId="{07FA4B2E-902A-4B46-B455-FA227D8539BA}" dt="2020-02-13T07:16:40.576" v="2723" actId="478"/>
+          <ac:picMkLst>
+            <pc:docMk/>
+            <pc:sldMk cId="1611237328" sldId="279"/>
+            <ac:picMk id="12" creationId="{C25D352D-C9EC-437D-B2E4-625B919AB3A0}"/>
+          </ac:picMkLst>
+        </pc:picChg>
+        <pc:picChg chg="del">
+          <ac:chgData name="Boon Jun" userId="b9b2384c46af58b4" providerId="LiveId" clId="{07FA4B2E-902A-4B46-B455-FA227D8539BA}" dt="2020-02-13T14:54:06.760" v="3825" actId="478"/>
+          <ac:picMkLst>
+            <pc:docMk/>
+            <pc:sldMk cId="1611237328" sldId="279"/>
+            <ac:picMk id="19" creationId="{2C9D18F4-DF60-4C50-9850-912CD1CB918E}"/>
+          </ac:picMkLst>
+        </pc:picChg>
+        <pc:picChg chg="del">
+          <ac:chgData name="Boon Jun" userId="b9b2384c46af58b4" providerId="LiveId" clId="{07FA4B2E-902A-4B46-B455-FA227D8539BA}" dt="2020-02-13T14:54:08.591" v="3827" actId="478"/>
+          <ac:picMkLst>
+            <pc:docMk/>
+            <pc:sldMk cId="1611237328" sldId="279"/>
+            <ac:picMk id="21" creationId="{1EAAFDD7-270D-40BB-B235-F2B7DF98EC72}"/>
+          </ac:picMkLst>
+        </pc:picChg>
+        <pc:picChg chg="add">
+          <ac:chgData name="Boon Jun" userId="b9b2384c46af58b4" providerId="LiveId" clId="{07FA4B2E-902A-4B46-B455-FA227D8539BA}" dt="2020-02-13T14:54:07.127" v="3826"/>
+          <ac:picMkLst>
+            <pc:docMk/>
+            <pc:sldMk cId="1611237328" sldId="279"/>
+            <ac:picMk id="34" creationId="{52E776D2-6B2B-408B-9EE7-D4DA6B86EB6A}"/>
+          </ac:picMkLst>
+        </pc:picChg>
+      </pc:sldChg>
+      <pc:sldChg chg="addSp delSp modSp add">
+        <pc:chgData name="Boon Jun" userId="b9b2384c46af58b4" providerId="LiveId" clId="{07FA4B2E-902A-4B46-B455-FA227D8539BA}" dt="2020-02-13T15:35:34.618" v="4562" actId="20577"/>
+        <pc:sldMkLst>
+          <pc:docMk/>
+          <pc:sldMk cId="4197391946" sldId="280"/>
+        </pc:sldMkLst>
+        <pc:spChg chg="add mod">
+          <ac:chgData name="Boon Jun" userId="b9b2384c46af58b4" providerId="LiveId" clId="{07FA4B2E-902A-4B46-B455-FA227D8539BA}" dt="2020-02-13T15:35:34.618" v="4562" actId="20577"/>
+          <ac:spMkLst>
+            <pc:docMk/>
+            <pc:sldMk cId="4197391946" sldId="280"/>
+            <ac:spMk id="16" creationId="{6E641A05-CA83-4ADB-9D59-315B1F830694}"/>
+          </ac:spMkLst>
+        </pc:spChg>
+        <pc:spChg chg="del mod">
+          <ac:chgData name="Boon Jun" userId="b9b2384c46af58b4" providerId="LiveId" clId="{07FA4B2E-902A-4B46-B455-FA227D8539BA}" dt="2020-02-13T15:35:09.952" v="4548" actId="478"/>
+          <ac:spMkLst>
+            <pc:docMk/>
+            <pc:sldMk cId="4197391946" sldId="280"/>
+            <ac:spMk id="18" creationId="{246CA023-9845-437A-B011-CE82C4B1DF36}"/>
+          </ac:spMkLst>
+        </pc:spChg>
+        <pc:spChg chg="add mod">
+          <ac:chgData name="Boon Jun" userId="b9b2384c46af58b4" providerId="LiveId" clId="{07FA4B2E-902A-4B46-B455-FA227D8539BA}" dt="2020-02-13T15:35:15.256" v="4552" actId="20577"/>
+          <ac:spMkLst>
+            <pc:docMk/>
+            <pc:sldMk cId="4197391946" sldId="280"/>
+            <ac:spMk id="20" creationId="{DD00A97A-1A0A-45D4-B48D-0A904834F509}"/>
+          </ac:spMkLst>
+        </pc:spChg>
+        <pc:grpChg chg="del">
+          <ac:chgData name="Boon Jun" userId="b9b2384c46af58b4" providerId="LiveId" clId="{07FA4B2E-902A-4B46-B455-FA227D8539BA}" dt="2020-02-13T07:17:28.267" v="2753" actId="478"/>
+          <ac:grpSpMkLst>
+            <pc:docMk/>
+            <pc:sldMk cId="4197391946" sldId="280"/>
+            <ac:grpSpMk id="6" creationId="{30D82785-9D76-4901-B1CE-02ECA6048DC7}"/>
+          </ac:grpSpMkLst>
+        </pc:grpChg>
+        <pc:picChg chg="add mod">
+          <ac:chgData name="Boon Jun" userId="b9b2384c46af58b4" providerId="LiveId" clId="{07FA4B2E-902A-4B46-B455-FA227D8539BA}" dt="2020-02-13T08:53:36.541" v="2902" actId="14100"/>
+          <ac:picMkLst>
+            <pc:docMk/>
+            <pc:sldMk cId="4197391946" sldId="280"/>
+            <ac:picMk id="4" creationId="{0C73A668-2B9E-421F-8FBA-602FDCD90B69}"/>
+          </ac:picMkLst>
+        </pc:picChg>
+        <pc:picChg chg="add del mod">
+          <ac:chgData name="Boon Jun" userId="b9b2384c46af58b4" providerId="LiveId" clId="{07FA4B2E-902A-4B46-B455-FA227D8539BA}" dt="2020-02-13T08:53:26.598" v="2896" actId="478"/>
+          <ac:picMkLst>
+            <pc:docMk/>
+            <pc:sldMk cId="4197391946" sldId="280"/>
+            <ac:picMk id="8" creationId="{E073DFF9-5F2D-4973-8E24-EE74661B9697}"/>
+          </ac:picMkLst>
+        </pc:picChg>
+        <pc:picChg chg="add">
+          <ac:chgData name="Boon Jun" userId="b9b2384c46af58b4" providerId="LiveId" clId="{07FA4B2E-902A-4B46-B455-FA227D8539BA}" dt="2020-02-13T14:54:14.760" v="3829"/>
+          <ac:picMkLst>
+            <pc:docMk/>
+            <pc:sldMk cId="4197391946" sldId="280"/>
+            <ac:picMk id="15" creationId="{2A2B549E-EFCA-4670-977B-A4DF9A43BB12}"/>
+          </ac:picMkLst>
+        </pc:picChg>
+        <pc:picChg chg="del">
+          <ac:chgData name="Boon Jun" userId="b9b2384c46af58b4" providerId="LiveId" clId="{07FA4B2E-902A-4B46-B455-FA227D8539BA}" dt="2020-02-13T14:54:14.242" v="3828" actId="478"/>
+          <ac:picMkLst>
+            <pc:docMk/>
+            <pc:sldMk cId="4197391946" sldId="280"/>
+            <ac:picMk id="19" creationId="{2C9D18F4-DF60-4C50-9850-912CD1CB918E}"/>
+          </ac:picMkLst>
+        </pc:picChg>
+        <pc:picChg chg="del">
+          <ac:chgData name="Boon Jun" userId="b9b2384c46af58b4" providerId="LiveId" clId="{07FA4B2E-902A-4B46-B455-FA227D8539BA}" dt="2020-02-13T14:54:16.112" v="3830" actId="478"/>
+          <ac:picMkLst>
+            <pc:docMk/>
+            <pc:sldMk cId="4197391946" sldId="280"/>
+            <ac:picMk id="21" creationId="{1EAAFDD7-270D-40BB-B235-F2B7DF98EC72}"/>
+          </ac:picMkLst>
+        </pc:picChg>
+      </pc:sldChg>
+      <pc:sldChg chg="addSp delSp modSp add">
+        <pc:chgData name="Boon Jun" userId="b9b2384c46af58b4" providerId="LiveId" clId="{07FA4B2E-902A-4B46-B455-FA227D8539BA}" dt="2020-02-13T07:18:46.637" v="2779" actId="1076"/>
+        <pc:sldMkLst>
+          <pc:docMk/>
+          <pc:sldMk cId="1928838991" sldId="281"/>
+        </pc:sldMkLst>
+        <pc:spChg chg="mod">
+          <ac:chgData name="Boon Jun" userId="b9b2384c46af58b4" providerId="LiveId" clId="{07FA4B2E-902A-4B46-B455-FA227D8539BA}" dt="2020-02-13T07:18:34.610" v="2776" actId="1076"/>
+          <ac:spMkLst>
+            <pc:docMk/>
+            <pc:sldMk cId="1928838991" sldId="281"/>
+            <ac:spMk id="2" creationId="{FF21E304-E4E0-438B-AB07-1B8DC03AFC6F}"/>
+          </ac:spMkLst>
+        </pc:spChg>
+        <pc:spChg chg="del">
+          <ac:chgData name="Boon Jun" userId="b9b2384c46af58b4" providerId="LiveId" clId="{07FA4B2E-902A-4B46-B455-FA227D8539BA}" dt="2020-02-13T07:18:20.889" v="2763" actId="478"/>
+          <ac:spMkLst>
+            <pc:docMk/>
+            <pc:sldMk cId="1928838991" sldId="281"/>
+            <ac:spMk id="10" creationId="{45E2ABB5-AA4B-4A0D-9553-8D9F0D57F433}"/>
+          </ac:spMkLst>
+        </pc:spChg>
+        <pc:spChg chg="del">
+          <ac:chgData name="Boon Jun" userId="b9b2384c46af58b4" providerId="LiveId" clId="{07FA4B2E-902A-4B46-B455-FA227D8539BA}" dt="2020-02-13T07:18:14.802" v="2762" actId="478"/>
+          <ac:spMkLst>
+            <pc:docMk/>
+            <pc:sldMk cId="1928838991" sldId="281"/>
+            <ac:spMk id="18" creationId="{246CA023-9845-437A-B011-CE82C4B1DF36}"/>
+          </ac:spMkLst>
+        </pc:spChg>
+        <pc:picChg chg="del">
+          <ac:chgData name="Boon Jun" userId="b9b2384c46af58b4" providerId="LiveId" clId="{07FA4B2E-902A-4B46-B455-FA227D8539BA}" dt="2020-02-13T07:18:22.281" v="2764" actId="478"/>
+          <ac:picMkLst>
+            <pc:docMk/>
+            <pc:sldMk cId="1928838991" sldId="281"/>
+            <ac:picMk id="7" creationId="{0F454814-B50C-4698-B6C0-6DE90A930257}"/>
+          </ac:picMkLst>
+        </pc:picChg>
+        <pc:picChg chg="del">
+          <ac:chgData name="Boon Jun" userId="b9b2384c46af58b4" providerId="LiveId" clId="{07FA4B2E-902A-4B46-B455-FA227D8539BA}" dt="2020-02-13T07:18:14.802" v="2762" actId="478"/>
+          <ac:picMkLst>
+            <pc:docMk/>
+            <pc:sldMk cId="1928838991" sldId="281"/>
+            <ac:picMk id="8" creationId="{E073DFF9-5F2D-4973-8E24-EE74661B9697}"/>
+          </ac:picMkLst>
+        </pc:picChg>
+        <pc:picChg chg="del">
+          <ac:chgData name="Boon Jun" userId="b9b2384c46af58b4" providerId="LiveId" clId="{07FA4B2E-902A-4B46-B455-FA227D8539BA}" dt="2020-02-13T07:18:22.281" v="2764" actId="478"/>
+          <ac:picMkLst>
+            <pc:docMk/>
+            <pc:sldMk cId="1928838991" sldId="281"/>
+            <ac:picMk id="9" creationId="{4484A587-4DE2-4E0E-BD31-1E5371FF1617}"/>
+          </ac:picMkLst>
+        </pc:picChg>
+        <pc:picChg chg="del">
+          <ac:chgData name="Boon Jun" userId="b9b2384c46af58b4" providerId="LiveId" clId="{07FA4B2E-902A-4B46-B455-FA227D8539BA}" dt="2020-02-13T07:18:22.281" v="2764" actId="478"/>
+          <ac:picMkLst>
+            <pc:docMk/>
+            <pc:sldMk cId="1928838991" sldId="281"/>
+            <ac:picMk id="11" creationId="{787A3D66-E702-4786-9334-AA8574247486}"/>
+          </ac:picMkLst>
+        </pc:picChg>
+        <pc:picChg chg="del">
+          <ac:chgData name="Boon Jun" userId="b9b2384c46af58b4" providerId="LiveId" clId="{07FA4B2E-902A-4B46-B455-FA227D8539BA}" dt="2020-02-13T07:18:22.281" v="2764" actId="478"/>
+          <ac:picMkLst>
+            <pc:docMk/>
+            <pc:sldMk cId="1928838991" sldId="281"/>
+            <ac:picMk id="13" creationId="{10818EE9-430A-4CC4-BD02-5BDDEF750326}"/>
+          </ac:picMkLst>
+        </pc:picChg>
+        <pc:picChg chg="add mod">
+          <ac:chgData name="Boon Jun" userId="b9b2384c46af58b4" providerId="LiveId" clId="{07FA4B2E-902A-4B46-B455-FA227D8539BA}" dt="2020-02-13T07:18:46.637" v="2779" actId="1076"/>
+          <ac:picMkLst>
+            <pc:docMk/>
+            <pc:sldMk cId="1928838991" sldId="281"/>
+            <ac:picMk id="14" creationId="{D25A411E-A926-4AB4-B5BF-1F7B3E0854BD}"/>
+          </ac:picMkLst>
+        </pc:picChg>
+        <pc:picChg chg="del">
+          <ac:chgData name="Boon Jun" userId="b9b2384c46af58b4" providerId="LiveId" clId="{07FA4B2E-902A-4B46-B455-FA227D8539BA}" dt="2020-02-13T07:18:22.281" v="2764" actId="478"/>
+          <ac:picMkLst>
+            <pc:docMk/>
+            <pc:sldMk cId="1928838991" sldId="281"/>
+            <ac:picMk id="17" creationId="{2AB76BBD-A7C0-47CD-8857-DAAB96FDAC61}"/>
+          </ac:picMkLst>
+        </pc:picChg>
+        <pc:picChg chg="del">
+          <ac:chgData name="Boon Jun" userId="b9b2384c46af58b4" providerId="LiveId" clId="{07FA4B2E-902A-4B46-B455-FA227D8539BA}" dt="2020-02-13T07:18:22.281" v="2764" actId="478"/>
+          <ac:picMkLst>
+            <pc:docMk/>
+            <pc:sldMk cId="1928838991" sldId="281"/>
+            <ac:picMk id="19" creationId="{2C9D18F4-DF60-4C50-9850-912CD1CB918E}"/>
+          </ac:picMkLst>
+        </pc:picChg>
+        <pc:picChg chg="del">
+          <ac:chgData name="Boon Jun" userId="b9b2384c46af58b4" providerId="LiveId" clId="{07FA4B2E-902A-4B46-B455-FA227D8539BA}" dt="2020-02-13T07:18:22.281" v="2764" actId="478"/>
+          <ac:picMkLst>
+            <pc:docMk/>
+            <pc:sldMk cId="1928838991" sldId="281"/>
+            <ac:picMk id="21" creationId="{1EAAFDD7-270D-40BB-B235-F2B7DF98EC72}"/>
+          </ac:picMkLst>
+        </pc:picChg>
+      </pc:sldChg>
+      <pc:sldChg chg="addSp delSp modSp add ord">
+        <pc:chgData name="Boon Jun" userId="b9b2384c46af58b4" providerId="LiveId" clId="{07FA4B2E-902A-4B46-B455-FA227D8539BA}" dt="2020-02-13T14:53:31.095" v="3805" actId="207"/>
+        <pc:sldMkLst>
+          <pc:docMk/>
+          <pc:sldMk cId="448769969" sldId="282"/>
+        </pc:sldMkLst>
+        <pc:spChg chg="del">
+          <ac:chgData name="Boon Jun" userId="b9b2384c46af58b4" providerId="LiveId" clId="{07FA4B2E-902A-4B46-B455-FA227D8539BA}" dt="2020-02-13T08:41:39.123" v="2811" actId="478"/>
+          <ac:spMkLst>
+            <pc:docMk/>
+            <pc:sldMk cId="448769969" sldId="282"/>
+            <ac:spMk id="8" creationId="{B452A63B-48F2-48C5-81B3-285FC0421F98}"/>
+          </ac:spMkLst>
+        </pc:spChg>
+        <pc:spChg chg="mod">
+          <ac:chgData name="Boon Jun" userId="b9b2384c46af58b4" providerId="LiveId" clId="{07FA4B2E-902A-4B46-B455-FA227D8539BA}" dt="2020-02-13T08:48:38.422" v="2844" actId="1076"/>
+          <ac:spMkLst>
+            <pc:docMk/>
+            <pc:sldMk cId="448769969" sldId="282"/>
+            <ac:spMk id="10" creationId="{45E2ABB5-AA4B-4A0D-9553-8D9F0D57F433}"/>
+          </ac:spMkLst>
+        </pc:spChg>
+        <pc:spChg chg="del">
+          <ac:chgData name="Boon Jun" userId="b9b2384c46af58b4" providerId="LiveId" clId="{07FA4B2E-902A-4B46-B455-FA227D8539BA}" dt="2020-02-13T08:41:41.179" v="2813" actId="478"/>
+          <ac:spMkLst>
+            <pc:docMk/>
+            <pc:sldMk cId="448769969" sldId="282"/>
+            <ac:spMk id="16" creationId="{43EC70CF-418E-449B-8F23-60C0331C3AF1}"/>
+          </ac:spMkLst>
+        </pc:spChg>
+        <pc:spChg chg="del">
+          <ac:chgData name="Boon Jun" userId="b9b2384c46af58b4" providerId="LiveId" clId="{07FA4B2E-902A-4B46-B455-FA227D8539BA}" dt="2020-02-13T08:41:39.959" v="2812" actId="478"/>
+          <ac:spMkLst>
+            <pc:docMk/>
+            <pc:sldMk cId="448769969" sldId="282"/>
+            <ac:spMk id="20" creationId="{656E65F0-7028-48A5-9D66-1E5927A60C4C}"/>
+          </ac:spMkLst>
+        </pc:spChg>
+        <pc:spChg chg="del">
+          <ac:chgData name="Boon Jun" userId="b9b2384c46af58b4" providerId="LiveId" clId="{07FA4B2E-902A-4B46-B455-FA227D8539BA}" dt="2020-02-13T08:41:44.789" v="2816" actId="478"/>
+          <ac:spMkLst>
+            <pc:docMk/>
+            <pc:sldMk cId="448769969" sldId="282"/>
+            <ac:spMk id="22" creationId="{A02A4A20-F180-4BE1-966A-15E3B0B8B041}"/>
+          </ac:spMkLst>
+        </pc:spChg>
+        <pc:spChg chg="add mod">
+          <ac:chgData name="Boon Jun" userId="b9b2384c46af58b4" providerId="LiveId" clId="{07FA4B2E-902A-4B46-B455-FA227D8539BA}" dt="2020-02-13T08:49:23.816" v="2894" actId="1076"/>
+          <ac:spMkLst>
+            <pc:docMk/>
+            <pc:sldMk cId="448769969" sldId="282"/>
+            <ac:spMk id="23" creationId="{D1857ACB-06DA-42A2-B009-DA5DAF07A526}"/>
+          </ac:spMkLst>
+        </pc:spChg>
+        <pc:grpChg chg="add mod">
+          <ac:chgData name="Boon Jun" userId="b9b2384c46af58b4" providerId="LiveId" clId="{07FA4B2E-902A-4B46-B455-FA227D8539BA}" dt="2020-02-13T08:49:28.349" v="2895" actId="1076"/>
+          <ac:grpSpMkLst>
+            <pc:docMk/>
+            <pc:sldMk cId="448769969" sldId="282"/>
+            <ac:grpSpMk id="15" creationId="{3A0848DF-A269-4310-9200-B5B2A5293F80}"/>
+          </ac:grpSpMkLst>
+        </pc:grpChg>
+        <pc:picChg chg="del">
+          <ac:chgData name="Boon Jun" userId="b9b2384c46af58b4" providerId="LiveId" clId="{07FA4B2E-902A-4B46-B455-FA227D8539BA}" dt="2020-02-13T08:41:31.434" v="2806" actId="478"/>
+          <ac:picMkLst>
+            <pc:docMk/>
+            <pc:sldMk cId="448769969" sldId="282"/>
+            <ac:picMk id="4" creationId="{1A09FB53-B480-43EA-BF51-1165BDFCD5D9}"/>
+          </ac:picMkLst>
+        </pc:picChg>
+        <pc:picChg chg="add del mod ord">
+          <ac:chgData name="Boon Jun" userId="b9b2384c46af58b4" providerId="LiveId" clId="{07FA4B2E-902A-4B46-B455-FA227D8539BA}" dt="2020-02-13T08:48:41.181" v="2845" actId="164"/>
+          <ac:picMkLst>
+            <pc:docMk/>
+            <pc:sldMk cId="448769969" sldId="282"/>
+            <ac:picMk id="5" creationId="{AB3BFC04-D7A4-4DAE-8E8F-8F1A148FB9B9}"/>
+          </ac:picMkLst>
+        </pc:picChg>
+        <pc:picChg chg="del">
+          <ac:chgData name="Boon Jun" userId="b9b2384c46af58b4" providerId="LiveId" clId="{07FA4B2E-902A-4B46-B455-FA227D8539BA}" dt="2020-02-13T08:41:36.488" v="2810" actId="478"/>
+          <ac:picMkLst>
+            <pc:docMk/>
+            <pc:sldMk cId="448769969" sldId="282"/>
+            <ac:picMk id="6" creationId="{B0C6816B-0D15-4574-A76A-778D709CA8D1}"/>
+          </ac:picMkLst>
+        </pc:picChg>
+        <pc:picChg chg="add mod ord">
+          <ac:chgData name="Boon Jun" userId="b9b2384c46af58b4" providerId="LiveId" clId="{07FA4B2E-902A-4B46-B455-FA227D8539BA}" dt="2020-02-13T08:48:41.181" v="2845" actId="164"/>
+          <ac:picMkLst>
+            <pc:docMk/>
+            <pc:sldMk cId="448769969" sldId="282"/>
+            <ac:picMk id="14" creationId="{614EB4F5-08D9-4A33-8DFB-3D937284102D}"/>
+          </ac:picMkLst>
+        </pc:picChg>
+        <pc:picChg chg="add mod">
+          <ac:chgData name="Boon Jun" userId="b9b2384c46af58b4" providerId="LiveId" clId="{07FA4B2E-902A-4B46-B455-FA227D8539BA}" dt="2020-02-13T14:53:31.095" v="3805" actId="207"/>
+          <ac:picMkLst>
+            <pc:docMk/>
+            <pc:sldMk cId="448769969" sldId="282"/>
+            <ac:picMk id="16" creationId="{5B85F150-14F3-4D89-A22C-8243856372AD}"/>
+          </ac:picMkLst>
+        </pc:picChg>
+        <pc:picChg chg="del">
+          <ac:chgData name="Boon Jun" userId="b9b2384c46af58b4" providerId="LiveId" clId="{07FA4B2E-902A-4B46-B455-FA227D8539BA}" dt="2020-02-13T14:53:19.300" v="3801" actId="478"/>
+          <ac:picMkLst>
+            <pc:docMk/>
+            <pc:sldMk cId="448769969" sldId="282"/>
+            <ac:picMk id="19" creationId="{2C9D18F4-DF60-4C50-9850-912CD1CB918E}"/>
+          </ac:picMkLst>
+        </pc:picChg>
+        <pc:picChg chg="del">
+          <ac:chgData name="Boon Jun" userId="b9b2384c46af58b4" providerId="LiveId" clId="{07FA4B2E-902A-4B46-B455-FA227D8539BA}" dt="2020-02-13T14:53:21.223" v="3803" actId="478"/>
+          <ac:picMkLst>
+            <pc:docMk/>
+            <pc:sldMk cId="448769969" sldId="282"/>
+            <ac:picMk id="21" creationId="{1EAAFDD7-270D-40BB-B235-F2B7DF98EC72}"/>
+          </ac:picMkLst>
+        </pc:picChg>
+        <pc:picChg chg="add mod">
+          <ac:chgData name="Boon Jun" userId="b9b2384c46af58b4" providerId="LiveId" clId="{07FA4B2E-902A-4B46-B455-FA227D8539BA}" dt="2020-02-13T08:48:41.181" v="2845" actId="164"/>
+          <ac:picMkLst>
+            <pc:docMk/>
+            <pc:sldMk cId="448769969" sldId="282"/>
+            <ac:picMk id="1026" creationId="{BAF15449-2383-4B4B-998D-F4E4ED2DC167}"/>
+          </ac:picMkLst>
+        </pc:picChg>
+      </pc:sldChg>
+      <pc:sldChg chg="addSp delSp modSp add">
+        <pc:chgData name="Boon Jun" userId="b9b2384c46af58b4" providerId="LiveId" clId="{07FA4B2E-902A-4B46-B455-FA227D8539BA}" dt="2020-02-13T14:52:33.421" v="3781" actId="478"/>
+        <pc:sldMkLst>
+          <pc:docMk/>
+          <pc:sldMk cId="2457063894" sldId="283"/>
+        </pc:sldMkLst>
+        <pc:grpChg chg="del">
+          <ac:chgData name="Boon Jun" userId="b9b2384c46af58b4" providerId="LiveId" clId="{07FA4B2E-902A-4B46-B455-FA227D8539BA}" dt="2020-02-13T13:51:47.452" v="2909" actId="478"/>
+          <ac:grpSpMkLst>
+            <pc:docMk/>
+            <pc:sldMk cId="2457063894" sldId="283"/>
+            <ac:grpSpMk id="16" creationId="{42FCBA91-79B9-432A-AFB5-D14194C68518}"/>
+          </ac:grpSpMkLst>
+        </pc:grpChg>
+        <pc:picChg chg="add mod">
+          <ac:chgData name="Boon Jun" userId="b9b2384c46af58b4" providerId="LiveId" clId="{07FA4B2E-902A-4B46-B455-FA227D8539BA}" dt="2020-02-13T14:11:20.914" v="3369" actId="1076"/>
+          <ac:picMkLst>
+            <pc:docMk/>
+            <pc:sldMk cId="2457063894" sldId="283"/>
+            <ac:picMk id="4" creationId="{33DAC2CD-A671-49C0-926B-031B9EE53E31}"/>
+          </ac:picMkLst>
+        </pc:picChg>
+        <pc:picChg chg="add">
+          <ac:chgData name="Boon Jun" userId="b9b2384c46af58b4" providerId="LiveId" clId="{07FA4B2E-902A-4B46-B455-FA227D8539BA}" dt="2020-02-13T14:52:32.101" v="3780"/>
+          <ac:picMkLst>
+            <pc:docMk/>
+            <pc:sldMk cId="2457063894" sldId="283"/>
+            <ac:picMk id="18" creationId="{1941B363-3234-4188-AAB7-5166EC0772CB}"/>
+          </ac:picMkLst>
+        </pc:picChg>
+        <pc:picChg chg="del">
+          <ac:chgData name="Boon Jun" userId="b9b2384c46af58b4" providerId="LiveId" clId="{07FA4B2E-902A-4B46-B455-FA227D8539BA}" dt="2020-02-13T14:52:31.841" v="3779" actId="478"/>
+          <ac:picMkLst>
+            <pc:docMk/>
+            <pc:sldMk cId="2457063894" sldId="283"/>
+            <ac:picMk id="19" creationId="{2C9D18F4-DF60-4C50-9850-912CD1CB918E}"/>
+          </ac:picMkLst>
+        </pc:picChg>
+        <pc:picChg chg="del">
+          <ac:chgData name="Boon Jun" userId="b9b2384c46af58b4" providerId="LiveId" clId="{07FA4B2E-902A-4B46-B455-FA227D8539BA}" dt="2020-02-13T14:52:33.421" v="3781" actId="478"/>
+          <ac:picMkLst>
+            <pc:docMk/>
+            <pc:sldMk cId="2457063894" sldId="283"/>
+            <ac:picMk id="21" creationId="{1EAAFDD7-270D-40BB-B235-F2B7DF98EC72}"/>
+          </ac:picMkLst>
+        </pc:picChg>
+        <pc:picChg chg="del">
+          <ac:chgData name="Boon Jun" userId="b9b2384c46af58b4" providerId="LiveId" clId="{07FA4B2E-902A-4B46-B455-FA227D8539BA}" dt="2020-02-13T13:51:43.922" v="2908" actId="478"/>
+          <ac:picMkLst>
+            <pc:docMk/>
+            <pc:sldMk cId="2457063894" sldId="283"/>
+            <ac:picMk id="2050" creationId="{EDAA3C66-9856-43C0-9E71-DF9C9727AB29}"/>
+          </ac:picMkLst>
+        </pc:picChg>
+      </pc:sldChg>
+      <pc:sldChg chg="addSp delSp modSp add">
+        <pc:chgData name="Boon Jun" userId="b9b2384c46af58b4" providerId="LiveId" clId="{07FA4B2E-902A-4B46-B455-FA227D8539BA}" dt="2020-02-13T14:53:58.485" v="3821" actId="478"/>
+        <pc:sldMkLst>
+          <pc:docMk/>
+          <pc:sldMk cId="3063102901" sldId="284"/>
+        </pc:sldMkLst>
+        <pc:spChg chg="mod">
+          <ac:chgData name="Boon Jun" userId="b9b2384c46af58b4" providerId="LiveId" clId="{07FA4B2E-902A-4B46-B455-FA227D8539BA}" dt="2020-02-13T13:56:29.574" v="2972" actId="20577"/>
+          <ac:spMkLst>
+            <pc:docMk/>
+            <pc:sldMk cId="3063102901" sldId="284"/>
+            <ac:spMk id="10" creationId="{45E2ABB5-AA4B-4A0D-9553-8D9F0D57F433}"/>
+          </ac:spMkLst>
+        </pc:spChg>
+        <pc:spChg chg="add mod">
+          <ac:chgData name="Boon Jun" userId="b9b2384c46af58b4" providerId="LiveId" clId="{07FA4B2E-902A-4B46-B455-FA227D8539BA}" dt="2020-02-13T14:02:08.197" v="3226" actId="2711"/>
+          <ac:spMkLst>
+            <pc:docMk/>
+            <pc:sldMk cId="3063102901" sldId="284"/>
+            <ac:spMk id="14" creationId="{791D7063-6504-44BC-ABF6-C0FCAFAF8160}"/>
+          </ac:spMkLst>
+        </pc:spChg>
+        <pc:spChg chg="add del mod">
+          <ac:chgData name="Boon Jun" userId="b9b2384c46af58b4" providerId="LiveId" clId="{07FA4B2E-902A-4B46-B455-FA227D8539BA}" dt="2020-02-13T14:00:48.458" v="3225" actId="1076"/>
+          <ac:spMkLst>
+            <pc:docMk/>
+            <pc:sldMk cId="3063102901" sldId="284"/>
+            <ac:spMk id="15" creationId="{D986C221-6C06-496E-A9B5-A3B055059838}"/>
+          </ac:spMkLst>
+        </pc:spChg>
+        <pc:spChg chg="add mod">
+          <ac:chgData name="Boon Jun" userId="b9b2384c46af58b4" providerId="LiveId" clId="{07FA4B2E-902A-4B46-B455-FA227D8539BA}" dt="2020-02-13T14:00:48.458" v="3225" actId="1076"/>
+          <ac:spMkLst>
+            <pc:docMk/>
+            <pc:sldMk cId="3063102901" sldId="284"/>
+            <ac:spMk id="16" creationId="{00958EA9-2343-42C8-8BDA-89DFF475B52D}"/>
+          </ac:spMkLst>
+        </pc:spChg>
+        <pc:spChg chg="add mod">
+          <ac:chgData name="Boon Jun" userId="b9b2384c46af58b4" providerId="LiveId" clId="{07FA4B2E-902A-4B46-B455-FA227D8539BA}" dt="2020-02-13T14:00:48.458" v="3225" actId="1076"/>
+          <ac:spMkLst>
+            <pc:docMk/>
+            <pc:sldMk cId="3063102901" sldId="284"/>
+            <ac:spMk id="18" creationId="{376BAC12-FE09-4CB4-B6B0-94EE46E72BF4}"/>
+          </ac:spMkLst>
+        </pc:spChg>
+        <pc:spChg chg="del">
+          <ac:chgData name="Boon Jun" userId="b9b2384c46af58b4" providerId="LiveId" clId="{07FA4B2E-902A-4B46-B455-FA227D8539BA}" dt="2020-02-13T13:56:37.828" v="2975" actId="478"/>
+          <ac:spMkLst>
+            <pc:docMk/>
+            <pc:sldMk cId="3063102901" sldId="284"/>
+            <ac:spMk id="20" creationId="{B2FAB1E0-6DF9-48A8-BF90-EFC2AD90DB28}"/>
+          </ac:spMkLst>
+        </pc:spChg>
+        <pc:graphicFrameChg chg="del">
+          <ac:chgData name="Boon Jun" userId="b9b2384c46af58b4" providerId="LiveId" clId="{07FA4B2E-902A-4B46-B455-FA227D8539BA}" dt="2020-02-13T13:56:37.828" v="2975" actId="478"/>
+          <ac:graphicFrameMkLst>
+            <pc:docMk/>
+            <pc:sldMk cId="3063102901" sldId="284"/>
+            <ac:graphicFrameMk id="5" creationId="{1219424E-77CF-47E6-AAE0-BC062A0DC967}"/>
+          </ac:graphicFrameMkLst>
+        </pc:graphicFrameChg>
+        <pc:picChg chg="del">
+          <ac:chgData name="Boon Jun" userId="b9b2384c46af58b4" providerId="LiveId" clId="{07FA4B2E-902A-4B46-B455-FA227D8539BA}" dt="2020-02-13T14:53:56.642" v="3819" actId="478"/>
+          <ac:picMkLst>
+            <pc:docMk/>
+            <pc:sldMk cId="3063102901" sldId="284"/>
+            <ac:picMk id="19" creationId="{2C9D18F4-DF60-4C50-9850-912CD1CB918E}"/>
+          </ac:picMkLst>
+        </pc:picChg>
+        <pc:picChg chg="del">
+          <ac:chgData name="Boon Jun" userId="b9b2384c46af58b4" providerId="LiveId" clId="{07FA4B2E-902A-4B46-B455-FA227D8539BA}" dt="2020-02-13T14:53:58.485" v="3821" actId="478"/>
+          <ac:picMkLst>
+            <pc:docMk/>
+            <pc:sldMk cId="3063102901" sldId="284"/>
+            <ac:picMk id="21" creationId="{1EAAFDD7-270D-40BB-B235-F2B7DF98EC72}"/>
+          </ac:picMkLst>
+        </pc:picChg>
+        <pc:picChg chg="add">
+          <ac:chgData name="Boon Jun" userId="b9b2384c46af58b4" providerId="LiveId" clId="{07FA4B2E-902A-4B46-B455-FA227D8539BA}" dt="2020-02-13T14:53:57.220" v="3820"/>
+          <ac:picMkLst>
+            <pc:docMk/>
+            <pc:sldMk cId="3063102901" sldId="284"/>
+            <ac:picMk id="22" creationId="{1ED43997-9DC2-40AF-87B5-ABEEF7AC0CD1}"/>
+          </ac:picMkLst>
+        </pc:picChg>
+      </pc:sldChg>
+      <pc:sldChg chg="addSp delSp add ord">
+        <pc:chgData name="Boon Jun" userId="b9b2384c46af58b4" providerId="LiveId" clId="{07FA4B2E-902A-4B46-B455-FA227D8539BA}" dt="2020-02-13T14:54:21.196" v="3833" actId="478"/>
+        <pc:sldMkLst>
+          <pc:docMk/>
+          <pc:sldMk cId="1029338606" sldId="285"/>
+        </pc:sldMkLst>
+        <pc:picChg chg="add">
+          <ac:chgData name="Boon Jun" userId="b9b2384c46af58b4" providerId="LiveId" clId="{07FA4B2E-902A-4B46-B455-FA227D8539BA}" dt="2020-02-13T14:54:19.896" v="3832"/>
+          <ac:picMkLst>
+            <pc:docMk/>
+            <pc:sldMk cId="1029338606" sldId="285"/>
+            <ac:picMk id="14" creationId="{6299479E-D349-42F1-868F-8A806D9DB685}"/>
+          </ac:picMkLst>
+        </pc:picChg>
+        <pc:picChg chg="del">
+          <ac:chgData name="Boon Jun" userId="b9b2384c46af58b4" providerId="LiveId" clId="{07FA4B2E-902A-4B46-B455-FA227D8539BA}" dt="2020-02-13T14:54:19.403" v="3831" actId="478"/>
+          <ac:picMkLst>
+            <pc:docMk/>
+            <pc:sldMk cId="1029338606" sldId="285"/>
+            <ac:picMk id="19" creationId="{2C9D18F4-DF60-4C50-9850-912CD1CB918E}"/>
+          </ac:picMkLst>
+        </pc:picChg>
+        <pc:picChg chg="del">
+          <ac:chgData name="Boon Jun" userId="b9b2384c46af58b4" providerId="LiveId" clId="{07FA4B2E-902A-4B46-B455-FA227D8539BA}" dt="2020-02-13T14:54:21.196" v="3833" actId="478"/>
+          <ac:picMkLst>
+            <pc:docMk/>
+            <pc:sldMk cId="1029338606" sldId="285"/>
+            <ac:picMk id="21" creationId="{1EAAFDD7-270D-40BB-B235-F2B7DF98EC72}"/>
+          </ac:picMkLst>
+        </pc:picChg>
+      </pc:sldChg>
+      <pc:sldChg chg="addSp delSp modSp add">
+        <pc:chgData name="Boon Jun" userId="b9b2384c46af58b4" providerId="LiveId" clId="{07FA4B2E-902A-4B46-B455-FA227D8539BA}" dt="2020-02-13T15:21:24.074" v="4222" actId="1035"/>
+        <pc:sldMkLst>
+          <pc:docMk/>
+          <pc:sldMk cId="121191856" sldId="286"/>
+        </pc:sldMkLst>
+        <pc:spChg chg="mod">
+          <ac:chgData name="Boon Jun" userId="b9b2384c46af58b4" providerId="LiveId" clId="{07FA4B2E-902A-4B46-B455-FA227D8539BA}" dt="2020-02-13T15:06:04.078" v="3843" actId="20577"/>
+          <ac:spMkLst>
+            <pc:docMk/>
+            <pc:sldMk cId="121191856" sldId="286"/>
+            <ac:spMk id="2" creationId="{FF21E304-E4E0-438B-AB07-1B8DC03AFC6F}"/>
+          </ac:spMkLst>
+        </pc:spChg>
+        <pc:spChg chg="del">
+          <ac:chgData name="Boon Jun" userId="b9b2384c46af58b4" providerId="LiveId" clId="{07FA4B2E-902A-4B46-B455-FA227D8539BA}" dt="2020-02-13T15:06:16.481" v="3845" actId="478"/>
+          <ac:spMkLst>
+            <pc:docMk/>
+            <pc:sldMk cId="121191856" sldId="286"/>
+            <ac:spMk id="10" creationId="{45E2ABB5-AA4B-4A0D-9553-8D9F0D57F433}"/>
+          </ac:spMkLst>
+        </pc:spChg>
+        <pc:spChg chg="del">
+          <ac:chgData name="Boon Jun" userId="b9b2384c46af58b4" providerId="LiveId" clId="{07FA4B2E-902A-4B46-B455-FA227D8539BA}" dt="2020-02-13T15:06:00.646" v="3836" actId="478"/>
+          <ac:spMkLst>
+            <pc:docMk/>
+            <pc:sldMk cId="121191856" sldId="286"/>
+            <ac:spMk id="12" creationId="{A57D88D3-310F-49F1-9E41-B24B393DB265}"/>
+          </ac:spMkLst>
+        </pc:spChg>
+        <pc:spChg chg="add mod">
+          <ac:chgData name="Boon Jun" userId="b9b2384c46af58b4" providerId="LiveId" clId="{07FA4B2E-902A-4B46-B455-FA227D8539BA}" dt="2020-02-13T15:21:00.427" v="4135" actId="164"/>
+          <ac:spMkLst>
+            <pc:docMk/>
+            <pc:sldMk cId="121191856" sldId="286"/>
+            <ac:spMk id="15" creationId="{62E3146B-EFCC-4AD4-9349-4B9B8494A7D7}"/>
+          </ac:spMkLst>
+        </pc:spChg>
+        <pc:spChg chg="add mod">
+          <ac:chgData name="Boon Jun" userId="b9b2384c46af58b4" providerId="LiveId" clId="{07FA4B2E-902A-4B46-B455-FA227D8539BA}" dt="2020-02-13T15:21:03.436" v="4136" actId="164"/>
+          <ac:spMkLst>
+            <pc:docMk/>
+            <pc:sldMk cId="121191856" sldId="286"/>
+            <ac:spMk id="18" creationId="{A8A804C9-385C-4793-8993-F9BBBE363F55}"/>
+          </ac:spMkLst>
+        </pc:spChg>
+        <pc:spChg chg="add mod">
+          <ac:chgData name="Boon Jun" userId="b9b2384c46af58b4" providerId="LiveId" clId="{07FA4B2E-902A-4B46-B455-FA227D8539BA}" dt="2020-02-13T15:21:05.293" v="4137" actId="164"/>
+          <ac:spMkLst>
+            <pc:docMk/>
+            <pc:sldMk cId="121191856" sldId="286"/>
+            <ac:spMk id="22" creationId="{9407FE9A-CB6A-4BB5-98A9-0A7530DAB2B7}"/>
+          </ac:spMkLst>
+        </pc:spChg>
+        <pc:grpChg chg="add mod">
+          <ac:chgData name="Boon Jun" userId="b9b2384c46af58b4" providerId="LiveId" clId="{07FA4B2E-902A-4B46-B455-FA227D8539BA}" dt="2020-02-13T15:21:24.074" v="4222" actId="1035"/>
+          <ac:grpSpMkLst>
+            <pc:docMk/>
+            <pc:sldMk cId="121191856" sldId="286"/>
+            <ac:grpSpMk id="21" creationId="{9BB594AB-AF97-4B45-866B-E85B013877C8}"/>
+          </ac:grpSpMkLst>
+        </pc:grpChg>
+        <pc:grpChg chg="add mod">
+          <ac:chgData name="Boon Jun" userId="b9b2384c46af58b4" providerId="LiveId" clId="{07FA4B2E-902A-4B46-B455-FA227D8539BA}" dt="2020-02-13T15:21:24.074" v="4222" actId="1035"/>
+          <ac:grpSpMkLst>
+            <pc:docMk/>
+            <pc:sldMk cId="121191856" sldId="286"/>
+            <ac:grpSpMk id="23" creationId="{B12609BB-8476-4B28-9114-7B4259486364}"/>
+          </ac:grpSpMkLst>
+        </pc:grpChg>
+        <pc:grpChg chg="add mod">
+          <ac:chgData name="Boon Jun" userId="b9b2384c46af58b4" providerId="LiveId" clId="{07FA4B2E-902A-4B46-B455-FA227D8539BA}" dt="2020-02-13T15:21:24.074" v="4222" actId="1035"/>
+          <ac:grpSpMkLst>
+            <pc:docMk/>
+            <pc:sldMk cId="121191856" sldId="286"/>
+            <ac:grpSpMk id="25" creationId="{EA049BB6-60A9-47A8-9E46-3677317C6F8A}"/>
+          </ac:grpSpMkLst>
+        </pc:grpChg>
+        <pc:graphicFrameChg chg="del">
+          <ac:chgData name="Boon Jun" userId="b9b2384c46af58b4" providerId="LiveId" clId="{07FA4B2E-902A-4B46-B455-FA227D8539BA}" dt="2020-02-13T15:06:00.646" v="3836" actId="478"/>
+          <ac:graphicFrameMkLst>
+            <pc:docMk/>
+            <pc:sldMk cId="121191856" sldId="286"/>
+            <ac:graphicFrameMk id="24" creationId="{8D2CBF1B-7348-4101-8C58-4653FB35D38A}"/>
+          </ac:graphicFrameMkLst>
+        </pc:graphicFrameChg>
+        <pc:picChg chg="add mod">
+          <ac:chgData name="Boon Jun" userId="b9b2384c46af58b4" providerId="LiveId" clId="{07FA4B2E-902A-4B46-B455-FA227D8539BA}" dt="2020-02-13T15:21:00.427" v="4135" actId="164"/>
+          <ac:picMkLst>
+            <pc:docMk/>
+            <pc:sldMk cId="121191856" sldId="286"/>
+            <ac:picMk id="4" creationId="{AFE09240-54CE-4BCB-81B5-43C2E84F514E}"/>
+          </ac:picMkLst>
+        </pc:picChg>
+        <pc:picChg chg="add mod">
+          <ac:chgData name="Boon Jun" userId="b9b2384c46af58b4" providerId="LiveId" clId="{07FA4B2E-902A-4B46-B455-FA227D8539BA}" dt="2020-02-13T15:21:03.436" v="4136" actId="164"/>
+          <ac:picMkLst>
+            <pc:docMk/>
+            <pc:sldMk cId="121191856" sldId="286"/>
+            <ac:picMk id="6" creationId="{320BC816-E47B-4120-BD37-FE16566C38DA}"/>
+          </ac:picMkLst>
+        </pc:picChg>
+        <pc:picChg chg="del">
+          <ac:chgData name="Boon Jun" userId="b9b2384c46af58b4" providerId="LiveId" clId="{07FA4B2E-902A-4B46-B455-FA227D8539BA}" dt="2020-02-13T15:06:07.442" v="3844" actId="478"/>
+          <ac:picMkLst>
+            <pc:docMk/>
+            <pc:sldMk cId="121191856" sldId="286"/>
+            <ac:picMk id="7" creationId="{0F454814-B50C-4698-B6C0-6DE90A930257}"/>
+          </ac:picMkLst>
+        </pc:picChg>
+        <pc:picChg chg="del">
+          <ac:chgData name="Boon Jun" userId="b9b2384c46af58b4" providerId="LiveId" clId="{07FA4B2E-902A-4B46-B455-FA227D8539BA}" dt="2020-02-13T15:06:07.442" v="3844" actId="478"/>
+          <ac:picMkLst>
+            <pc:docMk/>
+            <pc:sldMk cId="121191856" sldId="286"/>
+            <ac:picMk id="9" creationId="{4484A587-4DE2-4E0E-BD31-1E5371FF1617}"/>
+          </ac:picMkLst>
+        </pc:picChg>
+        <pc:picChg chg="del">
+          <ac:chgData name="Boon Jun" userId="b9b2384c46af58b4" providerId="LiveId" clId="{07FA4B2E-902A-4B46-B455-FA227D8539BA}" dt="2020-02-13T15:06:07.442" v="3844" actId="478"/>
+          <ac:picMkLst>
+            <pc:docMk/>
+            <pc:sldMk cId="121191856" sldId="286"/>
+            <ac:picMk id="11" creationId="{787A3D66-E702-4786-9334-AA8574247486}"/>
+          </ac:picMkLst>
+        </pc:picChg>
+        <pc:picChg chg="del">
+          <ac:chgData name="Boon Jun" userId="b9b2384c46af58b4" providerId="LiveId" clId="{07FA4B2E-902A-4B46-B455-FA227D8539BA}" dt="2020-02-13T15:06:07.442" v="3844" actId="478"/>
+          <ac:picMkLst>
+            <pc:docMk/>
+            <pc:sldMk cId="121191856" sldId="286"/>
+            <ac:picMk id="13" creationId="{10818EE9-430A-4CC4-BD02-5BDDEF750326}"/>
+          </ac:picMkLst>
+        </pc:picChg>
+        <pc:picChg chg="del">
+          <ac:chgData name="Boon Jun" userId="b9b2384c46af58b4" providerId="LiveId" clId="{07FA4B2E-902A-4B46-B455-FA227D8539BA}" dt="2020-02-13T15:06:07.442" v="3844" actId="478"/>
+          <ac:picMkLst>
+            <pc:docMk/>
+            <pc:sldMk cId="121191856" sldId="286"/>
+            <ac:picMk id="14" creationId="{6299479E-D349-42F1-868F-8A806D9DB685}"/>
+          </ac:picMkLst>
+        </pc:picChg>
+        <pc:picChg chg="add del mod">
+          <ac:chgData name="Boon Jun" userId="b9b2384c46af58b4" providerId="LiveId" clId="{07FA4B2E-902A-4B46-B455-FA227D8539BA}" dt="2020-02-13T15:18:27.702" v="3984" actId="478"/>
+          <ac:picMkLst>
+            <pc:docMk/>
+            <pc:sldMk cId="121191856" sldId="286"/>
+            <ac:picMk id="16" creationId="{3F8519C8-0C9B-4C00-9D66-AA17CC8520F4}"/>
+          </ac:picMkLst>
+        </pc:picChg>
+        <pc:picChg chg="del">
+          <ac:chgData name="Boon Jun" userId="b9b2384c46af58b4" providerId="LiveId" clId="{07FA4B2E-902A-4B46-B455-FA227D8539BA}" dt="2020-02-13T15:06:07.442" v="3844" actId="478"/>
+          <ac:picMkLst>
+            <pc:docMk/>
+            <pc:sldMk cId="121191856" sldId="286"/>
+            <ac:picMk id="17" creationId="{2AB76BBD-A7C0-47CD-8857-DAAB96FDAC61}"/>
+          </ac:picMkLst>
+        </pc:picChg>
+        <pc:picChg chg="add mod">
+          <ac:chgData name="Boon Jun" userId="b9b2384c46af58b4" providerId="LiveId" clId="{07FA4B2E-902A-4B46-B455-FA227D8539BA}" dt="2020-02-13T15:21:05.293" v="4137" actId="164"/>
+          <ac:picMkLst>
+            <pc:docMk/>
+            <pc:sldMk cId="121191856" sldId="286"/>
+            <ac:picMk id="20" creationId="{A4E3651D-B90B-40AE-B9D6-37FB0D8231AE}"/>
+          </ac:picMkLst>
+        </pc:picChg>
+      </pc:sldChg>
+      <pc:sldChg chg="addSp delSp modSp add">
+        <pc:chgData name="Boon Jun" userId="b9b2384c46af58b4" providerId="LiveId" clId="{07FA4B2E-902A-4B46-B455-FA227D8539BA}" dt="2020-02-13T15:31:03.344" v="4444" actId="20577"/>
+        <pc:sldMkLst>
+          <pc:docMk/>
+          <pc:sldMk cId="1410071435" sldId="287"/>
+        </pc:sldMkLst>
+        <pc:graphicFrameChg chg="modGraphic">
+          <ac:chgData name="Boon Jun" userId="b9b2384c46af58b4" providerId="LiveId" clId="{07FA4B2E-902A-4B46-B455-FA227D8539BA}" dt="2020-02-13T15:31:03.344" v="4444" actId="20577"/>
+          <ac:graphicFrameMkLst>
+            <pc:docMk/>
+            <pc:sldMk cId="1410071435" sldId="287"/>
+            <ac:graphicFrameMk id="3" creationId="{B5B65770-B6E3-400C-872F-727B877060EE}"/>
+          </ac:graphicFrameMkLst>
+        </pc:graphicFrameChg>
+        <pc:picChg chg="del">
+          <ac:chgData name="Boon Jun" userId="b9b2384c46af58b4" providerId="LiveId" clId="{07FA4B2E-902A-4B46-B455-FA227D8539BA}" dt="2020-02-13T15:30:24.763" v="4401" actId="478"/>
+          <ac:picMkLst>
+            <pc:docMk/>
+            <pc:sldMk cId="1410071435" sldId="287"/>
+            <ac:picMk id="15" creationId="{C7A484BE-4A97-49CD-B03B-9CF61532E229}"/>
+          </ac:picMkLst>
+        </pc:picChg>
+        <pc:picChg chg="add mod ord">
+          <ac:chgData name="Boon Jun" userId="b9b2384c46af58b4" providerId="LiveId" clId="{07FA4B2E-902A-4B46-B455-FA227D8539BA}" dt="2020-02-13T15:30:23.676" v="4400" actId="167"/>
+          <ac:picMkLst>
+            <pc:docMk/>
+            <pc:sldMk cId="1410071435" sldId="287"/>
+            <ac:picMk id="16" creationId="{D88545E4-F933-43BE-91F6-7F0583A61B7F}"/>
+          </ac:picMkLst>
+        </pc:picChg>
+      </pc:sldChg>
+      <pc:sldChg chg="addSp delSp modSp add">
+        <pc:chgData name="Boon Jun" userId="b9b2384c46af58b4" providerId="LiveId" clId="{07FA4B2E-902A-4B46-B455-FA227D8539BA}" dt="2020-02-13T15:31:57.512" v="4454" actId="1076"/>
+        <pc:sldMkLst>
+          <pc:docMk/>
+          <pc:sldMk cId="958400579" sldId="288"/>
+        </pc:sldMkLst>
+        <pc:graphicFrameChg chg="del">
+          <ac:chgData name="Boon Jun" userId="b9b2384c46af58b4" providerId="LiveId" clId="{07FA4B2E-902A-4B46-B455-FA227D8539BA}" dt="2020-02-13T15:31:14.873" v="4446" actId="478"/>
+          <ac:graphicFrameMkLst>
+            <pc:docMk/>
+            <pc:sldMk cId="958400579" sldId="288"/>
+            <ac:graphicFrameMk id="3" creationId="{B5B65770-B6E3-400C-872F-727B877060EE}"/>
+          </ac:graphicFrameMkLst>
+        </pc:graphicFrameChg>
+        <pc:picChg chg="add mod">
+          <ac:chgData name="Boon Jun" userId="b9b2384c46af58b4" providerId="LiveId" clId="{07FA4B2E-902A-4B46-B455-FA227D8539BA}" dt="2020-02-13T15:31:26.044" v="4450" actId="1076"/>
+          <ac:picMkLst>
+            <pc:docMk/>
+            <pc:sldMk cId="958400579" sldId="288"/>
+            <ac:picMk id="15" creationId="{1C5E297C-E221-40BF-91B5-E558927FF0C5}"/>
+          </ac:picMkLst>
+        </pc:picChg>
+        <pc:picChg chg="del">
+          <ac:chgData name="Boon Jun" userId="b9b2384c46af58b4" providerId="LiveId" clId="{07FA4B2E-902A-4B46-B455-FA227D8539BA}" dt="2020-02-13T15:31:14.873" v="4446" actId="478"/>
+          <ac:picMkLst>
+            <pc:docMk/>
+            <pc:sldMk cId="958400579" sldId="288"/>
+            <ac:picMk id="16" creationId="{D88545E4-F933-43BE-91F6-7F0583A61B7F}"/>
+          </ac:picMkLst>
+        </pc:picChg>
+        <pc:picChg chg="add mod">
+          <ac:chgData name="Boon Jun" userId="b9b2384c46af58b4" providerId="LiveId" clId="{07FA4B2E-902A-4B46-B455-FA227D8539BA}" dt="2020-02-13T15:31:57.512" v="4454" actId="1076"/>
+          <ac:picMkLst>
+            <pc:docMk/>
+            <pc:sldMk cId="958400579" sldId="288"/>
+            <ac:picMk id="18" creationId="{CF102800-9C9E-4F68-AD4E-857AC68FB8CD}"/>
+          </ac:picMkLst>
+        </pc:picChg>
+      </pc:sldChg>
+      <pc:sldChg chg="addSp modSp add">
+        <pc:chgData name="Boon Jun" userId="b9b2384c46af58b4" providerId="LiveId" clId="{07FA4B2E-902A-4B46-B455-FA227D8539BA}" dt="2020-02-13T15:35:02.444" v="4547" actId="20577"/>
+        <pc:sldMkLst>
+          <pc:docMk/>
+          <pc:sldMk cId="710032340" sldId="289"/>
+        </pc:sldMkLst>
+        <pc:spChg chg="mod">
+          <ac:chgData name="Boon Jun" userId="b9b2384c46af58b4" providerId="LiveId" clId="{07FA4B2E-902A-4B46-B455-FA227D8539BA}" dt="2020-02-13T15:34:25.936" v="4526" actId="1076"/>
+          <ac:spMkLst>
+            <pc:docMk/>
+            <pc:sldMk cId="710032340" sldId="289"/>
+            <ac:spMk id="18" creationId="{246CA023-9845-437A-B011-CE82C4B1DF36}"/>
+          </ac:spMkLst>
+        </pc:spChg>
+        <pc:spChg chg="add mod">
+          <ac:chgData name="Boon Jun" userId="b9b2384c46af58b4" providerId="LiveId" clId="{07FA4B2E-902A-4B46-B455-FA227D8539BA}" dt="2020-02-13T15:35:02.444" v="4547" actId="20577"/>
+          <ac:spMkLst>
+            <pc:docMk/>
+            <pc:sldMk cId="710032340" sldId="289"/>
+            <ac:spMk id="22" creationId="{0F2A1647-8C07-4CE6-9EB4-07FCBC9C257B}"/>
+          </ac:spMkLst>
+        </pc:spChg>
+      </pc:sldChg>
+    </pc:docChg>
+  </pc:docChgLst>
 </pc:chgInfo>
 </file>
 
 <file path=ppt/charts/chart1.xml><?xml version="1.0" encoding="utf-8"?>
 <c:chartSpace xmlns:c="http://schemas.openxmlformats.org/drawingml/2006/chart" xmlns:a="http://schemas.openxmlformats.org/drawingml/2006/main" xmlns:r="http://schemas.openxmlformats.org/officeDocument/2006/relationships" xmlns:c16r2="http://schemas.microsoft.com/office/drawing/2015/06/chart">
   <c:date1904 val="0"/>
-  <c:lang val="en-US"/>
+  <c:lang val="en-GB"/>
   <c:roundedCorners val="0"/>
   <mc:AlternateContent xmlns:mc="http://schemas.openxmlformats.org/markup-compatibility/2006">
     <mc:Choice xmlns:c14="http://schemas.microsoft.com/office/drawing/2007/8/2/chart" Requires="c14">
@@ -5172,7 +5172,7 @@
           <a:p>
             <a:fld id="{186960D6-B357-4E61-B05B-B12515D9341B}" type="datetimeFigureOut">
               <a:rPr lang="en-SG" smtClean="0"/>
-              <a:t>14/2/2020</a:t>
+              <a:t>14/2/20</a:t>
             </a:fld>
             <a:endParaRPr lang="en-SG"/>
           </a:p>
@@ -5372,7 +5372,7 @@
           <a:p>
             <a:fld id="{186960D6-B357-4E61-B05B-B12515D9341B}" type="datetimeFigureOut">
               <a:rPr lang="en-SG" smtClean="0"/>
-              <a:t>14/2/2020</a:t>
+              <a:t>14/2/20</a:t>
             </a:fld>
             <a:endParaRPr lang="en-SG"/>
           </a:p>
@@ -5582,7 +5582,7 @@
           <a:p>
             <a:fld id="{186960D6-B357-4E61-B05B-B12515D9341B}" type="datetimeFigureOut">
               <a:rPr lang="en-SG" smtClean="0"/>
-              <a:t>14/2/2020</a:t>
+              <a:t>14/2/20</a:t>
             </a:fld>
             <a:endParaRPr lang="en-SG"/>
           </a:p>
@@ -5782,7 +5782,7 @@
           <a:p>
             <a:fld id="{186960D6-B357-4E61-B05B-B12515D9341B}" type="datetimeFigureOut">
               <a:rPr lang="en-SG" smtClean="0"/>
-              <a:t>14/2/2020</a:t>
+              <a:t>14/2/20</a:t>
             </a:fld>
             <a:endParaRPr lang="en-SG"/>
           </a:p>
@@ -6058,7 +6058,7 @@
           <a:p>
             <a:fld id="{186960D6-B357-4E61-B05B-B12515D9341B}" type="datetimeFigureOut">
               <a:rPr lang="en-SG" smtClean="0"/>
-              <a:t>14/2/2020</a:t>
+              <a:t>14/2/20</a:t>
             </a:fld>
             <a:endParaRPr lang="en-SG"/>
           </a:p>
@@ -6326,7 +6326,7 @@
           <a:p>
             <a:fld id="{186960D6-B357-4E61-B05B-B12515D9341B}" type="datetimeFigureOut">
               <a:rPr lang="en-SG" smtClean="0"/>
-              <a:t>14/2/2020</a:t>
+              <a:t>14/2/20</a:t>
             </a:fld>
             <a:endParaRPr lang="en-SG"/>
           </a:p>
@@ -6741,7 +6741,7 @@
           <a:p>
             <a:fld id="{186960D6-B357-4E61-B05B-B12515D9341B}" type="datetimeFigureOut">
               <a:rPr lang="en-SG" smtClean="0"/>
-              <a:t>14/2/2020</a:t>
+              <a:t>14/2/20</a:t>
             </a:fld>
             <a:endParaRPr lang="en-SG"/>
           </a:p>
@@ -6883,7 +6883,7 @@
           <a:p>
             <a:fld id="{186960D6-B357-4E61-B05B-B12515D9341B}" type="datetimeFigureOut">
               <a:rPr lang="en-SG" smtClean="0"/>
-              <a:t>14/2/2020</a:t>
+              <a:t>14/2/20</a:t>
             </a:fld>
             <a:endParaRPr lang="en-SG"/>
           </a:p>
@@ -6996,7 +6996,7 @@
           <a:p>
             <a:fld id="{186960D6-B357-4E61-B05B-B12515D9341B}" type="datetimeFigureOut">
               <a:rPr lang="en-SG" smtClean="0"/>
-              <a:t>14/2/2020</a:t>
+              <a:t>14/2/20</a:t>
             </a:fld>
             <a:endParaRPr lang="en-SG"/>
           </a:p>
@@ -7309,7 +7309,7 @@
           <a:p>
             <a:fld id="{186960D6-B357-4E61-B05B-B12515D9341B}" type="datetimeFigureOut">
               <a:rPr lang="en-SG" smtClean="0"/>
-              <a:t>14/2/2020</a:t>
+              <a:t>14/2/20</a:t>
             </a:fld>
             <a:endParaRPr lang="en-SG"/>
           </a:p>
@@ -7598,7 +7598,7 @@
           <a:p>
             <a:fld id="{186960D6-B357-4E61-B05B-B12515D9341B}" type="datetimeFigureOut">
               <a:rPr lang="en-SG" smtClean="0"/>
-              <a:t>14/2/2020</a:t>
+              <a:t>14/2/20</a:t>
             </a:fld>
             <a:endParaRPr lang="en-SG"/>
           </a:p>
@@ -7841,7 +7841,7 @@
           <a:p>
             <a:fld id="{186960D6-B357-4E61-B05B-B12515D9341B}" type="datetimeFigureOut">
               <a:rPr lang="en-SG" smtClean="0"/>
-              <a:t>14/2/2020</a:t>
+              <a:t>14/2/20</a:t>
             </a:fld>
             <a:endParaRPr lang="en-SG"/>
           </a:p>
@@ -16773,10 +16773,10 @@
       </p:pic>
       <p:pic>
         <p:nvPicPr>
-          <p:cNvPr id="21" name="Picture 20" descr="A screenshot of a cell phone&#10;&#10;Description automatically generated">
-            <a:extLst>
-              <a:ext uri="{FF2B5EF4-FFF2-40B4-BE49-F238E27FC236}">
-                <a16:creationId xmlns:a16="http://schemas.microsoft.com/office/drawing/2014/main" id="{EF765D1A-FCFE-458C-A02A-19E505FCACCA}"/>
+          <p:cNvPr id="3" name="Picture 2">
+            <a:extLst>
+              <a:ext uri="{FF2B5EF4-FFF2-40B4-BE49-F238E27FC236}">
+                <a16:creationId xmlns:a16="http://schemas.microsoft.com/office/drawing/2014/main" id="{CA528D03-BFA8-5645-AEF2-566FF30F8FD2}"/>
               </a:ext>
             </a:extLst>
           </p:cNvPr>
@@ -16786,21 +16786,15 @@
           <p:nvPr/>
         </p:nvPicPr>
         <p:blipFill>
-          <a:blip r:embed="rId15">
-            <a:extLst>
-              <a:ext uri="{28A0092B-C50C-407E-A947-70E740481C1C}">
-                <a14:useLocalDpi xmlns:a14="http://schemas.microsoft.com/office/drawing/2010/main" val="0"/>
-              </a:ext>
-            </a:extLst>
-          </a:blip>
+          <a:blip r:embed="rId15"/>
           <a:stretch>
             <a:fillRect/>
           </a:stretch>
         </p:blipFill>
         <p:spPr>
           <a:xfrm>
-            <a:off x="436202" y="359727"/>
-            <a:ext cx="8444398" cy="5203201"/>
+            <a:off x="521411" y="354630"/>
+            <a:ext cx="8310203" cy="5208297"/>
           </a:xfrm>
           <a:prstGeom prst="rect">
             <a:avLst/>

--- a/Grp Presentation.pptx
+++ b/Grp Presentation.pptx
@@ -149,7 +149,7 @@
 <p1510:revInfo xmlns:a="http://schemas.openxmlformats.org/drawingml/2006/main" xmlns:r="http://schemas.openxmlformats.org/officeDocument/2006/relationships" xmlns:p1510="http://schemas.microsoft.com/office/powerpoint/2015/10/main">
   <p1510:revLst>
     <p1510:client id="{07FA4B2E-902A-4B46-B455-FA227D8539BA}" v="462" dt="2020-02-13T15:35:33.442"/>
-    <p1510:client id="{D4FFD855-904D-4A26-8473-2185EA92CFC7}" v="29" dt="2020-02-14T02:11:18.145"/>
+    <p1510:client id="{D4FFD855-904D-4A26-8473-2185EA92CFC7}" v="32" dt="2020-02-14T02:30:52.106"/>
   </p1510:revLst>
 </p1510:revInfo>
 </file>
@@ -157,9 +157,3127 @@
 <file path=ppt/changesInfos/changesInfo1.xml><?xml version="1.0" encoding="utf-8"?>
 <pc:chgInfo xmlns:a="http://schemas.openxmlformats.org/drawingml/2006/main" xmlns:r="http://schemas.openxmlformats.org/officeDocument/2006/relationships" xmlns:ac="http://schemas.microsoft.com/office/drawing/2013/main/command" xmlns:pc="http://schemas.microsoft.com/office/powerpoint/2013/main/command">
   <pc:docChgLst>
+    <pc:chgData name="Boon Jun" userId="b9b2384c46af58b4" providerId="LiveId" clId="{07FA4B2E-902A-4B46-B455-FA227D8539BA}"/>
+    <pc:docChg chg="undo custSel addSld delSld modSld sldOrd">
+      <pc:chgData name="Boon Jun" userId="b9b2384c46af58b4" providerId="LiveId" clId="{07FA4B2E-902A-4B46-B455-FA227D8539BA}" dt="2020-02-13T15:35:34.618" v="4562" actId="20577"/>
+      <pc:docMkLst>
+        <pc:docMk/>
+      </pc:docMkLst>
+      <pc:sldChg chg="addSp delSp modSp">
+        <pc:chgData name="Boon Jun" userId="b9b2384c46af58b4" providerId="LiveId" clId="{07FA4B2E-902A-4B46-B455-FA227D8539BA}" dt="2020-02-12T06:52:02.551" v="645" actId="478"/>
+        <pc:sldMkLst>
+          <pc:docMk/>
+          <pc:sldMk cId="2773114662" sldId="256"/>
+        </pc:sldMkLst>
+        <pc:spChg chg="add mod">
+          <ac:chgData name="Boon Jun" userId="b9b2384c46af58b4" providerId="LiveId" clId="{07FA4B2E-902A-4B46-B455-FA227D8539BA}" dt="2020-02-12T06:51:40.296" v="640" actId="207"/>
+          <ac:spMkLst>
+            <pc:docMk/>
+            <pc:sldMk cId="2773114662" sldId="256"/>
+            <ac:spMk id="4" creationId="{EAC61BCE-46A7-4383-BB8F-186DABC302F4}"/>
+          </ac:spMkLst>
+        </pc:spChg>
+        <pc:picChg chg="add del mod">
+          <ac:chgData name="Boon Jun" userId="b9b2384c46af58b4" providerId="LiveId" clId="{07FA4B2E-902A-4B46-B455-FA227D8539BA}" dt="2020-02-12T06:52:02.551" v="645" actId="478"/>
+          <ac:picMkLst>
+            <pc:docMk/>
+            <pc:sldMk cId="2773114662" sldId="256"/>
+            <ac:picMk id="3" creationId="{7D130C75-9BCA-4158-A216-043565B21FD7}"/>
+          </ac:picMkLst>
+        </pc:picChg>
+        <pc:picChg chg="mod">
+          <ac:chgData name="Boon Jun" userId="b9b2384c46af58b4" providerId="LiveId" clId="{07FA4B2E-902A-4B46-B455-FA227D8539BA}" dt="2020-02-12T06:32:19.519" v="485" actId="1076"/>
+          <ac:picMkLst>
+            <pc:docMk/>
+            <pc:sldMk cId="2773114662" sldId="256"/>
+            <ac:picMk id="8" creationId="{2A3B72F5-282A-479A-97A4-317E643BF8A7}"/>
+          </ac:picMkLst>
+        </pc:picChg>
+      </pc:sldChg>
+      <pc:sldChg chg="modSp">
+        <pc:chgData name="Boon Jun" userId="b9b2384c46af58b4" providerId="LiveId" clId="{07FA4B2E-902A-4B46-B455-FA227D8539BA}" dt="2020-02-12T08:05:55.731" v="678" actId="403"/>
+        <pc:sldMkLst>
+          <pc:docMk/>
+          <pc:sldMk cId="4197969554" sldId="257"/>
+        </pc:sldMkLst>
+        <pc:spChg chg="mod">
+          <ac:chgData name="Boon Jun" userId="b9b2384c46af58b4" providerId="LiveId" clId="{07FA4B2E-902A-4B46-B455-FA227D8539BA}" dt="2020-02-12T08:05:55.731" v="678" actId="403"/>
+          <ac:spMkLst>
+            <pc:docMk/>
+            <pc:sldMk cId="4197969554" sldId="257"/>
+            <ac:spMk id="3" creationId="{E90E465A-3033-4159-ACA1-F19A702DF04B}"/>
+          </ac:spMkLst>
+        </pc:spChg>
+      </pc:sldChg>
+      <pc:sldChg chg="addSp delSp modSp">
+        <pc:chgData name="Boon Jun" userId="b9b2384c46af58b4" providerId="LiveId" clId="{07FA4B2E-902A-4B46-B455-FA227D8539BA}" dt="2020-02-13T14:58:02.170" v="3834" actId="2711"/>
+        <pc:sldMkLst>
+          <pc:docMk/>
+          <pc:sldMk cId="1506440028" sldId="258"/>
+        </pc:sldMkLst>
+        <pc:spChg chg="del">
+          <ac:chgData name="Boon Jun" userId="b9b2384c46af58b4" providerId="LiveId" clId="{07FA4B2E-902A-4B46-B455-FA227D8539BA}" dt="2020-02-12T08:22:21.637" v="709" actId="478"/>
+          <ac:spMkLst>
+            <pc:docMk/>
+            <pc:sldMk cId="1506440028" sldId="258"/>
+            <ac:spMk id="2" creationId="{FF21E304-E4E0-438B-AB07-1B8DC03AFC6F}"/>
+          </ac:spMkLst>
+        </pc:spChg>
+        <pc:spChg chg="add del mod">
+          <ac:chgData name="Boon Jun" userId="b9b2384c46af58b4" providerId="LiveId" clId="{07FA4B2E-902A-4B46-B455-FA227D8539BA}" dt="2020-02-12T08:22:23.676" v="710" actId="478"/>
+          <ac:spMkLst>
+            <pc:docMk/>
+            <pc:sldMk cId="1506440028" sldId="258"/>
+            <ac:spMk id="4" creationId="{868DE376-B1A0-4941-BCE8-BF5976B92D74}"/>
+          </ac:spMkLst>
+        </pc:spChg>
+        <pc:spChg chg="add mod">
+          <ac:chgData name="Boon Jun" userId="b9b2384c46af58b4" providerId="LiveId" clId="{07FA4B2E-902A-4B46-B455-FA227D8539BA}" dt="2020-02-12T08:22:34.735" v="729" actId="14100"/>
+          <ac:spMkLst>
+            <pc:docMk/>
+            <pc:sldMk cId="1506440028" sldId="258"/>
+            <ac:spMk id="5" creationId="{35A6F9D8-9508-48EB-9DE4-5B2572F01F5B}"/>
+          </ac:spMkLst>
+        </pc:spChg>
+        <pc:spChg chg="add mod">
+          <ac:chgData name="Boon Jun" userId="b9b2384c46af58b4" providerId="LiveId" clId="{07FA4B2E-902A-4B46-B455-FA227D8539BA}" dt="2020-02-13T14:58:02.170" v="3834" actId="2711"/>
+          <ac:spMkLst>
+            <pc:docMk/>
+            <pc:sldMk cId="1506440028" sldId="258"/>
+            <ac:spMk id="6" creationId="{CA9F073F-09BD-4E0F-90F1-0AE8145C3969}"/>
+          </ac:spMkLst>
+        </pc:spChg>
+      </pc:sldChg>
+      <pc:sldChg chg="modSp">
+        <pc:chgData name="Boon Jun" userId="b9b2384c46af58b4" providerId="LiveId" clId="{07FA4B2E-902A-4B46-B455-FA227D8539BA}" dt="2020-02-12T06:54:33.685" v="651" actId="1076"/>
+        <pc:sldMkLst>
+          <pc:docMk/>
+          <pc:sldMk cId="3746096488" sldId="259"/>
+        </pc:sldMkLst>
+        <pc:spChg chg="mod">
+          <ac:chgData name="Boon Jun" userId="b9b2384c46af58b4" providerId="LiveId" clId="{07FA4B2E-902A-4B46-B455-FA227D8539BA}" dt="2020-02-12T06:54:27.018" v="649" actId="1076"/>
+          <ac:spMkLst>
+            <pc:docMk/>
+            <pc:sldMk cId="3746096488" sldId="259"/>
+            <ac:spMk id="31" creationId="{53A632A5-EF3B-439A-8015-8607DD845908}"/>
+          </ac:spMkLst>
+        </pc:spChg>
+        <pc:spChg chg="mod">
+          <ac:chgData name="Boon Jun" userId="b9b2384c46af58b4" providerId="LiveId" clId="{07FA4B2E-902A-4B46-B455-FA227D8539BA}" dt="2020-02-12T06:54:33.685" v="651" actId="1076"/>
+          <ac:spMkLst>
+            <pc:docMk/>
+            <pc:sldMk cId="3746096488" sldId="259"/>
+            <ac:spMk id="35" creationId="{03477E2C-AE59-40EF-BDA7-AD26F3978304}"/>
+          </ac:spMkLst>
+        </pc:spChg>
+      </pc:sldChg>
+      <pc:sldChg chg="addSp modSp">
+        <pc:chgData name="Boon Jun" userId="b9b2384c46af58b4" providerId="LiveId" clId="{07FA4B2E-902A-4B46-B455-FA227D8539BA}" dt="2020-02-13T07:19:14.922" v="2782" actId="1076"/>
+        <pc:sldMkLst>
+          <pc:docMk/>
+          <pc:sldMk cId="2862181266" sldId="260"/>
+        </pc:sldMkLst>
+        <pc:spChg chg="add mod">
+          <ac:chgData name="Boon Jun" userId="b9b2384c46af58b4" providerId="LiveId" clId="{07FA4B2E-902A-4B46-B455-FA227D8539BA}" dt="2020-02-13T07:19:09.624" v="2781" actId="164"/>
+          <ac:spMkLst>
+            <pc:docMk/>
+            <pc:sldMk cId="2862181266" sldId="260"/>
+            <ac:spMk id="14" creationId="{69CDD569-4973-475D-B1AA-31A9055E77C1}"/>
+          </ac:spMkLst>
+        </pc:spChg>
+        <pc:spChg chg="add mod">
+          <ac:chgData name="Boon Jun" userId="b9b2384c46af58b4" providerId="LiveId" clId="{07FA4B2E-902A-4B46-B455-FA227D8539BA}" dt="2020-02-13T07:19:09.624" v="2781" actId="164"/>
+          <ac:spMkLst>
+            <pc:docMk/>
+            <pc:sldMk cId="2862181266" sldId="260"/>
+            <ac:spMk id="15" creationId="{F8FE4C78-5A1A-4319-9942-AF343A5CEF7D}"/>
+          </ac:spMkLst>
+        </pc:spChg>
+        <pc:spChg chg="mod">
+          <ac:chgData name="Boon Jun" userId="b9b2384c46af58b4" providerId="LiveId" clId="{07FA4B2E-902A-4B46-B455-FA227D8539BA}" dt="2020-02-13T07:19:09.624" v="2781" actId="164"/>
+          <ac:spMkLst>
+            <pc:docMk/>
+            <pc:sldMk cId="2862181266" sldId="260"/>
+            <ac:spMk id="33" creationId="{612D2671-2D6E-41D1-A1AC-0A09CED8FE84}"/>
+          </ac:spMkLst>
+        </pc:spChg>
+        <pc:spChg chg="mod">
+          <ac:chgData name="Boon Jun" userId="b9b2384c46af58b4" providerId="LiveId" clId="{07FA4B2E-902A-4B46-B455-FA227D8539BA}" dt="2020-02-13T07:19:09.624" v="2781" actId="164"/>
+          <ac:spMkLst>
+            <pc:docMk/>
+            <pc:sldMk cId="2862181266" sldId="260"/>
+            <ac:spMk id="35" creationId="{03477E2C-AE59-40EF-BDA7-AD26F3978304}"/>
+          </ac:spMkLst>
+        </pc:spChg>
+        <pc:spChg chg="mod">
+          <ac:chgData name="Boon Jun" userId="b9b2384c46af58b4" providerId="LiveId" clId="{07FA4B2E-902A-4B46-B455-FA227D8539BA}" dt="2020-02-13T07:19:09.624" v="2781" actId="164"/>
+          <ac:spMkLst>
+            <pc:docMk/>
+            <pc:sldMk cId="2862181266" sldId="260"/>
+            <ac:spMk id="36" creationId="{1787EE2D-CD12-4F53-A8C3-97E2D24C7ABE}"/>
+          </ac:spMkLst>
+        </pc:spChg>
+        <pc:grpChg chg="mod">
+          <ac:chgData name="Boon Jun" userId="b9b2384c46af58b4" providerId="LiveId" clId="{07FA4B2E-902A-4B46-B455-FA227D8539BA}" dt="2020-02-13T07:19:06.486" v="2780" actId="1076"/>
+          <ac:grpSpMkLst>
+            <pc:docMk/>
+            <pc:sldMk cId="2862181266" sldId="260"/>
+            <ac:grpSpMk id="5" creationId="{97135F8E-F18A-4961-B46E-F7BB3A511C54}"/>
+          </ac:grpSpMkLst>
+        </pc:grpChg>
+        <pc:grpChg chg="add mod">
+          <ac:chgData name="Boon Jun" userId="b9b2384c46af58b4" providerId="LiveId" clId="{07FA4B2E-902A-4B46-B455-FA227D8539BA}" dt="2020-02-13T07:19:14.922" v="2782" actId="1076"/>
+          <ac:grpSpMkLst>
+            <pc:docMk/>
+            <pc:sldMk cId="2862181266" sldId="260"/>
+            <ac:grpSpMk id="6" creationId="{D5FF1D05-9F53-4B34-9021-5369809A9FA5}"/>
+          </ac:grpSpMkLst>
+        </pc:grpChg>
+      </pc:sldChg>
+      <pc:sldChg chg="addSp delSp modSp add">
+        <pc:chgData name="Boon Jun" userId="b9b2384c46af58b4" providerId="LiveId" clId="{07FA4B2E-902A-4B46-B455-FA227D8539BA}" dt="2020-02-13T14:51:57.166" v="3770" actId="1037"/>
+        <pc:sldMkLst>
+          <pc:docMk/>
+          <pc:sldMk cId="4288803398" sldId="261"/>
+        </pc:sldMkLst>
+        <pc:spChg chg="mod">
+          <ac:chgData name="Boon Jun" userId="b9b2384c46af58b4" providerId="LiveId" clId="{07FA4B2E-902A-4B46-B455-FA227D8539BA}" dt="2020-02-12T08:17:03.483" v="708" actId="207"/>
+          <ac:spMkLst>
+            <pc:docMk/>
+            <pc:sldMk cId="4288803398" sldId="261"/>
+            <ac:spMk id="2" creationId="{FF21E304-E4E0-438B-AB07-1B8DC03AFC6F}"/>
+          </ac:spMkLst>
+        </pc:spChg>
+        <pc:spChg chg="del">
+          <ac:chgData name="Boon Jun" userId="b9b2384c46af58b4" providerId="LiveId" clId="{07FA4B2E-902A-4B46-B455-FA227D8539BA}" dt="2020-02-12T05:22:23.787" v="101" actId="478"/>
+          <ac:spMkLst>
+            <pc:docMk/>
+            <pc:sldMk cId="4288803398" sldId="261"/>
+            <ac:spMk id="14" creationId="{69CDD569-4973-475D-B1AA-31A9055E77C1}"/>
+          </ac:spMkLst>
+        </pc:spChg>
+        <pc:spChg chg="del">
+          <ac:chgData name="Boon Jun" userId="b9b2384c46af58b4" providerId="LiveId" clId="{07FA4B2E-902A-4B46-B455-FA227D8539BA}" dt="2020-02-12T05:22:23.787" v="101" actId="478"/>
+          <ac:spMkLst>
+            <pc:docMk/>
+            <pc:sldMk cId="4288803398" sldId="261"/>
+            <ac:spMk id="15" creationId="{F8FE4C78-5A1A-4319-9942-AF343A5CEF7D}"/>
+          </ac:spMkLst>
+        </pc:spChg>
+        <pc:spChg chg="add mod">
+          <ac:chgData name="Boon Jun" userId="b9b2384c46af58b4" providerId="LiveId" clId="{07FA4B2E-902A-4B46-B455-FA227D8539BA}" dt="2020-02-12T06:13:21.329" v="145" actId="164"/>
+          <ac:spMkLst>
+            <pc:docMk/>
+            <pc:sldMk cId="4288803398" sldId="261"/>
+            <ac:spMk id="30" creationId="{43C0468B-C6F0-42E0-946C-402FBA46DBA0}"/>
+          </ac:spMkLst>
+        </pc:spChg>
+        <pc:spChg chg="del">
+          <ac:chgData name="Boon Jun" userId="b9b2384c46af58b4" providerId="LiveId" clId="{07FA4B2E-902A-4B46-B455-FA227D8539BA}" dt="2020-02-12T05:22:23.787" v="101" actId="478"/>
+          <ac:spMkLst>
+            <pc:docMk/>
+            <pc:sldMk cId="4288803398" sldId="261"/>
+            <ac:spMk id="33" creationId="{612D2671-2D6E-41D1-A1AC-0A09CED8FE84}"/>
+          </ac:spMkLst>
+        </pc:spChg>
+        <pc:spChg chg="add mod">
+          <ac:chgData name="Boon Jun" userId="b9b2384c46af58b4" providerId="LiveId" clId="{07FA4B2E-902A-4B46-B455-FA227D8539BA}" dt="2020-02-12T06:13:56.517" v="157" actId="164"/>
+          <ac:spMkLst>
+            <pc:docMk/>
+            <pc:sldMk cId="4288803398" sldId="261"/>
+            <ac:spMk id="34" creationId="{ADA85AC4-4E67-4EC9-8959-12B9FA7B0155}"/>
+          </ac:spMkLst>
+        </pc:spChg>
+        <pc:spChg chg="del">
+          <ac:chgData name="Boon Jun" userId="b9b2384c46af58b4" providerId="LiveId" clId="{07FA4B2E-902A-4B46-B455-FA227D8539BA}" dt="2020-02-12T05:22:23.787" v="101" actId="478"/>
+          <ac:spMkLst>
+            <pc:docMk/>
+            <pc:sldMk cId="4288803398" sldId="261"/>
+            <ac:spMk id="35" creationId="{03477E2C-AE59-40EF-BDA7-AD26F3978304}"/>
+          </ac:spMkLst>
+        </pc:spChg>
+        <pc:spChg chg="del">
+          <ac:chgData name="Boon Jun" userId="b9b2384c46af58b4" providerId="LiveId" clId="{07FA4B2E-902A-4B46-B455-FA227D8539BA}" dt="2020-02-12T05:22:23.787" v="101" actId="478"/>
+          <ac:spMkLst>
+            <pc:docMk/>
+            <pc:sldMk cId="4288803398" sldId="261"/>
+            <ac:spMk id="36" creationId="{1787EE2D-CD12-4F53-A8C3-97E2D24C7ABE}"/>
+          </ac:spMkLst>
+        </pc:spChg>
+        <pc:spChg chg="add mod">
+          <ac:chgData name="Boon Jun" userId="b9b2384c46af58b4" providerId="LiveId" clId="{07FA4B2E-902A-4B46-B455-FA227D8539BA}" dt="2020-02-12T06:14:24.674" v="175" actId="164"/>
+          <ac:spMkLst>
+            <pc:docMk/>
+            <pc:sldMk cId="4288803398" sldId="261"/>
+            <ac:spMk id="37" creationId="{EECDB084-43ED-4B0B-BAE1-CBD141EECD68}"/>
+          </ac:spMkLst>
+        </pc:spChg>
+        <pc:spChg chg="add mod">
+          <ac:chgData name="Boon Jun" userId="b9b2384c46af58b4" providerId="LiveId" clId="{07FA4B2E-902A-4B46-B455-FA227D8539BA}" dt="2020-02-12T06:15:51.316" v="274" actId="164"/>
+          <ac:spMkLst>
+            <pc:docMk/>
+            <pc:sldMk cId="4288803398" sldId="261"/>
+            <ac:spMk id="38" creationId="{E7A4873B-A19D-462B-8779-4F149F7C5407}"/>
+          </ac:spMkLst>
+        </pc:spChg>
+        <pc:spChg chg="add mod">
+          <ac:chgData name="Boon Jun" userId="b9b2384c46af58b4" providerId="LiveId" clId="{07FA4B2E-902A-4B46-B455-FA227D8539BA}" dt="2020-02-12T06:15:49.108" v="273" actId="164"/>
+          <ac:spMkLst>
+            <pc:docMk/>
+            <pc:sldMk cId="4288803398" sldId="261"/>
+            <ac:spMk id="39" creationId="{47238156-9AB9-42CF-9591-65B18505C1EC}"/>
+          </ac:spMkLst>
+        </pc:spChg>
+        <pc:spChg chg="add mod">
+          <ac:chgData name="Boon Jun" userId="b9b2384c46af58b4" providerId="LiveId" clId="{07FA4B2E-902A-4B46-B455-FA227D8539BA}" dt="2020-02-12T06:15:47.262" v="272" actId="164"/>
+          <ac:spMkLst>
+            <pc:docMk/>
+            <pc:sldMk cId="4288803398" sldId="261"/>
+            <ac:spMk id="40" creationId="{CF4A457C-9958-47F9-8111-D835E1A5D910}"/>
+          </ac:spMkLst>
+        </pc:spChg>
+        <pc:spChg chg="add mod">
+          <ac:chgData name="Boon Jun" userId="b9b2384c46af58b4" providerId="LiveId" clId="{07FA4B2E-902A-4B46-B455-FA227D8539BA}" dt="2020-02-12T06:15:44.581" v="269" actId="164"/>
+          <ac:spMkLst>
+            <pc:docMk/>
+            <pc:sldMk cId="4288803398" sldId="261"/>
+            <ac:spMk id="41" creationId="{1CC5D3A0-E26A-408F-A350-73FBA5EDAE35}"/>
+          </ac:spMkLst>
+        </pc:spChg>
+        <pc:grpChg chg="del">
+          <ac:chgData name="Boon Jun" userId="b9b2384c46af58b4" providerId="LiveId" clId="{07FA4B2E-902A-4B46-B455-FA227D8539BA}" dt="2020-02-12T05:22:23.787" v="101" actId="478"/>
+          <ac:grpSpMkLst>
+            <pc:docMk/>
+            <pc:sldMk cId="4288803398" sldId="261"/>
+            <ac:grpSpMk id="5" creationId="{97135F8E-F18A-4961-B46E-F7BB3A511C54}"/>
+          </ac:grpSpMkLst>
+        </pc:grpChg>
+        <pc:grpChg chg="add mod">
+          <ac:chgData name="Boon Jun" userId="b9b2384c46af58b4" providerId="LiveId" clId="{07FA4B2E-902A-4B46-B455-FA227D8539BA}" dt="2020-02-13T14:51:57.166" v="3770" actId="1037"/>
+          <ac:grpSpMkLst>
+            <pc:docMk/>
+            <pc:sldMk cId="4288803398" sldId="261"/>
+            <ac:grpSpMk id="22" creationId="{AFC4920A-713E-45DF-BF7A-92DC0AC7C8C2}"/>
+          </ac:grpSpMkLst>
+        </pc:grpChg>
+        <pc:grpChg chg="add mod">
+          <ac:chgData name="Boon Jun" userId="b9b2384c46af58b4" providerId="LiveId" clId="{07FA4B2E-902A-4B46-B455-FA227D8539BA}" dt="2020-02-13T14:51:57.166" v="3770" actId="1037"/>
+          <ac:grpSpMkLst>
+            <pc:docMk/>
+            <pc:sldMk cId="4288803398" sldId="261"/>
+            <ac:grpSpMk id="23" creationId="{2E532B55-37E7-4263-8AB0-FFF5EF10D2A7}"/>
+          </ac:grpSpMkLst>
+        </pc:grpChg>
+        <pc:grpChg chg="add mod">
+          <ac:chgData name="Boon Jun" userId="b9b2384c46af58b4" providerId="LiveId" clId="{07FA4B2E-902A-4B46-B455-FA227D8539BA}" dt="2020-02-13T14:51:57.166" v="3770" actId="1037"/>
+          <ac:grpSpMkLst>
+            <pc:docMk/>
+            <pc:sldMk cId="4288803398" sldId="261"/>
+            <ac:grpSpMk id="24" creationId="{0C8365A5-56A5-444A-8595-FABEE68A9C3A}"/>
+          </ac:grpSpMkLst>
+        </pc:grpChg>
+        <pc:grpChg chg="add mod">
+          <ac:chgData name="Boon Jun" userId="b9b2384c46af58b4" providerId="LiveId" clId="{07FA4B2E-902A-4B46-B455-FA227D8539BA}" dt="2020-02-13T14:51:57.166" v="3770" actId="1037"/>
+          <ac:grpSpMkLst>
+            <pc:docMk/>
+            <pc:sldMk cId="4288803398" sldId="261"/>
+            <ac:grpSpMk id="26" creationId="{2388A6FD-AD0D-4350-A86E-0B374796F9CF}"/>
+          </ac:grpSpMkLst>
+        </pc:grpChg>
+        <pc:grpChg chg="add del mod">
+          <ac:chgData name="Boon Jun" userId="b9b2384c46af58b4" providerId="LiveId" clId="{07FA4B2E-902A-4B46-B455-FA227D8539BA}" dt="2020-02-13T14:51:31.465" v="3659" actId="478"/>
+          <ac:grpSpMkLst>
+            <pc:docMk/>
+            <pc:sldMk cId="4288803398" sldId="261"/>
+            <ac:grpSpMk id="27" creationId="{924D0E9C-FEFE-4A42-A2EB-68A69CFE5992}"/>
+          </ac:grpSpMkLst>
+        </pc:grpChg>
+        <pc:grpChg chg="add mod">
+          <ac:chgData name="Boon Jun" userId="b9b2384c46af58b4" providerId="LiveId" clId="{07FA4B2E-902A-4B46-B455-FA227D8539BA}" dt="2020-02-13T14:51:57.166" v="3770" actId="1037"/>
+          <ac:grpSpMkLst>
+            <pc:docMk/>
+            <pc:sldMk cId="4288803398" sldId="261"/>
+            <ac:grpSpMk id="28" creationId="{A677EB62-42CC-4A72-8EA8-702339D0E93B}"/>
+          </ac:grpSpMkLst>
+        </pc:grpChg>
+        <pc:grpChg chg="add mod">
+          <ac:chgData name="Boon Jun" userId="b9b2384c46af58b4" providerId="LiveId" clId="{07FA4B2E-902A-4B46-B455-FA227D8539BA}" dt="2020-02-13T14:51:57.166" v="3770" actId="1037"/>
+          <ac:grpSpMkLst>
+            <pc:docMk/>
+            <pc:sldMk cId="4288803398" sldId="261"/>
+            <ac:grpSpMk id="29" creationId="{9DE674D4-9C8D-4555-9806-A27508F856AF}"/>
+          </ac:grpSpMkLst>
+        </pc:grpChg>
+        <pc:picChg chg="add mod">
+          <ac:chgData name="Boon Jun" userId="b9b2384c46af58b4" providerId="LiveId" clId="{07FA4B2E-902A-4B46-B455-FA227D8539BA}" dt="2020-02-12T06:13:21.329" v="145" actId="164"/>
+          <ac:picMkLst>
+            <pc:docMk/>
+            <pc:sldMk cId="4288803398" sldId="261"/>
+            <ac:picMk id="7" creationId="{0F454814-B50C-4698-B6C0-6DE90A930257}"/>
+          </ac:picMkLst>
+        </pc:picChg>
+        <pc:picChg chg="add mod">
+          <ac:chgData name="Boon Jun" userId="b9b2384c46af58b4" providerId="LiveId" clId="{07FA4B2E-902A-4B46-B455-FA227D8539BA}" dt="2020-02-12T06:13:56.517" v="157" actId="164"/>
+          <ac:picMkLst>
+            <pc:docMk/>
+            <pc:sldMk cId="4288803398" sldId="261"/>
+            <ac:picMk id="9" creationId="{4484A587-4DE2-4E0E-BD31-1E5371FF1617}"/>
+          </ac:picMkLst>
+        </pc:picChg>
+        <pc:picChg chg="add mod">
+          <ac:chgData name="Boon Jun" userId="b9b2384c46af58b4" providerId="LiveId" clId="{07FA4B2E-902A-4B46-B455-FA227D8539BA}" dt="2020-02-12T06:14:24.674" v="175" actId="164"/>
+          <ac:picMkLst>
+            <pc:docMk/>
+            <pc:sldMk cId="4288803398" sldId="261"/>
+            <ac:picMk id="11" creationId="{787A3D66-E702-4786-9334-AA8574247486}"/>
+          </ac:picMkLst>
+        </pc:picChg>
+        <pc:picChg chg="add mod">
+          <ac:chgData name="Boon Jun" userId="b9b2384c46af58b4" providerId="LiveId" clId="{07FA4B2E-902A-4B46-B455-FA227D8539BA}" dt="2020-02-12T06:15:51.316" v="274" actId="164"/>
+          <ac:picMkLst>
+            <pc:docMk/>
+            <pc:sldMk cId="4288803398" sldId="261"/>
+            <ac:picMk id="13" creationId="{10818EE9-430A-4CC4-BD02-5BDDEF750326}"/>
+          </ac:picMkLst>
+        </pc:picChg>
+        <pc:picChg chg="add mod">
+          <ac:chgData name="Boon Jun" userId="b9b2384c46af58b4" providerId="LiveId" clId="{07FA4B2E-902A-4B46-B455-FA227D8539BA}" dt="2020-02-12T06:15:49.108" v="273" actId="164"/>
+          <ac:picMkLst>
+            <pc:docMk/>
+            <pc:sldMk cId="4288803398" sldId="261"/>
+            <ac:picMk id="17" creationId="{2AB76BBD-A7C0-47CD-8857-DAAB96FDAC61}"/>
+          </ac:picMkLst>
+        </pc:picChg>
+        <pc:picChg chg="add mod">
+          <ac:chgData name="Boon Jun" userId="b9b2384c46af58b4" providerId="LiveId" clId="{07FA4B2E-902A-4B46-B455-FA227D8539BA}" dt="2020-02-12T06:15:47.262" v="272" actId="164"/>
+          <ac:picMkLst>
+            <pc:docMk/>
+            <pc:sldMk cId="4288803398" sldId="261"/>
+            <ac:picMk id="19" creationId="{2C9D18F4-DF60-4C50-9850-912CD1CB918E}"/>
+          </ac:picMkLst>
+        </pc:picChg>
+        <pc:picChg chg="add mod">
+          <ac:chgData name="Boon Jun" userId="b9b2384c46af58b4" providerId="LiveId" clId="{07FA4B2E-902A-4B46-B455-FA227D8539BA}" dt="2020-02-12T06:15:44.581" v="269" actId="164"/>
+          <ac:picMkLst>
+            <pc:docMk/>
+            <pc:sldMk cId="4288803398" sldId="261"/>
+            <ac:picMk id="21" creationId="{1EAAFDD7-270D-40BB-B235-F2B7DF98EC72}"/>
+          </ac:picMkLst>
+        </pc:picChg>
+        <pc:cxnChg chg="add del mod">
+          <ac:chgData name="Boon Jun" userId="b9b2384c46af58b4" providerId="LiveId" clId="{07FA4B2E-902A-4B46-B455-FA227D8539BA}" dt="2020-02-12T06:18:14.303" v="293" actId="478"/>
+          <ac:cxnSpMkLst>
+            <pc:docMk/>
+            <pc:sldMk cId="4288803398" sldId="261"/>
+            <ac:cxnSpMk id="43" creationId="{690199DA-1E25-4F10-9C03-ED87BDDA08C5}"/>
+          </ac:cxnSpMkLst>
+        </pc:cxnChg>
+        <pc:cxnChg chg="add mod">
+          <ac:chgData name="Boon Jun" userId="b9b2384c46af58b4" providerId="LiveId" clId="{07FA4B2E-902A-4B46-B455-FA227D8539BA}" dt="2020-02-12T06:20:36.923" v="369" actId="1038"/>
+          <ac:cxnSpMkLst>
+            <pc:docMk/>
+            <pc:sldMk cId="4288803398" sldId="261"/>
+            <ac:cxnSpMk id="45" creationId="{DEB82724-4F13-4B3E-A5D9-2549C676F822}"/>
+          </ac:cxnSpMkLst>
+        </pc:cxnChg>
+      </pc:sldChg>
+      <pc:sldChg chg="addSp delSp modSp add">
+        <pc:chgData name="Boon Jun" userId="b9b2384c46af58b4" providerId="LiveId" clId="{07FA4B2E-902A-4B46-B455-FA227D8539BA}" dt="2020-02-13T05:45:45.104" v="1464" actId="20577"/>
+        <pc:sldMkLst>
+          <pc:docMk/>
+          <pc:sldMk cId="2128570129" sldId="262"/>
+        </pc:sldMkLst>
+        <pc:spChg chg="mod">
+          <ac:chgData name="Boon Jun" userId="b9b2384c46af58b4" providerId="LiveId" clId="{07FA4B2E-902A-4B46-B455-FA227D8539BA}" dt="2020-02-12T08:05:59.524" v="680" actId="403"/>
+          <ac:spMkLst>
+            <pc:docMk/>
+            <pc:sldMk cId="2128570129" sldId="262"/>
+            <ac:spMk id="3" creationId="{E90E465A-3033-4159-ACA1-F19A702DF04B}"/>
+          </ac:spMkLst>
+        </pc:spChg>
+        <pc:spChg chg="add del">
+          <ac:chgData name="Boon Jun" userId="b9b2384c46af58b4" providerId="LiveId" clId="{07FA4B2E-902A-4B46-B455-FA227D8539BA}" dt="2020-02-13T05:33:24.991" v="1137" actId="478"/>
+          <ac:spMkLst>
+            <pc:docMk/>
+            <pc:sldMk cId="2128570129" sldId="262"/>
+            <ac:spMk id="5" creationId="{B72158A1-904F-4FBF-A96E-34E53E10A6A5}"/>
+          </ac:spMkLst>
+        </pc:spChg>
+        <pc:spChg chg="add del mod">
+          <ac:chgData name="Boon Jun" userId="b9b2384c46af58b4" providerId="LiveId" clId="{07FA4B2E-902A-4B46-B455-FA227D8539BA}" dt="2020-02-13T05:44:01.869" v="1367" actId="478"/>
+          <ac:spMkLst>
+            <pc:docMk/>
+            <pc:sldMk cId="2128570129" sldId="262"/>
+            <ac:spMk id="6" creationId="{F07558B1-1566-4FDC-B460-49621019A0D6}"/>
+          </ac:spMkLst>
+        </pc:spChg>
+        <pc:spChg chg="add mod">
+          <ac:chgData name="Boon Jun" userId="b9b2384c46af58b4" providerId="LiveId" clId="{07FA4B2E-902A-4B46-B455-FA227D8539BA}" dt="2020-02-13T05:45:45.104" v="1464" actId="20577"/>
+          <ac:spMkLst>
+            <pc:docMk/>
+            <pc:sldMk cId="2128570129" sldId="262"/>
+            <ac:spMk id="8" creationId="{EF2B4361-1A2B-4948-B18E-4124A2399EAD}"/>
+          </ac:spMkLst>
+        </pc:spChg>
+        <pc:spChg chg="add mod">
+          <ac:chgData name="Boon Jun" userId="b9b2384c46af58b4" providerId="LiveId" clId="{07FA4B2E-902A-4B46-B455-FA227D8539BA}" dt="2020-02-13T05:45:25.711" v="1450" actId="14100"/>
+          <ac:spMkLst>
+            <pc:docMk/>
+            <pc:sldMk cId="2128570129" sldId="262"/>
+            <ac:spMk id="9" creationId="{44FABC0D-EF10-42E9-9533-E86364055205}"/>
+          </ac:spMkLst>
+        </pc:spChg>
+        <pc:grpChg chg="del">
+          <ac:chgData name="Boon Jun" userId="b9b2384c46af58b4" providerId="LiveId" clId="{07FA4B2E-902A-4B46-B455-FA227D8539BA}" dt="2020-02-12T06:26:52.163" v="397" actId="478"/>
+          <ac:grpSpMkLst>
+            <pc:docMk/>
+            <pc:sldMk cId="2128570129" sldId="262"/>
+            <ac:grpSpMk id="27" creationId="{457893AD-8B81-4217-9338-5939A5D67230}"/>
+          </ac:grpSpMkLst>
+        </pc:grpChg>
+        <pc:grpChg chg="del">
+          <ac:chgData name="Boon Jun" userId="b9b2384c46af58b4" providerId="LiveId" clId="{07FA4B2E-902A-4B46-B455-FA227D8539BA}" dt="2020-02-12T06:26:52.163" v="397" actId="478"/>
+          <ac:grpSpMkLst>
+            <pc:docMk/>
+            <pc:sldMk cId="2128570129" sldId="262"/>
+            <ac:grpSpMk id="28" creationId="{7CF7D480-5642-4427-A6B5-BECE88DE9CEA}"/>
+          </ac:grpSpMkLst>
+        </pc:grpChg>
+        <pc:grpChg chg="del">
+          <ac:chgData name="Boon Jun" userId="b9b2384c46af58b4" providerId="LiveId" clId="{07FA4B2E-902A-4B46-B455-FA227D8539BA}" dt="2020-02-12T06:26:52.163" v="397" actId="478"/>
+          <ac:grpSpMkLst>
+            <pc:docMk/>
+            <pc:sldMk cId="2128570129" sldId="262"/>
+            <ac:grpSpMk id="29" creationId="{167F73E9-DFBF-4E4D-8344-FFB57FCBBA3B}"/>
+          </ac:grpSpMkLst>
+        </pc:grpChg>
+        <pc:grpChg chg="del">
+          <ac:chgData name="Boon Jun" userId="b9b2384c46af58b4" providerId="LiveId" clId="{07FA4B2E-902A-4B46-B455-FA227D8539BA}" dt="2020-02-12T06:26:54.261" v="398" actId="478"/>
+          <ac:grpSpMkLst>
+            <pc:docMk/>
+            <pc:sldMk cId="2128570129" sldId="262"/>
+            <ac:grpSpMk id="30" creationId="{01DD4AC3-75ED-47FC-8637-8FAAEFD10B6A}"/>
+          </ac:grpSpMkLst>
+        </pc:grpChg>
+        <pc:picChg chg="add mod modCrop">
+          <ac:chgData name="Boon Jun" userId="b9b2384c46af58b4" providerId="LiveId" clId="{07FA4B2E-902A-4B46-B455-FA227D8539BA}" dt="2020-02-13T05:44:33.692" v="1380" actId="1076"/>
+          <ac:picMkLst>
+            <pc:docMk/>
+            <pc:sldMk cId="2128570129" sldId="262"/>
+            <ac:picMk id="4" creationId="{E1D0E9EB-BDF4-4725-A965-DC1F5A2F8039}"/>
+          </ac:picMkLst>
+        </pc:picChg>
+        <pc:picChg chg="add del mod">
+          <ac:chgData name="Boon Jun" userId="b9b2384c46af58b4" providerId="LiveId" clId="{07FA4B2E-902A-4B46-B455-FA227D8539BA}" dt="2020-02-12T06:27:28.912" v="407" actId="478"/>
+          <ac:picMkLst>
+            <pc:docMk/>
+            <pc:sldMk cId="2128570129" sldId="262"/>
+            <ac:picMk id="1026" creationId="{CED1434D-D05D-48B1-B9BF-6DD3CD76E5A2}"/>
+          </ac:picMkLst>
+        </pc:picChg>
+        <pc:picChg chg="add del mod">
+          <ac:chgData name="Boon Jun" userId="b9b2384c46af58b4" providerId="LiveId" clId="{07FA4B2E-902A-4B46-B455-FA227D8539BA}" dt="2020-02-12T07:58:41.338" v="658" actId="478"/>
+          <ac:picMkLst>
+            <pc:docMk/>
+            <pc:sldMk cId="2128570129" sldId="262"/>
+            <ac:picMk id="1028" creationId="{25309B78-8891-4B03-98BF-44D19E733085}"/>
+          </ac:picMkLst>
+        </pc:picChg>
+        <pc:picChg chg="add mod">
+          <ac:chgData name="Boon Jun" userId="b9b2384c46af58b4" providerId="LiveId" clId="{07FA4B2E-902A-4B46-B455-FA227D8539BA}" dt="2020-02-13T05:44:24.114" v="1378" actId="14100"/>
+          <ac:picMkLst>
+            <pc:docMk/>
+            <pc:sldMk cId="2128570129" sldId="262"/>
+            <ac:picMk id="1030" creationId="{ECAEA6A6-62F0-47FB-8ECD-C3E93CF9A59A}"/>
+          </ac:picMkLst>
+        </pc:picChg>
+        <pc:cxnChg chg="mod">
+          <ac:chgData name="Boon Jun" userId="b9b2384c46af58b4" providerId="LiveId" clId="{07FA4B2E-902A-4B46-B455-FA227D8539BA}" dt="2020-02-12T06:26:52.163" v="397" actId="478"/>
+          <ac:cxnSpMkLst>
+            <pc:docMk/>
+            <pc:sldMk cId="2128570129" sldId="262"/>
+            <ac:cxnSpMk id="21" creationId="{0C91DD63-C43A-477F-9581-8F5BAFED1FDC}"/>
+          </ac:cxnSpMkLst>
+        </pc:cxnChg>
+      </pc:sldChg>
+      <pc:sldChg chg="addSp delSp modSp add">
+        <pc:chgData name="Boon Jun" userId="b9b2384c46af58b4" providerId="LiveId" clId="{07FA4B2E-902A-4B46-B455-FA227D8539BA}" dt="2020-02-13T14:52:14.529" v="3775" actId="478"/>
+        <pc:sldMkLst>
+          <pc:docMk/>
+          <pc:sldMk cId="2579216300" sldId="263"/>
+        </pc:sldMkLst>
+        <pc:spChg chg="mod">
+          <ac:chgData name="Boon Jun" userId="b9b2384c46af58b4" providerId="LiveId" clId="{07FA4B2E-902A-4B46-B455-FA227D8539BA}" dt="2020-02-12T06:35:49.699" v="523" actId="20577"/>
+          <ac:spMkLst>
+            <pc:docMk/>
+            <pc:sldMk cId="2579216300" sldId="263"/>
+            <ac:spMk id="2" creationId="{FF21E304-E4E0-438B-AB07-1B8DC03AFC6F}"/>
+          </ac:spMkLst>
+        </pc:spChg>
+        <pc:spChg chg="add del mod">
+          <ac:chgData name="Boon Jun" userId="b9b2384c46af58b4" providerId="LiveId" clId="{07FA4B2E-902A-4B46-B455-FA227D8539BA}" dt="2020-02-13T05:28:58.026" v="1111"/>
+          <ac:spMkLst>
+            <pc:docMk/>
+            <pc:sldMk cId="2579216300" sldId="263"/>
+            <ac:spMk id="3" creationId="{DB71C95F-7E6E-4D79-87CA-C2CAF7E1B564}"/>
+          </ac:spMkLst>
+        </pc:spChg>
+        <pc:spChg chg="add mod">
+          <ac:chgData name="Boon Jun" userId="b9b2384c46af58b4" providerId="LiveId" clId="{07FA4B2E-902A-4B46-B455-FA227D8539BA}" dt="2020-02-13T05:27:07.545" v="1100" actId="14100"/>
+          <ac:spMkLst>
+            <pc:docMk/>
+            <pc:sldMk cId="2579216300" sldId="263"/>
+            <ac:spMk id="12" creationId="{D0B332FF-9A78-4C1A-AB67-E35BC11E424D}"/>
+          </ac:spMkLst>
+        </pc:spChg>
+        <pc:spChg chg="add mod">
+          <ac:chgData name="Boon Jun" userId="b9b2384c46af58b4" providerId="LiveId" clId="{07FA4B2E-902A-4B46-B455-FA227D8539BA}" dt="2020-02-13T05:29:39.041" v="1132" actId="1076"/>
+          <ac:spMkLst>
+            <pc:docMk/>
+            <pc:sldMk cId="2579216300" sldId="263"/>
+            <ac:spMk id="14" creationId="{B42E03FB-F1C0-4CD9-B0FE-7FB925CA63FC}"/>
+          </ac:spMkLst>
+        </pc:spChg>
+        <pc:spChg chg="add mod">
+          <ac:chgData name="Boon Jun" userId="b9b2384c46af58b4" providerId="LiveId" clId="{07FA4B2E-902A-4B46-B455-FA227D8539BA}" dt="2020-02-13T05:29:45.916" v="1134" actId="1076"/>
+          <ac:spMkLst>
+            <pc:docMk/>
+            <pc:sldMk cId="2579216300" sldId="263"/>
+            <ac:spMk id="15" creationId="{85B03428-9776-4D6C-844D-6B04F4409D03}"/>
+          </ac:spMkLst>
+        </pc:spChg>
+        <pc:spChg chg="add mod">
+          <ac:chgData name="Boon Jun" userId="b9b2384c46af58b4" providerId="LiveId" clId="{07FA4B2E-902A-4B46-B455-FA227D8539BA}" dt="2020-02-13T05:24:12.941" v="914" actId="20577"/>
+          <ac:spMkLst>
+            <pc:docMk/>
+            <pc:sldMk cId="2579216300" sldId="263"/>
+            <ac:spMk id="25" creationId="{21869157-FE50-4022-82C7-B39E21A31C8B}"/>
+          </ac:spMkLst>
+        </pc:spChg>
+        <pc:spChg chg="del mod topLvl">
+          <ac:chgData name="Boon Jun" userId="b9b2384c46af58b4" providerId="LiveId" clId="{07FA4B2E-902A-4B46-B455-FA227D8539BA}" dt="2020-02-12T06:34:40.189" v="496" actId="478"/>
+          <ac:spMkLst>
+            <pc:docMk/>
+            <pc:sldMk cId="2579216300" sldId="263"/>
+            <ac:spMk id="30" creationId="{43C0468B-C6F0-42E0-946C-402FBA46DBA0}"/>
+          </ac:spMkLst>
+        </pc:spChg>
+        <pc:spChg chg="add del mod">
+          <ac:chgData name="Boon Jun" userId="b9b2384c46af58b4" providerId="LiveId" clId="{07FA4B2E-902A-4B46-B455-FA227D8539BA}" dt="2020-02-12T08:07:09.631" v="683" actId="478"/>
+          <ac:spMkLst>
+            <pc:docMk/>
+            <pc:sldMk cId="2579216300" sldId="263"/>
+            <ac:spMk id="31" creationId="{C1A6DCEB-8F1D-4385-8A4B-57B772E72C42}"/>
+          </ac:spMkLst>
+        </pc:spChg>
+        <pc:spChg chg="del mod topLvl">
+          <ac:chgData name="Boon Jun" userId="b9b2384c46af58b4" providerId="LiveId" clId="{07FA4B2E-902A-4B46-B455-FA227D8539BA}" dt="2020-02-12T06:34:40.189" v="496" actId="478"/>
+          <ac:spMkLst>
+            <pc:docMk/>
+            <pc:sldMk cId="2579216300" sldId="263"/>
+            <ac:spMk id="34" creationId="{ADA85AC4-4E67-4EC9-8959-12B9FA7B0155}"/>
+          </ac:spMkLst>
+        </pc:spChg>
+        <pc:spChg chg="del mod topLvl">
+          <ac:chgData name="Boon Jun" userId="b9b2384c46af58b4" providerId="LiveId" clId="{07FA4B2E-902A-4B46-B455-FA227D8539BA}" dt="2020-02-12T06:34:40.189" v="496" actId="478"/>
+          <ac:spMkLst>
+            <pc:docMk/>
+            <pc:sldMk cId="2579216300" sldId="263"/>
+            <ac:spMk id="37" creationId="{EECDB084-43ED-4B0B-BAE1-CBD141EECD68}"/>
+          </ac:spMkLst>
+        </pc:spChg>
+        <pc:spChg chg="del mod topLvl">
+          <ac:chgData name="Boon Jun" userId="b9b2384c46af58b4" providerId="LiveId" clId="{07FA4B2E-902A-4B46-B455-FA227D8539BA}" dt="2020-02-12T06:34:40.189" v="496" actId="478"/>
+          <ac:spMkLst>
+            <pc:docMk/>
+            <pc:sldMk cId="2579216300" sldId="263"/>
+            <ac:spMk id="38" creationId="{E7A4873B-A19D-462B-8779-4F149F7C5407}"/>
+          </ac:spMkLst>
+        </pc:spChg>
+        <pc:spChg chg="del mod topLvl">
+          <ac:chgData name="Boon Jun" userId="b9b2384c46af58b4" providerId="LiveId" clId="{07FA4B2E-902A-4B46-B455-FA227D8539BA}" dt="2020-02-12T06:34:40.189" v="496" actId="478"/>
+          <ac:spMkLst>
+            <pc:docMk/>
+            <pc:sldMk cId="2579216300" sldId="263"/>
+            <ac:spMk id="39" creationId="{47238156-9AB9-42CF-9591-65B18505C1EC}"/>
+          </ac:spMkLst>
+        </pc:spChg>
+        <pc:spChg chg="del mod topLvl">
+          <ac:chgData name="Boon Jun" userId="b9b2384c46af58b4" providerId="LiveId" clId="{07FA4B2E-902A-4B46-B455-FA227D8539BA}" dt="2020-02-12T06:34:40.189" v="496" actId="478"/>
+          <ac:spMkLst>
+            <pc:docMk/>
+            <pc:sldMk cId="2579216300" sldId="263"/>
+            <ac:spMk id="40" creationId="{CF4A457C-9958-47F9-8111-D835E1A5D910}"/>
+          </ac:spMkLst>
+        </pc:spChg>
+        <pc:spChg chg="del mod topLvl">
+          <ac:chgData name="Boon Jun" userId="b9b2384c46af58b4" providerId="LiveId" clId="{07FA4B2E-902A-4B46-B455-FA227D8539BA}" dt="2020-02-12T06:34:40.189" v="496" actId="478"/>
+          <ac:spMkLst>
+            <pc:docMk/>
+            <pc:sldMk cId="2579216300" sldId="263"/>
+            <ac:spMk id="41" creationId="{1CC5D3A0-E26A-408F-A350-73FBA5EDAE35}"/>
+          </ac:spMkLst>
+        </pc:spChg>
+        <pc:grpChg chg="del">
+          <ac:chgData name="Boon Jun" userId="b9b2384c46af58b4" providerId="LiveId" clId="{07FA4B2E-902A-4B46-B455-FA227D8539BA}" dt="2020-02-12T06:34:35.207" v="495" actId="165"/>
+          <ac:grpSpMkLst>
+            <pc:docMk/>
+            <pc:sldMk cId="2579216300" sldId="263"/>
+            <ac:grpSpMk id="22" creationId="{AFC4920A-713E-45DF-BF7A-92DC0AC7C8C2}"/>
+          </ac:grpSpMkLst>
+        </pc:grpChg>
+        <pc:grpChg chg="del">
+          <ac:chgData name="Boon Jun" userId="b9b2384c46af58b4" providerId="LiveId" clId="{07FA4B2E-902A-4B46-B455-FA227D8539BA}" dt="2020-02-12T06:34:32.302" v="494" actId="165"/>
+          <ac:grpSpMkLst>
+            <pc:docMk/>
+            <pc:sldMk cId="2579216300" sldId="263"/>
+            <ac:grpSpMk id="23" creationId="{2E532B55-37E7-4263-8AB0-FFF5EF10D2A7}"/>
+          </ac:grpSpMkLst>
+        </pc:grpChg>
+        <pc:grpChg chg="del">
+          <ac:chgData name="Boon Jun" userId="b9b2384c46af58b4" providerId="LiveId" clId="{07FA4B2E-902A-4B46-B455-FA227D8539BA}" dt="2020-02-12T06:34:27.785" v="493" actId="165"/>
+          <ac:grpSpMkLst>
+            <pc:docMk/>
+            <pc:sldMk cId="2579216300" sldId="263"/>
+            <ac:grpSpMk id="24" creationId="{0C8365A5-56A5-444A-8595-FABEE68A9C3A}"/>
+          </ac:grpSpMkLst>
+        </pc:grpChg>
+        <pc:grpChg chg="del">
+          <ac:chgData name="Boon Jun" userId="b9b2384c46af58b4" providerId="LiveId" clId="{07FA4B2E-902A-4B46-B455-FA227D8539BA}" dt="2020-02-12T06:34:07.678" v="489" actId="165"/>
+          <ac:grpSpMkLst>
+            <pc:docMk/>
+            <pc:sldMk cId="2579216300" sldId="263"/>
+            <ac:grpSpMk id="26" creationId="{2388A6FD-AD0D-4350-A86E-0B374796F9CF}"/>
+          </ac:grpSpMkLst>
+        </pc:grpChg>
+        <pc:grpChg chg="del">
+          <ac:chgData name="Boon Jun" userId="b9b2384c46af58b4" providerId="LiveId" clId="{07FA4B2E-902A-4B46-B455-FA227D8539BA}" dt="2020-02-12T06:34:12.878" v="490" actId="165"/>
+          <ac:grpSpMkLst>
+            <pc:docMk/>
+            <pc:sldMk cId="2579216300" sldId="263"/>
+            <ac:grpSpMk id="27" creationId="{924D0E9C-FEFE-4A42-A2EB-68A69CFE5992}"/>
+          </ac:grpSpMkLst>
+        </pc:grpChg>
+        <pc:grpChg chg="del">
+          <ac:chgData name="Boon Jun" userId="b9b2384c46af58b4" providerId="LiveId" clId="{07FA4B2E-902A-4B46-B455-FA227D8539BA}" dt="2020-02-12T06:34:16.522" v="491" actId="165"/>
+          <ac:grpSpMkLst>
+            <pc:docMk/>
+            <pc:sldMk cId="2579216300" sldId="263"/>
+            <ac:grpSpMk id="28" creationId="{A677EB62-42CC-4A72-8EA8-702339D0E93B}"/>
+          </ac:grpSpMkLst>
+        </pc:grpChg>
+        <pc:grpChg chg="del">
+          <ac:chgData name="Boon Jun" userId="b9b2384c46af58b4" providerId="LiveId" clId="{07FA4B2E-902A-4B46-B455-FA227D8539BA}" dt="2020-02-12T06:34:22.284" v="492" actId="165"/>
+          <ac:grpSpMkLst>
+            <pc:docMk/>
+            <pc:sldMk cId="2579216300" sldId="263"/>
+            <ac:grpSpMk id="29" creationId="{9DE674D4-9C8D-4555-9806-A27508F856AF}"/>
+          </ac:grpSpMkLst>
+        </pc:grpChg>
+        <pc:picChg chg="mod topLvl">
+          <ac:chgData name="Boon Jun" userId="b9b2384c46af58b4" providerId="LiveId" clId="{07FA4B2E-902A-4B46-B455-FA227D8539BA}" dt="2020-02-12T06:36:03.575" v="524" actId="207"/>
+          <ac:picMkLst>
+            <pc:docMk/>
+            <pc:sldMk cId="2579216300" sldId="263"/>
+            <ac:picMk id="7" creationId="{0F454814-B50C-4698-B6C0-6DE90A930257}"/>
+          </ac:picMkLst>
+        </pc:picChg>
+        <pc:picChg chg="mod topLvl">
+          <ac:chgData name="Boon Jun" userId="b9b2384c46af58b4" providerId="LiveId" clId="{07FA4B2E-902A-4B46-B455-FA227D8539BA}" dt="2020-02-12T06:35:39.122" v="515" actId="1076"/>
+          <ac:picMkLst>
+            <pc:docMk/>
+            <pc:sldMk cId="2579216300" sldId="263"/>
+            <ac:picMk id="9" creationId="{4484A587-4DE2-4E0E-BD31-1E5371FF1617}"/>
+          </ac:picMkLst>
+        </pc:picChg>
+        <pc:picChg chg="mod topLvl">
+          <ac:chgData name="Boon Jun" userId="b9b2384c46af58b4" providerId="LiveId" clId="{07FA4B2E-902A-4B46-B455-FA227D8539BA}" dt="2020-02-12T06:35:39.122" v="515" actId="1076"/>
+          <ac:picMkLst>
+            <pc:docMk/>
+            <pc:sldMk cId="2579216300" sldId="263"/>
+            <ac:picMk id="11" creationId="{787A3D66-E702-4786-9334-AA8574247486}"/>
+          </ac:picMkLst>
+        </pc:picChg>
+        <pc:picChg chg="mod topLvl">
+          <ac:chgData name="Boon Jun" userId="b9b2384c46af58b4" providerId="LiveId" clId="{07FA4B2E-902A-4B46-B455-FA227D8539BA}" dt="2020-02-12T06:35:39.122" v="515" actId="1076"/>
+          <ac:picMkLst>
+            <pc:docMk/>
+            <pc:sldMk cId="2579216300" sldId="263"/>
+            <ac:picMk id="13" creationId="{10818EE9-430A-4CC4-BD02-5BDDEF750326}"/>
+          </ac:picMkLst>
+        </pc:picChg>
+        <pc:picChg chg="mod topLvl">
+          <ac:chgData name="Boon Jun" userId="b9b2384c46af58b4" providerId="LiveId" clId="{07FA4B2E-902A-4B46-B455-FA227D8539BA}" dt="2020-02-12T06:35:39.122" v="515" actId="1076"/>
+          <ac:picMkLst>
+            <pc:docMk/>
+            <pc:sldMk cId="2579216300" sldId="263"/>
+            <ac:picMk id="17" creationId="{2AB76BBD-A7C0-47CD-8857-DAAB96FDAC61}"/>
+          </ac:picMkLst>
+        </pc:picChg>
+        <pc:picChg chg="add del mod topLvl">
+          <ac:chgData name="Boon Jun" userId="b9b2384c46af58b4" providerId="LiveId" clId="{07FA4B2E-902A-4B46-B455-FA227D8539BA}" dt="2020-02-13T14:52:14.529" v="3775" actId="478"/>
+          <ac:picMkLst>
+            <pc:docMk/>
+            <pc:sldMk cId="2579216300" sldId="263"/>
+            <ac:picMk id="19" creationId="{2C9D18F4-DF60-4C50-9850-912CD1CB918E}"/>
+          </ac:picMkLst>
+        </pc:picChg>
+        <pc:picChg chg="mod ord topLvl">
+          <ac:chgData name="Boon Jun" userId="b9b2384c46af58b4" providerId="LiveId" clId="{07FA4B2E-902A-4B46-B455-FA227D8539BA}" dt="2020-02-13T14:52:12.552" v="3774" actId="167"/>
+          <ac:picMkLst>
+            <pc:docMk/>
+            <pc:sldMk cId="2579216300" sldId="263"/>
+            <ac:picMk id="21" creationId="{1EAAFDD7-270D-40BB-B235-F2B7DF98EC72}"/>
+          </ac:picMkLst>
+        </pc:picChg>
+        <pc:picChg chg="add mod">
+          <ac:chgData name="Boon Jun" userId="b9b2384c46af58b4" providerId="LiveId" clId="{07FA4B2E-902A-4B46-B455-FA227D8539BA}" dt="2020-02-13T05:29:34.630" v="1131" actId="1076"/>
+          <ac:picMkLst>
+            <pc:docMk/>
+            <pc:sldMk cId="2579216300" sldId="263"/>
+            <ac:picMk id="1026" creationId="{8A40623D-8A86-47D6-A2CA-25B87D24B4B6}"/>
+          </ac:picMkLst>
+        </pc:picChg>
+        <pc:cxnChg chg="del">
+          <ac:chgData name="Boon Jun" userId="b9b2384c46af58b4" providerId="LiveId" clId="{07FA4B2E-902A-4B46-B455-FA227D8539BA}" dt="2020-02-12T06:33:50.396" v="488" actId="478"/>
+          <ac:cxnSpMkLst>
+            <pc:docMk/>
+            <pc:sldMk cId="2579216300" sldId="263"/>
+            <ac:cxnSpMk id="45" creationId="{DEB82724-4F13-4B3E-A5D9-2549C676F822}"/>
+          </ac:cxnSpMkLst>
+        </pc:cxnChg>
+      </pc:sldChg>
+      <pc:sldChg chg="addSp delSp modSp add">
+        <pc:chgData name="Boon Jun" userId="b9b2384c46af58b4" providerId="LiveId" clId="{07FA4B2E-902A-4B46-B455-FA227D8539BA}" dt="2020-02-13T15:25:07" v="4257" actId="1076"/>
+        <pc:sldMkLst>
+          <pc:docMk/>
+          <pc:sldMk cId="1800494445" sldId="264"/>
+        </pc:sldMkLst>
+        <pc:spChg chg="add mod">
+          <ac:chgData name="Boon Jun" userId="b9b2384c46af58b4" providerId="LiveId" clId="{07FA4B2E-902A-4B46-B455-FA227D8539BA}" dt="2020-02-13T15:23:21.348" v="4241" actId="1076"/>
+          <ac:spMkLst>
+            <pc:docMk/>
+            <pc:sldMk cId="1800494445" sldId="264"/>
+            <ac:spMk id="3" creationId="{FCE36C3C-2EA0-4990-8385-BB6D2D2AAF11}"/>
+          </ac:spMkLst>
+        </pc:spChg>
+        <pc:spChg chg="add mod">
+          <ac:chgData name="Boon Jun" userId="b9b2384c46af58b4" providerId="LiveId" clId="{07FA4B2E-902A-4B46-B455-FA227D8539BA}" dt="2020-02-12T08:09:27.327" v="707" actId="20577"/>
+          <ac:spMkLst>
+            <pc:docMk/>
+            <pc:sldMk cId="1800494445" sldId="264"/>
+            <ac:spMk id="10" creationId="{E9D6B482-8581-4E1F-80EB-BAF2C7C046BF}"/>
+          </ac:spMkLst>
+        </pc:spChg>
+        <pc:grpChg chg="add mod">
+          <ac:chgData name="Boon Jun" userId="b9b2384c46af58b4" providerId="LiveId" clId="{07FA4B2E-902A-4B46-B455-FA227D8539BA}" dt="2020-02-13T15:25:07" v="4257" actId="1076"/>
+          <ac:grpSpMkLst>
+            <pc:docMk/>
+            <pc:sldMk cId="1800494445" sldId="264"/>
+            <ac:grpSpMk id="20" creationId="{0CF539E5-BEDD-45BE-AF48-F0146077DB89}"/>
+          </ac:grpSpMkLst>
+        </pc:grpChg>
+        <pc:picChg chg="add mod">
+          <ac:chgData name="Boon Jun" userId="b9b2384c46af58b4" providerId="LiveId" clId="{07FA4B2E-902A-4B46-B455-FA227D8539BA}" dt="2020-02-13T15:25:03.841" v="4256" actId="164"/>
+          <ac:picMkLst>
+            <pc:docMk/>
+            <pc:sldMk cId="1800494445" sldId="264"/>
+            <ac:picMk id="5" creationId="{546D015E-9D7E-43E1-B0E9-EE2921CF5E2F}"/>
+          </ac:picMkLst>
+        </pc:picChg>
+        <pc:picChg chg="add mod">
+          <ac:chgData name="Boon Jun" userId="b9b2384c46af58b4" providerId="LiveId" clId="{07FA4B2E-902A-4B46-B455-FA227D8539BA}" dt="2020-02-13T15:25:03.841" v="4256" actId="164"/>
+          <ac:picMkLst>
+            <pc:docMk/>
+            <pc:sldMk cId="1800494445" sldId="264"/>
+            <ac:picMk id="8" creationId="{0C24B065-DF02-4100-BD40-D5D36AAD2485}"/>
+          </ac:picMkLst>
+        </pc:picChg>
+        <pc:picChg chg="add del mod">
+          <ac:chgData name="Boon Jun" userId="b9b2384c46af58b4" providerId="LiveId" clId="{07FA4B2E-902A-4B46-B455-FA227D8539BA}" dt="2020-02-13T15:23:32.528" v="4244" actId="478"/>
+          <ac:picMkLst>
+            <pc:docMk/>
+            <pc:sldMk cId="1800494445" sldId="264"/>
+            <ac:picMk id="12" creationId="{4DA53387-9075-44E3-8F7B-16CDA253E0EE}"/>
+          </ac:picMkLst>
+        </pc:picChg>
+        <pc:picChg chg="add mod">
+          <ac:chgData name="Boon Jun" userId="b9b2384c46af58b4" providerId="LiveId" clId="{07FA4B2E-902A-4B46-B455-FA227D8539BA}" dt="2020-02-13T15:25:03.841" v="4256" actId="164"/>
+          <ac:picMkLst>
+            <pc:docMk/>
+            <pc:sldMk cId="1800494445" sldId="264"/>
+            <ac:picMk id="15" creationId="{73FF9329-86D2-46E7-BEA4-E6458B109780}"/>
+          </ac:picMkLst>
+        </pc:picChg>
+        <pc:picChg chg="add mod">
+          <ac:chgData name="Boon Jun" userId="b9b2384c46af58b4" providerId="LiveId" clId="{07FA4B2E-902A-4B46-B455-FA227D8539BA}" dt="2020-02-13T15:25:03.841" v="4256" actId="164"/>
+          <ac:picMkLst>
+            <pc:docMk/>
+            <pc:sldMk cId="1800494445" sldId="264"/>
+            <ac:picMk id="18" creationId="{928798E6-A5A8-416B-85DB-83C6C9102B70}"/>
+          </ac:picMkLst>
+        </pc:picChg>
+      </pc:sldChg>
+      <pc:sldChg chg="addSp delSp modSp add">
+        <pc:chgData name="Boon Jun" userId="b9b2384c46af58b4" providerId="LiveId" clId="{07FA4B2E-902A-4B46-B455-FA227D8539BA}" dt="2020-02-13T14:52:28.431" v="3778" actId="478"/>
+        <pc:sldMkLst>
+          <pc:docMk/>
+          <pc:sldMk cId="3686962177" sldId="265"/>
+        </pc:sldMkLst>
+        <pc:spChg chg="mod">
+          <ac:chgData name="Boon Jun" userId="b9b2384c46af58b4" providerId="LiveId" clId="{07FA4B2E-902A-4B46-B455-FA227D8539BA}" dt="2020-02-12T06:36:57.104" v="529" actId="20577"/>
+          <ac:spMkLst>
+            <pc:docMk/>
+            <pc:sldMk cId="3686962177" sldId="265"/>
+            <ac:spMk id="2" creationId="{FF21E304-E4E0-438B-AB07-1B8DC03AFC6F}"/>
+          </ac:spMkLst>
+        </pc:spChg>
+        <pc:spChg chg="add mod">
+          <ac:chgData name="Boon Jun" userId="b9b2384c46af58b4" providerId="LiveId" clId="{07FA4B2E-902A-4B46-B455-FA227D8539BA}" dt="2020-02-13T06:03:24.437" v="1660" actId="1076"/>
+          <ac:spMkLst>
+            <pc:docMk/>
+            <pc:sldMk cId="3686962177" sldId="265"/>
+            <ac:spMk id="10" creationId="{2CA6CB46-CEA3-49AA-8BF8-C9FCB6D65BBD}"/>
+          </ac:spMkLst>
+        </pc:spChg>
+        <pc:spChg chg="add del mod">
+          <ac:chgData name="Boon Jun" userId="b9b2384c46af58b4" providerId="LiveId" clId="{07FA4B2E-902A-4B46-B455-FA227D8539BA}" dt="2020-02-13T05:47:15.329" v="1478" actId="478"/>
+          <ac:spMkLst>
+            <pc:docMk/>
+            <pc:sldMk cId="3686962177" sldId="265"/>
+            <ac:spMk id="14" creationId="{28B1F449-226B-4021-9067-25222FFBA3D5}"/>
+          </ac:spMkLst>
+        </pc:spChg>
+        <pc:spChg chg="add mod">
+          <ac:chgData name="Boon Jun" userId="b9b2384c46af58b4" providerId="LiveId" clId="{07FA4B2E-902A-4B46-B455-FA227D8539BA}" dt="2020-02-13T06:03:28.223" v="1661" actId="164"/>
+          <ac:spMkLst>
+            <pc:docMk/>
+            <pc:sldMk cId="3686962177" sldId="265"/>
+            <ac:spMk id="15" creationId="{E6A440A6-DE38-44AA-855F-2AF2A49B0596}"/>
+          </ac:spMkLst>
+        </pc:spChg>
+        <pc:spChg chg="add mod">
+          <ac:chgData name="Boon Jun" userId="b9b2384c46af58b4" providerId="LiveId" clId="{07FA4B2E-902A-4B46-B455-FA227D8539BA}" dt="2020-02-13T06:03:28.223" v="1661" actId="164"/>
+          <ac:spMkLst>
+            <pc:docMk/>
+            <pc:sldMk cId="3686962177" sldId="265"/>
+            <ac:spMk id="20" creationId="{EB0F48A6-617D-4561-A926-0BA9EF357425}"/>
+          </ac:spMkLst>
+        </pc:spChg>
+        <pc:spChg chg="add mod">
+          <ac:chgData name="Boon Jun" userId="b9b2384c46af58b4" providerId="LiveId" clId="{07FA4B2E-902A-4B46-B455-FA227D8539BA}" dt="2020-02-13T06:04:17.201" v="1667"/>
+          <ac:spMkLst>
+            <pc:docMk/>
+            <pc:sldMk cId="3686962177" sldId="265"/>
+            <ac:spMk id="22" creationId="{DC85B2CB-259A-4F9D-918F-566D650BDC8E}"/>
+          </ac:spMkLst>
+        </pc:spChg>
+        <pc:grpChg chg="add mod">
+          <ac:chgData name="Boon Jun" userId="b9b2384c46af58b4" providerId="LiveId" clId="{07FA4B2E-902A-4B46-B455-FA227D8539BA}" dt="2020-02-13T06:03:33.356" v="1663" actId="1076"/>
+          <ac:grpSpMkLst>
+            <pc:docMk/>
+            <pc:sldMk cId="3686962177" sldId="265"/>
+            <ac:grpSpMk id="16" creationId="{42FCBA91-79B9-432A-AFB5-D14194C68518}"/>
+          </ac:grpSpMkLst>
+        </pc:grpChg>
+        <pc:graphicFrameChg chg="add del mod modGraphic">
+          <ac:chgData name="Boon Jun" userId="b9b2384c46af58b4" providerId="LiveId" clId="{07FA4B2E-902A-4B46-B455-FA227D8539BA}" dt="2020-02-13T05:58:45.219" v="1634" actId="478"/>
+          <ac:graphicFrameMkLst>
+            <pc:docMk/>
+            <pc:sldMk cId="3686962177" sldId="265"/>
+            <ac:graphicFrameMk id="5" creationId="{F76F79BA-3B48-4E4F-AD19-3D130679AA94}"/>
+          </ac:graphicFrameMkLst>
+        </pc:graphicFrameChg>
+        <pc:picChg chg="add del mod">
+          <ac:chgData name="Boon Jun" userId="b9b2384c46af58b4" providerId="LiveId" clId="{07FA4B2E-902A-4B46-B455-FA227D8539BA}" dt="2020-02-13T05:47:02.309" v="1475" actId="478"/>
+          <ac:picMkLst>
+            <pc:docMk/>
+            <pc:sldMk cId="3686962177" sldId="265"/>
+            <ac:picMk id="4" creationId="{6C4C88E5-FE12-44C6-8626-C5BE06B98857}"/>
+          </ac:picMkLst>
+        </pc:picChg>
+        <pc:picChg chg="mod">
+          <ac:chgData name="Boon Jun" userId="b9b2384c46af58b4" providerId="LiveId" clId="{07FA4B2E-902A-4B46-B455-FA227D8539BA}" dt="2020-02-12T06:37:01.917" v="530" actId="207"/>
+          <ac:picMkLst>
+            <pc:docMk/>
+            <pc:sldMk cId="3686962177" sldId="265"/>
+            <ac:picMk id="7" creationId="{0F454814-B50C-4698-B6C0-6DE90A930257}"/>
+          </ac:picMkLst>
+        </pc:picChg>
+        <pc:picChg chg="mod">
+          <ac:chgData name="Boon Jun" userId="b9b2384c46af58b4" providerId="LiveId" clId="{07FA4B2E-902A-4B46-B455-FA227D8539BA}" dt="2020-02-12T06:37:05.489" v="531" actId="207"/>
+          <ac:picMkLst>
+            <pc:docMk/>
+            <pc:sldMk cId="3686962177" sldId="265"/>
+            <ac:picMk id="9" creationId="{4484A587-4DE2-4E0E-BD31-1E5371FF1617}"/>
+          </ac:picMkLst>
+        </pc:picChg>
+        <pc:picChg chg="add mod">
+          <ac:chgData name="Boon Jun" userId="b9b2384c46af58b4" providerId="LiveId" clId="{07FA4B2E-902A-4B46-B455-FA227D8539BA}" dt="2020-02-13T06:03:28.223" v="1661" actId="164"/>
+          <ac:picMkLst>
+            <pc:docMk/>
+            <pc:sldMk cId="3686962177" sldId="265"/>
+            <ac:picMk id="12" creationId="{F3B42DF8-CF34-431D-B474-B51879569DDF}"/>
+          </ac:picMkLst>
+        </pc:picChg>
+        <pc:picChg chg="add">
+          <ac:chgData name="Boon Jun" userId="b9b2384c46af58b4" providerId="LiveId" clId="{07FA4B2E-902A-4B46-B455-FA227D8539BA}" dt="2020-02-13T14:52:27.076" v="3777"/>
+          <ac:picMkLst>
+            <pc:docMk/>
+            <pc:sldMk cId="3686962177" sldId="265"/>
+            <ac:picMk id="18" creationId="{EFB355EA-22DF-461F-8058-173BE555ED6D}"/>
+          </ac:picMkLst>
+        </pc:picChg>
+        <pc:picChg chg="del">
+          <ac:chgData name="Boon Jun" userId="b9b2384c46af58b4" providerId="LiveId" clId="{07FA4B2E-902A-4B46-B455-FA227D8539BA}" dt="2020-02-13T14:52:26.807" v="3776" actId="478"/>
+          <ac:picMkLst>
+            <pc:docMk/>
+            <pc:sldMk cId="3686962177" sldId="265"/>
+            <ac:picMk id="19" creationId="{2C9D18F4-DF60-4C50-9850-912CD1CB918E}"/>
+          </ac:picMkLst>
+        </pc:picChg>
+        <pc:picChg chg="del">
+          <ac:chgData name="Boon Jun" userId="b9b2384c46af58b4" providerId="LiveId" clId="{07FA4B2E-902A-4B46-B455-FA227D8539BA}" dt="2020-02-13T14:52:28.431" v="3778" actId="478"/>
+          <ac:picMkLst>
+            <pc:docMk/>
+            <pc:sldMk cId="3686962177" sldId="265"/>
+            <ac:picMk id="21" creationId="{1EAAFDD7-270D-40BB-B235-F2B7DF98EC72}"/>
+          </ac:picMkLst>
+        </pc:picChg>
+        <pc:picChg chg="add mod">
+          <ac:chgData name="Boon Jun" userId="b9b2384c46af58b4" providerId="LiveId" clId="{07FA4B2E-902A-4B46-B455-FA227D8539BA}" dt="2020-02-13T06:03:42.895" v="1665" actId="1076"/>
+          <ac:picMkLst>
+            <pc:docMk/>
+            <pc:sldMk cId="3686962177" sldId="265"/>
+            <ac:picMk id="2050" creationId="{EDAA3C66-9856-43C0-9E71-DF9C9727AB29}"/>
+          </ac:picMkLst>
+        </pc:picChg>
+      </pc:sldChg>
+      <pc:sldChg chg="addSp delSp modSp add">
+        <pc:chgData name="Boon Jun" userId="b9b2384c46af58b4" providerId="LiveId" clId="{07FA4B2E-902A-4B46-B455-FA227D8539BA}" dt="2020-02-13T15:29:59.371" v="4395" actId="1076"/>
+        <pc:sldMkLst>
+          <pc:docMk/>
+          <pc:sldMk cId="636087106" sldId="266"/>
+        </pc:sldMkLst>
+        <pc:spChg chg="add mod">
+          <ac:chgData name="Boon Jun" userId="b9b2384c46af58b4" providerId="LiveId" clId="{07FA4B2E-902A-4B46-B455-FA227D8539BA}" dt="2020-02-13T15:29:59.371" v="4395" actId="1076"/>
+          <ac:spMkLst>
+            <pc:docMk/>
+            <pc:sldMk cId="636087106" sldId="266"/>
+            <ac:spMk id="12" creationId="{7E819E2F-F89A-4E7A-8019-86F87E6B66FD}"/>
+          </ac:spMkLst>
+        </pc:spChg>
+        <pc:spChg chg="add mod">
+          <ac:chgData name="Boon Jun" userId="b9b2384c46af58b4" providerId="LiveId" clId="{07FA4B2E-902A-4B46-B455-FA227D8539BA}" dt="2020-02-13T15:26:29.948" v="4302" actId="14100"/>
+          <ac:spMkLst>
+            <pc:docMk/>
+            <pc:sldMk cId="636087106" sldId="266"/>
+            <ac:spMk id="14" creationId="{766C374E-51AC-489F-8B29-0FC048074748}"/>
+          </ac:spMkLst>
+        </pc:spChg>
+        <pc:graphicFrameChg chg="add mod modGraphic">
+          <ac:chgData name="Boon Jun" userId="b9b2384c46af58b4" providerId="LiveId" clId="{07FA4B2E-902A-4B46-B455-FA227D8539BA}" dt="2020-02-13T15:29:58.945" v="4394" actId="1076"/>
+          <ac:graphicFrameMkLst>
+            <pc:docMk/>
+            <pc:sldMk cId="636087106" sldId="266"/>
+            <ac:graphicFrameMk id="3" creationId="{B5B65770-B6E3-400C-872F-727B877060EE}"/>
+          </ac:graphicFrameMkLst>
+        </pc:graphicFrameChg>
+        <pc:picChg chg="add">
+          <ac:chgData name="Boon Jun" userId="b9b2384c46af58b4" providerId="LiveId" clId="{07FA4B2E-902A-4B46-B455-FA227D8539BA}" dt="2020-02-13T14:52:52.343" v="3790"/>
+          <ac:picMkLst>
+            <pc:docMk/>
+            <pc:sldMk cId="636087106" sldId="266"/>
+            <ac:picMk id="10" creationId="{D1BAFE31-4B88-499B-99AA-59E33C5948A8}"/>
+          </ac:picMkLst>
+        </pc:picChg>
+        <pc:picChg chg="add mod">
+          <ac:chgData name="Boon Jun" userId="b9b2384c46af58b4" providerId="LiveId" clId="{07FA4B2E-902A-4B46-B455-FA227D8539BA}" dt="2020-02-13T15:27:11.844" v="4317" actId="1076"/>
+          <ac:picMkLst>
+            <pc:docMk/>
+            <pc:sldMk cId="636087106" sldId="266"/>
+            <ac:picMk id="15" creationId="{C7A484BE-4A97-49CD-B03B-9CF61532E229}"/>
+          </ac:picMkLst>
+        </pc:picChg>
+        <pc:picChg chg="del">
+          <ac:chgData name="Boon Jun" userId="b9b2384c46af58b4" providerId="LiveId" clId="{07FA4B2E-902A-4B46-B455-FA227D8539BA}" dt="2020-02-13T14:52:51.081" v="3789" actId="478"/>
+          <ac:picMkLst>
+            <pc:docMk/>
+            <pc:sldMk cId="636087106" sldId="266"/>
+            <ac:picMk id="19" creationId="{2C9D18F4-DF60-4C50-9850-912CD1CB918E}"/>
+          </ac:picMkLst>
+        </pc:picChg>
+        <pc:picChg chg="del">
+          <ac:chgData name="Boon Jun" userId="b9b2384c46af58b4" providerId="LiveId" clId="{07FA4B2E-902A-4B46-B455-FA227D8539BA}" dt="2020-02-13T14:52:53.413" v="3791" actId="478"/>
+          <ac:picMkLst>
+            <pc:docMk/>
+            <pc:sldMk cId="636087106" sldId="266"/>
+            <ac:picMk id="21" creationId="{1EAAFDD7-270D-40BB-B235-F2B7DF98EC72}"/>
+          </ac:picMkLst>
+        </pc:picChg>
+      </pc:sldChg>
+      <pc:sldChg chg="addSp delSp modSp add">
+        <pc:chgData name="Boon Jun" userId="b9b2384c46af58b4" providerId="LiveId" clId="{07FA4B2E-902A-4B46-B455-FA227D8539BA}" dt="2020-02-13T14:52:59.722" v="3794" actId="478"/>
+        <pc:sldMkLst>
+          <pc:docMk/>
+          <pc:sldMk cId="2733934548" sldId="267"/>
+        </pc:sldMkLst>
+        <pc:spChg chg="mod">
+          <ac:chgData name="Boon Jun" userId="b9b2384c46af58b4" providerId="LiveId" clId="{07FA4B2E-902A-4B46-B455-FA227D8539BA}" dt="2020-02-12T06:37:36.985" v="542" actId="20577"/>
+          <ac:spMkLst>
+            <pc:docMk/>
+            <pc:sldMk cId="2733934548" sldId="267"/>
+            <ac:spMk id="2" creationId="{FF21E304-E4E0-438B-AB07-1B8DC03AFC6F}"/>
+          </ac:spMkLst>
+        </pc:spChg>
+        <pc:spChg chg="add mod">
+          <ac:chgData name="Boon Jun" userId="b9b2384c46af58b4" providerId="LiveId" clId="{07FA4B2E-902A-4B46-B455-FA227D8539BA}" dt="2020-02-13T14:24:09.011" v="3406" actId="20577"/>
+          <ac:spMkLst>
+            <pc:docMk/>
+            <pc:sldMk cId="2733934548" sldId="267"/>
+            <ac:spMk id="10" creationId="{93ABB5C7-4D7C-4CD1-82CE-6CFE8E98B0D6}"/>
+          </ac:spMkLst>
+        </pc:spChg>
+        <pc:spChg chg="add mod">
+          <ac:chgData name="Boon Jun" userId="b9b2384c46af58b4" providerId="LiveId" clId="{07FA4B2E-902A-4B46-B455-FA227D8539BA}" dt="2020-02-13T14:32:09.134" v="3466" actId="1076"/>
+          <ac:spMkLst>
+            <pc:docMk/>
+            <pc:sldMk cId="2733934548" sldId="267"/>
+            <ac:spMk id="14" creationId="{D5CEA9D9-89D9-41FF-94D8-38F914907667}"/>
+          </ac:spMkLst>
+        </pc:spChg>
+        <pc:spChg chg="add del mod">
+          <ac:chgData name="Boon Jun" userId="b9b2384c46af58b4" providerId="LiveId" clId="{07FA4B2E-902A-4B46-B455-FA227D8539BA}" dt="2020-02-13T14:32:13.975" v="3467" actId="478"/>
+          <ac:spMkLst>
+            <pc:docMk/>
+            <pc:sldMk cId="2733934548" sldId="267"/>
+            <ac:spMk id="15" creationId="{7F907ECC-8F19-4208-B6BC-0F5AF683F34E}"/>
+          </ac:spMkLst>
+        </pc:spChg>
+        <pc:spChg chg="add mod">
+          <ac:chgData name="Boon Jun" userId="b9b2384c46af58b4" providerId="LiveId" clId="{07FA4B2E-902A-4B46-B455-FA227D8539BA}" dt="2020-02-13T14:32:32.511" v="3472" actId="207"/>
+          <ac:spMkLst>
+            <pc:docMk/>
+            <pc:sldMk cId="2733934548" sldId="267"/>
+            <ac:spMk id="16" creationId="{D5EBEDF3-20CA-460F-A90F-CA2F0B9CE354}"/>
+          </ac:spMkLst>
+        </pc:spChg>
+        <pc:spChg chg="add mod">
+          <ac:chgData name="Boon Jun" userId="b9b2384c46af58b4" providerId="LiveId" clId="{07FA4B2E-902A-4B46-B455-FA227D8539BA}" dt="2020-02-13T14:33:57.541" v="3491" actId="12"/>
+          <ac:spMkLst>
+            <pc:docMk/>
+            <pc:sldMk cId="2733934548" sldId="267"/>
+            <ac:spMk id="18" creationId="{63BD4CA7-9F63-43D5-9C55-9ED78578F975}"/>
+          </ac:spMkLst>
+        </pc:spChg>
+        <pc:picChg chg="mod">
+          <ac:chgData name="Boon Jun" userId="b9b2384c46af58b4" providerId="LiveId" clId="{07FA4B2E-902A-4B46-B455-FA227D8539BA}" dt="2020-02-12T06:37:41.435" v="543" actId="207"/>
+          <ac:picMkLst>
+            <pc:docMk/>
+            <pc:sldMk cId="2733934548" sldId="267"/>
+            <ac:picMk id="9" creationId="{4484A587-4DE2-4E0E-BD31-1E5371FF1617}"/>
+          </ac:picMkLst>
+        </pc:picChg>
+        <pc:picChg chg="mod">
+          <ac:chgData name="Boon Jun" userId="b9b2384c46af58b4" providerId="LiveId" clId="{07FA4B2E-902A-4B46-B455-FA227D8539BA}" dt="2020-02-12T06:37:47.436" v="544" actId="207"/>
+          <ac:picMkLst>
+            <pc:docMk/>
+            <pc:sldMk cId="2733934548" sldId="267"/>
+            <ac:picMk id="11" creationId="{787A3D66-E702-4786-9334-AA8574247486}"/>
+          </ac:picMkLst>
+        </pc:picChg>
+        <pc:picChg chg="add mod">
+          <ac:chgData name="Boon Jun" userId="b9b2384c46af58b4" providerId="LiveId" clId="{07FA4B2E-902A-4B46-B455-FA227D8539BA}" dt="2020-02-13T14:28:39.650" v="3417" actId="1076"/>
+          <ac:picMkLst>
+            <pc:docMk/>
+            <pc:sldMk cId="2733934548" sldId="267"/>
+            <ac:picMk id="12" creationId="{02FD26A9-D4DF-4704-AC8C-895E19A7736B}"/>
+          </ac:picMkLst>
+        </pc:picChg>
+        <pc:picChg chg="del">
+          <ac:chgData name="Boon Jun" userId="b9b2384c46af58b4" providerId="LiveId" clId="{07FA4B2E-902A-4B46-B455-FA227D8539BA}" dt="2020-02-13T14:52:57.860" v="3792" actId="478"/>
+          <ac:picMkLst>
+            <pc:docMk/>
+            <pc:sldMk cId="2733934548" sldId="267"/>
+            <ac:picMk id="19" creationId="{2C9D18F4-DF60-4C50-9850-912CD1CB918E}"/>
+          </ac:picMkLst>
+        </pc:picChg>
+        <pc:picChg chg="add">
+          <ac:chgData name="Boon Jun" userId="b9b2384c46af58b4" providerId="LiveId" clId="{07FA4B2E-902A-4B46-B455-FA227D8539BA}" dt="2020-02-13T14:52:58.287" v="3793"/>
+          <ac:picMkLst>
+            <pc:docMk/>
+            <pc:sldMk cId="2733934548" sldId="267"/>
+            <ac:picMk id="20" creationId="{4F1F826F-7E19-426D-9309-C7679F75C434}"/>
+          </ac:picMkLst>
+        </pc:picChg>
+        <pc:picChg chg="del">
+          <ac:chgData name="Boon Jun" userId="b9b2384c46af58b4" providerId="LiveId" clId="{07FA4B2E-902A-4B46-B455-FA227D8539BA}" dt="2020-02-13T14:52:59.722" v="3794" actId="478"/>
+          <ac:picMkLst>
+            <pc:docMk/>
+            <pc:sldMk cId="2733934548" sldId="267"/>
+            <ac:picMk id="21" creationId="{1EAAFDD7-270D-40BB-B235-F2B7DF98EC72}"/>
+          </ac:picMkLst>
+        </pc:picChg>
+      </pc:sldChg>
+      <pc:sldChg chg="addSp delSp modSp add">
+        <pc:chgData name="Boon Jun" userId="b9b2384c46af58b4" providerId="LiveId" clId="{07FA4B2E-902A-4B46-B455-FA227D8539BA}" dt="2020-02-13T14:53:08.563" v="3797" actId="478"/>
+        <pc:sldMkLst>
+          <pc:docMk/>
+          <pc:sldMk cId="1764059947" sldId="268"/>
+        </pc:sldMkLst>
+        <pc:spChg chg="mod">
+          <ac:chgData name="Boon Jun" userId="b9b2384c46af58b4" providerId="LiveId" clId="{07FA4B2E-902A-4B46-B455-FA227D8539BA}" dt="2020-02-12T06:37:58.271" v="578" actId="20577"/>
+          <ac:spMkLst>
+            <pc:docMk/>
+            <pc:sldMk cId="1764059947" sldId="268"/>
+            <ac:spMk id="2" creationId="{FF21E304-E4E0-438B-AB07-1B8DC03AFC6F}"/>
+          </ac:spMkLst>
+        </pc:spChg>
+        <pc:spChg chg="add mod">
+          <ac:chgData name="Boon Jun" userId="b9b2384c46af58b4" providerId="LiveId" clId="{07FA4B2E-902A-4B46-B455-FA227D8539BA}" dt="2020-02-13T14:39:44.367" v="3571" actId="1076"/>
+          <ac:spMkLst>
+            <pc:docMk/>
+            <pc:sldMk cId="1764059947" sldId="268"/>
+            <ac:spMk id="10" creationId="{371E5979-22FB-4EB1-B438-B2EA29F23B0D}"/>
+          </ac:spMkLst>
+        </pc:spChg>
+        <pc:spChg chg="add mod">
+          <ac:chgData name="Boon Jun" userId="b9b2384c46af58b4" providerId="LiveId" clId="{07FA4B2E-902A-4B46-B455-FA227D8539BA}" dt="2020-02-13T14:37:47.047" v="3527" actId="1076"/>
+          <ac:spMkLst>
+            <pc:docMk/>
+            <pc:sldMk cId="1764059947" sldId="268"/>
+            <ac:spMk id="14" creationId="{F060D061-0A96-49B1-ABD1-5C94995E59E2}"/>
+          </ac:spMkLst>
+        </pc:spChg>
+        <pc:spChg chg="add mod">
+          <ac:chgData name="Boon Jun" userId="b9b2384c46af58b4" providerId="LiveId" clId="{07FA4B2E-902A-4B46-B455-FA227D8539BA}" dt="2020-02-13T14:40:00.688" v="3573" actId="1076"/>
+          <ac:spMkLst>
+            <pc:docMk/>
+            <pc:sldMk cId="1764059947" sldId="268"/>
+            <ac:spMk id="15" creationId="{CC7AB7C4-16E9-4CA8-A878-B4CF7F1ECE56}"/>
+          </ac:spMkLst>
+        </pc:spChg>
+        <pc:picChg chg="add mod">
+          <ac:chgData name="Boon Jun" userId="b9b2384c46af58b4" providerId="LiveId" clId="{07FA4B2E-902A-4B46-B455-FA227D8539BA}" dt="2020-02-13T14:40:16.465" v="3574" actId="207"/>
+          <ac:picMkLst>
+            <pc:docMk/>
+            <pc:sldMk cId="1764059947" sldId="268"/>
+            <ac:picMk id="4" creationId="{2879D750-7A4C-4F57-9DD0-B9B1BE6696E2}"/>
+          </ac:picMkLst>
+        </pc:picChg>
+        <pc:picChg chg="add mod">
+          <ac:chgData name="Boon Jun" userId="b9b2384c46af58b4" providerId="LiveId" clId="{07FA4B2E-902A-4B46-B455-FA227D8539BA}" dt="2020-02-13T14:40:16.465" v="3574" actId="207"/>
+          <ac:picMkLst>
+            <pc:docMk/>
+            <pc:sldMk cId="1764059947" sldId="268"/>
+            <ac:picMk id="6" creationId="{AEFB87E6-C6E7-40EF-8C60-5D16275EDF6B}"/>
+          </ac:picMkLst>
+        </pc:picChg>
+        <pc:picChg chg="mod">
+          <ac:chgData name="Boon Jun" userId="b9b2384c46af58b4" providerId="LiveId" clId="{07FA4B2E-902A-4B46-B455-FA227D8539BA}" dt="2020-02-12T06:38:03.647" v="581" actId="207"/>
+          <ac:picMkLst>
+            <pc:docMk/>
+            <pc:sldMk cId="1764059947" sldId="268"/>
+            <ac:picMk id="11" creationId="{787A3D66-E702-4786-9334-AA8574247486}"/>
+          </ac:picMkLst>
+        </pc:picChg>
+        <pc:picChg chg="add mod">
+          <ac:chgData name="Boon Jun" userId="b9b2384c46af58b4" providerId="LiveId" clId="{07FA4B2E-902A-4B46-B455-FA227D8539BA}" dt="2020-02-13T14:40:16.465" v="3574" actId="207"/>
+          <ac:picMkLst>
+            <pc:docMk/>
+            <pc:sldMk cId="1764059947" sldId="268"/>
+            <ac:picMk id="12" creationId="{05DA79EC-A89A-486F-86B9-391389F25AC3}"/>
+          </ac:picMkLst>
+        </pc:picChg>
+        <pc:picChg chg="mod">
+          <ac:chgData name="Boon Jun" userId="b9b2384c46af58b4" providerId="LiveId" clId="{07FA4B2E-902A-4B46-B455-FA227D8539BA}" dt="2020-02-12T06:38:07.651" v="582" actId="207"/>
+          <ac:picMkLst>
+            <pc:docMk/>
+            <pc:sldMk cId="1764059947" sldId="268"/>
+            <ac:picMk id="13" creationId="{10818EE9-430A-4CC4-BD02-5BDDEF750326}"/>
+          </ac:picMkLst>
+        </pc:picChg>
+        <pc:picChg chg="del">
+          <ac:chgData name="Boon Jun" userId="b9b2384c46af58b4" providerId="LiveId" clId="{07FA4B2E-902A-4B46-B455-FA227D8539BA}" dt="2020-02-13T14:53:05.163" v="3795" actId="478"/>
+          <ac:picMkLst>
+            <pc:docMk/>
+            <pc:sldMk cId="1764059947" sldId="268"/>
+            <ac:picMk id="19" creationId="{2C9D18F4-DF60-4C50-9850-912CD1CB918E}"/>
+          </ac:picMkLst>
+        </pc:picChg>
+        <pc:picChg chg="add">
+          <ac:chgData name="Boon Jun" userId="b9b2384c46af58b4" providerId="LiveId" clId="{07FA4B2E-902A-4B46-B455-FA227D8539BA}" dt="2020-02-13T14:53:06.094" v="3796"/>
+          <ac:picMkLst>
+            <pc:docMk/>
+            <pc:sldMk cId="1764059947" sldId="268"/>
+            <ac:picMk id="20" creationId="{3EE1B200-BA5C-4316-A756-DA3E3354C87A}"/>
+          </ac:picMkLst>
+        </pc:picChg>
+        <pc:picChg chg="del">
+          <ac:chgData name="Boon Jun" userId="b9b2384c46af58b4" providerId="LiveId" clId="{07FA4B2E-902A-4B46-B455-FA227D8539BA}" dt="2020-02-13T14:53:08.563" v="3797" actId="478"/>
+          <ac:picMkLst>
+            <pc:docMk/>
+            <pc:sldMk cId="1764059947" sldId="268"/>
+            <ac:picMk id="21" creationId="{1EAAFDD7-270D-40BB-B235-F2B7DF98EC72}"/>
+          </ac:picMkLst>
+        </pc:picChg>
+      </pc:sldChg>
+      <pc:sldChg chg="addSp delSp modSp add">
+        <pc:chgData name="Boon Jun" userId="b9b2384c46af58b4" providerId="LiveId" clId="{07FA4B2E-902A-4B46-B455-FA227D8539BA}" dt="2020-02-13T14:53:16.313" v="3800" actId="478"/>
+        <pc:sldMkLst>
+          <pc:docMk/>
+          <pc:sldMk cId="130660112" sldId="269"/>
+        </pc:sldMkLst>
+        <pc:spChg chg="mod">
+          <ac:chgData name="Boon Jun" userId="b9b2384c46af58b4" providerId="LiveId" clId="{07FA4B2E-902A-4B46-B455-FA227D8539BA}" dt="2020-02-12T06:38:23.850" v="592" actId="20577"/>
+          <ac:spMkLst>
+            <pc:docMk/>
+            <pc:sldMk cId="130660112" sldId="269"/>
+            <ac:spMk id="2" creationId="{FF21E304-E4E0-438B-AB07-1B8DC03AFC6F}"/>
+          </ac:spMkLst>
+        </pc:spChg>
+        <pc:spChg chg="add del mod">
+          <ac:chgData name="Boon Jun" userId="b9b2384c46af58b4" providerId="LiveId" clId="{07FA4B2E-902A-4B46-B455-FA227D8539BA}" dt="2020-02-13T14:43:08.407" v="3581" actId="478"/>
+          <ac:spMkLst>
+            <pc:docMk/>
+            <pc:sldMk cId="130660112" sldId="269"/>
+            <ac:spMk id="3" creationId="{11E345F3-5425-4E38-BD4B-C4F51EA935A5}"/>
+          </ac:spMkLst>
+        </pc:spChg>
+        <pc:spChg chg="add mod">
+          <ac:chgData name="Boon Jun" userId="b9b2384c46af58b4" providerId="LiveId" clId="{07FA4B2E-902A-4B46-B455-FA227D8539BA}" dt="2020-02-13T14:50:10.028" v="3650" actId="555"/>
+          <ac:spMkLst>
+            <pc:docMk/>
+            <pc:sldMk cId="130660112" sldId="269"/>
+            <ac:spMk id="4" creationId="{5E578772-EAAE-458D-B830-1F5DD458FA24}"/>
+          </ac:spMkLst>
+        </pc:spChg>
+        <pc:spChg chg="add mod">
+          <ac:chgData name="Boon Jun" userId="b9b2384c46af58b4" providerId="LiveId" clId="{07FA4B2E-902A-4B46-B455-FA227D8539BA}" dt="2020-02-13T14:49:02.401" v="3636" actId="1076"/>
+          <ac:spMkLst>
+            <pc:docMk/>
+            <pc:sldMk cId="130660112" sldId="269"/>
+            <ac:spMk id="12" creationId="{97B40F1B-4516-4D95-A0FA-4B9FA0017862}"/>
+          </ac:spMkLst>
+        </pc:spChg>
+        <pc:spChg chg="add mod">
+          <ac:chgData name="Boon Jun" userId="b9b2384c46af58b4" providerId="LiveId" clId="{07FA4B2E-902A-4B46-B455-FA227D8539BA}" dt="2020-02-13T14:48:58.058" v="3635" actId="1076"/>
+          <ac:spMkLst>
+            <pc:docMk/>
+            <pc:sldMk cId="130660112" sldId="269"/>
+            <ac:spMk id="14" creationId="{F748641D-FD57-4755-ABCE-CBB2DD3DA4C4}"/>
+          </ac:spMkLst>
+        </pc:spChg>
+        <pc:spChg chg="add mod">
+          <ac:chgData name="Boon Jun" userId="b9b2384c46af58b4" providerId="LiveId" clId="{07FA4B2E-902A-4B46-B455-FA227D8539BA}" dt="2020-02-13T14:50:24.048" v="3658" actId="20577"/>
+          <ac:spMkLst>
+            <pc:docMk/>
+            <pc:sldMk cId="130660112" sldId="269"/>
+            <ac:spMk id="16" creationId="{ED19E5FB-A0EC-4411-9C07-2B0CA55826C8}"/>
+          </ac:spMkLst>
+        </pc:spChg>
+        <pc:graphicFrameChg chg="add mod">
+          <ac:chgData name="Boon Jun" userId="b9b2384c46af58b4" providerId="LiveId" clId="{07FA4B2E-902A-4B46-B455-FA227D8539BA}" dt="2020-02-13T14:49:26.874" v="3639"/>
+          <ac:graphicFrameMkLst>
+            <pc:docMk/>
+            <pc:sldMk cId="130660112" sldId="269"/>
+            <ac:graphicFrameMk id="15" creationId="{F5D3B438-9BE1-48D5-AFE4-85AAF9E603B9}"/>
+          </ac:graphicFrameMkLst>
+        </pc:graphicFrameChg>
+        <pc:picChg chg="mod">
+          <ac:chgData name="Boon Jun" userId="b9b2384c46af58b4" providerId="LiveId" clId="{07FA4B2E-902A-4B46-B455-FA227D8539BA}" dt="2020-02-12T06:38:28.140" v="593" actId="207"/>
+          <ac:picMkLst>
+            <pc:docMk/>
+            <pc:sldMk cId="130660112" sldId="269"/>
+            <ac:picMk id="13" creationId="{10818EE9-430A-4CC4-BD02-5BDDEF750326}"/>
+          </ac:picMkLst>
+        </pc:picChg>
+        <pc:picChg chg="mod">
+          <ac:chgData name="Boon Jun" userId="b9b2384c46af58b4" providerId="LiveId" clId="{07FA4B2E-902A-4B46-B455-FA227D8539BA}" dt="2020-02-12T06:38:32.372" v="594" actId="207"/>
+          <ac:picMkLst>
+            <pc:docMk/>
+            <pc:sldMk cId="130660112" sldId="269"/>
+            <ac:picMk id="17" creationId="{2AB76BBD-A7C0-47CD-8857-DAAB96FDAC61}"/>
+          </ac:picMkLst>
+        </pc:picChg>
+        <pc:picChg chg="add">
+          <ac:chgData name="Boon Jun" userId="b9b2384c46af58b4" providerId="LiveId" clId="{07FA4B2E-902A-4B46-B455-FA227D8539BA}" dt="2020-02-13T14:53:14.381" v="3799"/>
+          <ac:picMkLst>
+            <pc:docMk/>
+            <pc:sldMk cId="130660112" sldId="269"/>
+            <ac:picMk id="18" creationId="{7C7A62CD-CD8D-4FAC-929F-A22A075F4143}"/>
+          </ac:picMkLst>
+        </pc:picChg>
+        <pc:picChg chg="del">
+          <ac:chgData name="Boon Jun" userId="b9b2384c46af58b4" providerId="LiveId" clId="{07FA4B2E-902A-4B46-B455-FA227D8539BA}" dt="2020-02-13T14:53:13.592" v="3798" actId="478"/>
+          <ac:picMkLst>
+            <pc:docMk/>
+            <pc:sldMk cId="130660112" sldId="269"/>
+            <ac:picMk id="19" creationId="{2C9D18F4-DF60-4C50-9850-912CD1CB918E}"/>
+          </ac:picMkLst>
+        </pc:picChg>
+        <pc:picChg chg="del">
+          <ac:chgData name="Boon Jun" userId="b9b2384c46af58b4" providerId="LiveId" clId="{07FA4B2E-902A-4B46-B455-FA227D8539BA}" dt="2020-02-13T14:53:16.313" v="3800" actId="478"/>
+          <ac:picMkLst>
+            <pc:docMk/>
+            <pc:sldMk cId="130660112" sldId="269"/>
+            <ac:picMk id="21" creationId="{1EAAFDD7-270D-40BB-B235-F2B7DF98EC72}"/>
+          </ac:picMkLst>
+        </pc:picChg>
+      </pc:sldChg>
+      <pc:sldChg chg="modSp add del">
+        <pc:chgData name="Boon Jun" userId="b9b2384c46af58b4" providerId="LiveId" clId="{07FA4B2E-902A-4B46-B455-FA227D8539BA}" dt="2020-02-13T14:53:28.244" v="3804" actId="47"/>
+        <pc:sldMkLst>
+          <pc:docMk/>
+          <pc:sldMk cId="1595663936" sldId="270"/>
+        </pc:sldMkLst>
+        <pc:spChg chg="mod">
+          <ac:chgData name="Boon Jun" userId="b9b2384c46af58b4" providerId="LiveId" clId="{07FA4B2E-902A-4B46-B455-FA227D8539BA}" dt="2020-02-12T06:38:43.560" v="605" actId="20577"/>
+          <ac:spMkLst>
+            <pc:docMk/>
+            <pc:sldMk cId="1595663936" sldId="270"/>
+            <ac:spMk id="2" creationId="{FF21E304-E4E0-438B-AB07-1B8DC03AFC6F}"/>
+          </ac:spMkLst>
+        </pc:spChg>
+        <pc:picChg chg="mod">
+          <ac:chgData name="Boon Jun" userId="b9b2384c46af58b4" providerId="LiveId" clId="{07FA4B2E-902A-4B46-B455-FA227D8539BA}" dt="2020-02-12T06:38:48.253" v="606" actId="207"/>
+          <ac:picMkLst>
+            <pc:docMk/>
+            <pc:sldMk cId="1595663936" sldId="270"/>
+            <ac:picMk id="17" creationId="{2AB76BBD-A7C0-47CD-8857-DAAB96FDAC61}"/>
+          </ac:picMkLst>
+        </pc:picChg>
+        <pc:picChg chg="mod">
+          <ac:chgData name="Boon Jun" userId="b9b2384c46af58b4" providerId="LiveId" clId="{07FA4B2E-902A-4B46-B455-FA227D8539BA}" dt="2020-02-12T06:38:54.233" v="608" actId="207"/>
+          <ac:picMkLst>
+            <pc:docMk/>
+            <pc:sldMk cId="1595663936" sldId="270"/>
+            <ac:picMk id="19" creationId="{2C9D18F4-DF60-4C50-9850-912CD1CB918E}"/>
+          </ac:picMkLst>
+        </pc:picChg>
+      </pc:sldChg>
+      <pc:sldChg chg="addSp delSp modSp add">
+        <pc:chgData name="Boon Jun" userId="b9b2384c46af58b4" providerId="LiveId" clId="{07FA4B2E-902A-4B46-B455-FA227D8539BA}" dt="2020-02-13T14:53:38.300" v="3809" actId="478"/>
+        <pc:sldMkLst>
+          <pc:docMk/>
+          <pc:sldMk cId="3282349588" sldId="271"/>
+        </pc:sldMkLst>
+        <pc:spChg chg="mod">
+          <ac:chgData name="Boon Jun" userId="b9b2384c46af58b4" providerId="LiveId" clId="{07FA4B2E-902A-4B46-B455-FA227D8539BA}" dt="2020-02-12T06:39:07.643" v="634" actId="20577"/>
+          <ac:spMkLst>
+            <pc:docMk/>
+            <pc:sldMk cId="3282349588" sldId="271"/>
+            <ac:spMk id="2" creationId="{FF21E304-E4E0-438B-AB07-1B8DC03AFC6F}"/>
+          </ac:spMkLst>
+        </pc:spChg>
+        <pc:spChg chg="add mod">
+          <ac:chgData name="Boon Jun" userId="b9b2384c46af58b4" providerId="LiveId" clId="{07FA4B2E-902A-4B46-B455-FA227D8539BA}" dt="2020-02-13T06:37:02.405" v="1974" actId="1076"/>
+          <ac:spMkLst>
+            <pc:docMk/>
+            <pc:sldMk cId="3282349588" sldId="271"/>
+            <ac:spMk id="8" creationId="{B452A63B-48F2-48C5-81B3-285FC0421F98}"/>
+          </ac:spMkLst>
+        </pc:spChg>
+        <pc:spChg chg="add mod">
+          <ac:chgData name="Boon Jun" userId="b9b2384c46af58b4" providerId="LiveId" clId="{07FA4B2E-902A-4B46-B455-FA227D8539BA}" dt="2020-02-13T06:27:50.865" v="1905" actId="20577"/>
+          <ac:spMkLst>
+            <pc:docMk/>
+            <pc:sldMk cId="3282349588" sldId="271"/>
+            <ac:spMk id="10" creationId="{45E2ABB5-AA4B-4A0D-9553-8D9F0D57F433}"/>
+          </ac:spMkLst>
+        </pc:spChg>
+        <pc:spChg chg="add mod">
+          <ac:chgData name="Boon Jun" userId="b9b2384c46af58b4" providerId="LiveId" clId="{07FA4B2E-902A-4B46-B455-FA227D8539BA}" dt="2020-02-13T06:37:02.405" v="1974" actId="1076"/>
+          <ac:spMkLst>
+            <pc:docMk/>
+            <pc:sldMk cId="3282349588" sldId="271"/>
+            <ac:spMk id="16" creationId="{43EC70CF-418E-449B-8F23-60C0331C3AF1}"/>
+          </ac:spMkLst>
+        </pc:spChg>
+        <pc:spChg chg="add del">
+          <ac:chgData name="Boon Jun" userId="b9b2384c46af58b4" providerId="LiveId" clId="{07FA4B2E-902A-4B46-B455-FA227D8539BA}" dt="2020-02-13T06:35:05.684" v="1940" actId="478"/>
+          <ac:spMkLst>
+            <pc:docMk/>
+            <pc:sldMk cId="3282349588" sldId="271"/>
+            <ac:spMk id="18" creationId="{CB696226-3662-4EC7-B3DD-8BBCBDEA03DF}"/>
+          </ac:spMkLst>
+        </pc:spChg>
+        <pc:spChg chg="add mod">
+          <ac:chgData name="Boon Jun" userId="b9b2384c46af58b4" providerId="LiveId" clId="{07FA4B2E-902A-4B46-B455-FA227D8539BA}" dt="2020-02-13T07:22:51.450" v="2787" actId="208"/>
+          <ac:spMkLst>
+            <pc:docMk/>
+            <pc:sldMk cId="3282349588" sldId="271"/>
+            <ac:spMk id="20" creationId="{656E65F0-7028-48A5-9D66-1E5927A60C4C}"/>
+          </ac:spMkLst>
+        </pc:spChg>
+        <pc:spChg chg="add mod">
+          <ac:chgData name="Boon Jun" userId="b9b2384c46af58b4" providerId="LiveId" clId="{07FA4B2E-902A-4B46-B455-FA227D8539BA}" dt="2020-02-13T07:22:53.674" v="2788" actId="208"/>
+          <ac:spMkLst>
+            <pc:docMk/>
+            <pc:sldMk cId="3282349588" sldId="271"/>
+            <ac:spMk id="22" creationId="{A02A4A20-F180-4BE1-966A-15E3B0B8B041}"/>
+          </ac:spMkLst>
+        </pc:spChg>
+        <pc:picChg chg="add mod">
+          <ac:chgData name="Boon Jun" userId="b9b2384c46af58b4" providerId="LiveId" clId="{07FA4B2E-902A-4B46-B455-FA227D8539BA}" dt="2020-02-13T06:37:02.405" v="1974" actId="1076"/>
+          <ac:picMkLst>
+            <pc:docMk/>
+            <pc:sldMk cId="3282349588" sldId="271"/>
+            <ac:picMk id="4" creationId="{1A09FB53-B480-43EA-BF51-1165BDFCD5D9}"/>
+          </ac:picMkLst>
+        </pc:picChg>
+        <pc:picChg chg="add mod">
+          <ac:chgData name="Boon Jun" userId="b9b2384c46af58b4" providerId="LiveId" clId="{07FA4B2E-902A-4B46-B455-FA227D8539BA}" dt="2020-02-13T06:37:02.405" v="1974" actId="1076"/>
+          <ac:picMkLst>
+            <pc:docMk/>
+            <pc:sldMk cId="3282349588" sldId="271"/>
+            <ac:picMk id="6" creationId="{B0C6816B-0D15-4574-A76A-778D709CA8D1}"/>
+          </ac:picMkLst>
+        </pc:picChg>
+        <pc:picChg chg="add mod">
+          <ac:chgData name="Boon Jun" userId="b9b2384c46af58b4" providerId="LiveId" clId="{07FA4B2E-902A-4B46-B455-FA227D8539BA}" dt="2020-02-13T14:53:36.989" v="3808" actId="207"/>
+          <ac:picMkLst>
+            <pc:docMk/>
+            <pc:sldMk cId="3282349588" sldId="271"/>
+            <ac:picMk id="18" creationId="{79472066-32F0-4E0E-A35D-54AF76FD2888}"/>
+          </ac:picMkLst>
+        </pc:picChg>
+        <pc:picChg chg="del mod">
+          <ac:chgData name="Boon Jun" userId="b9b2384c46af58b4" providerId="LiveId" clId="{07FA4B2E-902A-4B46-B455-FA227D8539BA}" dt="2020-02-13T14:53:35.211" v="3806" actId="478"/>
+          <ac:picMkLst>
+            <pc:docMk/>
+            <pc:sldMk cId="3282349588" sldId="271"/>
+            <ac:picMk id="19" creationId="{2C9D18F4-DF60-4C50-9850-912CD1CB918E}"/>
+          </ac:picMkLst>
+        </pc:picChg>
+        <pc:picChg chg="del mod">
+          <ac:chgData name="Boon Jun" userId="b9b2384c46af58b4" providerId="LiveId" clId="{07FA4B2E-902A-4B46-B455-FA227D8539BA}" dt="2020-02-13T14:53:38.300" v="3809" actId="478"/>
+          <ac:picMkLst>
+            <pc:docMk/>
+            <pc:sldMk cId="3282349588" sldId="271"/>
+            <ac:picMk id="21" creationId="{1EAAFDD7-270D-40BB-B235-F2B7DF98EC72}"/>
+          </ac:picMkLst>
+        </pc:picChg>
+      </pc:sldChg>
+      <pc:sldChg chg="addSp delSp modSp add">
+        <pc:chgData name="Boon Jun" userId="b9b2384c46af58b4" providerId="LiveId" clId="{07FA4B2E-902A-4B46-B455-FA227D8539BA}" dt="2020-02-13T14:52:39.351" v="3784" actId="478"/>
+        <pc:sldMkLst>
+          <pc:docMk/>
+          <pc:sldMk cId="1379808267" sldId="272"/>
+        </pc:sldMkLst>
+        <pc:spChg chg="add mod">
+          <ac:chgData name="Boon Jun" userId="b9b2384c46af58b4" providerId="LiveId" clId="{07FA4B2E-902A-4B46-B455-FA227D8539BA}" dt="2020-02-13T06:09:00.667" v="1814" actId="20577"/>
+          <ac:spMkLst>
+            <pc:docMk/>
+            <pc:sldMk cId="1379808267" sldId="272"/>
+            <ac:spMk id="5" creationId="{CC23D55A-30AE-4C8C-88BB-8FE8FAD139FA}"/>
+          </ac:spMkLst>
+        </pc:spChg>
+        <pc:grpChg chg="del">
+          <ac:chgData name="Boon Jun" userId="b9b2384c46af58b4" providerId="LiveId" clId="{07FA4B2E-902A-4B46-B455-FA227D8539BA}" dt="2020-02-13T06:04:21.538" v="1669" actId="478"/>
+          <ac:grpSpMkLst>
+            <pc:docMk/>
+            <pc:sldMk cId="1379808267" sldId="272"/>
+            <ac:grpSpMk id="16" creationId="{42FCBA91-79B9-432A-AFB5-D14194C68518}"/>
+          </ac:grpSpMkLst>
+        </pc:grpChg>
+        <pc:picChg chg="add mod">
+          <ac:chgData name="Boon Jun" userId="b9b2384c46af58b4" providerId="LiveId" clId="{07FA4B2E-902A-4B46-B455-FA227D8539BA}" dt="2020-02-13T06:04:37.782" v="1674" actId="1076"/>
+          <ac:picMkLst>
+            <pc:docMk/>
+            <pc:sldMk cId="1379808267" sldId="272"/>
+            <ac:picMk id="4" creationId="{CBFAD28F-2239-4638-9A38-E003A3DBC569}"/>
+          </ac:picMkLst>
+        </pc:picChg>
+        <pc:picChg chg="add">
+          <ac:chgData name="Boon Jun" userId="b9b2384c46af58b4" providerId="LiveId" clId="{07FA4B2E-902A-4B46-B455-FA227D8539BA}" dt="2020-02-13T14:52:37.861" v="3783"/>
+          <ac:picMkLst>
+            <pc:docMk/>
+            <pc:sldMk cId="1379808267" sldId="272"/>
+            <ac:picMk id="14" creationId="{75D1273B-FDEC-4250-8859-4CD78B688F8B}"/>
+          </ac:picMkLst>
+        </pc:picChg>
+        <pc:picChg chg="del">
+          <ac:chgData name="Boon Jun" userId="b9b2384c46af58b4" providerId="LiveId" clId="{07FA4B2E-902A-4B46-B455-FA227D8539BA}" dt="2020-02-13T14:52:36.830" v="3782" actId="478"/>
+          <ac:picMkLst>
+            <pc:docMk/>
+            <pc:sldMk cId="1379808267" sldId="272"/>
+            <ac:picMk id="19" creationId="{2C9D18F4-DF60-4C50-9850-912CD1CB918E}"/>
+          </ac:picMkLst>
+        </pc:picChg>
+        <pc:picChg chg="del">
+          <ac:chgData name="Boon Jun" userId="b9b2384c46af58b4" providerId="LiveId" clId="{07FA4B2E-902A-4B46-B455-FA227D8539BA}" dt="2020-02-13T14:52:39.351" v="3784" actId="478"/>
+          <ac:picMkLst>
+            <pc:docMk/>
+            <pc:sldMk cId="1379808267" sldId="272"/>
+            <ac:picMk id="21" creationId="{1EAAFDD7-270D-40BB-B235-F2B7DF98EC72}"/>
+          </ac:picMkLst>
+        </pc:picChg>
+        <pc:picChg chg="del">
+          <ac:chgData name="Boon Jun" userId="b9b2384c46af58b4" providerId="LiveId" clId="{07FA4B2E-902A-4B46-B455-FA227D8539BA}" dt="2020-02-13T06:04:21.538" v="1669" actId="478"/>
+          <ac:picMkLst>
+            <pc:docMk/>
+            <pc:sldMk cId="1379808267" sldId="272"/>
+            <ac:picMk id="2050" creationId="{EDAA3C66-9856-43C0-9E71-DF9C9727AB29}"/>
+          </ac:picMkLst>
+        </pc:picChg>
+      </pc:sldChg>
+      <pc:sldChg chg="addSp delSp modSp add">
+        <pc:chgData name="Boon Jun" userId="b9b2384c46af58b4" providerId="LiveId" clId="{07FA4B2E-902A-4B46-B455-FA227D8539BA}" dt="2020-02-13T14:52:45.481" v="3788" actId="478"/>
+        <pc:sldMkLst>
+          <pc:docMk/>
+          <pc:sldMk cId="2499887071" sldId="273"/>
+        </pc:sldMkLst>
+        <pc:spChg chg="mod">
+          <ac:chgData name="Boon Jun" userId="b9b2384c46af58b4" providerId="LiveId" clId="{07FA4B2E-902A-4B46-B455-FA227D8539BA}" dt="2020-02-13T06:15:06.662" v="1871"/>
+          <ac:spMkLst>
+            <pc:docMk/>
+            <pc:sldMk cId="2499887071" sldId="273"/>
+            <ac:spMk id="5" creationId="{CC23D55A-30AE-4C8C-88BB-8FE8FAD139FA}"/>
+          </ac:spMkLst>
+        </pc:spChg>
+        <pc:picChg chg="add del">
+          <ac:chgData name="Boon Jun" userId="b9b2384c46af58b4" providerId="LiveId" clId="{07FA4B2E-902A-4B46-B455-FA227D8539BA}" dt="2020-02-13T06:13:41.781" v="1836" actId="478"/>
+          <ac:picMkLst>
+            <pc:docMk/>
+            <pc:sldMk cId="2499887071" sldId="273"/>
+            <ac:picMk id="4" creationId="{CBFAD28F-2239-4638-9A38-E003A3DBC569}"/>
+          </ac:picMkLst>
+        </pc:picChg>
+        <pc:picChg chg="add del mod">
+          <ac:chgData name="Boon Jun" userId="b9b2384c46af58b4" providerId="LiveId" clId="{07FA4B2E-902A-4B46-B455-FA227D8539BA}" dt="2020-02-13T06:09:17.601" v="1821"/>
+          <ac:picMkLst>
+            <pc:docMk/>
+            <pc:sldMk cId="2499887071" sldId="273"/>
+            <ac:picMk id="6" creationId="{7294BDAC-7D1C-4FBA-898A-760BC140880D}"/>
+          </ac:picMkLst>
+        </pc:picChg>
+        <pc:picChg chg="add mod">
+          <ac:chgData name="Boon Jun" userId="b9b2384c46af58b4" providerId="LiveId" clId="{07FA4B2E-902A-4B46-B455-FA227D8539BA}" dt="2020-02-13T06:13:48.327" v="1849" actId="1037"/>
+          <ac:picMkLst>
+            <pc:docMk/>
+            <pc:sldMk cId="2499887071" sldId="273"/>
+            <ac:picMk id="12" creationId="{083F80D5-4EEE-473F-94B1-449EF837624C}"/>
+          </ac:picMkLst>
+        </pc:picChg>
+        <pc:picChg chg="add">
+          <ac:chgData name="Boon Jun" userId="b9b2384c46af58b4" providerId="LiveId" clId="{07FA4B2E-902A-4B46-B455-FA227D8539BA}" dt="2020-02-13T14:52:44.226" v="3787"/>
+          <ac:picMkLst>
+            <pc:docMk/>
+            <pc:sldMk cId="2499887071" sldId="273"/>
+            <ac:picMk id="14" creationId="{3E64EA64-8507-44CE-A5A3-F5DA4BEC295C}"/>
+          </ac:picMkLst>
+        </pc:picChg>
+        <pc:picChg chg="del mod">
+          <ac:chgData name="Boon Jun" userId="b9b2384c46af58b4" providerId="LiveId" clId="{07FA4B2E-902A-4B46-B455-FA227D8539BA}" dt="2020-02-13T14:52:43.481" v="3786" actId="478"/>
+          <ac:picMkLst>
+            <pc:docMk/>
+            <pc:sldMk cId="2499887071" sldId="273"/>
+            <ac:picMk id="19" creationId="{2C9D18F4-DF60-4C50-9850-912CD1CB918E}"/>
+          </ac:picMkLst>
+        </pc:picChg>
+        <pc:picChg chg="del">
+          <ac:chgData name="Boon Jun" userId="b9b2384c46af58b4" providerId="LiveId" clId="{07FA4B2E-902A-4B46-B455-FA227D8539BA}" dt="2020-02-13T14:52:45.481" v="3788" actId="478"/>
+          <ac:picMkLst>
+            <pc:docMk/>
+            <pc:sldMk cId="2499887071" sldId="273"/>
+            <ac:picMk id="21" creationId="{1EAAFDD7-270D-40BB-B235-F2B7DF98EC72}"/>
+          </ac:picMkLst>
+        </pc:picChg>
+      </pc:sldChg>
+      <pc:sldChg chg="addSp delSp modSp add">
+        <pc:chgData name="Boon Jun" userId="b9b2384c46af58b4" providerId="LiveId" clId="{07FA4B2E-902A-4B46-B455-FA227D8539BA}" dt="2020-02-13T06:38:59.365" v="2010" actId="208"/>
+        <pc:sldMkLst>
+          <pc:docMk/>
+          <pc:sldMk cId="3005144333" sldId="274"/>
+        </pc:sldMkLst>
+        <pc:spChg chg="mod">
+          <ac:chgData name="Boon Jun" userId="b9b2384c46af58b4" providerId="LiveId" clId="{07FA4B2E-902A-4B46-B455-FA227D8539BA}" dt="2020-02-13T06:37:46.017" v="2002" actId="1037"/>
+          <ac:spMkLst>
+            <pc:docMk/>
+            <pc:sldMk cId="3005144333" sldId="274"/>
+            <ac:spMk id="8" creationId="{B452A63B-48F2-48C5-81B3-285FC0421F98}"/>
+          </ac:spMkLst>
+        </pc:spChg>
+        <pc:spChg chg="mod">
+          <ac:chgData name="Boon Jun" userId="b9b2384c46af58b4" providerId="LiveId" clId="{07FA4B2E-902A-4B46-B455-FA227D8539BA}" dt="2020-02-13T06:37:46.017" v="2002" actId="1037"/>
+          <ac:spMkLst>
+            <pc:docMk/>
+            <pc:sldMk cId="3005144333" sldId="274"/>
+            <ac:spMk id="16" creationId="{43EC70CF-418E-449B-8F23-60C0331C3AF1}"/>
+          </ac:spMkLst>
+        </pc:spChg>
+        <pc:spChg chg="mod">
+          <ac:chgData name="Boon Jun" userId="b9b2384c46af58b4" providerId="LiveId" clId="{07FA4B2E-902A-4B46-B455-FA227D8539BA}" dt="2020-02-13T06:38:59.365" v="2010" actId="208"/>
+          <ac:spMkLst>
+            <pc:docMk/>
+            <pc:sldMk cId="3005144333" sldId="274"/>
+            <ac:spMk id="20" creationId="{656E65F0-7028-48A5-9D66-1E5927A60C4C}"/>
+          </ac:spMkLst>
+        </pc:spChg>
+        <pc:spChg chg="mod">
+          <ac:chgData name="Boon Jun" userId="b9b2384c46af58b4" providerId="LiveId" clId="{07FA4B2E-902A-4B46-B455-FA227D8539BA}" dt="2020-02-13T06:38:59.365" v="2010" actId="208"/>
+          <ac:spMkLst>
+            <pc:docMk/>
+            <pc:sldMk cId="3005144333" sldId="274"/>
+            <ac:spMk id="22" creationId="{A02A4A20-F180-4BE1-966A-15E3B0B8B041}"/>
+          </ac:spMkLst>
+        </pc:spChg>
+        <pc:picChg chg="del">
+          <ac:chgData name="Boon Jun" userId="b9b2384c46af58b4" providerId="LiveId" clId="{07FA4B2E-902A-4B46-B455-FA227D8539BA}" dt="2020-02-13T06:35:12.404" v="1943" actId="478"/>
+          <ac:picMkLst>
+            <pc:docMk/>
+            <pc:sldMk cId="3005144333" sldId="274"/>
+            <ac:picMk id="4" creationId="{1A09FB53-B480-43EA-BF51-1165BDFCD5D9}"/>
+          </ac:picMkLst>
+        </pc:picChg>
+        <pc:picChg chg="add mod ord">
+          <ac:chgData name="Boon Jun" userId="b9b2384c46af58b4" providerId="LiveId" clId="{07FA4B2E-902A-4B46-B455-FA227D8539BA}" dt="2020-02-13T06:38:10.694" v="2007" actId="1076"/>
+          <ac:picMkLst>
+            <pc:docMk/>
+            <pc:sldMk cId="3005144333" sldId="274"/>
+            <ac:picMk id="5" creationId="{E4A3E851-53C2-4981-A4C0-DF59EC7308CF}"/>
+          </ac:picMkLst>
+        </pc:picChg>
+        <pc:picChg chg="del">
+          <ac:chgData name="Boon Jun" userId="b9b2384c46af58b4" providerId="LiveId" clId="{07FA4B2E-902A-4B46-B455-FA227D8539BA}" dt="2020-02-13T06:35:11.854" v="1942" actId="478"/>
+          <ac:picMkLst>
+            <pc:docMk/>
+            <pc:sldMk cId="3005144333" sldId="274"/>
+            <ac:picMk id="6" creationId="{B0C6816B-0D15-4574-A76A-778D709CA8D1}"/>
+          </ac:picMkLst>
+        </pc:picChg>
+        <pc:picChg chg="add del mod ord">
+          <ac:chgData name="Boon Jun" userId="b9b2384c46af58b4" providerId="LiveId" clId="{07FA4B2E-902A-4B46-B455-FA227D8539BA}" dt="2020-02-13T06:37:32.772" v="1985" actId="167"/>
+          <ac:picMkLst>
+            <pc:docMk/>
+            <pc:sldMk cId="3005144333" sldId="274"/>
+            <ac:picMk id="14" creationId="{96E2515F-812A-4896-A3E9-3459D7DA7C55}"/>
+          </ac:picMkLst>
+        </pc:picChg>
+      </pc:sldChg>
+      <pc:sldChg chg="addSp delSp modSp add">
+        <pc:chgData name="Boon Jun" userId="b9b2384c46af58b4" providerId="LiveId" clId="{07FA4B2E-902A-4B46-B455-FA227D8539BA}" dt="2020-02-13T14:53:44.910" v="3812" actId="478"/>
+        <pc:sldMkLst>
+          <pc:docMk/>
+          <pc:sldMk cId="2302173148" sldId="275"/>
+        </pc:sldMkLst>
+        <pc:spChg chg="mod">
+          <ac:chgData name="Boon Jun" userId="b9b2384c46af58b4" providerId="LiveId" clId="{07FA4B2E-902A-4B46-B455-FA227D8539BA}" dt="2020-02-13T06:43:27.592" v="2059" actId="1076"/>
+          <ac:spMkLst>
+            <pc:docMk/>
+            <pc:sldMk cId="2302173148" sldId="275"/>
+            <ac:spMk id="8" creationId="{B452A63B-48F2-48C5-81B3-285FC0421F98}"/>
+          </ac:spMkLst>
+        </pc:spChg>
+        <pc:spChg chg="mod">
+          <ac:chgData name="Boon Jun" userId="b9b2384c46af58b4" providerId="LiveId" clId="{07FA4B2E-902A-4B46-B455-FA227D8539BA}" dt="2020-02-13T06:43:32.211" v="2061" actId="1076"/>
+          <ac:spMkLst>
+            <pc:docMk/>
+            <pc:sldMk cId="2302173148" sldId="275"/>
+            <ac:spMk id="16" creationId="{43EC70CF-418E-449B-8F23-60C0331C3AF1}"/>
+          </ac:spMkLst>
+        </pc:spChg>
+        <pc:spChg chg="mod">
+          <ac:chgData name="Boon Jun" userId="b9b2384c46af58b4" providerId="LiveId" clId="{07FA4B2E-902A-4B46-B455-FA227D8539BA}" dt="2020-02-13T06:44:26.994" v="2067" actId="1076"/>
+          <ac:spMkLst>
+            <pc:docMk/>
+            <pc:sldMk cId="2302173148" sldId="275"/>
+            <ac:spMk id="20" creationId="{656E65F0-7028-48A5-9D66-1E5927A60C4C}"/>
+          </ac:spMkLst>
+        </pc:spChg>
+        <pc:spChg chg="mod">
+          <ac:chgData name="Boon Jun" userId="b9b2384c46af58b4" providerId="LiveId" clId="{07FA4B2E-902A-4B46-B455-FA227D8539BA}" dt="2020-02-13T06:44:31.225" v="2068" actId="1076"/>
+          <ac:spMkLst>
+            <pc:docMk/>
+            <pc:sldMk cId="2302173148" sldId="275"/>
+            <ac:spMk id="22" creationId="{A02A4A20-F180-4BE1-966A-15E3B0B8B041}"/>
+          </ac:spMkLst>
+        </pc:spChg>
+        <pc:spChg chg="add mod">
+          <ac:chgData name="Boon Jun" userId="b9b2384c46af58b4" providerId="LiveId" clId="{07FA4B2E-902A-4B46-B455-FA227D8539BA}" dt="2020-02-13T06:43:44.350" v="2066" actId="1076"/>
+          <ac:spMkLst>
+            <pc:docMk/>
+            <pc:sldMk cId="2302173148" sldId="275"/>
+            <ac:spMk id="23" creationId="{98975DDF-66A9-42F2-924A-4733D9B3E150}"/>
+          </ac:spMkLst>
+        </pc:spChg>
+        <pc:spChg chg="add del mod">
+          <ac:chgData name="Boon Jun" userId="b9b2384c46af58b4" providerId="LiveId" clId="{07FA4B2E-902A-4B46-B455-FA227D8539BA}" dt="2020-02-13T06:47:48.299" v="2111" actId="478"/>
+          <ac:spMkLst>
+            <pc:docMk/>
+            <pc:sldMk cId="2302173148" sldId="275"/>
+            <ac:spMk id="24" creationId="{8BF6BEBC-02FC-4AE0-B33A-0CC25852950B}"/>
+          </ac:spMkLst>
+        </pc:spChg>
+        <pc:picChg chg="add mod ord">
+          <ac:chgData name="Boon Jun" userId="b9b2384c46af58b4" providerId="LiveId" clId="{07FA4B2E-902A-4B46-B455-FA227D8539BA}" dt="2020-02-13T06:43:15.957" v="2058" actId="408"/>
+          <ac:picMkLst>
+            <pc:docMk/>
+            <pc:sldMk cId="2302173148" sldId="275"/>
+            <ac:picMk id="4" creationId="{8DA958F2-4DF7-4E1D-A79A-F416BF8A7221}"/>
+          </ac:picMkLst>
+        </pc:picChg>
+        <pc:picChg chg="del">
+          <ac:chgData name="Boon Jun" userId="b9b2384c46af58b4" providerId="LiveId" clId="{07FA4B2E-902A-4B46-B455-FA227D8539BA}" dt="2020-02-13T06:41:34.724" v="2012" actId="478"/>
+          <ac:picMkLst>
+            <pc:docMk/>
+            <pc:sldMk cId="2302173148" sldId="275"/>
+            <ac:picMk id="5" creationId="{E4A3E851-53C2-4981-A4C0-DF59EC7308CF}"/>
+          </ac:picMkLst>
+        </pc:picChg>
+        <pc:picChg chg="add mod ord">
+          <ac:chgData name="Boon Jun" userId="b9b2384c46af58b4" providerId="LiveId" clId="{07FA4B2E-902A-4B46-B455-FA227D8539BA}" dt="2020-02-13T06:43:15.957" v="2058" actId="408"/>
+          <ac:picMkLst>
+            <pc:docMk/>
+            <pc:sldMk cId="2302173148" sldId="275"/>
+            <ac:picMk id="12" creationId="{9D9EEEB0-333C-4085-BD69-E22774B35EC0}"/>
+          </ac:picMkLst>
+        </pc:picChg>
+        <pc:picChg chg="del">
+          <ac:chgData name="Boon Jun" userId="b9b2384c46af58b4" providerId="LiveId" clId="{07FA4B2E-902A-4B46-B455-FA227D8539BA}" dt="2020-02-13T06:41:34.724" v="2012" actId="478"/>
+          <ac:picMkLst>
+            <pc:docMk/>
+            <pc:sldMk cId="2302173148" sldId="275"/>
+            <ac:picMk id="14" creationId="{96E2515F-812A-4896-A3E9-3459D7DA7C55}"/>
+          </ac:picMkLst>
+        </pc:picChg>
+        <pc:picChg chg="add mod ord">
+          <ac:chgData name="Boon Jun" userId="b9b2384c46af58b4" providerId="LiveId" clId="{07FA4B2E-902A-4B46-B455-FA227D8539BA}" dt="2020-02-13T06:43:37.750" v="2065" actId="1076"/>
+          <ac:picMkLst>
+            <pc:docMk/>
+            <pc:sldMk cId="2302173148" sldId="275"/>
+            <ac:picMk id="18" creationId="{33AC5C74-A0BF-4AB5-9B50-DA4EF9325D29}"/>
+          </ac:picMkLst>
+        </pc:picChg>
+        <pc:picChg chg="del">
+          <ac:chgData name="Boon Jun" userId="b9b2384c46af58b4" providerId="LiveId" clId="{07FA4B2E-902A-4B46-B455-FA227D8539BA}" dt="2020-02-13T14:53:43.173" v="3810" actId="478"/>
+          <ac:picMkLst>
+            <pc:docMk/>
+            <pc:sldMk cId="2302173148" sldId="275"/>
+            <ac:picMk id="19" creationId="{2C9D18F4-DF60-4C50-9850-912CD1CB918E}"/>
+          </ac:picMkLst>
+        </pc:picChg>
+        <pc:picChg chg="del">
+          <ac:chgData name="Boon Jun" userId="b9b2384c46af58b4" providerId="LiveId" clId="{07FA4B2E-902A-4B46-B455-FA227D8539BA}" dt="2020-02-13T14:53:44.910" v="3812" actId="478"/>
+          <ac:picMkLst>
+            <pc:docMk/>
+            <pc:sldMk cId="2302173148" sldId="275"/>
+            <ac:picMk id="21" creationId="{1EAAFDD7-270D-40BB-B235-F2B7DF98EC72}"/>
+          </ac:picMkLst>
+        </pc:picChg>
+        <pc:picChg chg="add">
+          <ac:chgData name="Boon Jun" userId="b9b2384c46af58b4" providerId="LiveId" clId="{07FA4B2E-902A-4B46-B455-FA227D8539BA}" dt="2020-02-13T14:53:43.379" v="3811"/>
+          <ac:picMkLst>
+            <pc:docMk/>
+            <pc:sldMk cId="2302173148" sldId="275"/>
+            <ac:picMk id="24" creationId="{3795309C-1B17-4AEC-BA89-4DF89F331B21}"/>
+          </ac:picMkLst>
+        </pc:picChg>
+      </pc:sldChg>
+      <pc:sldChg chg="addSp delSp modSp add del">
+        <pc:chgData name="Boon Jun" userId="b9b2384c46af58b4" providerId="LiveId" clId="{07FA4B2E-902A-4B46-B455-FA227D8539BA}" dt="2020-02-13T15:33:00.009" v="4456" actId="47"/>
+        <pc:sldMkLst>
+          <pc:docMk/>
+          <pc:sldMk cId="1513588117" sldId="276"/>
+        </pc:sldMkLst>
+        <pc:spChg chg="add del">
+          <ac:chgData name="Boon Jun" userId="b9b2384c46af58b4" providerId="LiveId" clId="{07FA4B2E-902A-4B46-B455-FA227D8539BA}" dt="2020-02-13T14:02:55.460" v="3266"/>
+          <ac:spMkLst>
+            <pc:docMk/>
+            <pc:sldMk cId="1513588117" sldId="276"/>
+            <ac:spMk id="3" creationId="{9D4FE1E3-0C88-48FC-ACA5-68B0BCD9528A}"/>
+          </ac:spMkLst>
+        </pc:spChg>
+        <pc:spChg chg="add del">
+          <ac:chgData name="Boon Jun" userId="b9b2384c46af58b4" providerId="LiveId" clId="{07FA4B2E-902A-4B46-B455-FA227D8539BA}" dt="2020-02-13T14:03:04.276" v="3268"/>
+          <ac:spMkLst>
+            <pc:docMk/>
+            <pc:sldMk cId="1513588117" sldId="276"/>
+            <ac:spMk id="4" creationId="{F2F91B61-390C-4B78-8806-0DAE55542970}"/>
+          </ac:spMkLst>
+        </pc:spChg>
+        <pc:spChg chg="del">
+          <ac:chgData name="Boon Jun" userId="b9b2384c46af58b4" providerId="LiveId" clId="{07FA4B2E-902A-4B46-B455-FA227D8539BA}" dt="2020-02-13T06:44:45.051" v="2070" actId="478"/>
+          <ac:spMkLst>
+            <pc:docMk/>
+            <pc:sldMk cId="1513588117" sldId="276"/>
+            <ac:spMk id="8" creationId="{B452A63B-48F2-48C5-81B3-285FC0421F98}"/>
+          </ac:spMkLst>
+        </pc:spChg>
+        <pc:spChg chg="mod">
+          <ac:chgData name="Boon Jun" userId="b9b2384c46af58b4" providerId="LiveId" clId="{07FA4B2E-902A-4B46-B455-FA227D8539BA}" dt="2020-02-13T07:07:42.390" v="2677" actId="1076"/>
+          <ac:spMkLst>
+            <pc:docMk/>
+            <pc:sldMk cId="1513588117" sldId="276"/>
+            <ac:spMk id="10" creationId="{45E2ABB5-AA4B-4A0D-9553-8D9F0D57F433}"/>
+          </ac:spMkLst>
+        </pc:spChg>
+        <pc:spChg chg="add mod">
+          <ac:chgData name="Boon Jun" userId="b9b2384c46af58b4" providerId="LiveId" clId="{07FA4B2E-902A-4B46-B455-FA227D8539BA}" dt="2020-02-13T14:03:48.879" v="3285" actId="1076"/>
+          <ac:spMkLst>
+            <pc:docMk/>
+            <pc:sldMk cId="1513588117" sldId="276"/>
+            <ac:spMk id="12" creationId="{A57D88D3-310F-49F1-9E41-B24B393DB265}"/>
+          </ac:spMkLst>
+        </pc:spChg>
+        <pc:spChg chg="del">
+          <ac:chgData name="Boon Jun" userId="b9b2384c46af58b4" providerId="LiveId" clId="{07FA4B2E-902A-4B46-B455-FA227D8539BA}" dt="2020-02-13T06:44:45.051" v="2070" actId="478"/>
+          <ac:spMkLst>
+            <pc:docMk/>
+            <pc:sldMk cId="1513588117" sldId="276"/>
+            <ac:spMk id="16" creationId="{43EC70CF-418E-449B-8F23-60C0331C3AF1}"/>
+          </ac:spMkLst>
+        </pc:spChg>
+        <pc:spChg chg="del">
+          <ac:chgData name="Boon Jun" userId="b9b2384c46af58b4" providerId="LiveId" clId="{07FA4B2E-902A-4B46-B455-FA227D8539BA}" dt="2020-02-13T06:44:45.051" v="2070" actId="478"/>
+          <ac:spMkLst>
+            <pc:docMk/>
+            <pc:sldMk cId="1513588117" sldId="276"/>
+            <ac:spMk id="20" creationId="{656E65F0-7028-48A5-9D66-1E5927A60C4C}"/>
+          </ac:spMkLst>
+        </pc:spChg>
+        <pc:spChg chg="del">
+          <ac:chgData name="Boon Jun" userId="b9b2384c46af58b4" providerId="LiveId" clId="{07FA4B2E-902A-4B46-B455-FA227D8539BA}" dt="2020-02-13T06:44:45.051" v="2070" actId="478"/>
+          <ac:spMkLst>
+            <pc:docMk/>
+            <pc:sldMk cId="1513588117" sldId="276"/>
+            <ac:spMk id="22" creationId="{A02A4A20-F180-4BE1-966A-15E3B0B8B041}"/>
+          </ac:spMkLst>
+        </pc:spChg>
+        <pc:spChg chg="del">
+          <ac:chgData name="Boon Jun" userId="b9b2384c46af58b4" providerId="LiveId" clId="{07FA4B2E-902A-4B46-B455-FA227D8539BA}" dt="2020-02-13T06:44:45.051" v="2070" actId="478"/>
+          <ac:spMkLst>
+            <pc:docMk/>
+            <pc:sldMk cId="1513588117" sldId="276"/>
+            <ac:spMk id="23" creationId="{98975DDF-66A9-42F2-924A-4733D9B3E150}"/>
+          </ac:spMkLst>
+        </pc:spChg>
+        <pc:graphicFrameChg chg="add mod modGraphic">
+          <ac:chgData name="Boon Jun" userId="b9b2384c46af58b4" providerId="LiveId" clId="{07FA4B2E-902A-4B46-B455-FA227D8539BA}" dt="2020-02-13T14:05:22.076" v="3286" actId="1076"/>
+          <ac:graphicFrameMkLst>
+            <pc:docMk/>
+            <pc:sldMk cId="1513588117" sldId="276"/>
+            <ac:graphicFrameMk id="24" creationId="{8D2CBF1B-7348-4101-8C58-4653FB35D38A}"/>
+          </ac:graphicFrameMkLst>
+        </pc:graphicFrameChg>
+        <pc:picChg chg="del">
+          <ac:chgData name="Boon Jun" userId="b9b2384c46af58b4" providerId="LiveId" clId="{07FA4B2E-902A-4B46-B455-FA227D8539BA}" dt="2020-02-13T06:44:45.051" v="2070" actId="478"/>
+          <ac:picMkLst>
+            <pc:docMk/>
+            <pc:sldMk cId="1513588117" sldId="276"/>
+            <ac:picMk id="4" creationId="{8DA958F2-4DF7-4E1D-A79A-F416BF8A7221}"/>
+          </ac:picMkLst>
+        </pc:picChg>
+        <pc:picChg chg="del">
+          <ac:chgData name="Boon Jun" userId="b9b2384c46af58b4" providerId="LiveId" clId="{07FA4B2E-902A-4B46-B455-FA227D8539BA}" dt="2020-02-13T06:44:45.051" v="2070" actId="478"/>
+          <ac:picMkLst>
+            <pc:docMk/>
+            <pc:sldMk cId="1513588117" sldId="276"/>
+            <ac:picMk id="12" creationId="{9D9EEEB0-333C-4085-BD69-E22774B35EC0}"/>
+          </ac:picMkLst>
+        </pc:picChg>
+        <pc:picChg chg="add">
+          <ac:chgData name="Boon Jun" userId="b9b2384c46af58b4" providerId="LiveId" clId="{07FA4B2E-902A-4B46-B455-FA227D8539BA}" dt="2020-02-13T14:54:02.046" v="3823"/>
+          <ac:picMkLst>
+            <pc:docMk/>
+            <pc:sldMk cId="1513588117" sldId="276"/>
+            <ac:picMk id="15" creationId="{39CC7245-4DC1-43C9-8EDD-395D96CE3BC2}"/>
+          </ac:picMkLst>
+        </pc:picChg>
+        <pc:picChg chg="del">
+          <ac:chgData name="Boon Jun" userId="b9b2384c46af58b4" providerId="LiveId" clId="{07FA4B2E-902A-4B46-B455-FA227D8539BA}" dt="2020-02-13T06:44:45.051" v="2070" actId="478"/>
+          <ac:picMkLst>
+            <pc:docMk/>
+            <pc:sldMk cId="1513588117" sldId="276"/>
+            <ac:picMk id="18" creationId="{33AC5C74-A0BF-4AB5-9B50-DA4EF9325D29}"/>
+          </ac:picMkLst>
+        </pc:picChg>
+        <pc:picChg chg="del">
+          <ac:chgData name="Boon Jun" userId="b9b2384c46af58b4" providerId="LiveId" clId="{07FA4B2E-902A-4B46-B455-FA227D8539BA}" dt="2020-02-13T14:54:01.582" v="3822" actId="478"/>
+          <ac:picMkLst>
+            <pc:docMk/>
+            <pc:sldMk cId="1513588117" sldId="276"/>
+            <ac:picMk id="19" creationId="{2C9D18F4-DF60-4C50-9850-912CD1CB918E}"/>
+          </ac:picMkLst>
+        </pc:picChg>
+        <pc:picChg chg="del">
+          <ac:chgData name="Boon Jun" userId="b9b2384c46af58b4" providerId="LiveId" clId="{07FA4B2E-902A-4B46-B455-FA227D8539BA}" dt="2020-02-13T14:54:03.845" v="3824" actId="478"/>
+          <ac:picMkLst>
+            <pc:docMk/>
+            <pc:sldMk cId="1513588117" sldId="276"/>
+            <ac:picMk id="21" creationId="{1EAAFDD7-270D-40BB-B235-F2B7DF98EC72}"/>
+          </ac:picMkLst>
+        </pc:picChg>
+      </pc:sldChg>
+      <pc:sldChg chg="delSp add del">
+        <pc:chgData name="Boon Jun" userId="b9b2384c46af58b4" providerId="LiveId" clId="{07FA4B2E-902A-4B46-B455-FA227D8539BA}" dt="2020-02-13T06:48:52.649" v="2114" actId="47"/>
+        <pc:sldMkLst>
+          <pc:docMk/>
+          <pc:sldMk cId="3479621932" sldId="277"/>
+        </pc:sldMkLst>
+        <pc:spChg chg="del">
+          <ac:chgData name="Boon Jun" userId="b9b2384c46af58b4" providerId="LiveId" clId="{07FA4B2E-902A-4B46-B455-FA227D8539BA}" dt="2020-02-13T06:48:43.062" v="2113" actId="478"/>
+          <ac:spMkLst>
+            <pc:docMk/>
+            <pc:sldMk cId="3479621932" sldId="277"/>
+            <ac:spMk id="8" creationId="{B452A63B-48F2-48C5-81B3-285FC0421F98}"/>
+          </ac:spMkLst>
+        </pc:spChg>
+        <pc:picChg chg="del">
+          <ac:chgData name="Boon Jun" userId="b9b2384c46af58b4" providerId="LiveId" clId="{07FA4B2E-902A-4B46-B455-FA227D8539BA}" dt="2020-02-13T06:48:43.062" v="2113" actId="478"/>
+          <ac:picMkLst>
+            <pc:docMk/>
+            <pc:sldMk cId="3479621932" sldId="277"/>
+            <ac:picMk id="12" creationId="{9D9EEEB0-333C-4085-BD69-E22774B35EC0}"/>
+          </ac:picMkLst>
+        </pc:picChg>
+      </pc:sldChg>
+      <pc:sldChg chg="addSp delSp modSp add ord">
+        <pc:chgData name="Boon Jun" userId="b9b2384c46af58b4" providerId="LiveId" clId="{07FA4B2E-902A-4B46-B455-FA227D8539BA}" dt="2020-02-13T14:53:49.240" v="3815" actId="478"/>
+        <pc:sldMkLst>
+          <pc:docMk/>
+          <pc:sldMk cId="3608317841" sldId="277"/>
+        </pc:sldMkLst>
+        <pc:spChg chg="mod">
+          <ac:chgData name="Boon Jun" userId="b9b2384c46af58b4" providerId="LiveId" clId="{07FA4B2E-902A-4B46-B455-FA227D8539BA}" dt="2020-02-13T06:49:55.310" v="2135" actId="1076"/>
+          <ac:spMkLst>
+            <pc:docMk/>
+            <pc:sldMk cId="3608317841" sldId="277"/>
+            <ac:spMk id="8" creationId="{B452A63B-48F2-48C5-81B3-285FC0421F98}"/>
+          </ac:spMkLst>
+        </pc:spChg>
+        <pc:spChg chg="mod">
+          <ac:chgData name="Boon Jun" userId="b9b2384c46af58b4" providerId="LiveId" clId="{07FA4B2E-902A-4B46-B455-FA227D8539BA}" dt="2020-02-13T06:50:03.748" v="2138" actId="1076"/>
+          <ac:spMkLst>
+            <pc:docMk/>
+            <pc:sldMk cId="3608317841" sldId="277"/>
+            <ac:spMk id="16" creationId="{43EC70CF-418E-449B-8F23-60C0331C3AF1}"/>
+          </ac:spMkLst>
+        </pc:spChg>
+        <pc:spChg chg="del">
+          <ac:chgData name="Boon Jun" userId="b9b2384c46af58b4" providerId="LiveId" clId="{07FA4B2E-902A-4B46-B455-FA227D8539BA}" dt="2020-02-13T06:49:49.802" v="2133" actId="478"/>
+          <ac:spMkLst>
+            <pc:docMk/>
+            <pc:sldMk cId="3608317841" sldId="277"/>
+            <ac:spMk id="20" creationId="{656E65F0-7028-48A5-9D66-1E5927A60C4C}"/>
+          </ac:spMkLst>
+        </pc:spChg>
+        <pc:spChg chg="del">
+          <ac:chgData name="Boon Jun" userId="b9b2384c46af58b4" providerId="LiveId" clId="{07FA4B2E-902A-4B46-B455-FA227D8539BA}" dt="2020-02-13T06:49:51.791" v="2134" actId="478"/>
+          <ac:spMkLst>
+            <pc:docMk/>
+            <pc:sldMk cId="3608317841" sldId="277"/>
+            <ac:spMk id="22" creationId="{A02A4A20-F180-4BE1-966A-15E3B0B8B041}"/>
+          </ac:spMkLst>
+        </pc:spChg>
+        <pc:picChg chg="add mod ord">
+          <ac:chgData name="Boon Jun" userId="b9b2384c46af58b4" providerId="LiveId" clId="{07FA4B2E-902A-4B46-B455-FA227D8539BA}" dt="2020-02-13T06:49:58.472" v="2137" actId="1076"/>
+          <ac:picMkLst>
+            <pc:docMk/>
+            <pc:sldMk cId="3608317841" sldId="277"/>
+            <ac:picMk id="4" creationId="{066112C7-3DF8-48D8-9122-D02E5F299650}"/>
+          </ac:picMkLst>
+        </pc:picChg>
+        <pc:picChg chg="del">
+          <ac:chgData name="Boon Jun" userId="b9b2384c46af58b4" providerId="LiveId" clId="{07FA4B2E-902A-4B46-B455-FA227D8539BA}" dt="2020-02-13T06:49:20.261" v="2123" actId="478"/>
+          <ac:picMkLst>
+            <pc:docMk/>
+            <pc:sldMk cId="3608317841" sldId="277"/>
+            <ac:picMk id="5" creationId="{E4A3E851-53C2-4981-A4C0-DF59EC7308CF}"/>
+          </ac:picMkLst>
+        </pc:picChg>
+        <pc:picChg chg="del">
+          <ac:chgData name="Boon Jun" userId="b9b2384c46af58b4" providerId="LiveId" clId="{07FA4B2E-902A-4B46-B455-FA227D8539BA}" dt="2020-02-13T06:49:06.390" v="2118" actId="478"/>
+          <ac:picMkLst>
+            <pc:docMk/>
+            <pc:sldMk cId="3608317841" sldId="277"/>
+            <ac:picMk id="14" creationId="{96E2515F-812A-4896-A3E9-3459D7DA7C55}"/>
+          </ac:picMkLst>
+        </pc:picChg>
+        <pc:picChg chg="add">
+          <ac:chgData name="Boon Jun" userId="b9b2384c46af58b4" providerId="LiveId" clId="{07FA4B2E-902A-4B46-B455-FA227D8539BA}" dt="2020-02-13T14:53:48.107" v="3814"/>
+          <ac:picMkLst>
+            <pc:docMk/>
+            <pc:sldMk cId="3608317841" sldId="277"/>
+            <ac:picMk id="15" creationId="{88491E05-25CD-4DFF-82C2-6C27561BA1CF}"/>
+          </ac:picMkLst>
+        </pc:picChg>
+        <pc:picChg chg="add mod ord">
+          <ac:chgData name="Boon Jun" userId="b9b2384c46af58b4" providerId="LiveId" clId="{07FA4B2E-902A-4B46-B455-FA227D8539BA}" dt="2020-02-13T06:49:18.142" v="2122" actId="167"/>
+          <ac:picMkLst>
+            <pc:docMk/>
+            <pc:sldMk cId="3608317841" sldId="277"/>
+            <ac:picMk id="18" creationId="{EF557AB6-24EE-4197-94E4-2B7F19067C5E}"/>
+          </ac:picMkLst>
+        </pc:picChg>
+        <pc:picChg chg="del">
+          <ac:chgData name="Boon Jun" userId="b9b2384c46af58b4" providerId="LiveId" clId="{07FA4B2E-902A-4B46-B455-FA227D8539BA}" dt="2020-02-13T14:53:47.711" v="3813" actId="478"/>
+          <ac:picMkLst>
+            <pc:docMk/>
+            <pc:sldMk cId="3608317841" sldId="277"/>
+            <ac:picMk id="19" creationId="{2C9D18F4-DF60-4C50-9850-912CD1CB918E}"/>
+          </ac:picMkLst>
+        </pc:picChg>
+        <pc:picChg chg="del">
+          <ac:chgData name="Boon Jun" userId="b9b2384c46af58b4" providerId="LiveId" clId="{07FA4B2E-902A-4B46-B455-FA227D8539BA}" dt="2020-02-13T14:53:49.240" v="3815" actId="478"/>
+          <ac:picMkLst>
+            <pc:docMk/>
+            <pc:sldMk cId="3608317841" sldId="277"/>
+            <ac:picMk id="21" creationId="{1EAAFDD7-270D-40BB-B235-F2B7DF98EC72}"/>
+          </ac:picMkLst>
+        </pc:picChg>
+      </pc:sldChg>
+      <pc:sldChg chg="addSp delSp modSp add">
+        <pc:chgData name="Boon Jun" userId="b9b2384c46af58b4" providerId="LiveId" clId="{07FA4B2E-902A-4B46-B455-FA227D8539BA}" dt="2020-02-13T14:53:53.594" v="3818" actId="478"/>
+        <pc:sldMkLst>
+          <pc:docMk/>
+          <pc:sldMk cId="2192696132" sldId="278"/>
+        </pc:sldMkLst>
+        <pc:spChg chg="add del">
+          <ac:chgData name="Boon Jun" userId="b9b2384c46af58b4" providerId="LiveId" clId="{07FA4B2E-902A-4B46-B455-FA227D8539BA}" dt="2020-02-13T06:53:24.232" v="2275" actId="478"/>
+          <ac:spMkLst>
+            <pc:docMk/>
+            <pc:sldMk cId="2192696132" sldId="278"/>
+            <ac:spMk id="3" creationId="{73DF043F-9A80-4D25-8D51-9228BDAF0AE3}"/>
+          </ac:spMkLst>
+        </pc:spChg>
+        <pc:spChg chg="del">
+          <ac:chgData name="Boon Jun" userId="b9b2384c46af58b4" providerId="LiveId" clId="{07FA4B2E-902A-4B46-B455-FA227D8539BA}" dt="2020-02-13T06:50:15.341" v="2140" actId="478"/>
+          <ac:spMkLst>
+            <pc:docMk/>
+            <pc:sldMk cId="2192696132" sldId="278"/>
+            <ac:spMk id="8" creationId="{B452A63B-48F2-48C5-81B3-285FC0421F98}"/>
+          </ac:spMkLst>
+        </pc:spChg>
+        <pc:spChg chg="add mod">
+          <ac:chgData name="Boon Jun" userId="b9b2384c46af58b4" providerId="LiveId" clId="{07FA4B2E-902A-4B46-B455-FA227D8539BA}" dt="2020-02-13T06:52:18.122" v="2273" actId="1076"/>
+          <ac:spMkLst>
+            <pc:docMk/>
+            <pc:sldMk cId="2192696132" sldId="278"/>
+            <ac:spMk id="15" creationId="{D986C221-6C06-496E-A9B5-A3B055059838}"/>
+          </ac:spMkLst>
+        </pc:spChg>
+        <pc:spChg chg="del">
+          <ac:chgData name="Boon Jun" userId="b9b2384c46af58b4" providerId="LiveId" clId="{07FA4B2E-902A-4B46-B455-FA227D8539BA}" dt="2020-02-13T06:50:15.341" v="2140" actId="478"/>
+          <ac:spMkLst>
+            <pc:docMk/>
+            <pc:sldMk cId="2192696132" sldId="278"/>
+            <ac:spMk id="16" creationId="{43EC70CF-418E-449B-8F23-60C0331C3AF1}"/>
+          </ac:spMkLst>
+        </pc:spChg>
+        <pc:spChg chg="add mod">
+          <ac:chgData name="Boon Jun" userId="b9b2384c46af58b4" providerId="LiveId" clId="{07FA4B2E-902A-4B46-B455-FA227D8539BA}" dt="2020-02-13T06:55:48.939" v="2303" actId="20577"/>
+          <ac:spMkLst>
+            <pc:docMk/>
+            <pc:sldMk cId="2192696132" sldId="278"/>
+            <ac:spMk id="20" creationId="{B2FAB1E0-6DF9-48A8-BF90-EFC2AD90DB28}"/>
+          </ac:spMkLst>
+        </pc:spChg>
+        <pc:graphicFrameChg chg="add mod modGraphic">
+          <ac:chgData name="Boon Jun" userId="b9b2384c46af58b4" providerId="LiveId" clId="{07FA4B2E-902A-4B46-B455-FA227D8539BA}" dt="2020-02-13T07:21:30.122" v="2783" actId="20577"/>
+          <ac:graphicFrameMkLst>
+            <pc:docMk/>
+            <pc:sldMk cId="2192696132" sldId="278"/>
+            <ac:graphicFrameMk id="5" creationId="{1219424E-77CF-47E6-AAE0-BC062A0DC967}"/>
+          </ac:graphicFrameMkLst>
+        </pc:graphicFrameChg>
+        <pc:picChg chg="del">
+          <ac:chgData name="Boon Jun" userId="b9b2384c46af58b4" providerId="LiveId" clId="{07FA4B2E-902A-4B46-B455-FA227D8539BA}" dt="2020-02-13T06:50:15.341" v="2140" actId="478"/>
+          <ac:picMkLst>
+            <pc:docMk/>
+            <pc:sldMk cId="2192696132" sldId="278"/>
+            <ac:picMk id="4" creationId="{066112C7-3DF8-48D8-9122-D02E5F299650}"/>
+          </ac:picMkLst>
+        </pc:picChg>
+        <pc:picChg chg="add">
+          <ac:chgData name="Boon Jun" userId="b9b2384c46af58b4" providerId="LiveId" clId="{07FA4B2E-902A-4B46-B455-FA227D8539BA}" dt="2020-02-13T14:53:52.368" v="3817"/>
+          <ac:picMkLst>
+            <pc:docMk/>
+            <pc:sldMk cId="2192696132" sldId="278"/>
+            <ac:picMk id="14" creationId="{B54FB08D-C996-4E14-B5F3-BBA159DC400F}"/>
+          </ac:picMkLst>
+        </pc:picChg>
+        <pc:picChg chg="del">
+          <ac:chgData name="Boon Jun" userId="b9b2384c46af58b4" providerId="LiveId" clId="{07FA4B2E-902A-4B46-B455-FA227D8539BA}" dt="2020-02-13T06:50:15.341" v="2140" actId="478"/>
+          <ac:picMkLst>
+            <pc:docMk/>
+            <pc:sldMk cId="2192696132" sldId="278"/>
+            <ac:picMk id="18" creationId="{EF557AB6-24EE-4197-94E4-2B7F19067C5E}"/>
+          </ac:picMkLst>
+        </pc:picChg>
+        <pc:picChg chg="del">
+          <ac:chgData name="Boon Jun" userId="b9b2384c46af58b4" providerId="LiveId" clId="{07FA4B2E-902A-4B46-B455-FA227D8539BA}" dt="2020-02-13T14:53:52.052" v="3816" actId="478"/>
+          <ac:picMkLst>
+            <pc:docMk/>
+            <pc:sldMk cId="2192696132" sldId="278"/>
+            <ac:picMk id="19" creationId="{2C9D18F4-DF60-4C50-9850-912CD1CB918E}"/>
+          </ac:picMkLst>
+        </pc:picChg>
+        <pc:picChg chg="del">
+          <ac:chgData name="Boon Jun" userId="b9b2384c46af58b4" providerId="LiveId" clId="{07FA4B2E-902A-4B46-B455-FA227D8539BA}" dt="2020-02-13T14:53:53.594" v="3818" actId="478"/>
+          <ac:picMkLst>
+            <pc:docMk/>
+            <pc:sldMk cId="2192696132" sldId="278"/>
+            <ac:picMk id="21" creationId="{1EAAFDD7-270D-40BB-B235-F2B7DF98EC72}"/>
+          </ac:picMkLst>
+        </pc:picChg>
+      </pc:sldChg>
+      <pc:sldChg chg="addSp delSp modSp add">
+        <pc:chgData name="Boon Jun" userId="b9b2384c46af58b4" providerId="LiveId" clId="{07FA4B2E-902A-4B46-B455-FA227D8539BA}" dt="2020-02-13T15:34:19.364" v="4525" actId="1076"/>
+        <pc:sldMkLst>
+          <pc:docMk/>
+          <pc:sldMk cId="1611237328" sldId="279"/>
+        </pc:sldMkLst>
+        <pc:spChg chg="add mod ord">
+          <ac:chgData name="Boon Jun" userId="b9b2384c46af58b4" providerId="LiveId" clId="{07FA4B2E-902A-4B46-B455-FA227D8539BA}" dt="2020-02-13T07:15:56.830" v="2713" actId="164"/>
+          <ac:spMkLst>
+            <pc:docMk/>
+            <pc:sldMk cId="1611237328" sldId="279"/>
+            <ac:spMk id="5" creationId="{CD19335B-94BA-48DA-A9CF-6D296ABDB042}"/>
+          </ac:spMkLst>
+        </pc:spChg>
+        <pc:spChg chg="mod">
+          <ac:chgData name="Boon Jun" userId="b9b2384c46af58b4" providerId="LiveId" clId="{07FA4B2E-902A-4B46-B455-FA227D8539BA}" dt="2020-02-13T15:33:08.402" v="4461" actId="1076"/>
+          <ac:spMkLst>
+            <pc:docMk/>
+            <pc:sldMk cId="1611237328" sldId="279"/>
+            <ac:spMk id="10" creationId="{45E2ABB5-AA4B-4A0D-9553-8D9F0D57F433}"/>
+          </ac:spMkLst>
+        </pc:spChg>
+        <pc:spChg chg="add mod">
+          <ac:chgData name="Boon Jun" userId="b9b2384c46af58b4" providerId="LiveId" clId="{07FA4B2E-902A-4B46-B455-FA227D8539BA}" dt="2020-02-13T15:33:04.441" v="4458" actId="20577"/>
+          <ac:spMkLst>
+            <pc:docMk/>
+            <pc:sldMk cId="1611237328" sldId="279"/>
+            <ac:spMk id="18" creationId="{246CA023-9845-437A-B011-CE82C4B1DF36}"/>
+          </ac:spMkLst>
+        </pc:spChg>
+        <pc:spChg chg="add del mod">
+          <ac:chgData name="Boon Jun" userId="b9b2384c46af58b4" providerId="LiveId" clId="{07FA4B2E-902A-4B46-B455-FA227D8539BA}" dt="2020-02-13T14:06:21.439" v="3308" actId="478"/>
+          <ac:spMkLst>
+            <pc:docMk/>
+            <pc:sldMk cId="1611237328" sldId="279"/>
+            <ac:spMk id="20" creationId="{96DB1548-12A6-4155-949B-8EFE8826FF5A}"/>
+          </ac:spMkLst>
+        </pc:spChg>
+        <pc:spChg chg="add del">
+          <ac:chgData name="Boon Jun" userId="b9b2384c46af58b4" providerId="LiveId" clId="{07FA4B2E-902A-4B46-B455-FA227D8539BA}" dt="2020-02-13T14:06:18.182" v="3303"/>
+          <ac:spMkLst>
+            <pc:docMk/>
+            <pc:sldMk cId="1611237328" sldId="279"/>
+            <ac:spMk id="22" creationId="{433EC22A-FEEC-44D0-A896-C59B0B378388}"/>
+          </ac:spMkLst>
+        </pc:spChg>
+        <pc:spChg chg="add del mod">
+          <ac:chgData name="Boon Jun" userId="b9b2384c46af58b4" providerId="LiveId" clId="{07FA4B2E-902A-4B46-B455-FA227D8539BA}" dt="2020-02-13T15:33:10.801" v="4462" actId="478"/>
+          <ac:spMkLst>
+            <pc:docMk/>
+            <pc:sldMk cId="1611237328" sldId="279"/>
+            <ac:spMk id="23" creationId="{ABB9EB41-82D2-4691-8E65-B07C7B73DE00}"/>
+          </ac:spMkLst>
+        </pc:spChg>
+        <pc:spChg chg="add del mod">
+          <ac:chgData name="Boon Jun" userId="b9b2384c46af58b4" providerId="LiveId" clId="{07FA4B2E-902A-4B46-B455-FA227D8539BA}" dt="2020-02-13T15:33:10.801" v="4462" actId="478"/>
+          <ac:spMkLst>
+            <pc:docMk/>
+            <pc:sldMk cId="1611237328" sldId="279"/>
+            <ac:spMk id="24" creationId="{8D51A177-3E78-40CA-B744-7DCACF4BE529}"/>
+          </ac:spMkLst>
+        </pc:spChg>
+        <pc:spChg chg="add del mod">
+          <ac:chgData name="Boon Jun" userId="b9b2384c46af58b4" providerId="LiveId" clId="{07FA4B2E-902A-4B46-B455-FA227D8539BA}" dt="2020-02-13T15:33:10.801" v="4462" actId="478"/>
+          <ac:spMkLst>
+            <pc:docMk/>
+            <pc:sldMk cId="1611237328" sldId="279"/>
+            <ac:spMk id="25" creationId="{15D3737E-4601-4FC4-94E0-477644ED185E}"/>
+          </ac:spMkLst>
+        </pc:spChg>
+        <pc:spChg chg="add del mod">
+          <ac:chgData name="Boon Jun" userId="b9b2384c46af58b4" providerId="LiveId" clId="{07FA4B2E-902A-4B46-B455-FA227D8539BA}" dt="2020-02-13T15:33:10.801" v="4462" actId="478"/>
+          <ac:spMkLst>
+            <pc:docMk/>
+            <pc:sldMk cId="1611237328" sldId="279"/>
+            <ac:spMk id="26" creationId="{6E202F8B-07E7-4C74-8933-1CC1498B87B3}"/>
+          </ac:spMkLst>
+        </pc:spChg>
+        <pc:spChg chg="add del mod">
+          <ac:chgData name="Boon Jun" userId="b9b2384c46af58b4" providerId="LiveId" clId="{07FA4B2E-902A-4B46-B455-FA227D8539BA}" dt="2020-02-13T15:33:10.801" v="4462" actId="478"/>
+          <ac:spMkLst>
+            <pc:docMk/>
+            <pc:sldMk cId="1611237328" sldId="279"/>
+            <ac:spMk id="27" creationId="{7142C695-DF4C-41FA-93E7-A3B958740D89}"/>
+          </ac:spMkLst>
+        </pc:spChg>
+        <pc:spChg chg="add del mod">
+          <ac:chgData name="Boon Jun" userId="b9b2384c46af58b4" providerId="LiveId" clId="{07FA4B2E-902A-4B46-B455-FA227D8539BA}" dt="2020-02-13T15:33:10.801" v="4462" actId="478"/>
+          <ac:spMkLst>
+            <pc:docMk/>
+            <pc:sldMk cId="1611237328" sldId="279"/>
+            <ac:spMk id="28" creationId="{D8584885-C1DD-40E0-84DB-6D5EDAF5394C}"/>
+          </ac:spMkLst>
+        </pc:spChg>
+        <pc:spChg chg="add del mod">
+          <ac:chgData name="Boon Jun" userId="b9b2384c46af58b4" providerId="LiveId" clId="{07FA4B2E-902A-4B46-B455-FA227D8539BA}" dt="2020-02-13T15:33:10.801" v="4462" actId="478"/>
+          <ac:spMkLst>
+            <pc:docMk/>
+            <pc:sldMk cId="1611237328" sldId="279"/>
+            <ac:spMk id="29" creationId="{3619E6DF-3AF1-433F-A87C-C01FD2AA4FD9}"/>
+          </ac:spMkLst>
+        </pc:spChg>
+        <pc:spChg chg="add del mod">
+          <ac:chgData name="Boon Jun" userId="b9b2384c46af58b4" providerId="LiveId" clId="{07FA4B2E-902A-4B46-B455-FA227D8539BA}" dt="2020-02-13T15:33:10.801" v="4462" actId="478"/>
+          <ac:spMkLst>
+            <pc:docMk/>
+            <pc:sldMk cId="1611237328" sldId="279"/>
+            <ac:spMk id="30" creationId="{AECA707A-405A-4752-A497-2183FB319984}"/>
+          </ac:spMkLst>
+        </pc:spChg>
+        <pc:spChg chg="add del mod">
+          <ac:chgData name="Boon Jun" userId="b9b2384c46af58b4" providerId="LiveId" clId="{07FA4B2E-902A-4B46-B455-FA227D8539BA}" dt="2020-02-13T15:33:10.801" v="4462" actId="478"/>
+          <ac:spMkLst>
+            <pc:docMk/>
+            <pc:sldMk cId="1611237328" sldId="279"/>
+            <ac:spMk id="31" creationId="{B33C77C4-4AB6-4DCF-A28F-7BAFE60E750B}"/>
+          </ac:spMkLst>
+        </pc:spChg>
+        <pc:spChg chg="add del mod">
+          <ac:chgData name="Boon Jun" userId="b9b2384c46af58b4" providerId="LiveId" clId="{07FA4B2E-902A-4B46-B455-FA227D8539BA}" dt="2020-02-13T15:33:10.801" v="4462" actId="478"/>
+          <ac:spMkLst>
+            <pc:docMk/>
+            <pc:sldMk cId="1611237328" sldId="279"/>
+            <ac:spMk id="32" creationId="{7A91BD48-A2BC-4922-9211-B5977732032A}"/>
+          </ac:spMkLst>
+        </pc:spChg>
+        <pc:spChg chg="add del">
+          <ac:chgData name="Boon Jun" userId="b9b2384c46af58b4" providerId="LiveId" clId="{07FA4B2E-902A-4B46-B455-FA227D8539BA}" dt="2020-02-13T14:08:31.716" v="3364" actId="478"/>
+          <ac:spMkLst>
+            <pc:docMk/>
+            <pc:sldMk cId="1611237328" sldId="279"/>
+            <ac:spMk id="33" creationId="{F7397019-E1A3-47D2-816F-66769F3BCB3A}"/>
+          </ac:spMkLst>
+        </pc:spChg>
+        <pc:spChg chg="add mod">
+          <ac:chgData name="Boon Jun" userId="b9b2384c46af58b4" providerId="LiveId" clId="{07FA4B2E-902A-4B46-B455-FA227D8539BA}" dt="2020-02-13T15:34:19.364" v="4525" actId="1076"/>
+          <ac:spMkLst>
+            <pc:docMk/>
+            <pc:sldMk cId="1611237328" sldId="279"/>
+            <ac:spMk id="35" creationId="{B8F1A97C-9C36-4021-88A3-D3A66BF73067}"/>
+          </ac:spMkLst>
+        </pc:spChg>
+        <pc:grpChg chg="add del mod">
+          <ac:chgData name="Boon Jun" userId="b9b2384c46af58b4" providerId="LiveId" clId="{07FA4B2E-902A-4B46-B455-FA227D8539BA}" dt="2020-02-13T14:05:28.044" v="3287" actId="478"/>
+          <ac:grpSpMkLst>
+            <pc:docMk/>
+            <pc:sldMk cId="1611237328" sldId="279"/>
+            <ac:grpSpMk id="6" creationId="{30D82785-9D76-4901-B1CE-02ECA6048DC7}"/>
+          </ac:grpSpMkLst>
+        </pc:grpChg>
+        <pc:graphicFrameChg chg="del">
+          <ac:chgData name="Boon Jun" userId="b9b2384c46af58b4" providerId="LiveId" clId="{07FA4B2E-902A-4B46-B455-FA227D8539BA}" dt="2020-02-13T07:14:49.899" v="2696" actId="478"/>
+          <ac:graphicFrameMkLst>
+            <pc:docMk/>
+            <pc:sldMk cId="1611237328" sldId="279"/>
+            <ac:graphicFrameMk id="24" creationId="{8D2CBF1B-7348-4101-8C58-4653FB35D38A}"/>
+          </ac:graphicFrameMkLst>
+        </pc:graphicFrameChg>
+        <pc:picChg chg="add mod">
+          <ac:chgData name="Boon Jun" userId="b9b2384c46af58b4" providerId="LiveId" clId="{07FA4B2E-902A-4B46-B455-FA227D8539BA}" dt="2020-02-13T07:15:56.830" v="2713" actId="164"/>
+          <ac:picMkLst>
+            <pc:docMk/>
+            <pc:sldMk cId="1611237328" sldId="279"/>
+            <ac:picMk id="4" creationId="{1A098945-4C93-4902-9590-CEF394191E83}"/>
+          </ac:picMkLst>
+        </pc:picChg>
+        <pc:picChg chg="add del mod">
+          <ac:chgData name="Boon Jun" userId="b9b2384c46af58b4" providerId="LiveId" clId="{07FA4B2E-902A-4B46-B455-FA227D8539BA}" dt="2020-02-13T15:33:06.264" v="4459" actId="478"/>
+          <ac:picMkLst>
+            <pc:docMk/>
+            <pc:sldMk cId="1611237328" sldId="279"/>
+            <ac:picMk id="8" creationId="{5B1BB044-1F2F-469E-A88D-0E798FBC3153}"/>
+          </ac:picMkLst>
+        </pc:picChg>
+        <pc:picChg chg="add del mod">
+          <ac:chgData name="Boon Jun" userId="b9b2384c46af58b4" providerId="LiveId" clId="{07FA4B2E-902A-4B46-B455-FA227D8539BA}" dt="2020-02-13T07:16:40.576" v="2723" actId="478"/>
+          <ac:picMkLst>
+            <pc:docMk/>
+            <pc:sldMk cId="1611237328" sldId="279"/>
+            <ac:picMk id="12" creationId="{C25D352D-C9EC-437D-B2E4-625B919AB3A0}"/>
+          </ac:picMkLst>
+        </pc:picChg>
+        <pc:picChg chg="del">
+          <ac:chgData name="Boon Jun" userId="b9b2384c46af58b4" providerId="LiveId" clId="{07FA4B2E-902A-4B46-B455-FA227D8539BA}" dt="2020-02-13T14:54:06.760" v="3825" actId="478"/>
+          <ac:picMkLst>
+            <pc:docMk/>
+            <pc:sldMk cId="1611237328" sldId="279"/>
+            <ac:picMk id="19" creationId="{2C9D18F4-DF60-4C50-9850-912CD1CB918E}"/>
+          </ac:picMkLst>
+        </pc:picChg>
+        <pc:picChg chg="del">
+          <ac:chgData name="Boon Jun" userId="b9b2384c46af58b4" providerId="LiveId" clId="{07FA4B2E-902A-4B46-B455-FA227D8539BA}" dt="2020-02-13T14:54:08.591" v="3827" actId="478"/>
+          <ac:picMkLst>
+            <pc:docMk/>
+            <pc:sldMk cId="1611237328" sldId="279"/>
+            <ac:picMk id="21" creationId="{1EAAFDD7-270D-40BB-B235-F2B7DF98EC72}"/>
+          </ac:picMkLst>
+        </pc:picChg>
+        <pc:picChg chg="add">
+          <ac:chgData name="Boon Jun" userId="b9b2384c46af58b4" providerId="LiveId" clId="{07FA4B2E-902A-4B46-B455-FA227D8539BA}" dt="2020-02-13T14:54:07.127" v="3826"/>
+          <ac:picMkLst>
+            <pc:docMk/>
+            <pc:sldMk cId="1611237328" sldId="279"/>
+            <ac:picMk id="34" creationId="{52E776D2-6B2B-408B-9EE7-D4DA6B86EB6A}"/>
+          </ac:picMkLst>
+        </pc:picChg>
+      </pc:sldChg>
+      <pc:sldChg chg="addSp delSp modSp add">
+        <pc:chgData name="Boon Jun" userId="b9b2384c46af58b4" providerId="LiveId" clId="{07FA4B2E-902A-4B46-B455-FA227D8539BA}" dt="2020-02-13T15:35:34.618" v="4562" actId="20577"/>
+        <pc:sldMkLst>
+          <pc:docMk/>
+          <pc:sldMk cId="4197391946" sldId="280"/>
+        </pc:sldMkLst>
+        <pc:spChg chg="add mod">
+          <ac:chgData name="Boon Jun" userId="b9b2384c46af58b4" providerId="LiveId" clId="{07FA4B2E-902A-4B46-B455-FA227D8539BA}" dt="2020-02-13T15:35:34.618" v="4562" actId="20577"/>
+          <ac:spMkLst>
+            <pc:docMk/>
+            <pc:sldMk cId="4197391946" sldId="280"/>
+            <ac:spMk id="16" creationId="{6E641A05-CA83-4ADB-9D59-315B1F830694}"/>
+          </ac:spMkLst>
+        </pc:spChg>
+        <pc:spChg chg="del mod">
+          <ac:chgData name="Boon Jun" userId="b9b2384c46af58b4" providerId="LiveId" clId="{07FA4B2E-902A-4B46-B455-FA227D8539BA}" dt="2020-02-13T15:35:09.952" v="4548" actId="478"/>
+          <ac:spMkLst>
+            <pc:docMk/>
+            <pc:sldMk cId="4197391946" sldId="280"/>
+            <ac:spMk id="18" creationId="{246CA023-9845-437A-B011-CE82C4B1DF36}"/>
+          </ac:spMkLst>
+        </pc:spChg>
+        <pc:spChg chg="add mod">
+          <ac:chgData name="Boon Jun" userId="b9b2384c46af58b4" providerId="LiveId" clId="{07FA4B2E-902A-4B46-B455-FA227D8539BA}" dt="2020-02-13T15:35:15.256" v="4552" actId="20577"/>
+          <ac:spMkLst>
+            <pc:docMk/>
+            <pc:sldMk cId="4197391946" sldId="280"/>
+            <ac:spMk id="20" creationId="{DD00A97A-1A0A-45D4-B48D-0A904834F509}"/>
+          </ac:spMkLst>
+        </pc:spChg>
+        <pc:grpChg chg="del">
+          <ac:chgData name="Boon Jun" userId="b9b2384c46af58b4" providerId="LiveId" clId="{07FA4B2E-902A-4B46-B455-FA227D8539BA}" dt="2020-02-13T07:17:28.267" v="2753" actId="478"/>
+          <ac:grpSpMkLst>
+            <pc:docMk/>
+            <pc:sldMk cId="4197391946" sldId="280"/>
+            <ac:grpSpMk id="6" creationId="{30D82785-9D76-4901-B1CE-02ECA6048DC7}"/>
+          </ac:grpSpMkLst>
+        </pc:grpChg>
+        <pc:picChg chg="add mod">
+          <ac:chgData name="Boon Jun" userId="b9b2384c46af58b4" providerId="LiveId" clId="{07FA4B2E-902A-4B46-B455-FA227D8539BA}" dt="2020-02-13T08:53:36.541" v="2902" actId="14100"/>
+          <ac:picMkLst>
+            <pc:docMk/>
+            <pc:sldMk cId="4197391946" sldId="280"/>
+            <ac:picMk id="4" creationId="{0C73A668-2B9E-421F-8FBA-602FDCD90B69}"/>
+          </ac:picMkLst>
+        </pc:picChg>
+        <pc:picChg chg="add del mod">
+          <ac:chgData name="Boon Jun" userId="b9b2384c46af58b4" providerId="LiveId" clId="{07FA4B2E-902A-4B46-B455-FA227D8539BA}" dt="2020-02-13T08:53:26.598" v="2896" actId="478"/>
+          <ac:picMkLst>
+            <pc:docMk/>
+            <pc:sldMk cId="4197391946" sldId="280"/>
+            <ac:picMk id="8" creationId="{E073DFF9-5F2D-4973-8E24-EE74661B9697}"/>
+          </ac:picMkLst>
+        </pc:picChg>
+        <pc:picChg chg="add">
+          <ac:chgData name="Boon Jun" userId="b9b2384c46af58b4" providerId="LiveId" clId="{07FA4B2E-902A-4B46-B455-FA227D8539BA}" dt="2020-02-13T14:54:14.760" v="3829"/>
+          <ac:picMkLst>
+            <pc:docMk/>
+            <pc:sldMk cId="4197391946" sldId="280"/>
+            <ac:picMk id="15" creationId="{2A2B549E-EFCA-4670-977B-A4DF9A43BB12}"/>
+          </ac:picMkLst>
+        </pc:picChg>
+        <pc:picChg chg="del">
+          <ac:chgData name="Boon Jun" userId="b9b2384c46af58b4" providerId="LiveId" clId="{07FA4B2E-902A-4B46-B455-FA227D8539BA}" dt="2020-02-13T14:54:14.242" v="3828" actId="478"/>
+          <ac:picMkLst>
+            <pc:docMk/>
+            <pc:sldMk cId="4197391946" sldId="280"/>
+            <ac:picMk id="19" creationId="{2C9D18F4-DF60-4C50-9850-912CD1CB918E}"/>
+          </ac:picMkLst>
+        </pc:picChg>
+        <pc:picChg chg="del">
+          <ac:chgData name="Boon Jun" userId="b9b2384c46af58b4" providerId="LiveId" clId="{07FA4B2E-902A-4B46-B455-FA227D8539BA}" dt="2020-02-13T14:54:16.112" v="3830" actId="478"/>
+          <ac:picMkLst>
+            <pc:docMk/>
+            <pc:sldMk cId="4197391946" sldId="280"/>
+            <ac:picMk id="21" creationId="{1EAAFDD7-270D-40BB-B235-F2B7DF98EC72}"/>
+          </ac:picMkLst>
+        </pc:picChg>
+      </pc:sldChg>
+      <pc:sldChg chg="addSp delSp modSp add">
+        <pc:chgData name="Boon Jun" userId="b9b2384c46af58b4" providerId="LiveId" clId="{07FA4B2E-902A-4B46-B455-FA227D8539BA}" dt="2020-02-13T07:18:46.637" v="2779" actId="1076"/>
+        <pc:sldMkLst>
+          <pc:docMk/>
+          <pc:sldMk cId="1928838991" sldId="281"/>
+        </pc:sldMkLst>
+        <pc:spChg chg="mod">
+          <ac:chgData name="Boon Jun" userId="b9b2384c46af58b4" providerId="LiveId" clId="{07FA4B2E-902A-4B46-B455-FA227D8539BA}" dt="2020-02-13T07:18:34.610" v="2776" actId="1076"/>
+          <ac:spMkLst>
+            <pc:docMk/>
+            <pc:sldMk cId="1928838991" sldId="281"/>
+            <ac:spMk id="2" creationId="{FF21E304-E4E0-438B-AB07-1B8DC03AFC6F}"/>
+          </ac:spMkLst>
+        </pc:spChg>
+        <pc:spChg chg="del">
+          <ac:chgData name="Boon Jun" userId="b9b2384c46af58b4" providerId="LiveId" clId="{07FA4B2E-902A-4B46-B455-FA227D8539BA}" dt="2020-02-13T07:18:20.889" v="2763" actId="478"/>
+          <ac:spMkLst>
+            <pc:docMk/>
+            <pc:sldMk cId="1928838991" sldId="281"/>
+            <ac:spMk id="10" creationId="{45E2ABB5-AA4B-4A0D-9553-8D9F0D57F433}"/>
+          </ac:spMkLst>
+        </pc:spChg>
+        <pc:spChg chg="del">
+          <ac:chgData name="Boon Jun" userId="b9b2384c46af58b4" providerId="LiveId" clId="{07FA4B2E-902A-4B46-B455-FA227D8539BA}" dt="2020-02-13T07:18:14.802" v="2762" actId="478"/>
+          <ac:spMkLst>
+            <pc:docMk/>
+            <pc:sldMk cId="1928838991" sldId="281"/>
+            <ac:spMk id="18" creationId="{246CA023-9845-437A-B011-CE82C4B1DF36}"/>
+          </ac:spMkLst>
+        </pc:spChg>
+        <pc:picChg chg="del">
+          <ac:chgData name="Boon Jun" userId="b9b2384c46af58b4" providerId="LiveId" clId="{07FA4B2E-902A-4B46-B455-FA227D8539BA}" dt="2020-02-13T07:18:22.281" v="2764" actId="478"/>
+          <ac:picMkLst>
+            <pc:docMk/>
+            <pc:sldMk cId="1928838991" sldId="281"/>
+            <ac:picMk id="7" creationId="{0F454814-B50C-4698-B6C0-6DE90A930257}"/>
+          </ac:picMkLst>
+        </pc:picChg>
+        <pc:picChg chg="del">
+          <ac:chgData name="Boon Jun" userId="b9b2384c46af58b4" providerId="LiveId" clId="{07FA4B2E-902A-4B46-B455-FA227D8539BA}" dt="2020-02-13T07:18:14.802" v="2762" actId="478"/>
+          <ac:picMkLst>
+            <pc:docMk/>
+            <pc:sldMk cId="1928838991" sldId="281"/>
+            <ac:picMk id="8" creationId="{E073DFF9-5F2D-4973-8E24-EE74661B9697}"/>
+          </ac:picMkLst>
+        </pc:picChg>
+        <pc:picChg chg="del">
+          <ac:chgData name="Boon Jun" userId="b9b2384c46af58b4" providerId="LiveId" clId="{07FA4B2E-902A-4B46-B455-FA227D8539BA}" dt="2020-02-13T07:18:22.281" v="2764" actId="478"/>
+          <ac:picMkLst>
+            <pc:docMk/>
+            <pc:sldMk cId="1928838991" sldId="281"/>
+            <ac:picMk id="9" creationId="{4484A587-4DE2-4E0E-BD31-1E5371FF1617}"/>
+          </ac:picMkLst>
+        </pc:picChg>
+        <pc:picChg chg="del">
+          <ac:chgData name="Boon Jun" userId="b9b2384c46af58b4" providerId="LiveId" clId="{07FA4B2E-902A-4B46-B455-FA227D8539BA}" dt="2020-02-13T07:18:22.281" v="2764" actId="478"/>
+          <ac:picMkLst>
+            <pc:docMk/>
+            <pc:sldMk cId="1928838991" sldId="281"/>
+            <ac:picMk id="11" creationId="{787A3D66-E702-4786-9334-AA8574247486}"/>
+          </ac:picMkLst>
+        </pc:picChg>
+        <pc:picChg chg="del">
+          <ac:chgData name="Boon Jun" userId="b9b2384c46af58b4" providerId="LiveId" clId="{07FA4B2E-902A-4B46-B455-FA227D8539BA}" dt="2020-02-13T07:18:22.281" v="2764" actId="478"/>
+          <ac:picMkLst>
+            <pc:docMk/>
+            <pc:sldMk cId="1928838991" sldId="281"/>
+            <ac:picMk id="13" creationId="{10818EE9-430A-4CC4-BD02-5BDDEF750326}"/>
+          </ac:picMkLst>
+        </pc:picChg>
+        <pc:picChg chg="add mod">
+          <ac:chgData name="Boon Jun" userId="b9b2384c46af58b4" providerId="LiveId" clId="{07FA4B2E-902A-4B46-B455-FA227D8539BA}" dt="2020-02-13T07:18:46.637" v="2779" actId="1076"/>
+          <ac:picMkLst>
+            <pc:docMk/>
+            <pc:sldMk cId="1928838991" sldId="281"/>
+            <ac:picMk id="14" creationId="{D25A411E-A926-4AB4-B5BF-1F7B3E0854BD}"/>
+          </ac:picMkLst>
+        </pc:picChg>
+        <pc:picChg chg="del">
+          <ac:chgData name="Boon Jun" userId="b9b2384c46af58b4" providerId="LiveId" clId="{07FA4B2E-902A-4B46-B455-FA227D8539BA}" dt="2020-02-13T07:18:22.281" v="2764" actId="478"/>
+          <ac:picMkLst>
+            <pc:docMk/>
+            <pc:sldMk cId="1928838991" sldId="281"/>
+            <ac:picMk id="17" creationId="{2AB76BBD-A7C0-47CD-8857-DAAB96FDAC61}"/>
+          </ac:picMkLst>
+        </pc:picChg>
+        <pc:picChg chg="del">
+          <ac:chgData name="Boon Jun" userId="b9b2384c46af58b4" providerId="LiveId" clId="{07FA4B2E-902A-4B46-B455-FA227D8539BA}" dt="2020-02-13T07:18:22.281" v="2764" actId="478"/>
+          <ac:picMkLst>
+            <pc:docMk/>
+            <pc:sldMk cId="1928838991" sldId="281"/>
+            <ac:picMk id="19" creationId="{2C9D18F4-DF60-4C50-9850-912CD1CB918E}"/>
+          </ac:picMkLst>
+        </pc:picChg>
+        <pc:picChg chg="del">
+          <ac:chgData name="Boon Jun" userId="b9b2384c46af58b4" providerId="LiveId" clId="{07FA4B2E-902A-4B46-B455-FA227D8539BA}" dt="2020-02-13T07:18:22.281" v="2764" actId="478"/>
+          <ac:picMkLst>
+            <pc:docMk/>
+            <pc:sldMk cId="1928838991" sldId="281"/>
+            <ac:picMk id="21" creationId="{1EAAFDD7-270D-40BB-B235-F2B7DF98EC72}"/>
+          </ac:picMkLst>
+        </pc:picChg>
+      </pc:sldChg>
+      <pc:sldChg chg="addSp delSp modSp add ord">
+        <pc:chgData name="Boon Jun" userId="b9b2384c46af58b4" providerId="LiveId" clId="{07FA4B2E-902A-4B46-B455-FA227D8539BA}" dt="2020-02-13T14:53:31.095" v="3805" actId="207"/>
+        <pc:sldMkLst>
+          <pc:docMk/>
+          <pc:sldMk cId="448769969" sldId="282"/>
+        </pc:sldMkLst>
+        <pc:spChg chg="del">
+          <ac:chgData name="Boon Jun" userId="b9b2384c46af58b4" providerId="LiveId" clId="{07FA4B2E-902A-4B46-B455-FA227D8539BA}" dt="2020-02-13T08:41:39.123" v="2811" actId="478"/>
+          <ac:spMkLst>
+            <pc:docMk/>
+            <pc:sldMk cId="448769969" sldId="282"/>
+            <ac:spMk id="8" creationId="{B452A63B-48F2-48C5-81B3-285FC0421F98}"/>
+          </ac:spMkLst>
+        </pc:spChg>
+        <pc:spChg chg="mod">
+          <ac:chgData name="Boon Jun" userId="b9b2384c46af58b4" providerId="LiveId" clId="{07FA4B2E-902A-4B46-B455-FA227D8539BA}" dt="2020-02-13T08:48:38.422" v="2844" actId="1076"/>
+          <ac:spMkLst>
+            <pc:docMk/>
+            <pc:sldMk cId="448769969" sldId="282"/>
+            <ac:spMk id="10" creationId="{45E2ABB5-AA4B-4A0D-9553-8D9F0D57F433}"/>
+          </ac:spMkLst>
+        </pc:spChg>
+        <pc:spChg chg="del">
+          <ac:chgData name="Boon Jun" userId="b9b2384c46af58b4" providerId="LiveId" clId="{07FA4B2E-902A-4B46-B455-FA227D8539BA}" dt="2020-02-13T08:41:41.179" v="2813" actId="478"/>
+          <ac:spMkLst>
+            <pc:docMk/>
+            <pc:sldMk cId="448769969" sldId="282"/>
+            <ac:spMk id="16" creationId="{43EC70CF-418E-449B-8F23-60C0331C3AF1}"/>
+          </ac:spMkLst>
+        </pc:spChg>
+        <pc:spChg chg="del">
+          <ac:chgData name="Boon Jun" userId="b9b2384c46af58b4" providerId="LiveId" clId="{07FA4B2E-902A-4B46-B455-FA227D8539BA}" dt="2020-02-13T08:41:39.959" v="2812" actId="478"/>
+          <ac:spMkLst>
+            <pc:docMk/>
+            <pc:sldMk cId="448769969" sldId="282"/>
+            <ac:spMk id="20" creationId="{656E65F0-7028-48A5-9D66-1E5927A60C4C}"/>
+          </ac:spMkLst>
+        </pc:spChg>
+        <pc:spChg chg="del">
+          <ac:chgData name="Boon Jun" userId="b9b2384c46af58b4" providerId="LiveId" clId="{07FA4B2E-902A-4B46-B455-FA227D8539BA}" dt="2020-02-13T08:41:44.789" v="2816" actId="478"/>
+          <ac:spMkLst>
+            <pc:docMk/>
+            <pc:sldMk cId="448769969" sldId="282"/>
+            <ac:spMk id="22" creationId="{A02A4A20-F180-4BE1-966A-15E3B0B8B041}"/>
+          </ac:spMkLst>
+        </pc:spChg>
+        <pc:spChg chg="add mod">
+          <ac:chgData name="Boon Jun" userId="b9b2384c46af58b4" providerId="LiveId" clId="{07FA4B2E-902A-4B46-B455-FA227D8539BA}" dt="2020-02-13T08:49:23.816" v="2894" actId="1076"/>
+          <ac:spMkLst>
+            <pc:docMk/>
+            <pc:sldMk cId="448769969" sldId="282"/>
+            <ac:spMk id="23" creationId="{D1857ACB-06DA-42A2-B009-DA5DAF07A526}"/>
+          </ac:spMkLst>
+        </pc:spChg>
+        <pc:grpChg chg="add mod">
+          <ac:chgData name="Boon Jun" userId="b9b2384c46af58b4" providerId="LiveId" clId="{07FA4B2E-902A-4B46-B455-FA227D8539BA}" dt="2020-02-13T08:49:28.349" v="2895" actId="1076"/>
+          <ac:grpSpMkLst>
+            <pc:docMk/>
+            <pc:sldMk cId="448769969" sldId="282"/>
+            <ac:grpSpMk id="15" creationId="{3A0848DF-A269-4310-9200-B5B2A5293F80}"/>
+          </ac:grpSpMkLst>
+        </pc:grpChg>
+        <pc:picChg chg="del">
+          <ac:chgData name="Boon Jun" userId="b9b2384c46af58b4" providerId="LiveId" clId="{07FA4B2E-902A-4B46-B455-FA227D8539BA}" dt="2020-02-13T08:41:31.434" v="2806" actId="478"/>
+          <ac:picMkLst>
+            <pc:docMk/>
+            <pc:sldMk cId="448769969" sldId="282"/>
+            <ac:picMk id="4" creationId="{1A09FB53-B480-43EA-BF51-1165BDFCD5D9}"/>
+          </ac:picMkLst>
+        </pc:picChg>
+        <pc:picChg chg="add del mod ord">
+          <ac:chgData name="Boon Jun" userId="b9b2384c46af58b4" providerId="LiveId" clId="{07FA4B2E-902A-4B46-B455-FA227D8539BA}" dt="2020-02-13T08:48:41.181" v="2845" actId="164"/>
+          <ac:picMkLst>
+            <pc:docMk/>
+            <pc:sldMk cId="448769969" sldId="282"/>
+            <ac:picMk id="5" creationId="{AB3BFC04-D7A4-4DAE-8E8F-8F1A148FB9B9}"/>
+          </ac:picMkLst>
+        </pc:picChg>
+        <pc:picChg chg="del">
+          <ac:chgData name="Boon Jun" userId="b9b2384c46af58b4" providerId="LiveId" clId="{07FA4B2E-902A-4B46-B455-FA227D8539BA}" dt="2020-02-13T08:41:36.488" v="2810" actId="478"/>
+          <ac:picMkLst>
+            <pc:docMk/>
+            <pc:sldMk cId="448769969" sldId="282"/>
+            <ac:picMk id="6" creationId="{B0C6816B-0D15-4574-A76A-778D709CA8D1}"/>
+          </ac:picMkLst>
+        </pc:picChg>
+        <pc:picChg chg="add mod ord">
+          <ac:chgData name="Boon Jun" userId="b9b2384c46af58b4" providerId="LiveId" clId="{07FA4B2E-902A-4B46-B455-FA227D8539BA}" dt="2020-02-13T08:48:41.181" v="2845" actId="164"/>
+          <ac:picMkLst>
+            <pc:docMk/>
+            <pc:sldMk cId="448769969" sldId="282"/>
+            <ac:picMk id="14" creationId="{614EB4F5-08D9-4A33-8DFB-3D937284102D}"/>
+          </ac:picMkLst>
+        </pc:picChg>
+        <pc:picChg chg="add mod">
+          <ac:chgData name="Boon Jun" userId="b9b2384c46af58b4" providerId="LiveId" clId="{07FA4B2E-902A-4B46-B455-FA227D8539BA}" dt="2020-02-13T14:53:31.095" v="3805" actId="207"/>
+          <ac:picMkLst>
+            <pc:docMk/>
+            <pc:sldMk cId="448769969" sldId="282"/>
+            <ac:picMk id="16" creationId="{5B85F150-14F3-4D89-A22C-8243856372AD}"/>
+          </ac:picMkLst>
+        </pc:picChg>
+        <pc:picChg chg="del">
+          <ac:chgData name="Boon Jun" userId="b9b2384c46af58b4" providerId="LiveId" clId="{07FA4B2E-902A-4B46-B455-FA227D8539BA}" dt="2020-02-13T14:53:19.300" v="3801" actId="478"/>
+          <ac:picMkLst>
+            <pc:docMk/>
+            <pc:sldMk cId="448769969" sldId="282"/>
+            <ac:picMk id="19" creationId="{2C9D18F4-DF60-4C50-9850-912CD1CB918E}"/>
+          </ac:picMkLst>
+        </pc:picChg>
+        <pc:picChg chg="del">
+          <ac:chgData name="Boon Jun" userId="b9b2384c46af58b4" providerId="LiveId" clId="{07FA4B2E-902A-4B46-B455-FA227D8539BA}" dt="2020-02-13T14:53:21.223" v="3803" actId="478"/>
+          <ac:picMkLst>
+            <pc:docMk/>
+            <pc:sldMk cId="448769969" sldId="282"/>
+            <ac:picMk id="21" creationId="{1EAAFDD7-270D-40BB-B235-F2B7DF98EC72}"/>
+          </ac:picMkLst>
+        </pc:picChg>
+        <pc:picChg chg="add mod">
+          <ac:chgData name="Boon Jun" userId="b9b2384c46af58b4" providerId="LiveId" clId="{07FA4B2E-902A-4B46-B455-FA227D8539BA}" dt="2020-02-13T08:48:41.181" v="2845" actId="164"/>
+          <ac:picMkLst>
+            <pc:docMk/>
+            <pc:sldMk cId="448769969" sldId="282"/>
+            <ac:picMk id="1026" creationId="{BAF15449-2383-4B4B-998D-F4E4ED2DC167}"/>
+          </ac:picMkLst>
+        </pc:picChg>
+      </pc:sldChg>
+      <pc:sldChg chg="addSp delSp modSp add">
+        <pc:chgData name="Boon Jun" userId="b9b2384c46af58b4" providerId="LiveId" clId="{07FA4B2E-902A-4B46-B455-FA227D8539BA}" dt="2020-02-13T14:52:33.421" v="3781" actId="478"/>
+        <pc:sldMkLst>
+          <pc:docMk/>
+          <pc:sldMk cId="2457063894" sldId="283"/>
+        </pc:sldMkLst>
+        <pc:grpChg chg="del">
+          <ac:chgData name="Boon Jun" userId="b9b2384c46af58b4" providerId="LiveId" clId="{07FA4B2E-902A-4B46-B455-FA227D8539BA}" dt="2020-02-13T13:51:47.452" v="2909" actId="478"/>
+          <ac:grpSpMkLst>
+            <pc:docMk/>
+            <pc:sldMk cId="2457063894" sldId="283"/>
+            <ac:grpSpMk id="16" creationId="{42FCBA91-79B9-432A-AFB5-D14194C68518}"/>
+          </ac:grpSpMkLst>
+        </pc:grpChg>
+        <pc:picChg chg="add mod">
+          <ac:chgData name="Boon Jun" userId="b9b2384c46af58b4" providerId="LiveId" clId="{07FA4B2E-902A-4B46-B455-FA227D8539BA}" dt="2020-02-13T14:11:20.914" v="3369" actId="1076"/>
+          <ac:picMkLst>
+            <pc:docMk/>
+            <pc:sldMk cId="2457063894" sldId="283"/>
+            <ac:picMk id="4" creationId="{33DAC2CD-A671-49C0-926B-031B9EE53E31}"/>
+          </ac:picMkLst>
+        </pc:picChg>
+        <pc:picChg chg="add">
+          <ac:chgData name="Boon Jun" userId="b9b2384c46af58b4" providerId="LiveId" clId="{07FA4B2E-902A-4B46-B455-FA227D8539BA}" dt="2020-02-13T14:52:32.101" v="3780"/>
+          <ac:picMkLst>
+            <pc:docMk/>
+            <pc:sldMk cId="2457063894" sldId="283"/>
+            <ac:picMk id="18" creationId="{1941B363-3234-4188-AAB7-5166EC0772CB}"/>
+          </ac:picMkLst>
+        </pc:picChg>
+        <pc:picChg chg="del">
+          <ac:chgData name="Boon Jun" userId="b9b2384c46af58b4" providerId="LiveId" clId="{07FA4B2E-902A-4B46-B455-FA227D8539BA}" dt="2020-02-13T14:52:31.841" v="3779" actId="478"/>
+          <ac:picMkLst>
+            <pc:docMk/>
+            <pc:sldMk cId="2457063894" sldId="283"/>
+            <ac:picMk id="19" creationId="{2C9D18F4-DF60-4C50-9850-912CD1CB918E}"/>
+          </ac:picMkLst>
+        </pc:picChg>
+        <pc:picChg chg="del">
+          <ac:chgData name="Boon Jun" userId="b9b2384c46af58b4" providerId="LiveId" clId="{07FA4B2E-902A-4B46-B455-FA227D8539BA}" dt="2020-02-13T14:52:33.421" v="3781" actId="478"/>
+          <ac:picMkLst>
+            <pc:docMk/>
+            <pc:sldMk cId="2457063894" sldId="283"/>
+            <ac:picMk id="21" creationId="{1EAAFDD7-270D-40BB-B235-F2B7DF98EC72}"/>
+          </ac:picMkLst>
+        </pc:picChg>
+        <pc:picChg chg="del">
+          <ac:chgData name="Boon Jun" userId="b9b2384c46af58b4" providerId="LiveId" clId="{07FA4B2E-902A-4B46-B455-FA227D8539BA}" dt="2020-02-13T13:51:43.922" v="2908" actId="478"/>
+          <ac:picMkLst>
+            <pc:docMk/>
+            <pc:sldMk cId="2457063894" sldId="283"/>
+            <ac:picMk id="2050" creationId="{EDAA3C66-9856-43C0-9E71-DF9C9727AB29}"/>
+          </ac:picMkLst>
+        </pc:picChg>
+      </pc:sldChg>
+      <pc:sldChg chg="addSp delSp modSp add">
+        <pc:chgData name="Boon Jun" userId="b9b2384c46af58b4" providerId="LiveId" clId="{07FA4B2E-902A-4B46-B455-FA227D8539BA}" dt="2020-02-13T14:53:58.485" v="3821" actId="478"/>
+        <pc:sldMkLst>
+          <pc:docMk/>
+          <pc:sldMk cId="3063102901" sldId="284"/>
+        </pc:sldMkLst>
+        <pc:spChg chg="mod">
+          <ac:chgData name="Boon Jun" userId="b9b2384c46af58b4" providerId="LiveId" clId="{07FA4B2E-902A-4B46-B455-FA227D8539BA}" dt="2020-02-13T13:56:29.574" v="2972" actId="20577"/>
+          <ac:spMkLst>
+            <pc:docMk/>
+            <pc:sldMk cId="3063102901" sldId="284"/>
+            <ac:spMk id="10" creationId="{45E2ABB5-AA4B-4A0D-9553-8D9F0D57F433}"/>
+          </ac:spMkLst>
+        </pc:spChg>
+        <pc:spChg chg="add mod">
+          <ac:chgData name="Boon Jun" userId="b9b2384c46af58b4" providerId="LiveId" clId="{07FA4B2E-902A-4B46-B455-FA227D8539BA}" dt="2020-02-13T14:02:08.197" v="3226" actId="2711"/>
+          <ac:spMkLst>
+            <pc:docMk/>
+            <pc:sldMk cId="3063102901" sldId="284"/>
+            <ac:spMk id="14" creationId="{791D7063-6504-44BC-ABF6-C0FCAFAF8160}"/>
+          </ac:spMkLst>
+        </pc:spChg>
+        <pc:spChg chg="add del mod">
+          <ac:chgData name="Boon Jun" userId="b9b2384c46af58b4" providerId="LiveId" clId="{07FA4B2E-902A-4B46-B455-FA227D8539BA}" dt="2020-02-13T14:00:48.458" v="3225" actId="1076"/>
+          <ac:spMkLst>
+            <pc:docMk/>
+            <pc:sldMk cId="3063102901" sldId="284"/>
+            <ac:spMk id="15" creationId="{D986C221-6C06-496E-A9B5-A3B055059838}"/>
+          </ac:spMkLst>
+        </pc:spChg>
+        <pc:spChg chg="add mod">
+          <ac:chgData name="Boon Jun" userId="b9b2384c46af58b4" providerId="LiveId" clId="{07FA4B2E-902A-4B46-B455-FA227D8539BA}" dt="2020-02-13T14:00:48.458" v="3225" actId="1076"/>
+          <ac:spMkLst>
+            <pc:docMk/>
+            <pc:sldMk cId="3063102901" sldId="284"/>
+            <ac:spMk id="16" creationId="{00958EA9-2343-42C8-8BDA-89DFF475B52D}"/>
+          </ac:spMkLst>
+        </pc:spChg>
+        <pc:spChg chg="add mod">
+          <ac:chgData name="Boon Jun" userId="b9b2384c46af58b4" providerId="LiveId" clId="{07FA4B2E-902A-4B46-B455-FA227D8539BA}" dt="2020-02-13T14:00:48.458" v="3225" actId="1076"/>
+          <ac:spMkLst>
+            <pc:docMk/>
+            <pc:sldMk cId="3063102901" sldId="284"/>
+            <ac:spMk id="18" creationId="{376BAC12-FE09-4CB4-B6B0-94EE46E72BF4}"/>
+          </ac:spMkLst>
+        </pc:spChg>
+        <pc:spChg chg="del">
+          <ac:chgData name="Boon Jun" userId="b9b2384c46af58b4" providerId="LiveId" clId="{07FA4B2E-902A-4B46-B455-FA227D8539BA}" dt="2020-02-13T13:56:37.828" v="2975" actId="478"/>
+          <ac:spMkLst>
+            <pc:docMk/>
+            <pc:sldMk cId="3063102901" sldId="284"/>
+            <ac:spMk id="20" creationId="{B2FAB1E0-6DF9-48A8-BF90-EFC2AD90DB28}"/>
+          </ac:spMkLst>
+        </pc:spChg>
+        <pc:graphicFrameChg chg="del">
+          <ac:chgData name="Boon Jun" userId="b9b2384c46af58b4" providerId="LiveId" clId="{07FA4B2E-902A-4B46-B455-FA227D8539BA}" dt="2020-02-13T13:56:37.828" v="2975" actId="478"/>
+          <ac:graphicFrameMkLst>
+            <pc:docMk/>
+            <pc:sldMk cId="3063102901" sldId="284"/>
+            <ac:graphicFrameMk id="5" creationId="{1219424E-77CF-47E6-AAE0-BC062A0DC967}"/>
+          </ac:graphicFrameMkLst>
+        </pc:graphicFrameChg>
+        <pc:picChg chg="del">
+          <ac:chgData name="Boon Jun" userId="b9b2384c46af58b4" providerId="LiveId" clId="{07FA4B2E-902A-4B46-B455-FA227D8539BA}" dt="2020-02-13T14:53:56.642" v="3819" actId="478"/>
+          <ac:picMkLst>
+            <pc:docMk/>
+            <pc:sldMk cId="3063102901" sldId="284"/>
+            <ac:picMk id="19" creationId="{2C9D18F4-DF60-4C50-9850-912CD1CB918E}"/>
+          </ac:picMkLst>
+        </pc:picChg>
+        <pc:picChg chg="del">
+          <ac:chgData name="Boon Jun" userId="b9b2384c46af58b4" providerId="LiveId" clId="{07FA4B2E-902A-4B46-B455-FA227D8539BA}" dt="2020-02-13T14:53:58.485" v="3821" actId="478"/>
+          <ac:picMkLst>
+            <pc:docMk/>
+            <pc:sldMk cId="3063102901" sldId="284"/>
+            <ac:picMk id="21" creationId="{1EAAFDD7-270D-40BB-B235-F2B7DF98EC72}"/>
+          </ac:picMkLst>
+        </pc:picChg>
+        <pc:picChg chg="add">
+          <ac:chgData name="Boon Jun" userId="b9b2384c46af58b4" providerId="LiveId" clId="{07FA4B2E-902A-4B46-B455-FA227D8539BA}" dt="2020-02-13T14:53:57.220" v="3820"/>
+          <ac:picMkLst>
+            <pc:docMk/>
+            <pc:sldMk cId="3063102901" sldId="284"/>
+            <ac:picMk id="22" creationId="{1ED43997-9DC2-40AF-87B5-ABEEF7AC0CD1}"/>
+          </ac:picMkLst>
+        </pc:picChg>
+      </pc:sldChg>
+      <pc:sldChg chg="addSp delSp add ord">
+        <pc:chgData name="Boon Jun" userId="b9b2384c46af58b4" providerId="LiveId" clId="{07FA4B2E-902A-4B46-B455-FA227D8539BA}" dt="2020-02-13T14:54:21.196" v="3833" actId="478"/>
+        <pc:sldMkLst>
+          <pc:docMk/>
+          <pc:sldMk cId="1029338606" sldId="285"/>
+        </pc:sldMkLst>
+        <pc:picChg chg="add">
+          <ac:chgData name="Boon Jun" userId="b9b2384c46af58b4" providerId="LiveId" clId="{07FA4B2E-902A-4B46-B455-FA227D8539BA}" dt="2020-02-13T14:54:19.896" v="3832"/>
+          <ac:picMkLst>
+            <pc:docMk/>
+            <pc:sldMk cId="1029338606" sldId="285"/>
+            <ac:picMk id="14" creationId="{6299479E-D349-42F1-868F-8A806D9DB685}"/>
+          </ac:picMkLst>
+        </pc:picChg>
+        <pc:picChg chg="del">
+          <ac:chgData name="Boon Jun" userId="b9b2384c46af58b4" providerId="LiveId" clId="{07FA4B2E-902A-4B46-B455-FA227D8539BA}" dt="2020-02-13T14:54:19.403" v="3831" actId="478"/>
+          <ac:picMkLst>
+            <pc:docMk/>
+            <pc:sldMk cId="1029338606" sldId="285"/>
+            <ac:picMk id="19" creationId="{2C9D18F4-DF60-4C50-9850-912CD1CB918E}"/>
+          </ac:picMkLst>
+        </pc:picChg>
+        <pc:picChg chg="del">
+          <ac:chgData name="Boon Jun" userId="b9b2384c46af58b4" providerId="LiveId" clId="{07FA4B2E-902A-4B46-B455-FA227D8539BA}" dt="2020-02-13T14:54:21.196" v="3833" actId="478"/>
+          <ac:picMkLst>
+            <pc:docMk/>
+            <pc:sldMk cId="1029338606" sldId="285"/>
+            <ac:picMk id="21" creationId="{1EAAFDD7-270D-40BB-B235-F2B7DF98EC72}"/>
+          </ac:picMkLst>
+        </pc:picChg>
+      </pc:sldChg>
+      <pc:sldChg chg="addSp delSp modSp add">
+        <pc:chgData name="Boon Jun" userId="b9b2384c46af58b4" providerId="LiveId" clId="{07FA4B2E-902A-4B46-B455-FA227D8539BA}" dt="2020-02-13T15:21:24.074" v="4222" actId="1035"/>
+        <pc:sldMkLst>
+          <pc:docMk/>
+          <pc:sldMk cId="121191856" sldId="286"/>
+        </pc:sldMkLst>
+        <pc:spChg chg="mod">
+          <ac:chgData name="Boon Jun" userId="b9b2384c46af58b4" providerId="LiveId" clId="{07FA4B2E-902A-4B46-B455-FA227D8539BA}" dt="2020-02-13T15:06:04.078" v="3843" actId="20577"/>
+          <ac:spMkLst>
+            <pc:docMk/>
+            <pc:sldMk cId="121191856" sldId="286"/>
+            <ac:spMk id="2" creationId="{FF21E304-E4E0-438B-AB07-1B8DC03AFC6F}"/>
+          </ac:spMkLst>
+        </pc:spChg>
+        <pc:spChg chg="del">
+          <ac:chgData name="Boon Jun" userId="b9b2384c46af58b4" providerId="LiveId" clId="{07FA4B2E-902A-4B46-B455-FA227D8539BA}" dt="2020-02-13T15:06:16.481" v="3845" actId="478"/>
+          <ac:spMkLst>
+            <pc:docMk/>
+            <pc:sldMk cId="121191856" sldId="286"/>
+            <ac:spMk id="10" creationId="{45E2ABB5-AA4B-4A0D-9553-8D9F0D57F433}"/>
+          </ac:spMkLst>
+        </pc:spChg>
+        <pc:spChg chg="del">
+          <ac:chgData name="Boon Jun" userId="b9b2384c46af58b4" providerId="LiveId" clId="{07FA4B2E-902A-4B46-B455-FA227D8539BA}" dt="2020-02-13T15:06:00.646" v="3836" actId="478"/>
+          <ac:spMkLst>
+            <pc:docMk/>
+            <pc:sldMk cId="121191856" sldId="286"/>
+            <ac:spMk id="12" creationId="{A57D88D3-310F-49F1-9E41-B24B393DB265}"/>
+          </ac:spMkLst>
+        </pc:spChg>
+        <pc:spChg chg="add mod">
+          <ac:chgData name="Boon Jun" userId="b9b2384c46af58b4" providerId="LiveId" clId="{07FA4B2E-902A-4B46-B455-FA227D8539BA}" dt="2020-02-13T15:21:00.427" v="4135" actId="164"/>
+          <ac:spMkLst>
+            <pc:docMk/>
+            <pc:sldMk cId="121191856" sldId="286"/>
+            <ac:spMk id="15" creationId="{62E3146B-EFCC-4AD4-9349-4B9B8494A7D7}"/>
+          </ac:spMkLst>
+        </pc:spChg>
+        <pc:spChg chg="add mod">
+          <ac:chgData name="Boon Jun" userId="b9b2384c46af58b4" providerId="LiveId" clId="{07FA4B2E-902A-4B46-B455-FA227D8539BA}" dt="2020-02-13T15:21:03.436" v="4136" actId="164"/>
+          <ac:spMkLst>
+            <pc:docMk/>
+            <pc:sldMk cId="121191856" sldId="286"/>
+            <ac:spMk id="18" creationId="{A8A804C9-385C-4793-8993-F9BBBE363F55}"/>
+          </ac:spMkLst>
+        </pc:spChg>
+        <pc:spChg chg="add mod">
+          <ac:chgData name="Boon Jun" userId="b9b2384c46af58b4" providerId="LiveId" clId="{07FA4B2E-902A-4B46-B455-FA227D8539BA}" dt="2020-02-13T15:21:05.293" v="4137" actId="164"/>
+          <ac:spMkLst>
+            <pc:docMk/>
+            <pc:sldMk cId="121191856" sldId="286"/>
+            <ac:spMk id="22" creationId="{9407FE9A-CB6A-4BB5-98A9-0A7530DAB2B7}"/>
+          </ac:spMkLst>
+        </pc:spChg>
+        <pc:grpChg chg="add mod">
+          <ac:chgData name="Boon Jun" userId="b9b2384c46af58b4" providerId="LiveId" clId="{07FA4B2E-902A-4B46-B455-FA227D8539BA}" dt="2020-02-13T15:21:24.074" v="4222" actId="1035"/>
+          <ac:grpSpMkLst>
+            <pc:docMk/>
+            <pc:sldMk cId="121191856" sldId="286"/>
+            <ac:grpSpMk id="21" creationId="{9BB594AB-AF97-4B45-866B-E85B013877C8}"/>
+          </ac:grpSpMkLst>
+        </pc:grpChg>
+        <pc:grpChg chg="add mod">
+          <ac:chgData name="Boon Jun" userId="b9b2384c46af58b4" providerId="LiveId" clId="{07FA4B2E-902A-4B46-B455-FA227D8539BA}" dt="2020-02-13T15:21:24.074" v="4222" actId="1035"/>
+          <ac:grpSpMkLst>
+            <pc:docMk/>
+            <pc:sldMk cId="121191856" sldId="286"/>
+            <ac:grpSpMk id="23" creationId="{B12609BB-8476-4B28-9114-7B4259486364}"/>
+          </ac:grpSpMkLst>
+        </pc:grpChg>
+        <pc:grpChg chg="add mod">
+          <ac:chgData name="Boon Jun" userId="b9b2384c46af58b4" providerId="LiveId" clId="{07FA4B2E-902A-4B46-B455-FA227D8539BA}" dt="2020-02-13T15:21:24.074" v="4222" actId="1035"/>
+          <ac:grpSpMkLst>
+            <pc:docMk/>
+            <pc:sldMk cId="121191856" sldId="286"/>
+            <ac:grpSpMk id="25" creationId="{EA049BB6-60A9-47A8-9E46-3677317C6F8A}"/>
+          </ac:grpSpMkLst>
+        </pc:grpChg>
+        <pc:graphicFrameChg chg="del">
+          <ac:chgData name="Boon Jun" userId="b9b2384c46af58b4" providerId="LiveId" clId="{07FA4B2E-902A-4B46-B455-FA227D8539BA}" dt="2020-02-13T15:06:00.646" v="3836" actId="478"/>
+          <ac:graphicFrameMkLst>
+            <pc:docMk/>
+            <pc:sldMk cId="121191856" sldId="286"/>
+            <ac:graphicFrameMk id="24" creationId="{8D2CBF1B-7348-4101-8C58-4653FB35D38A}"/>
+          </ac:graphicFrameMkLst>
+        </pc:graphicFrameChg>
+        <pc:picChg chg="add mod">
+          <ac:chgData name="Boon Jun" userId="b9b2384c46af58b4" providerId="LiveId" clId="{07FA4B2E-902A-4B46-B455-FA227D8539BA}" dt="2020-02-13T15:21:00.427" v="4135" actId="164"/>
+          <ac:picMkLst>
+            <pc:docMk/>
+            <pc:sldMk cId="121191856" sldId="286"/>
+            <ac:picMk id="4" creationId="{AFE09240-54CE-4BCB-81B5-43C2E84F514E}"/>
+          </ac:picMkLst>
+        </pc:picChg>
+        <pc:picChg chg="add mod">
+          <ac:chgData name="Boon Jun" userId="b9b2384c46af58b4" providerId="LiveId" clId="{07FA4B2E-902A-4B46-B455-FA227D8539BA}" dt="2020-02-13T15:21:03.436" v="4136" actId="164"/>
+          <ac:picMkLst>
+            <pc:docMk/>
+            <pc:sldMk cId="121191856" sldId="286"/>
+            <ac:picMk id="6" creationId="{320BC816-E47B-4120-BD37-FE16566C38DA}"/>
+          </ac:picMkLst>
+        </pc:picChg>
+        <pc:picChg chg="del">
+          <ac:chgData name="Boon Jun" userId="b9b2384c46af58b4" providerId="LiveId" clId="{07FA4B2E-902A-4B46-B455-FA227D8539BA}" dt="2020-02-13T15:06:07.442" v="3844" actId="478"/>
+          <ac:picMkLst>
+            <pc:docMk/>
+            <pc:sldMk cId="121191856" sldId="286"/>
+            <ac:picMk id="7" creationId="{0F454814-B50C-4698-B6C0-6DE90A930257}"/>
+          </ac:picMkLst>
+        </pc:picChg>
+        <pc:picChg chg="del">
+          <ac:chgData name="Boon Jun" userId="b9b2384c46af58b4" providerId="LiveId" clId="{07FA4B2E-902A-4B46-B455-FA227D8539BA}" dt="2020-02-13T15:06:07.442" v="3844" actId="478"/>
+          <ac:picMkLst>
+            <pc:docMk/>
+            <pc:sldMk cId="121191856" sldId="286"/>
+            <ac:picMk id="9" creationId="{4484A587-4DE2-4E0E-BD31-1E5371FF1617}"/>
+          </ac:picMkLst>
+        </pc:picChg>
+        <pc:picChg chg="del">
+          <ac:chgData name="Boon Jun" userId="b9b2384c46af58b4" providerId="LiveId" clId="{07FA4B2E-902A-4B46-B455-FA227D8539BA}" dt="2020-02-13T15:06:07.442" v="3844" actId="478"/>
+          <ac:picMkLst>
+            <pc:docMk/>
+            <pc:sldMk cId="121191856" sldId="286"/>
+            <ac:picMk id="11" creationId="{787A3D66-E702-4786-9334-AA8574247486}"/>
+          </ac:picMkLst>
+        </pc:picChg>
+        <pc:picChg chg="del">
+          <ac:chgData name="Boon Jun" userId="b9b2384c46af58b4" providerId="LiveId" clId="{07FA4B2E-902A-4B46-B455-FA227D8539BA}" dt="2020-02-13T15:06:07.442" v="3844" actId="478"/>
+          <ac:picMkLst>
+            <pc:docMk/>
+            <pc:sldMk cId="121191856" sldId="286"/>
+            <ac:picMk id="13" creationId="{10818EE9-430A-4CC4-BD02-5BDDEF750326}"/>
+          </ac:picMkLst>
+        </pc:picChg>
+        <pc:picChg chg="del">
+          <ac:chgData name="Boon Jun" userId="b9b2384c46af58b4" providerId="LiveId" clId="{07FA4B2E-902A-4B46-B455-FA227D8539BA}" dt="2020-02-13T15:06:07.442" v="3844" actId="478"/>
+          <ac:picMkLst>
+            <pc:docMk/>
+            <pc:sldMk cId="121191856" sldId="286"/>
+            <ac:picMk id="14" creationId="{6299479E-D349-42F1-868F-8A806D9DB685}"/>
+          </ac:picMkLst>
+        </pc:picChg>
+        <pc:picChg chg="add del mod">
+          <ac:chgData name="Boon Jun" userId="b9b2384c46af58b4" providerId="LiveId" clId="{07FA4B2E-902A-4B46-B455-FA227D8539BA}" dt="2020-02-13T15:18:27.702" v="3984" actId="478"/>
+          <ac:picMkLst>
+            <pc:docMk/>
+            <pc:sldMk cId="121191856" sldId="286"/>
+            <ac:picMk id="16" creationId="{3F8519C8-0C9B-4C00-9D66-AA17CC8520F4}"/>
+          </ac:picMkLst>
+        </pc:picChg>
+        <pc:picChg chg="del">
+          <ac:chgData name="Boon Jun" userId="b9b2384c46af58b4" providerId="LiveId" clId="{07FA4B2E-902A-4B46-B455-FA227D8539BA}" dt="2020-02-13T15:06:07.442" v="3844" actId="478"/>
+          <ac:picMkLst>
+            <pc:docMk/>
+            <pc:sldMk cId="121191856" sldId="286"/>
+            <ac:picMk id="17" creationId="{2AB76BBD-A7C0-47CD-8857-DAAB96FDAC61}"/>
+          </ac:picMkLst>
+        </pc:picChg>
+        <pc:picChg chg="add mod">
+          <ac:chgData name="Boon Jun" userId="b9b2384c46af58b4" providerId="LiveId" clId="{07FA4B2E-902A-4B46-B455-FA227D8539BA}" dt="2020-02-13T15:21:05.293" v="4137" actId="164"/>
+          <ac:picMkLst>
+            <pc:docMk/>
+            <pc:sldMk cId="121191856" sldId="286"/>
+            <ac:picMk id="20" creationId="{A4E3651D-B90B-40AE-B9D6-37FB0D8231AE}"/>
+          </ac:picMkLst>
+        </pc:picChg>
+      </pc:sldChg>
+      <pc:sldChg chg="addSp delSp modSp add">
+        <pc:chgData name="Boon Jun" userId="b9b2384c46af58b4" providerId="LiveId" clId="{07FA4B2E-902A-4B46-B455-FA227D8539BA}" dt="2020-02-13T15:31:03.344" v="4444" actId="20577"/>
+        <pc:sldMkLst>
+          <pc:docMk/>
+          <pc:sldMk cId="1410071435" sldId="287"/>
+        </pc:sldMkLst>
+        <pc:graphicFrameChg chg="modGraphic">
+          <ac:chgData name="Boon Jun" userId="b9b2384c46af58b4" providerId="LiveId" clId="{07FA4B2E-902A-4B46-B455-FA227D8539BA}" dt="2020-02-13T15:31:03.344" v="4444" actId="20577"/>
+          <ac:graphicFrameMkLst>
+            <pc:docMk/>
+            <pc:sldMk cId="1410071435" sldId="287"/>
+            <ac:graphicFrameMk id="3" creationId="{B5B65770-B6E3-400C-872F-727B877060EE}"/>
+          </ac:graphicFrameMkLst>
+        </pc:graphicFrameChg>
+        <pc:picChg chg="del">
+          <ac:chgData name="Boon Jun" userId="b9b2384c46af58b4" providerId="LiveId" clId="{07FA4B2E-902A-4B46-B455-FA227D8539BA}" dt="2020-02-13T15:30:24.763" v="4401" actId="478"/>
+          <ac:picMkLst>
+            <pc:docMk/>
+            <pc:sldMk cId="1410071435" sldId="287"/>
+            <ac:picMk id="15" creationId="{C7A484BE-4A97-49CD-B03B-9CF61532E229}"/>
+          </ac:picMkLst>
+        </pc:picChg>
+        <pc:picChg chg="add mod ord">
+          <ac:chgData name="Boon Jun" userId="b9b2384c46af58b4" providerId="LiveId" clId="{07FA4B2E-902A-4B46-B455-FA227D8539BA}" dt="2020-02-13T15:30:23.676" v="4400" actId="167"/>
+          <ac:picMkLst>
+            <pc:docMk/>
+            <pc:sldMk cId="1410071435" sldId="287"/>
+            <ac:picMk id="16" creationId="{D88545E4-F933-43BE-91F6-7F0583A61B7F}"/>
+          </ac:picMkLst>
+        </pc:picChg>
+      </pc:sldChg>
+      <pc:sldChg chg="addSp delSp modSp add">
+        <pc:chgData name="Boon Jun" userId="b9b2384c46af58b4" providerId="LiveId" clId="{07FA4B2E-902A-4B46-B455-FA227D8539BA}" dt="2020-02-13T15:31:57.512" v="4454" actId="1076"/>
+        <pc:sldMkLst>
+          <pc:docMk/>
+          <pc:sldMk cId="958400579" sldId="288"/>
+        </pc:sldMkLst>
+        <pc:graphicFrameChg chg="del">
+          <ac:chgData name="Boon Jun" userId="b9b2384c46af58b4" providerId="LiveId" clId="{07FA4B2E-902A-4B46-B455-FA227D8539BA}" dt="2020-02-13T15:31:14.873" v="4446" actId="478"/>
+          <ac:graphicFrameMkLst>
+            <pc:docMk/>
+            <pc:sldMk cId="958400579" sldId="288"/>
+            <ac:graphicFrameMk id="3" creationId="{B5B65770-B6E3-400C-872F-727B877060EE}"/>
+          </ac:graphicFrameMkLst>
+        </pc:graphicFrameChg>
+        <pc:picChg chg="add mod">
+          <ac:chgData name="Boon Jun" userId="b9b2384c46af58b4" providerId="LiveId" clId="{07FA4B2E-902A-4B46-B455-FA227D8539BA}" dt="2020-02-13T15:31:26.044" v="4450" actId="1076"/>
+          <ac:picMkLst>
+            <pc:docMk/>
+            <pc:sldMk cId="958400579" sldId="288"/>
+            <ac:picMk id="15" creationId="{1C5E297C-E221-40BF-91B5-E558927FF0C5}"/>
+          </ac:picMkLst>
+        </pc:picChg>
+        <pc:picChg chg="del">
+          <ac:chgData name="Boon Jun" userId="b9b2384c46af58b4" providerId="LiveId" clId="{07FA4B2E-902A-4B46-B455-FA227D8539BA}" dt="2020-02-13T15:31:14.873" v="4446" actId="478"/>
+          <ac:picMkLst>
+            <pc:docMk/>
+            <pc:sldMk cId="958400579" sldId="288"/>
+            <ac:picMk id="16" creationId="{D88545E4-F933-43BE-91F6-7F0583A61B7F}"/>
+          </ac:picMkLst>
+        </pc:picChg>
+        <pc:picChg chg="add mod">
+          <ac:chgData name="Boon Jun" userId="b9b2384c46af58b4" providerId="LiveId" clId="{07FA4B2E-902A-4B46-B455-FA227D8539BA}" dt="2020-02-13T15:31:57.512" v="4454" actId="1076"/>
+          <ac:picMkLst>
+            <pc:docMk/>
+            <pc:sldMk cId="958400579" sldId="288"/>
+            <ac:picMk id="18" creationId="{CF102800-9C9E-4F68-AD4E-857AC68FB8CD}"/>
+          </ac:picMkLst>
+        </pc:picChg>
+      </pc:sldChg>
+      <pc:sldChg chg="addSp modSp add">
+        <pc:chgData name="Boon Jun" userId="b9b2384c46af58b4" providerId="LiveId" clId="{07FA4B2E-902A-4B46-B455-FA227D8539BA}" dt="2020-02-13T15:35:02.444" v="4547" actId="20577"/>
+        <pc:sldMkLst>
+          <pc:docMk/>
+          <pc:sldMk cId="710032340" sldId="289"/>
+        </pc:sldMkLst>
+        <pc:spChg chg="mod">
+          <ac:chgData name="Boon Jun" userId="b9b2384c46af58b4" providerId="LiveId" clId="{07FA4B2E-902A-4B46-B455-FA227D8539BA}" dt="2020-02-13T15:34:25.936" v="4526" actId="1076"/>
+          <ac:spMkLst>
+            <pc:docMk/>
+            <pc:sldMk cId="710032340" sldId="289"/>
+            <ac:spMk id="18" creationId="{246CA023-9845-437A-B011-CE82C4B1DF36}"/>
+          </ac:spMkLst>
+        </pc:spChg>
+        <pc:spChg chg="add mod">
+          <ac:chgData name="Boon Jun" userId="b9b2384c46af58b4" providerId="LiveId" clId="{07FA4B2E-902A-4B46-B455-FA227D8539BA}" dt="2020-02-13T15:35:02.444" v="4547" actId="20577"/>
+          <ac:spMkLst>
+            <pc:docMk/>
+            <pc:sldMk cId="710032340" sldId="289"/>
+            <ac:spMk id="22" creationId="{0F2A1647-8C07-4CE6-9EB4-07FCBC9C257B}"/>
+          </ac:spMkLst>
+        </pc:spChg>
+      </pc:sldChg>
+    </pc:docChg>
+  </pc:docChgLst>
+  <pc:docChgLst>
     <pc:chgData name="Boon Jun" userId="b9b2384c46af58b4" providerId="LiveId" clId="{D4FFD855-904D-4A26-8473-2185EA92CFC7}"/>
-    <pc:docChg chg="custSel addSld modSld sldOrd">
-      <pc:chgData name="Boon Jun" userId="b9b2384c46af58b4" providerId="LiveId" clId="{D4FFD855-904D-4A26-8473-2185EA92CFC7}" dt="2020-02-14T02:11:56.613" v="144" actId="1076"/>
+    <pc:docChg chg="custSel addSld delSld modSld sldOrd">
+      <pc:chgData name="Boon Jun" userId="b9b2384c46af58b4" providerId="LiveId" clId="{D4FFD855-904D-4A26-8473-2185EA92CFC7}" dt="2020-02-14T02:30:52.106" v="148"/>
       <pc:docMkLst>
         <pc:docMk/>
       </pc:docMkLst>
@@ -207,6 +3325,101 @@
           </ac:spMkLst>
         </pc:spChg>
       </pc:sldChg>
+      <pc:sldChg chg="addSp delSp">
+        <pc:chgData name="Boon Jun" userId="b9b2384c46af58b4" providerId="LiveId" clId="{D4FFD855-904D-4A26-8473-2185EA92CFC7}" dt="2020-02-14T02:30:52.106" v="148"/>
+        <pc:sldMkLst>
+          <pc:docMk/>
+          <pc:sldMk cId="3063102901" sldId="284"/>
+        </pc:sldMkLst>
+        <pc:spChg chg="del">
+          <ac:chgData name="Boon Jun" userId="b9b2384c46af58b4" providerId="LiveId" clId="{D4FFD855-904D-4A26-8473-2185EA92CFC7}" dt="2020-02-14T02:30:45.251" v="147" actId="478"/>
+          <ac:spMkLst>
+            <pc:docMk/>
+            <pc:sldMk cId="3063102901" sldId="284"/>
+            <ac:spMk id="14" creationId="{791D7063-6504-44BC-ABF6-C0FCAFAF8160}"/>
+          </ac:spMkLst>
+        </pc:spChg>
+        <pc:spChg chg="del">
+          <ac:chgData name="Boon Jun" userId="b9b2384c46af58b4" providerId="LiveId" clId="{D4FFD855-904D-4A26-8473-2185EA92CFC7}" dt="2020-02-14T02:30:45.251" v="147" actId="478"/>
+          <ac:spMkLst>
+            <pc:docMk/>
+            <pc:sldMk cId="3063102901" sldId="284"/>
+            <ac:spMk id="15" creationId="{D986C221-6C06-496E-A9B5-A3B055059838}"/>
+          </ac:spMkLst>
+        </pc:spChg>
+        <pc:spChg chg="del">
+          <ac:chgData name="Boon Jun" userId="b9b2384c46af58b4" providerId="LiveId" clId="{D4FFD855-904D-4A26-8473-2185EA92CFC7}" dt="2020-02-14T02:30:45.251" v="147" actId="478"/>
+          <ac:spMkLst>
+            <pc:docMk/>
+            <pc:sldMk cId="3063102901" sldId="284"/>
+            <ac:spMk id="16" creationId="{00958EA9-2343-42C8-8BDA-89DFF475B52D}"/>
+          </ac:spMkLst>
+        </pc:spChg>
+        <pc:spChg chg="del">
+          <ac:chgData name="Boon Jun" userId="b9b2384c46af58b4" providerId="LiveId" clId="{D4FFD855-904D-4A26-8473-2185EA92CFC7}" dt="2020-02-14T02:30:45.251" v="147" actId="478"/>
+          <ac:spMkLst>
+            <pc:docMk/>
+            <pc:sldMk cId="3063102901" sldId="284"/>
+            <ac:spMk id="18" creationId="{376BAC12-FE09-4CB4-B6B0-94EE46E72BF4}"/>
+          </ac:spMkLst>
+        </pc:spChg>
+        <pc:spChg chg="add">
+          <ac:chgData name="Boon Jun" userId="b9b2384c46af58b4" providerId="LiveId" clId="{D4FFD855-904D-4A26-8473-2185EA92CFC7}" dt="2020-02-14T02:30:52.106" v="148"/>
+          <ac:spMkLst>
+            <pc:docMk/>
+            <pc:sldMk cId="3063102901" sldId="284"/>
+            <ac:spMk id="19" creationId="{F743011E-2556-4A28-8809-A22977FD19FB}"/>
+          </ac:spMkLst>
+        </pc:spChg>
+        <pc:spChg chg="add">
+          <ac:chgData name="Boon Jun" userId="b9b2384c46af58b4" providerId="LiveId" clId="{D4FFD855-904D-4A26-8473-2185EA92CFC7}" dt="2020-02-14T02:30:52.106" v="148"/>
+          <ac:spMkLst>
+            <pc:docMk/>
+            <pc:sldMk cId="3063102901" sldId="284"/>
+            <ac:spMk id="20" creationId="{2067DBF6-5BD0-45E6-943E-9A7B04089933}"/>
+          </ac:spMkLst>
+        </pc:spChg>
+        <pc:spChg chg="add">
+          <ac:chgData name="Boon Jun" userId="b9b2384c46af58b4" providerId="LiveId" clId="{D4FFD855-904D-4A26-8473-2185EA92CFC7}" dt="2020-02-14T02:30:52.106" v="148"/>
+          <ac:spMkLst>
+            <pc:docMk/>
+            <pc:sldMk cId="3063102901" sldId="284"/>
+            <ac:spMk id="21" creationId="{153C7D8F-0C03-4C66-9F85-77C8D732178C}"/>
+          </ac:spMkLst>
+        </pc:spChg>
+        <pc:spChg chg="add">
+          <ac:chgData name="Boon Jun" userId="b9b2384c46af58b4" providerId="LiveId" clId="{D4FFD855-904D-4A26-8473-2185EA92CFC7}" dt="2020-02-14T02:30:52.106" v="148"/>
+          <ac:spMkLst>
+            <pc:docMk/>
+            <pc:sldMk cId="3063102901" sldId="284"/>
+            <ac:spMk id="23" creationId="{7161BF57-654A-43A0-8E62-30000369DDE8}"/>
+          </ac:spMkLst>
+        </pc:spChg>
+        <pc:picChg chg="add">
+          <ac:chgData name="Boon Jun" userId="b9b2384c46af58b4" providerId="LiveId" clId="{D4FFD855-904D-4A26-8473-2185EA92CFC7}" dt="2020-02-14T02:30:52.106" v="148"/>
+          <ac:picMkLst>
+            <pc:docMk/>
+            <pc:sldMk cId="3063102901" sldId="284"/>
+            <ac:picMk id="24" creationId="{D04923DE-DA12-40F8-8569-1E992BE802F6}"/>
+          </ac:picMkLst>
+        </pc:picChg>
+        <pc:picChg chg="add">
+          <ac:chgData name="Boon Jun" userId="b9b2384c46af58b4" providerId="LiveId" clId="{D4FFD855-904D-4A26-8473-2185EA92CFC7}" dt="2020-02-14T02:30:52.106" v="148"/>
+          <ac:picMkLst>
+            <pc:docMk/>
+            <pc:sldMk cId="3063102901" sldId="284"/>
+            <ac:picMk id="25" creationId="{DBB049A8-284C-4A1C-9A10-764CFF012409}"/>
+          </ac:picMkLst>
+        </pc:picChg>
+        <pc:picChg chg="add">
+          <ac:chgData name="Boon Jun" userId="b9b2384c46af58b4" providerId="LiveId" clId="{D4FFD855-904D-4A26-8473-2185EA92CFC7}" dt="2020-02-14T02:30:52.106" v="148"/>
+          <ac:picMkLst>
+            <pc:docMk/>
+            <pc:sldMk cId="3063102901" sldId="284"/>
+            <ac:picMk id="26" creationId="{610E376F-8225-44E5-838F-30E7ABA2D4D8}"/>
+          </ac:picMkLst>
+        </pc:picChg>
+      </pc:sldChg>
       <pc:sldChg chg="modSp">
         <pc:chgData name="Boon Jun" userId="b9b2384c46af58b4" providerId="LiveId" clId="{D4FFD855-904D-4A26-8473-2185EA92CFC7}" dt="2020-02-14T01:22:33.450" v="8" actId="1076"/>
         <pc:sldMkLst>
@@ -411,6 +3624,13 @@
             <ac:picMk id="21" creationId="{EF765D1A-FCFE-458C-A02A-19E505FCACCA}"/>
           </ac:picMkLst>
         </pc:picChg>
+      </pc:sldChg>
+      <pc:sldChg chg="add del setBg">
+        <pc:chgData name="Boon Jun" userId="b9b2384c46af58b4" providerId="LiveId" clId="{D4FFD855-904D-4A26-8473-2185EA92CFC7}" dt="2020-02-14T02:30:42.593" v="146"/>
+        <pc:sldMkLst>
+          <pc:docMk/>
+          <pc:sldMk cId="3035163587" sldId="292"/>
+        </pc:sldMkLst>
       </pc:sldChg>
     </pc:docChg>
   </pc:docChgLst>
@@ -1043,3131 +4263,13 @@
       </pc:sldChg>
     </pc:docChg>
   </pc:docChgLst>
-  <pc:docChgLst>
-    <pc:chgData name="Boon Jun" userId="b9b2384c46af58b4" providerId="LiveId" clId="{07FA4B2E-902A-4B46-B455-FA227D8539BA}"/>
-    <pc:docChg chg="undo custSel addSld delSld modSld sldOrd">
-      <pc:chgData name="Boon Jun" userId="b9b2384c46af58b4" providerId="LiveId" clId="{07FA4B2E-902A-4B46-B455-FA227D8539BA}" dt="2020-02-13T15:35:34.618" v="4562" actId="20577"/>
-      <pc:docMkLst>
-        <pc:docMk/>
-      </pc:docMkLst>
-      <pc:sldChg chg="addSp delSp modSp">
-        <pc:chgData name="Boon Jun" userId="b9b2384c46af58b4" providerId="LiveId" clId="{07FA4B2E-902A-4B46-B455-FA227D8539BA}" dt="2020-02-12T06:52:02.551" v="645" actId="478"/>
-        <pc:sldMkLst>
-          <pc:docMk/>
-          <pc:sldMk cId="2773114662" sldId="256"/>
-        </pc:sldMkLst>
-        <pc:spChg chg="add mod">
-          <ac:chgData name="Boon Jun" userId="b9b2384c46af58b4" providerId="LiveId" clId="{07FA4B2E-902A-4B46-B455-FA227D8539BA}" dt="2020-02-12T06:51:40.296" v="640" actId="207"/>
-          <ac:spMkLst>
-            <pc:docMk/>
-            <pc:sldMk cId="2773114662" sldId="256"/>
-            <ac:spMk id="4" creationId="{EAC61BCE-46A7-4383-BB8F-186DABC302F4}"/>
-          </ac:spMkLst>
-        </pc:spChg>
-        <pc:picChg chg="add del mod">
-          <ac:chgData name="Boon Jun" userId="b9b2384c46af58b4" providerId="LiveId" clId="{07FA4B2E-902A-4B46-B455-FA227D8539BA}" dt="2020-02-12T06:52:02.551" v="645" actId="478"/>
-          <ac:picMkLst>
-            <pc:docMk/>
-            <pc:sldMk cId="2773114662" sldId="256"/>
-            <ac:picMk id="3" creationId="{7D130C75-9BCA-4158-A216-043565B21FD7}"/>
-          </ac:picMkLst>
-        </pc:picChg>
-        <pc:picChg chg="mod">
-          <ac:chgData name="Boon Jun" userId="b9b2384c46af58b4" providerId="LiveId" clId="{07FA4B2E-902A-4B46-B455-FA227D8539BA}" dt="2020-02-12T06:32:19.519" v="485" actId="1076"/>
-          <ac:picMkLst>
-            <pc:docMk/>
-            <pc:sldMk cId="2773114662" sldId="256"/>
-            <ac:picMk id="8" creationId="{2A3B72F5-282A-479A-97A4-317E643BF8A7}"/>
-          </ac:picMkLst>
-        </pc:picChg>
-      </pc:sldChg>
-      <pc:sldChg chg="modSp">
-        <pc:chgData name="Boon Jun" userId="b9b2384c46af58b4" providerId="LiveId" clId="{07FA4B2E-902A-4B46-B455-FA227D8539BA}" dt="2020-02-12T08:05:55.731" v="678" actId="403"/>
-        <pc:sldMkLst>
-          <pc:docMk/>
-          <pc:sldMk cId="4197969554" sldId="257"/>
-        </pc:sldMkLst>
-        <pc:spChg chg="mod">
-          <ac:chgData name="Boon Jun" userId="b9b2384c46af58b4" providerId="LiveId" clId="{07FA4B2E-902A-4B46-B455-FA227D8539BA}" dt="2020-02-12T08:05:55.731" v="678" actId="403"/>
-          <ac:spMkLst>
-            <pc:docMk/>
-            <pc:sldMk cId="4197969554" sldId="257"/>
-            <ac:spMk id="3" creationId="{E90E465A-3033-4159-ACA1-F19A702DF04B}"/>
-          </ac:spMkLst>
-        </pc:spChg>
-      </pc:sldChg>
-      <pc:sldChg chg="addSp delSp modSp">
-        <pc:chgData name="Boon Jun" userId="b9b2384c46af58b4" providerId="LiveId" clId="{07FA4B2E-902A-4B46-B455-FA227D8539BA}" dt="2020-02-13T14:58:02.170" v="3834" actId="2711"/>
-        <pc:sldMkLst>
-          <pc:docMk/>
-          <pc:sldMk cId="1506440028" sldId="258"/>
-        </pc:sldMkLst>
-        <pc:spChg chg="del">
-          <ac:chgData name="Boon Jun" userId="b9b2384c46af58b4" providerId="LiveId" clId="{07FA4B2E-902A-4B46-B455-FA227D8539BA}" dt="2020-02-12T08:22:21.637" v="709" actId="478"/>
-          <ac:spMkLst>
-            <pc:docMk/>
-            <pc:sldMk cId="1506440028" sldId="258"/>
-            <ac:spMk id="2" creationId="{FF21E304-E4E0-438B-AB07-1B8DC03AFC6F}"/>
-          </ac:spMkLst>
-        </pc:spChg>
-        <pc:spChg chg="add del mod">
-          <ac:chgData name="Boon Jun" userId="b9b2384c46af58b4" providerId="LiveId" clId="{07FA4B2E-902A-4B46-B455-FA227D8539BA}" dt="2020-02-12T08:22:23.676" v="710" actId="478"/>
-          <ac:spMkLst>
-            <pc:docMk/>
-            <pc:sldMk cId="1506440028" sldId="258"/>
-            <ac:spMk id="4" creationId="{868DE376-B1A0-4941-BCE8-BF5976B92D74}"/>
-          </ac:spMkLst>
-        </pc:spChg>
-        <pc:spChg chg="add mod">
-          <ac:chgData name="Boon Jun" userId="b9b2384c46af58b4" providerId="LiveId" clId="{07FA4B2E-902A-4B46-B455-FA227D8539BA}" dt="2020-02-12T08:22:34.735" v="729" actId="14100"/>
-          <ac:spMkLst>
-            <pc:docMk/>
-            <pc:sldMk cId="1506440028" sldId="258"/>
-            <ac:spMk id="5" creationId="{35A6F9D8-9508-48EB-9DE4-5B2572F01F5B}"/>
-          </ac:spMkLst>
-        </pc:spChg>
-        <pc:spChg chg="add mod">
-          <ac:chgData name="Boon Jun" userId="b9b2384c46af58b4" providerId="LiveId" clId="{07FA4B2E-902A-4B46-B455-FA227D8539BA}" dt="2020-02-13T14:58:02.170" v="3834" actId="2711"/>
-          <ac:spMkLst>
-            <pc:docMk/>
-            <pc:sldMk cId="1506440028" sldId="258"/>
-            <ac:spMk id="6" creationId="{CA9F073F-09BD-4E0F-90F1-0AE8145C3969}"/>
-          </ac:spMkLst>
-        </pc:spChg>
-      </pc:sldChg>
-      <pc:sldChg chg="modSp">
-        <pc:chgData name="Boon Jun" userId="b9b2384c46af58b4" providerId="LiveId" clId="{07FA4B2E-902A-4B46-B455-FA227D8539BA}" dt="2020-02-12T06:54:33.685" v="651" actId="1076"/>
-        <pc:sldMkLst>
-          <pc:docMk/>
-          <pc:sldMk cId="3746096488" sldId="259"/>
-        </pc:sldMkLst>
-        <pc:spChg chg="mod">
-          <ac:chgData name="Boon Jun" userId="b9b2384c46af58b4" providerId="LiveId" clId="{07FA4B2E-902A-4B46-B455-FA227D8539BA}" dt="2020-02-12T06:54:27.018" v="649" actId="1076"/>
-          <ac:spMkLst>
-            <pc:docMk/>
-            <pc:sldMk cId="3746096488" sldId="259"/>
-            <ac:spMk id="31" creationId="{53A632A5-EF3B-439A-8015-8607DD845908}"/>
-          </ac:spMkLst>
-        </pc:spChg>
-        <pc:spChg chg="mod">
-          <ac:chgData name="Boon Jun" userId="b9b2384c46af58b4" providerId="LiveId" clId="{07FA4B2E-902A-4B46-B455-FA227D8539BA}" dt="2020-02-12T06:54:33.685" v="651" actId="1076"/>
-          <ac:spMkLst>
-            <pc:docMk/>
-            <pc:sldMk cId="3746096488" sldId="259"/>
-            <ac:spMk id="35" creationId="{03477E2C-AE59-40EF-BDA7-AD26F3978304}"/>
-          </ac:spMkLst>
-        </pc:spChg>
-      </pc:sldChg>
-      <pc:sldChg chg="addSp modSp">
-        <pc:chgData name="Boon Jun" userId="b9b2384c46af58b4" providerId="LiveId" clId="{07FA4B2E-902A-4B46-B455-FA227D8539BA}" dt="2020-02-13T07:19:14.922" v="2782" actId="1076"/>
-        <pc:sldMkLst>
-          <pc:docMk/>
-          <pc:sldMk cId="2862181266" sldId="260"/>
-        </pc:sldMkLst>
-        <pc:spChg chg="add mod">
-          <ac:chgData name="Boon Jun" userId="b9b2384c46af58b4" providerId="LiveId" clId="{07FA4B2E-902A-4B46-B455-FA227D8539BA}" dt="2020-02-13T07:19:09.624" v="2781" actId="164"/>
-          <ac:spMkLst>
-            <pc:docMk/>
-            <pc:sldMk cId="2862181266" sldId="260"/>
-            <ac:spMk id="14" creationId="{69CDD569-4973-475D-B1AA-31A9055E77C1}"/>
-          </ac:spMkLst>
-        </pc:spChg>
-        <pc:spChg chg="add mod">
-          <ac:chgData name="Boon Jun" userId="b9b2384c46af58b4" providerId="LiveId" clId="{07FA4B2E-902A-4B46-B455-FA227D8539BA}" dt="2020-02-13T07:19:09.624" v="2781" actId="164"/>
-          <ac:spMkLst>
-            <pc:docMk/>
-            <pc:sldMk cId="2862181266" sldId="260"/>
-            <ac:spMk id="15" creationId="{F8FE4C78-5A1A-4319-9942-AF343A5CEF7D}"/>
-          </ac:spMkLst>
-        </pc:spChg>
-        <pc:spChg chg="mod">
-          <ac:chgData name="Boon Jun" userId="b9b2384c46af58b4" providerId="LiveId" clId="{07FA4B2E-902A-4B46-B455-FA227D8539BA}" dt="2020-02-13T07:19:09.624" v="2781" actId="164"/>
-          <ac:spMkLst>
-            <pc:docMk/>
-            <pc:sldMk cId="2862181266" sldId="260"/>
-            <ac:spMk id="33" creationId="{612D2671-2D6E-41D1-A1AC-0A09CED8FE84}"/>
-          </ac:spMkLst>
-        </pc:spChg>
-        <pc:spChg chg="mod">
-          <ac:chgData name="Boon Jun" userId="b9b2384c46af58b4" providerId="LiveId" clId="{07FA4B2E-902A-4B46-B455-FA227D8539BA}" dt="2020-02-13T07:19:09.624" v="2781" actId="164"/>
-          <ac:spMkLst>
-            <pc:docMk/>
-            <pc:sldMk cId="2862181266" sldId="260"/>
-            <ac:spMk id="35" creationId="{03477E2C-AE59-40EF-BDA7-AD26F3978304}"/>
-          </ac:spMkLst>
-        </pc:spChg>
-        <pc:spChg chg="mod">
-          <ac:chgData name="Boon Jun" userId="b9b2384c46af58b4" providerId="LiveId" clId="{07FA4B2E-902A-4B46-B455-FA227D8539BA}" dt="2020-02-13T07:19:09.624" v="2781" actId="164"/>
-          <ac:spMkLst>
-            <pc:docMk/>
-            <pc:sldMk cId="2862181266" sldId="260"/>
-            <ac:spMk id="36" creationId="{1787EE2D-CD12-4F53-A8C3-97E2D24C7ABE}"/>
-          </ac:spMkLst>
-        </pc:spChg>
-        <pc:grpChg chg="mod">
-          <ac:chgData name="Boon Jun" userId="b9b2384c46af58b4" providerId="LiveId" clId="{07FA4B2E-902A-4B46-B455-FA227D8539BA}" dt="2020-02-13T07:19:06.486" v="2780" actId="1076"/>
-          <ac:grpSpMkLst>
-            <pc:docMk/>
-            <pc:sldMk cId="2862181266" sldId="260"/>
-            <ac:grpSpMk id="5" creationId="{97135F8E-F18A-4961-B46E-F7BB3A511C54}"/>
-          </ac:grpSpMkLst>
-        </pc:grpChg>
-        <pc:grpChg chg="add mod">
-          <ac:chgData name="Boon Jun" userId="b9b2384c46af58b4" providerId="LiveId" clId="{07FA4B2E-902A-4B46-B455-FA227D8539BA}" dt="2020-02-13T07:19:14.922" v="2782" actId="1076"/>
-          <ac:grpSpMkLst>
-            <pc:docMk/>
-            <pc:sldMk cId="2862181266" sldId="260"/>
-            <ac:grpSpMk id="6" creationId="{D5FF1D05-9F53-4B34-9021-5369809A9FA5}"/>
-          </ac:grpSpMkLst>
-        </pc:grpChg>
-      </pc:sldChg>
-      <pc:sldChg chg="addSp delSp modSp add">
-        <pc:chgData name="Boon Jun" userId="b9b2384c46af58b4" providerId="LiveId" clId="{07FA4B2E-902A-4B46-B455-FA227D8539BA}" dt="2020-02-13T14:51:57.166" v="3770" actId="1037"/>
-        <pc:sldMkLst>
-          <pc:docMk/>
-          <pc:sldMk cId="4288803398" sldId="261"/>
-        </pc:sldMkLst>
-        <pc:spChg chg="mod">
-          <ac:chgData name="Boon Jun" userId="b9b2384c46af58b4" providerId="LiveId" clId="{07FA4B2E-902A-4B46-B455-FA227D8539BA}" dt="2020-02-12T08:17:03.483" v="708" actId="207"/>
-          <ac:spMkLst>
-            <pc:docMk/>
-            <pc:sldMk cId="4288803398" sldId="261"/>
-            <ac:spMk id="2" creationId="{FF21E304-E4E0-438B-AB07-1B8DC03AFC6F}"/>
-          </ac:spMkLst>
-        </pc:spChg>
-        <pc:spChg chg="del">
-          <ac:chgData name="Boon Jun" userId="b9b2384c46af58b4" providerId="LiveId" clId="{07FA4B2E-902A-4B46-B455-FA227D8539BA}" dt="2020-02-12T05:22:23.787" v="101" actId="478"/>
-          <ac:spMkLst>
-            <pc:docMk/>
-            <pc:sldMk cId="4288803398" sldId="261"/>
-            <ac:spMk id="14" creationId="{69CDD569-4973-475D-B1AA-31A9055E77C1}"/>
-          </ac:spMkLst>
-        </pc:spChg>
-        <pc:spChg chg="del">
-          <ac:chgData name="Boon Jun" userId="b9b2384c46af58b4" providerId="LiveId" clId="{07FA4B2E-902A-4B46-B455-FA227D8539BA}" dt="2020-02-12T05:22:23.787" v="101" actId="478"/>
-          <ac:spMkLst>
-            <pc:docMk/>
-            <pc:sldMk cId="4288803398" sldId="261"/>
-            <ac:spMk id="15" creationId="{F8FE4C78-5A1A-4319-9942-AF343A5CEF7D}"/>
-          </ac:spMkLst>
-        </pc:spChg>
-        <pc:spChg chg="add mod">
-          <ac:chgData name="Boon Jun" userId="b9b2384c46af58b4" providerId="LiveId" clId="{07FA4B2E-902A-4B46-B455-FA227D8539BA}" dt="2020-02-12T06:13:21.329" v="145" actId="164"/>
-          <ac:spMkLst>
-            <pc:docMk/>
-            <pc:sldMk cId="4288803398" sldId="261"/>
-            <ac:spMk id="30" creationId="{43C0468B-C6F0-42E0-946C-402FBA46DBA0}"/>
-          </ac:spMkLst>
-        </pc:spChg>
-        <pc:spChg chg="del">
-          <ac:chgData name="Boon Jun" userId="b9b2384c46af58b4" providerId="LiveId" clId="{07FA4B2E-902A-4B46-B455-FA227D8539BA}" dt="2020-02-12T05:22:23.787" v="101" actId="478"/>
-          <ac:spMkLst>
-            <pc:docMk/>
-            <pc:sldMk cId="4288803398" sldId="261"/>
-            <ac:spMk id="33" creationId="{612D2671-2D6E-41D1-A1AC-0A09CED8FE84}"/>
-          </ac:spMkLst>
-        </pc:spChg>
-        <pc:spChg chg="add mod">
-          <ac:chgData name="Boon Jun" userId="b9b2384c46af58b4" providerId="LiveId" clId="{07FA4B2E-902A-4B46-B455-FA227D8539BA}" dt="2020-02-12T06:13:56.517" v="157" actId="164"/>
-          <ac:spMkLst>
-            <pc:docMk/>
-            <pc:sldMk cId="4288803398" sldId="261"/>
-            <ac:spMk id="34" creationId="{ADA85AC4-4E67-4EC9-8959-12B9FA7B0155}"/>
-          </ac:spMkLst>
-        </pc:spChg>
-        <pc:spChg chg="del">
-          <ac:chgData name="Boon Jun" userId="b9b2384c46af58b4" providerId="LiveId" clId="{07FA4B2E-902A-4B46-B455-FA227D8539BA}" dt="2020-02-12T05:22:23.787" v="101" actId="478"/>
-          <ac:spMkLst>
-            <pc:docMk/>
-            <pc:sldMk cId="4288803398" sldId="261"/>
-            <ac:spMk id="35" creationId="{03477E2C-AE59-40EF-BDA7-AD26F3978304}"/>
-          </ac:spMkLst>
-        </pc:spChg>
-        <pc:spChg chg="del">
-          <ac:chgData name="Boon Jun" userId="b9b2384c46af58b4" providerId="LiveId" clId="{07FA4B2E-902A-4B46-B455-FA227D8539BA}" dt="2020-02-12T05:22:23.787" v="101" actId="478"/>
-          <ac:spMkLst>
-            <pc:docMk/>
-            <pc:sldMk cId="4288803398" sldId="261"/>
-            <ac:spMk id="36" creationId="{1787EE2D-CD12-4F53-A8C3-97E2D24C7ABE}"/>
-          </ac:spMkLst>
-        </pc:spChg>
-        <pc:spChg chg="add mod">
-          <ac:chgData name="Boon Jun" userId="b9b2384c46af58b4" providerId="LiveId" clId="{07FA4B2E-902A-4B46-B455-FA227D8539BA}" dt="2020-02-12T06:14:24.674" v="175" actId="164"/>
-          <ac:spMkLst>
-            <pc:docMk/>
-            <pc:sldMk cId="4288803398" sldId="261"/>
-            <ac:spMk id="37" creationId="{EECDB084-43ED-4B0B-BAE1-CBD141EECD68}"/>
-          </ac:spMkLst>
-        </pc:spChg>
-        <pc:spChg chg="add mod">
-          <ac:chgData name="Boon Jun" userId="b9b2384c46af58b4" providerId="LiveId" clId="{07FA4B2E-902A-4B46-B455-FA227D8539BA}" dt="2020-02-12T06:15:51.316" v="274" actId="164"/>
-          <ac:spMkLst>
-            <pc:docMk/>
-            <pc:sldMk cId="4288803398" sldId="261"/>
-            <ac:spMk id="38" creationId="{E7A4873B-A19D-462B-8779-4F149F7C5407}"/>
-          </ac:spMkLst>
-        </pc:spChg>
-        <pc:spChg chg="add mod">
-          <ac:chgData name="Boon Jun" userId="b9b2384c46af58b4" providerId="LiveId" clId="{07FA4B2E-902A-4B46-B455-FA227D8539BA}" dt="2020-02-12T06:15:49.108" v="273" actId="164"/>
-          <ac:spMkLst>
-            <pc:docMk/>
-            <pc:sldMk cId="4288803398" sldId="261"/>
-            <ac:spMk id="39" creationId="{47238156-9AB9-42CF-9591-65B18505C1EC}"/>
-          </ac:spMkLst>
-        </pc:spChg>
-        <pc:spChg chg="add mod">
-          <ac:chgData name="Boon Jun" userId="b9b2384c46af58b4" providerId="LiveId" clId="{07FA4B2E-902A-4B46-B455-FA227D8539BA}" dt="2020-02-12T06:15:47.262" v="272" actId="164"/>
-          <ac:spMkLst>
-            <pc:docMk/>
-            <pc:sldMk cId="4288803398" sldId="261"/>
-            <ac:spMk id="40" creationId="{CF4A457C-9958-47F9-8111-D835E1A5D910}"/>
-          </ac:spMkLst>
-        </pc:spChg>
-        <pc:spChg chg="add mod">
-          <ac:chgData name="Boon Jun" userId="b9b2384c46af58b4" providerId="LiveId" clId="{07FA4B2E-902A-4B46-B455-FA227D8539BA}" dt="2020-02-12T06:15:44.581" v="269" actId="164"/>
-          <ac:spMkLst>
-            <pc:docMk/>
-            <pc:sldMk cId="4288803398" sldId="261"/>
-            <ac:spMk id="41" creationId="{1CC5D3A0-E26A-408F-A350-73FBA5EDAE35}"/>
-          </ac:spMkLst>
-        </pc:spChg>
-        <pc:grpChg chg="del">
-          <ac:chgData name="Boon Jun" userId="b9b2384c46af58b4" providerId="LiveId" clId="{07FA4B2E-902A-4B46-B455-FA227D8539BA}" dt="2020-02-12T05:22:23.787" v="101" actId="478"/>
-          <ac:grpSpMkLst>
-            <pc:docMk/>
-            <pc:sldMk cId="4288803398" sldId="261"/>
-            <ac:grpSpMk id="5" creationId="{97135F8E-F18A-4961-B46E-F7BB3A511C54}"/>
-          </ac:grpSpMkLst>
-        </pc:grpChg>
-        <pc:grpChg chg="add mod">
-          <ac:chgData name="Boon Jun" userId="b9b2384c46af58b4" providerId="LiveId" clId="{07FA4B2E-902A-4B46-B455-FA227D8539BA}" dt="2020-02-13T14:51:57.166" v="3770" actId="1037"/>
-          <ac:grpSpMkLst>
-            <pc:docMk/>
-            <pc:sldMk cId="4288803398" sldId="261"/>
-            <ac:grpSpMk id="22" creationId="{AFC4920A-713E-45DF-BF7A-92DC0AC7C8C2}"/>
-          </ac:grpSpMkLst>
-        </pc:grpChg>
-        <pc:grpChg chg="add mod">
-          <ac:chgData name="Boon Jun" userId="b9b2384c46af58b4" providerId="LiveId" clId="{07FA4B2E-902A-4B46-B455-FA227D8539BA}" dt="2020-02-13T14:51:57.166" v="3770" actId="1037"/>
-          <ac:grpSpMkLst>
-            <pc:docMk/>
-            <pc:sldMk cId="4288803398" sldId="261"/>
-            <ac:grpSpMk id="23" creationId="{2E532B55-37E7-4263-8AB0-FFF5EF10D2A7}"/>
-          </ac:grpSpMkLst>
-        </pc:grpChg>
-        <pc:grpChg chg="add mod">
-          <ac:chgData name="Boon Jun" userId="b9b2384c46af58b4" providerId="LiveId" clId="{07FA4B2E-902A-4B46-B455-FA227D8539BA}" dt="2020-02-13T14:51:57.166" v="3770" actId="1037"/>
-          <ac:grpSpMkLst>
-            <pc:docMk/>
-            <pc:sldMk cId="4288803398" sldId="261"/>
-            <ac:grpSpMk id="24" creationId="{0C8365A5-56A5-444A-8595-FABEE68A9C3A}"/>
-          </ac:grpSpMkLst>
-        </pc:grpChg>
-        <pc:grpChg chg="add mod">
-          <ac:chgData name="Boon Jun" userId="b9b2384c46af58b4" providerId="LiveId" clId="{07FA4B2E-902A-4B46-B455-FA227D8539BA}" dt="2020-02-13T14:51:57.166" v="3770" actId="1037"/>
-          <ac:grpSpMkLst>
-            <pc:docMk/>
-            <pc:sldMk cId="4288803398" sldId="261"/>
-            <ac:grpSpMk id="26" creationId="{2388A6FD-AD0D-4350-A86E-0B374796F9CF}"/>
-          </ac:grpSpMkLst>
-        </pc:grpChg>
-        <pc:grpChg chg="add del mod">
-          <ac:chgData name="Boon Jun" userId="b9b2384c46af58b4" providerId="LiveId" clId="{07FA4B2E-902A-4B46-B455-FA227D8539BA}" dt="2020-02-13T14:51:31.465" v="3659" actId="478"/>
-          <ac:grpSpMkLst>
-            <pc:docMk/>
-            <pc:sldMk cId="4288803398" sldId="261"/>
-            <ac:grpSpMk id="27" creationId="{924D0E9C-FEFE-4A42-A2EB-68A69CFE5992}"/>
-          </ac:grpSpMkLst>
-        </pc:grpChg>
-        <pc:grpChg chg="add mod">
-          <ac:chgData name="Boon Jun" userId="b9b2384c46af58b4" providerId="LiveId" clId="{07FA4B2E-902A-4B46-B455-FA227D8539BA}" dt="2020-02-13T14:51:57.166" v="3770" actId="1037"/>
-          <ac:grpSpMkLst>
-            <pc:docMk/>
-            <pc:sldMk cId="4288803398" sldId="261"/>
-            <ac:grpSpMk id="28" creationId="{A677EB62-42CC-4A72-8EA8-702339D0E93B}"/>
-          </ac:grpSpMkLst>
-        </pc:grpChg>
-        <pc:grpChg chg="add mod">
-          <ac:chgData name="Boon Jun" userId="b9b2384c46af58b4" providerId="LiveId" clId="{07FA4B2E-902A-4B46-B455-FA227D8539BA}" dt="2020-02-13T14:51:57.166" v="3770" actId="1037"/>
-          <ac:grpSpMkLst>
-            <pc:docMk/>
-            <pc:sldMk cId="4288803398" sldId="261"/>
-            <ac:grpSpMk id="29" creationId="{9DE674D4-9C8D-4555-9806-A27508F856AF}"/>
-          </ac:grpSpMkLst>
-        </pc:grpChg>
-        <pc:picChg chg="add mod">
-          <ac:chgData name="Boon Jun" userId="b9b2384c46af58b4" providerId="LiveId" clId="{07FA4B2E-902A-4B46-B455-FA227D8539BA}" dt="2020-02-12T06:13:21.329" v="145" actId="164"/>
-          <ac:picMkLst>
-            <pc:docMk/>
-            <pc:sldMk cId="4288803398" sldId="261"/>
-            <ac:picMk id="7" creationId="{0F454814-B50C-4698-B6C0-6DE90A930257}"/>
-          </ac:picMkLst>
-        </pc:picChg>
-        <pc:picChg chg="add mod">
-          <ac:chgData name="Boon Jun" userId="b9b2384c46af58b4" providerId="LiveId" clId="{07FA4B2E-902A-4B46-B455-FA227D8539BA}" dt="2020-02-12T06:13:56.517" v="157" actId="164"/>
-          <ac:picMkLst>
-            <pc:docMk/>
-            <pc:sldMk cId="4288803398" sldId="261"/>
-            <ac:picMk id="9" creationId="{4484A587-4DE2-4E0E-BD31-1E5371FF1617}"/>
-          </ac:picMkLst>
-        </pc:picChg>
-        <pc:picChg chg="add mod">
-          <ac:chgData name="Boon Jun" userId="b9b2384c46af58b4" providerId="LiveId" clId="{07FA4B2E-902A-4B46-B455-FA227D8539BA}" dt="2020-02-12T06:14:24.674" v="175" actId="164"/>
-          <ac:picMkLst>
-            <pc:docMk/>
-            <pc:sldMk cId="4288803398" sldId="261"/>
-            <ac:picMk id="11" creationId="{787A3D66-E702-4786-9334-AA8574247486}"/>
-          </ac:picMkLst>
-        </pc:picChg>
-        <pc:picChg chg="add mod">
-          <ac:chgData name="Boon Jun" userId="b9b2384c46af58b4" providerId="LiveId" clId="{07FA4B2E-902A-4B46-B455-FA227D8539BA}" dt="2020-02-12T06:15:51.316" v="274" actId="164"/>
-          <ac:picMkLst>
-            <pc:docMk/>
-            <pc:sldMk cId="4288803398" sldId="261"/>
-            <ac:picMk id="13" creationId="{10818EE9-430A-4CC4-BD02-5BDDEF750326}"/>
-          </ac:picMkLst>
-        </pc:picChg>
-        <pc:picChg chg="add mod">
-          <ac:chgData name="Boon Jun" userId="b9b2384c46af58b4" providerId="LiveId" clId="{07FA4B2E-902A-4B46-B455-FA227D8539BA}" dt="2020-02-12T06:15:49.108" v="273" actId="164"/>
-          <ac:picMkLst>
-            <pc:docMk/>
-            <pc:sldMk cId="4288803398" sldId="261"/>
-            <ac:picMk id="17" creationId="{2AB76BBD-A7C0-47CD-8857-DAAB96FDAC61}"/>
-          </ac:picMkLst>
-        </pc:picChg>
-        <pc:picChg chg="add mod">
-          <ac:chgData name="Boon Jun" userId="b9b2384c46af58b4" providerId="LiveId" clId="{07FA4B2E-902A-4B46-B455-FA227D8539BA}" dt="2020-02-12T06:15:47.262" v="272" actId="164"/>
-          <ac:picMkLst>
-            <pc:docMk/>
-            <pc:sldMk cId="4288803398" sldId="261"/>
-            <ac:picMk id="19" creationId="{2C9D18F4-DF60-4C50-9850-912CD1CB918E}"/>
-          </ac:picMkLst>
-        </pc:picChg>
-        <pc:picChg chg="add mod">
-          <ac:chgData name="Boon Jun" userId="b9b2384c46af58b4" providerId="LiveId" clId="{07FA4B2E-902A-4B46-B455-FA227D8539BA}" dt="2020-02-12T06:15:44.581" v="269" actId="164"/>
-          <ac:picMkLst>
-            <pc:docMk/>
-            <pc:sldMk cId="4288803398" sldId="261"/>
-            <ac:picMk id="21" creationId="{1EAAFDD7-270D-40BB-B235-F2B7DF98EC72}"/>
-          </ac:picMkLst>
-        </pc:picChg>
-        <pc:cxnChg chg="add del mod">
-          <ac:chgData name="Boon Jun" userId="b9b2384c46af58b4" providerId="LiveId" clId="{07FA4B2E-902A-4B46-B455-FA227D8539BA}" dt="2020-02-12T06:18:14.303" v="293" actId="478"/>
-          <ac:cxnSpMkLst>
-            <pc:docMk/>
-            <pc:sldMk cId="4288803398" sldId="261"/>
-            <ac:cxnSpMk id="43" creationId="{690199DA-1E25-4F10-9C03-ED87BDDA08C5}"/>
-          </ac:cxnSpMkLst>
-        </pc:cxnChg>
-        <pc:cxnChg chg="add mod">
-          <ac:chgData name="Boon Jun" userId="b9b2384c46af58b4" providerId="LiveId" clId="{07FA4B2E-902A-4B46-B455-FA227D8539BA}" dt="2020-02-12T06:20:36.923" v="369" actId="1038"/>
-          <ac:cxnSpMkLst>
-            <pc:docMk/>
-            <pc:sldMk cId="4288803398" sldId="261"/>
-            <ac:cxnSpMk id="45" creationId="{DEB82724-4F13-4B3E-A5D9-2549C676F822}"/>
-          </ac:cxnSpMkLst>
-        </pc:cxnChg>
-      </pc:sldChg>
-      <pc:sldChg chg="addSp delSp modSp add">
-        <pc:chgData name="Boon Jun" userId="b9b2384c46af58b4" providerId="LiveId" clId="{07FA4B2E-902A-4B46-B455-FA227D8539BA}" dt="2020-02-13T05:45:45.104" v="1464" actId="20577"/>
-        <pc:sldMkLst>
-          <pc:docMk/>
-          <pc:sldMk cId="2128570129" sldId="262"/>
-        </pc:sldMkLst>
-        <pc:spChg chg="mod">
-          <ac:chgData name="Boon Jun" userId="b9b2384c46af58b4" providerId="LiveId" clId="{07FA4B2E-902A-4B46-B455-FA227D8539BA}" dt="2020-02-12T08:05:59.524" v="680" actId="403"/>
-          <ac:spMkLst>
-            <pc:docMk/>
-            <pc:sldMk cId="2128570129" sldId="262"/>
-            <ac:spMk id="3" creationId="{E90E465A-3033-4159-ACA1-F19A702DF04B}"/>
-          </ac:spMkLst>
-        </pc:spChg>
-        <pc:spChg chg="add del">
-          <ac:chgData name="Boon Jun" userId="b9b2384c46af58b4" providerId="LiveId" clId="{07FA4B2E-902A-4B46-B455-FA227D8539BA}" dt="2020-02-13T05:33:24.991" v="1137" actId="478"/>
-          <ac:spMkLst>
-            <pc:docMk/>
-            <pc:sldMk cId="2128570129" sldId="262"/>
-            <ac:spMk id="5" creationId="{B72158A1-904F-4FBF-A96E-34E53E10A6A5}"/>
-          </ac:spMkLst>
-        </pc:spChg>
-        <pc:spChg chg="add del mod">
-          <ac:chgData name="Boon Jun" userId="b9b2384c46af58b4" providerId="LiveId" clId="{07FA4B2E-902A-4B46-B455-FA227D8539BA}" dt="2020-02-13T05:44:01.869" v="1367" actId="478"/>
-          <ac:spMkLst>
-            <pc:docMk/>
-            <pc:sldMk cId="2128570129" sldId="262"/>
-            <ac:spMk id="6" creationId="{F07558B1-1566-4FDC-B460-49621019A0D6}"/>
-          </ac:spMkLst>
-        </pc:spChg>
-        <pc:spChg chg="add mod">
-          <ac:chgData name="Boon Jun" userId="b9b2384c46af58b4" providerId="LiveId" clId="{07FA4B2E-902A-4B46-B455-FA227D8539BA}" dt="2020-02-13T05:45:45.104" v="1464" actId="20577"/>
-          <ac:spMkLst>
-            <pc:docMk/>
-            <pc:sldMk cId="2128570129" sldId="262"/>
-            <ac:spMk id="8" creationId="{EF2B4361-1A2B-4948-B18E-4124A2399EAD}"/>
-          </ac:spMkLst>
-        </pc:spChg>
-        <pc:spChg chg="add mod">
-          <ac:chgData name="Boon Jun" userId="b9b2384c46af58b4" providerId="LiveId" clId="{07FA4B2E-902A-4B46-B455-FA227D8539BA}" dt="2020-02-13T05:45:25.711" v="1450" actId="14100"/>
-          <ac:spMkLst>
-            <pc:docMk/>
-            <pc:sldMk cId="2128570129" sldId="262"/>
-            <ac:spMk id="9" creationId="{44FABC0D-EF10-42E9-9533-E86364055205}"/>
-          </ac:spMkLst>
-        </pc:spChg>
-        <pc:grpChg chg="del">
-          <ac:chgData name="Boon Jun" userId="b9b2384c46af58b4" providerId="LiveId" clId="{07FA4B2E-902A-4B46-B455-FA227D8539BA}" dt="2020-02-12T06:26:52.163" v="397" actId="478"/>
-          <ac:grpSpMkLst>
-            <pc:docMk/>
-            <pc:sldMk cId="2128570129" sldId="262"/>
-            <ac:grpSpMk id="27" creationId="{457893AD-8B81-4217-9338-5939A5D67230}"/>
-          </ac:grpSpMkLst>
-        </pc:grpChg>
-        <pc:grpChg chg="del">
-          <ac:chgData name="Boon Jun" userId="b9b2384c46af58b4" providerId="LiveId" clId="{07FA4B2E-902A-4B46-B455-FA227D8539BA}" dt="2020-02-12T06:26:52.163" v="397" actId="478"/>
-          <ac:grpSpMkLst>
-            <pc:docMk/>
-            <pc:sldMk cId="2128570129" sldId="262"/>
-            <ac:grpSpMk id="28" creationId="{7CF7D480-5642-4427-A6B5-BECE88DE9CEA}"/>
-          </ac:grpSpMkLst>
-        </pc:grpChg>
-        <pc:grpChg chg="del">
-          <ac:chgData name="Boon Jun" userId="b9b2384c46af58b4" providerId="LiveId" clId="{07FA4B2E-902A-4B46-B455-FA227D8539BA}" dt="2020-02-12T06:26:52.163" v="397" actId="478"/>
-          <ac:grpSpMkLst>
-            <pc:docMk/>
-            <pc:sldMk cId="2128570129" sldId="262"/>
-            <ac:grpSpMk id="29" creationId="{167F73E9-DFBF-4E4D-8344-FFB57FCBBA3B}"/>
-          </ac:grpSpMkLst>
-        </pc:grpChg>
-        <pc:grpChg chg="del">
-          <ac:chgData name="Boon Jun" userId="b9b2384c46af58b4" providerId="LiveId" clId="{07FA4B2E-902A-4B46-B455-FA227D8539BA}" dt="2020-02-12T06:26:54.261" v="398" actId="478"/>
-          <ac:grpSpMkLst>
-            <pc:docMk/>
-            <pc:sldMk cId="2128570129" sldId="262"/>
-            <ac:grpSpMk id="30" creationId="{01DD4AC3-75ED-47FC-8637-8FAAEFD10B6A}"/>
-          </ac:grpSpMkLst>
-        </pc:grpChg>
-        <pc:picChg chg="add mod modCrop">
-          <ac:chgData name="Boon Jun" userId="b9b2384c46af58b4" providerId="LiveId" clId="{07FA4B2E-902A-4B46-B455-FA227D8539BA}" dt="2020-02-13T05:44:33.692" v="1380" actId="1076"/>
-          <ac:picMkLst>
-            <pc:docMk/>
-            <pc:sldMk cId="2128570129" sldId="262"/>
-            <ac:picMk id="4" creationId="{E1D0E9EB-BDF4-4725-A965-DC1F5A2F8039}"/>
-          </ac:picMkLst>
-        </pc:picChg>
-        <pc:picChg chg="add del mod">
-          <ac:chgData name="Boon Jun" userId="b9b2384c46af58b4" providerId="LiveId" clId="{07FA4B2E-902A-4B46-B455-FA227D8539BA}" dt="2020-02-12T06:27:28.912" v="407" actId="478"/>
-          <ac:picMkLst>
-            <pc:docMk/>
-            <pc:sldMk cId="2128570129" sldId="262"/>
-            <ac:picMk id="1026" creationId="{CED1434D-D05D-48B1-B9BF-6DD3CD76E5A2}"/>
-          </ac:picMkLst>
-        </pc:picChg>
-        <pc:picChg chg="add del mod">
-          <ac:chgData name="Boon Jun" userId="b9b2384c46af58b4" providerId="LiveId" clId="{07FA4B2E-902A-4B46-B455-FA227D8539BA}" dt="2020-02-12T07:58:41.338" v="658" actId="478"/>
-          <ac:picMkLst>
-            <pc:docMk/>
-            <pc:sldMk cId="2128570129" sldId="262"/>
-            <ac:picMk id="1028" creationId="{25309B78-8891-4B03-98BF-44D19E733085}"/>
-          </ac:picMkLst>
-        </pc:picChg>
-        <pc:picChg chg="add mod">
-          <ac:chgData name="Boon Jun" userId="b9b2384c46af58b4" providerId="LiveId" clId="{07FA4B2E-902A-4B46-B455-FA227D8539BA}" dt="2020-02-13T05:44:24.114" v="1378" actId="14100"/>
-          <ac:picMkLst>
-            <pc:docMk/>
-            <pc:sldMk cId="2128570129" sldId="262"/>
-            <ac:picMk id="1030" creationId="{ECAEA6A6-62F0-47FB-8ECD-C3E93CF9A59A}"/>
-          </ac:picMkLst>
-        </pc:picChg>
-        <pc:cxnChg chg="mod">
-          <ac:chgData name="Boon Jun" userId="b9b2384c46af58b4" providerId="LiveId" clId="{07FA4B2E-902A-4B46-B455-FA227D8539BA}" dt="2020-02-12T06:26:52.163" v="397" actId="478"/>
-          <ac:cxnSpMkLst>
-            <pc:docMk/>
-            <pc:sldMk cId="2128570129" sldId="262"/>
-            <ac:cxnSpMk id="21" creationId="{0C91DD63-C43A-477F-9581-8F5BAFED1FDC}"/>
-          </ac:cxnSpMkLst>
-        </pc:cxnChg>
-      </pc:sldChg>
-      <pc:sldChg chg="addSp delSp modSp add">
-        <pc:chgData name="Boon Jun" userId="b9b2384c46af58b4" providerId="LiveId" clId="{07FA4B2E-902A-4B46-B455-FA227D8539BA}" dt="2020-02-13T14:52:14.529" v="3775" actId="478"/>
-        <pc:sldMkLst>
-          <pc:docMk/>
-          <pc:sldMk cId="2579216300" sldId="263"/>
-        </pc:sldMkLst>
-        <pc:spChg chg="mod">
-          <ac:chgData name="Boon Jun" userId="b9b2384c46af58b4" providerId="LiveId" clId="{07FA4B2E-902A-4B46-B455-FA227D8539BA}" dt="2020-02-12T06:35:49.699" v="523" actId="20577"/>
-          <ac:spMkLst>
-            <pc:docMk/>
-            <pc:sldMk cId="2579216300" sldId="263"/>
-            <ac:spMk id="2" creationId="{FF21E304-E4E0-438B-AB07-1B8DC03AFC6F}"/>
-          </ac:spMkLst>
-        </pc:spChg>
-        <pc:spChg chg="add del mod">
-          <ac:chgData name="Boon Jun" userId="b9b2384c46af58b4" providerId="LiveId" clId="{07FA4B2E-902A-4B46-B455-FA227D8539BA}" dt="2020-02-13T05:28:58.026" v="1111"/>
-          <ac:spMkLst>
-            <pc:docMk/>
-            <pc:sldMk cId="2579216300" sldId="263"/>
-            <ac:spMk id="3" creationId="{DB71C95F-7E6E-4D79-87CA-C2CAF7E1B564}"/>
-          </ac:spMkLst>
-        </pc:spChg>
-        <pc:spChg chg="add mod">
-          <ac:chgData name="Boon Jun" userId="b9b2384c46af58b4" providerId="LiveId" clId="{07FA4B2E-902A-4B46-B455-FA227D8539BA}" dt="2020-02-13T05:27:07.545" v="1100" actId="14100"/>
-          <ac:spMkLst>
-            <pc:docMk/>
-            <pc:sldMk cId="2579216300" sldId="263"/>
-            <ac:spMk id="12" creationId="{D0B332FF-9A78-4C1A-AB67-E35BC11E424D}"/>
-          </ac:spMkLst>
-        </pc:spChg>
-        <pc:spChg chg="add mod">
-          <ac:chgData name="Boon Jun" userId="b9b2384c46af58b4" providerId="LiveId" clId="{07FA4B2E-902A-4B46-B455-FA227D8539BA}" dt="2020-02-13T05:29:39.041" v="1132" actId="1076"/>
-          <ac:spMkLst>
-            <pc:docMk/>
-            <pc:sldMk cId="2579216300" sldId="263"/>
-            <ac:spMk id="14" creationId="{B42E03FB-F1C0-4CD9-B0FE-7FB925CA63FC}"/>
-          </ac:spMkLst>
-        </pc:spChg>
-        <pc:spChg chg="add mod">
-          <ac:chgData name="Boon Jun" userId="b9b2384c46af58b4" providerId="LiveId" clId="{07FA4B2E-902A-4B46-B455-FA227D8539BA}" dt="2020-02-13T05:29:45.916" v="1134" actId="1076"/>
-          <ac:spMkLst>
-            <pc:docMk/>
-            <pc:sldMk cId="2579216300" sldId="263"/>
-            <ac:spMk id="15" creationId="{85B03428-9776-4D6C-844D-6B04F4409D03}"/>
-          </ac:spMkLst>
-        </pc:spChg>
-        <pc:spChg chg="add mod">
-          <ac:chgData name="Boon Jun" userId="b9b2384c46af58b4" providerId="LiveId" clId="{07FA4B2E-902A-4B46-B455-FA227D8539BA}" dt="2020-02-13T05:24:12.941" v="914" actId="20577"/>
-          <ac:spMkLst>
-            <pc:docMk/>
-            <pc:sldMk cId="2579216300" sldId="263"/>
-            <ac:spMk id="25" creationId="{21869157-FE50-4022-82C7-B39E21A31C8B}"/>
-          </ac:spMkLst>
-        </pc:spChg>
-        <pc:spChg chg="del mod topLvl">
-          <ac:chgData name="Boon Jun" userId="b9b2384c46af58b4" providerId="LiveId" clId="{07FA4B2E-902A-4B46-B455-FA227D8539BA}" dt="2020-02-12T06:34:40.189" v="496" actId="478"/>
-          <ac:spMkLst>
-            <pc:docMk/>
-            <pc:sldMk cId="2579216300" sldId="263"/>
-            <ac:spMk id="30" creationId="{43C0468B-C6F0-42E0-946C-402FBA46DBA0}"/>
-          </ac:spMkLst>
-        </pc:spChg>
-        <pc:spChg chg="add del mod">
-          <ac:chgData name="Boon Jun" userId="b9b2384c46af58b4" providerId="LiveId" clId="{07FA4B2E-902A-4B46-B455-FA227D8539BA}" dt="2020-02-12T08:07:09.631" v="683" actId="478"/>
-          <ac:spMkLst>
-            <pc:docMk/>
-            <pc:sldMk cId="2579216300" sldId="263"/>
-            <ac:spMk id="31" creationId="{C1A6DCEB-8F1D-4385-8A4B-57B772E72C42}"/>
-          </ac:spMkLst>
-        </pc:spChg>
-        <pc:spChg chg="del mod topLvl">
-          <ac:chgData name="Boon Jun" userId="b9b2384c46af58b4" providerId="LiveId" clId="{07FA4B2E-902A-4B46-B455-FA227D8539BA}" dt="2020-02-12T06:34:40.189" v="496" actId="478"/>
-          <ac:spMkLst>
-            <pc:docMk/>
-            <pc:sldMk cId="2579216300" sldId="263"/>
-            <ac:spMk id="34" creationId="{ADA85AC4-4E67-4EC9-8959-12B9FA7B0155}"/>
-          </ac:spMkLst>
-        </pc:spChg>
-        <pc:spChg chg="del mod topLvl">
-          <ac:chgData name="Boon Jun" userId="b9b2384c46af58b4" providerId="LiveId" clId="{07FA4B2E-902A-4B46-B455-FA227D8539BA}" dt="2020-02-12T06:34:40.189" v="496" actId="478"/>
-          <ac:spMkLst>
-            <pc:docMk/>
-            <pc:sldMk cId="2579216300" sldId="263"/>
-            <ac:spMk id="37" creationId="{EECDB084-43ED-4B0B-BAE1-CBD141EECD68}"/>
-          </ac:spMkLst>
-        </pc:spChg>
-        <pc:spChg chg="del mod topLvl">
-          <ac:chgData name="Boon Jun" userId="b9b2384c46af58b4" providerId="LiveId" clId="{07FA4B2E-902A-4B46-B455-FA227D8539BA}" dt="2020-02-12T06:34:40.189" v="496" actId="478"/>
-          <ac:spMkLst>
-            <pc:docMk/>
-            <pc:sldMk cId="2579216300" sldId="263"/>
-            <ac:spMk id="38" creationId="{E7A4873B-A19D-462B-8779-4F149F7C5407}"/>
-          </ac:spMkLst>
-        </pc:spChg>
-        <pc:spChg chg="del mod topLvl">
-          <ac:chgData name="Boon Jun" userId="b9b2384c46af58b4" providerId="LiveId" clId="{07FA4B2E-902A-4B46-B455-FA227D8539BA}" dt="2020-02-12T06:34:40.189" v="496" actId="478"/>
-          <ac:spMkLst>
-            <pc:docMk/>
-            <pc:sldMk cId="2579216300" sldId="263"/>
-            <ac:spMk id="39" creationId="{47238156-9AB9-42CF-9591-65B18505C1EC}"/>
-          </ac:spMkLst>
-        </pc:spChg>
-        <pc:spChg chg="del mod topLvl">
-          <ac:chgData name="Boon Jun" userId="b9b2384c46af58b4" providerId="LiveId" clId="{07FA4B2E-902A-4B46-B455-FA227D8539BA}" dt="2020-02-12T06:34:40.189" v="496" actId="478"/>
-          <ac:spMkLst>
-            <pc:docMk/>
-            <pc:sldMk cId="2579216300" sldId="263"/>
-            <ac:spMk id="40" creationId="{CF4A457C-9958-47F9-8111-D835E1A5D910}"/>
-          </ac:spMkLst>
-        </pc:spChg>
-        <pc:spChg chg="del mod topLvl">
-          <ac:chgData name="Boon Jun" userId="b9b2384c46af58b4" providerId="LiveId" clId="{07FA4B2E-902A-4B46-B455-FA227D8539BA}" dt="2020-02-12T06:34:40.189" v="496" actId="478"/>
-          <ac:spMkLst>
-            <pc:docMk/>
-            <pc:sldMk cId="2579216300" sldId="263"/>
-            <ac:spMk id="41" creationId="{1CC5D3A0-E26A-408F-A350-73FBA5EDAE35}"/>
-          </ac:spMkLst>
-        </pc:spChg>
-        <pc:grpChg chg="del">
-          <ac:chgData name="Boon Jun" userId="b9b2384c46af58b4" providerId="LiveId" clId="{07FA4B2E-902A-4B46-B455-FA227D8539BA}" dt="2020-02-12T06:34:35.207" v="495" actId="165"/>
-          <ac:grpSpMkLst>
-            <pc:docMk/>
-            <pc:sldMk cId="2579216300" sldId="263"/>
-            <ac:grpSpMk id="22" creationId="{AFC4920A-713E-45DF-BF7A-92DC0AC7C8C2}"/>
-          </ac:grpSpMkLst>
-        </pc:grpChg>
-        <pc:grpChg chg="del">
-          <ac:chgData name="Boon Jun" userId="b9b2384c46af58b4" providerId="LiveId" clId="{07FA4B2E-902A-4B46-B455-FA227D8539BA}" dt="2020-02-12T06:34:32.302" v="494" actId="165"/>
-          <ac:grpSpMkLst>
-            <pc:docMk/>
-            <pc:sldMk cId="2579216300" sldId="263"/>
-            <ac:grpSpMk id="23" creationId="{2E532B55-37E7-4263-8AB0-FFF5EF10D2A7}"/>
-          </ac:grpSpMkLst>
-        </pc:grpChg>
-        <pc:grpChg chg="del">
-          <ac:chgData name="Boon Jun" userId="b9b2384c46af58b4" providerId="LiveId" clId="{07FA4B2E-902A-4B46-B455-FA227D8539BA}" dt="2020-02-12T06:34:27.785" v="493" actId="165"/>
-          <ac:grpSpMkLst>
-            <pc:docMk/>
-            <pc:sldMk cId="2579216300" sldId="263"/>
-            <ac:grpSpMk id="24" creationId="{0C8365A5-56A5-444A-8595-FABEE68A9C3A}"/>
-          </ac:grpSpMkLst>
-        </pc:grpChg>
-        <pc:grpChg chg="del">
-          <ac:chgData name="Boon Jun" userId="b9b2384c46af58b4" providerId="LiveId" clId="{07FA4B2E-902A-4B46-B455-FA227D8539BA}" dt="2020-02-12T06:34:07.678" v="489" actId="165"/>
-          <ac:grpSpMkLst>
-            <pc:docMk/>
-            <pc:sldMk cId="2579216300" sldId="263"/>
-            <ac:grpSpMk id="26" creationId="{2388A6FD-AD0D-4350-A86E-0B374796F9CF}"/>
-          </ac:grpSpMkLst>
-        </pc:grpChg>
-        <pc:grpChg chg="del">
-          <ac:chgData name="Boon Jun" userId="b9b2384c46af58b4" providerId="LiveId" clId="{07FA4B2E-902A-4B46-B455-FA227D8539BA}" dt="2020-02-12T06:34:12.878" v="490" actId="165"/>
-          <ac:grpSpMkLst>
-            <pc:docMk/>
-            <pc:sldMk cId="2579216300" sldId="263"/>
-            <ac:grpSpMk id="27" creationId="{924D0E9C-FEFE-4A42-A2EB-68A69CFE5992}"/>
-          </ac:grpSpMkLst>
-        </pc:grpChg>
-        <pc:grpChg chg="del">
-          <ac:chgData name="Boon Jun" userId="b9b2384c46af58b4" providerId="LiveId" clId="{07FA4B2E-902A-4B46-B455-FA227D8539BA}" dt="2020-02-12T06:34:16.522" v="491" actId="165"/>
-          <ac:grpSpMkLst>
-            <pc:docMk/>
-            <pc:sldMk cId="2579216300" sldId="263"/>
-            <ac:grpSpMk id="28" creationId="{A677EB62-42CC-4A72-8EA8-702339D0E93B}"/>
-          </ac:grpSpMkLst>
-        </pc:grpChg>
-        <pc:grpChg chg="del">
-          <ac:chgData name="Boon Jun" userId="b9b2384c46af58b4" providerId="LiveId" clId="{07FA4B2E-902A-4B46-B455-FA227D8539BA}" dt="2020-02-12T06:34:22.284" v="492" actId="165"/>
-          <ac:grpSpMkLst>
-            <pc:docMk/>
-            <pc:sldMk cId="2579216300" sldId="263"/>
-            <ac:grpSpMk id="29" creationId="{9DE674D4-9C8D-4555-9806-A27508F856AF}"/>
-          </ac:grpSpMkLst>
-        </pc:grpChg>
-        <pc:picChg chg="mod topLvl">
-          <ac:chgData name="Boon Jun" userId="b9b2384c46af58b4" providerId="LiveId" clId="{07FA4B2E-902A-4B46-B455-FA227D8539BA}" dt="2020-02-12T06:36:03.575" v="524" actId="207"/>
-          <ac:picMkLst>
-            <pc:docMk/>
-            <pc:sldMk cId="2579216300" sldId="263"/>
-            <ac:picMk id="7" creationId="{0F454814-B50C-4698-B6C0-6DE90A930257}"/>
-          </ac:picMkLst>
-        </pc:picChg>
-        <pc:picChg chg="mod topLvl">
-          <ac:chgData name="Boon Jun" userId="b9b2384c46af58b4" providerId="LiveId" clId="{07FA4B2E-902A-4B46-B455-FA227D8539BA}" dt="2020-02-12T06:35:39.122" v="515" actId="1076"/>
-          <ac:picMkLst>
-            <pc:docMk/>
-            <pc:sldMk cId="2579216300" sldId="263"/>
-            <ac:picMk id="9" creationId="{4484A587-4DE2-4E0E-BD31-1E5371FF1617}"/>
-          </ac:picMkLst>
-        </pc:picChg>
-        <pc:picChg chg="mod topLvl">
-          <ac:chgData name="Boon Jun" userId="b9b2384c46af58b4" providerId="LiveId" clId="{07FA4B2E-902A-4B46-B455-FA227D8539BA}" dt="2020-02-12T06:35:39.122" v="515" actId="1076"/>
-          <ac:picMkLst>
-            <pc:docMk/>
-            <pc:sldMk cId="2579216300" sldId="263"/>
-            <ac:picMk id="11" creationId="{787A3D66-E702-4786-9334-AA8574247486}"/>
-          </ac:picMkLst>
-        </pc:picChg>
-        <pc:picChg chg="mod topLvl">
-          <ac:chgData name="Boon Jun" userId="b9b2384c46af58b4" providerId="LiveId" clId="{07FA4B2E-902A-4B46-B455-FA227D8539BA}" dt="2020-02-12T06:35:39.122" v="515" actId="1076"/>
-          <ac:picMkLst>
-            <pc:docMk/>
-            <pc:sldMk cId="2579216300" sldId="263"/>
-            <ac:picMk id="13" creationId="{10818EE9-430A-4CC4-BD02-5BDDEF750326}"/>
-          </ac:picMkLst>
-        </pc:picChg>
-        <pc:picChg chg="mod topLvl">
-          <ac:chgData name="Boon Jun" userId="b9b2384c46af58b4" providerId="LiveId" clId="{07FA4B2E-902A-4B46-B455-FA227D8539BA}" dt="2020-02-12T06:35:39.122" v="515" actId="1076"/>
-          <ac:picMkLst>
-            <pc:docMk/>
-            <pc:sldMk cId="2579216300" sldId="263"/>
-            <ac:picMk id="17" creationId="{2AB76BBD-A7C0-47CD-8857-DAAB96FDAC61}"/>
-          </ac:picMkLst>
-        </pc:picChg>
-        <pc:picChg chg="add del mod topLvl">
-          <ac:chgData name="Boon Jun" userId="b9b2384c46af58b4" providerId="LiveId" clId="{07FA4B2E-902A-4B46-B455-FA227D8539BA}" dt="2020-02-13T14:52:14.529" v="3775" actId="478"/>
-          <ac:picMkLst>
-            <pc:docMk/>
-            <pc:sldMk cId="2579216300" sldId="263"/>
-            <ac:picMk id="19" creationId="{2C9D18F4-DF60-4C50-9850-912CD1CB918E}"/>
-          </ac:picMkLst>
-        </pc:picChg>
-        <pc:picChg chg="mod ord topLvl">
-          <ac:chgData name="Boon Jun" userId="b9b2384c46af58b4" providerId="LiveId" clId="{07FA4B2E-902A-4B46-B455-FA227D8539BA}" dt="2020-02-13T14:52:12.552" v="3774" actId="167"/>
-          <ac:picMkLst>
-            <pc:docMk/>
-            <pc:sldMk cId="2579216300" sldId="263"/>
-            <ac:picMk id="21" creationId="{1EAAFDD7-270D-40BB-B235-F2B7DF98EC72}"/>
-          </ac:picMkLst>
-        </pc:picChg>
-        <pc:picChg chg="add mod">
-          <ac:chgData name="Boon Jun" userId="b9b2384c46af58b4" providerId="LiveId" clId="{07FA4B2E-902A-4B46-B455-FA227D8539BA}" dt="2020-02-13T05:29:34.630" v="1131" actId="1076"/>
-          <ac:picMkLst>
-            <pc:docMk/>
-            <pc:sldMk cId="2579216300" sldId="263"/>
-            <ac:picMk id="1026" creationId="{8A40623D-8A86-47D6-A2CA-25B87D24B4B6}"/>
-          </ac:picMkLst>
-        </pc:picChg>
-        <pc:cxnChg chg="del">
-          <ac:chgData name="Boon Jun" userId="b9b2384c46af58b4" providerId="LiveId" clId="{07FA4B2E-902A-4B46-B455-FA227D8539BA}" dt="2020-02-12T06:33:50.396" v="488" actId="478"/>
-          <ac:cxnSpMkLst>
-            <pc:docMk/>
-            <pc:sldMk cId="2579216300" sldId="263"/>
-            <ac:cxnSpMk id="45" creationId="{DEB82724-4F13-4B3E-A5D9-2549C676F822}"/>
-          </ac:cxnSpMkLst>
-        </pc:cxnChg>
-      </pc:sldChg>
-      <pc:sldChg chg="addSp delSp modSp add">
-        <pc:chgData name="Boon Jun" userId="b9b2384c46af58b4" providerId="LiveId" clId="{07FA4B2E-902A-4B46-B455-FA227D8539BA}" dt="2020-02-13T15:25:07" v="4257" actId="1076"/>
-        <pc:sldMkLst>
-          <pc:docMk/>
-          <pc:sldMk cId="1800494445" sldId="264"/>
-        </pc:sldMkLst>
-        <pc:spChg chg="add mod">
-          <ac:chgData name="Boon Jun" userId="b9b2384c46af58b4" providerId="LiveId" clId="{07FA4B2E-902A-4B46-B455-FA227D8539BA}" dt="2020-02-13T15:23:21.348" v="4241" actId="1076"/>
-          <ac:spMkLst>
-            <pc:docMk/>
-            <pc:sldMk cId="1800494445" sldId="264"/>
-            <ac:spMk id="3" creationId="{FCE36C3C-2EA0-4990-8385-BB6D2D2AAF11}"/>
-          </ac:spMkLst>
-        </pc:spChg>
-        <pc:spChg chg="add mod">
-          <ac:chgData name="Boon Jun" userId="b9b2384c46af58b4" providerId="LiveId" clId="{07FA4B2E-902A-4B46-B455-FA227D8539BA}" dt="2020-02-12T08:09:27.327" v="707" actId="20577"/>
-          <ac:spMkLst>
-            <pc:docMk/>
-            <pc:sldMk cId="1800494445" sldId="264"/>
-            <ac:spMk id="10" creationId="{E9D6B482-8581-4E1F-80EB-BAF2C7C046BF}"/>
-          </ac:spMkLst>
-        </pc:spChg>
-        <pc:grpChg chg="add mod">
-          <ac:chgData name="Boon Jun" userId="b9b2384c46af58b4" providerId="LiveId" clId="{07FA4B2E-902A-4B46-B455-FA227D8539BA}" dt="2020-02-13T15:25:07" v="4257" actId="1076"/>
-          <ac:grpSpMkLst>
-            <pc:docMk/>
-            <pc:sldMk cId="1800494445" sldId="264"/>
-            <ac:grpSpMk id="20" creationId="{0CF539E5-BEDD-45BE-AF48-F0146077DB89}"/>
-          </ac:grpSpMkLst>
-        </pc:grpChg>
-        <pc:picChg chg="add mod">
-          <ac:chgData name="Boon Jun" userId="b9b2384c46af58b4" providerId="LiveId" clId="{07FA4B2E-902A-4B46-B455-FA227D8539BA}" dt="2020-02-13T15:25:03.841" v="4256" actId="164"/>
-          <ac:picMkLst>
-            <pc:docMk/>
-            <pc:sldMk cId="1800494445" sldId="264"/>
-            <ac:picMk id="5" creationId="{546D015E-9D7E-43E1-B0E9-EE2921CF5E2F}"/>
-          </ac:picMkLst>
-        </pc:picChg>
-        <pc:picChg chg="add mod">
-          <ac:chgData name="Boon Jun" userId="b9b2384c46af58b4" providerId="LiveId" clId="{07FA4B2E-902A-4B46-B455-FA227D8539BA}" dt="2020-02-13T15:25:03.841" v="4256" actId="164"/>
-          <ac:picMkLst>
-            <pc:docMk/>
-            <pc:sldMk cId="1800494445" sldId="264"/>
-            <ac:picMk id="8" creationId="{0C24B065-DF02-4100-BD40-D5D36AAD2485}"/>
-          </ac:picMkLst>
-        </pc:picChg>
-        <pc:picChg chg="add del mod">
-          <ac:chgData name="Boon Jun" userId="b9b2384c46af58b4" providerId="LiveId" clId="{07FA4B2E-902A-4B46-B455-FA227D8539BA}" dt="2020-02-13T15:23:32.528" v="4244" actId="478"/>
-          <ac:picMkLst>
-            <pc:docMk/>
-            <pc:sldMk cId="1800494445" sldId="264"/>
-            <ac:picMk id="12" creationId="{4DA53387-9075-44E3-8F7B-16CDA253E0EE}"/>
-          </ac:picMkLst>
-        </pc:picChg>
-        <pc:picChg chg="add mod">
-          <ac:chgData name="Boon Jun" userId="b9b2384c46af58b4" providerId="LiveId" clId="{07FA4B2E-902A-4B46-B455-FA227D8539BA}" dt="2020-02-13T15:25:03.841" v="4256" actId="164"/>
-          <ac:picMkLst>
-            <pc:docMk/>
-            <pc:sldMk cId="1800494445" sldId="264"/>
-            <ac:picMk id="15" creationId="{73FF9329-86D2-46E7-BEA4-E6458B109780}"/>
-          </ac:picMkLst>
-        </pc:picChg>
-        <pc:picChg chg="add mod">
-          <ac:chgData name="Boon Jun" userId="b9b2384c46af58b4" providerId="LiveId" clId="{07FA4B2E-902A-4B46-B455-FA227D8539BA}" dt="2020-02-13T15:25:03.841" v="4256" actId="164"/>
-          <ac:picMkLst>
-            <pc:docMk/>
-            <pc:sldMk cId="1800494445" sldId="264"/>
-            <ac:picMk id="18" creationId="{928798E6-A5A8-416B-85DB-83C6C9102B70}"/>
-          </ac:picMkLst>
-        </pc:picChg>
-      </pc:sldChg>
-      <pc:sldChg chg="addSp delSp modSp add">
-        <pc:chgData name="Boon Jun" userId="b9b2384c46af58b4" providerId="LiveId" clId="{07FA4B2E-902A-4B46-B455-FA227D8539BA}" dt="2020-02-13T14:52:28.431" v="3778" actId="478"/>
-        <pc:sldMkLst>
-          <pc:docMk/>
-          <pc:sldMk cId="3686962177" sldId="265"/>
-        </pc:sldMkLst>
-        <pc:spChg chg="mod">
-          <ac:chgData name="Boon Jun" userId="b9b2384c46af58b4" providerId="LiveId" clId="{07FA4B2E-902A-4B46-B455-FA227D8539BA}" dt="2020-02-12T06:36:57.104" v="529" actId="20577"/>
-          <ac:spMkLst>
-            <pc:docMk/>
-            <pc:sldMk cId="3686962177" sldId="265"/>
-            <ac:spMk id="2" creationId="{FF21E304-E4E0-438B-AB07-1B8DC03AFC6F}"/>
-          </ac:spMkLst>
-        </pc:spChg>
-        <pc:spChg chg="add mod">
-          <ac:chgData name="Boon Jun" userId="b9b2384c46af58b4" providerId="LiveId" clId="{07FA4B2E-902A-4B46-B455-FA227D8539BA}" dt="2020-02-13T06:03:24.437" v="1660" actId="1076"/>
-          <ac:spMkLst>
-            <pc:docMk/>
-            <pc:sldMk cId="3686962177" sldId="265"/>
-            <ac:spMk id="10" creationId="{2CA6CB46-CEA3-49AA-8BF8-C9FCB6D65BBD}"/>
-          </ac:spMkLst>
-        </pc:spChg>
-        <pc:spChg chg="add del mod">
-          <ac:chgData name="Boon Jun" userId="b9b2384c46af58b4" providerId="LiveId" clId="{07FA4B2E-902A-4B46-B455-FA227D8539BA}" dt="2020-02-13T05:47:15.329" v="1478" actId="478"/>
-          <ac:spMkLst>
-            <pc:docMk/>
-            <pc:sldMk cId="3686962177" sldId="265"/>
-            <ac:spMk id="14" creationId="{28B1F449-226B-4021-9067-25222FFBA3D5}"/>
-          </ac:spMkLst>
-        </pc:spChg>
-        <pc:spChg chg="add mod">
-          <ac:chgData name="Boon Jun" userId="b9b2384c46af58b4" providerId="LiveId" clId="{07FA4B2E-902A-4B46-B455-FA227D8539BA}" dt="2020-02-13T06:03:28.223" v="1661" actId="164"/>
-          <ac:spMkLst>
-            <pc:docMk/>
-            <pc:sldMk cId="3686962177" sldId="265"/>
-            <ac:spMk id="15" creationId="{E6A440A6-DE38-44AA-855F-2AF2A49B0596}"/>
-          </ac:spMkLst>
-        </pc:spChg>
-        <pc:spChg chg="add mod">
-          <ac:chgData name="Boon Jun" userId="b9b2384c46af58b4" providerId="LiveId" clId="{07FA4B2E-902A-4B46-B455-FA227D8539BA}" dt="2020-02-13T06:03:28.223" v="1661" actId="164"/>
-          <ac:spMkLst>
-            <pc:docMk/>
-            <pc:sldMk cId="3686962177" sldId="265"/>
-            <ac:spMk id="20" creationId="{EB0F48A6-617D-4561-A926-0BA9EF357425}"/>
-          </ac:spMkLst>
-        </pc:spChg>
-        <pc:spChg chg="add mod">
-          <ac:chgData name="Boon Jun" userId="b9b2384c46af58b4" providerId="LiveId" clId="{07FA4B2E-902A-4B46-B455-FA227D8539BA}" dt="2020-02-13T06:04:17.201" v="1667"/>
-          <ac:spMkLst>
-            <pc:docMk/>
-            <pc:sldMk cId="3686962177" sldId="265"/>
-            <ac:spMk id="22" creationId="{DC85B2CB-259A-4F9D-918F-566D650BDC8E}"/>
-          </ac:spMkLst>
-        </pc:spChg>
-        <pc:grpChg chg="add mod">
-          <ac:chgData name="Boon Jun" userId="b9b2384c46af58b4" providerId="LiveId" clId="{07FA4B2E-902A-4B46-B455-FA227D8539BA}" dt="2020-02-13T06:03:33.356" v="1663" actId="1076"/>
-          <ac:grpSpMkLst>
-            <pc:docMk/>
-            <pc:sldMk cId="3686962177" sldId="265"/>
-            <ac:grpSpMk id="16" creationId="{42FCBA91-79B9-432A-AFB5-D14194C68518}"/>
-          </ac:grpSpMkLst>
-        </pc:grpChg>
-        <pc:graphicFrameChg chg="add del mod modGraphic">
-          <ac:chgData name="Boon Jun" userId="b9b2384c46af58b4" providerId="LiveId" clId="{07FA4B2E-902A-4B46-B455-FA227D8539BA}" dt="2020-02-13T05:58:45.219" v="1634" actId="478"/>
-          <ac:graphicFrameMkLst>
-            <pc:docMk/>
-            <pc:sldMk cId="3686962177" sldId="265"/>
-            <ac:graphicFrameMk id="5" creationId="{F76F79BA-3B48-4E4F-AD19-3D130679AA94}"/>
-          </ac:graphicFrameMkLst>
-        </pc:graphicFrameChg>
-        <pc:picChg chg="add del mod">
-          <ac:chgData name="Boon Jun" userId="b9b2384c46af58b4" providerId="LiveId" clId="{07FA4B2E-902A-4B46-B455-FA227D8539BA}" dt="2020-02-13T05:47:02.309" v="1475" actId="478"/>
-          <ac:picMkLst>
-            <pc:docMk/>
-            <pc:sldMk cId="3686962177" sldId="265"/>
-            <ac:picMk id="4" creationId="{6C4C88E5-FE12-44C6-8626-C5BE06B98857}"/>
-          </ac:picMkLst>
-        </pc:picChg>
-        <pc:picChg chg="mod">
-          <ac:chgData name="Boon Jun" userId="b9b2384c46af58b4" providerId="LiveId" clId="{07FA4B2E-902A-4B46-B455-FA227D8539BA}" dt="2020-02-12T06:37:01.917" v="530" actId="207"/>
-          <ac:picMkLst>
-            <pc:docMk/>
-            <pc:sldMk cId="3686962177" sldId="265"/>
-            <ac:picMk id="7" creationId="{0F454814-B50C-4698-B6C0-6DE90A930257}"/>
-          </ac:picMkLst>
-        </pc:picChg>
-        <pc:picChg chg="mod">
-          <ac:chgData name="Boon Jun" userId="b9b2384c46af58b4" providerId="LiveId" clId="{07FA4B2E-902A-4B46-B455-FA227D8539BA}" dt="2020-02-12T06:37:05.489" v="531" actId="207"/>
-          <ac:picMkLst>
-            <pc:docMk/>
-            <pc:sldMk cId="3686962177" sldId="265"/>
-            <ac:picMk id="9" creationId="{4484A587-4DE2-4E0E-BD31-1E5371FF1617}"/>
-          </ac:picMkLst>
-        </pc:picChg>
-        <pc:picChg chg="add mod">
-          <ac:chgData name="Boon Jun" userId="b9b2384c46af58b4" providerId="LiveId" clId="{07FA4B2E-902A-4B46-B455-FA227D8539BA}" dt="2020-02-13T06:03:28.223" v="1661" actId="164"/>
-          <ac:picMkLst>
-            <pc:docMk/>
-            <pc:sldMk cId="3686962177" sldId="265"/>
-            <ac:picMk id="12" creationId="{F3B42DF8-CF34-431D-B474-B51879569DDF}"/>
-          </ac:picMkLst>
-        </pc:picChg>
-        <pc:picChg chg="add">
-          <ac:chgData name="Boon Jun" userId="b9b2384c46af58b4" providerId="LiveId" clId="{07FA4B2E-902A-4B46-B455-FA227D8539BA}" dt="2020-02-13T14:52:27.076" v="3777"/>
-          <ac:picMkLst>
-            <pc:docMk/>
-            <pc:sldMk cId="3686962177" sldId="265"/>
-            <ac:picMk id="18" creationId="{EFB355EA-22DF-461F-8058-173BE555ED6D}"/>
-          </ac:picMkLst>
-        </pc:picChg>
-        <pc:picChg chg="del">
-          <ac:chgData name="Boon Jun" userId="b9b2384c46af58b4" providerId="LiveId" clId="{07FA4B2E-902A-4B46-B455-FA227D8539BA}" dt="2020-02-13T14:52:26.807" v="3776" actId="478"/>
-          <ac:picMkLst>
-            <pc:docMk/>
-            <pc:sldMk cId="3686962177" sldId="265"/>
-            <ac:picMk id="19" creationId="{2C9D18F4-DF60-4C50-9850-912CD1CB918E}"/>
-          </ac:picMkLst>
-        </pc:picChg>
-        <pc:picChg chg="del">
-          <ac:chgData name="Boon Jun" userId="b9b2384c46af58b4" providerId="LiveId" clId="{07FA4B2E-902A-4B46-B455-FA227D8539BA}" dt="2020-02-13T14:52:28.431" v="3778" actId="478"/>
-          <ac:picMkLst>
-            <pc:docMk/>
-            <pc:sldMk cId="3686962177" sldId="265"/>
-            <ac:picMk id="21" creationId="{1EAAFDD7-270D-40BB-B235-F2B7DF98EC72}"/>
-          </ac:picMkLst>
-        </pc:picChg>
-        <pc:picChg chg="add mod">
-          <ac:chgData name="Boon Jun" userId="b9b2384c46af58b4" providerId="LiveId" clId="{07FA4B2E-902A-4B46-B455-FA227D8539BA}" dt="2020-02-13T06:03:42.895" v="1665" actId="1076"/>
-          <ac:picMkLst>
-            <pc:docMk/>
-            <pc:sldMk cId="3686962177" sldId="265"/>
-            <ac:picMk id="2050" creationId="{EDAA3C66-9856-43C0-9E71-DF9C9727AB29}"/>
-          </ac:picMkLst>
-        </pc:picChg>
-      </pc:sldChg>
-      <pc:sldChg chg="addSp delSp modSp add">
-        <pc:chgData name="Boon Jun" userId="b9b2384c46af58b4" providerId="LiveId" clId="{07FA4B2E-902A-4B46-B455-FA227D8539BA}" dt="2020-02-13T15:29:59.371" v="4395" actId="1076"/>
-        <pc:sldMkLst>
-          <pc:docMk/>
-          <pc:sldMk cId="636087106" sldId="266"/>
-        </pc:sldMkLst>
-        <pc:spChg chg="add mod">
-          <ac:chgData name="Boon Jun" userId="b9b2384c46af58b4" providerId="LiveId" clId="{07FA4B2E-902A-4B46-B455-FA227D8539BA}" dt="2020-02-13T15:29:59.371" v="4395" actId="1076"/>
-          <ac:spMkLst>
-            <pc:docMk/>
-            <pc:sldMk cId="636087106" sldId="266"/>
-            <ac:spMk id="12" creationId="{7E819E2F-F89A-4E7A-8019-86F87E6B66FD}"/>
-          </ac:spMkLst>
-        </pc:spChg>
-        <pc:spChg chg="add mod">
-          <ac:chgData name="Boon Jun" userId="b9b2384c46af58b4" providerId="LiveId" clId="{07FA4B2E-902A-4B46-B455-FA227D8539BA}" dt="2020-02-13T15:26:29.948" v="4302" actId="14100"/>
-          <ac:spMkLst>
-            <pc:docMk/>
-            <pc:sldMk cId="636087106" sldId="266"/>
-            <ac:spMk id="14" creationId="{766C374E-51AC-489F-8B29-0FC048074748}"/>
-          </ac:spMkLst>
-        </pc:spChg>
-        <pc:graphicFrameChg chg="add mod modGraphic">
-          <ac:chgData name="Boon Jun" userId="b9b2384c46af58b4" providerId="LiveId" clId="{07FA4B2E-902A-4B46-B455-FA227D8539BA}" dt="2020-02-13T15:29:58.945" v="4394" actId="1076"/>
-          <ac:graphicFrameMkLst>
-            <pc:docMk/>
-            <pc:sldMk cId="636087106" sldId="266"/>
-            <ac:graphicFrameMk id="3" creationId="{B5B65770-B6E3-400C-872F-727B877060EE}"/>
-          </ac:graphicFrameMkLst>
-        </pc:graphicFrameChg>
-        <pc:picChg chg="add">
-          <ac:chgData name="Boon Jun" userId="b9b2384c46af58b4" providerId="LiveId" clId="{07FA4B2E-902A-4B46-B455-FA227D8539BA}" dt="2020-02-13T14:52:52.343" v="3790"/>
-          <ac:picMkLst>
-            <pc:docMk/>
-            <pc:sldMk cId="636087106" sldId="266"/>
-            <ac:picMk id="10" creationId="{D1BAFE31-4B88-499B-99AA-59E33C5948A8}"/>
-          </ac:picMkLst>
-        </pc:picChg>
-        <pc:picChg chg="add mod">
-          <ac:chgData name="Boon Jun" userId="b9b2384c46af58b4" providerId="LiveId" clId="{07FA4B2E-902A-4B46-B455-FA227D8539BA}" dt="2020-02-13T15:27:11.844" v="4317" actId="1076"/>
-          <ac:picMkLst>
-            <pc:docMk/>
-            <pc:sldMk cId="636087106" sldId="266"/>
-            <ac:picMk id="15" creationId="{C7A484BE-4A97-49CD-B03B-9CF61532E229}"/>
-          </ac:picMkLst>
-        </pc:picChg>
-        <pc:picChg chg="del">
-          <ac:chgData name="Boon Jun" userId="b9b2384c46af58b4" providerId="LiveId" clId="{07FA4B2E-902A-4B46-B455-FA227D8539BA}" dt="2020-02-13T14:52:51.081" v="3789" actId="478"/>
-          <ac:picMkLst>
-            <pc:docMk/>
-            <pc:sldMk cId="636087106" sldId="266"/>
-            <ac:picMk id="19" creationId="{2C9D18F4-DF60-4C50-9850-912CD1CB918E}"/>
-          </ac:picMkLst>
-        </pc:picChg>
-        <pc:picChg chg="del">
-          <ac:chgData name="Boon Jun" userId="b9b2384c46af58b4" providerId="LiveId" clId="{07FA4B2E-902A-4B46-B455-FA227D8539BA}" dt="2020-02-13T14:52:53.413" v="3791" actId="478"/>
-          <ac:picMkLst>
-            <pc:docMk/>
-            <pc:sldMk cId="636087106" sldId="266"/>
-            <ac:picMk id="21" creationId="{1EAAFDD7-270D-40BB-B235-F2B7DF98EC72}"/>
-          </ac:picMkLst>
-        </pc:picChg>
-      </pc:sldChg>
-      <pc:sldChg chg="addSp delSp modSp add">
-        <pc:chgData name="Boon Jun" userId="b9b2384c46af58b4" providerId="LiveId" clId="{07FA4B2E-902A-4B46-B455-FA227D8539BA}" dt="2020-02-13T14:52:59.722" v="3794" actId="478"/>
-        <pc:sldMkLst>
-          <pc:docMk/>
-          <pc:sldMk cId="2733934548" sldId="267"/>
-        </pc:sldMkLst>
-        <pc:spChg chg="mod">
-          <ac:chgData name="Boon Jun" userId="b9b2384c46af58b4" providerId="LiveId" clId="{07FA4B2E-902A-4B46-B455-FA227D8539BA}" dt="2020-02-12T06:37:36.985" v="542" actId="20577"/>
-          <ac:spMkLst>
-            <pc:docMk/>
-            <pc:sldMk cId="2733934548" sldId="267"/>
-            <ac:spMk id="2" creationId="{FF21E304-E4E0-438B-AB07-1B8DC03AFC6F}"/>
-          </ac:spMkLst>
-        </pc:spChg>
-        <pc:spChg chg="add mod">
-          <ac:chgData name="Boon Jun" userId="b9b2384c46af58b4" providerId="LiveId" clId="{07FA4B2E-902A-4B46-B455-FA227D8539BA}" dt="2020-02-13T14:24:09.011" v="3406" actId="20577"/>
-          <ac:spMkLst>
-            <pc:docMk/>
-            <pc:sldMk cId="2733934548" sldId="267"/>
-            <ac:spMk id="10" creationId="{93ABB5C7-4D7C-4CD1-82CE-6CFE8E98B0D6}"/>
-          </ac:spMkLst>
-        </pc:spChg>
-        <pc:spChg chg="add mod">
-          <ac:chgData name="Boon Jun" userId="b9b2384c46af58b4" providerId="LiveId" clId="{07FA4B2E-902A-4B46-B455-FA227D8539BA}" dt="2020-02-13T14:32:09.134" v="3466" actId="1076"/>
-          <ac:spMkLst>
-            <pc:docMk/>
-            <pc:sldMk cId="2733934548" sldId="267"/>
-            <ac:spMk id="14" creationId="{D5CEA9D9-89D9-41FF-94D8-38F914907667}"/>
-          </ac:spMkLst>
-        </pc:spChg>
-        <pc:spChg chg="add del mod">
-          <ac:chgData name="Boon Jun" userId="b9b2384c46af58b4" providerId="LiveId" clId="{07FA4B2E-902A-4B46-B455-FA227D8539BA}" dt="2020-02-13T14:32:13.975" v="3467" actId="478"/>
-          <ac:spMkLst>
-            <pc:docMk/>
-            <pc:sldMk cId="2733934548" sldId="267"/>
-            <ac:spMk id="15" creationId="{7F907ECC-8F19-4208-B6BC-0F5AF683F34E}"/>
-          </ac:spMkLst>
-        </pc:spChg>
-        <pc:spChg chg="add mod">
-          <ac:chgData name="Boon Jun" userId="b9b2384c46af58b4" providerId="LiveId" clId="{07FA4B2E-902A-4B46-B455-FA227D8539BA}" dt="2020-02-13T14:32:32.511" v="3472" actId="207"/>
-          <ac:spMkLst>
-            <pc:docMk/>
-            <pc:sldMk cId="2733934548" sldId="267"/>
-            <ac:spMk id="16" creationId="{D5EBEDF3-20CA-460F-A90F-CA2F0B9CE354}"/>
-          </ac:spMkLst>
-        </pc:spChg>
-        <pc:spChg chg="add mod">
-          <ac:chgData name="Boon Jun" userId="b9b2384c46af58b4" providerId="LiveId" clId="{07FA4B2E-902A-4B46-B455-FA227D8539BA}" dt="2020-02-13T14:33:57.541" v="3491" actId="12"/>
-          <ac:spMkLst>
-            <pc:docMk/>
-            <pc:sldMk cId="2733934548" sldId="267"/>
-            <ac:spMk id="18" creationId="{63BD4CA7-9F63-43D5-9C55-9ED78578F975}"/>
-          </ac:spMkLst>
-        </pc:spChg>
-        <pc:picChg chg="mod">
-          <ac:chgData name="Boon Jun" userId="b9b2384c46af58b4" providerId="LiveId" clId="{07FA4B2E-902A-4B46-B455-FA227D8539BA}" dt="2020-02-12T06:37:41.435" v="543" actId="207"/>
-          <ac:picMkLst>
-            <pc:docMk/>
-            <pc:sldMk cId="2733934548" sldId="267"/>
-            <ac:picMk id="9" creationId="{4484A587-4DE2-4E0E-BD31-1E5371FF1617}"/>
-          </ac:picMkLst>
-        </pc:picChg>
-        <pc:picChg chg="mod">
-          <ac:chgData name="Boon Jun" userId="b9b2384c46af58b4" providerId="LiveId" clId="{07FA4B2E-902A-4B46-B455-FA227D8539BA}" dt="2020-02-12T06:37:47.436" v="544" actId="207"/>
-          <ac:picMkLst>
-            <pc:docMk/>
-            <pc:sldMk cId="2733934548" sldId="267"/>
-            <ac:picMk id="11" creationId="{787A3D66-E702-4786-9334-AA8574247486}"/>
-          </ac:picMkLst>
-        </pc:picChg>
-        <pc:picChg chg="add mod">
-          <ac:chgData name="Boon Jun" userId="b9b2384c46af58b4" providerId="LiveId" clId="{07FA4B2E-902A-4B46-B455-FA227D8539BA}" dt="2020-02-13T14:28:39.650" v="3417" actId="1076"/>
-          <ac:picMkLst>
-            <pc:docMk/>
-            <pc:sldMk cId="2733934548" sldId="267"/>
-            <ac:picMk id="12" creationId="{02FD26A9-D4DF-4704-AC8C-895E19A7736B}"/>
-          </ac:picMkLst>
-        </pc:picChg>
-        <pc:picChg chg="del">
-          <ac:chgData name="Boon Jun" userId="b9b2384c46af58b4" providerId="LiveId" clId="{07FA4B2E-902A-4B46-B455-FA227D8539BA}" dt="2020-02-13T14:52:57.860" v="3792" actId="478"/>
-          <ac:picMkLst>
-            <pc:docMk/>
-            <pc:sldMk cId="2733934548" sldId="267"/>
-            <ac:picMk id="19" creationId="{2C9D18F4-DF60-4C50-9850-912CD1CB918E}"/>
-          </ac:picMkLst>
-        </pc:picChg>
-        <pc:picChg chg="add">
-          <ac:chgData name="Boon Jun" userId="b9b2384c46af58b4" providerId="LiveId" clId="{07FA4B2E-902A-4B46-B455-FA227D8539BA}" dt="2020-02-13T14:52:58.287" v="3793"/>
-          <ac:picMkLst>
-            <pc:docMk/>
-            <pc:sldMk cId="2733934548" sldId="267"/>
-            <ac:picMk id="20" creationId="{4F1F826F-7E19-426D-9309-C7679F75C434}"/>
-          </ac:picMkLst>
-        </pc:picChg>
-        <pc:picChg chg="del">
-          <ac:chgData name="Boon Jun" userId="b9b2384c46af58b4" providerId="LiveId" clId="{07FA4B2E-902A-4B46-B455-FA227D8539BA}" dt="2020-02-13T14:52:59.722" v="3794" actId="478"/>
-          <ac:picMkLst>
-            <pc:docMk/>
-            <pc:sldMk cId="2733934548" sldId="267"/>
-            <ac:picMk id="21" creationId="{1EAAFDD7-270D-40BB-B235-F2B7DF98EC72}"/>
-          </ac:picMkLst>
-        </pc:picChg>
-      </pc:sldChg>
-      <pc:sldChg chg="addSp delSp modSp add">
-        <pc:chgData name="Boon Jun" userId="b9b2384c46af58b4" providerId="LiveId" clId="{07FA4B2E-902A-4B46-B455-FA227D8539BA}" dt="2020-02-13T14:53:08.563" v="3797" actId="478"/>
-        <pc:sldMkLst>
-          <pc:docMk/>
-          <pc:sldMk cId="1764059947" sldId="268"/>
-        </pc:sldMkLst>
-        <pc:spChg chg="mod">
-          <ac:chgData name="Boon Jun" userId="b9b2384c46af58b4" providerId="LiveId" clId="{07FA4B2E-902A-4B46-B455-FA227D8539BA}" dt="2020-02-12T06:37:58.271" v="578" actId="20577"/>
-          <ac:spMkLst>
-            <pc:docMk/>
-            <pc:sldMk cId="1764059947" sldId="268"/>
-            <ac:spMk id="2" creationId="{FF21E304-E4E0-438B-AB07-1B8DC03AFC6F}"/>
-          </ac:spMkLst>
-        </pc:spChg>
-        <pc:spChg chg="add mod">
-          <ac:chgData name="Boon Jun" userId="b9b2384c46af58b4" providerId="LiveId" clId="{07FA4B2E-902A-4B46-B455-FA227D8539BA}" dt="2020-02-13T14:39:44.367" v="3571" actId="1076"/>
-          <ac:spMkLst>
-            <pc:docMk/>
-            <pc:sldMk cId="1764059947" sldId="268"/>
-            <ac:spMk id="10" creationId="{371E5979-22FB-4EB1-B438-B2EA29F23B0D}"/>
-          </ac:spMkLst>
-        </pc:spChg>
-        <pc:spChg chg="add mod">
-          <ac:chgData name="Boon Jun" userId="b9b2384c46af58b4" providerId="LiveId" clId="{07FA4B2E-902A-4B46-B455-FA227D8539BA}" dt="2020-02-13T14:37:47.047" v="3527" actId="1076"/>
-          <ac:spMkLst>
-            <pc:docMk/>
-            <pc:sldMk cId="1764059947" sldId="268"/>
-            <ac:spMk id="14" creationId="{F060D061-0A96-49B1-ABD1-5C94995E59E2}"/>
-          </ac:spMkLst>
-        </pc:spChg>
-        <pc:spChg chg="add mod">
-          <ac:chgData name="Boon Jun" userId="b9b2384c46af58b4" providerId="LiveId" clId="{07FA4B2E-902A-4B46-B455-FA227D8539BA}" dt="2020-02-13T14:40:00.688" v="3573" actId="1076"/>
-          <ac:spMkLst>
-            <pc:docMk/>
-            <pc:sldMk cId="1764059947" sldId="268"/>
-            <ac:spMk id="15" creationId="{CC7AB7C4-16E9-4CA8-A878-B4CF7F1ECE56}"/>
-          </ac:spMkLst>
-        </pc:spChg>
-        <pc:picChg chg="add mod">
-          <ac:chgData name="Boon Jun" userId="b9b2384c46af58b4" providerId="LiveId" clId="{07FA4B2E-902A-4B46-B455-FA227D8539BA}" dt="2020-02-13T14:40:16.465" v="3574" actId="207"/>
-          <ac:picMkLst>
-            <pc:docMk/>
-            <pc:sldMk cId="1764059947" sldId="268"/>
-            <ac:picMk id="4" creationId="{2879D750-7A4C-4F57-9DD0-B9B1BE6696E2}"/>
-          </ac:picMkLst>
-        </pc:picChg>
-        <pc:picChg chg="add mod">
-          <ac:chgData name="Boon Jun" userId="b9b2384c46af58b4" providerId="LiveId" clId="{07FA4B2E-902A-4B46-B455-FA227D8539BA}" dt="2020-02-13T14:40:16.465" v="3574" actId="207"/>
-          <ac:picMkLst>
-            <pc:docMk/>
-            <pc:sldMk cId="1764059947" sldId="268"/>
-            <ac:picMk id="6" creationId="{AEFB87E6-C6E7-40EF-8C60-5D16275EDF6B}"/>
-          </ac:picMkLst>
-        </pc:picChg>
-        <pc:picChg chg="mod">
-          <ac:chgData name="Boon Jun" userId="b9b2384c46af58b4" providerId="LiveId" clId="{07FA4B2E-902A-4B46-B455-FA227D8539BA}" dt="2020-02-12T06:38:03.647" v="581" actId="207"/>
-          <ac:picMkLst>
-            <pc:docMk/>
-            <pc:sldMk cId="1764059947" sldId="268"/>
-            <ac:picMk id="11" creationId="{787A3D66-E702-4786-9334-AA8574247486}"/>
-          </ac:picMkLst>
-        </pc:picChg>
-        <pc:picChg chg="add mod">
-          <ac:chgData name="Boon Jun" userId="b9b2384c46af58b4" providerId="LiveId" clId="{07FA4B2E-902A-4B46-B455-FA227D8539BA}" dt="2020-02-13T14:40:16.465" v="3574" actId="207"/>
-          <ac:picMkLst>
-            <pc:docMk/>
-            <pc:sldMk cId="1764059947" sldId="268"/>
-            <ac:picMk id="12" creationId="{05DA79EC-A89A-486F-86B9-391389F25AC3}"/>
-          </ac:picMkLst>
-        </pc:picChg>
-        <pc:picChg chg="mod">
-          <ac:chgData name="Boon Jun" userId="b9b2384c46af58b4" providerId="LiveId" clId="{07FA4B2E-902A-4B46-B455-FA227D8539BA}" dt="2020-02-12T06:38:07.651" v="582" actId="207"/>
-          <ac:picMkLst>
-            <pc:docMk/>
-            <pc:sldMk cId="1764059947" sldId="268"/>
-            <ac:picMk id="13" creationId="{10818EE9-430A-4CC4-BD02-5BDDEF750326}"/>
-          </ac:picMkLst>
-        </pc:picChg>
-        <pc:picChg chg="del">
-          <ac:chgData name="Boon Jun" userId="b9b2384c46af58b4" providerId="LiveId" clId="{07FA4B2E-902A-4B46-B455-FA227D8539BA}" dt="2020-02-13T14:53:05.163" v="3795" actId="478"/>
-          <ac:picMkLst>
-            <pc:docMk/>
-            <pc:sldMk cId="1764059947" sldId="268"/>
-            <ac:picMk id="19" creationId="{2C9D18F4-DF60-4C50-9850-912CD1CB918E}"/>
-          </ac:picMkLst>
-        </pc:picChg>
-        <pc:picChg chg="add">
-          <ac:chgData name="Boon Jun" userId="b9b2384c46af58b4" providerId="LiveId" clId="{07FA4B2E-902A-4B46-B455-FA227D8539BA}" dt="2020-02-13T14:53:06.094" v="3796"/>
-          <ac:picMkLst>
-            <pc:docMk/>
-            <pc:sldMk cId="1764059947" sldId="268"/>
-            <ac:picMk id="20" creationId="{3EE1B200-BA5C-4316-A756-DA3E3354C87A}"/>
-          </ac:picMkLst>
-        </pc:picChg>
-        <pc:picChg chg="del">
-          <ac:chgData name="Boon Jun" userId="b9b2384c46af58b4" providerId="LiveId" clId="{07FA4B2E-902A-4B46-B455-FA227D8539BA}" dt="2020-02-13T14:53:08.563" v="3797" actId="478"/>
-          <ac:picMkLst>
-            <pc:docMk/>
-            <pc:sldMk cId="1764059947" sldId="268"/>
-            <ac:picMk id="21" creationId="{1EAAFDD7-270D-40BB-B235-F2B7DF98EC72}"/>
-          </ac:picMkLst>
-        </pc:picChg>
-      </pc:sldChg>
-      <pc:sldChg chg="addSp delSp modSp add">
-        <pc:chgData name="Boon Jun" userId="b9b2384c46af58b4" providerId="LiveId" clId="{07FA4B2E-902A-4B46-B455-FA227D8539BA}" dt="2020-02-13T14:53:16.313" v="3800" actId="478"/>
-        <pc:sldMkLst>
-          <pc:docMk/>
-          <pc:sldMk cId="130660112" sldId="269"/>
-        </pc:sldMkLst>
-        <pc:spChg chg="mod">
-          <ac:chgData name="Boon Jun" userId="b9b2384c46af58b4" providerId="LiveId" clId="{07FA4B2E-902A-4B46-B455-FA227D8539BA}" dt="2020-02-12T06:38:23.850" v="592" actId="20577"/>
-          <ac:spMkLst>
-            <pc:docMk/>
-            <pc:sldMk cId="130660112" sldId="269"/>
-            <ac:spMk id="2" creationId="{FF21E304-E4E0-438B-AB07-1B8DC03AFC6F}"/>
-          </ac:spMkLst>
-        </pc:spChg>
-        <pc:spChg chg="add del mod">
-          <ac:chgData name="Boon Jun" userId="b9b2384c46af58b4" providerId="LiveId" clId="{07FA4B2E-902A-4B46-B455-FA227D8539BA}" dt="2020-02-13T14:43:08.407" v="3581" actId="478"/>
-          <ac:spMkLst>
-            <pc:docMk/>
-            <pc:sldMk cId="130660112" sldId="269"/>
-            <ac:spMk id="3" creationId="{11E345F3-5425-4E38-BD4B-C4F51EA935A5}"/>
-          </ac:spMkLst>
-        </pc:spChg>
-        <pc:spChg chg="add mod">
-          <ac:chgData name="Boon Jun" userId="b9b2384c46af58b4" providerId="LiveId" clId="{07FA4B2E-902A-4B46-B455-FA227D8539BA}" dt="2020-02-13T14:50:10.028" v="3650" actId="555"/>
-          <ac:spMkLst>
-            <pc:docMk/>
-            <pc:sldMk cId="130660112" sldId="269"/>
-            <ac:spMk id="4" creationId="{5E578772-EAAE-458D-B830-1F5DD458FA24}"/>
-          </ac:spMkLst>
-        </pc:spChg>
-        <pc:spChg chg="add mod">
-          <ac:chgData name="Boon Jun" userId="b9b2384c46af58b4" providerId="LiveId" clId="{07FA4B2E-902A-4B46-B455-FA227D8539BA}" dt="2020-02-13T14:49:02.401" v="3636" actId="1076"/>
-          <ac:spMkLst>
-            <pc:docMk/>
-            <pc:sldMk cId="130660112" sldId="269"/>
-            <ac:spMk id="12" creationId="{97B40F1B-4516-4D95-A0FA-4B9FA0017862}"/>
-          </ac:spMkLst>
-        </pc:spChg>
-        <pc:spChg chg="add mod">
-          <ac:chgData name="Boon Jun" userId="b9b2384c46af58b4" providerId="LiveId" clId="{07FA4B2E-902A-4B46-B455-FA227D8539BA}" dt="2020-02-13T14:48:58.058" v="3635" actId="1076"/>
-          <ac:spMkLst>
-            <pc:docMk/>
-            <pc:sldMk cId="130660112" sldId="269"/>
-            <ac:spMk id="14" creationId="{F748641D-FD57-4755-ABCE-CBB2DD3DA4C4}"/>
-          </ac:spMkLst>
-        </pc:spChg>
-        <pc:spChg chg="add mod">
-          <ac:chgData name="Boon Jun" userId="b9b2384c46af58b4" providerId="LiveId" clId="{07FA4B2E-902A-4B46-B455-FA227D8539BA}" dt="2020-02-13T14:50:24.048" v="3658" actId="20577"/>
-          <ac:spMkLst>
-            <pc:docMk/>
-            <pc:sldMk cId="130660112" sldId="269"/>
-            <ac:spMk id="16" creationId="{ED19E5FB-A0EC-4411-9C07-2B0CA55826C8}"/>
-          </ac:spMkLst>
-        </pc:spChg>
-        <pc:graphicFrameChg chg="add mod">
-          <ac:chgData name="Boon Jun" userId="b9b2384c46af58b4" providerId="LiveId" clId="{07FA4B2E-902A-4B46-B455-FA227D8539BA}" dt="2020-02-13T14:49:26.874" v="3639"/>
-          <ac:graphicFrameMkLst>
-            <pc:docMk/>
-            <pc:sldMk cId="130660112" sldId="269"/>
-            <ac:graphicFrameMk id="15" creationId="{F5D3B438-9BE1-48D5-AFE4-85AAF9E603B9}"/>
-          </ac:graphicFrameMkLst>
-        </pc:graphicFrameChg>
-        <pc:picChg chg="mod">
-          <ac:chgData name="Boon Jun" userId="b9b2384c46af58b4" providerId="LiveId" clId="{07FA4B2E-902A-4B46-B455-FA227D8539BA}" dt="2020-02-12T06:38:28.140" v="593" actId="207"/>
-          <ac:picMkLst>
-            <pc:docMk/>
-            <pc:sldMk cId="130660112" sldId="269"/>
-            <ac:picMk id="13" creationId="{10818EE9-430A-4CC4-BD02-5BDDEF750326}"/>
-          </ac:picMkLst>
-        </pc:picChg>
-        <pc:picChg chg="mod">
-          <ac:chgData name="Boon Jun" userId="b9b2384c46af58b4" providerId="LiveId" clId="{07FA4B2E-902A-4B46-B455-FA227D8539BA}" dt="2020-02-12T06:38:32.372" v="594" actId="207"/>
-          <ac:picMkLst>
-            <pc:docMk/>
-            <pc:sldMk cId="130660112" sldId="269"/>
-            <ac:picMk id="17" creationId="{2AB76BBD-A7C0-47CD-8857-DAAB96FDAC61}"/>
-          </ac:picMkLst>
-        </pc:picChg>
-        <pc:picChg chg="add">
-          <ac:chgData name="Boon Jun" userId="b9b2384c46af58b4" providerId="LiveId" clId="{07FA4B2E-902A-4B46-B455-FA227D8539BA}" dt="2020-02-13T14:53:14.381" v="3799"/>
-          <ac:picMkLst>
-            <pc:docMk/>
-            <pc:sldMk cId="130660112" sldId="269"/>
-            <ac:picMk id="18" creationId="{7C7A62CD-CD8D-4FAC-929F-A22A075F4143}"/>
-          </ac:picMkLst>
-        </pc:picChg>
-        <pc:picChg chg="del">
-          <ac:chgData name="Boon Jun" userId="b9b2384c46af58b4" providerId="LiveId" clId="{07FA4B2E-902A-4B46-B455-FA227D8539BA}" dt="2020-02-13T14:53:13.592" v="3798" actId="478"/>
-          <ac:picMkLst>
-            <pc:docMk/>
-            <pc:sldMk cId="130660112" sldId="269"/>
-            <ac:picMk id="19" creationId="{2C9D18F4-DF60-4C50-9850-912CD1CB918E}"/>
-          </ac:picMkLst>
-        </pc:picChg>
-        <pc:picChg chg="del">
-          <ac:chgData name="Boon Jun" userId="b9b2384c46af58b4" providerId="LiveId" clId="{07FA4B2E-902A-4B46-B455-FA227D8539BA}" dt="2020-02-13T14:53:16.313" v="3800" actId="478"/>
-          <ac:picMkLst>
-            <pc:docMk/>
-            <pc:sldMk cId="130660112" sldId="269"/>
-            <ac:picMk id="21" creationId="{1EAAFDD7-270D-40BB-B235-F2B7DF98EC72}"/>
-          </ac:picMkLst>
-        </pc:picChg>
-      </pc:sldChg>
-      <pc:sldChg chg="modSp add del">
-        <pc:chgData name="Boon Jun" userId="b9b2384c46af58b4" providerId="LiveId" clId="{07FA4B2E-902A-4B46-B455-FA227D8539BA}" dt="2020-02-13T14:53:28.244" v="3804" actId="47"/>
-        <pc:sldMkLst>
-          <pc:docMk/>
-          <pc:sldMk cId="1595663936" sldId="270"/>
-        </pc:sldMkLst>
-        <pc:spChg chg="mod">
-          <ac:chgData name="Boon Jun" userId="b9b2384c46af58b4" providerId="LiveId" clId="{07FA4B2E-902A-4B46-B455-FA227D8539BA}" dt="2020-02-12T06:38:43.560" v="605" actId="20577"/>
-          <ac:spMkLst>
-            <pc:docMk/>
-            <pc:sldMk cId="1595663936" sldId="270"/>
-            <ac:spMk id="2" creationId="{FF21E304-E4E0-438B-AB07-1B8DC03AFC6F}"/>
-          </ac:spMkLst>
-        </pc:spChg>
-        <pc:picChg chg="mod">
-          <ac:chgData name="Boon Jun" userId="b9b2384c46af58b4" providerId="LiveId" clId="{07FA4B2E-902A-4B46-B455-FA227D8539BA}" dt="2020-02-12T06:38:48.253" v="606" actId="207"/>
-          <ac:picMkLst>
-            <pc:docMk/>
-            <pc:sldMk cId="1595663936" sldId="270"/>
-            <ac:picMk id="17" creationId="{2AB76BBD-A7C0-47CD-8857-DAAB96FDAC61}"/>
-          </ac:picMkLst>
-        </pc:picChg>
-        <pc:picChg chg="mod">
-          <ac:chgData name="Boon Jun" userId="b9b2384c46af58b4" providerId="LiveId" clId="{07FA4B2E-902A-4B46-B455-FA227D8539BA}" dt="2020-02-12T06:38:54.233" v="608" actId="207"/>
-          <ac:picMkLst>
-            <pc:docMk/>
-            <pc:sldMk cId="1595663936" sldId="270"/>
-            <ac:picMk id="19" creationId="{2C9D18F4-DF60-4C50-9850-912CD1CB918E}"/>
-          </ac:picMkLst>
-        </pc:picChg>
-      </pc:sldChg>
-      <pc:sldChg chg="addSp delSp modSp add">
-        <pc:chgData name="Boon Jun" userId="b9b2384c46af58b4" providerId="LiveId" clId="{07FA4B2E-902A-4B46-B455-FA227D8539BA}" dt="2020-02-13T14:53:38.300" v="3809" actId="478"/>
-        <pc:sldMkLst>
-          <pc:docMk/>
-          <pc:sldMk cId="3282349588" sldId="271"/>
-        </pc:sldMkLst>
-        <pc:spChg chg="mod">
-          <ac:chgData name="Boon Jun" userId="b9b2384c46af58b4" providerId="LiveId" clId="{07FA4B2E-902A-4B46-B455-FA227D8539BA}" dt="2020-02-12T06:39:07.643" v="634" actId="20577"/>
-          <ac:spMkLst>
-            <pc:docMk/>
-            <pc:sldMk cId="3282349588" sldId="271"/>
-            <ac:spMk id="2" creationId="{FF21E304-E4E0-438B-AB07-1B8DC03AFC6F}"/>
-          </ac:spMkLst>
-        </pc:spChg>
-        <pc:spChg chg="add mod">
-          <ac:chgData name="Boon Jun" userId="b9b2384c46af58b4" providerId="LiveId" clId="{07FA4B2E-902A-4B46-B455-FA227D8539BA}" dt="2020-02-13T06:37:02.405" v="1974" actId="1076"/>
-          <ac:spMkLst>
-            <pc:docMk/>
-            <pc:sldMk cId="3282349588" sldId="271"/>
-            <ac:spMk id="8" creationId="{B452A63B-48F2-48C5-81B3-285FC0421F98}"/>
-          </ac:spMkLst>
-        </pc:spChg>
-        <pc:spChg chg="add mod">
-          <ac:chgData name="Boon Jun" userId="b9b2384c46af58b4" providerId="LiveId" clId="{07FA4B2E-902A-4B46-B455-FA227D8539BA}" dt="2020-02-13T06:27:50.865" v="1905" actId="20577"/>
-          <ac:spMkLst>
-            <pc:docMk/>
-            <pc:sldMk cId="3282349588" sldId="271"/>
-            <ac:spMk id="10" creationId="{45E2ABB5-AA4B-4A0D-9553-8D9F0D57F433}"/>
-          </ac:spMkLst>
-        </pc:spChg>
-        <pc:spChg chg="add mod">
-          <ac:chgData name="Boon Jun" userId="b9b2384c46af58b4" providerId="LiveId" clId="{07FA4B2E-902A-4B46-B455-FA227D8539BA}" dt="2020-02-13T06:37:02.405" v="1974" actId="1076"/>
-          <ac:spMkLst>
-            <pc:docMk/>
-            <pc:sldMk cId="3282349588" sldId="271"/>
-            <ac:spMk id="16" creationId="{43EC70CF-418E-449B-8F23-60C0331C3AF1}"/>
-          </ac:spMkLst>
-        </pc:spChg>
-        <pc:spChg chg="add del">
-          <ac:chgData name="Boon Jun" userId="b9b2384c46af58b4" providerId="LiveId" clId="{07FA4B2E-902A-4B46-B455-FA227D8539BA}" dt="2020-02-13T06:35:05.684" v="1940" actId="478"/>
-          <ac:spMkLst>
-            <pc:docMk/>
-            <pc:sldMk cId="3282349588" sldId="271"/>
-            <ac:spMk id="18" creationId="{CB696226-3662-4EC7-B3DD-8BBCBDEA03DF}"/>
-          </ac:spMkLst>
-        </pc:spChg>
-        <pc:spChg chg="add mod">
-          <ac:chgData name="Boon Jun" userId="b9b2384c46af58b4" providerId="LiveId" clId="{07FA4B2E-902A-4B46-B455-FA227D8539BA}" dt="2020-02-13T07:22:51.450" v="2787" actId="208"/>
-          <ac:spMkLst>
-            <pc:docMk/>
-            <pc:sldMk cId="3282349588" sldId="271"/>
-            <ac:spMk id="20" creationId="{656E65F0-7028-48A5-9D66-1E5927A60C4C}"/>
-          </ac:spMkLst>
-        </pc:spChg>
-        <pc:spChg chg="add mod">
-          <ac:chgData name="Boon Jun" userId="b9b2384c46af58b4" providerId="LiveId" clId="{07FA4B2E-902A-4B46-B455-FA227D8539BA}" dt="2020-02-13T07:22:53.674" v="2788" actId="208"/>
-          <ac:spMkLst>
-            <pc:docMk/>
-            <pc:sldMk cId="3282349588" sldId="271"/>
-            <ac:spMk id="22" creationId="{A02A4A20-F180-4BE1-966A-15E3B0B8B041}"/>
-          </ac:spMkLst>
-        </pc:spChg>
-        <pc:picChg chg="add mod">
-          <ac:chgData name="Boon Jun" userId="b9b2384c46af58b4" providerId="LiveId" clId="{07FA4B2E-902A-4B46-B455-FA227D8539BA}" dt="2020-02-13T06:37:02.405" v="1974" actId="1076"/>
-          <ac:picMkLst>
-            <pc:docMk/>
-            <pc:sldMk cId="3282349588" sldId="271"/>
-            <ac:picMk id="4" creationId="{1A09FB53-B480-43EA-BF51-1165BDFCD5D9}"/>
-          </ac:picMkLst>
-        </pc:picChg>
-        <pc:picChg chg="add mod">
-          <ac:chgData name="Boon Jun" userId="b9b2384c46af58b4" providerId="LiveId" clId="{07FA4B2E-902A-4B46-B455-FA227D8539BA}" dt="2020-02-13T06:37:02.405" v="1974" actId="1076"/>
-          <ac:picMkLst>
-            <pc:docMk/>
-            <pc:sldMk cId="3282349588" sldId="271"/>
-            <ac:picMk id="6" creationId="{B0C6816B-0D15-4574-A76A-778D709CA8D1}"/>
-          </ac:picMkLst>
-        </pc:picChg>
-        <pc:picChg chg="add mod">
-          <ac:chgData name="Boon Jun" userId="b9b2384c46af58b4" providerId="LiveId" clId="{07FA4B2E-902A-4B46-B455-FA227D8539BA}" dt="2020-02-13T14:53:36.989" v="3808" actId="207"/>
-          <ac:picMkLst>
-            <pc:docMk/>
-            <pc:sldMk cId="3282349588" sldId="271"/>
-            <ac:picMk id="18" creationId="{79472066-32F0-4E0E-A35D-54AF76FD2888}"/>
-          </ac:picMkLst>
-        </pc:picChg>
-        <pc:picChg chg="del mod">
-          <ac:chgData name="Boon Jun" userId="b9b2384c46af58b4" providerId="LiveId" clId="{07FA4B2E-902A-4B46-B455-FA227D8539BA}" dt="2020-02-13T14:53:35.211" v="3806" actId="478"/>
-          <ac:picMkLst>
-            <pc:docMk/>
-            <pc:sldMk cId="3282349588" sldId="271"/>
-            <ac:picMk id="19" creationId="{2C9D18F4-DF60-4C50-9850-912CD1CB918E}"/>
-          </ac:picMkLst>
-        </pc:picChg>
-        <pc:picChg chg="del mod">
-          <ac:chgData name="Boon Jun" userId="b9b2384c46af58b4" providerId="LiveId" clId="{07FA4B2E-902A-4B46-B455-FA227D8539BA}" dt="2020-02-13T14:53:38.300" v="3809" actId="478"/>
-          <ac:picMkLst>
-            <pc:docMk/>
-            <pc:sldMk cId="3282349588" sldId="271"/>
-            <ac:picMk id="21" creationId="{1EAAFDD7-270D-40BB-B235-F2B7DF98EC72}"/>
-          </ac:picMkLst>
-        </pc:picChg>
-      </pc:sldChg>
-      <pc:sldChg chg="addSp delSp modSp add">
-        <pc:chgData name="Boon Jun" userId="b9b2384c46af58b4" providerId="LiveId" clId="{07FA4B2E-902A-4B46-B455-FA227D8539BA}" dt="2020-02-13T14:52:39.351" v="3784" actId="478"/>
-        <pc:sldMkLst>
-          <pc:docMk/>
-          <pc:sldMk cId="1379808267" sldId="272"/>
-        </pc:sldMkLst>
-        <pc:spChg chg="add mod">
-          <ac:chgData name="Boon Jun" userId="b9b2384c46af58b4" providerId="LiveId" clId="{07FA4B2E-902A-4B46-B455-FA227D8539BA}" dt="2020-02-13T06:09:00.667" v="1814" actId="20577"/>
-          <ac:spMkLst>
-            <pc:docMk/>
-            <pc:sldMk cId="1379808267" sldId="272"/>
-            <ac:spMk id="5" creationId="{CC23D55A-30AE-4C8C-88BB-8FE8FAD139FA}"/>
-          </ac:spMkLst>
-        </pc:spChg>
-        <pc:grpChg chg="del">
-          <ac:chgData name="Boon Jun" userId="b9b2384c46af58b4" providerId="LiveId" clId="{07FA4B2E-902A-4B46-B455-FA227D8539BA}" dt="2020-02-13T06:04:21.538" v="1669" actId="478"/>
-          <ac:grpSpMkLst>
-            <pc:docMk/>
-            <pc:sldMk cId="1379808267" sldId="272"/>
-            <ac:grpSpMk id="16" creationId="{42FCBA91-79B9-432A-AFB5-D14194C68518}"/>
-          </ac:grpSpMkLst>
-        </pc:grpChg>
-        <pc:picChg chg="add mod">
-          <ac:chgData name="Boon Jun" userId="b9b2384c46af58b4" providerId="LiveId" clId="{07FA4B2E-902A-4B46-B455-FA227D8539BA}" dt="2020-02-13T06:04:37.782" v="1674" actId="1076"/>
-          <ac:picMkLst>
-            <pc:docMk/>
-            <pc:sldMk cId="1379808267" sldId="272"/>
-            <ac:picMk id="4" creationId="{CBFAD28F-2239-4638-9A38-E003A3DBC569}"/>
-          </ac:picMkLst>
-        </pc:picChg>
-        <pc:picChg chg="add">
-          <ac:chgData name="Boon Jun" userId="b9b2384c46af58b4" providerId="LiveId" clId="{07FA4B2E-902A-4B46-B455-FA227D8539BA}" dt="2020-02-13T14:52:37.861" v="3783"/>
-          <ac:picMkLst>
-            <pc:docMk/>
-            <pc:sldMk cId="1379808267" sldId="272"/>
-            <ac:picMk id="14" creationId="{75D1273B-FDEC-4250-8859-4CD78B688F8B}"/>
-          </ac:picMkLst>
-        </pc:picChg>
-        <pc:picChg chg="del">
-          <ac:chgData name="Boon Jun" userId="b9b2384c46af58b4" providerId="LiveId" clId="{07FA4B2E-902A-4B46-B455-FA227D8539BA}" dt="2020-02-13T14:52:36.830" v="3782" actId="478"/>
-          <ac:picMkLst>
-            <pc:docMk/>
-            <pc:sldMk cId="1379808267" sldId="272"/>
-            <ac:picMk id="19" creationId="{2C9D18F4-DF60-4C50-9850-912CD1CB918E}"/>
-          </ac:picMkLst>
-        </pc:picChg>
-        <pc:picChg chg="del">
-          <ac:chgData name="Boon Jun" userId="b9b2384c46af58b4" providerId="LiveId" clId="{07FA4B2E-902A-4B46-B455-FA227D8539BA}" dt="2020-02-13T14:52:39.351" v="3784" actId="478"/>
-          <ac:picMkLst>
-            <pc:docMk/>
-            <pc:sldMk cId="1379808267" sldId="272"/>
-            <ac:picMk id="21" creationId="{1EAAFDD7-270D-40BB-B235-F2B7DF98EC72}"/>
-          </ac:picMkLst>
-        </pc:picChg>
-        <pc:picChg chg="del">
-          <ac:chgData name="Boon Jun" userId="b9b2384c46af58b4" providerId="LiveId" clId="{07FA4B2E-902A-4B46-B455-FA227D8539BA}" dt="2020-02-13T06:04:21.538" v="1669" actId="478"/>
-          <ac:picMkLst>
-            <pc:docMk/>
-            <pc:sldMk cId="1379808267" sldId="272"/>
-            <ac:picMk id="2050" creationId="{EDAA3C66-9856-43C0-9E71-DF9C9727AB29}"/>
-          </ac:picMkLst>
-        </pc:picChg>
-      </pc:sldChg>
-      <pc:sldChg chg="addSp delSp modSp add">
-        <pc:chgData name="Boon Jun" userId="b9b2384c46af58b4" providerId="LiveId" clId="{07FA4B2E-902A-4B46-B455-FA227D8539BA}" dt="2020-02-13T14:52:45.481" v="3788" actId="478"/>
-        <pc:sldMkLst>
-          <pc:docMk/>
-          <pc:sldMk cId="2499887071" sldId="273"/>
-        </pc:sldMkLst>
-        <pc:spChg chg="mod">
-          <ac:chgData name="Boon Jun" userId="b9b2384c46af58b4" providerId="LiveId" clId="{07FA4B2E-902A-4B46-B455-FA227D8539BA}" dt="2020-02-13T06:15:06.662" v="1871"/>
-          <ac:spMkLst>
-            <pc:docMk/>
-            <pc:sldMk cId="2499887071" sldId="273"/>
-            <ac:spMk id="5" creationId="{CC23D55A-30AE-4C8C-88BB-8FE8FAD139FA}"/>
-          </ac:spMkLst>
-        </pc:spChg>
-        <pc:picChg chg="add del">
-          <ac:chgData name="Boon Jun" userId="b9b2384c46af58b4" providerId="LiveId" clId="{07FA4B2E-902A-4B46-B455-FA227D8539BA}" dt="2020-02-13T06:13:41.781" v="1836" actId="478"/>
-          <ac:picMkLst>
-            <pc:docMk/>
-            <pc:sldMk cId="2499887071" sldId="273"/>
-            <ac:picMk id="4" creationId="{CBFAD28F-2239-4638-9A38-E003A3DBC569}"/>
-          </ac:picMkLst>
-        </pc:picChg>
-        <pc:picChg chg="add del mod">
-          <ac:chgData name="Boon Jun" userId="b9b2384c46af58b4" providerId="LiveId" clId="{07FA4B2E-902A-4B46-B455-FA227D8539BA}" dt="2020-02-13T06:09:17.601" v="1821"/>
-          <ac:picMkLst>
-            <pc:docMk/>
-            <pc:sldMk cId="2499887071" sldId="273"/>
-            <ac:picMk id="6" creationId="{7294BDAC-7D1C-4FBA-898A-760BC140880D}"/>
-          </ac:picMkLst>
-        </pc:picChg>
-        <pc:picChg chg="add mod">
-          <ac:chgData name="Boon Jun" userId="b9b2384c46af58b4" providerId="LiveId" clId="{07FA4B2E-902A-4B46-B455-FA227D8539BA}" dt="2020-02-13T06:13:48.327" v="1849" actId="1037"/>
-          <ac:picMkLst>
-            <pc:docMk/>
-            <pc:sldMk cId="2499887071" sldId="273"/>
-            <ac:picMk id="12" creationId="{083F80D5-4EEE-473F-94B1-449EF837624C}"/>
-          </ac:picMkLst>
-        </pc:picChg>
-        <pc:picChg chg="add">
-          <ac:chgData name="Boon Jun" userId="b9b2384c46af58b4" providerId="LiveId" clId="{07FA4B2E-902A-4B46-B455-FA227D8539BA}" dt="2020-02-13T14:52:44.226" v="3787"/>
-          <ac:picMkLst>
-            <pc:docMk/>
-            <pc:sldMk cId="2499887071" sldId="273"/>
-            <ac:picMk id="14" creationId="{3E64EA64-8507-44CE-A5A3-F5DA4BEC295C}"/>
-          </ac:picMkLst>
-        </pc:picChg>
-        <pc:picChg chg="del mod">
-          <ac:chgData name="Boon Jun" userId="b9b2384c46af58b4" providerId="LiveId" clId="{07FA4B2E-902A-4B46-B455-FA227D8539BA}" dt="2020-02-13T14:52:43.481" v="3786" actId="478"/>
-          <ac:picMkLst>
-            <pc:docMk/>
-            <pc:sldMk cId="2499887071" sldId="273"/>
-            <ac:picMk id="19" creationId="{2C9D18F4-DF60-4C50-9850-912CD1CB918E}"/>
-          </ac:picMkLst>
-        </pc:picChg>
-        <pc:picChg chg="del">
-          <ac:chgData name="Boon Jun" userId="b9b2384c46af58b4" providerId="LiveId" clId="{07FA4B2E-902A-4B46-B455-FA227D8539BA}" dt="2020-02-13T14:52:45.481" v="3788" actId="478"/>
-          <ac:picMkLst>
-            <pc:docMk/>
-            <pc:sldMk cId="2499887071" sldId="273"/>
-            <ac:picMk id="21" creationId="{1EAAFDD7-270D-40BB-B235-F2B7DF98EC72}"/>
-          </ac:picMkLst>
-        </pc:picChg>
-      </pc:sldChg>
-      <pc:sldChg chg="addSp delSp modSp add">
-        <pc:chgData name="Boon Jun" userId="b9b2384c46af58b4" providerId="LiveId" clId="{07FA4B2E-902A-4B46-B455-FA227D8539BA}" dt="2020-02-13T06:38:59.365" v="2010" actId="208"/>
-        <pc:sldMkLst>
-          <pc:docMk/>
-          <pc:sldMk cId="3005144333" sldId="274"/>
-        </pc:sldMkLst>
-        <pc:spChg chg="mod">
-          <ac:chgData name="Boon Jun" userId="b9b2384c46af58b4" providerId="LiveId" clId="{07FA4B2E-902A-4B46-B455-FA227D8539BA}" dt="2020-02-13T06:37:46.017" v="2002" actId="1037"/>
-          <ac:spMkLst>
-            <pc:docMk/>
-            <pc:sldMk cId="3005144333" sldId="274"/>
-            <ac:spMk id="8" creationId="{B452A63B-48F2-48C5-81B3-285FC0421F98}"/>
-          </ac:spMkLst>
-        </pc:spChg>
-        <pc:spChg chg="mod">
-          <ac:chgData name="Boon Jun" userId="b9b2384c46af58b4" providerId="LiveId" clId="{07FA4B2E-902A-4B46-B455-FA227D8539BA}" dt="2020-02-13T06:37:46.017" v="2002" actId="1037"/>
-          <ac:spMkLst>
-            <pc:docMk/>
-            <pc:sldMk cId="3005144333" sldId="274"/>
-            <ac:spMk id="16" creationId="{43EC70CF-418E-449B-8F23-60C0331C3AF1}"/>
-          </ac:spMkLst>
-        </pc:spChg>
-        <pc:spChg chg="mod">
-          <ac:chgData name="Boon Jun" userId="b9b2384c46af58b4" providerId="LiveId" clId="{07FA4B2E-902A-4B46-B455-FA227D8539BA}" dt="2020-02-13T06:38:59.365" v="2010" actId="208"/>
-          <ac:spMkLst>
-            <pc:docMk/>
-            <pc:sldMk cId="3005144333" sldId="274"/>
-            <ac:spMk id="20" creationId="{656E65F0-7028-48A5-9D66-1E5927A60C4C}"/>
-          </ac:spMkLst>
-        </pc:spChg>
-        <pc:spChg chg="mod">
-          <ac:chgData name="Boon Jun" userId="b9b2384c46af58b4" providerId="LiveId" clId="{07FA4B2E-902A-4B46-B455-FA227D8539BA}" dt="2020-02-13T06:38:59.365" v="2010" actId="208"/>
-          <ac:spMkLst>
-            <pc:docMk/>
-            <pc:sldMk cId="3005144333" sldId="274"/>
-            <ac:spMk id="22" creationId="{A02A4A20-F180-4BE1-966A-15E3B0B8B041}"/>
-          </ac:spMkLst>
-        </pc:spChg>
-        <pc:picChg chg="del">
-          <ac:chgData name="Boon Jun" userId="b9b2384c46af58b4" providerId="LiveId" clId="{07FA4B2E-902A-4B46-B455-FA227D8539BA}" dt="2020-02-13T06:35:12.404" v="1943" actId="478"/>
-          <ac:picMkLst>
-            <pc:docMk/>
-            <pc:sldMk cId="3005144333" sldId="274"/>
-            <ac:picMk id="4" creationId="{1A09FB53-B480-43EA-BF51-1165BDFCD5D9}"/>
-          </ac:picMkLst>
-        </pc:picChg>
-        <pc:picChg chg="add mod ord">
-          <ac:chgData name="Boon Jun" userId="b9b2384c46af58b4" providerId="LiveId" clId="{07FA4B2E-902A-4B46-B455-FA227D8539BA}" dt="2020-02-13T06:38:10.694" v="2007" actId="1076"/>
-          <ac:picMkLst>
-            <pc:docMk/>
-            <pc:sldMk cId="3005144333" sldId="274"/>
-            <ac:picMk id="5" creationId="{E4A3E851-53C2-4981-A4C0-DF59EC7308CF}"/>
-          </ac:picMkLst>
-        </pc:picChg>
-        <pc:picChg chg="del">
-          <ac:chgData name="Boon Jun" userId="b9b2384c46af58b4" providerId="LiveId" clId="{07FA4B2E-902A-4B46-B455-FA227D8539BA}" dt="2020-02-13T06:35:11.854" v="1942" actId="478"/>
-          <ac:picMkLst>
-            <pc:docMk/>
-            <pc:sldMk cId="3005144333" sldId="274"/>
-            <ac:picMk id="6" creationId="{B0C6816B-0D15-4574-A76A-778D709CA8D1}"/>
-          </ac:picMkLst>
-        </pc:picChg>
-        <pc:picChg chg="add del mod ord">
-          <ac:chgData name="Boon Jun" userId="b9b2384c46af58b4" providerId="LiveId" clId="{07FA4B2E-902A-4B46-B455-FA227D8539BA}" dt="2020-02-13T06:37:32.772" v="1985" actId="167"/>
-          <ac:picMkLst>
-            <pc:docMk/>
-            <pc:sldMk cId="3005144333" sldId="274"/>
-            <ac:picMk id="14" creationId="{96E2515F-812A-4896-A3E9-3459D7DA7C55}"/>
-          </ac:picMkLst>
-        </pc:picChg>
-      </pc:sldChg>
-      <pc:sldChg chg="addSp delSp modSp add">
-        <pc:chgData name="Boon Jun" userId="b9b2384c46af58b4" providerId="LiveId" clId="{07FA4B2E-902A-4B46-B455-FA227D8539BA}" dt="2020-02-13T14:53:44.910" v="3812" actId="478"/>
-        <pc:sldMkLst>
-          <pc:docMk/>
-          <pc:sldMk cId="2302173148" sldId="275"/>
-        </pc:sldMkLst>
-        <pc:spChg chg="mod">
-          <ac:chgData name="Boon Jun" userId="b9b2384c46af58b4" providerId="LiveId" clId="{07FA4B2E-902A-4B46-B455-FA227D8539BA}" dt="2020-02-13T06:43:27.592" v="2059" actId="1076"/>
-          <ac:spMkLst>
-            <pc:docMk/>
-            <pc:sldMk cId="2302173148" sldId="275"/>
-            <ac:spMk id="8" creationId="{B452A63B-48F2-48C5-81B3-285FC0421F98}"/>
-          </ac:spMkLst>
-        </pc:spChg>
-        <pc:spChg chg="mod">
-          <ac:chgData name="Boon Jun" userId="b9b2384c46af58b4" providerId="LiveId" clId="{07FA4B2E-902A-4B46-B455-FA227D8539BA}" dt="2020-02-13T06:43:32.211" v="2061" actId="1076"/>
-          <ac:spMkLst>
-            <pc:docMk/>
-            <pc:sldMk cId="2302173148" sldId="275"/>
-            <ac:spMk id="16" creationId="{43EC70CF-418E-449B-8F23-60C0331C3AF1}"/>
-          </ac:spMkLst>
-        </pc:spChg>
-        <pc:spChg chg="mod">
-          <ac:chgData name="Boon Jun" userId="b9b2384c46af58b4" providerId="LiveId" clId="{07FA4B2E-902A-4B46-B455-FA227D8539BA}" dt="2020-02-13T06:44:26.994" v="2067" actId="1076"/>
-          <ac:spMkLst>
-            <pc:docMk/>
-            <pc:sldMk cId="2302173148" sldId="275"/>
-            <ac:spMk id="20" creationId="{656E65F0-7028-48A5-9D66-1E5927A60C4C}"/>
-          </ac:spMkLst>
-        </pc:spChg>
-        <pc:spChg chg="mod">
-          <ac:chgData name="Boon Jun" userId="b9b2384c46af58b4" providerId="LiveId" clId="{07FA4B2E-902A-4B46-B455-FA227D8539BA}" dt="2020-02-13T06:44:31.225" v="2068" actId="1076"/>
-          <ac:spMkLst>
-            <pc:docMk/>
-            <pc:sldMk cId="2302173148" sldId="275"/>
-            <ac:spMk id="22" creationId="{A02A4A20-F180-4BE1-966A-15E3B0B8B041}"/>
-          </ac:spMkLst>
-        </pc:spChg>
-        <pc:spChg chg="add mod">
-          <ac:chgData name="Boon Jun" userId="b9b2384c46af58b4" providerId="LiveId" clId="{07FA4B2E-902A-4B46-B455-FA227D8539BA}" dt="2020-02-13T06:43:44.350" v="2066" actId="1076"/>
-          <ac:spMkLst>
-            <pc:docMk/>
-            <pc:sldMk cId="2302173148" sldId="275"/>
-            <ac:spMk id="23" creationId="{98975DDF-66A9-42F2-924A-4733D9B3E150}"/>
-          </ac:spMkLst>
-        </pc:spChg>
-        <pc:spChg chg="add del mod">
-          <ac:chgData name="Boon Jun" userId="b9b2384c46af58b4" providerId="LiveId" clId="{07FA4B2E-902A-4B46-B455-FA227D8539BA}" dt="2020-02-13T06:47:48.299" v="2111" actId="478"/>
-          <ac:spMkLst>
-            <pc:docMk/>
-            <pc:sldMk cId="2302173148" sldId="275"/>
-            <ac:spMk id="24" creationId="{8BF6BEBC-02FC-4AE0-B33A-0CC25852950B}"/>
-          </ac:spMkLst>
-        </pc:spChg>
-        <pc:picChg chg="add mod ord">
-          <ac:chgData name="Boon Jun" userId="b9b2384c46af58b4" providerId="LiveId" clId="{07FA4B2E-902A-4B46-B455-FA227D8539BA}" dt="2020-02-13T06:43:15.957" v="2058" actId="408"/>
-          <ac:picMkLst>
-            <pc:docMk/>
-            <pc:sldMk cId="2302173148" sldId="275"/>
-            <ac:picMk id="4" creationId="{8DA958F2-4DF7-4E1D-A79A-F416BF8A7221}"/>
-          </ac:picMkLst>
-        </pc:picChg>
-        <pc:picChg chg="del">
-          <ac:chgData name="Boon Jun" userId="b9b2384c46af58b4" providerId="LiveId" clId="{07FA4B2E-902A-4B46-B455-FA227D8539BA}" dt="2020-02-13T06:41:34.724" v="2012" actId="478"/>
-          <ac:picMkLst>
-            <pc:docMk/>
-            <pc:sldMk cId="2302173148" sldId="275"/>
-            <ac:picMk id="5" creationId="{E4A3E851-53C2-4981-A4C0-DF59EC7308CF}"/>
-          </ac:picMkLst>
-        </pc:picChg>
-        <pc:picChg chg="add mod ord">
-          <ac:chgData name="Boon Jun" userId="b9b2384c46af58b4" providerId="LiveId" clId="{07FA4B2E-902A-4B46-B455-FA227D8539BA}" dt="2020-02-13T06:43:15.957" v="2058" actId="408"/>
-          <ac:picMkLst>
-            <pc:docMk/>
-            <pc:sldMk cId="2302173148" sldId="275"/>
-            <ac:picMk id="12" creationId="{9D9EEEB0-333C-4085-BD69-E22774B35EC0}"/>
-          </ac:picMkLst>
-        </pc:picChg>
-        <pc:picChg chg="del">
-          <ac:chgData name="Boon Jun" userId="b9b2384c46af58b4" providerId="LiveId" clId="{07FA4B2E-902A-4B46-B455-FA227D8539BA}" dt="2020-02-13T06:41:34.724" v="2012" actId="478"/>
-          <ac:picMkLst>
-            <pc:docMk/>
-            <pc:sldMk cId="2302173148" sldId="275"/>
-            <ac:picMk id="14" creationId="{96E2515F-812A-4896-A3E9-3459D7DA7C55}"/>
-          </ac:picMkLst>
-        </pc:picChg>
-        <pc:picChg chg="add mod ord">
-          <ac:chgData name="Boon Jun" userId="b9b2384c46af58b4" providerId="LiveId" clId="{07FA4B2E-902A-4B46-B455-FA227D8539BA}" dt="2020-02-13T06:43:37.750" v="2065" actId="1076"/>
-          <ac:picMkLst>
-            <pc:docMk/>
-            <pc:sldMk cId="2302173148" sldId="275"/>
-            <ac:picMk id="18" creationId="{33AC5C74-A0BF-4AB5-9B50-DA4EF9325D29}"/>
-          </ac:picMkLst>
-        </pc:picChg>
-        <pc:picChg chg="del">
-          <ac:chgData name="Boon Jun" userId="b9b2384c46af58b4" providerId="LiveId" clId="{07FA4B2E-902A-4B46-B455-FA227D8539BA}" dt="2020-02-13T14:53:43.173" v="3810" actId="478"/>
-          <ac:picMkLst>
-            <pc:docMk/>
-            <pc:sldMk cId="2302173148" sldId="275"/>
-            <ac:picMk id="19" creationId="{2C9D18F4-DF60-4C50-9850-912CD1CB918E}"/>
-          </ac:picMkLst>
-        </pc:picChg>
-        <pc:picChg chg="del">
-          <ac:chgData name="Boon Jun" userId="b9b2384c46af58b4" providerId="LiveId" clId="{07FA4B2E-902A-4B46-B455-FA227D8539BA}" dt="2020-02-13T14:53:44.910" v="3812" actId="478"/>
-          <ac:picMkLst>
-            <pc:docMk/>
-            <pc:sldMk cId="2302173148" sldId="275"/>
-            <ac:picMk id="21" creationId="{1EAAFDD7-270D-40BB-B235-F2B7DF98EC72}"/>
-          </ac:picMkLst>
-        </pc:picChg>
-        <pc:picChg chg="add">
-          <ac:chgData name="Boon Jun" userId="b9b2384c46af58b4" providerId="LiveId" clId="{07FA4B2E-902A-4B46-B455-FA227D8539BA}" dt="2020-02-13T14:53:43.379" v="3811"/>
-          <ac:picMkLst>
-            <pc:docMk/>
-            <pc:sldMk cId="2302173148" sldId="275"/>
-            <ac:picMk id="24" creationId="{3795309C-1B17-4AEC-BA89-4DF89F331B21}"/>
-          </ac:picMkLst>
-        </pc:picChg>
-      </pc:sldChg>
-      <pc:sldChg chg="addSp delSp modSp add del">
-        <pc:chgData name="Boon Jun" userId="b9b2384c46af58b4" providerId="LiveId" clId="{07FA4B2E-902A-4B46-B455-FA227D8539BA}" dt="2020-02-13T15:33:00.009" v="4456" actId="47"/>
-        <pc:sldMkLst>
-          <pc:docMk/>
-          <pc:sldMk cId="1513588117" sldId="276"/>
-        </pc:sldMkLst>
-        <pc:spChg chg="add del">
-          <ac:chgData name="Boon Jun" userId="b9b2384c46af58b4" providerId="LiveId" clId="{07FA4B2E-902A-4B46-B455-FA227D8539BA}" dt="2020-02-13T14:02:55.460" v="3266"/>
-          <ac:spMkLst>
-            <pc:docMk/>
-            <pc:sldMk cId="1513588117" sldId="276"/>
-            <ac:spMk id="3" creationId="{9D4FE1E3-0C88-48FC-ACA5-68B0BCD9528A}"/>
-          </ac:spMkLst>
-        </pc:spChg>
-        <pc:spChg chg="add del">
-          <ac:chgData name="Boon Jun" userId="b9b2384c46af58b4" providerId="LiveId" clId="{07FA4B2E-902A-4B46-B455-FA227D8539BA}" dt="2020-02-13T14:03:04.276" v="3268"/>
-          <ac:spMkLst>
-            <pc:docMk/>
-            <pc:sldMk cId="1513588117" sldId="276"/>
-            <ac:spMk id="4" creationId="{F2F91B61-390C-4B78-8806-0DAE55542970}"/>
-          </ac:spMkLst>
-        </pc:spChg>
-        <pc:spChg chg="del">
-          <ac:chgData name="Boon Jun" userId="b9b2384c46af58b4" providerId="LiveId" clId="{07FA4B2E-902A-4B46-B455-FA227D8539BA}" dt="2020-02-13T06:44:45.051" v="2070" actId="478"/>
-          <ac:spMkLst>
-            <pc:docMk/>
-            <pc:sldMk cId="1513588117" sldId="276"/>
-            <ac:spMk id="8" creationId="{B452A63B-48F2-48C5-81B3-285FC0421F98}"/>
-          </ac:spMkLst>
-        </pc:spChg>
-        <pc:spChg chg="mod">
-          <ac:chgData name="Boon Jun" userId="b9b2384c46af58b4" providerId="LiveId" clId="{07FA4B2E-902A-4B46-B455-FA227D8539BA}" dt="2020-02-13T07:07:42.390" v="2677" actId="1076"/>
-          <ac:spMkLst>
-            <pc:docMk/>
-            <pc:sldMk cId="1513588117" sldId="276"/>
-            <ac:spMk id="10" creationId="{45E2ABB5-AA4B-4A0D-9553-8D9F0D57F433}"/>
-          </ac:spMkLst>
-        </pc:spChg>
-        <pc:spChg chg="add mod">
-          <ac:chgData name="Boon Jun" userId="b9b2384c46af58b4" providerId="LiveId" clId="{07FA4B2E-902A-4B46-B455-FA227D8539BA}" dt="2020-02-13T14:03:48.879" v="3285" actId="1076"/>
-          <ac:spMkLst>
-            <pc:docMk/>
-            <pc:sldMk cId="1513588117" sldId="276"/>
-            <ac:spMk id="12" creationId="{A57D88D3-310F-49F1-9E41-B24B393DB265}"/>
-          </ac:spMkLst>
-        </pc:spChg>
-        <pc:spChg chg="del">
-          <ac:chgData name="Boon Jun" userId="b9b2384c46af58b4" providerId="LiveId" clId="{07FA4B2E-902A-4B46-B455-FA227D8539BA}" dt="2020-02-13T06:44:45.051" v="2070" actId="478"/>
-          <ac:spMkLst>
-            <pc:docMk/>
-            <pc:sldMk cId="1513588117" sldId="276"/>
-            <ac:spMk id="16" creationId="{43EC70CF-418E-449B-8F23-60C0331C3AF1}"/>
-          </ac:spMkLst>
-        </pc:spChg>
-        <pc:spChg chg="del">
-          <ac:chgData name="Boon Jun" userId="b9b2384c46af58b4" providerId="LiveId" clId="{07FA4B2E-902A-4B46-B455-FA227D8539BA}" dt="2020-02-13T06:44:45.051" v="2070" actId="478"/>
-          <ac:spMkLst>
-            <pc:docMk/>
-            <pc:sldMk cId="1513588117" sldId="276"/>
-            <ac:spMk id="20" creationId="{656E65F0-7028-48A5-9D66-1E5927A60C4C}"/>
-          </ac:spMkLst>
-        </pc:spChg>
-        <pc:spChg chg="del">
-          <ac:chgData name="Boon Jun" userId="b9b2384c46af58b4" providerId="LiveId" clId="{07FA4B2E-902A-4B46-B455-FA227D8539BA}" dt="2020-02-13T06:44:45.051" v="2070" actId="478"/>
-          <ac:spMkLst>
-            <pc:docMk/>
-            <pc:sldMk cId="1513588117" sldId="276"/>
-            <ac:spMk id="22" creationId="{A02A4A20-F180-4BE1-966A-15E3B0B8B041}"/>
-          </ac:spMkLst>
-        </pc:spChg>
-        <pc:spChg chg="del">
-          <ac:chgData name="Boon Jun" userId="b9b2384c46af58b4" providerId="LiveId" clId="{07FA4B2E-902A-4B46-B455-FA227D8539BA}" dt="2020-02-13T06:44:45.051" v="2070" actId="478"/>
-          <ac:spMkLst>
-            <pc:docMk/>
-            <pc:sldMk cId="1513588117" sldId="276"/>
-            <ac:spMk id="23" creationId="{98975DDF-66A9-42F2-924A-4733D9B3E150}"/>
-          </ac:spMkLst>
-        </pc:spChg>
-        <pc:graphicFrameChg chg="add mod modGraphic">
-          <ac:chgData name="Boon Jun" userId="b9b2384c46af58b4" providerId="LiveId" clId="{07FA4B2E-902A-4B46-B455-FA227D8539BA}" dt="2020-02-13T14:05:22.076" v="3286" actId="1076"/>
-          <ac:graphicFrameMkLst>
-            <pc:docMk/>
-            <pc:sldMk cId="1513588117" sldId="276"/>
-            <ac:graphicFrameMk id="24" creationId="{8D2CBF1B-7348-4101-8C58-4653FB35D38A}"/>
-          </ac:graphicFrameMkLst>
-        </pc:graphicFrameChg>
-        <pc:picChg chg="del">
-          <ac:chgData name="Boon Jun" userId="b9b2384c46af58b4" providerId="LiveId" clId="{07FA4B2E-902A-4B46-B455-FA227D8539BA}" dt="2020-02-13T06:44:45.051" v="2070" actId="478"/>
-          <ac:picMkLst>
-            <pc:docMk/>
-            <pc:sldMk cId="1513588117" sldId="276"/>
-            <ac:picMk id="4" creationId="{8DA958F2-4DF7-4E1D-A79A-F416BF8A7221}"/>
-          </ac:picMkLst>
-        </pc:picChg>
-        <pc:picChg chg="del">
-          <ac:chgData name="Boon Jun" userId="b9b2384c46af58b4" providerId="LiveId" clId="{07FA4B2E-902A-4B46-B455-FA227D8539BA}" dt="2020-02-13T06:44:45.051" v="2070" actId="478"/>
-          <ac:picMkLst>
-            <pc:docMk/>
-            <pc:sldMk cId="1513588117" sldId="276"/>
-            <ac:picMk id="12" creationId="{9D9EEEB0-333C-4085-BD69-E22774B35EC0}"/>
-          </ac:picMkLst>
-        </pc:picChg>
-        <pc:picChg chg="add">
-          <ac:chgData name="Boon Jun" userId="b9b2384c46af58b4" providerId="LiveId" clId="{07FA4B2E-902A-4B46-B455-FA227D8539BA}" dt="2020-02-13T14:54:02.046" v="3823"/>
-          <ac:picMkLst>
-            <pc:docMk/>
-            <pc:sldMk cId="1513588117" sldId="276"/>
-            <ac:picMk id="15" creationId="{39CC7245-4DC1-43C9-8EDD-395D96CE3BC2}"/>
-          </ac:picMkLst>
-        </pc:picChg>
-        <pc:picChg chg="del">
-          <ac:chgData name="Boon Jun" userId="b9b2384c46af58b4" providerId="LiveId" clId="{07FA4B2E-902A-4B46-B455-FA227D8539BA}" dt="2020-02-13T06:44:45.051" v="2070" actId="478"/>
-          <ac:picMkLst>
-            <pc:docMk/>
-            <pc:sldMk cId="1513588117" sldId="276"/>
-            <ac:picMk id="18" creationId="{33AC5C74-A0BF-4AB5-9B50-DA4EF9325D29}"/>
-          </ac:picMkLst>
-        </pc:picChg>
-        <pc:picChg chg="del">
-          <ac:chgData name="Boon Jun" userId="b9b2384c46af58b4" providerId="LiveId" clId="{07FA4B2E-902A-4B46-B455-FA227D8539BA}" dt="2020-02-13T14:54:01.582" v="3822" actId="478"/>
-          <ac:picMkLst>
-            <pc:docMk/>
-            <pc:sldMk cId="1513588117" sldId="276"/>
-            <ac:picMk id="19" creationId="{2C9D18F4-DF60-4C50-9850-912CD1CB918E}"/>
-          </ac:picMkLst>
-        </pc:picChg>
-        <pc:picChg chg="del">
-          <ac:chgData name="Boon Jun" userId="b9b2384c46af58b4" providerId="LiveId" clId="{07FA4B2E-902A-4B46-B455-FA227D8539BA}" dt="2020-02-13T14:54:03.845" v="3824" actId="478"/>
-          <ac:picMkLst>
-            <pc:docMk/>
-            <pc:sldMk cId="1513588117" sldId="276"/>
-            <ac:picMk id="21" creationId="{1EAAFDD7-270D-40BB-B235-F2B7DF98EC72}"/>
-          </ac:picMkLst>
-        </pc:picChg>
-      </pc:sldChg>
-      <pc:sldChg chg="delSp add del">
-        <pc:chgData name="Boon Jun" userId="b9b2384c46af58b4" providerId="LiveId" clId="{07FA4B2E-902A-4B46-B455-FA227D8539BA}" dt="2020-02-13T06:48:52.649" v="2114" actId="47"/>
-        <pc:sldMkLst>
-          <pc:docMk/>
-          <pc:sldMk cId="3479621932" sldId="277"/>
-        </pc:sldMkLst>
-        <pc:spChg chg="del">
-          <ac:chgData name="Boon Jun" userId="b9b2384c46af58b4" providerId="LiveId" clId="{07FA4B2E-902A-4B46-B455-FA227D8539BA}" dt="2020-02-13T06:48:43.062" v="2113" actId="478"/>
-          <ac:spMkLst>
-            <pc:docMk/>
-            <pc:sldMk cId="3479621932" sldId="277"/>
-            <ac:spMk id="8" creationId="{B452A63B-48F2-48C5-81B3-285FC0421F98}"/>
-          </ac:spMkLst>
-        </pc:spChg>
-        <pc:picChg chg="del">
-          <ac:chgData name="Boon Jun" userId="b9b2384c46af58b4" providerId="LiveId" clId="{07FA4B2E-902A-4B46-B455-FA227D8539BA}" dt="2020-02-13T06:48:43.062" v="2113" actId="478"/>
-          <ac:picMkLst>
-            <pc:docMk/>
-            <pc:sldMk cId="3479621932" sldId="277"/>
-            <ac:picMk id="12" creationId="{9D9EEEB0-333C-4085-BD69-E22774B35EC0}"/>
-          </ac:picMkLst>
-        </pc:picChg>
-      </pc:sldChg>
-      <pc:sldChg chg="addSp delSp modSp add ord">
-        <pc:chgData name="Boon Jun" userId="b9b2384c46af58b4" providerId="LiveId" clId="{07FA4B2E-902A-4B46-B455-FA227D8539BA}" dt="2020-02-13T14:53:49.240" v="3815" actId="478"/>
-        <pc:sldMkLst>
-          <pc:docMk/>
-          <pc:sldMk cId="3608317841" sldId="277"/>
-        </pc:sldMkLst>
-        <pc:spChg chg="mod">
-          <ac:chgData name="Boon Jun" userId="b9b2384c46af58b4" providerId="LiveId" clId="{07FA4B2E-902A-4B46-B455-FA227D8539BA}" dt="2020-02-13T06:49:55.310" v="2135" actId="1076"/>
-          <ac:spMkLst>
-            <pc:docMk/>
-            <pc:sldMk cId="3608317841" sldId="277"/>
-            <ac:spMk id="8" creationId="{B452A63B-48F2-48C5-81B3-285FC0421F98}"/>
-          </ac:spMkLst>
-        </pc:spChg>
-        <pc:spChg chg="mod">
-          <ac:chgData name="Boon Jun" userId="b9b2384c46af58b4" providerId="LiveId" clId="{07FA4B2E-902A-4B46-B455-FA227D8539BA}" dt="2020-02-13T06:50:03.748" v="2138" actId="1076"/>
-          <ac:spMkLst>
-            <pc:docMk/>
-            <pc:sldMk cId="3608317841" sldId="277"/>
-            <ac:spMk id="16" creationId="{43EC70CF-418E-449B-8F23-60C0331C3AF1}"/>
-          </ac:spMkLst>
-        </pc:spChg>
-        <pc:spChg chg="del">
-          <ac:chgData name="Boon Jun" userId="b9b2384c46af58b4" providerId="LiveId" clId="{07FA4B2E-902A-4B46-B455-FA227D8539BA}" dt="2020-02-13T06:49:49.802" v="2133" actId="478"/>
-          <ac:spMkLst>
-            <pc:docMk/>
-            <pc:sldMk cId="3608317841" sldId="277"/>
-            <ac:spMk id="20" creationId="{656E65F0-7028-48A5-9D66-1E5927A60C4C}"/>
-          </ac:spMkLst>
-        </pc:spChg>
-        <pc:spChg chg="del">
-          <ac:chgData name="Boon Jun" userId="b9b2384c46af58b4" providerId="LiveId" clId="{07FA4B2E-902A-4B46-B455-FA227D8539BA}" dt="2020-02-13T06:49:51.791" v="2134" actId="478"/>
-          <ac:spMkLst>
-            <pc:docMk/>
-            <pc:sldMk cId="3608317841" sldId="277"/>
-            <ac:spMk id="22" creationId="{A02A4A20-F180-4BE1-966A-15E3B0B8B041}"/>
-          </ac:spMkLst>
-        </pc:spChg>
-        <pc:picChg chg="add mod ord">
-          <ac:chgData name="Boon Jun" userId="b9b2384c46af58b4" providerId="LiveId" clId="{07FA4B2E-902A-4B46-B455-FA227D8539BA}" dt="2020-02-13T06:49:58.472" v="2137" actId="1076"/>
-          <ac:picMkLst>
-            <pc:docMk/>
-            <pc:sldMk cId="3608317841" sldId="277"/>
-            <ac:picMk id="4" creationId="{066112C7-3DF8-48D8-9122-D02E5F299650}"/>
-          </ac:picMkLst>
-        </pc:picChg>
-        <pc:picChg chg="del">
-          <ac:chgData name="Boon Jun" userId="b9b2384c46af58b4" providerId="LiveId" clId="{07FA4B2E-902A-4B46-B455-FA227D8539BA}" dt="2020-02-13T06:49:20.261" v="2123" actId="478"/>
-          <ac:picMkLst>
-            <pc:docMk/>
-            <pc:sldMk cId="3608317841" sldId="277"/>
-            <ac:picMk id="5" creationId="{E4A3E851-53C2-4981-A4C0-DF59EC7308CF}"/>
-          </ac:picMkLst>
-        </pc:picChg>
-        <pc:picChg chg="del">
-          <ac:chgData name="Boon Jun" userId="b9b2384c46af58b4" providerId="LiveId" clId="{07FA4B2E-902A-4B46-B455-FA227D8539BA}" dt="2020-02-13T06:49:06.390" v="2118" actId="478"/>
-          <ac:picMkLst>
-            <pc:docMk/>
-            <pc:sldMk cId="3608317841" sldId="277"/>
-            <ac:picMk id="14" creationId="{96E2515F-812A-4896-A3E9-3459D7DA7C55}"/>
-          </ac:picMkLst>
-        </pc:picChg>
-        <pc:picChg chg="add">
-          <ac:chgData name="Boon Jun" userId="b9b2384c46af58b4" providerId="LiveId" clId="{07FA4B2E-902A-4B46-B455-FA227D8539BA}" dt="2020-02-13T14:53:48.107" v="3814"/>
-          <ac:picMkLst>
-            <pc:docMk/>
-            <pc:sldMk cId="3608317841" sldId="277"/>
-            <ac:picMk id="15" creationId="{88491E05-25CD-4DFF-82C2-6C27561BA1CF}"/>
-          </ac:picMkLst>
-        </pc:picChg>
-        <pc:picChg chg="add mod ord">
-          <ac:chgData name="Boon Jun" userId="b9b2384c46af58b4" providerId="LiveId" clId="{07FA4B2E-902A-4B46-B455-FA227D8539BA}" dt="2020-02-13T06:49:18.142" v="2122" actId="167"/>
-          <ac:picMkLst>
-            <pc:docMk/>
-            <pc:sldMk cId="3608317841" sldId="277"/>
-            <ac:picMk id="18" creationId="{EF557AB6-24EE-4197-94E4-2B7F19067C5E}"/>
-          </ac:picMkLst>
-        </pc:picChg>
-        <pc:picChg chg="del">
-          <ac:chgData name="Boon Jun" userId="b9b2384c46af58b4" providerId="LiveId" clId="{07FA4B2E-902A-4B46-B455-FA227D8539BA}" dt="2020-02-13T14:53:47.711" v="3813" actId="478"/>
-          <ac:picMkLst>
-            <pc:docMk/>
-            <pc:sldMk cId="3608317841" sldId="277"/>
-            <ac:picMk id="19" creationId="{2C9D18F4-DF60-4C50-9850-912CD1CB918E}"/>
-          </ac:picMkLst>
-        </pc:picChg>
-        <pc:picChg chg="del">
-          <ac:chgData name="Boon Jun" userId="b9b2384c46af58b4" providerId="LiveId" clId="{07FA4B2E-902A-4B46-B455-FA227D8539BA}" dt="2020-02-13T14:53:49.240" v="3815" actId="478"/>
-          <ac:picMkLst>
-            <pc:docMk/>
-            <pc:sldMk cId="3608317841" sldId="277"/>
-            <ac:picMk id="21" creationId="{1EAAFDD7-270D-40BB-B235-F2B7DF98EC72}"/>
-          </ac:picMkLst>
-        </pc:picChg>
-      </pc:sldChg>
-      <pc:sldChg chg="addSp delSp modSp add">
-        <pc:chgData name="Boon Jun" userId="b9b2384c46af58b4" providerId="LiveId" clId="{07FA4B2E-902A-4B46-B455-FA227D8539BA}" dt="2020-02-13T14:53:53.594" v="3818" actId="478"/>
-        <pc:sldMkLst>
-          <pc:docMk/>
-          <pc:sldMk cId="2192696132" sldId="278"/>
-        </pc:sldMkLst>
-        <pc:spChg chg="add del">
-          <ac:chgData name="Boon Jun" userId="b9b2384c46af58b4" providerId="LiveId" clId="{07FA4B2E-902A-4B46-B455-FA227D8539BA}" dt="2020-02-13T06:53:24.232" v="2275" actId="478"/>
-          <ac:spMkLst>
-            <pc:docMk/>
-            <pc:sldMk cId="2192696132" sldId="278"/>
-            <ac:spMk id="3" creationId="{73DF043F-9A80-4D25-8D51-9228BDAF0AE3}"/>
-          </ac:spMkLst>
-        </pc:spChg>
-        <pc:spChg chg="del">
-          <ac:chgData name="Boon Jun" userId="b9b2384c46af58b4" providerId="LiveId" clId="{07FA4B2E-902A-4B46-B455-FA227D8539BA}" dt="2020-02-13T06:50:15.341" v="2140" actId="478"/>
-          <ac:spMkLst>
-            <pc:docMk/>
-            <pc:sldMk cId="2192696132" sldId="278"/>
-            <ac:spMk id="8" creationId="{B452A63B-48F2-48C5-81B3-285FC0421F98}"/>
-          </ac:spMkLst>
-        </pc:spChg>
-        <pc:spChg chg="add mod">
-          <ac:chgData name="Boon Jun" userId="b9b2384c46af58b4" providerId="LiveId" clId="{07FA4B2E-902A-4B46-B455-FA227D8539BA}" dt="2020-02-13T06:52:18.122" v="2273" actId="1076"/>
-          <ac:spMkLst>
-            <pc:docMk/>
-            <pc:sldMk cId="2192696132" sldId="278"/>
-            <ac:spMk id="15" creationId="{D986C221-6C06-496E-A9B5-A3B055059838}"/>
-          </ac:spMkLst>
-        </pc:spChg>
-        <pc:spChg chg="del">
-          <ac:chgData name="Boon Jun" userId="b9b2384c46af58b4" providerId="LiveId" clId="{07FA4B2E-902A-4B46-B455-FA227D8539BA}" dt="2020-02-13T06:50:15.341" v="2140" actId="478"/>
-          <ac:spMkLst>
-            <pc:docMk/>
-            <pc:sldMk cId="2192696132" sldId="278"/>
-            <ac:spMk id="16" creationId="{43EC70CF-418E-449B-8F23-60C0331C3AF1}"/>
-          </ac:spMkLst>
-        </pc:spChg>
-        <pc:spChg chg="add mod">
-          <ac:chgData name="Boon Jun" userId="b9b2384c46af58b4" providerId="LiveId" clId="{07FA4B2E-902A-4B46-B455-FA227D8539BA}" dt="2020-02-13T06:55:48.939" v="2303" actId="20577"/>
-          <ac:spMkLst>
-            <pc:docMk/>
-            <pc:sldMk cId="2192696132" sldId="278"/>
-            <ac:spMk id="20" creationId="{B2FAB1E0-6DF9-48A8-BF90-EFC2AD90DB28}"/>
-          </ac:spMkLst>
-        </pc:spChg>
-        <pc:graphicFrameChg chg="add mod modGraphic">
-          <ac:chgData name="Boon Jun" userId="b9b2384c46af58b4" providerId="LiveId" clId="{07FA4B2E-902A-4B46-B455-FA227D8539BA}" dt="2020-02-13T07:21:30.122" v="2783" actId="20577"/>
-          <ac:graphicFrameMkLst>
-            <pc:docMk/>
-            <pc:sldMk cId="2192696132" sldId="278"/>
-            <ac:graphicFrameMk id="5" creationId="{1219424E-77CF-47E6-AAE0-BC062A0DC967}"/>
-          </ac:graphicFrameMkLst>
-        </pc:graphicFrameChg>
-        <pc:picChg chg="del">
-          <ac:chgData name="Boon Jun" userId="b9b2384c46af58b4" providerId="LiveId" clId="{07FA4B2E-902A-4B46-B455-FA227D8539BA}" dt="2020-02-13T06:50:15.341" v="2140" actId="478"/>
-          <ac:picMkLst>
-            <pc:docMk/>
-            <pc:sldMk cId="2192696132" sldId="278"/>
-            <ac:picMk id="4" creationId="{066112C7-3DF8-48D8-9122-D02E5F299650}"/>
-          </ac:picMkLst>
-        </pc:picChg>
-        <pc:picChg chg="add">
-          <ac:chgData name="Boon Jun" userId="b9b2384c46af58b4" providerId="LiveId" clId="{07FA4B2E-902A-4B46-B455-FA227D8539BA}" dt="2020-02-13T14:53:52.368" v="3817"/>
-          <ac:picMkLst>
-            <pc:docMk/>
-            <pc:sldMk cId="2192696132" sldId="278"/>
-            <ac:picMk id="14" creationId="{B54FB08D-C996-4E14-B5F3-BBA159DC400F}"/>
-          </ac:picMkLst>
-        </pc:picChg>
-        <pc:picChg chg="del">
-          <ac:chgData name="Boon Jun" userId="b9b2384c46af58b4" providerId="LiveId" clId="{07FA4B2E-902A-4B46-B455-FA227D8539BA}" dt="2020-02-13T06:50:15.341" v="2140" actId="478"/>
-          <ac:picMkLst>
-            <pc:docMk/>
-            <pc:sldMk cId="2192696132" sldId="278"/>
-            <ac:picMk id="18" creationId="{EF557AB6-24EE-4197-94E4-2B7F19067C5E}"/>
-          </ac:picMkLst>
-        </pc:picChg>
-        <pc:picChg chg="del">
-          <ac:chgData name="Boon Jun" userId="b9b2384c46af58b4" providerId="LiveId" clId="{07FA4B2E-902A-4B46-B455-FA227D8539BA}" dt="2020-02-13T14:53:52.052" v="3816" actId="478"/>
-          <ac:picMkLst>
-            <pc:docMk/>
-            <pc:sldMk cId="2192696132" sldId="278"/>
-            <ac:picMk id="19" creationId="{2C9D18F4-DF60-4C50-9850-912CD1CB918E}"/>
-          </ac:picMkLst>
-        </pc:picChg>
-        <pc:picChg chg="del">
-          <ac:chgData name="Boon Jun" userId="b9b2384c46af58b4" providerId="LiveId" clId="{07FA4B2E-902A-4B46-B455-FA227D8539BA}" dt="2020-02-13T14:53:53.594" v="3818" actId="478"/>
-          <ac:picMkLst>
-            <pc:docMk/>
-            <pc:sldMk cId="2192696132" sldId="278"/>
-            <ac:picMk id="21" creationId="{1EAAFDD7-270D-40BB-B235-F2B7DF98EC72}"/>
-          </ac:picMkLst>
-        </pc:picChg>
-      </pc:sldChg>
-      <pc:sldChg chg="addSp delSp modSp add">
-        <pc:chgData name="Boon Jun" userId="b9b2384c46af58b4" providerId="LiveId" clId="{07FA4B2E-902A-4B46-B455-FA227D8539BA}" dt="2020-02-13T15:34:19.364" v="4525" actId="1076"/>
-        <pc:sldMkLst>
-          <pc:docMk/>
-          <pc:sldMk cId="1611237328" sldId="279"/>
-        </pc:sldMkLst>
-        <pc:spChg chg="add mod ord">
-          <ac:chgData name="Boon Jun" userId="b9b2384c46af58b4" providerId="LiveId" clId="{07FA4B2E-902A-4B46-B455-FA227D8539BA}" dt="2020-02-13T07:15:56.830" v="2713" actId="164"/>
-          <ac:spMkLst>
-            <pc:docMk/>
-            <pc:sldMk cId="1611237328" sldId="279"/>
-            <ac:spMk id="5" creationId="{CD19335B-94BA-48DA-A9CF-6D296ABDB042}"/>
-          </ac:spMkLst>
-        </pc:spChg>
-        <pc:spChg chg="mod">
-          <ac:chgData name="Boon Jun" userId="b9b2384c46af58b4" providerId="LiveId" clId="{07FA4B2E-902A-4B46-B455-FA227D8539BA}" dt="2020-02-13T15:33:08.402" v="4461" actId="1076"/>
-          <ac:spMkLst>
-            <pc:docMk/>
-            <pc:sldMk cId="1611237328" sldId="279"/>
-            <ac:spMk id="10" creationId="{45E2ABB5-AA4B-4A0D-9553-8D9F0D57F433}"/>
-          </ac:spMkLst>
-        </pc:spChg>
-        <pc:spChg chg="add mod">
-          <ac:chgData name="Boon Jun" userId="b9b2384c46af58b4" providerId="LiveId" clId="{07FA4B2E-902A-4B46-B455-FA227D8539BA}" dt="2020-02-13T15:33:04.441" v="4458" actId="20577"/>
-          <ac:spMkLst>
-            <pc:docMk/>
-            <pc:sldMk cId="1611237328" sldId="279"/>
-            <ac:spMk id="18" creationId="{246CA023-9845-437A-B011-CE82C4B1DF36}"/>
-          </ac:spMkLst>
-        </pc:spChg>
-        <pc:spChg chg="add del mod">
-          <ac:chgData name="Boon Jun" userId="b9b2384c46af58b4" providerId="LiveId" clId="{07FA4B2E-902A-4B46-B455-FA227D8539BA}" dt="2020-02-13T14:06:21.439" v="3308" actId="478"/>
-          <ac:spMkLst>
-            <pc:docMk/>
-            <pc:sldMk cId="1611237328" sldId="279"/>
-            <ac:spMk id="20" creationId="{96DB1548-12A6-4155-949B-8EFE8826FF5A}"/>
-          </ac:spMkLst>
-        </pc:spChg>
-        <pc:spChg chg="add del">
-          <ac:chgData name="Boon Jun" userId="b9b2384c46af58b4" providerId="LiveId" clId="{07FA4B2E-902A-4B46-B455-FA227D8539BA}" dt="2020-02-13T14:06:18.182" v="3303"/>
-          <ac:spMkLst>
-            <pc:docMk/>
-            <pc:sldMk cId="1611237328" sldId="279"/>
-            <ac:spMk id="22" creationId="{433EC22A-FEEC-44D0-A896-C59B0B378388}"/>
-          </ac:spMkLst>
-        </pc:spChg>
-        <pc:spChg chg="add del mod">
-          <ac:chgData name="Boon Jun" userId="b9b2384c46af58b4" providerId="LiveId" clId="{07FA4B2E-902A-4B46-B455-FA227D8539BA}" dt="2020-02-13T15:33:10.801" v="4462" actId="478"/>
-          <ac:spMkLst>
-            <pc:docMk/>
-            <pc:sldMk cId="1611237328" sldId="279"/>
-            <ac:spMk id="23" creationId="{ABB9EB41-82D2-4691-8E65-B07C7B73DE00}"/>
-          </ac:spMkLst>
-        </pc:spChg>
-        <pc:spChg chg="add del mod">
-          <ac:chgData name="Boon Jun" userId="b9b2384c46af58b4" providerId="LiveId" clId="{07FA4B2E-902A-4B46-B455-FA227D8539BA}" dt="2020-02-13T15:33:10.801" v="4462" actId="478"/>
-          <ac:spMkLst>
-            <pc:docMk/>
-            <pc:sldMk cId="1611237328" sldId="279"/>
-            <ac:spMk id="24" creationId="{8D51A177-3E78-40CA-B744-7DCACF4BE529}"/>
-          </ac:spMkLst>
-        </pc:spChg>
-        <pc:spChg chg="add del mod">
-          <ac:chgData name="Boon Jun" userId="b9b2384c46af58b4" providerId="LiveId" clId="{07FA4B2E-902A-4B46-B455-FA227D8539BA}" dt="2020-02-13T15:33:10.801" v="4462" actId="478"/>
-          <ac:spMkLst>
-            <pc:docMk/>
-            <pc:sldMk cId="1611237328" sldId="279"/>
-            <ac:spMk id="25" creationId="{15D3737E-4601-4FC4-94E0-477644ED185E}"/>
-          </ac:spMkLst>
-        </pc:spChg>
-        <pc:spChg chg="add del mod">
-          <ac:chgData name="Boon Jun" userId="b9b2384c46af58b4" providerId="LiveId" clId="{07FA4B2E-902A-4B46-B455-FA227D8539BA}" dt="2020-02-13T15:33:10.801" v="4462" actId="478"/>
-          <ac:spMkLst>
-            <pc:docMk/>
-            <pc:sldMk cId="1611237328" sldId="279"/>
-            <ac:spMk id="26" creationId="{6E202F8B-07E7-4C74-8933-1CC1498B87B3}"/>
-          </ac:spMkLst>
-        </pc:spChg>
-        <pc:spChg chg="add del mod">
-          <ac:chgData name="Boon Jun" userId="b9b2384c46af58b4" providerId="LiveId" clId="{07FA4B2E-902A-4B46-B455-FA227D8539BA}" dt="2020-02-13T15:33:10.801" v="4462" actId="478"/>
-          <ac:spMkLst>
-            <pc:docMk/>
-            <pc:sldMk cId="1611237328" sldId="279"/>
-            <ac:spMk id="27" creationId="{7142C695-DF4C-41FA-93E7-A3B958740D89}"/>
-          </ac:spMkLst>
-        </pc:spChg>
-        <pc:spChg chg="add del mod">
-          <ac:chgData name="Boon Jun" userId="b9b2384c46af58b4" providerId="LiveId" clId="{07FA4B2E-902A-4B46-B455-FA227D8539BA}" dt="2020-02-13T15:33:10.801" v="4462" actId="478"/>
-          <ac:spMkLst>
-            <pc:docMk/>
-            <pc:sldMk cId="1611237328" sldId="279"/>
-            <ac:spMk id="28" creationId="{D8584885-C1DD-40E0-84DB-6D5EDAF5394C}"/>
-          </ac:spMkLst>
-        </pc:spChg>
-        <pc:spChg chg="add del mod">
-          <ac:chgData name="Boon Jun" userId="b9b2384c46af58b4" providerId="LiveId" clId="{07FA4B2E-902A-4B46-B455-FA227D8539BA}" dt="2020-02-13T15:33:10.801" v="4462" actId="478"/>
-          <ac:spMkLst>
-            <pc:docMk/>
-            <pc:sldMk cId="1611237328" sldId="279"/>
-            <ac:spMk id="29" creationId="{3619E6DF-3AF1-433F-A87C-C01FD2AA4FD9}"/>
-          </ac:spMkLst>
-        </pc:spChg>
-        <pc:spChg chg="add del mod">
-          <ac:chgData name="Boon Jun" userId="b9b2384c46af58b4" providerId="LiveId" clId="{07FA4B2E-902A-4B46-B455-FA227D8539BA}" dt="2020-02-13T15:33:10.801" v="4462" actId="478"/>
-          <ac:spMkLst>
-            <pc:docMk/>
-            <pc:sldMk cId="1611237328" sldId="279"/>
-            <ac:spMk id="30" creationId="{AECA707A-405A-4752-A497-2183FB319984}"/>
-          </ac:spMkLst>
-        </pc:spChg>
-        <pc:spChg chg="add del mod">
-          <ac:chgData name="Boon Jun" userId="b9b2384c46af58b4" providerId="LiveId" clId="{07FA4B2E-902A-4B46-B455-FA227D8539BA}" dt="2020-02-13T15:33:10.801" v="4462" actId="478"/>
-          <ac:spMkLst>
-            <pc:docMk/>
-            <pc:sldMk cId="1611237328" sldId="279"/>
-            <ac:spMk id="31" creationId="{B33C77C4-4AB6-4DCF-A28F-7BAFE60E750B}"/>
-          </ac:spMkLst>
-        </pc:spChg>
-        <pc:spChg chg="add del mod">
-          <ac:chgData name="Boon Jun" userId="b9b2384c46af58b4" providerId="LiveId" clId="{07FA4B2E-902A-4B46-B455-FA227D8539BA}" dt="2020-02-13T15:33:10.801" v="4462" actId="478"/>
-          <ac:spMkLst>
-            <pc:docMk/>
-            <pc:sldMk cId="1611237328" sldId="279"/>
-            <ac:spMk id="32" creationId="{7A91BD48-A2BC-4922-9211-B5977732032A}"/>
-          </ac:spMkLst>
-        </pc:spChg>
-        <pc:spChg chg="add del">
-          <ac:chgData name="Boon Jun" userId="b9b2384c46af58b4" providerId="LiveId" clId="{07FA4B2E-902A-4B46-B455-FA227D8539BA}" dt="2020-02-13T14:08:31.716" v="3364" actId="478"/>
-          <ac:spMkLst>
-            <pc:docMk/>
-            <pc:sldMk cId="1611237328" sldId="279"/>
-            <ac:spMk id="33" creationId="{F7397019-E1A3-47D2-816F-66769F3BCB3A}"/>
-          </ac:spMkLst>
-        </pc:spChg>
-        <pc:spChg chg="add mod">
-          <ac:chgData name="Boon Jun" userId="b9b2384c46af58b4" providerId="LiveId" clId="{07FA4B2E-902A-4B46-B455-FA227D8539BA}" dt="2020-02-13T15:34:19.364" v="4525" actId="1076"/>
-          <ac:spMkLst>
-            <pc:docMk/>
-            <pc:sldMk cId="1611237328" sldId="279"/>
-            <ac:spMk id="35" creationId="{B8F1A97C-9C36-4021-88A3-D3A66BF73067}"/>
-          </ac:spMkLst>
-        </pc:spChg>
-        <pc:grpChg chg="add del mod">
-          <ac:chgData name="Boon Jun" userId="b9b2384c46af58b4" providerId="LiveId" clId="{07FA4B2E-902A-4B46-B455-FA227D8539BA}" dt="2020-02-13T14:05:28.044" v="3287" actId="478"/>
-          <ac:grpSpMkLst>
-            <pc:docMk/>
-            <pc:sldMk cId="1611237328" sldId="279"/>
-            <ac:grpSpMk id="6" creationId="{30D82785-9D76-4901-B1CE-02ECA6048DC7}"/>
-          </ac:grpSpMkLst>
-        </pc:grpChg>
-        <pc:graphicFrameChg chg="del">
-          <ac:chgData name="Boon Jun" userId="b9b2384c46af58b4" providerId="LiveId" clId="{07FA4B2E-902A-4B46-B455-FA227D8539BA}" dt="2020-02-13T07:14:49.899" v="2696" actId="478"/>
-          <ac:graphicFrameMkLst>
-            <pc:docMk/>
-            <pc:sldMk cId="1611237328" sldId="279"/>
-            <ac:graphicFrameMk id="24" creationId="{8D2CBF1B-7348-4101-8C58-4653FB35D38A}"/>
-          </ac:graphicFrameMkLst>
-        </pc:graphicFrameChg>
-        <pc:picChg chg="add mod">
-          <ac:chgData name="Boon Jun" userId="b9b2384c46af58b4" providerId="LiveId" clId="{07FA4B2E-902A-4B46-B455-FA227D8539BA}" dt="2020-02-13T07:15:56.830" v="2713" actId="164"/>
-          <ac:picMkLst>
-            <pc:docMk/>
-            <pc:sldMk cId="1611237328" sldId="279"/>
-            <ac:picMk id="4" creationId="{1A098945-4C93-4902-9590-CEF394191E83}"/>
-          </ac:picMkLst>
-        </pc:picChg>
-        <pc:picChg chg="add del mod">
-          <ac:chgData name="Boon Jun" userId="b9b2384c46af58b4" providerId="LiveId" clId="{07FA4B2E-902A-4B46-B455-FA227D8539BA}" dt="2020-02-13T15:33:06.264" v="4459" actId="478"/>
-          <ac:picMkLst>
-            <pc:docMk/>
-            <pc:sldMk cId="1611237328" sldId="279"/>
-            <ac:picMk id="8" creationId="{5B1BB044-1F2F-469E-A88D-0E798FBC3153}"/>
-          </ac:picMkLst>
-        </pc:picChg>
-        <pc:picChg chg="add del mod">
-          <ac:chgData name="Boon Jun" userId="b9b2384c46af58b4" providerId="LiveId" clId="{07FA4B2E-902A-4B46-B455-FA227D8539BA}" dt="2020-02-13T07:16:40.576" v="2723" actId="478"/>
-          <ac:picMkLst>
-            <pc:docMk/>
-            <pc:sldMk cId="1611237328" sldId="279"/>
-            <ac:picMk id="12" creationId="{C25D352D-C9EC-437D-B2E4-625B919AB3A0}"/>
-          </ac:picMkLst>
-        </pc:picChg>
-        <pc:picChg chg="del">
-          <ac:chgData name="Boon Jun" userId="b9b2384c46af58b4" providerId="LiveId" clId="{07FA4B2E-902A-4B46-B455-FA227D8539BA}" dt="2020-02-13T14:54:06.760" v="3825" actId="478"/>
-          <ac:picMkLst>
-            <pc:docMk/>
-            <pc:sldMk cId="1611237328" sldId="279"/>
-            <ac:picMk id="19" creationId="{2C9D18F4-DF60-4C50-9850-912CD1CB918E}"/>
-          </ac:picMkLst>
-        </pc:picChg>
-        <pc:picChg chg="del">
-          <ac:chgData name="Boon Jun" userId="b9b2384c46af58b4" providerId="LiveId" clId="{07FA4B2E-902A-4B46-B455-FA227D8539BA}" dt="2020-02-13T14:54:08.591" v="3827" actId="478"/>
-          <ac:picMkLst>
-            <pc:docMk/>
-            <pc:sldMk cId="1611237328" sldId="279"/>
-            <ac:picMk id="21" creationId="{1EAAFDD7-270D-40BB-B235-F2B7DF98EC72}"/>
-          </ac:picMkLst>
-        </pc:picChg>
-        <pc:picChg chg="add">
-          <ac:chgData name="Boon Jun" userId="b9b2384c46af58b4" providerId="LiveId" clId="{07FA4B2E-902A-4B46-B455-FA227D8539BA}" dt="2020-02-13T14:54:07.127" v="3826"/>
-          <ac:picMkLst>
-            <pc:docMk/>
-            <pc:sldMk cId="1611237328" sldId="279"/>
-            <ac:picMk id="34" creationId="{52E776D2-6B2B-408B-9EE7-D4DA6B86EB6A}"/>
-          </ac:picMkLst>
-        </pc:picChg>
-      </pc:sldChg>
-      <pc:sldChg chg="addSp delSp modSp add">
-        <pc:chgData name="Boon Jun" userId="b9b2384c46af58b4" providerId="LiveId" clId="{07FA4B2E-902A-4B46-B455-FA227D8539BA}" dt="2020-02-13T15:35:34.618" v="4562" actId="20577"/>
-        <pc:sldMkLst>
-          <pc:docMk/>
-          <pc:sldMk cId="4197391946" sldId="280"/>
-        </pc:sldMkLst>
-        <pc:spChg chg="add mod">
-          <ac:chgData name="Boon Jun" userId="b9b2384c46af58b4" providerId="LiveId" clId="{07FA4B2E-902A-4B46-B455-FA227D8539BA}" dt="2020-02-13T15:35:34.618" v="4562" actId="20577"/>
-          <ac:spMkLst>
-            <pc:docMk/>
-            <pc:sldMk cId="4197391946" sldId="280"/>
-            <ac:spMk id="16" creationId="{6E641A05-CA83-4ADB-9D59-315B1F830694}"/>
-          </ac:spMkLst>
-        </pc:spChg>
-        <pc:spChg chg="del mod">
-          <ac:chgData name="Boon Jun" userId="b9b2384c46af58b4" providerId="LiveId" clId="{07FA4B2E-902A-4B46-B455-FA227D8539BA}" dt="2020-02-13T15:35:09.952" v="4548" actId="478"/>
-          <ac:spMkLst>
-            <pc:docMk/>
-            <pc:sldMk cId="4197391946" sldId="280"/>
-            <ac:spMk id="18" creationId="{246CA023-9845-437A-B011-CE82C4B1DF36}"/>
-          </ac:spMkLst>
-        </pc:spChg>
-        <pc:spChg chg="add mod">
-          <ac:chgData name="Boon Jun" userId="b9b2384c46af58b4" providerId="LiveId" clId="{07FA4B2E-902A-4B46-B455-FA227D8539BA}" dt="2020-02-13T15:35:15.256" v="4552" actId="20577"/>
-          <ac:spMkLst>
-            <pc:docMk/>
-            <pc:sldMk cId="4197391946" sldId="280"/>
-            <ac:spMk id="20" creationId="{DD00A97A-1A0A-45D4-B48D-0A904834F509}"/>
-          </ac:spMkLst>
-        </pc:spChg>
-        <pc:grpChg chg="del">
-          <ac:chgData name="Boon Jun" userId="b9b2384c46af58b4" providerId="LiveId" clId="{07FA4B2E-902A-4B46-B455-FA227D8539BA}" dt="2020-02-13T07:17:28.267" v="2753" actId="478"/>
-          <ac:grpSpMkLst>
-            <pc:docMk/>
-            <pc:sldMk cId="4197391946" sldId="280"/>
-            <ac:grpSpMk id="6" creationId="{30D82785-9D76-4901-B1CE-02ECA6048DC7}"/>
-          </ac:grpSpMkLst>
-        </pc:grpChg>
-        <pc:picChg chg="add mod">
-          <ac:chgData name="Boon Jun" userId="b9b2384c46af58b4" providerId="LiveId" clId="{07FA4B2E-902A-4B46-B455-FA227D8539BA}" dt="2020-02-13T08:53:36.541" v="2902" actId="14100"/>
-          <ac:picMkLst>
-            <pc:docMk/>
-            <pc:sldMk cId="4197391946" sldId="280"/>
-            <ac:picMk id="4" creationId="{0C73A668-2B9E-421F-8FBA-602FDCD90B69}"/>
-          </ac:picMkLst>
-        </pc:picChg>
-        <pc:picChg chg="add del mod">
-          <ac:chgData name="Boon Jun" userId="b9b2384c46af58b4" providerId="LiveId" clId="{07FA4B2E-902A-4B46-B455-FA227D8539BA}" dt="2020-02-13T08:53:26.598" v="2896" actId="478"/>
-          <ac:picMkLst>
-            <pc:docMk/>
-            <pc:sldMk cId="4197391946" sldId="280"/>
-            <ac:picMk id="8" creationId="{E073DFF9-5F2D-4973-8E24-EE74661B9697}"/>
-          </ac:picMkLst>
-        </pc:picChg>
-        <pc:picChg chg="add">
-          <ac:chgData name="Boon Jun" userId="b9b2384c46af58b4" providerId="LiveId" clId="{07FA4B2E-902A-4B46-B455-FA227D8539BA}" dt="2020-02-13T14:54:14.760" v="3829"/>
-          <ac:picMkLst>
-            <pc:docMk/>
-            <pc:sldMk cId="4197391946" sldId="280"/>
-            <ac:picMk id="15" creationId="{2A2B549E-EFCA-4670-977B-A4DF9A43BB12}"/>
-          </ac:picMkLst>
-        </pc:picChg>
-        <pc:picChg chg="del">
-          <ac:chgData name="Boon Jun" userId="b9b2384c46af58b4" providerId="LiveId" clId="{07FA4B2E-902A-4B46-B455-FA227D8539BA}" dt="2020-02-13T14:54:14.242" v="3828" actId="478"/>
-          <ac:picMkLst>
-            <pc:docMk/>
-            <pc:sldMk cId="4197391946" sldId="280"/>
-            <ac:picMk id="19" creationId="{2C9D18F4-DF60-4C50-9850-912CD1CB918E}"/>
-          </ac:picMkLst>
-        </pc:picChg>
-        <pc:picChg chg="del">
-          <ac:chgData name="Boon Jun" userId="b9b2384c46af58b4" providerId="LiveId" clId="{07FA4B2E-902A-4B46-B455-FA227D8539BA}" dt="2020-02-13T14:54:16.112" v="3830" actId="478"/>
-          <ac:picMkLst>
-            <pc:docMk/>
-            <pc:sldMk cId="4197391946" sldId="280"/>
-            <ac:picMk id="21" creationId="{1EAAFDD7-270D-40BB-B235-F2B7DF98EC72}"/>
-          </ac:picMkLst>
-        </pc:picChg>
-      </pc:sldChg>
-      <pc:sldChg chg="addSp delSp modSp add">
-        <pc:chgData name="Boon Jun" userId="b9b2384c46af58b4" providerId="LiveId" clId="{07FA4B2E-902A-4B46-B455-FA227D8539BA}" dt="2020-02-13T07:18:46.637" v="2779" actId="1076"/>
-        <pc:sldMkLst>
-          <pc:docMk/>
-          <pc:sldMk cId="1928838991" sldId="281"/>
-        </pc:sldMkLst>
-        <pc:spChg chg="mod">
-          <ac:chgData name="Boon Jun" userId="b9b2384c46af58b4" providerId="LiveId" clId="{07FA4B2E-902A-4B46-B455-FA227D8539BA}" dt="2020-02-13T07:18:34.610" v="2776" actId="1076"/>
-          <ac:spMkLst>
-            <pc:docMk/>
-            <pc:sldMk cId="1928838991" sldId="281"/>
-            <ac:spMk id="2" creationId="{FF21E304-E4E0-438B-AB07-1B8DC03AFC6F}"/>
-          </ac:spMkLst>
-        </pc:spChg>
-        <pc:spChg chg="del">
-          <ac:chgData name="Boon Jun" userId="b9b2384c46af58b4" providerId="LiveId" clId="{07FA4B2E-902A-4B46-B455-FA227D8539BA}" dt="2020-02-13T07:18:20.889" v="2763" actId="478"/>
-          <ac:spMkLst>
-            <pc:docMk/>
-            <pc:sldMk cId="1928838991" sldId="281"/>
-            <ac:spMk id="10" creationId="{45E2ABB5-AA4B-4A0D-9553-8D9F0D57F433}"/>
-          </ac:spMkLst>
-        </pc:spChg>
-        <pc:spChg chg="del">
-          <ac:chgData name="Boon Jun" userId="b9b2384c46af58b4" providerId="LiveId" clId="{07FA4B2E-902A-4B46-B455-FA227D8539BA}" dt="2020-02-13T07:18:14.802" v="2762" actId="478"/>
-          <ac:spMkLst>
-            <pc:docMk/>
-            <pc:sldMk cId="1928838991" sldId="281"/>
-            <ac:spMk id="18" creationId="{246CA023-9845-437A-B011-CE82C4B1DF36}"/>
-          </ac:spMkLst>
-        </pc:spChg>
-        <pc:picChg chg="del">
-          <ac:chgData name="Boon Jun" userId="b9b2384c46af58b4" providerId="LiveId" clId="{07FA4B2E-902A-4B46-B455-FA227D8539BA}" dt="2020-02-13T07:18:22.281" v="2764" actId="478"/>
-          <ac:picMkLst>
-            <pc:docMk/>
-            <pc:sldMk cId="1928838991" sldId="281"/>
-            <ac:picMk id="7" creationId="{0F454814-B50C-4698-B6C0-6DE90A930257}"/>
-          </ac:picMkLst>
-        </pc:picChg>
-        <pc:picChg chg="del">
-          <ac:chgData name="Boon Jun" userId="b9b2384c46af58b4" providerId="LiveId" clId="{07FA4B2E-902A-4B46-B455-FA227D8539BA}" dt="2020-02-13T07:18:14.802" v="2762" actId="478"/>
-          <ac:picMkLst>
-            <pc:docMk/>
-            <pc:sldMk cId="1928838991" sldId="281"/>
-            <ac:picMk id="8" creationId="{E073DFF9-5F2D-4973-8E24-EE74661B9697}"/>
-          </ac:picMkLst>
-        </pc:picChg>
-        <pc:picChg chg="del">
-          <ac:chgData name="Boon Jun" userId="b9b2384c46af58b4" providerId="LiveId" clId="{07FA4B2E-902A-4B46-B455-FA227D8539BA}" dt="2020-02-13T07:18:22.281" v="2764" actId="478"/>
-          <ac:picMkLst>
-            <pc:docMk/>
-            <pc:sldMk cId="1928838991" sldId="281"/>
-            <ac:picMk id="9" creationId="{4484A587-4DE2-4E0E-BD31-1E5371FF1617}"/>
-          </ac:picMkLst>
-        </pc:picChg>
-        <pc:picChg chg="del">
-          <ac:chgData name="Boon Jun" userId="b9b2384c46af58b4" providerId="LiveId" clId="{07FA4B2E-902A-4B46-B455-FA227D8539BA}" dt="2020-02-13T07:18:22.281" v="2764" actId="478"/>
-          <ac:picMkLst>
-            <pc:docMk/>
-            <pc:sldMk cId="1928838991" sldId="281"/>
-            <ac:picMk id="11" creationId="{787A3D66-E702-4786-9334-AA8574247486}"/>
-          </ac:picMkLst>
-        </pc:picChg>
-        <pc:picChg chg="del">
-          <ac:chgData name="Boon Jun" userId="b9b2384c46af58b4" providerId="LiveId" clId="{07FA4B2E-902A-4B46-B455-FA227D8539BA}" dt="2020-02-13T07:18:22.281" v="2764" actId="478"/>
-          <ac:picMkLst>
-            <pc:docMk/>
-            <pc:sldMk cId="1928838991" sldId="281"/>
-            <ac:picMk id="13" creationId="{10818EE9-430A-4CC4-BD02-5BDDEF750326}"/>
-          </ac:picMkLst>
-        </pc:picChg>
-        <pc:picChg chg="add mod">
-          <ac:chgData name="Boon Jun" userId="b9b2384c46af58b4" providerId="LiveId" clId="{07FA4B2E-902A-4B46-B455-FA227D8539BA}" dt="2020-02-13T07:18:46.637" v="2779" actId="1076"/>
-          <ac:picMkLst>
-            <pc:docMk/>
-            <pc:sldMk cId="1928838991" sldId="281"/>
-            <ac:picMk id="14" creationId="{D25A411E-A926-4AB4-B5BF-1F7B3E0854BD}"/>
-          </ac:picMkLst>
-        </pc:picChg>
-        <pc:picChg chg="del">
-          <ac:chgData name="Boon Jun" userId="b9b2384c46af58b4" providerId="LiveId" clId="{07FA4B2E-902A-4B46-B455-FA227D8539BA}" dt="2020-02-13T07:18:22.281" v="2764" actId="478"/>
-          <ac:picMkLst>
-            <pc:docMk/>
-            <pc:sldMk cId="1928838991" sldId="281"/>
-            <ac:picMk id="17" creationId="{2AB76BBD-A7C0-47CD-8857-DAAB96FDAC61}"/>
-          </ac:picMkLst>
-        </pc:picChg>
-        <pc:picChg chg="del">
-          <ac:chgData name="Boon Jun" userId="b9b2384c46af58b4" providerId="LiveId" clId="{07FA4B2E-902A-4B46-B455-FA227D8539BA}" dt="2020-02-13T07:18:22.281" v="2764" actId="478"/>
-          <ac:picMkLst>
-            <pc:docMk/>
-            <pc:sldMk cId="1928838991" sldId="281"/>
-            <ac:picMk id="19" creationId="{2C9D18F4-DF60-4C50-9850-912CD1CB918E}"/>
-          </ac:picMkLst>
-        </pc:picChg>
-        <pc:picChg chg="del">
-          <ac:chgData name="Boon Jun" userId="b9b2384c46af58b4" providerId="LiveId" clId="{07FA4B2E-902A-4B46-B455-FA227D8539BA}" dt="2020-02-13T07:18:22.281" v="2764" actId="478"/>
-          <ac:picMkLst>
-            <pc:docMk/>
-            <pc:sldMk cId="1928838991" sldId="281"/>
-            <ac:picMk id="21" creationId="{1EAAFDD7-270D-40BB-B235-F2B7DF98EC72}"/>
-          </ac:picMkLst>
-        </pc:picChg>
-      </pc:sldChg>
-      <pc:sldChg chg="addSp delSp modSp add ord">
-        <pc:chgData name="Boon Jun" userId="b9b2384c46af58b4" providerId="LiveId" clId="{07FA4B2E-902A-4B46-B455-FA227D8539BA}" dt="2020-02-13T14:53:31.095" v="3805" actId="207"/>
-        <pc:sldMkLst>
-          <pc:docMk/>
-          <pc:sldMk cId="448769969" sldId="282"/>
-        </pc:sldMkLst>
-        <pc:spChg chg="del">
-          <ac:chgData name="Boon Jun" userId="b9b2384c46af58b4" providerId="LiveId" clId="{07FA4B2E-902A-4B46-B455-FA227D8539BA}" dt="2020-02-13T08:41:39.123" v="2811" actId="478"/>
-          <ac:spMkLst>
-            <pc:docMk/>
-            <pc:sldMk cId="448769969" sldId="282"/>
-            <ac:spMk id="8" creationId="{B452A63B-48F2-48C5-81B3-285FC0421F98}"/>
-          </ac:spMkLst>
-        </pc:spChg>
-        <pc:spChg chg="mod">
-          <ac:chgData name="Boon Jun" userId="b9b2384c46af58b4" providerId="LiveId" clId="{07FA4B2E-902A-4B46-B455-FA227D8539BA}" dt="2020-02-13T08:48:38.422" v="2844" actId="1076"/>
-          <ac:spMkLst>
-            <pc:docMk/>
-            <pc:sldMk cId="448769969" sldId="282"/>
-            <ac:spMk id="10" creationId="{45E2ABB5-AA4B-4A0D-9553-8D9F0D57F433}"/>
-          </ac:spMkLst>
-        </pc:spChg>
-        <pc:spChg chg="del">
-          <ac:chgData name="Boon Jun" userId="b9b2384c46af58b4" providerId="LiveId" clId="{07FA4B2E-902A-4B46-B455-FA227D8539BA}" dt="2020-02-13T08:41:41.179" v="2813" actId="478"/>
-          <ac:spMkLst>
-            <pc:docMk/>
-            <pc:sldMk cId="448769969" sldId="282"/>
-            <ac:spMk id="16" creationId="{43EC70CF-418E-449B-8F23-60C0331C3AF1}"/>
-          </ac:spMkLst>
-        </pc:spChg>
-        <pc:spChg chg="del">
-          <ac:chgData name="Boon Jun" userId="b9b2384c46af58b4" providerId="LiveId" clId="{07FA4B2E-902A-4B46-B455-FA227D8539BA}" dt="2020-02-13T08:41:39.959" v="2812" actId="478"/>
-          <ac:spMkLst>
-            <pc:docMk/>
-            <pc:sldMk cId="448769969" sldId="282"/>
-            <ac:spMk id="20" creationId="{656E65F0-7028-48A5-9D66-1E5927A60C4C}"/>
-          </ac:spMkLst>
-        </pc:spChg>
-        <pc:spChg chg="del">
-          <ac:chgData name="Boon Jun" userId="b9b2384c46af58b4" providerId="LiveId" clId="{07FA4B2E-902A-4B46-B455-FA227D8539BA}" dt="2020-02-13T08:41:44.789" v="2816" actId="478"/>
-          <ac:spMkLst>
-            <pc:docMk/>
-            <pc:sldMk cId="448769969" sldId="282"/>
-            <ac:spMk id="22" creationId="{A02A4A20-F180-4BE1-966A-15E3B0B8B041}"/>
-          </ac:spMkLst>
-        </pc:spChg>
-        <pc:spChg chg="add mod">
-          <ac:chgData name="Boon Jun" userId="b9b2384c46af58b4" providerId="LiveId" clId="{07FA4B2E-902A-4B46-B455-FA227D8539BA}" dt="2020-02-13T08:49:23.816" v="2894" actId="1076"/>
-          <ac:spMkLst>
-            <pc:docMk/>
-            <pc:sldMk cId="448769969" sldId="282"/>
-            <ac:spMk id="23" creationId="{D1857ACB-06DA-42A2-B009-DA5DAF07A526}"/>
-          </ac:spMkLst>
-        </pc:spChg>
-        <pc:grpChg chg="add mod">
-          <ac:chgData name="Boon Jun" userId="b9b2384c46af58b4" providerId="LiveId" clId="{07FA4B2E-902A-4B46-B455-FA227D8539BA}" dt="2020-02-13T08:49:28.349" v="2895" actId="1076"/>
-          <ac:grpSpMkLst>
-            <pc:docMk/>
-            <pc:sldMk cId="448769969" sldId="282"/>
-            <ac:grpSpMk id="15" creationId="{3A0848DF-A269-4310-9200-B5B2A5293F80}"/>
-          </ac:grpSpMkLst>
-        </pc:grpChg>
-        <pc:picChg chg="del">
-          <ac:chgData name="Boon Jun" userId="b9b2384c46af58b4" providerId="LiveId" clId="{07FA4B2E-902A-4B46-B455-FA227D8539BA}" dt="2020-02-13T08:41:31.434" v="2806" actId="478"/>
-          <ac:picMkLst>
-            <pc:docMk/>
-            <pc:sldMk cId="448769969" sldId="282"/>
-            <ac:picMk id="4" creationId="{1A09FB53-B480-43EA-BF51-1165BDFCD5D9}"/>
-          </ac:picMkLst>
-        </pc:picChg>
-        <pc:picChg chg="add del mod ord">
-          <ac:chgData name="Boon Jun" userId="b9b2384c46af58b4" providerId="LiveId" clId="{07FA4B2E-902A-4B46-B455-FA227D8539BA}" dt="2020-02-13T08:48:41.181" v="2845" actId="164"/>
-          <ac:picMkLst>
-            <pc:docMk/>
-            <pc:sldMk cId="448769969" sldId="282"/>
-            <ac:picMk id="5" creationId="{AB3BFC04-D7A4-4DAE-8E8F-8F1A148FB9B9}"/>
-          </ac:picMkLst>
-        </pc:picChg>
-        <pc:picChg chg="del">
-          <ac:chgData name="Boon Jun" userId="b9b2384c46af58b4" providerId="LiveId" clId="{07FA4B2E-902A-4B46-B455-FA227D8539BA}" dt="2020-02-13T08:41:36.488" v="2810" actId="478"/>
-          <ac:picMkLst>
-            <pc:docMk/>
-            <pc:sldMk cId="448769969" sldId="282"/>
-            <ac:picMk id="6" creationId="{B0C6816B-0D15-4574-A76A-778D709CA8D1}"/>
-          </ac:picMkLst>
-        </pc:picChg>
-        <pc:picChg chg="add mod ord">
-          <ac:chgData name="Boon Jun" userId="b9b2384c46af58b4" providerId="LiveId" clId="{07FA4B2E-902A-4B46-B455-FA227D8539BA}" dt="2020-02-13T08:48:41.181" v="2845" actId="164"/>
-          <ac:picMkLst>
-            <pc:docMk/>
-            <pc:sldMk cId="448769969" sldId="282"/>
-            <ac:picMk id="14" creationId="{614EB4F5-08D9-4A33-8DFB-3D937284102D}"/>
-          </ac:picMkLst>
-        </pc:picChg>
-        <pc:picChg chg="add mod">
-          <ac:chgData name="Boon Jun" userId="b9b2384c46af58b4" providerId="LiveId" clId="{07FA4B2E-902A-4B46-B455-FA227D8539BA}" dt="2020-02-13T14:53:31.095" v="3805" actId="207"/>
-          <ac:picMkLst>
-            <pc:docMk/>
-            <pc:sldMk cId="448769969" sldId="282"/>
-            <ac:picMk id="16" creationId="{5B85F150-14F3-4D89-A22C-8243856372AD}"/>
-          </ac:picMkLst>
-        </pc:picChg>
-        <pc:picChg chg="del">
-          <ac:chgData name="Boon Jun" userId="b9b2384c46af58b4" providerId="LiveId" clId="{07FA4B2E-902A-4B46-B455-FA227D8539BA}" dt="2020-02-13T14:53:19.300" v="3801" actId="478"/>
-          <ac:picMkLst>
-            <pc:docMk/>
-            <pc:sldMk cId="448769969" sldId="282"/>
-            <ac:picMk id="19" creationId="{2C9D18F4-DF60-4C50-9850-912CD1CB918E}"/>
-          </ac:picMkLst>
-        </pc:picChg>
-        <pc:picChg chg="del">
-          <ac:chgData name="Boon Jun" userId="b9b2384c46af58b4" providerId="LiveId" clId="{07FA4B2E-902A-4B46-B455-FA227D8539BA}" dt="2020-02-13T14:53:21.223" v="3803" actId="478"/>
-          <ac:picMkLst>
-            <pc:docMk/>
-            <pc:sldMk cId="448769969" sldId="282"/>
-            <ac:picMk id="21" creationId="{1EAAFDD7-270D-40BB-B235-F2B7DF98EC72}"/>
-          </ac:picMkLst>
-        </pc:picChg>
-        <pc:picChg chg="add mod">
-          <ac:chgData name="Boon Jun" userId="b9b2384c46af58b4" providerId="LiveId" clId="{07FA4B2E-902A-4B46-B455-FA227D8539BA}" dt="2020-02-13T08:48:41.181" v="2845" actId="164"/>
-          <ac:picMkLst>
-            <pc:docMk/>
-            <pc:sldMk cId="448769969" sldId="282"/>
-            <ac:picMk id="1026" creationId="{BAF15449-2383-4B4B-998D-F4E4ED2DC167}"/>
-          </ac:picMkLst>
-        </pc:picChg>
-      </pc:sldChg>
-      <pc:sldChg chg="addSp delSp modSp add">
-        <pc:chgData name="Boon Jun" userId="b9b2384c46af58b4" providerId="LiveId" clId="{07FA4B2E-902A-4B46-B455-FA227D8539BA}" dt="2020-02-13T14:52:33.421" v="3781" actId="478"/>
-        <pc:sldMkLst>
-          <pc:docMk/>
-          <pc:sldMk cId="2457063894" sldId="283"/>
-        </pc:sldMkLst>
-        <pc:grpChg chg="del">
-          <ac:chgData name="Boon Jun" userId="b9b2384c46af58b4" providerId="LiveId" clId="{07FA4B2E-902A-4B46-B455-FA227D8539BA}" dt="2020-02-13T13:51:47.452" v="2909" actId="478"/>
-          <ac:grpSpMkLst>
-            <pc:docMk/>
-            <pc:sldMk cId="2457063894" sldId="283"/>
-            <ac:grpSpMk id="16" creationId="{42FCBA91-79B9-432A-AFB5-D14194C68518}"/>
-          </ac:grpSpMkLst>
-        </pc:grpChg>
-        <pc:picChg chg="add mod">
-          <ac:chgData name="Boon Jun" userId="b9b2384c46af58b4" providerId="LiveId" clId="{07FA4B2E-902A-4B46-B455-FA227D8539BA}" dt="2020-02-13T14:11:20.914" v="3369" actId="1076"/>
-          <ac:picMkLst>
-            <pc:docMk/>
-            <pc:sldMk cId="2457063894" sldId="283"/>
-            <ac:picMk id="4" creationId="{33DAC2CD-A671-49C0-926B-031B9EE53E31}"/>
-          </ac:picMkLst>
-        </pc:picChg>
-        <pc:picChg chg="add">
-          <ac:chgData name="Boon Jun" userId="b9b2384c46af58b4" providerId="LiveId" clId="{07FA4B2E-902A-4B46-B455-FA227D8539BA}" dt="2020-02-13T14:52:32.101" v="3780"/>
-          <ac:picMkLst>
-            <pc:docMk/>
-            <pc:sldMk cId="2457063894" sldId="283"/>
-            <ac:picMk id="18" creationId="{1941B363-3234-4188-AAB7-5166EC0772CB}"/>
-          </ac:picMkLst>
-        </pc:picChg>
-        <pc:picChg chg="del">
-          <ac:chgData name="Boon Jun" userId="b9b2384c46af58b4" providerId="LiveId" clId="{07FA4B2E-902A-4B46-B455-FA227D8539BA}" dt="2020-02-13T14:52:31.841" v="3779" actId="478"/>
-          <ac:picMkLst>
-            <pc:docMk/>
-            <pc:sldMk cId="2457063894" sldId="283"/>
-            <ac:picMk id="19" creationId="{2C9D18F4-DF60-4C50-9850-912CD1CB918E}"/>
-          </ac:picMkLst>
-        </pc:picChg>
-        <pc:picChg chg="del">
-          <ac:chgData name="Boon Jun" userId="b9b2384c46af58b4" providerId="LiveId" clId="{07FA4B2E-902A-4B46-B455-FA227D8539BA}" dt="2020-02-13T14:52:33.421" v="3781" actId="478"/>
-          <ac:picMkLst>
-            <pc:docMk/>
-            <pc:sldMk cId="2457063894" sldId="283"/>
-            <ac:picMk id="21" creationId="{1EAAFDD7-270D-40BB-B235-F2B7DF98EC72}"/>
-          </ac:picMkLst>
-        </pc:picChg>
-        <pc:picChg chg="del">
-          <ac:chgData name="Boon Jun" userId="b9b2384c46af58b4" providerId="LiveId" clId="{07FA4B2E-902A-4B46-B455-FA227D8539BA}" dt="2020-02-13T13:51:43.922" v="2908" actId="478"/>
-          <ac:picMkLst>
-            <pc:docMk/>
-            <pc:sldMk cId="2457063894" sldId="283"/>
-            <ac:picMk id="2050" creationId="{EDAA3C66-9856-43C0-9E71-DF9C9727AB29}"/>
-          </ac:picMkLst>
-        </pc:picChg>
-      </pc:sldChg>
-      <pc:sldChg chg="addSp delSp modSp add">
-        <pc:chgData name="Boon Jun" userId="b9b2384c46af58b4" providerId="LiveId" clId="{07FA4B2E-902A-4B46-B455-FA227D8539BA}" dt="2020-02-13T14:53:58.485" v="3821" actId="478"/>
-        <pc:sldMkLst>
-          <pc:docMk/>
-          <pc:sldMk cId="3063102901" sldId="284"/>
-        </pc:sldMkLst>
-        <pc:spChg chg="mod">
-          <ac:chgData name="Boon Jun" userId="b9b2384c46af58b4" providerId="LiveId" clId="{07FA4B2E-902A-4B46-B455-FA227D8539BA}" dt="2020-02-13T13:56:29.574" v="2972" actId="20577"/>
-          <ac:spMkLst>
-            <pc:docMk/>
-            <pc:sldMk cId="3063102901" sldId="284"/>
-            <ac:spMk id="10" creationId="{45E2ABB5-AA4B-4A0D-9553-8D9F0D57F433}"/>
-          </ac:spMkLst>
-        </pc:spChg>
-        <pc:spChg chg="add mod">
-          <ac:chgData name="Boon Jun" userId="b9b2384c46af58b4" providerId="LiveId" clId="{07FA4B2E-902A-4B46-B455-FA227D8539BA}" dt="2020-02-13T14:02:08.197" v="3226" actId="2711"/>
-          <ac:spMkLst>
-            <pc:docMk/>
-            <pc:sldMk cId="3063102901" sldId="284"/>
-            <ac:spMk id="14" creationId="{791D7063-6504-44BC-ABF6-C0FCAFAF8160}"/>
-          </ac:spMkLst>
-        </pc:spChg>
-        <pc:spChg chg="add del mod">
-          <ac:chgData name="Boon Jun" userId="b9b2384c46af58b4" providerId="LiveId" clId="{07FA4B2E-902A-4B46-B455-FA227D8539BA}" dt="2020-02-13T14:00:48.458" v="3225" actId="1076"/>
-          <ac:spMkLst>
-            <pc:docMk/>
-            <pc:sldMk cId="3063102901" sldId="284"/>
-            <ac:spMk id="15" creationId="{D986C221-6C06-496E-A9B5-A3B055059838}"/>
-          </ac:spMkLst>
-        </pc:spChg>
-        <pc:spChg chg="add mod">
-          <ac:chgData name="Boon Jun" userId="b9b2384c46af58b4" providerId="LiveId" clId="{07FA4B2E-902A-4B46-B455-FA227D8539BA}" dt="2020-02-13T14:00:48.458" v="3225" actId="1076"/>
-          <ac:spMkLst>
-            <pc:docMk/>
-            <pc:sldMk cId="3063102901" sldId="284"/>
-            <ac:spMk id="16" creationId="{00958EA9-2343-42C8-8BDA-89DFF475B52D}"/>
-          </ac:spMkLst>
-        </pc:spChg>
-        <pc:spChg chg="add mod">
-          <ac:chgData name="Boon Jun" userId="b9b2384c46af58b4" providerId="LiveId" clId="{07FA4B2E-902A-4B46-B455-FA227D8539BA}" dt="2020-02-13T14:00:48.458" v="3225" actId="1076"/>
-          <ac:spMkLst>
-            <pc:docMk/>
-            <pc:sldMk cId="3063102901" sldId="284"/>
-            <ac:spMk id="18" creationId="{376BAC12-FE09-4CB4-B6B0-94EE46E72BF4}"/>
-          </ac:spMkLst>
-        </pc:spChg>
-        <pc:spChg chg="del">
-          <ac:chgData name="Boon Jun" userId="b9b2384c46af58b4" providerId="LiveId" clId="{07FA4B2E-902A-4B46-B455-FA227D8539BA}" dt="2020-02-13T13:56:37.828" v="2975" actId="478"/>
-          <ac:spMkLst>
-            <pc:docMk/>
-            <pc:sldMk cId="3063102901" sldId="284"/>
-            <ac:spMk id="20" creationId="{B2FAB1E0-6DF9-48A8-BF90-EFC2AD90DB28}"/>
-          </ac:spMkLst>
-        </pc:spChg>
-        <pc:graphicFrameChg chg="del">
-          <ac:chgData name="Boon Jun" userId="b9b2384c46af58b4" providerId="LiveId" clId="{07FA4B2E-902A-4B46-B455-FA227D8539BA}" dt="2020-02-13T13:56:37.828" v="2975" actId="478"/>
-          <ac:graphicFrameMkLst>
-            <pc:docMk/>
-            <pc:sldMk cId="3063102901" sldId="284"/>
-            <ac:graphicFrameMk id="5" creationId="{1219424E-77CF-47E6-AAE0-BC062A0DC967}"/>
-          </ac:graphicFrameMkLst>
-        </pc:graphicFrameChg>
-        <pc:picChg chg="del">
-          <ac:chgData name="Boon Jun" userId="b9b2384c46af58b4" providerId="LiveId" clId="{07FA4B2E-902A-4B46-B455-FA227D8539BA}" dt="2020-02-13T14:53:56.642" v="3819" actId="478"/>
-          <ac:picMkLst>
-            <pc:docMk/>
-            <pc:sldMk cId="3063102901" sldId="284"/>
-            <ac:picMk id="19" creationId="{2C9D18F4-DF60-4C50-9850-912CD1CB918E}"/>
-          </ac:picMkLst>
-        </pc:picChg>
-        <pc:picChg chg="del">
-          <ac:chgData name="Boon Jun" userId="b9b2384c46af58b4" providerId="LiveId" clId="{07FA4B2E-902A-4B46-B455-FA227D8539BA}" dt="2020-02-13T14:53:58.485" v="3821" actId="478"/>
-          <ac:picMkLst>
-            <pc:docMk/>
-            <pc:sldMk cId="3063102901" sldId="284"/>
-            <ac:picMk id="21" creationId="{1EAAFDD7-270D-40BB-B235-F2B7DF98EC72}"/>
-          </ac:picMkLst>
-        </pc:picChg>
-        <pc:picChg chg="add">
-          <ac:chgData name="Boon Jun" userId="b9b2384c46af58b4" providerId="LiveId" clId="{07FA4B2E-902A-4B46-B455-FA227D8539BA}" dt="2020-02-13T14:53:57.220" v="3820"/>
-          <ac:picMkLst>
-            <pc:docMk/>
-            <pc:sldMk cId="3063102901" sldId="284"/>
-            <ac:picMk id="22" creationId="{1ED43997-9DC2-40AF-87B5-ABEEF7AC0CD1}"/>
-          </ac:picMkLst>
-        </pc:picChg>
-      </pc:sldChg>
-      <pc:sldChg chg="addSp delSp add ord">
-        <pc:chgData name="Boon Jun" userId="b9b2384c46af58b4" providerId="LiveId" clId="{07FA4B2E-902A-4B46-B455-FA227D8539BA}" dt="2020-02-13T14:54:21.196" v="3833" actId="478"/>
-        <pc:sldMkLst>
-          <pc:docMk/>
-          <pc:sldMk cId="1029338606" sldId="285"/>
-        </pc:sldMkLst>
-        <pc:picChg chg="add">
-          <ac:chgData name="Boon Jun" userId="b9b2384c46af58b4" providerId="LiveId" clId="{07FA4B2E-902A-4B46-B455-FA227D8539BA}" dt="2020-02-13T14:54:19.896" v="3832"/>
-          <ac:picMkLst>
-            <pc:docMk/>
-            <pc:sldMk cId="1029338606" sldId="285"/>
-            <ac:picMk id="14" creationId="{6299479E-D349-42F1-868F-8A806D9DB685}"/>
-          </ac:picMkLst>
-        </pc:picChg>
-        <pc:picChg chg="del">
-          <ac:chgData name="Boon Jun" userId="b9b2384c46af58b4" providerId="LiveId" clId="{07FA4B2E-902A-4B46-B455-FA227D8539BA}" dt="2020-02-13T14:54:19.403" v="3831" actId="478"/>
-          <ac:picMkLst>
-            <pc:docMk/>
-            <pc:sldMk cId="1029338606" sldId="285"/>
-            <ac:picMk id="19" creationId="{2C9D18F4-DF60-4C50-9850-912CD1CB918E}"/>
-          </ac:picMkLst>
-        </pc:picChg>
-        <pc:picChg chg="del">
-          <ac:chgData name="Boon Jun" userId="b9b2384c46af58b4" providerId="LiveId" clId="{07FA4B2E-902A-4B46-B455-FA227D8539BA}" dt="2020-02-13T14:54:21.196" v="3833" actId="478"/>
-          <ac:picMkLst>
-            <pc:docMk/>
-            <pc:sldMk cId="1029338606" sldId="285"/>
-            <ac:picMk id="21" creationId="{1EAAFDD7-270D-40BB-B235-F2B7DF98EC72}"/>
-          </ac:picMkLst>
-        </pc:picChg>
-      </pc:sldChg>
-      <pc:sldChg chg="addSp delSp modSp add">
-        <pc:chgData name="Boon Jun" userId="b9b2384c46af58b4" providerId="LiveId" clId="{07FA4B2E-902A-4B46-B455-FA227D8539BA}" dt="2020-02-13T15:21:24.074" v="4222" actId="1035"/>
-        <pc:sldMkLst>
-          <pc:docMk/>
-          <pc:sldMk cId="121191856" sldId="286"/>
-        </pc:sldMkLst>
-        <pc:spChg chg="mod">
-          <ac:chgData name="Boon Jun" userId="b9b2384c46af58b4" providerId="LiveId" clId="{07FA4B2E-902A-4B46-B455-FA227D8539BA}" dt="2020-02-13T15:06:04.078" v="3843" actId="20577"/>
-          <ac:spMkLst>
-            <pc:docMk/>
-            <pc:sldMk cId="121191856" sldId="286"/>
-            <ac:spMk id="2" creationId="{FF21E304-E4E0-438B-AB07-1B8DC03AFC6F}"/>
-          </ac:spMkLst>
-        </pc:spChg>
-        <pc:spChg chg="del">
-          <ac:chgData name="Boon Jun" userId="b9b2384c46af58b4" providerId="LiveId" clId="{07FA4B2E-902A-4B46-B455-FA227D8539BA}" dt="2020-02-13T15:06:16.481" v="3845" actId="478"/>
-          <ac:spMkLst>
-            <pc:docMk/>
-            <pc:sldMk cId="121191856" sldId="286"/>
-            <ac:spMk id="10" creationId="{45E2ABB5-AA4B-4A0D-9553-8D9F0D57F433}"/>
-          </ac:spMkLst>
-        </pc:spChg>
-        <pc:spChg chg="del">
-          <ac:chgData name="Boon Jun" userId="b9b2384c46af58b4" providerId="LiveId" clId="{07FA4B2E-902A-4B46-B455-FA227D8539BA}" dt="2020-02-13T15:06:00.646" v="3836" actId="478"/>
-          <ac:spMkLst>
-            <pc:docMk/>
-            <pc:sldMk cId="121191856" sldId="286"/>
-            <ac:spMk id="12" creationId="{A57D88D3-310F-49F1-9E41-B24B393DB265}"/>
-          </ac:spMkLst>
-        </pc:spChg>
-        <pc:spChg chg="add mod">
-          <ac:chgData name="Boon Jun" userId="b9b2384c46af58b4" providerId="LiveId" clId="{07FA4B2E-902A-4B46-B455-FA227D8539BA}" dt="2020-02-13T15:21:00.427" v="4135" actId="164"/>
-          <ac:spMkLst>
-            <pc:docMk/>
-            <pc:sldMk cId="121191856" sldId="286"/>
-            <ac:spMk id="15" creationId="{62E3146B-EFCC-4AD4-9349-4B9B8494A7D7}"/>
-          </ac:spMkLst>
-        </pc:spChg>
-        <pc:spChg chg="add mod">
-          <ac:chgData name="Boon Jun" userId="b9b2384c46af58b4" providerId="LiveId" clId="{07FA4B2E-902A-4B46-B455-FA227D8539BA}" dt="2020-02-13T15:21:03.436" v="4136" actId="164"/>
-          <ac:spMkLst>
-            <pc:docMk/>
-            <pc:sldMk cId="121191856" sldId="286"/>
-            <ac:spMk id="18" creationId="{A8A804C9-385C-4793-8993-F9BBBE363F55}"/>
-          </ac:spMkLst>
-        </pc:spChg>
-        <pc:spChg chg="add mod">
-          <ac:chgData name="Boon Jun" userId="b9b2384c46af58b4" providerId="LiveId" clId="{07FA4B2E-902A-4B46-B455-FA227D8539BA}" dt="2020-02-13T15:21:05.293" v="4137" actId="164"/>
-          <ac:spMkLst>
-            <pc:docMk/>
-            <pc:sldMk cId="121191856" sldId="286"/>
-            <ac:spMk id="22" creationId="{9407FE9A-CB6A-4BB5-98A9-0A7530DAB2B7}"/>
-          </ac:spMkLst>
-        </pc:spChg>
-        <pc:grpChg chg="add mod">
-          <ac:chgData name="Boon Jun" userId="b9b2384c46af58b4" providerId="LiveId" clId="{07FA4B2E-902A-4B46-B455-FA227D8539BA}" dt="2020-02-13T15:21:24.074" v="4222" actId="1035"/>
-          <ac:grpSpMkLst>
-            <pc:docMk/>
-            <pc:sldMk cId="121191856" sldId="286"/>
-            <ac:grpSpMk id="21" creationId="{9BB594AB-AF97-4B45-866B-E85B013877C8}"/>
-          </ac:grpSpMkLst>
-        </pc:grpChg>
-        <pc:grpChg chg="add mod">
-          <ac:chgData name="Boon Jun" userId="b9b2384c46af58b4" providerId="LiveId" clId="{07FA4B2E-902A-4B46-B455-FA227D8539BA}" dt="2020-02-13T15:21:24.074" v="4222" actId="1035"/>
-          <ac:grpSpMkLst>
-            <pc:docMk/>
-            <pc:sldMk cId="121191856" sldId="286"/>
-            <ac:grpSpMk id="23" creationId="{B12609BB-8476-4B28-9114-7B4259486364}"/>
-          </ac:grpSpMkLst>
-        </pc:grpChg>
-        <pc:grpChg chg="add mod">
-          <ac:chgData name="Boon Jun" userId="b9b2384c46af58b4" providerId="LiveId" clId="{07FA4B2E-902A-4B46-B455-FA227D8539BA}" dt="2020-02-13T15:21:24.074" v="4222" actId="1035"/>
-          <ac:grpSpMkLst>
-            <pc:docMk/>
-            <pc:sldMk cId="121191856" sldId="286"/>
-            <ac:grpSpMk id="25" creationId="{EA049BB6-60A9-47A8-9E46-3677317C6F8A}"/>
-          </ac:grpSpMkLst>
-        </pc:grpChg>
-        <pc:graphicFrameChg chg="del">
-          <ac:chgData name="Boon Jun" userId="b9b2384c46af58b4" providerId="LiveId" clId="{07FA4B2E-902A-4B46-B455-FA227D8539BA}" dt="2020-02-13T15:06:00.646" v="3836" actId="478"/>
-          <ac:graphicFrameMkLst>
-            <pc:docMk/>
-            <pc:sldMk cId="121191856" sldId="286"/>
-            <ac:graphicFrameMk id="24" creationId="{8D2CBF1B-7348-4101-8C58-4653FB35D38A}"/>
-          </ac:graphicFrameMkLst>
-        </pc:graphicFrameChg>
-        <pc:picChg chg="add mod">
-          <ac:chgData name="Boon Jun" userId="b9b2384c46af58b4" providerId="LiveId" clId="{07FA4B2E-902A-4B46-B455-FA227D8539BA}" dt="2020-02-13T15:21:00.427" v="4135" actId="164"/>
-          <ac:picMkLst>
-            <pc:docMk/>
-            <pc:sldMk cId="121191856" sldId="286"/>
-            <ac:picMk id="4" creationId="{AFE09240-54CE-4BCB-81B5-43C2E84F514E}"/>
-          </ac:picMkLst>
-        </pc:picChg>
-        <pc:picChg chg="add mod">
-          <ac:chgData name="Boon Jun" userId="b9b2384c46af58b4" providerId="LiveId" clId="{07FA4B2E-902A-4B46-B455-FA227D8539BA}" dt="2020-02-13T15:21:03.436" v="4136" actId="164"/>
-          <ac:picMkLst>
-            <pc:docMk/>
-            <pc:sldMk cId="121191856" sldId="286"/>
-            <ac:picMk id="6" creationId="{320BC816-E47B-4120-BD37-FE16566C38DA}"/>
-          </ac:picMkLst>
-        </pc:picChg>
-        <pc:picChg chg="del">
-          <ac:chgData name="Boon Jun" userId="b9b2384c46af58b4" providerId="LiveId" clId="{07FA4B2E-902A-4B46-B455-FA227D8539BA}" dt="2020-02-13T15:06:07.442" v="3844" actId="478"/>
-          <ac:picMkLst>
-            <pc:docMk/>
-            <pc:sldMk cId="121191856" sldId="286"/>
-            <ac:picMk id="7" creationId="{0F454814-B50C-4698-B6C0-6DE90A930257}"/>
-          </ac:picMkLst>
-        </pc:picChg>
-        <pc:picChg chg="del">
-          <ac:chgData name="Boon Jun" userId="b9b2384c46af58b4" providerId="LiveId" clId="{07FA4B2E-902A-4B46-B455-FA227D8539BA}" dt="2020-02-13T15:06:07.442" v="3844" actId="478"/>
-          <ac:picMkLst>
-            <pc:docMk/>
-            <pc:sldMk cId="121191856" sldId="286"/>
-            <ac:picMk id="9" creationId="{4484A587-4DE2-4E0E-BD31-1E5371FF1617}"/>
-          </ac:picMkLst>
-        </pc:picChg>
-        <pc:picChg chg="del">
-          <ac:chgData name="Boon Jun" userId="b9b2384c46af58b4" providerId="LiveId" clId="{07FA4B2E-902A-4B46-B455-FA227D8539BA}" dt="2020-02-13T15:06:07.442" v="3844" actId="478"/>
-          <ac:picMkLst>
-            <pc:docMk/>
-            <pc:sldMk cId="121191856" sldId="286"/>
-            <ac:picMk id="11" creationId="{787A3D66-E702-4786-9334-AA8574247486}"/>
-          </ac:picMkLst>
-        </pc:picChg>
-        <pc:picChg chg="del">
-          <ac:chgData name="Boon Jun" userId="b9b2384c46af58b4" providerId="LiveId" clId="{07FA4B2E-902A-4B46-B455-FA227D8539BA}" dt="2020-02-13T15:06:07.442" v="3844" actId="478"/>
-          <ac:picMkLst>
-            <pc:docMk/>
-            <pc:sldMk cId="121191856" sldId="286"/>
-            <ac:picMk id="13" creationId="{10818EE9-430A-4CC4-BD02-5BDDEF750326}"/>
-          </ac:picMkLst>
-        </pc:picChg>
-        <pc:picChg chg="del">
-          <ac:chgData name="Boon Jun" userId="b9b2384c46af58b4" providerId="LiveId" clId="{07FA4B2E-902A-4B46-B455-FA227D8539BA}" dt="2020-02-13T15:06:07.442" v="3844" actId="478"/>
-          <ac:picMkLst>
-            <pc:docMk/>
-            <pc:sldMk cId="121191856" sldId="286"/>
-            <ac:picMk id="14" creationId="{6299479E-D349-42F1-868F-8A806D9DB685}"/>
-          </ac:picMkLst>
-        </pc:picChg>
-        <pc:picChg chg="add del mod">
-          <ac:chgData name="Boon Jun" userId="b9b2384c46af58b4" providerId="LiveId" clId="{07FA4B2E-902A-4B46-B455-FA227D8539BA}" dt="2020-02-13T15:18:27.702" v="3984" actId="478"/>
-          <ac:picMkLst>
-            <pc:docMk/>
-            <pc:sldMk cId="121191856" sldId="286"/>
-            <ac:picMk id="16" creationId="{3F8519C8-0C9B-4C00-9D66-AA17CC8520F4}"/>
-          </ac:picMkLst>
-        </pc:picChg>
-        <pc:picChg chg="del">
-          <ac:chgData name="Boon Jun" userId="b9b2384c46af58b4" providerId="LiveId" clId="{07FA4B2E-902A-4B46-B455-FA227D8539BA}" dt="2020-02-13T15:06:07.442" v="3844" actId="478"/>
-          <ac:picMkLst>
-            <pc:docMk/>
-            <pc:sldMk cId="121191856" sldId="286"/>
-            <ac:picMk id="17" creationId="{2AB76BBD-A7C0-47CD-8857-DAAB96FDAC61}"/>
-          </ac:picMkLst>
-        </pc:picChg>
-        <pc:picChg chg="add mod">
-          <ac:chgData name="Boon Jun" userId="b9b2384c46af58b4" providerId="LiveId" clId="{07FA4B2E-902A-4B46-B455-FA227D8539BA}" dt="2020-02-13T15:21:05.293" v="4137" actId="164"/>
-          <ac:picMkLst>
-            <pc:docMk/>
-            <pc:sldMk cId="121191856" sldId="286"/>
-            <ac:picMk id="20" creationId="{A4E3651D-B90B-40AE-B9D6-37FB0D8231AE}"/>
-          </ac:picMkLst>
-        </pc:picChg>
-      </pc:sldChg>
-      <pc:sldChg chg="addSp delSp modSp add">
-        <pc:chgData name="Boon Jun" userId="b9b2384c46af58b4" providerId="LiveId" clId="{07FA4B2E-902A-4B46-B455-FA227D8539BA}" dt="2020-02-13T15:31:03.344" v="4444" actId="20577"/>
-        <pc:sldMkLst>
-          <pc:docMk/>
-          <pc:sldMk cId="1410071435" sldId="287"/>
-        </pc:sldMkLst>
-        <pc:graphicFrameChg chg="modGraphic">
-          <ac:chgData name="Boon Jun" userId="b9b2384c46af58b4" providerId="LiveId" clId="{07FA4B2E-902A-4B46-B455-FA227D8539BA}" dt="2020-02-13T15:31:03.344" v="4444" actId="20577"/>
-          <ac:graphicFrameMkLst>
-            <pc:docMk/>
-            <pc:sldMk cId="1410071435" sldId="287"/>
-            <ac:graphicFrameMk id="3" creationId="{B5B65770-B6E3-400C-872F-727B877060EE}"/>
-          </ac:graphicFrameMkLst>
-        </pc:graphicFrameChg>
-        <pc:picChg chg="del">
-          <ac:chgData name="Boon Jun" userId="b9b2384c46af58b4" providerId="LiveId" clId="{07FA4B2E-902A-4B46-B455-FA227D8539BA}" dt="2020-02-13T15:30:24.763" v="4401" actId="478"/>
-          <ac:picMkLst>
-            <pc:docMk/>
-            <pc:sldMk cId="1410071435" sldId="287"/>
-            <ac:picMk id="15" creationId="{C7A484BE-4A97-49CD-B03B-9CF61532E229}"/>
-          </ac:picMkLst>
-        </pc:picChg>
-        <pc:picChg chg="add mod ord">
-          <ac:chgData name="Boon Jun" userId="b9b2384c46af58b4" providerId="LiveId" clId="{07FA4B2E-902A-4B46-B455-FA227D8539BA}" dt="2020-02-13T15:30:23.676" v="4400" actId="167"/>
-          <ac:picMkLst>
-            <pc:docMk/>
-            <pc:sldMk cId="1410071435" sldId="287"/>
-            <ac:picMk id="16" creationId="{D88545E4-F933-43BE-91F6-7F0583A61B7F}"/>
-          </ac:picMkLst>
-        </pc:picChg>
-      </pc:sldChg>
-      <pc:sldChg chg="addSp delSp modSp add">
-        <pc:chgData name="Boon Jun" userId="b9b2384c46af58b4" providerId="LiveId" clId="{07FA4B2E-902A-4B46-B455-FA227D8539BA}" dt="2020-02-13T15:31:57.512" v="4454" actId="1076"/>
-        <pc:sldMkLst>
-          <pc:docMk/>
-          <pc:sldMk cId="958400579" sldId="288"/>
-        </pc:sldMkLst>
-        <pc:graphicFrameChg chg="del">
-          <ac:chgData name="Boon Jun" userId="b9b2384c46af58b4" providerId="LiveId" clId="{07FA4B2E-902A-4B46-B455-FA227D8539BA}" dt="2020-02-13T15:31:14.873" v="4446" actId="478"/>
-          <ac:graphicFrameMkLst>
-            <pc:docMk/>
-            <pc:sldMk cId="958400579" sldId="288"/>
-            <ac:graphicFrameMk id="3" creationId="{B5B65770-B6E3-400C-872F-727B877060EE}"/>
-          </ac:graphicFrameMkLst>
-        </pc:graphicFrameChg>
-        <pc:picChg chg="add mod">
-          <ac:chgData name="Boon Jun" userId="b9b2384c46af58b4" providerId="LiveId" clId="{07FA4B2E-902A-4B46-B455-FA227D8539BA}" dt="2020-02-13T15:31:26.044" v="4450" actId="1076"/>
-          <ac:picMkLst>
-            <pc:docMk/>
-            <pc:sldMk cId="958400579" sldId="288"/>
-            <ac:picMk id="15" creationId="{1C5E297C-E221-40BF-91B5-E558927FF0C5}"/>
-          </ac:picMkLst>
-        </pc:picChg>
-        <pc:picChg chg="del">
-          <ac:chgData name="Boon Jun" userId="b9b2384c46af58b4" providerId="LiveId" clId="{07FA4B2E-902A-4B46-B455-FA227D8539BA}" dt="2020-02-13T15:31:14.873" v="4446" actId="478"/>
-          <ac:picMkLst>
-            <pc:docMk/>
-            <pc:sldMk cId="958400579" sldId="288"/>
-            <ac:picMk id="16" creationId="{D88545E4-F933-43BE-91F6-7F0583A61B7F}"/>
-          </ac:picMkLst>
-        </pc:picChg>
-        <pc:picChg chg="add mod">
-          <ac:chgData name="Boon Jun" userId="b9b2384c46af58b4" providerId="LiveId" clId="{07FA4B2E-902A-4B46-B455-FA227D8539BA}" dt="2020-02-13T15:31:57.512" v="4454" actId="1076"/>
-          <ac:picMkLst>
-            <pc:docMk/>
-            <pc:sldMk cId="958400579" sldId="288"/>
-            <ac:picMk id="18" creationId="{CF102800-9C9E-4F68-AD4E-857AC68FB8CD}"/>
-          </ac:picMkLst>
-        </pc:picChg>
-      </pc:sldChg>
-      <pc:sldChg chg="addSp modSp add">
-        <pc:chgData name="Boon Jun" userId="b9b2384c46af58b4" providerId="LiveId" clId="{07FA4B2E-902A-4B46-B455-FA227D8539BA}" dt="2020-02-13T15:35:02.444" v="4547" actId="20577"/>
-        <pc:sldMkLst>
-          <pc:docMk/>
-          <pc:sldMk cId="710032340" sldId="289"/>
-        </pc:sldMkLst>
-        <pc:spChg chg="mod">
-          <ac:chgData name="Boon Jun" userId="b9b2384c46af58b4" providerId="LiveId" clId="{07FA4B2E-902A-4B46-B455-FA227D8539BA}" dt="2020-02-13T15:34:25.936" v="4526" actId="1076"/>
-          <ac:spMkLst>
-            <pc:docMk/>
-            <pc:sldMk cId="710032340" sldId="289"/>
-            <ac:spMk id="18" creationId="{246CA023-9845-437A-B011-CE82C4B1DF36}"/>
-          </ac:spMkLst>
-        </pc:spChg>
-        <pc:spChg chg="add mod">
-          <ac:chgData name="Boon Jun" userId="b9b2384c46af58b4" providerId="LiveId" clId="{07FA4B2E-902A-4B46-B455-FA227D8539BA}" dt="2020-02-13T15:35:02.444" v="4547" actId="20577"/>
-          <ac:spMkLst>
-            <pc:docMk/>
-            <pc:sldMk cId="710032340" sldId="289"/>
-            <ac:spMk id="22" creationId="{0F2A1647-8C07-4CE6-9EB4-07FCBC9C257B}"/>
-          </ac:spMkLst>
-        </pc:spChg>
-      </pc:sldChg>
-    </pc:docChg>
-  </pc:docChgLst>
 </pc:chgInfo>
 </file>
 
 <file path=ppt/charts/chart1.xml><?xml version="1.0" encoding="utf-8"?>
 <c:chartSpace xmlns:c="http://schemas.openxmlformats.org/drawingml/2006/chart" xmlns:a="http://schemas.openxmlformats.org/drawingml/2006/main" xmlns:r="http://schemas.openxmlformats.org/officeDocument/2006/relationships" xmlns:c16r2="http://schemas.microsoft.com/office/drawing/2015/06/chart">
   <c:date1904 val="0"/>
-  <c:lang val="en-GB"/>
+  <c:lang val="en-US"/>
   <c:roundedCorners val="0"/>
   <mc:AlternateContent xmlns:mc="http://schemas.openxmlformats.org/markup-compatibility/2006">
     <mc:Choice xmlns:c14="http://schemas.microsoft.com/office/drawing/2007/8/2/chart" Requires="c14">
@@ -5172,7 +5274,7 @@
           <a:p>
             <a:fld id="{186960D6-B357-4E61-B05B-B12515D9341B}" type="datetimeFigureOut">
               <a:rPr lang="en-SG" smtClean="0"/>
-              <a:t>14/2/20</a:t>
+              <a:t>14/2/2020</a:t>
             </a:fld>
             <a:endParaRPr lang="en-SG"/>
           </a:p>
@@ -5372,7 +5474,7 @@
           <a:p>
             <a:fld id="{186960D6-B357-4E61-B05B-B12515D9341B}" type="datetimeFigureOut">
               <a:rPr lang="en-SG" smtClean="0"/>
-              <a:t>14/2/20</a:t>
+              <a:t>14/2/2020</a:t>
             </a:fld>
             <a:endParaRPr lang="en-SG"/>
           </a:p>
@@ -5582,7 +5684,7 @@
           <a:p>
             <a:fld id="{186960D6-B357-4E61-B05B-B12515D9341B}" type="datetimeFigureOut">
               <a:rPr lang="en-SG" smtClean="0"/>
-              <a:t>14/2/20</a:t>
+              <a:t>14/2/2020</a:t>
             </a:fld>
             <a:endParaRPr lang="en-SG"/>
           </a:p>
@@ -5782,7 +5884,7 @@
           <a:p>
             <a:fld id="{186960D6-B357-4E61-B05B-B12515D9341B}" type="datetimeFigureOut">
               <a:rPr lang="en-SG" smtClean="0"/>
-              <a:t>14/2/20</a:t>
+              <a:t>14/2/2020</a:t>
             </a:fld>
             <a:endParaRPr lang="en-SG"/>
           </a:p>
@@ -6058,7 +6160,7 @@
           <a:p>
             <a:fld id="{186960D6-B357-4E61-B05B-B12515D9341B}" type="datetimeFigureOut">
               <a:rPr lang="en-SG" smtClean="0"/>
-              <a:t>14/2/20</a:t>
+              <a:t>14/2/2020</a:t>
             </a:fld>
             <a:endParaRPr lang="en-SG"/>
           </a:p>
@@ -6326,7 +6428,7 @@
           <a:p>
             <a:fld id="{186960D6-B357-4E61-B05B-B12515D9341B}" type="datetimeFigureOut">
               <a:rPr lang="en-SG" smtClean="0"/>
-              <a:t>14/2/20</a:t>
+              <a:t>14/2/2020</a:t>
             </a:fld>
             <a:endParaRPr lang="en-SG"/>
           </a:p>
@@ -6741,7 +6843,7 @@
           <a:p>
             <a:fld id="{186960D6-B357-4E61-B05B-B12515D9341B}" type="datetimeFigureOut">
               <a:rPr lang="en-SG" smtClean="0"/>
-              <a:t>14/2/20</a:t>
+              <a:t>14/2/2020</a:t>
             </a:fld>
             <a:endParaRPr lang="en-SG"/>
           </a:p>
@@ -6883,7 +6985,7 @@
           <a:p>
             <a:fld id="{186960D6-B357-4E61-B05B-B12515D9341B}" type="datetimeFigureOut">
               <a:rPr lang="en-SG" smtClean="0"/>
-              <a:t>14/2/20</a:t>
+              <a:t>14/2/2020</a:t>
             </a:fld>
             <a:endParaRPr lang="en-SG"/>
           </a:p>
@@ -6996,7 +7098,7 @@
           <a:p>
             <a:fld id="{186960D6-B357-4E61-B05B-B12515D9341B}" type="datetimeFigureOut">
               <a:rPr lang="en-SG" smtClean="0"/>
-              <a:t>14/2/20</a:t>
+              <a:t>14/2/2020</a:t>
             </a:fld>
             <a:endParaRPr lang="en-SG"/>
           </a:p>
@@ -7309,7 +7411,7 @@
           <a:p>
             <a:fld id="{186960D6-B357-4E61-B05B-B12515D9341B}" type="datetimeFigureOut">
               <a:rPr lang="en-SG" smtClean="0"/>
-              <a:t>14/2/20</a:t>
+              <a:t>14/2/2020</a:t>
             </a:fld>
             <a:endParaRPr lang="en-SG"/>
           </a:p>
@@ -7598,7 +7700,7 @@
           <a:p>
             <a:fld id="{186960D6-B357-4E61-B05B-B12515D9341B}" type="datetimeFigureOut">
               <a:rPr lang="en-SG" smtClean="0"/>
-              <a:t>14/2/20</a:t>
+              <a:t>14/2/2020</a:t>
             </a:fld>
             <a:endParaRPr lang="en-SG"/>
           </a:p>
@@ -7841,7 +7943,7 @@
           <a:p>
             <a:fld id="{186960D6-B357-4E61-B05B-B12515D9341B}" type="datetimeFigureOut">
               <a:rPr lang="en-SG" smtClean="0"/>
-              <a:t>14/2/20</a:t>
+              <a:t>14/2/2020</a:t>
             </a:fld>
             <a:endParaRPr lang="en-SG"/>
           </a:p>
@@ -21579,12 +21681,51 @@
           </a:p>
         </p:txBody>
       </p:sp>
+      <p:pic>
+        <p:nvPicPr>
+          <p:cNvPr id="22" name="Graphic 21" descr="Piggy Bank">
+            <a:extLst>
+              <a:ext uri="{FF2B5EF4-FFF2-40B4-BE49-F238E27FC236}">
+                <a16:creationId xmlns:a16="http://schemas.microsoft.com/office/drawing/2014/main" id="{1ED43997-9DC2-40AF-87B5-ABEEF7AC0CD1}"/>
+              </a:ext>
+            </a:extLst>
+          </p:cNvPr>
+          <p:cNvPicPr>
+            <a:picLocks noChangeAspect="1"/>
+          </p:cNvPicPr>
+          <p:nvPr/>
+        </p:nvPicPr>
+        <p:blipFill>
+          <a:blip r:embed="rId12">
+            <a:extLst>
+              <a:ext uri="{28A0092B-C50C-407E-A947-70E740481C1C}">
+                <a14:useLocalDpi xmlns:a14="http://schemas.microsoft.com/office/drawing/2010/main" val="0"/>
+              </a:ext>
+              <a:ext uri="{96DAC541-7B7A-43D3-8B79-37D633B846F1}">
+                <asvg:svgBlip xmlns:asvg="http://schemas.microsoft.com/office/drawing/2016/SVG/main" r:embed="rId13"/>
+              </a:ext>
+            </a:extLst>
+          </a:blip>
+          <a:stretch>
+            <a:fillRect/>
+          </a:stretch>
+        </p:blipFill>
+        <p:spPr>
+          <a:xfrm>
+            <a:off x="9911124" y="5966194"/>
+            <a:ext cx="360000" cy="360000"/>
+          </a:xfrm>
+          <a:prstGeom prst="rect">
+            <a:avLst/>
+          </a:prstGeom>
+        </p:spPr>
+      </p:pic>
       <p:sp>
         <p:nvSpPr>
-          <p:cNvPr id="15" name="TextBox 14">
-            <a:extLst>
-              <a:ext uri="{FF2B5EF4-FFF2-40B4-BE49-F238E27FC236}">
-                <a16:creationId xmlns:a16="http://schemas.microsoft.com/office/drawing/2014/main" id="{D986C221-6C06-496E-A9B5-A3B055059838}"/>
+          <p:cNvPr id="19" name="TextBox 18">
+            <a:extLst>
+              <a:ext uri="{FF2B5EF4-FFF2-40B4-BE49-F238E27FC236}">
+                <a16:creationId xmlns:a16="http://schemas.microsoft.com/office/drawing/2014/main" id="{F743011E-2556-4A28-8809-A22977FD19FB}"/>
               </a:ext>
             </a:extLst>
           </p:cNvPr>
@@ -21593,7 +21734,7 @@
         </p:nvSpPr>
         <p:spPr>
           <a:xfrm>
-            <a:off x="2267886" y="1779647"/>
+            <a:off x="3221555" y="1587517"/>
             <a:ext cx="7656228" cy="459357"/>
           </a:xfrm>
           <a:prstGeom prst="rect">
@@ -21607,12 +21748,10 @@
           </a:bodyPr>
           <a:lstStyle/>
           <a:p>
-            <a:pPr marL="285750" indent="-285750">
+            <a:pPr>
               <a:lnSpc>
                 <a:spcPct val="150000"/>
               </a:lnSpc>
-              <a:buFont typeface="Arial" panose="020B0604020202020204" pitchFamily="34" charset="0"/>
-              <a:buChar char="•"/>
             </a:pPr>
             <a:r>
               <a:rPr lang="en-SG" dirty="0">
@@ -21666,10 +21805,10 @@
       </p:sp>
       <p:sp>
         <p:nvSpPr>
-          <p:cNvPr id="14" name="TextBox 13">
-            <a:extLst>
-              <a:ext uri="{FF2B5EF4-FFF2-40B4-BE49-F238E27FC236}">
-                <a16:creationId xmlns:a16="http://schemas.microsoft.com/office/drawing/2014/main" id="{791D7063-6504-44BC-ABF6-C0FCAFAF8160}"/>
+          <p:cNvPr id="20" name="TextBox 19">
+            <a:extLst>
+              <a:ext uri="{FF2B5EF4-FFF2-40B4-BE49-F238E27FC236}">
+                <a16:creationId xmlns:a16="http://schemas.microsoft.com/office/drawing/2014/main" id="{2067DBF6-5BD0-45E6-943E-9A7B04089933}"/>
               </a:ext>
             </a:extLst>
           </p:cNvPr>
@@ -21678,7 +21817,7 @@
         </p:nvSpPr>
         <p:spPr>
           <a:xfrm>
-            <a:off x="2827070" y="2335954"/>
+            <a:off x="3697805" y="2145870"/>
             <a:ext cx="7656228" cy="459357"/>
           </a:xfrm>
           <a:prstGeom prst="rect">
@@ -21762,10 +21901,10 @@
       </p:sp>
       <p:sp>
         <p:nvSpPr>
-          <p:cNvPr id="16" name="TextBox 15">
-            <a:extLst>
-              <a:ext uri="{FF2B5EF4-FFF2-40B4-BE49-F238E27FC236}">
-                <a16:creationId xmlns:a16="http://schemas.microsoft.com/office/drawing/2014/main" id="{00958EA9-2343-42C8-8BDA-89DFF475B52D}"/>
+          <p:cNvPr id="21" name="TextBox 20">
+            <a:extLst>
+              <a:ext uri="{FF2B5EF4-FFF2-40B4-BE49-F238E27FC236}">
+                <a16:creationId xmlns:a16="http://schemas.microsoft.com/office/drawing/2014/main" id="{153C7D8F-0C03-4C66-9F85-77C8D732178C}"/>
               </a:ext>
             </a:extLst>
           </p:cNvPr>
@@ -21774,7 +21913,7 @@
         </p:nvSpPr>
         <p:spPr>
           <a:xfrm>
-            <a:off x="2267886" y="2892261"/>
+            <a:off x="3221555" y="3133616"/>
             <a:ext cx="7656228" cy="459357"/>
           </a:xfrm>
           <a:prstGeom prst="rect">
@@ -21788,12 +21927,10 @@
           </a:bodyPr>
           <a:lstStyle/>
           <a:p>
-            <a:pPr marL="285750" indent="-285750">
+            <a:pPr>
               <a:lnSpc>
                 <a:spcPct val="150000"/>
               </a:lnSpc>
-              <a:buFont typeface="Arial" panose="020B0604020202020204" pitchFamily="34" charset="0"/>
-              <a:buChar char="•"/>
             </a:pPr>
             <a:r>
               <a:rPr lang="en-SG" dirty="0">
@@ -21810,10 +21947,10 @@
       </p:sp>
       <p:sp>
         <p:nvSpPr>
-          <p:cNvPr id="18" name="TextBox 17">
-            <a:extLst>
-              <a:ext uri="{FF2B5EF4-FFF2-40B4-BE49-F238E27FC236}">
-                <a16:creationId xmlns:a16="http://schemas.microsoft.com/office/drawing/2014/main" id="{376BAC12-FE09-4CB4-B6B0-94EE46E72BF4}"/>
+          <p:cNvPr id="23" name="TextBox 22">
+            <a:extLst>
+              <a:ext uri="{FF2B5EF4-FFF2-40B4-BE49-F238E27FC236}">
+                <a16:creationId xmlns:a16="http://schemas.microsoft.com/office/drawing/2014/main" id="{7161BF57-654A-43A0-8E62-30000369DDE8}"/>
               </a:ext>
             </a:extLst>
           </p:cNvPr>
@@ -21822,8 +21959,8 @@
         </p:nvSpPr>
         <p:spPr>
           <a:xfrm>
-            <a:off x="2254131" y="3487120"/>
-            <a:ext cx="9018873" cy="874855"/>
+            <a:off x="3206581" y="4264218"/>
+            <a:ext cx="6975235" cy="874855"/>
           </a:xfrm>
           <a:prstGeom prst="rect">
             <a:avLst/>
@@ -21836,12 +21973,10 @@
           </a:bodyPr>
           <a:lstStyle/>
           <a:p>
-            <a:pPr marL="285750" indent="-285750">
+            <a:pPr>
               <a:lnSpc>
                 <a:spcPct val="150000"/>
               </a:lnSpc>
-              <a:buFont typeface="Arial" panose="020B0604020202020204" pitchFamily="34" charset="0"/>
-              <a:buChar char="•"/>
             </a:pPr>
             <a:r>
               <a:rPr lang="en-SG" dirty="0">
@@ -21858,10 +21993,10 @@
       </p:sp>
       <p:pic>
         <p:nvPicPr>
-          <p:cNvPr id="22" name="Graphic 21" descr="Piggy Bank">
-            <a:extLst>
-              <a:ext uri="{FF2B5EF4-FFF2-40B4-BE49-F238E27FC236}">
-                <a16:creationId xmlns:a16="http://schemas.microsoft.com/office/drawing/2014/main" id="{1ED43997-9DC2-40AF-87B5-ABEEF7AC0CD1}"/>
+          <p:cNvPr id="24" name="Graphic 23" descr="Money">
+            <a:extLst>
+              <a:ext uri="{FF2B5EF4-FFF2-40B4-BE49-F238E27FC236}">
+                <a16:creationId xmlns:a16="http://schemas.microsoft.com/office/drawing/2014/main" id="{D04923DE-DA12-40F8-8569-1E992BE802F6}"/>
               </a:ext>
             </a:extLst>
           </p:cNvPr>
@@ -21871,13 +22006,13 @@
           <p:nvPr/>
         </p:nvPicPr>
         <p:blipFill>
-          <a:blip r:embed="rId12">
+          <a:blip r:embed="rId14">
             <a:extLst>
               <a:ext uri="{28A0092B-C50C-407E-A947-70E740481C1C}">
                 <a14:useLocalDpi xmlns:a14="http://schemas.microsoft.com/office/drawing/2010/main" val="0"/>
               </a:ext>
               <a:ext uri="{96DAC541-7B7A-43D3-8B79-37D633B846F1}">
-                <asvg:svgBlip xmlns:asvg="http://schemas.microsoft.com/office/drawing/2016/SVG/main" r:embed="rId13"/>
+                <asvg:svgBlip xmlns:asvg="http://schemas.microsoft.com/office/drawing/2016/SVG/main" r:embed="rId15"/>
               </a:ext>
             </a:extLst>
           </a:blip>
@@ -21887,8 +22022,86 @@
         </p:blipFill>
         <p:spPr>
           <a:xfrm>
-            <a:off x="9911124" y="5966194"/>
-            <a:ext cx="360000" cy="360000"/>
+            <a:off x="1958761" y="2906094"/>
+            <a:ext cx="914400" cy="914400"/>
+          </a:xfrm>
+          <a:prstGeom prst="rect">
+            <a:avLst/>
+          </a:prstGeom>
+        </p:spPr>
+      </p:pic>
+      <p:pic>
+        <p:nvPicPr>
+          <p:cNvPr id="25" name="Graphic 24" descr="Mathematics">
+            <a:extLst>
+              <a:ext uri="{FF2B5EF4-FFF2-40B4-BE49-F238E27FC236}">
+                <a16:creationId xmlns:a16="http://schemas.microsoft.com/office/drawing/2014/main" id="{DBB049A8-284C-4A1C-9A10-764CFF012409}"/>
+              </a:ext>
+            </a:extLst>
+          </p:cNvPr>
+          <p:cNvPicPr>
+            <a:picLocks noChangeAspect="1"/>
+          </p:cNvPicPr>
+          <p:nvPr/>
+        </p:nvPicPr>
+        <p:blipFill>
+          <a:blip r:embed="rId16">
+            <a:extLst>
+              <a:ext uri="{28A0092B-C50C-407E-A947-70E740481C1C}">
+                <a14:useLocalDpi xmlns:a14="http://schemas.microsoft.com/office/drawing/2010/main" val="0"/>
+              </a:ext>
+              <a:ext uri="{96DAC541-7B7A-43D3-8B79-37D633B846F1}">
+                <asvg:svgBlip xmlns:asvg="http://schemas.microsoft.com/office/drawing/2016/SVG/main" r:embed="rId17"/>
+              </a:ext>
+            </a:extLst>
+          </a:blip>
+          <a:stretch>
+            <a:fillRect/>
+          </a:stretch>
+        </p:blipFill>
+        <p:spPr>
+          <a:xfrm>
+            <a:off x="1958761" y="1656679"/>
+            <a:ext cx="914400" cy="914400"/>
+          </a:xfrm>
+          <a:prstGeom prst="rect">
+            <a:avLst/>
+          </a:prstGeom>
+        </p:spPr>
+      </p:pic>
+      <p:pic>
+        <p:nvPicPr>
+          <p:cNvPr id="26" name="Graphic 25" descr="Eye">
+            <a:extLst>
+              <a:ext uri="{FF2B5EF4-FFF2-40B4-BE49-F238E27FC236}">
+                <a16:creationId xmlns:a16="http://schemas.microsoft.com/office/drawing/2014/main" id="{610E376F-8225-44E5-838F-30E7ABA2D4D8}"/>
+              </a:ext>
+            </a:extLst>
+          </p:cNvPr>
+          <p:cNvPicPr>
+            <a:picLocks noChangeAspect="1"/>
+          </p:cNvPicPr>
+          <p:nvPr/>
+        </p:nvPicPr>
+        <p:blipFill>
+          <a:blip r:embed="rId18">
+            <a:extLst>
+              <a:ext uri="{28A0092B-C50C-407E-A947-70E740481C1C}">
+                <a14:useLocalDpi xmlns:a14="http://schemas.microsoft.com/office/drawing/2010/main" val="0"/>
+              </a:ext>
+              <a:ext uri="{96DAC541-7B7A-43D3-8B79-37D633B846F1}">
+                <asvg:svgBlip xmlns:asvg="http://schemas.microsoft.com/office/drawing/2016/SVG/main" r:embed="rId19"/>
+              </a:ext>
+            </a:extLst>
+          </a:blip>
+          <a:stretch>
+            <a:fillRect/>
+          </a:stretch>
+        </p:blipFill>
+        <p:spPr>
+          <a:xfrm>
+            <a:off x="1958761" y="4264218"/>
+            <a:ext cx="914400" cy="914400"/>
           </a:xfrm>
           <a:prstGeom prst="rect">
             <a:avLst/>

--- a/Grp Presentation.pptx
+++ b/Grp Presentation.pptx
@@ -149,7 +149,7 @@
 <p1510:revInfo xmlns:a="http://schemas.openxmlformats.org/drawingml/2006/main" xmlns:r="http://schemas.openxmlformats.org/officeDocument/2006/relationships" xmlns:p1510="http://schemas.microsoft.com/office/powerpoint/2015/10/main">
   <p1510:revLst>
     <p1510:client id="{07FA4B2E-902A-4B46-B455-FA227D8539BA}" v="462" dt="2020-02-13T15:35:33.442"/>
-    <p1510:client id="{D4FFD855-904D-4A26-8473-2185EA92CFC7}" v="32" dt="2020-02-14T02:30:52.106"/>
+    <p1510:client id="{D4FFD855-904D-4A26-8473-2185EA92CFC7}" v="39" dt="2020-02-14T02:40:28.645"/>
   </p1510:revLst>
 </p1510:revInfo>
 </file>
@@ -3277,7 +3277,7 @@
   <pc:docChgLst>
     <pc:chgData name="Boon Jun" userId="b9b2384c46af58b4" providerId="LiveId" clId="{D4FFD855-904D-4A26-8473-2185EA92CFC7}"/>
     <pc:docChg chg="custSel addSld delSld modSld sldOrd">
-      <pc:chgData name="Boon Jun" userId="b9b2384c46af58b4" providerId="LiveId" clId="{D4FFD855-904D-4A26-8473-2185EA92CFC7}" dt="2020-02-14T02:30:52.106" v="148"/>
+      <pc:chgData name="Boon Jun" userId="b9b2384c46af58b4" providerId="LiveId" clId="{D4FFD855-904D-4A26-8473-2185EA92CFC7}" dt="2020-02-14T02:44:48.898" v="187" actId="20577"/>
       <pc:docMkLst>
         <pc:docMk/>
       </pc:docMkLst>
@@ -3296,6 +3296,21 @@
           </ac:spMkLst>
         </pc:spChg>
       </pc:sldChg>
+      <pc:sldChg chg="modSp">
+        <pc:chgData name="Boon Jun" userId="b9b2384c46af58b4" providerId="LiveId" clId="{D4FFD855-904D-4A26-8473-2185EA92CFC7}" dt="2020-02-14T02:39:57.493" v="170" actId="20577"/>
+        <pc:sldMkLst>
+          <pc:docMk/>
+          <pc:sldMk cId="4288803398" sldId="261"/>
+        </pc:sldMkLst>
+        <pc:spChg chg="mod">
+          <ac:chgData name="Boon Jun" userId="b9b2384c46af58b4" providerId="LiveId" clId="{D4FFD855-904D-4A26-8473-2185EA92CFC7}" dt="2020-02-14T02:39:57.493" v="170" actId="20577"/>
+          <ac:spMkLst>
+            <pc:docMk/>
+            <pc:sldMk cId="4288803398" sldId="261"/>
+            <ac:spMk id="34" creationId="{ADA85AC4-4E67-4EC9-8959-12B9FA7B0155}"/>
+          </ac:spMkLst>
+        </pc:spChg>
+      </pc:sldChg>
       <pc:sldChg chg="ord">
         <pc:chgData name="Boon Jun" userId="b9b2384c46af58b4" providerId="LiveId" clId="{D4FFD855-904D-4A26-8473-2185EA92CFC7}" dt="2020-02-14T01:21:00.424" v="5"/>
         <pc:sldMkLst>
@@ -3303,12 +3318,35 @@
           <pc:sldMk cId="1800494445" sldId="264"/>
         </pc:sldMkLst>
       </pc:sldChg>
-      <pc:sldChg chg="ord">
-        <pc:chgData name="Boon Jun" userId="b9b2384c46af58b4" providerId="LiveId" clId="{D4FFD855-904D-4A26-8473-2185EA92CFC7}" dt="2020-02-14T01:20:44.468" v="3"/>
+      <pc:sldChg chg="modSp ord">
+        <pc:chgData name="Boon Jun" userId="b9b2384c46af58b4" providerId="LiveId" clId="{D4FFD855-904D-4A26-8473-2185EA92CFC7}" dt="2020-02-14T02:40:03.827" v="178" actId="20577"/>
         <pc:sldMkLst>
           <pc:docMk/>
           <pc:sldMk cId="3686962177" sldId="265"/>
         </pc:sldMkLst>
+        <pc:spChg chg="mod">
+          <ac:chgData name="Boon Jun" userId="b9b2384c46af58b4" providerId="LiveId" clId="{D4FFD855-904D-4A26-8473-2185EA92CFC7}" dt="2020-02-14T02:40:03.827" v="178" actId="20577"/>
+          <ac:spMkLst>
+            <pc:docMk/>
+            <pc:sldMk cId="3686962177" sldId="265"/>
+            <ac:spMk id="2" creationId="{FF21E304-E4E0-438B-AB07-1B8DC03AFC6F}"/>
+          </ac:spMkLst>
+        </pc:spChg>
+      </pc:sldChg>
+      <pc:sldChg chg="modSp">
+        <pc:chgData name="Boon Jun" userId="b9b2384c46af58b4" providerId="LiveId" clId="{D4FFD855-904D-4A26-8473-2185EA92CFC7}" dt="2020-02-14T02:40:22.893" v="182"/>
+        <pc:sldMkLst>
+          <pc:docMk/>
+          <pc:sldMk cId="636087106" sldId="266"/>
+        </pc:sldMkLst>
+        <pc:spChg chg="mod">
+          <ac:chgData name="Boon Jun" userId="b9b2384c46af58b4" providerId="LiveId" clId="{D4FFD855-904D-4A26-8473-2185EA92CFC7}" dt="2020-02-14T02:40:22.893" v="182"/>
+          <ac:spMkLst>
+            <pc:docMk/>
+            <pc:sldMk cId="636087106" sldId="266"/>
+            <ac:spMk id="2" creationId="{FF21E304-E4E0-438B-AB07-1B8DC03AFC6F}"/>
+          </ac:spMkLst>
+        </pc:spChg>
       </pc:sldChg>
       <pc:sldChg chg="modSp">
         <pc:chgData name="Boon Jun" userId="b9b2384c46af58b4" providerId="LiveId" clId="{D4FFD855-904D-4A26-8473-2185EA92CFC7}" dt="2020-02-14T01:24:15.320" v="9" actId="14100"/>
@@ -3322,6 +3360,66 @@
             <pc:docMk/>
             <pc:sldMk cId="1764059947" sldId="268"/>
             <ac:spMk id="10" creationId="{371E5979-22FB-4EB1-B438-B2EA29F23B0D}"/>
+          </ac:spMkLst>
+        </pc:spChg>
+      </pc:sldChg>
+      <pc:sldChg chg="modSp">
+        <pc:chgData name="Boon Jun" userId="b9b2384c46af58b4" providerId="LiveId" clId="{D4FFD855-904D-4A26-8473-2185EA92CFC7}" dt="2020-02-14T02:40:14.800" v="180"/>
+        <pc:sldMkLst>
+          <pc:docMk/>
+          <pc:sldMk cId="1379808267" sldId="272"/>
+        </pc:sldMkLst>
+        <pc:spChg chg="mod">
+          <ac:chgData name="Boon Jun" userId="b9b2384c46af58b4" providerId="LiveId" clId="{D4FFD855-904D-4A26-8473-2185EA92CFC7}" dt="2020-02-14T02:40:14.800" v="180"/>
+          <ac:spMkLst>
+            <pc:docMk/>
+            <pc:sldMk cId="1379808267" sldId="272"/>
+            <ac:spMk id="2" creationId="{FF21E304-E4E0-438B-AB07-1B8DC03AFC6F}"/>
+          </ac:spMkLst>
+        </pc:spChg>
+      </pc:sldChg>
+      <pc:sldChg chg="modSp">
+        <pc:chgData name="Boon Jun" userId="b9b2384c46af58b4" providerId="LiveId" clId="{D4FFD855-904D-4A26-8473-2185EA92CFC7}" dt="2020-02-14T02:40:19.094" v="181"/>
+        <pc:sldMkLst>
+          <pc:docMk/>
+          <pc:sldMk cId="2499887071" sldId="273"/>
+        </pc:sldMkLst>
+        <pc:spChg chg="mod">
+          <ac:chgData name="Boon Jun" userId="b9b2384c46af58b4" providerId="LiveId" clId="{D4FFD855-904D-4A26-8473-2185EA92CFC7}" dt="2020-02-14T02:40:19.094" v="181"/>
+          <ac:spMkLst>
+            <pc:docMk/>
+            <pc:sldMk cId="2499887071" sldId="273"/>
+            <ac:spMk id="2" creationId="{FF21E304-E4E0-438B-AB07-1B8DC03AFC6F}"/>
+          </ac:spMkLst>
+        </pc:spChg>
+      </pc:sldChg>
+      <pc:sldChg chg="modSp">
+        <pc:chgData name="Boon Jun" userId="b9b2384c46af58b4" providerId="LiveId" clId="{D4FFD855-904D-4A26-8473-2185EA92CFC7}" dt="2020-02-14T02:44:48.898" v="187" actId="20577"/>
+        <pc:sldMkLst>
+          <pc:docMk/>
+          <pc:sldMk cId="2192696132" sldId="278"/>
+        </pc:sldMkLst>
+        <pc:graphicFrameChg chg="modGraphic">
+          <ac:chgData name="Boon Jun" userId="b9b2384c46af58b4" providerId="LiveId" clId="{D4FFD855-904D-4A26-8473-2185EA92CFC7}" dt="2020-02-14T02:44:48.898" v="187" actId="20577"/>
+          <ac:graphicFrameMkLst>
+            <pc:docMk/>
+            <pc:sldMk cId="2192696132" sldId="278"/>
+            <ac:graphicFrameMk id="5" creationId="{1219424E-77CF-47E6-AAE0-BC062A0DC967}"/>
+          </ac:graphicFrameMkLst>
+        </pc:graphicFrameChg>
+      </pc:sldChg>
+      <pc:sldChg chg="modSp">
+        <pc:chgData name="Boon Jun" userId="b9b2384c46af58b4" providerId="LiveId" clId="{D4FFD855-904D-4A26-8473-2185EA92CFC7}" dt="2020-02-14T02:40:09.823" v="179"/>
+        <pc:sldMkLst>
+          <pc:docMk/>
+          <pc:sldMk cId="2457063894" sldId="283"/>
+        </pc:sldMkLst>
+        <pc:spChg chg="mod">
+          <ac:chgData name="Boon Jun" userId="b9b2384c46af58b4" providerId="LiveId" clId="{D4FFD855-904D-4A26-8473-2185EA92CFC7}" dt="2020-02-14T02:40:09.823" v="179"/>
+          <ac:spMkLst>
+            <pc:docMk/>
+            <pc:sldMk cId="2457063894" sldId="283"/>
+            <ac:spMk id="2" creationId="{FF21E304-E4E0-438B-AB07-1B8DC03AFC6F}"/>
           </ac:spMkLst>
         </pc:spChg>
       </pc:sldChg>
@@ -3421,11 +3519,34 @@
         </pc:picChg>
       </pc:sldChg>
       <pc:sldChg chg="modSp">
-        <pc:chgData name="Boon Jun" userId="b9b2384c46af58b4" providerId="LiveId" clId="{D4FFD855-904D-4A26-8473-2185EA92CFC7}" dt="2020-02-14T01:22:33.450" v="8" actId="1076"/>
+        <pc:chgData name="Boon Jun" userId="b9b2384c46af58b4" providerId="LiveId" clId="{D4FFD855-904D-4A26-8473-2185EA92CFC7}" dt="2020-02-14T02:40:24.852" v="183"/>
+        <pc:sldMkLst>
+          <pc:docMk/>
+          <pc:sldMk cId="1410071435" sldId="287"/>
+        </pc:sldMkLst>
+        <pc:spChg chg="mod">
+          <ac:chgData name="Boon Jun" userId="b9b2384c46af58b4" providerId="LiveId" clId="{D4FFD855-904D-4A26-8473-2185EA92CFC7}" dt="2020-02-14T02:40:24.852" v="183"/>
+          <ac:spMkLst>
+            <pc:docMk/>
+            <pc:sldMk cId="1410071435" sldId="287"/>
+            <ac:spMk id="2" creationId="{FF21E304-E4E0-438B-AB07-1B8DC03AFC6F}"/>
+          </ac:spMkLst>
+        </pc:spChg>
+      </pc:sldChg>
+      <pc:sldChg chg="modSp">
+        <pc:chgData name="Boon Jun" userId="b9b2384c46af58b4" providerId="LiveId" clId="{D4FFD855-904D-4A26-8473-2185EA92CFC7}" dt="2020-02-14T02:40:28.645" v="185"/>
         <pc:sldMkLst>
           <pc:docMk/>
           <pc:sldMk cId="958400579" sldId="288"/>
         </pc:sldMkLst>
+        <pc:spChg chg="mod">
+          <ac:chgData name="Boon Jun" userId="b9b2384c46af58b4" providerId="LiveId" clId="{D4FFD855-904D-4A26-8473-2185EA92CFC7}" dt="2020-02-14T02:40:28.645" v="185"/>
+          <ac:spMkLst>
+            <pc:docMk/>
+            <pc:sldMk cId="958400579" sldId="288"/>
+            <ac:spMk id="2" creationId="{FF21E304-E4E0-438B-AB07-1B8DC03AFC6F}"/>
+          </ac:spMkLst>
+        </pc:spChg>
         <pc:picChg chg="mod">
           <ac:chgData name="Boon Jun" userId="b9b2384c46af58b4" providerId="LiveId" clId="{D4FFD855-904D-4A26-8473-2185EA92CFC7}" dt="2020-02-14T01:22:33.450" v="8" actId="1076"/>
           <ac:picMkLst>
@@ -8709,7 +8830,7 @@
                 </a:gradFill>
                 <a:latin typeface="Gotham Black" panose="02000603040000020004" pitchFamily="2" charset="0"/>
               </a:rPr>
-              <a:t>EDA</a:t>
+              <a:t>ANALYSIS</a:t>
             </a:r>
             <a:endParaRPr lang="en-SG" dirty="0">
               <a:gradFill>
@@ -9125,7 +9246,7 @@
                 </a:gradFill>
                 <a:latin typeface="Gotham Black" panose="02000603040000020004" pitchFamily="2" charset="0"/>
               </a:rPr>
-              <a:t>EDA</a:t>
+              <a:t>ANALYSIS</a:t>
             </a:r>
             <a:endParaRPr lang="en-SG" dirty="0">
               <a:gradFill>
@@ -9785,7 +9906,7 @@
                 </a:gradFill>
                 <a:latin typeface="Gotham Black" panose="02000603040000020004" pitchFamily="2" charset="0"/>
               </a:rPr>
-              <a:t>EDA</a:t>
+              <a:t>ANALYSIS</a:t>
             </a:r>
             <a:endParaRPr lang="en-SG" dirty="0">
               <a:gradFill>
@@ -11192,7 +11313,7 @@
                 </a:gradFill>
                 <a:latin typeface="Gotham Black" panose="02000603040000020004" pitchFamily="2" charset="0"/>
               </a:rPr>
-              <a:t>EDA</a:t>
+              <a:t>ANALYSIS</a:t>
             </a:r>
             <a:endParaRPr lang="en-SG" dirty="0">
               <a:gradFill>
@@ -11894,7 +12015,7 @@
                 </a:gradFill>
                 <a:latin typeface="Gotham Black" panose="02000603040000020004" pitchFamily="2" charset="0"/>
               </a:rPr>
-              <a:t>EDA</a:t>
+              <a:t>ANALYSIS</a:t>
             </a:r>
             <a:endParaRPr lang="en-SG" dirty="0">
               <a:gradFill>
@@ -12528,7 +12649,7 @@
                 </a:gradFill>
                 <a:latin typeface="Gotham Black" panose="02000603040000020004" pitchFamily="2" charset="0"/>
               </a:rPr>
-              <a:t>EDA</a:t>
+              <a:t>ANALYSIS</a:t>
             </a:r>
             <a:endParaRPr lang="en-SG" dirty="0">
               <a:gradFill>
@@ -20591,7 +20712,7 @@
           <p:nvPr>
             <p:extLst>
               <p:ext uri="{D42A27DB-BD31-4B8C-83A1-F6EECF244321}">
-                <p14:modId xmlns:p14="http://schemas.microsoft.com/office/powerpoint/2010/main" val="835043992"/>
+                <p14:modId xmlns:p14="http://schemas.microsoft.com/office/powerpoint/2010/main" val="2728471023"/>
               </p:ext>
             </p:extLst>
           </p:nvPr>
@@ -20731,7 +20852,7 @@
                           <a:latin typeface="Gotham Bold" panose="02000803030000020004" pitchFamily="2" charset="0"/>
                           <a:cs typeface="Gotham Book" pitchFamily="50" charset="0"/>
                         </a:rPr>
-                        <a:t> \+</a:t>
+                        <a:t> +</a:t>
                       </a:r>
                       <a:r>
                         <a:rPr lang="en-SG" sz="1400" b="0" i="0" u="none" strike="noStrike" dirty="0" err="1">
@@ -20783,7 +20904,7 @@
                           <a:latin typeface="Gotham Bold" panose="02000803030000020004" pitchFamily="2" charset="0"/>
                           <a:cs typeface="Gotham Book" pitchFamily="50" charset="0"/>
                         </a:rPr>
-                        <a:t> No\. of </a:t>
+                        <a:t> No. of </a:t>
                       </a:r>
                       <a:r>
                         <a:rPr lang="en-US" sz="1400" b="0" i="0" u="none" strike="noStrike" dirty="0" err="1">
@@ -29117,7 +29238,7 @@
                   <a:latin typeface="Gotham Book" pitchFamily="50" charset="0"/>
                   <a:cs typeface="Gotham Book" pitchFamily="50" charset="0"/>
                 </a:rPr>
-                <a:t>EDA</a:t>
+                <a:t>Analysis</a:t>
               </a:r>
             </a:p>
           </p:txBody>
@@ -30422,7 +30543,7 @@
                 </a:gradFill>
                 <a:latin typeface="Gotham Black" panose="02000603040000020004" pitchFamily="2" charset="0"/>
               </a:rPr>
-              <a:t>EDA</a:t>
+              <a:t>ANALYSIS</a:t>
             </a:r>
             <a:endParaRPr lang="en-SG" dirty="0">
               <a:gradFill>
